--- a/sql-on-docker.pptx
+++ b/sql-on-docker.pptx
@@ -8,16 +8,18 @@
     <p:sldId id="256" r:id="rId2"/>
     <p:sldId id="257" r:id="rId3"/>
     <p:sldId id="258" r:id="rId4"/>
-    <p:sldId id="259" r:id="rId5"/>
-    <p:sldId id="260" r:id="rId6"/>
-    <p:sldId id="262" r:id="rId7"/>
-    <p:sldId id="263" r:id="rId8"/>
-    <p:sldId id="265" r:id="rId9"/>
-    <p:sldId id="264" r:id="rId10"/>
+    <p:sldId id="260" r:id="rId5"/>
+    <p:sldId id="262" r:id="rId6"/>
+    <p:sldId id="263" r:id="rId7"/>
+    <p:sldId id="265" r:id="rId8"/>
+    <p:sldId id="264" r:id="rId9"/>
+    <p:sldId id="266" r:id="rId10"/>
     <p:sldId id="267" r:id="rId11"/>
-    <p:sldId id="266" r:id="rId12"/>
-    <p:sldId id="269" r:id="rId13"/>
-    <p:sldId id="268" r:id="rId14"/>
+    <p:sldId id="269" r:id="rId12"/>
+    <p:sldId id="259" r:id="rId13"/>
+    <p:sldId id="270" r:id="rId14"/>
+    <p:sldId id="271" r:id="rId15"/>
+    <p:sldId id="268" r:id="rId16"/>
   </p:sldIdLst>
   <p:sldSz cx="12192000" cy="6858000"/>
   <p:notesSz cx="6858000" cy="9144000"/>
@@ -116,6 +118,11 @@
       </a:defRPr>
     </a:lvl9pPr>
   </p:defaultTextStyle>
+  <p:extLst>
+    <p:ext uri="{EFAFB233-063F-42B5-8137-9DF3F51BA10A}">
+      <p15:sldGuideLst xmlns:p15="http://schemas.microsoft.com/office/powerpoint/2012/main"/>
+    </p:ext>
+  </p:extLst>
 </p:presentation>
 </file>
 
@@ -901,6 +908,753 @@
 </dgm:colorsDef>
 </file>
 
+<file path=ppt/diagrams/colors10.xml><?xml version="1.0" encoding="utf-8"?>
+<dgm:colorsDef xmlns:dgm="http://schemas.openxmlformats.org/drawingml/2006/diagram" xmlns:a="http://schemas.openxmlformats.org/drawingml/2006/main" uniqueId="urn:microsoft.com/office/officeart/2005/8/colors/accent1_2">
+  <dgm:title val=""/>
+  <dgm:desc val=""/>
+  <dgm:catLst>
+    <dgm:cat type="accent1" pri="11200"/>
+  </dgm:catLst>
+  <dgm:styleLbl name="node0">
+    <dgm:fillClrLst meth="repeat">
+      <a:schemeClr val="accent1"/>
+    </dgm:fillClrLst>
+    <dgm:linClrLst meth="repeat">
+      <a:schemeClr val="lt1"/>
+    </dgm:linClrLst>
+    <dgm:effectClrLst/>
+    <dgm:txLinClrLst/>
+    <dgm:txFillClrLst/>
+    <dgm:txEffectClrLst/>
+  </dgm:styleLbl>
+  <dgm:styleLbl name="alignNode1">
+    <dgm:fillClrLst meth="repeat">
+      <a:schemeClr val="accent1"/>
+    </dgm:fillClrLst>
+    <dgm:linClrLst meth="repeat">
+      <a:schemeClr val="accent1"/>
+    </dgm:linClrLst>
+    <dgm:effectClrLst/>
+    <dgm:txLinClrLst/>
+    <dgm:txFillClrLst/>
+    <dgm:txEffectClrLst/>
+  </dgm:styleLbl>
+  <dgm:styleLbl name="node1">
+    <dgm:fillClrLst meth="repeat">
+      <a:schemeClr val="accent1"/>
+    </dgm:fillClrLst>
+    <dgm:linClrLst meth="repeat">
+      <a:schemeClr val="lt1"/>
+    </dgm:linClrLst>
+    <dgm:effectClrLst/>
+    <dgm:txLinClrLst/>
+    <dgm:txFillClrLst/>
+    <dgm:txEffectClrLst/>
+  </dgm:styleLbl>
+  <dgm:styleLbl name="lnNode1">
+    <dgm:fillClrLst meth="repeat">
+      <a:schemeClr val="accent1"/>
+    </dgm:fillClrLst>
+    <dgm:linClrLst meth="repeat">
+      <a:schemeClr val="lt1"/>
+    </dgm:linClrLst>
+    <dgm:effectClrLst/>
+    <dgm:txLinClrLst/>
+    <dgm:txFillClrLst/>
+    <dgm:txEffectClrLst/>
+  </dgm:styleLbl>
+  <dgm:styleLbl name="vennNode1">
+    <dgm:fillClrLst meth="repeat">
+      <a:schemeClr val="accent1">
+        <a:alpha val="50000"/>
+      </a:schemeClr>
+    </dgm:fillClrLst>
+    <dgm:linClrLst meth="repeat">
+      <a:schemeClr val="lt1"/>
+    </dgm:linClrLst>
+    <dgm:effectClrLst/>
+    <dgm:txLinClrLst/>
+    <dgm:txFillClrLst/>
+    <dgm:txEffectClrLst/>
+  </dgm:styleLbl>
+  <dgm:styleLbl name="node2">
+    <dgm:fillClrLst meth="repeat">
+      <a:schemeClr val="accent1"/>
+    </dgm:fillClrLst>
+    <dgm:linClrLst meth="repeat">
+      <a:schemeClr val="lt1"/>
+    </dgm:linClrLst>
+    <dgm:effectClrLst/>
+    <dgm:txLinClrLst/>
+    <dgm:txFillClrLst/>
+    <dgm:txEffectClrLst/>
+  </dgm:styleLbl>
+  <dgm:styleLbl name="node3">
+    <dgm:fillClrLst meth="repeat">
+      <a:schemeClr val="accent1"/>
+    </dgm:fillClrLst>
+    <dgm:linClrLst meth="repeat">
+      <a:schemeClr val="lt1"/>
+    </dgm:linClrLst>
+    <dgm:effectClrLst/>
+    <dgm:txLinClrLst/>
+    <dgm:txFillClrLst/>
+    <dgm:txEffectClrLst/>
+  </dgm:styleLbl>
+  <dgm:styleLbl name="node4">
+    <dgm:fillClrLst meth="repeat">
+      <a:schemeClr val="accent1"/>
+    </dgm:fillClrLst>
+    <dgm:linClrLst meth="repeat">
+      <a:schemeClr val="lt1"/>
+    </dgm:linClrLst>
+    <dgm:effectClrLst/>
+    <dgm:txLinClrLst/>
+    <dgm:txFillClrLst/>
+    <dgm:txEffectClrLst/>
+  </dgm:styleLbl>
+  <dgm:styleLbl name="fgImgPlace1">
+    <dgm:fillClrLst meth="repeat">
+      <a:schemeClr val="accent1">
+        <a:tint val="50000"/>
+      </a:schemeClr>
+    </dgm:fillClrLst>
+    <dgm:linClrLst meth="repeat">
+      <a:schemeClr val="lt1"/>
+    </dgm:linClrLst>
+    <dgm:effectClrLst/>
+    <dgm:txLinClrLst/>
+    <dgm:txFillClrLst meth="repeat">
+      <a:schemeClr val="lt1"/>
+    </dgm:txFillClrLst>
+    <dgm:txEffectClrLst/>
+  </dgm:styleLbl>
+  <dgm:styleLbl name="alignImgPlace1">
+    <dgm:fillClrLst meth="repeat">
+      <a:schemeClr val="accent1">
+        <a:tint val="50000"/>
+      </a:schemeClr>
+    </dgm:fillClrLst>
+    <dgm:linClrLst meth="repeat">
+      <a:schemeClr val="lt1"/>
+    </dgm:linClrLst>
+    <dgm:effectClrLst/>
+    <dgm:txLinClrLst/>
+    <dgm:txFillClrLst meth="repeat">
+      <a:schemeClr val="lt1"/>
+    </dgm:txFillClrLst>
+    <dgm:txEffectClrLst/>
+  </dgm:styleLbl>
+  <dgm:styleLbl name="bgImgPlace1">
+    <dgm:fillClrLst meth="repeat">
+      <a:schemeClr val="accent1">
+        <a:tint val="50000"/>
+      </a:schemeClr>
+    </dgm:fillClrLst>
+    <dgm:linClrLst meth="repeat">
+      <a:schemeClr val="lt1"/>
+    </dgm:linClrLst>
+    <dgm:effectClrLst/>
+    <dgm:txLinClrLst/>
+    <dgm:txFillClrLst meth="repeat">
+      <a:schemeClr val="lt1"/>
+    </dgm:txFillClrLst>
+    <dgm:txEffectClrLst/>
+  </dgm:styleLbl>
+  <dgm:styleLbl name="sibTrans2D1">
+    <dgm:fillClrLst meth="repeat">
+      <a:schemeClr val="accent1">
+        <a:tint val="60000"/>
+      </a:schemeClr>
+    </dgm:fillClrLst>
+    <dgm:linClrLst meth="repeat">
+      <a:schemeClr val="accent1">
+        <a:tint val="60000"/>
+      </a:schemeClr>
+    </dgm:linClrLst>
+    <dgm:effectClrLst/>
+    <dgm:txLinClrLst/>
+    <dgm:txFillClrLst/>
+    <dgm:txEffectClrLst/>
+  </dgm:styleLbl>
+  <dgm:styleLbl name="fgSibTrans2D1">
+    <dgm:fillClrLst meth="repeat">
+      <a:schemeClr val="accent1">
+        <a:tint val="60000"/>
+      </a:schemeClr>
+    </dgm:fillClrLst>
+    <dgm:linClrLst meth="repeat">
+      <a:schemeClr val="accent1">
+        <a:tint val="60000"/>
+      </a:schemeClr>
+    </dgm:linClrLst>
+    <dgm:effectClrLst/>
+    <dgm:txLinClrLst/>
+    <dgm:txFillClrLst/>
+    <dgm:txEffectClrLst/>
+  </dgm:styleLbl>
+  <dgm:styleLbl name="bgSibTrans2D1">
+    <dgm:fillClrLst meth="repeat">
+      <a:schemeClr val="accent1">
+        <a:tint val="60000"/>
+      </a:schemeClr>
+    </dgm:fillClrLst>
+    <dgm:linClrLst meth="repeat">
+      <a:schemeClr val="accent1">
+        <a:tint val="60000"/>
+      </a:schemeClr>
+    </dgm:linClrLst>
+    <dgm:effectClrLst/>
+    <dgm:txLinClrLst/>
+    <dgm:txFillClrLst/>
+    <dgm:txEffectClrLst/>
+  </dgm:styleLbl>
+  <dgm:styleLbl name="sibTrans1D1">
+    <dgm:fillClrLst meth="repeat">
+      <a:schemeClr val="accent1"/>
+    </dgm:fillClrLst>
+    <dgm:linClrLst meth="repeat">
+      <a:schemeClr val="accent1"/>
+    </dgm:linClrLst>
+    <dgm:effectClrLst/>
+    <dgm:txLinClrLst/>
+    <dgm:txFillClrLst meth="repeat">
+      <a:schemeClr val="tx1"/>
+    </dgm:txFillClrLst>
+    <dgm:txEffectClrLst/>
+  </dgm:styleLbl>
+  <dgm:styleLbl name="callout">
+    <dgm:fillClrLst meth="repeat">
+      <a:schemeClr val="accent1"/>
+    </dgm:fillClrLst>
+    <dgm:linClrLst meth="repeat">
+      <a:schemeClr val="accent1">
+        <a:tint val="50000"/>
+      </a:schemeClr>
+    </dgm:linClrLst>
+    <dgm:effectClrLst/>
+    <dgm:txLinClrLst/>
+    <dgm:txFillClrLst meth="repeat">
+      <a:schemeClr val="tx1"/>
+    </dgm:txFillClrLst>
+    <dgm:txEffectClrLst/>
+  </dgm:styleLbl>
+  <dgm:styleLbl name="asst0">
+    <dgm:fillClrLst meth="repeat">
+      <a:schemeClr val="accent1"/>
+    </dgm:fillClrLst>
+    <dgm:linClrLst meth="repeat">
+      <a:schemeClr val="lt1"/>
+    </dgm:linClrLst>
+    <dgm:effectClrLst/>
+    <dgm:txLinClrLst/>
+    <dgm:txFillClrLst/>
+    <dgm:txEffectClrLst/>
+  </dgm:styleLbl>
+  <dgm:styleLbl name="asst1">
+    <dgm:fillClrLst meth="repeat">
+      <a:schemeClr val="accent1"/>
+    </dgm:fillClrLst>
+    <dgm:linClrLst meth="repeat">
+      <a:schemeClr val="lt1"/>
+    </dgm:linClrLst>
+    <dgm:effectClrLst/>
+    <dgm:txLinClrLst/>
+    <dgm:txFillClrLst/>
+    <dgm:txEffectClrLst/>
+  </dgm:styleLbl>
+  <dgm:styleLbl name="asst2">
+    <dgm:fillClrLst meth="repeat">
+      <a:schemeClr val="accent1"/>
+    </dgm:fillClrLst>
+    <dgm:linClrLst meth="repeat">
+      <a:schemeClr val="lt1"/>
+    </dgm:linClrLst>
+    <dgm:effectClrLst/>
+    <dgm:txLinClrLst/>
+    <dgm:txFillClrLst/>
+    <dgm:txEffectClrLst/>
+  </dgm:styleLbl>
+  <dgm:styleLbl name="asst3">
+    <dgm:fillClrLst meth="repeat">
+      <a:schemeClr val="accent1"/>
+    </dgm:fillClrLst>
+    <dgm:linClrLst meth="repeat">
+      <a:schemeClr val="lt1"/>
+    </dgm:linClrLst>
+    <dgm:effectClrLst/>
+    <dgm:txLinClrLst/>
+    <dgm:txFillClrLst/>
+    <dgm:txEffectClrLst/>
+  </dgm:styleLbl>
+  <dgm:styleLbl name="asst4">
+    <dgm:fillClrLst meth="repeat">
+      <a:schemeClr val="accent1"/>
+    </dgm:fillClrLst>
+    <dgm:linClrLst meth="repeat">
+      <a:schemeClr val="lt1"/>
+    </dgm:linClrLst>
+    <dgm:effectClrLst/>
+    <dgm:txLinClrLst/>
+    <dgm:txFillClrLst/>
+    <dgm:txEffectClrLst/>
+  </dgm:styleLbl>
+  <dgm:styleLbl name="parChTrans2D1">
+    <dgm:fillClrLst meth="repeat">
+      <a:schemeClr val="accent1">
+        <a:tint val="60000"/>
+      </a:schemeClr>
+    </dgm:fillClrLst>
+    <dgm:linClrLst meth="repeat">
+      <a:schemeClr val="accent1">
+        <a:tint val="60000"/>
+      </a:schemeClr>
+    </dgm:linClrLst>
+    <dgm:effectClrLst/>
+    <dgm:txLinClrLst/>
+    <dgm:txFillClrLst meth="repeat">
+      <a:schemeClr val="lt1"/>
+    </dgm:txFillClrLst>
+    <dgm:txEffectClrLst/>
+  </dgm:styleLbl>
+  <dgm:styleLbl name="parChTrans2D2">
+    <dgm:fillClrLst meth="repeat">
+      <a:schemeClr val="accent1"/>
+    </dgm:fillClrLst>
+    <dgm:linClrLst meth="repeat">
+      <a:schemeClr val="accent1"/>
+    </dgm:linClrLst>
+    <dgm:effectClrLst/>
+    <dgm:txLinClrLst/>
+    <dgm:txFillClrLst meth="repeat">
+      <a:schemeClr val="lt1"/>
+    </dgm:txFillClrLst>
+    <dgm:txEffectClrLst/>
+  </dgm:styleLbl>
+  <dgm:styleLbl name="parChTrans2D3">
+    <dgm:fillClrLst meth="repeat">
+      <a:schemeClr val="accent1"/>
+    </dgm:fillClrLst>
+    <dgm:linClrLst meth="repeat">
+      <a:schemeClr val="accent1"/>
+    </dgm:linClrLst>
+    <dgm:effectClrLst/>
+    <dgm:txLinClrLst/>
+    <dgm:txFillClrLst meth="repeat">
+      <a:schemeClr val="lt1"/>
+    </dgm:txFillClrLst>
+    <dgm:txEffectClrLst/>
+  </dgm:styleLbl>
+  <dgm:styleLbl name="parChTrans2D4">
+    <dgm:fillClrLst meth="repeat">
+      <a:schemeClr val="accent1"/>
+    </dgm:fillClrLst>
+    <dgm:linClrLst meth="repeat">
+      <a:schemeClr val="accent1"/>
+    </dgm:linClrLst>
+    <dgm:effectClrLst/>
+    <dgm:txLinClrLst/>
+    <dgm:txFillClrLst meth="repeat">
+      <a:schemeClr val="lt1"/>
+    </dgm:txFillClrLst>
+    <dgm:txEffectClrLst/>
+  </dgm:styleLbl>
+  <dgm:styleLbl name="parChTrans1D1">
+    <dgm:fillClrLst meth="repeat">
+      <a:schemeClr val="accent1"/>
+    </dgm:fillClrLst>
+    <dgm:linClrLst meth="repeat">
+      <a:schemeClr val="accent1">
+        <a:shade val="60000"/>
+      </a:schemeClr>
+    </dgm:linClrLst>
+    <dgm:effectClrLst/>
+    <dgm:txLinClrLst/>
+    <dgm:txFillClrLst meth="repeat">
+      <a:schemeClr val="tx1"/>
+    </dgm:txFillClrLst>
+    <dgm:txEffectClrLst/>
+  </dgm:styleLbl>
+  <dgm:styleLbl name="parChTrans1D2">
+    <dgm:fillClrLst meth="repeat">
+      <a:schemeClr val="accent1"/>
+    </dgm:fillClrLst>
+    <dgm:linClrLst meth="repeat">
+      <a:schemeClr val="accent1">
+        <a:shade val="60000"/>
+      </a:schemeClr>
+    </dgm:linClrLst>
+    <dgm:effectClrLst/>
+    <dgm:txLinClrLst/>
+    <dgm:txFillClrLst meth="repeat">
+      <a:schemeClr val="tx1"/>
+    </dgm:txFillClrLst>
+    <dgm:txEffectClrLst/>
+  </dgm:styleLbl>
+  <dgm:styleLbl name="parChTrans1D3">
+    <dgm:fillClrLst meth="repeat">
+      <a:schemeClr val="accent1"/>
+    </dgm:fillClrLst>
+    <dgm:linClrLst meth="repeat">
+      <a:schemeClr val="accent1">
+        <a:shade val="80000"/>
+      </a:schemeClr>
+    </dgm:linClrLst>
+    <dgm:effectClrLst/>
+    <dgm:txLinClrLst/>
+    <dgm:txFillClrLst meth="repeat">
+      <a:schemeClr val="tx1"/>
+    </dgm:txFillClrLst>
+    <dgm:txEffectClrLst/>
+  </dgm:styleLbl>
+  <dgm:styleLbl name="parChTrans1D4">
+    <dgm:fillClrLst meth="repeat">
+      <a:schemeClr val="accent1"/>
+    </dgm:fillClrLst>
+    <dgm:linClrLst meth="repeat">
+      <a:schemeClr val="accent1">
+        <a:shade val="80000"/>
+      </a:schemeClr>
+    </dgm:linClrLst>
+    <dgm:effectClrLst/>
+    <dgm:txLinClrLst/>
+    <dgm:txFillClrLst meth="repeat">
+      <a:schemeClr val="tx1"/>
+    </dgm:txFillClrLst>
+    <dgm:txEffectClrLst/>
+  </dgm:styleLbl>
+  <dgm:styleLbl name="fgAcc1">
+    <dgm:fillClrLst meth="repeat">
+      <a:schemeClr val="lt1">
+        <a:alpha val="90000"/>
+      </a:schemeClr>
+    </dgm:fillClrLst>
+    <dgm:linClrLst meth="repeat">
+      <a:schemeClr val="accent1"/>
+    </dgm:linClrLst>
+    <dgm:effectClrLst/>
+    <dgm:txLinClrLst/>
+    <dgm:txFillClrLst meth="repeat">
+      <a:schemeClr val="dk1"/>
+    </dgm:txFillClrLst>
+    <dgm:txEffectClrLst/>
+  </dgm:styleLbl>
+  <dgm:styleLbl name="conFgAcc1">
+    <dgm:fillClrLst meth="repeat">
+      <a:schemeClr val="lt1">
+        <a:alpha val="90000"/>
+      </a:schemeClr>
+    </dgm:fillClrLst>
+    <dgm:linClrLst meth="repeat">
+      <a:schemeClr val="accent1"/>
+    </dgm:linClrLst>
+    <dgm:effectClrLst/>
+    <dgm:txLinClrLst/>
+    <dgm:txFillClrLst meth="repeat">
+      <a:schemeClr val="dk1"/>
+    </dgm:txFillClrLst>
+    <dgm:txEffectClrLst/>
+  </dgm:styleLbl>
+  <dgm:styleLbl name="alignAcc1">
+    <dgm:fillClrLst meth="repeat">
+      <a:schemeClr val="lt1">
+        <a:alpha val="90000"/>
+      </a:schemeClr>
+    </dgm:fillClrLst>
+    <dgm:linClrLst meth="repeat">
+      <a:schemeClr val="accent1"/>
+    </dgm:linClrLst>
+    <dgm:effectClrLst/>
+    <dgm:txLinClrLst/>
+    <dgm:txFillClrLst meth="repeat">
+      <a:schemeClr val="dk1"/>
+    </dgm:txFillClrLst>
+    <dgm:txEffectClrLst/>
+  </dgm:styleLbl>
+  <dgm:styleLbl name="trAlignAcc1">
+    <dgm:fillClrLst meth="repeat">
+      <a:schemeClr val="lt1">
+        <a:alpha val="40000"/>
+      </a:schemeClr>
+    </dgm:fillClrLst>
+    <dgm:linClrLst meth="repeat">
+      <a:schemeClr val="accent1"/>
+    </dgm:linClrLst>
+    <dgm:effectClrLst/>
+    <dgm:txLinClrLst/>
+    <dgm:txFillClrLst meth="repeat">
+      <a:schemeClr val="dk1"/>
+    </dgm:txFillClrLst>
+    <dgm:txEffectClrLst/>
+  </dgm:styleLbl>
+  <dgm:styleLbl name="bgAcc1">
+    <dgm:fillClrLst meth="repeat">
+      <a:schemeClr val="lt1">
+        <a:alpha val="90000"/>
+      </a:schemeClr>
+    </dgm:fillClrLst>
+    <dgm:linClrLst meth="repeat">
+      <a:schemeClr val="accent1"/>
+    </dgm:linClrLst>
+    <dgm:effectClrLst/>
+    <dgm:txLinClrLst/>
+    <dgm:txFillClrLst meth="repeat">
+      <a:schemeClr val="dk1"/>
+    </dgm:txFillClrLst>
+    <dgm:txEffectClrLst/>
+  </dgm:styleLbl>
+  <dgm:styleLbl name="solidFgAcc1">
+    <dgm:fillClrLst meth="repeat">
+      <a:schemeClr val="lt1"/>
+    </dgm:fillClrLst>
+    <dgm:linClrLst meth="repeat">
+      <a:schemeClr val="accent1"/>
+    </dgm:linClrLst>
+    <dgm:effectClrLst/>
+    <dgm:txLinClrLst/>
+    <dgm:txFillClrLst meth="repeat">
+      <a:schemeClr val="dk1"/>
+    </dgm:txFillClrLst>
+    <dgm:txEffectClrLst/>
+  </dgm:styleLbl>
+  <dgm:styleLbl name="solidAlignAcc1">
+    <dgm:fillClrLst meth="repeat">
+      <a:schemeClr val="lt1"/>
+    </dgm:fillClrLst>
+    <dgm:linClrLst meth="repeat">
+      <a:schemeClr val="accent1"/>
+    </dgm:linClrLst>
+    <dgm:effectClrLst/>
+    <dgm:txLinClrLst/>
+    <dgm:txFillClrLst meth="repeat">
+      <a:schemeClr val="dk1"/>
+    </dgm:txFillClrLst>
+    <dgm:txEffectClrLst/>
+  </dgm:styleLbl>
+  <dgm:styleLbl name="solidBgAcc1">
+    <dgm:fillClrLst meth="repeat">
+      <a:schemeClr val="lt1"/>
+    </dgm:fillClrLst>
+    <dgm:linClrLst meth="repeat">
+      <a:schemeClr val="accent1"/>
+    </dgm:linClrLst>
+    <dgm:effectClrLst/>
+    <dgm:txLinClrLst/>
+    <dgm:txFillClrLst meth="repeat">
+      <a:schemeClr val="dk1"/>
+    </dgm:txFillClrLst>
+    <dgm:txEffectClrLst/>
+  </dgm:styleLbl>
+  <dgm:styleLbl name="fgAccFollowNode1">
+    <dgm:fillClrLst meth="repeat">
+      <a:schemeClr val="accent1">
+        <a:alpha val="90000"/>
+        <a:tint val="40000"/>
+      </a:schemeClr>
+    </dgm:fillClrLst>
+    <dgm:linClrLst meth="repeat">
+      <a:schemeClr val="accent1">
+        <a:alpha val="90000"/>
+        <a:tint val="40000"/>
+      </a:schemeClr>
+    </dgm:linClrLst>
+    <dgm:effectClrLst/>
+    <dgm:txLinClrLst/>
+    <dgm:txFillClrLst meth="repeat">
+      <a:schemeClr val="dk1"/>
+    </dgm:txFillClrLst>
+    <dgm:txEffectClrLst/>
+  </dgm:styleLbl>
+  <dgm:styleLbl name="alignAccFollowNode1">
+    <dgm:fillClrLst meth="repeat">
+      <a:schemeClr val="accent1">
+        <a:alpha val="90000"/>
+        <a:tint val="40000"/>
+      </a:schemeClr>
+    </dgm:fillClrLst>
+    <dgm:linClrLst meth="repeat">
+      <a:schemeClr val="accent1">
+        <a:alpha val="90000"/>
+        <a:tint val="40000"/>
+      </a:schemeClr>
+    </dgm:linClrLst>
+    <dgm:effectClrLst/>
+    <dgm:txLinClrLst/>
+    <dgm:txFillClrLst meth="repeat">
+      <a:schemeClr val="dk1"/>
+    </dgm:txFillClrLst>
+    <dgm:txEffectClrLst/>
+  </dgm:styleLbl>
+  <dgm:styleLbl name="bgAccFollowNode1">
+    <dgm:fillClrLst meth="repeat">
+      <a:schemeClr val="accent1">
+        <a:alpha val="90000"/>
+        <a:tint val="40000"/>
+      </a:schemeClr>
+    </dgm:fillClrLst>
+    <dgm:linClrLst meth="repeat">
+      <a:schemeClr val="accent1">
+        <a:alpha val="90000"/>
+        <a:tint val="40000"/>
+      </a:schemeClr>
+    </dgm:linClrLst>
+    <dgm:effectClrLst/>
+    <dgm:txLinClrLst/>
+    <dgm:txFillClrLst meth="repeat">
+      <a:schemeClr val="dk1"/>
+    </dgm:txFillClrLst>
+    <dgm:txEffectClrLst/>
+  </dgm:styleLbl>
+  <dgm:styleLbl name="fgAcc0">
+    <dgm:fillClrLst meth="repeat">
+      <a:schemeClr val="lt1">
+        <a:alpha val="90000"/>
+      </a:schemeClr>
+    </dgm:fillClrLst>
+    <dgm:linClrLst meth="repeat">
+      <a:schemeClr val="accent1"/>
+    </dgm:linClrLst>
+    <dgm:effectClrLst/>
+    <dgm:txLinClrLst/>
+    <dgm:txFillClrLst meth="repeat">
+      <a:schemeClr val="dk1"/>
+    </dgm:txFillClrLst>
+    <dgm:txEffectClrLst/>
+  </dgm:styleLbl>
+  <dgm:styleLbl name="fgAcc2">
+    <dgm:fillClrLst meth="repeat">
+      <a:schemeClr val="lt1">
+        <a:alpha val="90000"/>
+      </a:schemeClr>
+    </dgm:fillClrLst>
+    <dgm:linClrLst meth="repeat">
+      <a:schemeClr val="accent1"/>
+    </dgm:linClrLst>
+    <dgm:effectClrLst/>
+    <dgm:txLinClrLst/>
+    <dgm:txFillClrLst meth="repeat">
+      <a:schemeClr val="dk1"/>
+    </dgm:txFillClrLst>
+    <dgm:txEffectClrLst/>
+  </dgm:styleLbl>
+  <dgm:styleLbl name="fgAcc3">
+    <dgm:fillClrLst meth="repeat">
+      <a:schemeClr val="lt1">
+        <a:alpha val="90000"/>
+      </a:schemeClr>
+    </dgm:fillClrLst>
+    <dgm:linClrLst meth="repeat">
+      <a:schemeClr val="accent1"/>
+    </dgm:linClrLst>
+    <dgm:effectClrLst/>
+    <dgm:txLinClrLst/>
+    <dgm:txFillClrLst meth="repeat">
+      <a:schemeClr val="dk1"/>
+    </dgm:txFillClrLst>
+    <dgm:txEffectClrLst/>
+  </dgm:styleLbl>
+  <dgm:styleLbl name="fgAcc4">
+    <dgm:fillClrLst meth="repeat">
+      <a:schemeClr val="lt1">
+        <a:alpha val="90000"/>
+      </a:schemeClr>
+    </dgm:fillClrLst>
+    <dgm:linClrLst meth="repeat">
+      <a:schemeClr val="accent1"/>
+    </dgm:linClrLst>
+    <dgm:effectClrLst/>
+    <dgm:txLinClrLst/>
+    <dgm:txFillClrLst meth="repeat">
+      <a:schemeClr val="dk1"/>
+    </dgm:txFillClrLst>
+    <dgm:txEffectClrLst/>
+  </dgm:styleLbl>
+  <dgm:styleLbl name="bgShp">
+    <dgm:fillClrLst meth="repeat">
+      <a:schemeClr val="accent1">
+        <a:tint val="40000"/>
+      </a:schemeClr>
+    </dgm:fillClrLst>
+    <dgm:linClrLst meth="repeat">
+      <a:schemeClr val="accent1"/>
+    </dgm:linClrLst>
+    <dgm:effectClrLst/>
+    <dgm:txLinClrLst/>
+    <dgm:txFillClrLst meth="repeat">
+      <a:schemeClr val="dk1"/>
+    </dgm:txFillClrLst>
+    <dgm:txEffectClrLst/>
+  </dgm:styleLbl>
+  <dgm:styleLbl name="dkBgShp">
+    <dgm:fillClrLst meth="repeat">
+      <a:schemeClr val="accent1">
+        <a:shade val="80000"/>
+      </a:schemeClr>
+    </dgm:fillClrLst>
+    <dgm:linClrLst meth="repeat">
+      <a:schemeClr val="accent1"/>
+    </dgm:linClrLst>
+    <dgm:effectClrLst/>
+    <dgm:txLinClrLst/>
+    <dgm:txFillClrLst meth="repeat">
+      <a:schemeClr val="lt1"/>
+    </dgm:txFillClrLst>
+    <dgm:txEffectClrLst/>
+  </dgm:styleLbl>
+  <dgm:styleLbl name="trBgShp">
+    <dgm:fillClrLst meth="repeat">
+      <a:schemeClr val="accent1">
+        <a:tint val="50000"/>
+        <a:alpha val="40000"/>
+      </a:schemeClr>
+    </dgm:fillClrLst>
+    <dgm:linClrLst meth="repeat">
+      <a:schemeClr val="accent1"/>
+    </dgm:linClrLst>
+    <dgm:effectClrLst/>
+    <dgm:txLinClrLst/>
+    <dgm:txFillClrLst meth="repeat">
+      <a:schemeClr val="lt1"/>
+    </dgm:txFillClrLst>
+    <dgm:txEffectClrLst/>
+  </dgm:styleLbl>
+  <dgm:styleLbl name="fgShp">
+    <dgm:fillClrLst meth="repeat">
+      <a:schemeClr val="accent1">
+        <a:tint val="60000"/>
+      </a:schemeClr>
+    </dgm:fillClrLst>
+    <dgm:linClrLst meth="repeat">
+      <a:schemeClr val="lt1"/>
+    </dgm:linClrLst>
+    <dgm:effectClrLst/>
+    <dgm:txLinClrLst/>
+    <dgm:txFillClrLst meth="repeat">
+      <a:schemeClr val="dk1"/>
+    </dgm:txFillClrLst>
+    <dgm:txEffectClrLst/>
+  </dgm:styleLbl>
+  <dgm:styleLbl name="revTx">
+    <dgm:fillClrLst meth="repeat">
+      <a:schemeClr val="lt1">
+        <a:alpha val="0"/>
+      </a:schemeClr>
+    </dgm:fillClrLst>
+    <dgm:linClrLst meth="repeat">
+      <a:schemeClr val="dk1">
+        <a:alpha val="0"/>
+      </a:schemeClr>
+    </dgm:linClrLst>
+    <dgm:effectClrLst/>
+    <dgm:txLinClrLst/>
+    <dgm:txFillClrLst meth="repeat">
+      <a:schemeClr val="tx1"/>
+    </dgm:txFillClrLst>
+    <dgm:txEffectClrLst/>
+  </dgm:styleLbl>
+</dgm:colorsDef>
+</file>
+
 <file path=ppt/diagrams/colors2.xml><?xml version="1.0" encoding="utf-8"?>
 <dgm:colorsDef xmlns:dgm="http://schemas.openxmlformats.org/drawingml/2006/diagram" xmlns:a="http://schemas.openxmlformats.org/drawingml/2006/main" uniqueId="urn:microsoft.com/office/officeart/2005/8/colors/colorful5">
   <dgm:title val=""/>
@@ -5630,6 +6384,788 @@
 </file>
 
 <file path=ppt/diagrams/colors8.xml><?xml version="1.0" encoding="utf-8"?>
+<dgm:colorsDef xmlns:dgm="http://schemas.openxmlformats.org/drawingml/2006/diagram" xmlns:a="http://schemas.openxmlformats.org/drawingml/2006/main" uniqueId="urn:microsoft.com/office/officeart/2005/8/colors/colorful2">
+  <dgm:title val=""/>
+  <dgm:desc val=""/>
+  <dgm:catLst>
+    <dgm:cat type="colorful" pri="10200"/>
+  </dgm:catLst>
+  <dgm:styleLbl name="node0">
+    <dgm:fillClrLst meth="repeat">
+      <a:schemeClr val="accent1"/>
+    </dgm:fillClrLst>
+    <dgm:linClrLst meth="repeat">
+      <a:schemeClr val="lt1"/>
+    </dgm:linClrLst>
+    <dgm:effectClrLst/>
+    <dgm:txLinClrLst/>
+    <dgm:txFillClrLst/>
+    <dgm:txEffectClrLst/>
+  </dgm:styleLbl>
+  <dgm:styleLbl name="node1">
+    <dgm:fillClrLst>
+      <a:schemeClr val="accent2"/>
+      <a:schemeClr val="accent3"/>
+    </dgm:fillClrLst>
+    <dgm:linClrLst meth="repeat">
+      <a:schemeClr val="lt1"/>
+    </dgm:linClrLst>
+    <dgm:effectClrLst/>
+    <dgm:txLinClrLst/>
+    <dgm:txFillClrLst/>
+    <dgm:txEffectClrLst/>
+  </dgm:styleLbl>
+  <dgm:styleLbl name="alignNode1">
+    <dgm:fillClrLst>
+      <a:schemeClr val="accent2"/>
+      <a:schemeClr val="accent3"/>
+    </dgm:fillClrLst>
+    <dgm:linClrLst>
+      <a:schemeClr val="accent2"/>
+      <a:schemeClr val="accent3"/>
+    </dgm:linClrLst>
+    <dgm:effectClrLst/>
+    <dgm:txLinClrLst/>
+    <dgm:txFillClrLst/>
+    <dgm:txEffectClrLst/>
+  </dgm:styleLbl>
+  <dgm:styleLbl name="lnNode1">
+    <dgm:fillClrLst>
+      <a:schemeClr val="accent2"/>
+      <a:schemeClr val="accent3"/>
+    </dgm:fillClrLst>
+    <dgm:linClrLst meth="repeat">
+      <a:schemeClr val="lt1"/>
+    </dgm:linClrLst>
+    <dgm:effectClrLst/>
+    <dgm:txLinClrLst/>
+    <dgm:txFillClrLst/>
+    <dgm:txEffectClrLst/>
+  </dgm:styleLbl>
+  <dgm:styleLbl name="vennNode1">
+    <dgm:fillClrLst>
+      <a:schemeClr val="accent2">
+        <a:alpha val="50000"/>
+      </a:schemeClr>
+      <a:schemeClr val="accent3">
+        <a:alpha val="50000"/>
+      </a:schemeClr>
+    </dgm:fillClrLst>
+    <dgm:linClrLst meth="repeat">
+      <a:schemeClr val="lt1"/>
+    </dgm:linClrLst>
+    <dgm:effectClrLst/>
+    <dgm:txLinClrLst/>
+    <dgm:txFillClrLst/>
+    <dgm:txEffectClrLst/>
+  </dgm:styleLbl>
+  <dgm:styleLbl name="node2">
+    <dgm:fillClrLst>
+      <a:schemeClr val="accent3"/>
+    </dgm:fillClrLst>
+    <dgm:linClrLst meth="repeat">
+      <a:schemeClr val="lt1"/>
+    </dgm:linClrLst>
+    <dgm:effectClrLst/>
+    <dgm:txLinClrLst/>
+    <dgm:txFillClrLst/>
+    <dgm:txEffectClrLst/>
+  </dgm:styleLbl>
+  <dgm:styleLbl name="node3">
+    <dgm:fillClrLst>
+      <a:schemeClr val="accent4"/>
+    </dgm:fillClrLst>
+    <dgm:linClrLst meth="repeat">
+      <a:schemeClr val="lt1"/>
+    </dgm:linClrLst>
+    <dgm:effectClrLst/>
+    <dgm:txLinClrLst/>
+    <dgm:txFillClrLst/>
+    <dgm:txEffectClrLst/>
+  </dgm:styleLbl>
+  <dgm:styleLbl name="node4">
+    <dgm:fillClrLst>
+      <a:schemeClr val="accent5"/>
+    </dgm:fillClrLst>
+    <dgm:linClrLst meth="repeat">
+      <a:schemeClr val="lt1"/>
+    </dgm:linClrLst>
+    <dgm:effectClrLst/>
+    <dgm:txLinClrLst/>
+    <dgm:txFillClrLst/>
+    <dgm:txEffectClrLst/>
+  </dgm:styleLbl>
+  <dgm:styleLbl name="fgImgPlace1">
+    <dgm:fillClrLst>
+      <a:schemeClr val="accent2">
+        <a:tint val="50000"/>
+      </a:schemeClr>
+      <a:schemeClr val="accent3">
+        <a:tint val="50000"/>
+      </a:schemeClr>
+    </dgm:fillClrLst>
+    <dgm:linClrLst meth="repeat">
+      <a:schemeClr val="lt1"/>
+    </dgm:linClrLst>
+    <dgm:effectClrLst/>
+    <dgm:txLinClrLst/>
+    <dgm:txFillClrLst meth="repeat">
+      <a:schemeClr val="lt1"/>
+    </dgm:txFillClrLst>
+    <dgm:txEffectClrLst/>
+  </dgm:styleLbl>
+  <dgm:styleLbl name="alignImgPlace1">
+    <dgm:fillClrLst>
+      <a:schemeClr val="accent2">
+        <a:tint val="50000"/>
+      </a:schemeClr>
+      <a:schemeClr val="accent3">
+        <a:tint val="20000"/>
+      </a:schemeClr>
+    </dgm:fillClrLst>
+    <dgm:linClrLst meth="repeat">
+      <a:schemeClr val="lt1"/>
+    </dgm:linClrLst>
+    <dgm:effectClrLst/>
+    <dgm:txLinClrLst/>
+    <dgm:txFillClrLst meth="repeat">
+      <a:schemeClr val="lt1"/>
+    </dgm:txFillClrLst>
+    <dgm:txEffectClrLst/>
+  </dgm:styleLbl>
+  <dgm:styleLbl name="bgImgPlace1">
+    <dgm:fillClrLst>
+      <a:schemeClr val="accent2">
+        <a:tint val="50000"/>
+      </a:schemeClr>
+      <a:schemeClr val="accent3">
+        <a:tint val="20000"/>
+      </a:schemeClr>
+    </dgm:fillClrLst>
+    <dgm:linClrLst meth="repeat">
+      <a:schemeClr val="lt1"/>
+    </dgm:linClrLst>
+    <dgm:effectClrLst/>
+    <dgm:txLinClrLst/>
+    <dgm:txFillClrLst meth="repeat">
+      <a:schemeClr val="lt1"/>
+    </dgm:txFillClrLst>
+    <dgm:txEffectClrLst/>
+  </dgm:styleLbl>
+  <dgm:styleLbl name="sibTrans2D1">
+    <dgm:fillClrLst>
+      <a:schemeClr val="accent2"/>
+      <a:schemeClr val="accent3"/>
+    </dgm:fillClrLst>
+    <dgm:linClrLst meth="repeat">
+      <a:schemeClr val="lt1"/>
+    </dgm:linClrLst>
+    <dgm:effectClrLst/>
+    <dgm:txLinClrLst/>
+    <dgm:txFillClrLst/>
+    <dgm:txEffectClrLst/>
+  </dgm:styleLbl>
+  <dgm:styleLbl name="fgSibTrans2D1">
+    <dgm:fillClrLst>
+      <a:schemeClr val="accent2"/>
+      <a:schemeClr val="accent3"/>
+    </dgm:fillClrLst>
+    <dgm:linClrLst meth="repeat">
+      <a:schemeClr val="lt1"/>
+    </dgm:linClrLst>
+    <dgm:effectClrLst/>
+    <dgm:txLinClrLst/>
+    <dgm:txFillClrLst meth="repeat">
+      <a:schemeClr val="lt1"/>
+    </dgm:txFillClrLst>
+    <dgm:txEffectClrLst/>
+  </dgm:styleLbl>
+  <dgm:styleLbl name="bgSibTrans2D1">
+    <dgm:fillClrLst>
+      <a:schemeClr val="accent2"/>
+      <a:schemeClr val="accent3"/>
+    </dgm:fillClrLst>
+    <dgm:linClrLst meth="repeat">
+      <a:schemeClr val="lt1"/>
+    </dgm:linClrLst>
+    <dgm:effectClrLst/>
+    <dgm:txLinClrLst/>
+    <dgm:txFillClrLst meth="repeat">
+      <a:schemeClr val="lt1"/>
+    </dgm:txFillClrLst>
+    <dgm:txEffectClrLst/>
+  </dgm:styleLbl>
+  <dgm:styleLbl name="sibTrans1D1">
+    <dgm:fillClrLst/>
+    <dgm:linClrLst>
+      <a:schemeClr val="accent2"/>
+      <a:schemeClr val="accent3"/>
+    </dgm:linClrLst>
+    <dgm:effectClrLst/>
+    <dgm:txLinClrLst/>
+    <dgm:txFillClrLst meth="repeat">
+      <a:schemeClr val="tx1"/>
+    </dgm:txFillClrLst>
+    <dgm:txEffectClrLst/>
+  </dgm:styleLbl>
+  <dgm:styleLbl name="callout">
+    <dgm:fillClrLst meth="repeat">
+      <a:schemeClr val="accent2"/>
+    </dgm:fillClrLst>
+    <dgm:linClrLst meth="repeat">
+      <a:schemeClr val="accent2">
+        <a:tint val="50000"/>
+      </a:schemeClr>
+    </dgm:linClrLst>
+    <dgm:effectClrLst/>
+    <dgm:txLinClrLst/>
+    <dgm:txFillClrLst meth="repeat">
+      <a:schemeClr val="tx1"/>
+    </dgm:txFillClrLst>
+    <dgm:txEffectClrLst/>
+  </dgm:styleLbl>
+  <dgm:styleLbl name="asst0">
+    <dgm:fillClrLst meth="repeat">
+      <a:schemeClr val="accent2"/>
+    </dgm:fillClrLst>
+    <dgm:linClrLst meth="repeat">
+      <a:schemeClr val="lt1">
+        <a:shade val="80000"/>
+      </a:schemeClr>
+    </dgm:linClrLst>
+    <dgm:effectClrLst/>
+    <dgm:txLinClrLst/>
+    <dgm:txFillClrLst/>
+    <dgm:txEffectClrLst/>
+  </dgm:styleLbl>
+  <dgm:styleLbl name="asst1">
+    <dgm:fillClrLst meth="repeat">
+      <a:schemeClr val="accent3"/>
+    </dgm:fillClrLst>
+    <dgm:linClrLst meth="repeat">
+      <a:schemeClr val="lt1">
+        <a:shade val="80000"/>
+      </a:schemeClr>
+    </dgm:linClrLst>
+    <dgm:effectClrLst/>
+    <dgm:txLinClrLst/>
+    <dgm:txFillClrLst/>
+    <dgm:txEffectClrLst/>
+  </dgm:styleLbl>
+  <dgm:styleLbl name="asst2">
+    <dgm:fillClrLst>
+      <a:schemeClr val="accent4"/>
+    </dgm:fillClrLst>
+    <dgm:linClrLst meth="repeat">
+      <a:schemeClr val="lt1"/>
+    </dgm:linClrLst>
+    <dgm:effectClrLst/>
+    <dgm:txLinClrLst/>
+    <dgm:txFillClrLst/>
+    <dgm:txEffectClrLst/>
+  </dgm:styleLbl>
+  <dgm:styleLbl name="asst3">
+    <dgm:fillClrLst>
+      <a:schemeClr val="accent5"/>
+    </dgm:fillClrLst>
+    <dgm:linClrLst meth="repeat">
+      <a:schemeClr val="lt1"/>
+    </dgm:linClrLst>
+    <dgm:effectClrLst/>
+    <dgm:txLinClrLst/>
+    <dgm:txFillClrLst/>
+    <dgm:txEffectClrLst/>
+  </dgm:styleLbl>
+  <dgm:styleLbl name="asst4">
+    <dgm:fillClrLst>
+      <a:schemeClr val="accent6"/>
+    </dgm:fillClrLst>
+    <dgm:linClrLst meth="repeat">
+      <a:schemeClr val="lt1"/>
+    </dgm:linClrLst>
+    <dgm:effectClrLst/>
+    <dgm:txLinClrLst/>
+    <dgm:txFillClrLst/>
+    <dgm:txEffectClrLst/>
+  </dgm:styleLbl>
+  <dgm:styleLbl name="parChTrans2D1">
+    <dgm:fillClrLst meth="repeat">
+      <a:schemeClr val="accent2"/>
+    </dgm:fillClrLst>
+    <dgm:linClrLst meth="repeat">
+      <a:schemeClr val="lt1"/>
+    </dgm:linClrLst>
+    <dgm:effectClrLst/>
+    <dgm:txLinClrLst/>
+    <dgm:txFillClrLst meth="repeat">
+      <a:schemeClr val="lt1"/>
+    </dgm:txFillClrLst>
+    <dgm:txEffectClrLst/>
+  </dgm:styleLbl>
+  <dgm:styleLbl name="parChTrans2D2">
+    <dgm:fillClrLst meth="repeat">
+      <a:schemeClr val="accent3"/>
+    </dgm:fillClrLst>
+    <dgm:linClrLst meth="repeat">
+      <a:schemeClr val="lt1"/>
+    </dgm:linClrLst>
+    <dgm:effectClrLst/>
+    <dgm:txLinClrLst/>
+    <dgm:txFillClrLst/>
+    <dgm:txEffectClrLst/>
+  </dgm:styleLbl>
+  <dgm:styleLbl name="parChTrans2D3">
+    <dgm:fillClrLst meth="repeat">
+      <a:schemeClr val="accent4"/>
+    </dgm:fillClrLst>
+    <dgm:linClrLst meth="repeat">
+      <a:schemeClr val="lt1"/>
+    </dgm:linClrLst>
+    <dgm:effectClrLst/>
+    <dgm:txLinClrLst/>
+    <dgm:txFillClrLst/>
+    <dgm:txEffectClrLst/>
+  </dgm:styleLbl>
+  <dgm:styleLbl name="parChTrans2D4">
+    <dgm:fillClrLst meth="repeat">
+      <a:schemeClr val="accent5"/>
+    </dgm:fillClrLst>
+    <dgm:linClrLst meth="repeat">
+      <a:schemeClr val="lt1"/>
+    </dgm:linClrLst>
+    <dgm:effectClrLst/>
+    <dgm:txLinClrLst/>
+    <dgm:txFillClrLst meth="repeat">
+      <a:schemeClr val="lt1"/>
+    </dgm:txFillClrLst>
+    <dgm:txEffectClrLst/>
+  </dgm:styleLbl>
+  <dgm:styleLbl name="parChTrans1D1">
+    <dgm:fillClrLst meth="repeat">
+      <a:schemeClr val="accent2"/>
+    </dgm:fillClrLst>
+    <dgm:linClrLst meth="repeat">
+      <a:schemeClr val="accent2"/>
+    </dgm:linClrLst>
+    <dgm:effectClrLst/>
+    <dgm:txLinClrLst/>
+    <dgm:txFillClrLst meth="repeat">
+      <a:schemeClr val="tx1"/>
+    </dgm:txFillClrLst>
+    <dgm:txEffectClrLst/>
+  </dgm:styleLbl>
+  <dgm:styleLbl name="parChTrans1D2">
+    <dgm:fillClrLst meth="repeat">
+      <a:schemeClr val="accent2">
+        <a:tint val="90000"/>
+      </a:schemeClr>
+    </dgm:fillClrLst>
+    <dgm:linClrLst meth="repeat">
+      <a:schemeClr val="accent3"/>
+    </dgm:linClrLst>
+    <dgm:effectClrLst/>
+    <dgm:txLinClrLst/>
+    <dgm:txFillClrLst meth="repeat">
+      <a:schemeClr val="tx1"/>
+    </dgm:txFillClrLst>
+    <dgm:txEffectClrLst/>
+  </dgm:styleLbl>
+  <dgm:styleLbl name="parChTrans1D3">
+    <dgm:fillClrLst meth="repeat">
+      <a:schemeClr val="accent2">
+        <a:tint val="70000"/>
+      </a:schemeClr>
+    </dgm:fillClrLst>
+    <dgm:linClrLst meth="repeat">
+      <a:schemeClr val="accent4"/>
+    </dgm:linClrLst>
+    <dgm:effectClrLst/>
+    <dgm:txLinClrLst/>
+    <dgm:txFillClrLst meth="repeat">
+      <a:schemeClr val="tx1"/>
+    </dgm:txFillClrLst>
+    <dgm:txEffectClrLst/>
+  </dgm:styleLbl>
+  <dgm:styleLbl name="parChTrans1D4">
+    <dgm:fillClrLst meth="repeat">
+      <a:schemeClr val="accent2">
+        <a:tint val="50000"/>
+      </a:schemeClr>
+    </dgm:fillClrLst>
+    <dgm:linClrLst meth="repeat">
+      <a:schemeClr val="accent5"/>
+    </dgm:linClrLst>
+    <dgm:effectClrLst/>
+    <dgm:txLinClrLst/>
+    <dgm:txFillClrLst meth="repeat">
+      <a:schemeClr val="tx1"/>
+    </dgm:txFillClrLst>
+    <dgm:txEffectClrLst/>
+  </dgm:styleLbl>
+  <dgm:styleLbl name="fgAcc1">
+    <dgm:fillClrLst meth="repeat">
+      <a:schemeClr val="lt1">
+        <a:alpha val="90000"/>
+      </a:schemeClr>
+    </dgm:fillClrLst>
+    <dgm:linClrLst>
+      <a:schemeClr val="accent2"/>
+      <a:schemeClr val="accent3"/>
+    </dgm:linClrLst>
+    <dgm:effectClrLst/>
+    <dgm:txLinClrLst/>
+    <dgm:txFillClrLst meth="repeat">
+      <a:schemeClr val="dk1"/>
+    </dgm:txFillClrLst>
+    <dgm:txEffectClrLst/>
+  </dgm:styleLbl>
+  <dgm:styleLbl name="conFgAcc1">
+    <dgm:fillClrLst meth="repeat">
+      <a:schemeClr val="lt1">
+        <a:alpha val="90000"/>
+      </a:schemeClr>
+    </dgm:fillClrLst>
+    <dgm:linClrLst>
+      <a:schemeClr val="accent2"/>
+      <a:schemeClr val="accent3"/>
+    </dgm:linClrLst>
+    <dgm:effectClrLst/>
+    <dgm:txLinClrLst/>
+    <dgm:txFillClrLst meth="repeat">
+      <a:schemeClr val="dk1"/>
+    </dgm:txFillClrLst>
+    <dgm:txEffectClrLst/>
+  </dgm:styleLbl>
+  <dgm:styleLbl name="alignAcc1">
+    <dgm:fillClrLst meth="repeat">
+      <a:schemeClr val="lt1">
+        <a:alpha val="90000"/>
+      </a:schemeClr>
+    </dgm:fillClrLst>
+    <dgm:linClrLst>
+      <a:schemeClr val="accent2"/>
+      <a:schemeClr val="accent3"/>
+    </dgm:linClrLst>
+    <dgm:effectClrLst/>
+    <dgm:txLinClrLst/>
+    <dgm:txFillClrLst meth="repeat">
+      <a:schemeClr val="dk1"/>
+    </dgm:txFillClrLst>
+    <dgm:txEffectClrLst/>
+  </dgm:styleLbl>
+  <dgm:styleLbl name="trAlignAcc1">
+    <dgm:fillClrLst meth="repeat">
+      <a:schemeClr val="lt1">
+        <a:alpha val="40000"/>
+      </a:schemeClr>
+    </dgm:fillClrLst>
+    <dgm:linClrLst meth="repeat">
+      <a:schemeClr val="accent2"/>
+    </dgm:linClrLst>
+    <dgm:effectClrLst/>
+    <dgm:txLinClrLst/>
+    <dgm:txFillClrLst meth="repeat">
+      <a:schemeClr val="dk1"/>
+    </dgm:txFillClrLst>
+    <dgm:txEffectClrLst/>
+  </dgm:styleLbl>
+  <dgm:styleLbl name="bgAcc1">
+    <dgm:fillClrLst meth="repeat">
+      <a:schemeClr val="lt1">
+        <a:alpha val="90000"/>
+      </a:schemeClr>
+    </dgm:fillClrLst>
+    <dgm:linClrLst>
+      <a:schemeClr val="accent2"/>
+      <a:schemeClr val="accent3"/>
+    </dgm:linClrLst>
+    <dgm:effectClrLst/>
+    <dgm:txLinClrLst/>
+    <dgm:txFillClrLst meth="repeat">
+      <a:schemeClr val="dk1"/>
+    </dgm:txFillClrLst>
+    <dgm:txEffectClrLst/>
+  </dgm:styleLbl>
+  <dgm:styleLbl name="solidFgAcc1">
+    <dgm:fillClrLst meth="repeat">
+      <a:schemeClr val="lt1"/>
+    </dgm:fillClrLst>
+    <dgm:linClrLst>
+      <a:schemeClr val="accent2"/>
+      <a:schemeClr val="accent3"/>
+    </dgm:linClrLst>
+    <dgm:effectClrLst/>
+    <dgm:txLinClrLst/>
+    <dgm:txFillClrLst meth="repeat">
+      <a:schemeClr val="dk1"/>
+    </dgm:txFillClrLst>
+    <dgm:txEffectClrLst/>
+  </dgm:styleLbl>
+  <dgm:styleLbl name="solidAlignAcc1">
+    <dgm:fillClrLst meth="repeat">
+      <a:schemeClr val="lt1"/>
+    </dgm:fillClrLst>
+    <dgm:linClrLst>
+      <a:schemeClr val="accent2"/>
+      <a:schemeClr val="accent3"/>
+    </dgm:linClrLst>
+    <dgm:effectClrLst/>
+    <dgm:txLinClrLst/>
+    <dgm:txFillClrLst meth="repeat">
+      <a:schemeClr val="dk1"/>
+    </dgm:txFillClrLst>
+    <dgm:txEffectClrLst/>
+  </dgm:styleLbl>
+  <dgm:styleLbl name="solidBgAcc1">
+    <dgm:fillClrLst meth="repeat">
+      <a:schemeClr val="lt1"/>
+    </dgm:fillClrLst>
+    <dgm:linClrLst>
+      <a:schemeClr val="accent2"/>
+      <a:schemeClr val="accent3"/>
+    </dgm:linClrLst>
+    <dgm:effectClrLst/>
+    <dgm:txLinClrLst/>
+    <dgm:txFillClrLst meth="repeat">
+      <a:schemeClr val="dk1"/>
+    </dgm:txFillClrLst>
+    <dgm:txEffectClrLst/>
+  </dgm:styleLbl>
+  <dgm:styleLbl name="fgAccFollowNode1">
+    <dgm:fillClrLst>
+      <a:schemeClr val="accent2">
+        <a:tint val="40000"/>
+        <a:alpha val="90000"/>
+      </a:schemeClr>
+      <a:schemeClr val="accent3">
+        <a:tint val="40000"/>
+        <a:alpha val="90000"/>
+      </a:schemeClr>
+    </dgm:fillClrLst>
+    <dgm:linClrLst>
+      <a:schemeClr val="accent2">
+        <a:tint val="40000"/>
+        <a:alpha val="90000"/>
+      </a:schemeClr>
+      <a:schemeClr val="accent3">
+        <a:tint val="40000"/>
+        <a:alpha val="90000"/>
+      </a:schemeClr>
+    </dgm:linClrLst>
+    <dgm:effectClrLst/>
+    <dgm:txLinClrLst/>
+    <dgm:txFillClrLst meth="repeat">
+      <a:schemeClr val="dk1"/>
+    </dgm:txFillClrLst>
+    <dgm:txEffectClrLst/>
+  </dgm:styleLbl>
+  <dgm:styleLbl name="alignAccFollowNode1">
+    <dgm:fillClrLst>
+      <a:schemeClr val="accent2">
+        <a:tint val="40000"/>
+        <a:alpha val="90000"/>
+      </a:schemeClr>
+      <a:schemeClr val="accent3">
+        <a:tint val="40000"/>
+        <a:alpha val="90000"/>
+      </a:schemeClr>
+    </dgm:fillClrLst>
+    <dgm:linClrLst>
+      <a:schemeClr val="accent2">
+        <a:tint val="40000"/>
+        <a:alpha val="90000"/>
+      </a:schemeClr>
+      <a:schemeClr val="accent3">
+        <a:tint val="40000"/>
+        <a:alpha val="90000"/>
+      </a:schemeClr>
+    </dgm:linClrLst>
+    <dgm:effectClrLst/>
+    <dgm:txLinClrLst/>
+    <dgm:txFillClrLst meth="repeat">
+      <a:schemeClr val="dk1"/>
+    </dgm:txFillClrLst>
+    <dgm:txEffectClrLst/>
+  </dgm:styleLbl>
+  <dgm:styleLbl name="bgAccFollowNode1">
+    <dgm:fillClrLst>
+      <a:schemeClr val="accent2">
+        <a:tint val="40000"/>
+        <a:alpha val="90000"/>
+      </a:schemeClr>
+      <a:schemeClr val="accent3">
+        <a:tint val="40000"/>
+        <a:alpha val="90000"/>
+      </a:schemeClr>
+    </dgm:fillClrLst>
+    <dgm:linClrLst>
+      <a:schemeClr val="accent2">
+        <a:tint val="40000"/>
+        <a:alpha val="90000"/>
+      </a:schemeClr>
+      <a:schemeClr val="accent3">
+        <a:tint val="40000"/>
+        <a:alpha val="90000"/>
+      </a:schemeClr>
+    </dgm:linClrLst>
+    <dgm:effectClrLst/>
+    <dgm:txLinClrLst/>
+    <dgm:txFillClrLst meth="repeat">
+      <a:schemeClr val="dk1"/>
+    </dgm:txFillClrLst>
+    <dgm:txEffectClrLst/>
+  </dgm:styleLbl>
+  <dgm:styleLbl name="fgAcc0">
+    <dgm:fillClrLst meth="repeat">
+      <a:schemeClr val="lt1">
+        <a:alpha val="90000"/>
+      </a:schemeClr>
+    </dgm:fillClrLst>
+    <dgm:linClrLst>
+      <a:schemeClr val="accent1"/>
+    </dgm:linClrLst>
+    <dgm:effectClrLst/>
+    <dgm:txLinClrLst/>
+    <dgm:txFillClrLst meth="repeat">
+      <a:schemeClr val="dk1"/>
+    </dgm:txFillClrLst>
+    <dgm:txEffectClrLst/>
+  </dgm:styleLbl>
+  <dgm:styleLbl name="fgAcc2">
+    <dgm:fillClrLst meth="repeat">
+      <a:schemeClr val="lt1">
+        <a:alpha val="90000"/>
+      </a:schemeClr>
+    </dgm:fillClrLst>
+    <dgm:linClrLst>
+      <a:schemeClr val="accent3"/>
+    </dgm:linClrLst>
+    <dgm:effectClrLst/>
+    <dgm:txLinClrLst/>
+    <dgm:txFillClrLst meth="repeat">
+      <a:schemeClr val="dk1"/>
+    </dgm:txFillClrLst>
+    <dgm:txEffectClrLst/>
+  </dgm:styleLbl>
+  <dgm:styleLbl name="fgAcc3">
+    <dgm:fillClrLst meth="repeat">
+      <a:schemeClr val="lt1">
+        <a:alpha val="90000"/>
+      </a:schemeClr>
+    </dgm:fillClrLst>
+    <dgm:linClrLst>
+      <a:schemeClr val="accent4"/>
+    </dgm:linClrLst>
+    <dgm:effectClrLst/>
+    <dgm:txLinClrLst/>
+    <dgm:txFillClrLst meth="repeat">
+      <a:schemeClr val="dk1"/>
+    </dgm:txFillClrLst>
+    <dgm:txEffectClrLst/>
+  </dgm:styleLbl>
+  <dgm:styleLbl name="fgAcc4">
+    <dgm:fillClrLst meth="repeat">
+      <a:schemeClr val="lt1">
+        <a:alpha val="90000"/>
+      </a:schemeClr>
+    </dgm:fillClrLst>
+    <dgm:linClrLst>
+      <a:schemeClr val="accent5"/>
+    </dgm:linClrLst>
+    <dgm:effectClrLst/>
+    <dgm:txLinClrLst/>
+    <dgm:txFillClrLst meth="repeat">
+      <a:schemeClr val="dk1"/>
+    </dgm:txFillClrLst>
+    <dgm:txEffectClrLst/>
+  </dgm:styleLbl>
+  <dgm:styleLbl name="bgShp">
+    <dgm:fillClrLst meth="repeat">
+      <a:schemeClr val="accent2">
+        <a:tint val="40000"/>
+      </a:schemeClr>
+    </dgm:fillClrLst>
+    <dgm:linClrLst meth="repeat">
+      <a:schemeClr val="dk1"/>
+    </dgm:linClrLst>
+    <dgm:effectClrLst/>
+    <dgm:txLinClrLst/>
+    <dgm:txFillClrLst meth="repeat">
+      <a:schemeClr val="dk1"/>
+    </dgm:txFillClrLst>
+    <dgm:txEffectClrLst/>
+  </dgm:styleLbl>
+  <dgm:styleLbl name="dkBgShp">
+    <dgm:fillClrLst meth="repeat">
+      <a:schemeClr val="accent2">
+        <a:shade val="90000"/>
+      </a:schemeClr>
+    </dgm:fillClrLst>
+    <dgm:linClrLst meth="repeat">
+      <a:schemeClr val="dk1"/>
+    </dgm:linClrLst>
+    <dgm:effectClrLst/>
+    <dgm:txLinClrLst/>
+    <dgm:txFillClrLst meth="repeat">
+      <a:schemeClr val="lt1"/>
+    </dgm:txFillClrLst>
+    <dgm:txEffectClrLst/>
+  </dgm:styleLbl>
+  <dgm:styleLbl name="trBgShp">
+    <dgm:fillClrLst meth="repeat">
+      <a:schemeClr val="accent2">
+        <a:tint val="50000"/>
+        <a:alpha val="40000"/>
+      </a:schemeClr>
+    </dgm:fillClrLst>
+    <dgm:linClrLst meth="repeat">
+      <a:schemeClr val="accent2"/>
+    </dgm:linClrLst>
+    <dgm:effectClrLst/>
+    <dgm:txLinClrLst/>
+    <dgm:txFillClrLst meth="repeat">
+      <a:schemeClr val="lt1"/>
+    </dgm:txFillClrLst>
+    <dgm:txEffectClrLst/>
+  </dgm:styleLbl>
+  <dgm:styleLbl name="fgShp">
+    <dgm:fillClrLst meth="repeat">
+      <a:schemeClr val="accent2">
+        <a:tint val="40000"/>
+      </a:schemeClr>
+    </dgm:fillClrLst>
+    <dgm:linClrLst meth="repeat">
+      <a:schemeClr val="lt1"/>
+    </dgm:linClrLst>
+    <dgm:effectClrLst/>
+    <dgm:txLinClrLst/>
+    <dgm:txFillClrLst meth="repeat">
+      <a:schemeClr val="dk1"/>
+    </dgm:txFillClrLst>
+    <dgm:txEffectClrLst/>
+  </dgm:styleLbl>
+  <dgm:styleLbl name="revTx">
+    <dgm:fillClrLst meth="repeat">
+      <a:schemeClr val="lt1">
+        <a:alpha val="0"/>
+      </a:schemeClr>
+    </dgm:fillClrLst>
+    <dgm:linClrLst meth="repeat">
+      <a:schemeClr val="dk1">
+        <a:alpha val="0"/>
+      </a:schemeClr>
+    </dgm:linClrLst>
+    <dgm:effectClrLst/>
+    <dgm:txLinClrLst/>
+    <dgm:txFillClrLst meth="repeat">
+      <a:schemeClr val="tx1"/>
+    </dgm:txFillClrLst>
+    <dgm:txEffectClrLst/>
+  </dgm:styleLbl>
+</dgm:colorsDef>
+</file>
+
+<file path=ppt/diagrams/colors9.xml><?xml version="1.0" encoding="utf-8"?>
 <dgm:colorsDef xmlns:dgm="http://schemas.openxmlformats.org/drawingml/2006/diagram" xmlns:a="http://schemas.openxmlformats.org/drawingml/2006/main" uniqueId="urn:microsoft.com/office/officeart/2018/5/colors/Iconchunking_neutralicon_colorful1">
   <dgm:title val=""/>
   <dgm:desc val=""/>
@@ -6499,788 +8035,6 @@
   <dgm:styleLbl name="trBgShp">
     <dgm:fillClrLst meth="repeat">
       <a:schemeClr val="accent1">
-        <a:tint val="50000"/>
-        <a:alpha val="40000"/>
-      </a:schemeClr>
-    </dgm:fillClrLst>
-    <dgm:linClrLst meth="repeat">
-      <a:schemeClr val="accent2"/>
-    </dgm:linClrLst>
-    <dgm:effectClrLst/>
-    <dgm:txLinClrLst/>
-    <dgm:txFillClrLst meth="repeat">
-      <a:schemeClr val="lt1"/>
-    </dgm:txFillClrLst>
-    <dgm:txEffectClrLst/>
-  </dgm:styleLbl>
-  <dgm:styleLbl name="fgShp">
-    <dgm:fillClrLst meth="repeat">
-      <a:schemeClr val="accent2">
-        <a:tint val="40000"/>
-      </a:schemeClr>
-    </dgm:fillClrLst>
-    <dgm:linClrLst meth="repeat">
-      <a:schemeClr val="lt1"/>
-    </dgm:linClrLst>
-    <dgm:effectClrLst/>
-    <dgm:txLinClrLst/>
-    <dgm:txFillClrLst meth="repeat">
-      <a:schemeClr val="dk1"/>
-    </dgm:txFillClrLst>
-    <dgm:txEffectClrLst/>
-  </dgm:styleLbl>
-  <dgm:styleLbl name="revTx">
-    <dgm:fillClrLst meth="repeat">
-      <a:schemeClr val="lt1">
-        <a:alpha val="0"/>
-      </a:schemeClr>
-    </dgm:fillClrLst>
-    <dgm:linClrLst meth="repeat">
-      <a:schemeClr val="dk1">
-        <a:alpha val="0"/>
-      </a:schemeClr>
-    </dgm:linClrLst>
-    <dgm:effectClrLst/>
-    <dgm:txLinClrLst/>
-    <dgm:txFillClrLst meth="repeat">
-      <a:schemeClr val="tx1"/>
-    </dgm:txFillClrLst>
-    <dgm:txEffectClrLst/>
-  </dgm:styleLbl>
-</dgm:colorsDef>
-</file>
-
-<file path=ppt/diagrams/colors9.xml><?xml version="1.0" encoding="utf-8"?>
-<dgm:colorsDef xmlns:dgm="http://schemas.openxmlformats.org/drawingml/2006/diagram" xmlns:a="http://schemas.openxmlformats.org/drawingml/2006/main" uniqueId="urn:microsoft.com/office/officeart/2005/8/colors/colorful2">
-  <dgm:title val=""/>
-  <dgm:desc val=""/>
-  <dgm:catLst>
-    <dgm:cat type="colorful" pri="10200"/>
-  </dgm:catLst>
-  <dgm:styleLbl name="node0">
-    <dgm:fillClrLst meth="repeat">
-      <a:schemeClr val="accent1"/>
-    </dgm:fillClrLst>
-    <dgm:linClrLst meth="repeat">
-      <a:schemeClr val="lt1"/>
-    </dgm:linClrLst>
-    <dgm:effectClrLst/>
-    <dgm:txLinClrLst/>
-    <dgm:txFillClrLst/>
-    <dgm:txEffectClrLst/>
-  </dgm:styleLbl>
-  <dgm:styleLbl name="node1">
-    <dgm:fillClrLst>
-      <a:schemeClr val="accent2"/>
-      <a:schemeClr val="accent3"/>
-    </dgm:fillClrLst>
-    <dgm:linClrLst meth="repeat">
-      <a:schemeClr val="lt1"/>
-    </dgm:linClrLst>
-    <dgm:effectClrLst/>
-    <dgm:txLinClrLst/>
-    <dgm:txFillClrLst/>
-    <dgm:txEffectClrLst/>
-  </dgm:styleLbl>
-  <dgm:styleLbl name="alignNode1">
-    <dgm:fillClrLst>
-      <a:schemeClr val="accent2"/>
-      <a:schemeClr val="accent3"/>
-    </dgm:fillClrLst>
-    <dgm:linClrLst>
-      <a:schemeClr val="accent2"/>
-      <a:schemeClr val="accent3"/>
-    </dgm:linClrLst>
-    <dgm:effectClrLst/>
-    <dgm:txLinClrLst/>
-    <dgm:txFillClrLst/>
-    <dgm:txEffectClrLst/>
-  </dgm:styleLbl>
-  <dgm:styleLbl name="lnNode1">
-    <dgm:fillClrLst>
-      <a:schemeClr val="accent2"/>
-      <a:schemeClr val="accent3"/>
-    </dgm:fillClrLst>
-    <dgm:linClrLst meth="repeat">
-      <a:schemeClr val="lt1"/>
-    </dgm:linClrLst>
-    <dgm:effectClrLst/>
-    <dgm:txLinClrLst/>
-    <dgm:txFillClrLst/>
-    <dgm:txEffectClrLst/>
-  </dgm:styleLbl>
-  <dgm:styleLbl name="vennNode1">
-    <dgm:fillClrLst>
-      <a:schemeClr val="accent2">
-        <a:alpha val="50000"/>
-      </a:schemeClr>
-      <a:schemeClr val="accent3">
-        <a:alpha val="50000"/>
-      </a:schemeClr>
-    </dgm:fillClrLst>
-    <dgm:linClrLst meth="repeat">
-      <a:schemeClr val="lt1"/>
-    </dgm:linClrLst>
-    <dgm:effectClrLst/>
-    <dgm:txLinClrLst/>
-    <dgm:txFillClrLst/>
-    <dgm:txEffectClrLst/>
-  </dgm:styleLbl>
-  <dgm:styleLbl name="node2">
-    <dgm:fillClrLst>
-      <a:schemeClr val="accent3"/>
-    </dgm:fillClrLst>
-    <dgm:linClrLst meth="repeat">
-      <a:schemeClr val="lt1"/>
-    </dgm:linClrLst>
-    <dgm:effectClrLst/>
-    <dgm:txLinClrLst/>
-    <dgm:txFillClrLst/>
-    <dgm:txEffectClrLst/>
-  </dgm:styleLbl>
-  <dgm:styleLbl name="node3">
-    <dgm:fillClrLst>
-      <a:schemeClr val="accent4"/>
-    </dgm:fillClrLst>
-    <dgm:linClrLst meth="repeat">
-      <a:schemeClr val="lt1"/>
-    </dgm:linClrLst>
-    <dgm:effectClrLst/>
-    <dgm:txLinClrLst/>
-    <dgm:txFillClrLst/>
-    <dgm:txEffectClrLst/>
-  </dgm:styleLbl>
-  <dgm:styleLbl name="node4">
-    <dgm:fillClrLst>
-      <a:schemeClr val="accent5"/>
-    </dgm:fillClrLst>
-    <dgm:linClrLst meth="repeat">
-      <a:schemeClr val="lt1"/>
-    </dgm:linClrLst>
-    <dgm:effectClrLst/>
-    <dgm:txLinClrLst/>
-    <dgm:txFillClrLst/>
-    <dgm:txEffectClrLst/>
-  </dgm:styleLbl>
-  <dgm:styleLbl name="fgImgPlace1">
-    <dgm:fillClrLst>
-      <a:schemeClr val="accent2">
-        <a:tint val="50000"/>
-      </a:schemeClr>
-      <a:schemeClr val="accent3">
-        <a:tint val="50000"/>
-      </a:schemeClr>
-    </dgm:fillClrLst>
-    <dgm:linClrLst meth="repeat">
-      <a:schemeClr val="lt1"/>
-    </dgm:linClrLst>
-    <dgm:effectClrLst/>
-    <dgm:txLinClrLst/>
-    <dgm:txFillClrLst meth="repeat">
-      <a:schemeClr val="lt1"/>
-    </dgm:txFillClrLst>
-    <dgm:txEffectClrLst/>
-  </dgm:styleLbl>
-  <dgm:styleLbl name="alignImgPlace1">
-    <dgm:fillClrLst>
-      <a:schemeClr val="accent2">
-        <a:tint val="50000"/>
-      </a:schemeClr>
-      <a:schemeClr val="accent3">
-        <a:tint val="20000"/>
-      </a:schemeClr>
-    </dgm:fillClrLst>
-    <dgm:linClrLst meth="repeat">
-      <a:schemeClr val="lt1"/>
-    </dgm:linClrLst>
-    <dgm:effectClrLst/>
-    <dgm:txLinClrLst/>
-    <dgm:txFillClrLst meth="repeat">
-      <a:schemeClr val="lt1"/>
-    </dgm:txFillClrLst>
-    <dgm:txEffectClrLst/>
-  </dgm:styleLbl>
-  <dgm:styleLbl name="bgImgPlace1">
-    <dgm:fillClrLst>
-      <a:schemeClr val="accent2">
-        <a:tint val="50000"/>
-      </a:schemeClr>
-      <a:schemeClr val="accent3">
-        <a:tint val="20000"/>
-      </a:schemeClr>
-    </dgm:fillClrLst>
-    <dgm:linClrLst meth="repeat">
-      <a:schemeClr val="lt1"/>
-    </dgm:linClrLst>
-    <dgm:effectClrLst/>
-    <dgm:txLinClrLst/>
-    <dgm:txFillClrLst meth="repeat">
-      <a:schemeClr val="lt1"/>
-    </dgm:txFillClrLst>
-    <dgm:txEffectClrLst/>
-  </dgm:styleLbl>
-  <dgm:styleLbl name="sibTrans2D1">
-    <dgm:fillClrLst>
-      <a:schemeClr val="accent2"/>
-      <a:schemeClr val="accent3"/>
-    </dgm:fillClrLst>
-    <dgm:linClrLst meth="repeat">
-      <a:schemeClr val="lt1"/>
-    </dgm:linClrLst>
-    <dgm:effectClrLst/>
-    <dgm:txLinClrLst/>
-    <dgm:txFillClrLst/>
-    <dgm:txEffectClrLst/>
-  </dgm:styleLbl>
-  <dgm:styleLbl name="fgSibTrans2D1">
-    <dgm:fillClrLst>
-      <a:schemeClr val="accent2"/>
-      <a:schemeClr val="accent3"/>
-    </dgm:fillClrLst>
-    <dgm:linClrLst meth="repeat">
-      <a:schemeClr val="lt1"/>
-    </dgm:linClrLst>
-    <dgm:effectClrLst/>
-    <dgm:txLinClrLst/>
-    <dgm:txFillClrLst meth="repeat">
-      <a:schemeClr val="lt1"/>
-    </dgm:txFillClrLst>
-    <dgm:txEffectClrLst/>
-  </dgm:styleLbl>
-  <dgm:styleLbl name="bgSibTrans2D1">
-    <dgm:fillClrLst>
-      <a:schemeClr val="accent2"/>
-      <a:schemeClr val="accent3"/>
-    </dgm:fillClrLst>
-    <dgm:linClrLst meth="repeat">
-      <a:schemeClr val="lt1"/>
-    </dgm:linClrLst>
-    <dgm:effectClrLst/>
-    <dgm:txLinClrLst/>
-    <dgm:txFillClrLst meth="repeat">
-      <a:schemeClr val="lt1"/>
-    </dgm:txFillClrLst>
-    <dgm:txEffectClrLst/>
-  </dgm:styleLbl>
-  <dgm:styleLbl name="sibTrans1D1">
-    <dgm:fillClrLst/>
-    <dgm:linClrLst>
-      <a:schemeClr val="accent2"/>
-      <a:schemeClr val="accent3"/>
-    </dgm:linClrLst>
-    <dgm:effectClrLst/>
-    <dgm:txLinClrLst/>
-    <dgm:txFillClrLst meth="repeat">
-      <a:schemeClr val="tx1"/>
-    </dgm:txFillClrLst>
-    <dgm:txEffectClrLst/>
-  </dgm:styleLbl>
-  <dgm:styleLbl name="callout">
-    <dgm:fillClrLst meth="repeat">
-      <a:schemeClr val="accent2"/>
-    </dgm:fillClrLst>
-    <dgm:linClrLst meth="repeat">
-      <a:schemeClr val="accent2">
-        <a:tint val="50000"/>
-      </a:schemeClr>
-    </dgm:linClrLst>
-    <dgm:effectClrLst/>
-    <dgm:txLinClrLst/>
-    <dgm:txFillClrLst meth="repeat">
-      <a:schemeClr val="tx1"/>
-    </dgm:txFillClrLst>
-    <dgm:txEffectClrLst/>
-  </dgm:styleLbl>
-  <dgm:styleLbl name="asst0">
-    <dgm:fillClrLst meth="repeat">
-      <a:schemeClr val="accent2"/>
-    </dgm:fillClrLst>
-    <dgm:linClrLst meth="repeat">
-      <a:schemeClr val="lt1">
-        <a:shade val="80000"/>
-      </a:schemeClr>
-    </dgm:linClrLst>
-    <dgm:effectClrLst/>
-    <dgm:txLinClrLst/>
-    <dgm:txFillClrLst/>
-    <dgm:txEffectClrLst/>
-  </dgm:styleLbl>
-  <dgm:styleLbl name="asst1">
-    <dgm:fillClrLst meth="repeat">
-      <a:schemeClr val="accent3"/>
-    </dgm:fillClrLst>
-    <dgm:linClrLst meth="repeat">
-      <a:schemeClr val="lt1">
-        <a:shade val="80000"/>
-      </a:schemeClr>
-    </dgm:linClrLst>
-    <dgm:effectClrLst/>
-    <dgm:txLinClrLst/>
-    <dgm:txFillClrLst/>
-    <dgm:txEffectClrLst/>
-  </dgm:styleLbl>
-  <dgm:styleLbl name="asst2">
-    <dgm:fillClrLst>
-      <a:schemeClr val="accent4"/>
-    </dgm:fillClrLst>
-    <dgm:linClrLst meth="repeat">
-      <a:schemeClr val="lt1"/>
-    </dgm:linClrLst>
-    <dgm:effectClrLst/>
-    <dgm:txLinClrLst/>
-    <dgm:txFillClrLst/>
-    <dgm:txEffectClrLst/>
-  </dgm:styleLbl>
-  <dgm:styleLbl name="asst3">
-    <dgm:fillClrLst>
-      <a:schemeClr val="accent5"/>
-    </dgm:fillClrLst>
-    <dgm:linClrLst meth="repeat">
-      <a:schemeClr val="lt1"/>
-    </dgm:linClrLst>
-    <dgm:effectClrLst/>
-    <dgm:txLinClrLst/>
-    <dgm:txFillClrLst/>
-    <dgm:txEffectClrLst/>
-  </dgm:styleLbl>
-  <dgm:styleLbl name="asst4">
-    <dgm:fillClrLst>
-      <a:schemeClr val="accent6"/>
-    </dgm:fillClrLst>
-    <dgm:linClrLst meth="repeat">
-      <a:schemeClr val="lt1"/>
-    </dgm:linClrLst>
-    <dgm:effectClrLst/>
-    <dgm:txLinClrLst/>
-    <dgm:txFillClrLst/>
-    <dgm:txEffectClrLst/>
-  </dgm:styleLbl>
-  <dgm:styleLbl name="parChTrans2D1">
-    <dgm:fillClrLst meth="repeat">
-      <a:schemeClr val="accent2"/>
-    </dgm:fillClrLst>
-    <dgm:linClrLst meth="repeat">
-      <a:schemeClr val="lt1"/>
-    </dgm:linClrLst>
-    <dgm:effectClrLst/>
-    <dgm:txLinClrLst/>
-    <dgm:txFillClrLst meth="repeat">
-      <a:schemeClr val="lt1"/>
-    </dgm:txFillClrLst>
-    <dgm:txEffectClrLst/>
-  </dgm:styleLbl>
-  <dgm:styleLbl name="parChTrans2D2">
-    <dgm:fillClrLst meth="repeat">
-      <a:schemeClr val="accent3"/>
-    </dgm:fillClrLst>
-    <dgm:linClrLst meth="repeat">
-      <a:schemeClr val="lt1"/>
-    </dgm:linClrLst>
-    <dgm:effectClrLst/>
-    <dgm:txLinClrLst/>
-    <dgm:txFillClrLst/>
-    <dgm:txEffectClrLst/>
-  </dgm:styleLbl>
-  <dgm:styleLbl name="parChTrans2D3">
-    <dgm:fillClrLst meth="repeat">
-      <a:schemeClr val="accent4"/>
-    </dgm:fillClrLst>
-    <dgm:linClrLst meth="repeat">
-      <a:schemeClr val="lt1"/>
-    </dgm:linClrLst>
-    <dgm:effectClrLst/>
-    <dgm:txLinClrLst/>
-    <dgm:txFillClrLst/>
-    <dgm:txEffectClrLst/>
-  </dgm:styleLbl>
-  <dgm:styleLbl name="parChTrans2D4">
-    <dgm:fillClrLst meth="repeat">
-      <a:schemeClr val="accent5"/>
-    </dgm:fillClrLst>
-    <dgm:linClrLst meth="repeat">
-      <a:schemeClr val="lt1"/>
-    </dgm:linClrLst>
-    <dgm:effectClrLst/>
-    <dgm:txLinClrLst/>
-    <dgm:txFillClrLst meth="repeat">
-      <a:schemeClr val="lt1"/>
-    </dgm:txFillClrLst>
-    <dgm:txEffectClrLst/>
-  </dgm:styleLbl>
-  <dgm:styleLbl name="parChTrans1D1">
-    <dgm:fillClrLst meth="repeat">
-      <a:schemeClr val="accent2"/>
-    </dgm:fillClrLst>
-    <dgm:linClrLst meth="repeat">
-      <a:schemeClr val="accent2"/>
-    </dgm:linClrLst>
-    <dgm:effectClrLst/>
-    <dgm:txLinClrLst/>
-    <dgm:txFillClrLst meth="repeat">
-      <a:schemeClr val="tx1"/>
-    </dgm:txFillClrLst>
-    <dgm:txEffectClrLst/>
-  </dgm:styleLbl>
-  <dgm:styleLbl name="parChTrans1D2">
-    <dgm:fillClrLst meth="repeat">
-      <a:schemeClr val="accent2">
-        <a:tint val="90000"/>
-      </a:schemeClr>
-    </dgm:fillClrLst>
-    <dgm:linClrLst meth="repeat">
-      <a:schemeClr val="accent3"/>
-    </dgm:linClrLst>
-    <dgm:effectClrLst/>
-    <dgm:txLinClrLst/>
-    <dgm:txFillClrLst meth="repeat">
-      <a:schemeClr val="tx1"/>
-    </dgm:txFillClrLst>
-    <dgm:txEffectClrLst/>
-  </dgm:styleLbl>
-  <dgm:styleLbl name="parChTrans1D3">
-    <dgm:fillClrLst meth="repeat">
-      <a:schemeClr val="accent2">
-        <a:tint val="70000"/>
-      </a:schemeClr>
-    </dgm:fillClrLst>
-    <dgm:linClrLst meth="repeat">
-      <a:schemeClr val="accent4"/>
-    </dgm:linClrLst>
-    <dgm:effectClrLst/>
-    <dgm:txLinClrLst/>
-    <dgm:txFillClrLst meth="repeat">
-      <a:schemeClr val="tx1"/>
-    </dgm:txFillClrLst>
-    <dgm:txEffectClrLst/>
-  </dgm:styleLbl>
-  <dgm:styleLbl name="parChTrans1D4">
-    <dgm:fillClrLst meth="repeat">
-      <a:schemeClr val="accent2">
-        <a:tint val="50000"/>
-      </a:schemeClr>
-    </dgm:fillClrLst>
-    <dgm:linClrLst meth="repeat">
-      <a:schemeClr val="accent5"/>
-    </dgm:linClrLst>
-    <dgm:effectClrLst/>
-    <dgm:txLinClrLst/>
-    <dgm:txFillClrLst meth="repeat">
-      <a:schemeClr val="tx1"/>
-    </dgm:txFillClrLst>
-    <dgm:txEffectClrLst/>
-  </dgm:styleLbl>
-  <dgm:styleLbl name="fgAcc1">
-    <dgm:fillClrLst meth="repeat">
-      <a:schemeClr val="lt1">
-        <a:alpha val="90000"/>
-      </a:schemeClr>
-    </dgm:fillClrLst>
-    <dgm:linClrLst>
-      <a:schemeClr val="accent2"/>
-      <a:schemeClr val="accent3"/>
-    </dgm:linClrLst>
-    <dgm:effectClrLst/>
-    <dgm:txLinClrLst/>
-    <dgm:txFillClrLst meth="repeat">
-      <a:schemeClr val="dk1"/>
-    </dgm:txFillClrLst>
-    <dgm:txEffectClrLst/>
-  </dgm:styleLbl>
-  <dgm:styleLbl name="conFgAcc1">
-    <dgm:fillClrLst meth="repeat">
-      <a:schemeClr val="lt1">
-        <a:alpha val="90000"/>
-      </a:schemeClr>
-    </dgm:fillClrLst>
-    <dgm:linClrLst>
-      <a:schemeClr val="accent2"/>
-      <a:schemeClr val="accent3"/>
-    </dgm:linClrLst>
-    <dgm:effectClrLst/>
-    <dgm:txLinClrLst/>
-    <dgm:txFillClrLst meth="repeat">
-      <a:schemeClr val="dk1"/>
-    </dgm:txFillClrLst>
-    <dgm:txEffectClrLst/>
-  </dgm:styleLbl>
-  <dgm:styleLbl name="alignAcc1">
-    <dgm:fillClrLst meth="repeat">
-      <a:schemeClr val="lt1">
-        <a:alpha val="90000"/>
-      </a:schemeClr>
-    </dgm:fillClrLst>
-    <dgm:linClrLst>
-      <a:schemeClr val="accent2"/>
-      <a:schemeClr val="accent3"/>
-    </dgm:linClrLst>
-    <dgm:effectClrLst/>
-    <dgm:txLinClrLst/>
-    <dgm:txFillClrLst meth="repeat">
-      <a:schemeClr val="dk1"/>
-    </dgm:txFillClrLst>
-    <dgm:txEffectClrLst/>
-  </dgm:styleLbl>
-  <dgm:styleLbl name="trAlignAcc1">
-    <dgm:fillClrLst meth="repeat">
-      <a:schemeClr val="lt1">
-        <a:alpha val="40000"/>
-      </a:schemeClr>
-    </dgm:fillClrLst>
-    <dgm:linClrLst meth="repeat">
-      <a:schemeClr val="accent2"/>
-    </dgm:linClrLst>
-    <dgm:effectClrLst/>
-    <dgm:txLinClrLst/>
-    <dgm:txFillClrLst meth="repeat">
-      <a:schemeClr val="dk1"/>
-    </dgm:txFillClrLst>
-    <dgm:txEffectClrLst/>
-  </dgm:styleLbl>
-  <dgm:styleLbl name="bgAcc1">
-    <dgm:fillClrLst meth="repeat">
-      <a:schemeClr val="lt1">
-        <a:alpha val="90000"/>
-      </a:schemeClr>
-    </dgm:fillClrLst>
-    <dgm:linClrLst>
-      <a:schemeClr val="accent2"/>
-      <a:schemeClr val="accent3"/>
-    </dgm:linClrLst>
-    <dgm:effectClrLst/>
-    <dgm:txLinClrLst/>
-    <dgm:txFillClrLst meth="repeat">
-      <a:schemeClr val="dk1"/>
-    </dgm:txFillClrLst>
-    <dgm:txEffectClrLst/>
-  </dgm:styleLbl>
-  <dgm:styleLbl name="solidFgAcc1">
-    <dgm:fillClrLst meth="repeat">
-      <a:schemeClr val="lt1"/>
-    </dgm:fillClrLst>
-    <dgm:linClrLst>
-      <a:schemeClr val="accent2"/>
-      <a:schemeClr val="accent3"/>
-    </dgm:linClrLst>
-    <dgm:effectClrLst/>
-    <dgm:txLinClrLst/>
-    <dgm:txFillClrLst meth="repeat">
-      <a:schemeClr val="dk1"/>
-    </dgm:txFillClrLst>
-    <dgm:txEffectClrLst/>
-  </dgm:styleLbl>
-  <dgm:styleLbl name="solidAlignAcc1">
-    <dgm:fillClrLst meth="repeat">
-      <a:schemeClr val="lt1"/>
-    </dgm:fillClrLst>
-    <dgm:linClrLst>
-      <a:schemeClr val="accent2"/>
-      <a:schemeClr val="accent3"/>
-    </dgm:linClrLst>
-    <dgm:effectClrLst/>
-    <dgm:txLinClrLst/>
-    <dgm:txFillClrLst meth="repeat">
-      <a:schemeClr val="dk1"/>
-    </dgm:txFillClrLst>
-    <dgm:txEffectClrLst/>
-  </dgm:styleLbl>
-  <dgm:styleLbl name="solidBgAcc1">
-    <dgm:fillClrLst meth="repeat">
-      <a:schemeClr val="lt1"/>
-    </dgm:fillClrLst>
-    <dgm:linClrLst>
-      <a:schemeClr val="accent2"/>
-      <a:schemeClr val="accent3"/>
-    </dgm:linClrLst>
-    <dgm:effectClrLst/>
-    <dgm:txLinClrLst/>
-    <dgm:txFillClrLst meth="repeat">
-      <a:schemeClr val="dk1"/>
-    </dgm:txFillClrLst>
-    <dgm:txEffectClrLst/>
-  </dgm:styleLbl>
-  <dgm:styleLbl name="fgAccFollowNode1">
-    <dgm:fillClrLst>
-      <a:schemeClr val="accent2">
-        <a:tint val="40000"/>
-        <a:alpha val="90000"/>
-      </a:schemeClr>
-      <a:schemeClr val="accent3">
-        <a:tint val="40000"/>
-        <a:alpha val="90000"/>
-      </a:schemeClr>
-    </dgm:fillClrLst>
-    <dgm:linClrLst>
-      <a:schemeClr val="accent2">
-        <a:tint val="40000"/>
-        <a:alpha val="90000"/>
-      </a:schemeClr>
-      <a:schemeClr val="accent3">
-        <a:tint val="40000"/>
-        <a:alpha val="90000"/>
-      </a:schemeClr>
-    </dgm:linClrLst>
-    <dgm:effectClrLst/>
-    <dgm:txLinClrLst/>
-    <dgm:txFillClrLst meth="repeat">
-      <a:schemeClr val="dk1"/>
-    </dgm:txFillClrLst>
-    <dgm:txEffectClrLst/>
-  </dgm:styleLbl>
-  <dgm:styleLbl name="alignAccFollowNode1">
-    <dgm:fillClrLst>
-      <a:schemeClr val="accent2">
-        <a:tint val="40000"/>
-        <a:alpha val="90000"/>
-      </a:schemeClr>
-      <a:schemeClr val="accent3">
-        <a:tint val="40000"/>
-        <a:alpha val="90000"/>
-      </a:schemeClr>
-    </dgm:fillClrLst>
-    <dgm:linClrLst>
-      <a:schemeClr val="accent2">
-        <a:tint val="40000"/>
-        <a:alpha val="90000"/>
-      </a:schemeClr>
-      <a:schemeClr val="accent3">
-        <a:tint val="40000"/>
-        <a:alpha val="90000"/>
-      </a:schemeClr>
-    </dgm:linClrLst>
-    <dgm:effectClrLst/>
-    <dgm:txLinClrLst/>
-    <dgm:txFillClrLst meth="repeat">
-      <a:schemeClr val="dk1"/>
-    </dgm:txFillClrLst>
-    <dgm:txEffectClrLst/>
-  </dgm:styleLbl>
-  <dgm:styleLbl name="bgAccFollowNode1">
-    <dgm:fillClrLst>
-      <a:schemeClr val="accent2">
-        <a:tint val="40000"/>
-        <a:alpha val="90000"/>
-      </a:schemeClr>
-      <a:schemeClr val="accent3">
-        <a:tint val="40000"/>
-        <a:alpha val="90000"/>
-      </a:schemeClr>
-    </dgm:fillClrLst>
-    <dgm:linClrLst>
-      <a:schemeClr val="accent2">
-        <a:tint val="40000"/>
-        <a:alpha val="90000"/>
-      </a:schemeClr>
-      <a:schemeClr val="accent3">
-        <a:tint val="40000"/>
-        <a:alpha val="90000"/>
-      </a:schemeClr>
-    </dgm:linClrLst>
-    <dgm:effectClrLst/>
-    <dgm:txLinClrLst/>
-    <dgm:txFillClrLst meth="repeat">
-      <a:schemeClr val="dk1"/>
-    </dgm:txFillClrLst>
-    <dgm:txEffectClrLst/>
-  </dgm:styleLbl>
-  <dgm:styleLbl name="fgAcc0">
-    <dgm:fillClrLst meth="repeat">
-      <a:schemeClr val="lt1">
-        <a:alpha val="90000"/>
-      </a:schemeClr>
-    </dgm:fillClrLst>
-    <dgm:linClrLst>
-      <a:schemeClr val="accent1"/>
-    </dgm:linClrLst>
-    <dgm:effectClrLst/>
-    <dgm:txLinClrLst/>
-    <dgm:txFillClrLst meth="repeat">
-      <a:schemeClr val="dk1"/>
-    </dgm:txFillClrLst>
-    <dgm:txEffectClrLst/>
-  </dgm:styleLbl>
-  <dgm:styleLbl name="fgAcc2">
-    <dgm:fillClrLst meth="repeat">
-      <a:schemeClr val="lt1">
-        <a:alpha val="90000"/>
-      </a:schemeClr>
-    </dgm:fillClrLst>
-    <dgm:linClrLst>
-      <a:schemeClr val="accent3"/>
-    </dgm:linClrLst>
-    <dgm:effectClrLst/>
-    <dgm:txLinClrLst/>
-    <dgm:txFillClrLst meth="repeat">
-      <a:schemeClr val="dk1"/>
-    </dgm:txFillClrLst>
-    <dgm:txEffectClrLst/>
-  </dgm:styleLbl>
-  <dgm:styleLbl name="fgAcc3">
-    <dgm:fillClrLst meth="repeat">
-      <a:schemeClr val="lt1">
-        <a:alpha val="90000"/>
-      </a:schemeClr>
-    </dgm:fillClrLst>
-    <dgm:linClrLst>
-      <a:schemeClr val="accent4"/>
-    </dgm:linClrLst>
-    <dgm:effectClrLst/>
-    <dgm:txLinClrLst/>
-    <dgm:txFillClrLst meth="repeat">
-      <a:schemeClr val="dk1"/>
-    </dgm:txFillClrLst>
-    <dgm:txEffectClrLst/>
-  </dgm:styleLbl>
-  <dgm:styleLbl name="fgAcc4">
-    <dgm:fillClrLst meth="repeat">
-      <a:schemeClr val="lt1">
-        <a:alpha val="90000"/>
-      </a:schemeClr>
-    </dgm:fillClrLst>
-    <dgm:linClrLst>
-      <a:schemeClr val="accent5"/>
-    </dgm:linClrLst>
-    <dgm:effectClrLst/>
-    <dgm:txLinClrLst/>
-    <dgm:txFillClrLst meth="repeat">
-      <a:schemeClr val="dk1"/>
-    </dgm:txFillClrLst>
-    <dgm:txEffectClrLst/>
-  </dgm:styleLbl>
-  <dgm:styleLbl name="bgShp">
-    <dgm:fillClrLst meth="repeat">
-      <a:schemeClr val="accent2">
-        <a:tint val="40000"/>
-      </a:schemeClr>
-    </dgm:fillClrLst>
-    <dgm:linClrLst meth="repeat">
-      <a:schemeClr val="dk1"/>
-    </dgm:linClrLst>
-    <dgm:effectClrLst/>
-    <dgm:txLinClrLst/>
-    <dgm:txFillClrLst meth="repeat">
-      <a:schemeClr val="dk1"/>
-    </dgm:txFillClrLst>
-    <dgm:txEffectClrLst/>
-  </dgm:styleLbl>
-  <dgm:styleLbl name="dkBgShp">
-    <dgm:fillClrLst meth="repeat">
-      <a:schemeClr val="accent2">
-        <a:shade val="90000"/>
-      </a:schemeClr>
-    </dgm:fillClrLst>
-    <dgm:linClrLst meth="repeat">
-      <a:schemeClr val="dk1"/>
-    </dgm:linClrLst>
-    <dgm:effectClrLst/>
-    <dgm:txLinClrLst/>
-    <dgm:txFillClrLst meth="repeat">
-      <a:schemeClr val="lt1"/>
-    </dgm:txFillClrLst>
-    <dgm:txEffectClrLst/>
-  </dgm:styleLbl>
-  <dgm:styleLbl name="trBgShp">
-    <dgm:fillClrLst meth="repeat">
-      <a:schemeClr val="accent2">
         <a:tint val="50000"/>
         <a:alpha val="40000"/>
       </a:schemeClr>
@@ -7623,6 +8377,379 @@
     <dgm:cxn modelId="{1A927010-F410-4072-9482-B38BFE22C323}" type="presParOf" srcId="{9C2EBAE1-C154-4B82-ABF0-471A7C0C91E8}" destId="{EC7B3B1C-1B93-4736-8F13-9CC2E53CADAE}" srcOrd="6" destOrd="0" presId="urn:microsoft.com/office/officeart/2005/8/layout/vList2"/>
     <dgm:cxn modelId="{F01CD940-F05F-47C7-B380-C5820C3E546A}" type="presParOf" srcId="{9C2EBAE1-C154-4B82-ABF0-471A7C0C91E8}" destId="{5F3586E7-FAD1-4579-9A02-A36ECF8C74F2}" srcOrd="7" destOrd="0" presId="urn:microsoft.com/office/officeart/2005/8/layout/vList2"/>
     <dgm:cxn modelId="{FB0CB21B-6C9A-489C-9D49-6B3E7C17788A}" type="presParOf" srcId="{9C2EBAE1-C154-4B82-ABF0-471A7C0C91E8}" destId="{373AD00E-D1AA-4415-A0BB-FF3F9B710855}" srcOrd="8" destOrd="0" presId="urn:microsoft.com/office/officeart/2005/8/layout/vList2"/>
+  </dgm:cxnLst>
+  <dgm:bg/>
+  <dgm:whole/>
+  <dgm:extLst>
+    <a:ext uri="http://schemas.microsoft.com/office/drawing/2008/diagram">
+      <dsp:dataModelExt xmlns:dsp="http://schemas.microsoft.com/office/drawing/2008/diagram" relId="rId6" minVer="http://schemas.openxmlformats.org/drawingml/2006/diagram"/>
+    </a:ext>
+  </dgm:extLst>
+</dgm:dataModel>
+</file>
+
+<file path=ppt/diagrams/data10.xml><?xml version="1.0" encoding="utf-8"?>
+<dgm:dataModel xmlns:dgm="http://schemas.openxmlformats.org/drawingml/2006/diagram" xmlns:a="http://schemas.openxmlformats.org/drawingml/2006/main">
+  <dgm:ptLst>
+    <dgm:pt modelId="{D9D542EB-D693-4F77-B140-F3451170E7D8}" type="doc">
+      <dgm:prSet loTypeId="urn:microsoft.com/office/officeart/2005/8/layout/architecture" loCatId="hierarchy" qsTypeId="urn:microsoft.com/office/officeart/2005/8/quickstyle/simple1" qsCatId="simple" csTypeId="urn:microsoft.com/office/officeart/2005/8/colors/accent1_2" csCatId="accent1" phldr="1"/>
+      <dgm:spPr/>
+      <dgm:t>
+        <a:bodyPr/>
+        <a:lstStyle/>
+        <a:p>
+          <a:endParaRPr lang="en-US"/>
+        </a:p>
+      </dgm:t>
+    </dgm:pt>
+    <dgm:pt modelId="{63ACA25A-6CC6-4035-9B99-0AEF0F3DD5F2}">
+      <dgm:prSet phldrT="[Text]"/>
+      <dgm:spPr/>
+      <dgm:t>
+        <a:bodyPr/>
+        <a:lstStyle/>
+        <a:p>
+          <a:r>
+            <a:rPr lang="en-US" dirty="0"/>
+            <a:t>Main Network</a:t>
+          </a:r>
+        </a:p>
+      </dgm:t>
+    </dgm:pt>
+    <dgm:pt modelId="{BC1E2D4A-C410-402B-AD86-9602111BD0C6}" type="parTrans" cxnId="{EB4E67A2-AB95-4FDD-BE58-0376C1E2BBA2}">
+      <dgm:prSet/>
+      <dgm:spPr/>
+      <dgm:t>
+        <a:bodyPr/>
+        <a:lstStyle/>
+        <a:p>
+          <a:endParaRPr lang="en-US"/>
+        </a:p>
+      </dgm:t>
+    </dgm:pt>
+    <dgm:pt modelId="{3FED402E-86FC-412D-B210-31557EC3DEB3}" type="sibTrans" cxnId="{EB4E67A2-AB95-4FDD-BE58-0376C1E2BBA2}">
+      <dgm:prSet/>
+      <dgm:spPr/>
+      <dgm:t>
+        <a:bodyPr/>
+        <a:lstStyle/>
+        <a:p>
+          <a:endParaRPr lang="en-US"/>
+        </a:p>
+      </dgm:t>
+    </dgm:pt>
+    <dgm:pt modelId="{26C218E2-A2E6-4219-A445-B359E9DFC513}">
+      <dgm:prSet phldrT="[Text]"/>
+      <dgm:spPr>
+        <a:solidFill>
+          <a:schemeClr val="accent1">
+            <a:lumMod val="60000"/>
+            <a:lumOff val="40000"/>
+          </a:schemeClr>
+        </a:solidFill>
+      </dgm:spPr>
+      <dgm:t>
+        <a:bodyPr/>
+        <a:lstStyle/>
+        <a:p>
+          <a:r>
+            <a:rPr lang="en-US" dirty="0"/>
+            <a:t>Docker Network</a:t>
+          </a:r>
+        </a:p>
+      </dgm:t>
+    </dgm:pt>
+    <dgm:pt modelId="{906BD8A6-C7DF-4628-9D7E-F960D5D93396}" type="parTrans" cxnId="{1A822BC1-E899-45C5-9A9F-6B663F10A10E}">
+      <dgm:prSet/>
+      <dgm:spPr/>
+      <dgm:t>
+        <a:bodyPr/>
+        <a:lstStyle/>
+        <a:p>
+          <a:endParaRPr lang="en-US"/>
+        </a:p>
+      </dgm:t>
+    </dgm:pt>
+    <dgm:pt modelId="{3D9718CA-3A99-45AF-8E66-F2624C1F06F0}" type="sibTrans" cxnId="{1A822BC1-E899-45C5-9A9F-6B663F10A10E}">
+      <dgm:prSet/>
+      <dgm:spPr/>
+      <dgm:t>
+        <a:bodyPr/>
+        <a:lstStyle/>
+        <a:p>
+          <a:endParaRPr lang="en-US"/>
+        </a:p>
+      </dgm:t>
+    </dgm:pt>
+    <dgm:pt modelId="{60BDCB74-480F-4E8D-9AAC-44CC3A16DF17}">
+      <dgm:prSet phldrT="[Text]"/>
+      <dgm:spPr>
+        <a:solidFill>
+          <a:schemeClr val="tx2">
+            <a:lumMod val="60000"/>
+            <a:lumOff val="40000"/>
+          </a:schemeClr>
+        </a:solidFill>
+      </dgm:spPr>
+      <dgm:t>
+        <a:bodyPr/>
+        <a:lstStyle/>
+        <a:p>
+          <a:r>
+            <a:rPr lang="en-US" dirty="0"/>
+            <a:t>App1</a:t>
+          </a:r>
+        </a:p>
+      </dgm:t>
+    </dgm:pt>
+    <dgm:pt modelId="{479E8557-4706-4DB5-AAB0-88ACAF8BC195}" type="parTrans" cxnId="{0C665CE2-D747-40C6-A4FD-B3D6CEA42457}">
+      <dgm:prSet/>
+      <dgm:spPr/>
+      <dgm:t>
+        <a:bodyPr/>
+        <a:lstStyle/>
+        <a:p>
+          <a:endParaRPr lang="en-US"/>
+        </a:p>
+      </dgm:t>
+    </dgm:pt>
+    <dgm:pt modelId="{009063B6-D243-4E08-B09C-6538A92DFFCF}" type="sibTrans" cxnId="{0C665CE2-D747-40C6-A4FD-B3D6CEA42457}">
+      <dgm:prSet/>
+      <dgm:spPr/>
+      <dgm:t>
+        <a:bodyPr/>
+        <a:lstStyle/>
+        <a:p>
+          <a:endParaRPr lang="en-US"/>
+        </a:p>
+      </dgm:t>
+    </dgm:pt>
+    <dgm:pt modelId="{024AE961-D2D3-423F-90B8-EB41C3C25A43}">
+      <dgm:prSet phldrT="[Text]"/>
+      <dgm:spPr>
+        <a:solidFill>
+          <a:schemeClr val="tx2">
+            <a:lumMod val="60000"/>
+            <a:lumOff val="40000"/>
+          </a:schemeClr>
+        </a:solidFill>
+      </dgm:spPr>
+      <dgm:t>
+        <a:bodyPr/>
+        <a:lstStyle/>
+        <a:p>
+          <a:r>
+            <a:rPr lang="en-US" dirty="0"/>
+            <a:t>App2</a:t>
+          </a:r>
+        </a:p>
+      </dgm:t>
+    </dgm:pt>
+    <dgm:pt modelId="{A40D2733-6326-4FAD-A8BF-DC05AA4C6ADF}" type="parTrans" cxnId="{19D06B7A-4E4E-4744-9C6A-29E57E2D4012}">
+      <dgm:prSet/>
+      <dgm:spPr/>
+      <dgm:t>
+        <a:bodyPr/>
+        <a:lstStyle/>
+        <a:p>
+          <a:endParaRPr lang="en-US"/>
+        </a:p>
+      </dgm:t>
+    </dgm:pt>
+    <dgm:pt modelId="{A329EFAC-D4EA-4EF4-9369-BB87A3C76F10}" type="sibTrans" cxnId="{19D06B7A-4E4E-4744-9C6A-29E57E2D4012}">
+      <dgm:prSet/>
+      <dgm:spPr/>
+      <dgm:t>
+        <a:bodyPr/>
+        <a:lstStyle/>
+        <a:p>
+          <a:endParaRPr lang="en-US"/>
+        </a:p>
+      </dgm:t>
+    </dgm:pt>
+    <dgm:pt modelId="{09B0A8A3-1A4B-4F9A-82F0-201643D3175D}">
+      <dgm:prSet phldrT="[Text]"/>
+      <dgm:spPr>
+        <a:solidFill>
+          <a:schemeClr val="tx2">
+            <a:lumMod val="60000"/>
+            <a:lumOff val="40000"/>
+          </a:schemeClr>
+        </a:solidFill>
+      </dgm:spPr>
+      <dgm:t>
+        <a:bodyPr/>
+        <a:lstStyle/>
+        <a:p>
+          <a:r>
+            <a:rPr lang="en-US" dirty="0"/>
+            <a:t>App3</a:t>
+          </a:r>
+        </a:p>
+      </dgm:t>
+    </dgm:pt>
+    <dgm:pt modelId="{A906EFA8-453E-4167-9DF0-0C12DD686F2B}" type="parTrans" cxnId="{333162E6-D135-4290-A6E6-FB13D809330A}">
+      <dgm:prSet/>
+      <dgm:spPr/>
+      <dgm:t>
+        <a:bodyPr/>
+        <a:lstStyle/>
+        <a:p>
+          <a:endParaRPr lang="en-US"/>
+        </a:p>
+      </dgm:t>
+    </dgm:pt>
+    <dgm:pt modelId="{BEF56813-27ED-4D3B-9D6E-4D267554D24F}" type="sibTrans" cxnId="{333162E6-D135-4290-A6E6-FB13D809330A}">
+      <dgm:prSet/>
+      <dgm:spPr/>
+      <dgm:t>
+        <a:bodyPr/>
+        <a:lstStyle/>
+        <a:p>
+          <a:endParaRPr lang="en-US"/>
+        </a:p>
+      </dgm:t>
+    </dgm:pt>
+    <dgm:pt modelId="{3E82E42B-C0CB-431E-866D-B7D0824FC505}" type="pres">
+      <dgm:prSet presAssocID="{D9D542EB-D693-4F77-B140-F3451170E7D8}" presName="Name0" presStyleCnt="0">
+        <dgm:presLayoutVars>
+          <dgm:chPref val="1"/>
+          <dgm:dir/>
+          <dgm:animOne val="branch"/>
+          <dgm:animLvl val="lvl"/>
+          <dgm:resizeHandles/>
+        </dgm:presLayoutVars>
+      </dgm:prSet>
+      <dgm:spPr/>
+    </dgm:pt>
+    <dgm:pt modelId="{9065DBDC-4CCA-4128-B154-D2A2C8480AE1}" type="pres">
+      <dgm:prSet presAssocID="{63ACA25A-6CC6-4035-9B99-0AEF0F3DD5F2}" presName="vertOne" presStyleCnt="0"/>
+      <dgm:spPr/>
+    </dgm:pt>
+    <dgm:pt modelId="{D56F94DF-B747-4FAD-982C-18ED174CE7B7}" type="pres">
+      <dgm:prSet presAssocID="{63ACA25A-6CC6-4035-9B99-0AEF0F3DD5F2}" presName="txOne" presStyleLbl="node0" presStyleIdx="0" presStyleCnt="1" custScaleY="41738">
+        <dgm:presLayoutVars>
+          <dgm:chPref val="3"/>
+        </dgm:presLayoutVars>
+      </dgm:prSet>
+      <dgm:spPr/>
+    </dgm:pt>
+    <dgm:pt modelId="{F5B785CD-B8DE-4F27-94C9-62F2DBFF3A45}" type="pres">
+      <dgm:prSet presAssocID="{63ACA25A-6CC6-4035-9B99-0AEF0F3DD5F2}" presName="parTransOne" presStyleCnt="0"/>
+      <dgm:spPr/>
+    </dgm:pt>
+    <dgm:pt modelId="{59ECEE6B-A9BE-4B95-9D3E-16743A3D3453}" type="pres">
+      <dgm:prSet presAssocID="{63ACA25A-6CC6-4035-9B99-0AEF0F3DD5F2}" presName="horzOne" presStyleCnt="0"/>
+      <dgm:spPr/>
+    </dgm:pt>
+    <dgm:pt modelId="{6D79244C-B511-45AB-BD73-D35DAFB87241}" type="pres">
+      <dgm:prSet presAssocID="{26C218E2-A2E6-4219-A445-B359E9DFC513}" presName="vertTwo" presStyleCnt="0"/>
+      <dgm:spPr/>
+    </dgm:pt>
+    <dgm:pt modelId="{DB74F7AB-F96B-4B27-94A6-E67F902EEBD1}" type="pres">
+      <dgm:prSet presAssocID="{26C218E2-A2E6-4219-A445-B359E9DFC513}" presName="txTwo" presStyleLbl="node2" presStyleIdx="0" presStyleCnt="1" custScaleY="30678" custLinFactNeighborX="90" custLinFactNeighborY="85038">
+        <dgm:presLayoutVars>
+          <dgm:chPref val="3"/>
+        </dgm:presLayoutVars>
+      </dgm:prSet>
+      <dgm:spPr/>
+    </dgm:pt>
+    <dgm:pt modelId="{D4646867-2DF2-4700-90E0-C2D1DFC7BE62}" type="pres">
+      <dgm:prSet presAssocID="{26C218E2-A2E6-4219-A445-B359E9DFC513}" presName="parTransTwo" presStyleCnt="0"/>
+      <dgm:spPr/>
+    </dgm:pt>
+    <dgm:pt modelId="{52BE5A0B-0296-4903-8F78-44E203BC7B52}" type="pres">
+      <dgm:prSet presAssocID="{26C218E2-A2E6-4219-A445-B359E9DFC513}" presName="horzTwo" presStyleCnt="0"/>
+      <dgm:spPr/>
+    </dgm:pt>
+    <dgm:pt modelId="{6352ED43-2BBA-4A41-A92A-2831D8C803B5}" type="pres">
+      <dgm:prSet presAssocID="{60BDCB74-480F-4E8D-9AAC-44CC3A16DF17}" presName="vertThree" presStyleCnt="0"/>
+      <dgm:spPr/>
+    </dgm:pt>
+    <dgm:pt modelId="{7650B25E-1552-4870-B2C2-CA39D374F270}" type="pres">
+      <dgm:prSet presAssocID="{60BDCB74-480F-4E8D-9AAC-44CC3A16DF17}" presName="txThree" presStyleLbl="node3" presStyleIdx="0" presStyleCnt="3" custScaleY="34902" custLinFactNeighborX="-521" custLinFactNeighborY="45420">
+        <dgm:presLayoutVars>
+          <dgm:chPref val="3"/>
+        </dgm:presLayoutVars>
+      </dgm:prSet>
+      <dgm:spPr/>
+    </dgm:pt>
+    <dgm:pt modelId="{61E3F722-9002-469B-999A-B55618462892}" type="pres">
+      <dgm:prSet presAssocID="{60BDCB74-480F-4E8D-9AAC-44CC3A16DF17}" presName="horzThree" presStyleCnt="0"/>
+      <dgm:spPr/>
+    </dgm:pt>
+    <dgm:pt modelId="{5173FF00-119C-45B7-8206-D65B1455D9CC}" type="pres">
+      <dgm:prSet presAssocID="{009063B6-D243-4E08-B09C-6538A92DFFCF}" presName="sibSpaceThree" presStyleCnt="0"/>
+      <dgm:spPr/>
+    </dgm:pt>
+    <dgm:pt modelId="{353B0637-0954-454F-B416-29F6EE174B67}" type="pres">
+      <dgm:prSet presAssocID="{024AE961-D2D3-423F-90B8-EB41C3C25A43}" presName="vertThree" presStyleCnt="0"/>
+      <dgm:spPr/>
+    </dgm:pt>
+    <dgm:pt modelId="{0D017A50-FB99-4AD1-BC2E-DFBB5F7C6F57}" type="pres">
+      <dgm:prSet presAssocID="{024AE961-D2D3-423F-90B8-EB41C3C25A43}" presName="txThree" presStyleLbl="node3" presStyleIdx="1" presStyleCnt="3" custScaleY="34902" custLinFactNeighborX="-521" custLinFactNeighborY="45420">
+        <dgm:presLayoutVars>
+          <dgm:chPref val="3"/>
+        </dgm:presLayoutVars>
+      </dgm:prSet>
+      <dgm:spPr/>
+    </dgm:pt>
+    <dgm:pt modelId="{99969B88-420D-43FC-9F06-0BFD01BD6DAD}" type="pres">
+      <dgm:prSet presAssocID="{024AE961-D2D3-423F-90B8-EB41C3C25A43}" presName="horzThree" presStyleCnt="0"/>
+      <dgm:spPr/>
+    </dgm:pt>
+    <dgm:pt modelId="{CC3EE396-B88F-41EF-A9C7-2B5DDCFF0CB8}" type="pres">
+      <dgm:prSet presAssocID="{A329EFAC-D4EA-4EF4-9369-BB87A3C76F10}" presName="sibSpaceThree" presStyleCnt="0"/>
+      <dgm:spPr/>
+    </dgm:pt>
+    <dgm:pt modelId="{A5DAD3C1-3391-43FD-8861-E55FB1CB40C1}" type="pres">
+      <dgm:prSet presAssocID="{09B0A8A3-1A4B-4F9A-82F0-201643D3175D}" presName="vertThree" presStyleCnt="0"/>
+      <dgm:spPr/>
+    </dgm:pt>
+    <dgm:pt modelId="{8D72E6A8-59B7-45A1-8A98-0F74537E5148}" type="pres">
+      <dgm:prSet presAssocID="{09B0A8A3-1A4B-4F9A-82F0-201643D3175D}" presName="txThree" presStyleLbl="node3" presStyleIdx="2" presStyleCnt="3" custScaleY="34902" custLinFactNeighborX="-521" custLinFactNeighborY="45420">
+        <dgm:presLayoutVars>
+          <dgm:chPref val="3"/>
+        </dgm:presLayoutVars>
+      </dgm:prSet>
+      <dgm:spPr/>
+    </dgm:pt>
+    <dgm:pt modelId="{79DEC1C7-2F0F-46AE-8EC7-F5C28EA7E81C}" type="pres">
+      <dgm:prSet presAssocID="{09B0A8A3-1A4B-4F9A-82F0-201643D3175D}" presName="horzThree" presStyleCnt="0"/>
+      <dgm:spPr/>
+    </dgm:pt>
+  </dgm:ptLst>
+  <dgm:cxnLst>
+    <dgm:cxn modelId="{0760295C-25F3-4DF7-AED5-C747D873502A}" type="presOf" srcId="{09B0A8A3-1A4B-4F9A-82F0-201643D3175D}" destId="{8D72E6A8-59B7-45A1-8A98-0F74537E5148}" srcOrd="0" destOrd="0" presId="urn:microsoft.com/office/officeart/2005/8/layout/architecture"/>
+    <dgm:cxn modelId="{19D06B7A-4E4E-4744-9C6A-29E57E2D4012}" srcId="{26C218E2-A2E6-4219-A445-B359E9DFC513}" destId="{024AE961-D2D3-423F-90B8-EB41C3C25A43}" srcOrd="1" destOrd="0" parTransId="{A40D2733-6326-4FAD-A8BF-DC05AA4C6ADF}" sibTransId="{A329EFAC-D4EA-4EF4-9369-BB87A3C76F10}"/>
+    <dgm:cxn modelId="{5147BB8D-A437-4250-8BC6-C5F5A1A99C63}" type="presOf" srcId="{26C218E2-A2E6-4219-A445-B359E9DFC513}" destId="{DB74F7AB-F96B-4B27-94A6-E67F902EEBD1}" srcOrd="0" destOrd="0" presId="urn:microsoft.com/office/officeart/2005/8/layout/architecture"/>
+    <dgm:cxn modelId="{FD38A799-A844-46F0-8CE8-0AFED79885D8}" type="presOf" srcId="{D9D542EB-D693-4F77-B140-F3451170E7D8}" destId="{3E82E42B-C0CB-431E-866D-B7D0824FC505}" srcOrd="0" destOrd="0" presId="urn:microsoft.com/office/officeart/2005/8/layout/architecture"/>
+    <dgm:cxn modelId="{EB4E67A2-AB95-4FDD-BE58-0376C1E2BBA2}" srcId="{D9D542EB-D693-4F77-B140-F3451170E7D8}" destId="{63ACA25A-6CC6-4035-9B99-0AEF0F3DD5F2}" srcOrd="0" destOrd="0" parTransId="{BC1E2D4A-C410-402B-AD86-9602111BD0C6}" sibTransId="{3FED402E-86FC-412D-B210-31557EC3DEB3}"/>
+    <dgm:cxn modelId="{525726A5-B78E-472C-BB59-4BAAF0AEE5D2}" type="presOf" srcId="{60BDCB74-480F-4E8D-9AAC-44CC3A16DF17}" destId="{7650B25E-1552-4870-B2C2-CA39D374F270}" srcOrd="0" destOrd="0" presId="urn:microsoft.com/office/officeart/2005/8/layout/architecture"/>
+    <dgm:cxn modelId="{E2C193BB-E81C-420A-B913-6FA32E35A574}" type="presOf" srcId="{63ACA25A-6CC6-4035-9B99-0AEF0F3DD5F2}" destId="{D56F94DF-B747-4FAD-982C-18ED174CE7B7}" srcOrd="0" destOrd="0" presId="urn:microsoft.com/office/officeart/2005/8/layout/architecture"/>
+    <dgm:cxn modelId="{D5D5F8BB-0B79-4B1F-976D-D66A24CABE22}" type="presOf" srcId="{024AE961-D2D3-423F-90B8-EB41C3C25A43}" destId="{0D017A50-FB99-4AD1-BC2E-DFBB5F7C6F57}" srcOrd="0" destOrd="0" presId="urn:microsoft.com/office/officeart/2005/8/layout/architecture"/>
+    <dgm:cxn modelId="{1A822BC1-E899-45C5-9A9F-6B663F10A10E}" srcId="{63ACA25A-6CC6-4035-9B99-0AEF0F3DD5F2}" destId="{26C218E2-A2E6-4219-A445-B359E9DFC513}" srcOrd="0" destOrd="0" parTransId="{906BD8A6-C7DF-4628-9D7E-F960D5D93396}" sibTransId="{3D9718CA-3A99-45AF-8E66-F2624C1F06F0}"/>
+    <dgm:cxn modelId="{0C665CE2-D747-40C6-A4FD-B3D6CEA42457}" srcId="{26C218E2-A2E6-4219-A445-B359E9DFC513}" destId="{60BDCB74-480F-4E8D-9AAC-44CC3A16DF17}" srcOrd="0" destOrd="0" parTransId="{479E8557-4706-4DB5-AAB0-88ACAF8BC195}" sibTransId="{009063B6-D243-4E08-B09C-6538A92DFFCF}"/>
+    <dgm:cxn modelId="{333162E6-D135-4290-A6E6-FB13D809330A}" srcId="{26C218E2-A2E6-4219-A445-B359E9DFC513}" destId="{09B0A8A3-1A4B-4F9A-82F0-201643D3175D}" srcOrd="2" destOrd="0" parTransId="{A906EFA8-453E-4167-9DF0-0C12DD686F2B}" sibTransId="{BEF56813-27ED-4D3B-9D6E-4D267554D24F}"/>
+    <dgm:cxn modelId="{3FC2482F-C102-4622-8EFA-929BE0EE63CA}" type="presParOf" srcId="{3E82E42B-C0CB-431E-866D-B7D0824FC505}" destId="{9065DBDC-4CCA-4128-B154-D2A2C8480AE1}" srcOrd="0" destOrd="0" presId="urn:microsoft.com/office/officeart/2005/8/layout/architecture"/>
+    <dgm:cxn modelId="{C397B467-F8C3-4765-BF2D-7D055E8183BF}" type="presParOf" srcId="{9065DBDC-4CCA-4128-B154-D2A2C8480AE1}" destId="{D56F94DF-B747-4FAD-982C-18ED174CE7B7}" srcOrd="0" destOrd="0" presId="urn:microsoft.com/office/officeart/2005/8/layout/architecture"/>
+    <dgm:cxn modelId="{2AF48CE3-E801-46C8-93B5-F56628C86296}" type="presParOf" srcId="{9065DBDC-4CCA-4128-B154-D2A2C8480AE1}" destId="{F5B785CD-B8DE-4F27-94C9-62F2DBFF3A45}" srcOrd="1" destOrd="0" presId="urn:microsoft.com/office/officeart/2005/8/layout/architecture"/>
+    <dgm:cxn modelId="{0D88462B-12AA-4B27-9868-9D0B601322F7}" type="presParOf" srcId="{9065DBDC-4CCA-4128-B154-D2A2C8480AE1}" destId="{59ECEE6B-A9BE-4B95-9D3E-16743A3D3453}" srcOrd="2" destOrd="0" presId="urn:microsoft.com/office/officeart/2005/8/layout/architecture"/>
+    <dgm:cxn modelId="{A3E98E7B-E235-43FA-8E74-44E0736ADE5F}" type="presParOf" srcId="{59ECEE6B-A9BE-4B95-9D3E-16743A3D3453}" destId="{6D79244C-B511-45AB-BD73-D35DAFB87241}" srcOrd="0" destOrd="0" presId="urn:microsoft.com/office/officeart/2005/8/layout/architecture"/>
+    <dgm:cxn modelId="{681E6C2D-2E63-4D60-B28F-03386A6A4BA0}" type="presParOf" srcId="{6D79244C-B511-45AB-BD73-D35DAFB87241}" destId="{DB74F7AB-F96B-4B27-94A6-E67F902EEBD1}" srcOrd="0" destOrd="0" presId="urn:microsoft.com/office/officeart/2005/8/layout/architecture"/>
+    <dgm:cxn modelId="{90372EC8-2EA6-4BBA-804F-1ACFE8A349C7}" type="presParOf" srcId="{6D79244C-B511-45AB-BD73-D35DAFB87241}" destId="{D4646867-2DF2-4700-90E0-C2D1DFC7BE62}" srcOrd="1" destOrd="0" presId="urn:microsoft.com/office/officeart/2005/8/layout/architecture"/>
+    <dgm:cxn modelId="{6200C982-F697-41C2-A624-85101030278A}" type="presParOf" srcId="{6D79244C-B511-45AB-BD73-D35DAFB87241}" destId="{52BE5A0B-0296-4903-8F78-44E203BC7B52}" srcOrd="2" destOrd="0" presId="urn:microsoft.com/office/officeart/2005/8/layout/architecture"/>
+    <dgm:cxn modelId="{4672AAD9-0AD1-47F9-AC45-8FF7A118F957}" type="presParOf" srcId="{52BE5A0B-0296-4903-8F78-44E203BC7B52}" destId="{6352ED43-2BBA-4A41-A92A-2831D8C803B5}" srcOrd="0" destOrd="0" presId="urn:microsoft.com/office/officeart/2005/8/layout/architecture"/>
+    <dgm:cxn modelId="{CBD0DD1E-C8C3-4D73-A2D8-906DAE61DE20}" type="presParOf" srcId="{6352ED43-2BBA-4A41-A92A-2831D8C803B5}" destId="{7650B25E-1552-4870-B2C2-CA39D374F270}" srcOrd="0" destOrd="0" presId="urn:microsoft.com/office/officeart/2005/8/layout/architecture"/>
+    <dgm:cxn modelId="{50293A5C-F88C-4E0C-8797-004135D1BF12}" type="presParOf" srcId="{6352ED43-2BBA-4A41-A92A-2831D8C803B5}" destId="{61E3F722-9002-469B-999A-B55618462892}" srcOrd="1" destOrd="0" presId="urn:microsoft.com/office/officeart/2005/8/layout/architecture"/>
+    <dgm:cxn modelId="{2165A650-A3C7-468B-846A-E8E3A083539F}" type="presParOf" srcId="{52BE5A0B-0296-4903-8F78-44E203BC7B52}" destId="{5173FF00-119C-45B7-8206-D65B1455D9CC}" srcOrd="1" destOrd="0" presId="urn:microsoft.com/office/officeart/2005/8/layout/architecture"/>
+    <dgm:cxn modelId="{C88CEF0B-0E1F-44C3-81D3-79DB0F52577A}" type="presParOf" srcId="{52BE5A0B-0296-4903-8F78-44E203BC7B52}" destId="{353B0637-0954-454F-B416-29F6EE174B67}" srcOrd="2" destOrd="0" presId="urn:microsoft.com/office/officeart/2005/8/layout/architecture"/>
+    <dgm:cxn modelId="{0E90561C-E435-4EBF-B7E4-0C24988BB9EE}" type="presParOf" srcId="{353B0637-0954-454F-B416-29F6EE174B67}" destId="{0D017A50-FB99-4AD1-BC2E-DFBB5F7C6F57}" srcOrd="0" destOrd="0" presId="urn:microsoft.com/office/officeart/2005/8/layout/architecture"/>
+    <dgm:cxn modelId="{AA1FF2AF-C456-4798-8D9C-503D113B020F}" type="presParOf" srcId="{353B0637-0954-454F-B416-29F6EE174B67}" destId="{99969B88-420D-43FC-9F06-0BFD01BD6DAD}" srcOrd="1" destOrd="0" presId="urn:microsoft.com/office/officeart/2005/8/layout/architecture"/>
+    <dgm:cxn modelId="{E8359E22-7C60-4AA4-AAE5-B529E62474F7}" type="presParOf" srcId="{52BE5A0B-0296-4903-8F78-44E203BC7B52}" destId="{CC3EE396-B88F-41EF-A9C7-2B5DDCFF0CB8}" srcOrd="3" destOrd="0" presId="urn:microsoft.com/office/officeart/2005/8/layout/architecture"/>
+    <dgm:cxn modelId="{7E15F0D0-AD5F-468F-B4C5-0221161D4C20}" type="presParOf" srcId="{52BE5A0B-0296-4903-8F78-44E203BC7B52}" destId="{A5DAD3C1-3391-43FD-8861-E55FB1CB40C1}" srcOrd="4" destOrd="0" presId="urn:microsoft.com/office/officeart/2005/8/layout/architecture"/>
+    <dgm:cxn modelId="{B21274E0-FB7F-455E-BFC8-B5ACEFD98BB8}" type="presParOf" srcId="{A5DAD3C1-3391-43FD-8861-E55FB1CB40C1}" destId="{8D72E6A8-59B7-45A1-8A98-0F74537E5148}" srcOrd="0" destOrd="0" presId="urn:microsoft.com/office/officeart/2005/8/layout/architecture"/>
+    <dgm:cxn modelId="{2F0DAC61-B129-4C39-8BDF-139CBD89F767}" type="presParOf" srcId="{A5DAD3C1-3391-43FD-8861-E55FB1CB40C1}" destId="{79DEC1C7-2F0F-46AE-8EC7-F5C28EA7E81C}" srcOrd="1" destOrd="0" presId="urn:microsoft.com/office/officeart/2005/8/layout/architecture"/>
   </dgm:cxnLst>
   <dgm:bg/>
   <dgm:whole/>
@@ -8848,7 +9975,7 @@
       <dgm:spPr/>
     </dgm:pt>
     <dgm:pt modelId="{149B4562-3CDC-4710-9617-6B89F35E7B67}" type="pres">
-      <dgm:prSet presAssocID="{33F79846-15F7-49DB-A281-C56C9C82C88C}" presName="txThree" presStyleLbl="node3" presStyleIdx="0" presStyleCnt="1" custScaleY="75361">
+      <dgm:prSet presAssocID="{33F79846-15F7-49DB-A281-C56C9C82C88C}" presName="txThree" presStyleLbl="node3" presStyleIdx="0" presStyleCnt="2" custScaleY="75361">
         <dgm:presLayoutVars>
           <dgm:chPref val="3"/>
         </dgm:presLayoutVars>
@@ -8872,7 +9999,7 @@
       <dgm:spPr/>
     </dgm:pt>
     <dgm:pt modelId="{F8C9B134-07E9-473F-B414-0651424A8344}" type="pres">
-      <dgm:prSet presAssocID="{3034ACC7-8337-4785-AC7B-77729760D0C0}" presName="txFour" presStyleLbl="node4" presStyleIdx="0" presStyleCnt="5" custScaleX="104008" custScaleY="70976">
+      <dgm:prSet presAssocID="{3034ACC7-8337-4785-AC7B-77729760D0C0}" presName="txFour" presStyleLbl="node4" presStyleIdx="0" presStyleCnt="4" custScaleX="104008" custScaleY="70976">
         <dgm:presLayoutVars>
           <dgm:chPref val="3"/>
         </dgm:presLayoutVars>
@@ -8896,7 +10023,7 @@
       <dgm:spPr/>
     </dgm:pt>
     <dgm:pt modelId="{46C7B01B-3F93-41D8-911F-0624803D5A34}" type="pres">
-      <dgm:prSet presAssocID="{AF94F177-49EC-4212-A9BB-AC2829D20F49}" presName="txFour" presStyleLbl="node4" presStyleIdx="1" presStyleCnt="5" custScaleX="111420" custLinFactNeighborX="-4884" custLinFactNeighborY="-2547">
+      <dgm:prSet presAssocID="{AF94F177-49EC-4212-A9BB-AC2829D20F49}" presName="txFour" presStyleLbl="node4" presStyleIdx="1" presStyleCnt="4" custScaleX="111420" custLinFactNeighborX="-4884" custLinFactNeighborY="-2547">
         <dgm:presLayoutVars>
           <dgm:chPref val="3"/>
         </dgm:presLayoutVars>
@@ -8920,7 +10047,7 @@
       <dgm:spPr/>
     </dgm:pt>
     <dgm:pt modelId="{A6FB40D7-8E3A-46CD-8F45-22932D0E48B9}" type="pres">
-      <dgm:prSet presAssocID="{4B494253-EC8C-4868-A010-527217577846}" presName="txFour" presStyleLbl="node4" presStyleIdx="2" presStyleCnt="5" custLinFactNeighborX="-3256" custLinFactNeighborY="-2547">
+      <dgm:prSet presAssocID="{4B494253-EC8C-4868-A010-527217577846}" presName="txFour" presStyleLbl="node4" presStyleIdx="2" presStyleCnt="4" custLinFactNeighborX="-3256" custLinFactNeighborY="-2547">
         <dgm:presLayoutVars>
           <dgm:chPref val="3"/>
         </dgm:presLayoutVars>
@@ -8944,7 +10071,7 @@
       <dgm:spPr/>
     </dgm:pt>
     <dgm:pt modelId="{0C991DB6-DE4B-4D4A-9D02-B60F566E2801}" type="pres">
-      <dgm:prSet presAssocID="{5EA97F0D-A22C-4E31-8794-E5A3FE1B19B0}" presName="txFour" presStyleLbl="node4" presStyleIdx="3" presStyleCnt="5">
+      <dgm:prSet presAssocID="{5EA97F0D-A22C-4E31-8794-E5A3FE1B19B0}" presName="txFour" presStyleLbl="node4" presStyleIdx="3" presStyleCnt="4">
         <dgm:presLayoutVars>
           <dgm:chPref val="3"/>
         </dgm:presLayoutVars>
@@ -8955,37 +10082,32 @@
       <dgm:prSet presAssocID="{5EA97F0D-A22C-4E31-8794-E5A3FE1B19B0}" presName="horzFour" presStyleCnt="0"/>
       <dgm:spPr/>
     </dgm:pt>
-    <dgm:pt modelId="{588F65EE-01B2-4608-8BAA-3DB585D18330}" type="pres">
-      <dgm:prSet presAssocID="{EB393E6E-3481-4E4D-81B3-1FD338D92532}" presName="sibSpaceFour" presStyleCnt="0"/>
+    <dgm:pt modelId="{618B66AF-ED05-482A-B778-E17CD07A3AB2}" type="pres">
+      <dgm:prSet presAssocID="{118309AC-7A8C-4C2D-98D4-7876EA38DF6D}" presName="sibSpaceThree" presStyleCnt="0"/>
       <dgm:spPr/>
     </dgm:pt>
-    <dgm:pt modelId="{49FFCFAA-E6C5-4E81-95EA-9B283FAF8BEF}" type="pres">
-      <dgm:prSet presAssocID="{7A511D62-C4F2-4B02-81D2-8B4CD661FA66}" presName="vertFour" presStyleCnt="0">
+    <dgm:pt modelId="{D092EFC2-12B3-4F9D-B023-BAE83B740D8C}" type="pres">
+      <dgm:prSet presAssocID="{7A511D62-C4F2-4B02-81D2-8B4CD661FA66}" presName="vertThree" presStyleCnt="0"/>
+      <dgm:spPr/>
+    </dgm:pt>
+    <dgm:pt modelId="{767E8046-E973-43B7-AE6F-C9897C7A7926}" type="pres">
+      <dgm:prSet presAssocID="{7A511D62-C4F2-4B02-81D2-8B4CD661FA66}" presName="txThree" presStyleLbl="node3" presStyleIdx="1" presStyleCnt="2">
         <dgm:presLayoutVars>
           <dgm:chPref val="3"/>
         </dgm:presLayoutVars>
       </dgm:prSet>
       <dgm:spPr/>
     </dgm:pt>
-    <dgm:pt modelId="{6120499D-9144-4AA5-9AAF-4A7DE9E0A039}" type="pres">
-      <dgm:prSet presAssocID="{7A511D62-C4F2-4B02-81D2-8B4CD661FA66}" presName="txFour" presStyleLbl="node4" presStyleIdx="4" presStyleCnt="5" custScaleX="112702" custScaleY="72052">
-        <dgm:presLayoutVars>
-          <dgm:chPref val="3"/>
-        </dgm:presLayoutVars>
-      </dgm:prSet>
-      <dgm:spPr/>
-    </dgm:pt>
-    <dgm:pt modelId="{D3CC560E-1C64-4A49-8B6B-D35737DDF93B}" type="pres">
-      <dgm:prSet presAssocID="{7A511D62-C4F2-4B02-81D2-8B4CD661FA66}" presName="horzFour" presStyleCnt="0"/>
+    <dgm:pt modelId="{A81D8752-777F-4584-B78E-4402A30E7074}" type="pres">
+      <dgm:prSet presAssocID="{7A511D62-C4F2-4B02-81D2-8B4CD661FA66}" presName="horzThree" presStyleCnt="0"/>
       <dgm:spPr/>
     </dgm:pt>
   </dgm:ptLst>
   <dgm:cxnLst>
-    <dgm:cxn modelId="{751A9E12-5A02-4AC2-A6DA-ED5881EB3527}" srcId="{33F79846-15F7-49DB-A281-C56C9C82C88C}" destId="{7A511D62-C4F2-4B02-81D2-8B4CD661FA66}" srcOrd="1" destOrd="0" parTransId="{14F1D5D0-EBF1-4604-883C-A64A9BA93F0D}" sibTransId="{42BC6A06-98F0-4C86-A8ED-792078264DCE}"/>
+    <dgm:cxn modelId="{751A9E12-5A02-4AC2-A6DA-ED5881EB3527}" srcId="{89B392D9-0CB7-4ED6-B3A2-3C9C5EF15811}" destId="{7A511D62-C4F2-4B02-81D2-8B4CD661FA66}" srcOrd="1" destOrd="0" parTransId="{14F1D5D0-EBF1-4604-883C-A64A9BA93F0D}" sibTransId="{42BC6A06-98F0-4C86-A8ED-792078264DCE}"/>
     <dgm:cxn modelId="{34FD0A22-2097-4DBB-842D-B4AE09442047}" type="presOf" srcId="{4B494253-EC8C-4868-A010-527217577846}" destId="{A6FB40D7-8E3A-46CD-8F45-22932D0E48B9}" srcOrd="0" destOrd="0" presId="urn:microsoft.com/office/officeart/2005/8/layout/architecture"/>
     <dgm:cxn modelId="{F6C2672D-F0A6-4B5C-88B0-29350C6828C1}" srcId="{3034ACC7-8337-4785-AC7B-77729760D0C0}" destId="{4B494253-EC8C-4868-A010-527217577846}" srcOrd="1" destOrd="0" parTransId="{2310161B-DCDC-4EB6-965B-6FCA0CA6F32A}" sibTransId="{B4E28931-3881-4CE5-91A3-73CA0E65FCC2}"/>
     <dgm:cxn modelId="{C5DFA93E-4893-466E-8961-5122DD3A5875}" srcId="{89B392D9-0CB7-4ED6-B3A2-3C9C5EF15811}" destId="{33F79846-15F7-49DB-A281-C56C9C82C88C}" srcOrd="0" destOrd="0" parTransId="{8C411DB3-5573-47F7-9026-22CBDA199557}" sibTransId="{118309AC-7A8C-4C2D-98D4-7876EA38DF6D}"/>
-    <dgm:cxn modelId="{E7A10563-D8B5-4A54-ABA9-A500E3E4BFEC}" type="presOf" srcId="{7A511D62-C4F2-4B02-81D2-8B4CD661FA66}" destId="{6120499D-9144-4AA5-9AAF-4A7DE9E0A039}" srcOrd="0" destOrd="0" presId="urn:microsoft.com/office/officeart/2005/8/layout/architecture"/>
     <dgm:cxn modelId="{A34C6044-4192-4B13-B8A9-3346C4236F55}" srcId="{3034ACC7-8337-4785-AC7B-77729760D0C0}" destId="{5EA97F0D-A22C-4E31-8794-E5A3FE1B19B0}" srcOrd="2" destOrd="0" parTransId="{5400B639-535B-48EA-B50A-D0B0CC71D66E}" sibTransId="{C096EA76-14DD-4D35-9353-40378E7B15C7}"/>
     <dgm:cxn modelId="{6B150773-E830-466F-A553-AA3B4FDA57D3}" srcId="{3034ACC7-8337-4785-AC7B-77729760D0C0}" destId="{AF94F177-49EC-4212-A9BB-AC2829D20F49}" srcOrd="0" destOrd="0" parTransId="{D7ADE195-A586-4D09-A599-D657F7773C86}" sibTransId="{5BE403E2-BF04-4404-A1B5-34C865511868}"/>
     <dgm:cxn modelId="{DB597480-D175-49B1-B6C4-0357495D0104}" type="presOf" srcId="{33F79846-15F7-49DB-A281-C56C9C82C88C}" destId="{149B4562-3CDC-4710-9617-6B89F35E7B67}" srcOrd="0" destOrd="0" presId="urn:microsoft.com/office/officeart/2005/8/layout/architecture"/>
@@ -8997,6 +10119,7 @@
     <dgm:cxn modelId="{B6C28AA6-2A45-4F00-9E68-F8BF0A64A3AA}" srcId="{63ACA25A-6CC6-4035-9B99-0AEF0F3DD5F2}" destId="{89B392D9-0CB7-4ED6-B3A2-3C9C5EF15811}" srcOrd="0" destOrd="0" parTransId="{FA175BD6-1F0F-4268-BDA0-45261543BBDC}" sibTransId="{9D4E64E5-2CD1-46A7-8FA2-5335FA032259}"/>
     <dgm:cxn modelId="{E2C193BB-E81C-420A-B913-6FA32E35A574}" type="presOf" srcId="{63ACA25A-6CC6-4035-9B99-0AEF0F3DD5F2}" destId="{D56F94DF-B747-4FAD-982C-18ED174CE7B7}" srcOrd="0" destOrd="0" presId="urn:microsoft.com/office/officeart/2005/8/layout/architecture"/>
     <dgm:cxn modelId="{C2142FCC-E135-4B61-8993-9CBC351A21D8}" type="presOf" srcId="{AF94F177-49EC-4212-A9BB-AC2829D20F49}" destId="{46C7B01B-3F93-41D8-911F-0624803D5A34}" srcOrd="0" destOrd="0" presId="urn:microsoft.com/office/officeart/2005/8/layout/architecture"/>
+    <dgm:cxn modelId="{A66AA3D3-FD22-4D48-A907-4272F3C3E740}" type="presOf" srcId="{7A511D62-C4F2-4B02-81D2-8B4CD661FA66}" destId="{767E8046-E973-43B7-AE6F-C9897C7A7926}" srcOrd="0" destOrd="0" presId="urn:microsoft.com/office/officeart/2005/8/layout/architecture"/>
     <dgm:cxn modelId="{0F7B49E5-F521-4378-A6A8-8B1CF321C43C}" type="presOf" srcId="{89B392D9-0CB7-4ED6-B3A2-3C9C5EF15811}" destId="{0ED19D9A-70C1-4337-9C08-6EBE6F56AE21}" srcOrd="0" destOrd="0" presId="urn:microsoft.com/office/officeart/2005/8/layout/architecture"/>
     <dgm:cxn modelId="{3FC2482F-C102-4622-8EFA-929BE0EE63CA}" type="presParOf" srcId="{3E82E42B-C0CB-431E-866D-B7D0824FC505}" destId="{9065DBDC-4CCA-4128-B154-D2A2C8480AE1}" srcOrd="0" destOrd="0" presId="urn:microsoft.com/office/officeart/2005/8/layout/architecture"/>
     <dgm:cxn modelId="{C397B467-F8C3-4765-BF2D-7D055E8183BF}" type="presParOf" srcId="{9065DBDC-4CCA-4128-B154-D2A2C8480AE1}" destId="{D56F94DF-B747-4FAD-982C-18ED174CE7B7}" srcOrd="0" destOrd="0" presId="urn:microsoft.com/office/officeart/2005/8/layout/architecture"/>
@@ -9025,10 +10148,10 @@
     <dgm:cxn modelId="{299B50AD-A1F1-4B34-963C-D7AFCEFEFDC2}" type="presParOf" srcId="{B8A70BFE-91E7-4788-B603-D3FD9749F55B}" destId="{C65C5BD9-0724-4FDE-8CFE-E1DBA1CE2A22}" srcOrd="4" destOrd="0" presId="urn:microsoft.com/office/officeart/2005/8/layout/architecture"/>
     <dgm:cxn modelId="{5B45AD00-7678-4C90-AB48-4A4F9584A63C}" type="presParOf" srcId="{C65C5BD9-0724-4FDE-8CFE-E1DBA1CE2A22}" destId="{0C991DB6-DE4B-4D4A-9D02-B60F566E2801}" srcOrd="0" destOrd="0" presId="urn:microsoft.com/office/officeart/2005/8/layout/architecture"/>
     <dgm:cxn modelId="{D525F962-01FE-4BCA-9AE5-E46371675C22}" type="presParOf" srcId="{C65C5BD9-0724-4FDE-8CFE-E1DBA1CE2A22}" destId="{EB614B81-8CBE-4859-AD3B-99A1F4B30EB2}" srcOrd="1" destOrd="0" presId="urn:microsoft.com/office/officeart/2005/8/layout/architecture"/>
-    <dgm:cxn modelId="{8EDDE9A4-1D47-485B-8380-2282CC47192D}" type="presParOf" srcId="{BED1003C-C792-48F5-9F56-9507302DF627}" destId="{588F65EE-01B2-4608-8BAA-3DB585D18330}" srcOrd="1" destOrd="0" presId="urn:microsoft.com/office/officeart/2005/8/layout/architecture"/>
-    <dgm:cxn modelId="{3404FACA-08CF-4C8E-9DE4-35D72CA4E3F6}" type="presParOf" srcId="{BED1003C-C792-48F5-9F56-9507302DF627}" destId="{49FFCFAA-E6C5-4E81-95EA-9B283FAF8BEF}" srcOrd="2" destOrd="0" presId="urn:microsoft.com/office/officeart/2005/8/layout/architecture"/>
-    <dgm:cxn modelId="{909E27AE-D70C-44B4-9B43-72504EB49A10}" type="presParOf" srcId="{49FFCFAA-E6C5-4E81-95EA-9B283FAF8BEF}" destId="{6120499D-9144-4AA5-9AAF-4A7DE9E0A039}" srcOrd="0" destOrd="0" presId="urn:microsoft.com/office/officeart/2005/8/layout/architecture"/>
-    <dgm:cxn modelId="{8D227FD6-945A-4922-8EF1-55ADAD167298}" type="presParOf" srcId="{49FFCFAA-E6C5-4E81-95EA-9B283FAF8BEF}" destId="{D3CC560E-1C64-4A49-8B6B-D35737DDF93B}" srcOrd="1" destOrd="0" presId="urn:microsoft.com/office/officeart/2005/8/layout/architecture"/>
+    <dgm:cxn modelId="{8593A6CB-FF14-49C4-AB03-72C6E36599AD}" type="presParOf" srcId="{71BA4ECC-8903-4B6C-9DC8-1EB85A226DE2}" destId="{618B66AF-ED05-482A-B778-E17CD07A3AB2}" srcOrd="1" destOrd="0" presId="urn:microsoft.com/office/officeart/2005/8/layout/architecture"/>
+    <dgm:cxn modelId="{B0D2F095-8F78-4FC2-B6F7-6F50B8CCE36C}" type="presParOf" srcId="{71BA4ECC-8903-4B6C-9DC8-1EB85A226DE2}" destId="{D092EFC2-12B3-4F9D-B023-BAE83B740D8C}" srcOrd="2" destOrd="0" presId="urn:microsoft.com/office/officeart/2005/8/layout/architecture"/>
+    <dgm:cxn modelId="{A5960607-96C7-46B2-B46D-2BE1A25BD820}" type="presParOf" srcId="{D092EFC2-12B3-4F9D-B023-BAE83B740D8C}" destId="{767E8046-E973-43B7-AE6F-C9897C7A7926}" srcOrd="0" destOrd="0" presId="urn:microsoft.com/office/officeart/2005/8/layout/architecture"/>
+    <dgm:cxn modelId="{FED98FF2-176F-4C03-8995-58F7567BE37F}" type="presParOf" srcId="{D092EFC2-12B3-4F9D-B023-BAE83B740D8C}" destId="{A81D8752-777F-4584-B78E-4402A30E7074}" srcOrd="1" destOrd="0" presId="urn:microsoft.com/office/officeart/2005/8/layout/architecture"/>
   </dgm:cxnLst>
   <dgm:bg/>
   <dgm:whole/>
@@ -9586,8 +10709,16 @@
         <a:lstStyle/>
         <a:p>
           <a:r>
-            <a:rPr lang="en-US"/>
-            <a:t>Images can be push to remote repos (Docker Hub, Azure Container Registry, etc) for sharing</a:t>
+            <a:rPr lang="en-US" dirty="0"/>
+            <a:t>Images can be pushed to remote repos (Docker Hub, Azure Container Registry, </a:t>
+          </a:r>
+          <a:r>
+            <a:rPr lang="en-US" dirty="0" err="1"/>
+            <a:t>etc</a:t>
+          </a:r>
+          <a:r>
+            <a:rPr lang="en-US" dirty="0"/>
+            <a:t>) for sharing</a:t>
           </a:r>
         </a:p>
       </dgm:t>
@@ -9816,6 +10947,250 @@
 </file>
 
 <file path=ppt/diagrams/data8.xml><?xml version="1.0" encoding="utf-8"?>
+<dgm:dataModel xmlns:dgm="http://schemas.openxmlformats.org/drawingml/2006/diagram" xmlns:a="http://schemas.openxmlformats.org/drawingml/2006/main">
+  <dgm:ptLst>
+    <dgm:pt modelId="{0702AF28-F1B3-4C66-90CC-8158807557D0}" type="doc">
+      <dgm:prSet loTypeId="urn:microsoft.com/office/officeart/2005/8/layout/vList2" loCatId="list" qsTypeId="urn:microsoft.com/office/officeart/2005/8/quickstyle/simple1" qsCatId="simple" csTypeId="urn:microsoft.com/office/officeart/2005/8/colors/colorful2" csCatId="colorful"/>
+      <dgm:spPr/>
+      <dgm:t>
+        <a:bodyPr/>
+        <a:lstStyle/>
+        <a:p>
+          <a:endParaRPr lang="en-US"/>
+        </a:p>
+      </dgm:t>
+    </dgm:pt>
+    <dgm:pt modelId="{C822A5D1-B795-4CED-ABE0-E7B3D6A70E3B}">
+      <dgm:prSet/>
+      <dgm:spPr/>
+      <dgm:t>
+        <a:bodyPr/>
+        <a:lstStyle/>
+        <a:p>
+          <a:r>
+            <a:rPr lang="en-US"/>
+            <a:t>Available for Windows 10 64-bit Pro, Enterprise, or Education (Build 15063 or later)</a:t>
+          </a:r>
+        </a:p>
+      </dgm:t>
+    </dgm:pt>
+    <dgm:pt modelId="{D5E98830-FC8A-4FE6-870C-C54889EF4A29}" type="parTrans" cxnId="{EBD3DB62-355A-4EAB-9153-7CC1A7DEBB09}">
+      <dgm:prSet/>
+      <dgm:spPr/>
+      <dgm:t>
+        <a:bodyPr/>
+        <a:lstStyle/>
+        <a:p>
+          <a:endParaRPr lang="en-US"/>
+        </a:p>
+      </dgm:t>
+    </dgm:pt>
+    <dgm:pt modelId="{87734DA3-2F07-4788-8B05-A10F353CE9B3}" type="sibTrans" cxnId="{EBD3DB62-355A-4EAB-9153-7CC1A7DEBB09}">
+      <dgm:prSet/>
+      <dgm:spPr/>
+      <dgm:t>
+        <a:bodyPr/>
+        <a:lstStyle/>
+        <a:p>
+          <a:endParaRPr lang="en-US"/>
+        </a:p>
+      </dgm:t>
+    </dgm:pt>
+    <dgm:pt modelId="{55CE3EE6-B73E-40DD-AC37-7F2968A548BF}">
+      <dgm:prSet/>
+      <dgm:spPr/>
+      <dgm:t>
+        <a:bodyPr/>
+        <a:lstStyle/>
+        <a:p>
+          <a:r>
+            <a:rPr lang="en-US"/>
+            <a:t>Hyper-V and Containers features must be enabled</a:t>
+          </a:r>
+        </a:p>
+      </dgm:t>
+    </dgm:pt>
+    <dgm:pt modelId="{251AC39F-D0A9-4B31-85CE-8BAD30AC48CD}" type="parTrans" cxnId="{AF4B3986-829F-469D-A6C8-356BE2DA098C}">
+      <dgm:prSet/>
+      <dgm:spPr/>
+      <dgm:t>
+        <a:bodyPr/>
+        <a:lstStyle/>
+        <a:p>
+          <a:endParaRPr lang="en-US"/>
+        </a:p>
+      </dgm:t>
+    </dgm:pt>
+    <dgm:pt modelId="{744072CD-2BF3-46EA-AC3A-76357831631F}" type="sibTrans" cxnId="{AF4B3986-829F-469D-A6C8-356BE2DA098C}">
+      <dgm:prSet/>
+      <dgm:spPr/>
+      <dgm:t>
+        <a:bodyPr/>
+        <a:lstStyle/>
+        <a:p>
+          <a:endParaRPr lang="en-US"/>
+        </a:p>
+      </dgm:t>
+    </dgm:pt>
+    <dgm:pt modelId="{91B82966-DF81-4A7E-964F-A41F7A8F4C3B}">
+      <dgm:prSet/>
+      <dgm:spPr/>
+      <dgm:t>
+        <a:bodyPr/>
+        <a:lstStyle/>
+        <a:p>
+          <a:r>
+            <a:rPr lang="en-US"/>
+            <a:t>SUPPORTS BOTH WINDOWS AND LINUX CONTAINERS</a:t>
+          </a:r>
+        </a:p>
+      </dgm:t>
+    </dgm:pt>
+    <dgm:pt modelId="{575749BB-C7C3-432C-9D6B-F95A3C1E6CA7}" type="parTrans" cxnId="{95A7CEB2-AC53-46CD-A53B-FF0A2520F8F6}">
+      <dgm:prSet/>
+      <dgm:spPr/>
+      <dgm:t>
+        <a:bodyPr/>
+        <a:lstStyle/>
+        <a:p>
+          <a:endParaRPr lang="en-US"/>
+        </a:p>
+      </dgm:t>
+    </dgm:pt>
+    <dgm:pt modelId="{1246F080-848B-4084-9EBF-515918B919E3}" type="sibTrans" cxnId="{95A7CEB2-AC53-46CD-A53B-FF0A2520F8F6}">
+      <dgm:prSet/>
+      <dgm:spPr/>
+      <dgm:t>
+        <a:bodyPr/>
+        <a:lstStyle/>
+        <a:p>
+          <a:endParaRPr lang="en-US"/>
+        </a:p>
+      </dgm:t>
+    </dgm:pt>
+    <dgm:pt modelId="{8A461D33-9C46-4762-9951-D1712F138FA3}">
+      <dgm:prSet/>
+      <dgm:spPr/>
+      <dgm:t>
+        <a:bodyPr/>
+        <a:lstStyle/>
+        <a:p>
+          <a:r>
+            <a:rPr lang="en-US"/>
+            <a:t>https://docs.docker.com/docker-for-windows/install/</a:t>
+          </a:r>
+        </a:p>
+      </dgm:t>
+    </dgm:pt>
+    <dgm:pt modelId="{8697B090-525E-42DB-925E-CA8D6B8FB4D4}" type="parTrans" cxnId="{308A0DA0-EE52-400E-8B43-E37CE1C7FB54}">
+      <dgm:prSet/>
+      <dgm:spPr/>
+      <dgm:t>
+        <a:bodyPr/>
+        <a:lstStyle/>
+        <a:p>
+          <a:endParaRPr lang="en-US"/>
+        </a:p>
+      </dgm:t>
+    </dgm:pt>
+    <dgm:pt modelId="{3D403A2A-56C4-4390-B40E-653E83A78BE3}" type="sibTrans" cxnId="{308A0DA0-EE52-400E-8B43-E37CE1C7FB54}">
+      <dgm:prSet/>
+      <dgm:spPr/>
+      <dgm:t>
+        <a:bodyPr/>
+        <a:lstStyle/>
+        <a:p>
+          <a:endParaRPr lang="en-US"/>
+        </a:p>
+      </dgm:t>
+    </dgm:pt>
+    <dgm:pt modelId="{6035F616-09F1-4A8B-9200-C652F31D9F57}" type="pres">
+      <dgm:prSet presAssocID="{0702AF28-F1B3-4C66-90CC-8158807557D0}" presName="linear" presStyleCnt="0">
+        <dgm:presLayoutVars>
+          <dgm:animLvl val="lvl"/>
+          <dgm:resizeHandles val="exact"/>
+        </dgm:presLayoutVars>
+      </dgm:prSet>
+      <dgm:spPr/>
+    </dgm:pt>
+    <dgm:pt modelId="{604D3FDC-F3B0-426A-A0A9-542BA48D0CDA}" type="pres">
+      <dgm:prSet presAssocID="{C822A5D1-B795-4CED-ABE0-E7B3D6A70E3B}" presName="parentText" presStyleLbl="node1" presStyleIdx="0" presStyleCnt="4">
+        <dgm:presLayoutVars>
+          <dgm:chMax val="0"/>
+          <dgm:bulletEnabled val="1"/>
+        </dgm:presLayoutVars>
+      </dgm:prSet>
+      <dgm:spPr/>
+    </dgm:pt>
+    <dgm:pt modelId="{98D3C921-CC78-4493-892A-325FF493427A}" type="pres">
+      <dgm:prSet presAssocID="{87734DA3-2F07-4788-8B05-A10F353CE9B3}" presName="spacer" presStyleCnt="0"/>
+      <dgm:spPr/>
+    </dgm:pt>
+    <dgm:pt modelId="{61CA2C19-705A-4401-95E3-052C6157187D}" type="pres">
+      <dgm:prSet presAssocID="{55CE3EE6-B73E-40DD-AC37-7F2968A548BF}" presName="parentText" presStyleLbl="node1" presStyleIdx="1" presStyleCnt="4">
+        <dgm:presLayoutVars>
+          <dgm:chMax val="0"/>
+          <dgm:bulletEnabled val="1"/>
+        </dgm:presLayoutVars>
+      </dgm:prSet>
+      <dgm:spPr/>
+    </dgm:pt>
+    <dgm:pt modelId="{CA349A72-461B-439E-9B7B-ACD7F56DB511}" type="pres">
+      <dgm:prSet presAssocID="{744072CD-2BF3-46EA-AC3A-76357831631F}" presName="spacer" presStyleCnt="0"/>
+      <dgm:spPr/>
+    </dgm:pt>
+    <dgm:pt modelId="{95E87193-2C90-43AF-9AA3-DC41390B12ED}" type="pres">
+      <dgm:prSet presAssocID="{91B82966-DF81-4A7E-964F-A41F7A8F4C3B}" presName="parentText" presStyleLbl="node1" presStyleIdx="2" presStyleCnt="4">
+        <dgm:presLayoutVars>
+          <dgm:chMax val="0"/>
+          <dgm:bulletEnabled val="1"/>
+        </dgm:presLayoutVars>
+      </dgm:prSet>
+      <dgm:spPr/>
+    </dgm:pt>
+    <dgm:pt modelId="{CAB468BF-ED63-41B2-8173-00DFFFBF4C09}" type="pres">
+      <dgm:prSet presAssocID="{1246F080-848B-4084-9EBF-515918B919E3}" presName="spacer" presStyleCnt="0"/>
+      <dgm:spPr/>
+    </dgm:pt>
+    <dgm:pt modelId="{96D891DE-7105-437A-B642-7D98D32D0AA1}" type="pres">
+      <dgm:prSet presAssocID="{8A461D33-9C46-4762-9951-D1712F138FA3}" presName="parentText" presStyleLbl="node1" presStyleIdx="3" presStyleCnt="4">
+        <dgm:presLayoutVars>
+          <dgm:chMax val="0"/>
+          <dgm:bulletEnabled val="1"/>
+        </dgm:presLayoutVars>
+      </dgm:prSet>
+      <dgm:spPr/>
+    </dgm:pt>
+  </dgm:ptLst>
+  <dgm:cxnLst>
+    <dgm:cxn modelId="{9E7A2360-F4A0-4EEC-A8CC-405DF7384EE9}" type="presOf" srcId="{55CE3EE6-B73E-40DD-AC37-7F2968A548BF}" destId="{61CA2C19-705A-4401-95E3-052C6157187D}" srcOrd="0" destOrd="0" presId="urn:microsoft.com/office/officeart/2005/8/layout/vList2"/>
+    <dgm:cxn modelId="{EBD3DB62-355A-4EAB-9153-7CC1A7DEBB09}" srcId="{0702AF28-F1B3-4C66-90CC-8158807557D0}" destId="{C822A5D1-B795-4CED-ABE0-E7B3D6A70E3B}" srcOrd="0" destOrd="0" parTransId="{D5E98830-FC8A-4FE6-870C-C54889EF4A29}" sibTransId="{87734DA3-2F07-4788-8B05-A10F353CE9B3}"/>
+    <dgm:cxn modelId="{CECECE45-2E3F-4874-AABC-09D9423D7D28}" type="presOf" srcId="{0702AF28-F1B3-4C66-90CC-8158807557D0}" destId="{6035F616-09F1-4A8B-9200-C652F31D9F57}" srcOrd="0" destOrd="0" presId="urn:microsoft.com/office/officeart/2005/8/layout/vList2"/>
+    <dgm:cxn modelId="{9B788854-002D-4147-B9B5-64F25F344185}" type="presOf" srcId="{C822A5D1-B795-4CED-ABE0-E7B3D6A70E3B}" destId="{604D3FDC-F3B0-426A-A0A9-542BA48D0CDA}" srcOrd="0" destOrd="0" presId="urn:microsoft.com/office/officeart/2005/8/layout/vList2"/>
+    <dgm:cxn modelId="{DF37EB7C-7B43-40B9-89B2-0D9A8661280F}" type="presOf" srcId="{8A461D33-9C46-4762-9951-D1712F138FA3}" destId="{96D891DE-7105-437A-B642-7D98D32D0AA1}" srcOrd="0" destOrd="0" presId="urn:microsoft.com/office/officeart/2005/8/layout/vList2"/>
+    <dgm:cxn modelId="{AF4B3986-829F-469D-A6C8-356BE2DA098C}" srcId="{0702AF28-F1B3-4C66-90CC-8158807557D0}" destId="{55CE3EE6-B73E-40DD-AC37-7F2968A548BF}" srcOrd="1" destOrd="0" parTransId="{251AC39F-D0A9-4B31-85CE-8BAD30AC48CD}" sibTransId="{744072CD-2BF3-46EA-AC3A-76357831631F}"/>
+    <dgm:cxn modelId="{308A0DA0-EE52-400E-8B43-E37CE1C7FB54}" srcId="{0702AF28-F1B3-4C66-90CC-8158807557D0}" destId="{8A461D33-9C46-4762-9951-D1712F138FA3}" srcOrd="3" destOrd="0" parTransId="{8697B090-525E-42DB-925E-CA8D6B8FB4D4}" sibTransId="{3D403A2A-56C4-4390-B40E-653E83A78BE3}"/>
+    <dgm:cxn modelId="{95A7CEB2-AC53-46CD-A53B-FF0A2520F8F6}" srcId="{0702AF28-F1B3-4C66-90CC-8158807557D0}" destId="{91B82966-DF81-4A7E-964F-A41F7A8F4C3B}" srcOrd="2" destOrd="0" parTransId="{575749BB-C7C3-432C-9D6B-F95A3C1E6CA7}" sibTransId="{1246F080-848B-4084-9EBF-515918B919E3}"/>
+    <dgm:cxn modelId="{87A753B9-D264-4846-8B75-30A8A8A4CCFE}" type="presOf" srcId="{91B82966-DF81-4A7E-964F-A41F7A8F4C3B}" destId="{95E87193-2C90-43AF-9AA3-DC41390B12ED}" srcOrd="0" destOrd="0" presId="urn:microsoft.com/office/officeart/2005/8/layout/vList2"/>
+    <dgm:cxn modelId="{DCB2DDA5-D4C1-4EAD-877B-5EA2DE96E616}" type="presParOf" srcId="{6035F616-09F1-4A8B-9200-C652F31D9F57}" destId="{604D3FDC-F3B0-426A-A0A9-542BA48D0CDA}" srcOrd="0" destOrd="0" presId="urn:microsoft.com/office/officeart/2005/8/layout/vList2"/>
+    <dgm:cxn modelId="{26E07097-359D-4A51-A13F-9846E1B8A2D7}" type="presParOf" srcId="{6035F616-09F1-4A8B-9200-C652F31D9F57}" destId="{98D3C921-CC78-4493-892A-325FF493427A}" srcOrd="1" destOrd="0" presId="urn:microsoft.com/office/officeart/2005/8/layout/vList2"/>
+    <dgm:cxn modelId="{04E43053-7461-4F9F-9A79-9AE23A02C07D}" type="presParOf" srcId="{6035F616-09F1-4A8B-9200-C652F31D9F57}" destId="{61CA2C19-705A-4401-95E3-052C6157187D}" srcOrd="2" destOrd="0" presId="urn:microsoft.com/office/officeart/2005/8/layout/vList2"/>
+    <dgm:cxn modelId="{E2C5181D-0603-4A79-8EA3-3E056A6307ED}" type="presParOf" srcId="{6035F616-09F1-4A8B-9200-C652F31D9F57}" destId="{CA349A72-461B-439E-9B7B-ACD7F56DB511}" srcOrd="3" destOrd="0" presId="urn:microsoft.com/office/officeart/2005/8/layout/vList2"/>
+    <dgm:cxn modelId="{9B2DDF3E-5A97-4831-830F-6BBDABE0EE6C}" type="presParOf" srcId="{6035F616-09F1-4A8B-9200-C652F31D9F57}" destId="{95E87193-2C90-43AF-9AA3-DC41390B12ED}" srcOrd="4" destOrd="0" presId="urn:microsoft.com/office/officeart/2005/8/layout/vList2"/>
+    <dgm:cxn modelId="{AD6E47F4-81B4-4222-8592-0ECD611CB1A5}" type="presParOf" srcId="{6035F616-09F1-4A8B-9200-C652F31D9F57}" destId="{CAB468BF-ED63-41B2-8173-00DFFFBF4C09}" srcOrd="5" destOrd="0" presId="urn:microsoft.com/office/officeart/2005/8/layout/vList2"/>
+    <dgm:cxn modelId="{B9781400-FA6F-4F10-93B0-6654C519741A}" type="presParOf" srcId="{6035F616-09F1-4A8B-9200-C652F31D9F57}" destId="{96D891DE-7105-437A-B642-7D98D32D0AA1}" srcOrd="6" destOrd="0" presId="urn:microsoft.com/office/officeart/2005/8/layout/vList2"/>
+  </dgm:cxnLst>
+  <dgm:bg/>
+  <dgm:whole/>
+  <dgm:extLst>
+    <a:ext uri="http://schemas.microsoft.com/office/drawing/2008/diagram">
+      <dsp:dataModelExt xmlns:dsp="http://schemas.microsoft.com/office/drawing/2008/diagram" relId="rId6" minVer="http://schemas.openxmlformats.org/drawingml/2006/diagram"/>
+    </a:ext>
+  </dgm:extLst>
+</dgm:dataModel>
+</file>
+
+<file path=ppt/diagrams/data9.xml><?xml version="1.0" encoding="utf-8"?>
 <dgm:dataModel xmlns:dgm="http://schemas.openxmlformats.org/drawingml/2006/diagram" xmlns:a="http://schemas.openxmlformats.org/drawingml/2006/main">
   <dgm:ptLst>
     <dgm:pt modelId="{BC2F0FCF-B7A7-4F08-A042-650CA76A81BF}" type="doc">
@@ -10062,250 +11437,6 @@
     <dgm:cxn modelId="{CB37651F-6F1F-4B65-B00D-4FFA900A24F6}" type="presParOf" srcId="{DDEA9F02-38BA-435F-84D0-71E42831F30A}" destId="{E80D7876-0D6F-462A-B536-81782AAC21CC}" srcOrd="1" destOrd="0" presId="urn:microsoft.com/office/officeart/2018/2/layout/IconCircleList"/>
     <dgm:cxn modelId="{9F0C87EA-BB27-4622-853F-A4A93B46CFA5}" type="presParOf" srcId="{DDEA9F02-38BA-435F-84D0-71E42831F30A}" destId="{40E125D9-F641-4FA8-BE33-8D180F0BE1F3}" srcOrd="2" destOrd="0" presId="urn:microsoft.com/office/officeart/2018/2/layout/IconCircleList"/>
     <dgm:cxn modelId="{E9A43744-4692-47CB-8950-D91D4128C35B}" type="presParOf" srcId="{DDEA9F02-38BA-435F-84D0-71E42831F30A}" destId="{7109256F-78FC-4EA2-8ACB-2CCBCCBA0340}" srcOrd="3" destOrd="0" presId="urn:microsoft.com/office/officeart/2018/2/layout/IconCircleList"/>
-  </dgm:cxnLst>
-  <dgm:bg/>
-  <dgm:whole/>
-  <dgm:extLst>
-    <a:ext uri="http://schemas.microsoft.com/office/drawing/2008/diagram">
-      <dsp:dataModelExt xmlns:dsp="http://schemas.microsoft.com/office/drawing/2008/diagram" relId="rId6" minVer="http://schemas.openxmlformats.org/drawingml/2006/diagram"/>
-    </a:ext>
-  </dgm:extLst>
-</dgm:dataModel>
-</file>
-
-<file path=ppt/diagrams/data9.xml><?xml version="1.0" encoding="utf-8"?>
-<dgm:dataModel xmlns:dgm="http://schemas.openxmlformats.org/drawingml/2006/diagram" xmlns:a="http://schemas.openxmlformats.org/drawingml/2006/main">
-  <dgm:ptLst>
-    <dgm:pt modelId="{0702AF28-F1B3-4C66-90CC-8158807557D0}" type="doc">
-      <dgm:prSet loTypeId="urn:microsoft.com/office/officeart/2005/8/layout/vList2" loCatId="list" qsTypeId="urn:microsoft.com/office/officeart/2005/8/quickstyle/simple1" qsCatId="simple" csTypeId="urn:microsoft.com/office/officeart/2005/8/colors/colorful2" csCatId="colorful"/>
-      <dgm:spPr/>
-      <dgm:t>
-        <a:bodyPr/>
-        <a:lstStyle/>
-        <a:p>
-          <a:endParaRPr lang="en-US"/>
-        </a:p>
-      </dgm:t>
-    </dgm:pt>
-    <dgm:pt modelId="{C822A5D1-B795-4CED-ABE0-E7B3D6A70E3B}">
-      <dgm:prSet/>
-      <dgm:spPr/>
-      <dgm:t>
-        <a:bodyPr/>
-        <a:lstStyle/>
-        <a:p>
-          <a:r>
-            <a:rPr lang="en-US"/>
-            <a:t>Available for Windows 10 64-bit Pro, Enterprise, or Education (Build 15063 or later)</a:t>
-          </a:r>
-        </a:p>
-      </dgm:t>
-    </dgm:pt>
-    <dgm:pt modelId="{D5E98830-FC8A-4FE6-870C-C54889EF4A29}" type="parTrans" cxnId="{EBD3DB62-355A-4EAB-9153-7CC1A7DEBB09}">
-      <dgm:prSet/>
-      <dgm:spPr/>
-      <dgm:t>
-        <a:bodyPr/>
-        <a:lstStyle/>
-        <a:p>
-          <a:endParaRPr lang="en-US"/>
-        </a:p>
-      </dgm:t>
-    </dgm:pt>
-    <dgm:pt modelId="{87734DA3-2F07-4788-8B05-A10F353CE9B3}" type="sibTrans" cxnId="{EBD3DB62-355A-4EAB-9153-7CC1A7DEBB09}">
-      <dgm:prSet/>
-      <dgm:spPr/>
-      <dgm:t>
-        <a:bodyPr/>
-        <a:lstStyle/>
-        <a:p>
-          <a:endParaRPr lang="en-US"/>
-        </a:p>
-      </dgm:t>
-    </dgm:pt>
-    <dgm:pt modelId="{55CE3EE6-B73E-40DD-AC37-7F2968A548BF}">
-      <dgm:prSet/>
-      <dgm:spPr/>
-      <dgm:t>
-        <a:bodyPr/>
-        <a:lstStyle/>
-        <a:p>
-          <a:r>
-            <a:rPr lang="en-US"/>
-            <a:t>Hyper-V and Containers features must be enabled</a:t>
-          </a:r>
-        </a:p>
-      </dgm:t>
-    </dgm:pt>
-    <dgm:pt modelId="{251AC39F-D0A9-4B31-85CE-8BAD30AC48CD}" type="parTrans" cxnId="{AF4B3986-829F-469D-A6C8-356BE2DA098C}">
-      <dgm:prSet/>
-      <dgm:spPr/>
-      <dgm:t>
-        <a:bodyPr/>
-        <a:lstStyle/>
-        <a:p>
-          <a:endParaRPr lang="en-US"/>
-        </a:p>
-      </dgm:t>
-    </dgm:pt>
-    <dgm:pt modelId="{744072CD-2BF3-46EA-AC3A-76357831631F}" type="sibTrans" cxnId="{AF4B3986-829F-469D-A6C8-356BE2DA098C}">
-      <dgm:prSet/>
-      <dgm:spPr/>
-      <dgm:t>
-        <a:bodyPr/>
-        <a:lstStyle/>
-        <a:p>
-          <a:endParaRPr lang="en-US"/>
-        </a:p>
-      </dgm:t>
-    </dgm:pt>
-    <dgm:pt modelId="{91B82966-DF81-4A7E-964F-A41F7A8F4C3B}">
-      <dgm:prSet/>
-      <dgm:spPr/>
-      <dgm:t>
-        <a:bodyPr/>
-        <a:lstStyle/>
-        <a:p>
-          <a:r>
-            <a:rPr lang="en-US"/>
-            <a:t>SUPPORTS BOTH WINDOWS AND LINUX CONTAINERS</a:t>
-          </a:r>
-        </a:p>
-      </dgm:t>
-    </dgm:pt>
-    <dgm:pt modelId="{575749BB-C7C3-432C-9D6B-F95A3C1E6CA7}" type="parTrans" cxnId="{95A7CEB2-AC53-46CD-A53B-FF0A2520F8F6}">
-      <dgm:prSet/>
-      <dgm:spPr/>
-      <dgm:t>
-        <a:bodyPr/>
-        <a:lstStyle/>
-        <a:p>
-          <a:endParaRPr lang="en-US"/>
-        </a:p>
-      </dgm:t>
-    </dgm:pt>
-    <dgm:pt modelId="{1246F080-848B-4084-9EBF-515918B919E3}" type="sibTrans" cxnId="{95A7CEB2-AC53-46CD-A53B-FF0A2520F8F6}">
-      <dgm:prSet/>
-      <dgm:spPr/>
-      <dgm:t>
-        <a:bodyPr/>
-        <a:lstStyle/>
-        <a:p>
-          <a:endParaRPr lang="en-US"/>
-        </a:p>
-      </dgm:t>
-    </dgm:pt>
-    <dgm:pt modelId="{8A461D33-9C46-4762-9951-D1712F138FA3}">
-      <dgm:prSet/>
-      <dgm:spPr/>
-      <dgm:t>
-        <a:bodyPr/>
-        <a:lstStyle/>
-        <a:p>
-          <a:r>
-            <a:rPr lang="en-US"/>
-            <a:t>https://docs.docker.com/docker-for-windows/install/</a:t>
-          </a:r>
-        </a:p>
-      </dgm:t>
-    </dgm:pt>
-    <dgm:pt modelId="{8697B090-525E-42DB-925E-CA8D6B8FB4D4}" type="parTrans" cxnId="{308A0DA0-EE52-400E-8B43-E37CE1C7FB54}">
-      <dgm:prSet/>
-      <dgm:spPr/>
-      <dgm:t>
-        <a:bodyPr/>
-        <a:lstStyle/>
-        <a:p>
-          <a:endParaRPr lang="en-US"/>
-        </a:p>
-      </dgm:t>
-    </dgm:pt>
-    <dgm:pt modelId="{3D403A2A-56C4-4390-B40E-653E83A78BE3}" type="sibTrans" cxnId="{308A0DA0-EE52-400E-8B43-E37CE1C7FB54}">
-      <dgm:prSet/>
-      <dgm:spPr/>
-      <dgm:t>
-        <a:bodyPr/>
-        <a:lstStyle/>
-        <a:p>
-          <a:endParaRPr lang="en-US"/>
-        </a:p>
-      </dgm:t>
-    </dgm:pt>
-    <dgm:pt modelId="{6035F616-09F1-4A8B-9200-C652F31D9F57}" type="pres">
-      <dgm:prSet presAssocID="{0702AF28-F1B3-4C66-90CC-8158807557D0}" presName="linear" presStyleCnt="0">
-        <dgm:presLayoutVars>
-          <dgm:animLvl val="lvl"/>
-          <dgm:resizeHandles val="exact"/>
-        </dgm:presLayoutVars>
-      </dgm:prSet>
-      <dgm:spPr/>
-    </dgm:pt>
-    <dgm:pt modelId="{604D3FDC-F3B0-426A-A0A9-542BA48D0CDA}" type="pres">
-      <dgm:prSet presAssocID="{C822A5D1-B795-4CED-ABE0-E7B3D6A70E3B}" presName="parentText" presStyleLbl="node1" presStyleIdx="0" presStyleCnt="4">
-        <dgm:presLayoutVars>
-          <dgm:chMax val="0"/>
-          <dgm:bulletEnabled val="1"/>
-        </dgm:presLayoutVars>
-      </dgm:prSet>
-      <dgm:spPr/>
-    </dgm:pt>
-    <dgm:pt modelId="{98D3C921-CC78-4493-892A-325FF493427A}" type="pres">
-      <dgm:prSet presAssocID="{87734DA3-2F07-4788-8B05-A10F353CE9B3}" presName="spacer" presStyleCnt="0"/>
-      <dgm:spPr/>
-    </dgm:pt>
-    <dgm:pt modelId="{61CA2C19-705A-4401-95E3-052C6157187D}" type="pres">
-      <dgm:prSet presAssocID="{55CE3EE6-B73E-40DD-AC37-7F2968A548BF}" presName="parentText" presStyleLbl="node1" presStyleIdx="1" presStyleCnt="4">
-        <dgm:presLayoutVars>
-          <dgm:chMax val="0"/>
-          <dgm:bulletEnabled val="1"/>
-        </dgm:presLayoutVars>
-      </dgm:prSet>
-      <dgm:spPr/>
-    </dgm:pt>
-    <dgm:pt modelId="{CA349A72-461B-439E-9B7B-ACD7F56DB511}" type="pres">
-      <dgm:prSet presAssocID="{744072CD-2BF3-46EA-AC3A-76357831631F}" presName="spacer" presStyleCnt="0"/>
-      <dgm:spPr/>
-    </dgm:pt>
-    <dgm:pt modelId="{95E87193-2C90-43AF-9AA3-DC41390B12ED}" type="pres">
-      <dgm:prSet presAssocID="{91B82966-DF81-4A7E-964F-A41F7A8F4C3B}" presName="parentText" presStyleLbl="node1" presStyleIdx="2" presStyleCnt="4">
-        <dgm:presLayoutVars>
-          <dgm:chMax val="0"/>
-          <dgm:bulletEnabled val="1"/>
-        </dgm:presLayoutVars>
-      </dgm:prSet>
-      <dgm:spPr/>
-    </dgm:pt>
-    <dgm:pt modelId="{CAB468BF-ED63-41B2-8173-00DFFFBF4C09}" type="pres">
-      <dgm:prSet presAssocID="{1246F080-848B-4084-9EBF-515918B919E3}" presName="spacer" presStyleCnt="0"/>
-      <dgm:spPr/>
-    </dgm:pt>
-    <dgm:pt modelId="{96D891DE-7105-437A-B642-7D98D32D0AA1}" type="pres">
-      <dgm:prSet presAssocID="{8A461D33-9C46-4762-9951-D1712F138FA3}" presName="parentText" presStyleLbl="node1" presStyleIdx="3" presStyleCnt="4">
-        <dgm:presLayoutVars>
-          <dgm:chMax val="0"/>
-          <dgm:bulletEnabled val="1"/>
-        </dgm:presLayoutVars>
-      </dgm:prSet>
-      <dgm:spPr/>
-    </dgm:pt>
-  </dgm:ptLst>
-  <dgm:cxnLst>
-    <dgm:cxn modelId="{9E7A2360-F4A0-4EEC-A8CC-405DF7384EE9}" type="presOf" srcId="{55CE3EE6-B73E-40DD-AC37-7F2968A548BF}" destId="{61CA2C19-705A-4401-95E3-052C6157187D}" srcOrd="0" destOrd="0" presId="urn:microsoft.com/office/officeart/2005/8/layout/vList2"/>
-    <dgm:cxn modelId="{EBD3DB62-355A-4EAB-9153-7CC1A7DEBB09}" srcId="{0702AF28-F1B3-4C66-90CC-8158807557D0}" destId="{C822A5D1-B795-4CED-ABE0-E7B3D6A70E3B}" srcOrd="0" destOrd="0" parTransId="{D5E98830-FC8A-4FE6-870C-C54889EF4A29}" sibTransId="{87734DA3-2F07-4788-8B05-A10F353CE9B3}"/>
-    <dgm:cxn modelId="{CECECE45-2E3F-4874-AABC-09D9423D7D28}" type="presOf" srcId="{0702AF28-F1B3-4C66-90CC-8158807557D0}" destId="{6035F616-09F1-4A8B-9200-C652F31D9F57}" srcOrd="0" destOrd="0" presId="urn:microsoft.com/office/officeart/2005/8/layout/vList2"/>
-    <dgm:cxn modelId="{9B788854-002D-4147-B9B5-64F25F344185}" type="presOf" srcId="{C822A5D1-B795-4CED-ABE0-E7B3D6A70E3B}" destId="{604D3FDC-F3B0-426A-A0A9-542BA48D0CDA}" srcOrd="0" destOrd="0" presId="urn:microsoft.com/office/officeart/2005/8/layout/vList2"/>
-    <dgm:cxn modelId="{DF37EB7C-7B43-40B9-89B2-0D9A8661280F}" type="presOf" srcId="{8A461D33-9C46-4762-9951-D1712F138FA3}" destId="{96D891DE-7105-437A-B642-7D98D32D0AA1}" srcOrd="0" destOrd="0" presId="urn:microsoft.com/office/officeart/2005/8/layout/vList2"/>
-    <dgm:cxn modelId="{AF4B3986-829F-469D-A6C8-356BE2DA098C}" srcId="{0702AF28-F1B3-4C66-90CC-8158807557D0}" destId="{55CE3EE6-B73E-40DD-AC37-7F2968A548BF}" srcOrd="1" destOrd="0" parTransId="{251AC39F-D0A9-4B31-85CE-8BAD30AC48CD}" sibTransId="{744072CD-2BF3-46EA-AC3A-76357831631F}"/>
-    <dgm:cxn modelId="{308A0DA0-EE52-400E-8B43-E37CE1C7FB54}" srcId="{0702AF28-F1B3-4C66-90CC-8158807557D0}" destId="{8A461D33-9C46-4762-9951-D1712F138FA3}" srcOrd="3" destOrd="0" parTransId="{8697B090-525E-42DB-925E-CA8D6B8FB4D4}" sibTransId="{3D403A2A-56C4-4390-B40E-653E83A78BE3}"/>
-    <dgm:cxn modelId="{95A7CEB2-AC53-46CD-A53B-FF0A2520F8F6}" srcId="{0702AF28-F1B3-4C66-90CC-8158807557D0}" destId="{91B82966-DF81-4A7E-964F-A41F7A8F4C3B}" srcOrd="2" destOrd="0" parTransId="{575749BB-C7C3-432C-9D6B-F95A3C1E6CA7}" sibTransId="{1246F080-848B-4084-9EBF-515918B919E3}"/>
-    <dgm:cxn modelId="{87A753B9-D264-4846-8B75-30A8A8A4CCFE}" type="presOf" srcId="{91B82966-DF81-4A7E-964F-A41F7A8F4C3B}" destId="{95E87193-2C90-43AF-9AA3-DC41390B12ED}" srcOrd="0" destOrd="0" presId="urn:microsoft.com/office/officeart/2005/8/layout/vList2"/>
-    <dgm:cxn modelId="{DCB2DDA5-D4C1-4EAD-877B-5EA2DE96E616}" type="presParOf" srcId="{6035F616-09F1-4A8B-9200-C652F31D9F57}" destId="{604D3FDC-F3B0-426A-A0A9-542BA48D0CDA}" srcOrd="0" destOrd="0" presId="urn:microsoft.com/office/officeart/2005/8/layout/vList2"/>
-    <dgm:cxn modelId="{26E07097-359D-4A51-A13F-9846E1B8A2D7}" type="presParOf" srcId="{6035F616-09F1-4A8B-9200-C652F31D9F57}" destId="{98D3C921-CC78-4493-892A-325FF493427A}" srcOrd="1" destOrd="0" presId="urn:microsoft.com/office/officeart/2005/8/layout/vList2"/>
-    <dgm:cxn modelId="{04E43053-7461-4F9F-9A79-9AE23A02C07D}" type="presParOf" srcId="{6035F616-09F1-4A8B-9200-C652F31D9F57}" destId="{61CA2C19-705A-4401-95E3-052C6157187D}" srcOrd="2" destOrd="0" presId="urn:microsoft.com/office/officeart/2005/8/layout/vList2"/>
-    <dgm:cxn modelId="{E2C5181D-0603-4A79-8EA3-3E056A6307ED}" type="presParOf" srcId="{6035F616-09F1-4A8B-9200-C652F31D9F57}" destId="{CA349A72-461B-439E-9B7B-ACD7F56DB511}" srcOrd="3" destOrd="0" presId="urn:microsoft.com/office/officeart/2005/8/layout/vList2"/>
-    <dgm:cxn modelId="{9B2DDF3E-5A97-4831-830F-6BBDABE0EE6C}" type="presParOf" srcId="{6035F616-09F1-4A8B-9200-C652F31D9F57}" destId="{95E87193-2C90-43AF-9AA3-DC41390B12ED}" srcOrd="4" destOrd="0" presId="urn:microsoft.com/office/officeart/2005/8/layout/vList2"/>
-    <dgm:cxn modelId="{AD6E47F4-81B4-4222-8592-0ECD611CB1A5}" type="presParOf" srcId="{6035F616-09F1-4A8B-9200-C652F31D9F57}" destId="{CAB468BF-ED63-41B2-8173-00DFFFBF4C09}" srcOrd="5" destOrd="0" presId="urn:microsoft.com/office/officeart/2005/8/layout/vList2"/>
-    <dgm:cxn modelId="{B9781400-FA6F-4F10-93B0-6654C519741A}" type="presParOf" srcId="{6035F616-09F1-4A8B-9200-C652F31D9F57}" destId="{96D891DE-7105-437A-B642-7D98D32D0AA1}" srcOrd="6" destOrd="0" presId="urn:microsoft.com/office/officeart/2005/8/layout/vList2"/>
   </dgm:cxnLst>
   <dgm:bg/>
   <dgm:whole/>
@@ -10718,6 +11849,410 @@
       <dsp:txXfrm>
         <a:off x="46424" y="4513542"/>
         <a:ext cx="6420755" cy="858142"/>
+      </dsp:txXfrm>
+    </dsp:sp>
+  </dsp:spTree>
+</dsp:drawing>
+</file>
+
+<file path=ppt/diagrams/drawing10.xml><?xml version="1.0" encoding="utf-8"?>
+<dsp:drawing xmlns:dgm="http://schemas.openxmlformats.org/drawingml/2006/diagram" xmlns:dsp="http://schemas.microsoft.com/office/drawing/2008/diagram" xmlns:a="http://schemas.openxmlformats.org/drawingml/2006/main">
+  <dsp:spTree>
+    <dsp:nvGrpSpPr>
+      <dsp:cNvPr id="0" name=""/>
+      <dsp:cNvGrpSpPr/>
+    </dsp:nvGrpSpPr>
+    <dsp:grpSpPr/>
+    <dsp:sp modelId="{D56F94DF-B747-4FAD-982C-18ED174CE7B7}">
+      <dsp:nvSpPr>
+        <dsp:cNvPr id="0" name=""/>
+        <dsp:cNvSpPr/>
+      </dsp:nvSpPr>
+      <dsp:spPr>
+        <a:xfrm>
+          <a:off x="575" y="1675996"/>
+          <a:ext cx="10514449" cy="595528"/>
+        </a:xfrm>
+        <a:prstGeom prst="roundRect">
+          <a:avLst>
+            <a:gd name="adj" fmla="val 10000"/>
+          </a:avLst>
+        </a:prstGeom>
+        <a:solidFill>
+          <a:schemeClr val="accent1">
+            <a:hueOff val="0"/>
+            <a:satOff val="0"/>
+            <a:lumOff val="0"/>
+            <a:alphaOff val="0"/>
+          </a:schemeClr>
+        </a:solidFill>
+        <a:ln w="12700" cap="flat" cmpd="sng" algn="ctr">
+          <a:solidFill>
+            <a:schemeClr val="lt1">
+              <a:hueOff val="0"/>
+              <a:satOff val="0"/>
+              <a:lumOff val="0"/>
+              <a:alphaOff val="0"/>
+            </a:schemeClr>
+          </a:solidFill>
+          <a:prstDash val="solid"/>
+          <a:miter lim="800000"/>
+        </a:ln>
+        <a:effectLst/>
+      </dsp:spPr>
+      <dsp:style>
+        <a:lnRef idx="2">
+          <a:scrgbClr r="0" g="0" b="0"/>
+        </a:lnRef>
+        <a:fillRef idx="1">
+          <a:scrgbClr r="0" g="0" b="0"/>
+        </a:fillRef>
+        <a:effectRef idx="0">
+          <a:scrgbClr r="0" g="0" b="0"/>
+        </a:effectRef>
+        <a:fontRef idx="minor">
+          <a:schemeClr val="lt1"/>
+        </a:fontRef>
+      </dsp:style>
+      <dsp:txBody>
+        <a:bodyPr spcFirstLastPara="0" vert="horz" wrap="square" lIns="95250" tIns="95250" rIns="95250" bIns="95250" numCol="1" spcCol="1270" anchor="ctr" anchorCtr="0">
+          <a:noAutofit/>
+        </a:bodyPr>
+        <a:lstStyle/>
+        <a:p>
+          <a:pPr marL="0" lvl="0" indent="0" algn="ctr" defTabSz="1111250">
+            <a:lnSpc>
+              <a:spcPct val="90000"/>
+            </a:lnSpc>
+            <a:spcBef>
+              <a:spcPct val="0"/>
+            </a:spcBef>
+            <a:spcAft>
+              <a:spcPct val="35000"/>
+            </a:spcAft>
+            <a:buNone/>
+          </a:pPr>
+          <a:r>
+            <a:rPr lang="en-US" sz="2500" kern="1200" dirty="0"/>
+            <a:t>Main Network</a:t>
+          </a:r>
+        </a:p>
+      </dsp:txBody>
+      <dsp:txXfrm>
+        <a:off x="18017" y="1693438"/>
+        <a:ext cx="10479565" cy="560644"/>
+      </dsp:txXfrm>
+    </dsp:sp>
+    <dsp:sp modelId="{DB74F7AB-F96B-4B27-94A6-E67F902EEBD1}">
+      <dsp:nvSpPr>
+        <dsp:cNvPr id="0" name=""/>
+        <dsp:cNvSpPr/>
+      </dsp:nvSpPr>
+      <dsp:spPr>
+        <a:xfrm>
+          <a:off x="1150" y="1182950"/>
+          <a:ext cx="10514449" cy="437721"/>
+        </a:xfrm>
+        <a:prstGeom prst="roundRect">
+          <a:avLst>
+            <a:gd name="adj" fmla="val 10000"/>
+          </a:avLst>
+        </a:prstGeom>
+        <a:solidFill>
+          <a:schemeClr val="accent1">
+            <a:lumMod val="60000"/>
+            <a:lumOff val="40000"/>
+          </a:schemeClr>
+        </a:solidFill>
+        <a:ln w="12700" cap="flat" cmpd="sng" algn="ctr">
+          <a:solidFill>
+            <a:schemeClr val="lt1">
+              <a:hueOff val="0"/>
+              <a:satOff val="0"/>
+              <a:lumOff val="0"/>
+              <a:alphaOff val="0"/>
+            </a:schemeClr>
+          </a:solidFill>
+          <a:prstDash val="solid"/>
+          <a:miter lim="800000"/>
+        </a:ln>
+        <a:effectLst/>
+      </dsp:spPr>
+      <dsp:style>
+        <a:lnRef idx="2">
+          <a:scrgbClr r="0" g="0" b="0"/>
+        </a:lnRef>
+        <a:fillRef idx="1">
+          <a:scrgbClr r="0" g="0" b="0"/>
+        </a:fillRef>
+        <a:effectRef idx="0">
+          <a:scrgbClr r="0" g="0" b="0"/>
+        </a:effectRef>
+        <a:fontRef idx="minor">
+          <a:schemeClr val="lt1"/>
+        </a:fontRef>
+      </dsp:style>
+      <dsp:txBody>
+        <a:bodyPr spcFirstLastPara="0" vert="horz" wrap="square" lIns="72390" tIns="72390" rIns="72390" bIns="72390" numCol="1" spcCol="1270" anchor="ctr" anchorCtr="0">
+          <a:noAutofit/>
+        </a:bodyPr>
+        <a:lstStyle/>
+        <a:p>
+          <a:pPr marL="0" lvl="0" indent="0" algn="ctr" defTabSz="844550">
+            <a:lnSpc>
+              <a:spcPct val="90000"/>
+            </a:lnSpc>
+            <a:spcBef>
+              <a:spcPct val="0"/>
+            </a:spcBef>
+            <a:spcAft>
+              <a:spcPct val="35000"/>
+            </a:spcAft>
+            <a:buNone/>
+          </a:pPr>
+          <a:r>
+            <a:rPr lang="en-US" sz="1900" kern="1200" dirty="0"/>
+            <a:t>Docker Network</a:t>
+          </a:r>
+        </a:p>
+      </dsp:txBody>
+      <dsp:txXfrm>
+        <a:off x="13970" y="1195770"/>
+        <a:ext cx="10488809" cy="412081"/>
+      </dsp:txXfrm>
+    </dsp:sp>
+    <dsp:sp modelId="{7650B25E-1552-4870-B2C2-CA39D374F270}">
+      <dsp:nvSpPr>
+        <dsp:cNvPr id="0" name=""/>
+        <dsp:cNvSpPr/>
+      </dsp:nvSpPr>
+      <dsp:spPr>
+        <a:xfrm>
+          <a:off x="0" y="648806"/>
+          <a:ext cx="3409354" cy="497990"/>
+        </a:xfrm>
+        <a:prstGeom prst="roundRect">
+          <a:avLst>
+            <a:gd name="adj" fmla="val 10000"/>
+          </a:avLst>
+        </a:prstGeom>
+        <a:solidFill>
+          <a:schemeClr val="tx2">
+            <a:lumMod val="60000"/>
+            <a:lumOff val="40000"/>
+          </a:schemeClr>
+        </a:solidFill>
+        <a:ln w="12700" cap="flat" cmpd="sng" algn="ctr">
+          <a:solidFill>
+            <a:schemeClr val="lt1">
+              <a:hueOff val="0"/>
+              <a:satOff val="0"/>
+              <a:lumOff val="0"/>
+              <a:alphaOff val="0"/>
+            </a:schemeClr>
+          </a:solidFill>
+          <a:prstDash val="solid"/>
+          <a:miter lim="800000"/>
+        </a:ln>
+        <a:effectLst/>
+      </dsp:spPr>
+      <dsp:style>
+        <a:lnRef idx="2">
+          <a:scrgbClr r="0" g="0" b="0"/>
+        </a:lnRef>
+        <a:fillRef idx="1">
+          <a:scrgbClr r="0" g="0" b="0"/>
+        </a:fillRef>
+        <a:effectRef idx="0">
+          <a:scrgbClr r="0" g="0" b="0"/>
+        </a:effectRef>
+        <a:fontRef idx="minor">
+          <a:schemeClr val="lt1"/>
+        </a:fontRef>
+      </dsp:style>
+      <dsp:txBody>
+        <a:bodyPr spcFirstLastPara="0" vert="horz" wrap="square" lIns="72390" tIns="72390" rIns="72390" bIns="72390" numCol="1" spcCol="1270" anchor="ctr" anchorCtr="0">
+          <a:noAutofit/>
+        </a:bodyPr>
+        <a:lstStyle/>
+        <a:p>
+          <a:pPr marL="0" lvl="0" indent="0" algn="ctr" defTabSz="844550">
+            <a:lnSpc>
+              <a:spcPct val="90000"/>
+            </a:lnSpc>
+            <a:spcBef>
+              <a:spcPct val="0"/>
+            </a:spcBef>
+            <a:spcAft>
+              <a:spcPct val="35000"/>
+            </a:spcAft>
+            <a:buNone/>
+          </a:pPr>
+          <a:r>
+            <a:rPr lang="en-US" sz="1900" kern="1200" dirty="0"/>
+            <a:t>App1</a:t>
+          </a:r>
+        </a:p>
+      </dsp:txBody>
+      <dsp:txXfrm>
+        <a:off x="14586" y="663392"/>
+        <a:ext cx="3380182" cy="468818"/>
+      </dsp:txXfrm>
+    </dsp:sp>
+    <dsp:sp modelId="{0D017A50-FB99-4AD1-BC2E-DFBB5F7C6F57}">
+      <dsp:nvSpPr>
+        <dsp:cNvPr id="0" name=""/>
+        <dsp:cNvSpPr/>
+      </dsp:nvSpPr>
+      <dsp:spPr>
+        <a:xfrm>
+          <a:off x="3535359" y="648806"/>
+          <a:ext cx="3409354" cy="497990"/>
+        </a:xfrm>
+        <a:prstGeom prst="roundRect">
+          <a:avLst>
+            <a:gd name="adj" fmla="val 10000"/>
+          </a:avLst>
+        </a:prstGeom>
+        <a:solidFill>
+          <a:schemeClr val="tx2">
+            <a:lumMod val="60000"/>
+            <a:lumOff val="40000"/>
+          </a:schemeClr>
+        </a:solidFill>
+        <a:ln w="12700" cap="flat" cmpd="sng" algn="ctr">
+          <a:solidFill>
+            <a:schemeClr val="lt1">
+              <a:hueOff val="0"/>
+              <a:satOff val="0"/>
+              <a:lumOff val="0"/>
+              <a:alphaOff val="0"/>
+            </a:schemeClr>
+          </a:solidFill>
+          <a:prstDash val="solid"/>
+          <a:miter lim="800000"/>
+        </a:ln>
+        <a:effectLst/>
+      </dsp:spPr>
+      <dsp:style>
+        <a:lnRef idx="2">
+          <a:scrgbClr r="0" g="0" b="0"/>
+        </a:lnRef>
+        <a:fillRef idx="1">
+          <a:scrgbClr r="0" g="0" b="0"/>
+        </a:fillRef>
+        <a:effectRef idx="0">
+          <a:scrgbClr r="0" g="0" b="0"/>
+        </a:effectRef>
+        <a:fontRef idx="minor">
+          <a:schemeClr val="lt1"/>
+        </a:fontRef>
+      </dsp:style>
+      <dsp:txBody>
+        <a:bodyPr spcFirstLastPara="0" vert="horz" wrap="square" lIns="72390" tIns="72390" rIns="72390" bIns="72390" numCol="1" spcCol="1270" anchor="ctr" anchorCtr="0">
+          <a:noAutofit/>
+        </a:bodyPr>
+        <a:lstStyle/>
+        <a:p>
+          <a:pPr marL="0" lvl="0" indent="0" algn="ctr" defTabSz="844550">
+            <a:lnSpc>
+              <a:spcPct val="90000"/>
+            </a:lnSpc>
+            <a:spcBef>
+              <a:spcPct val="0"/>
+            </a:spcBef>
+            <a:spcAft>
+              <a:spcPct val="35000"/>
+            </a:spcAft>
+            <a:buNone/>
+          </a:pPr>
+          <a:r>
+            <a:rPr lang="en-US" sz="1900" kern="1200" dirty="0"/>
+            <a:t>App2</a:t>
+          </a:r>
+        </a:p>
+      </dsp:txBody>
+      <dsp:txXfrm>
+        <a:off x="3549945" y="663392"/>
+        <a:ext cx="3380182" cy="468818"/>
+      </dsp:txXfrm>
+    </dsp:sp>
+    <dsp:sp modelId="{8D72E6A8-59B7-45A1-8A98-0F74537E5148}">
+      <dsp:nvSpPr>
+        <dsp:cNvPr id="0" name=""/>
+        <dsp:cNvSpPr/>
+      </dsp:nvSpPr>
+      <dsp:spPr>
+        <a:xfrm>
+          <a:off x="7087907" y="648806"/>
+          <a:ext cx="3409354" cy="497990"/>
+        </a:xfrm>
+        <a:prstGeom prst="roundRect">
+          <a:avLst>
+            <a:gd name="adj" fmla="val 10000"/>
+          </a:avLst>
+        </a:prstGeom>
+        <a:solidFill>
+          <a:schemeClr val="tx2">
+            <a:lumMod val="60000"/>
+            <a:lumOff val="40000"/>
+          </a:schemeClr>
+        </a:solidFill>
+        <a:ln w="12700" cap="flat" cmpd="sng" algn="ctr">
+          <a:solidFill>
+            <a:schemeClr val="lt1">
+              <a:hueOff val="0"/>
+              <a:satOff val="0"/>
+              <a:lumOff val="0"/>
+              <a:alphaOff val="0"/>
+            </a:schemeClr>
+          </a:solidFill>
+          <a:prstDash val="solid"/>
+          <a:miter lim="800000"/>
+        </a:ln>
+        <a:effectLst/>
+      </dsp:spPr>
+      <dsp:style>
+        <a:lnRef idx="2">
+          <a:scrgbClr r="0" g="0" b="0"/>
+        </a:lnRef>
+        <a:fillRef idx="1">
+          <a:scrgbClr r="0" g="0" b="0"/>
+        </a:fillRef>
+        <a:effectRef idx="0">
+          <a:scrgbClr r="0" g="0" b="0"/>
+        </a:effectRef>
+        <a:fontRef idx="minor">
+          <a:schemeClr val="lt1"/>
+        </a:fontRef>
+      </dsp:style>
+      <dsp:txBody>
+        <a:bodyPr spcFirstLastPara="0" vert="horz" wrap="square" lIns="72390" tIns="72390" rIns="72390" bIns="72390" numCol="1" spcCol="1270" anchor="ctr" anchorCtr="0">
+          <a:noAutofit/>
+        </a:bodyPr>
+        <a:lstStyle/>
+        <a:p>
+          <a:pPr marL="0" lvl="0" indent="0" algn="ctr" defTabSz="844550">
+            <a:lnSpc>
+              <a:spcPct val="90000"/>
+            </a:lnSpc>
+            <a:spcBef>
+              <a:spcPct val="0"/>
+            </a:spcBef>
+            <a:spcAft>
+              <a:spcPct val="35000"/>
+            </a:spcAft>
+            <a:buNone/>
+          </a:pPr>
+          <a:r>
+            <a:rPr lang="en-US" sz="1900" kern="1200" dirty="0"/>
+            <a:t>App3</a:t>
+          </a:r>
+        </a:p>
+      </dsp:txBody>
+      <dsp:txXfrm>
+        <a:off x="7102493" y="663392"/>
+        <a:ext cx="3380182" cy="468818"/>
       </dsp:txXfrm>
     </dsp:sp>
   </dsp:spTree>
@@ -11709,8 +13244,8 @@
       </dsp:nvSpPr>
       <dsp:spPr>
         <a:xfrm>
-          <a:off x="2585" y="3879383"/>
-          <a:ext cx="10510428" cy="468229"/>
+          <a:off x="702" y="3879383"/>
+          <a:ext cx="10514194" cy="468229"/>
         </a:xfrm>
         <a:prstGeom prst="roundRect">
           <a:avLst>
@@ -11778,8 +13313,8 @@
         </a:p>
       </dsp:txBody>
       <dsp:txXfrm>
-        <a:off x="16299" y="3893097"/>
-        <a:ext cx="10483000" cy="440801"/>
+        <a:off x="14416" y="3893097"/>
+        <a:ext cx="10486766" cy="440801"/>
       </dsp:txXfrm>
     </dsp:sp>
     <dsp:sp modelId="{0ED19D9A-70C1-4337-9C08-6EBE6F56AE21}">
@@ -11789,8 +13324,8 @@
       </dsp:nvSpPr>
       <dsp:spPr>
         <a:xfrm>
-          <a:off x="12844" y="3222662"/>
-          <a:ext cx="10489910" cy="504901"/>
+          <a:off x="10965" y="3222662"/>
+          <a:ext cx="10493668" cy="504901"/>
         </a:xfrm>
         <a:prstGeom prst="roundRect">
           <a:avLst>
@@ -11856,8 +13391,8 @@
         </a:p>
       </dsp:txBody>
       <dsp:txXfrm>
-        <a:off x="27632" y="3237450"/>
-        <a:ext cx="10460334" cy="475325"/>
+        <a:off x="25753" y="3237450"/>
+        <a:ext cx="10464092" cy="475325"/>
       </dsp:txXfrm>
     </dsp:sp>
     <dsp:sp modelId="{149B4562-3CDC-4710-9617-6B89F35E7B67}">
@@ -11867,8 +13402,8 @@
       </dsp:nvSpPr>
       <dsp:spPr>
         <a:xfrm>
-          <a:off x="33302" y="2225422"/>
-          <a:ext cx="10448994" cy="845421"/>
+          <a:off x="31430" y="2225422"/>
+          <a:ext cx="7934314" cy="845421"/>
         </a:xfrm>
         <a:prstGeom prst="roundRect">
           <a:avLst>
@@ -11939,8 +13474,8 @@
         </a:p>
       </dsp:txBody>
       <dsp:txXfrm>
-        <a:off x="58064" y="2250184"/>
-        <a:ext cx="10399470" cy="795897"/>
+        <a:off x="56192" y="2250184"/>
+        <a:ext cx="7884790" cy="795897"/>
       </dsp:txXfrm>
     </dsp:sp>
     <dsp:sp modelId="{F8C9B134-07E9-473F-B414-0651424A8344}">
@@ -11950,8 +13485,8 @@
       </dsp:nvSpPr>
       <dsp:spPr>
         <a:xfrm>
-          <a:off x="73979" y="1277373"/>
-          <a:ext cx="7681337" cy="796229"/>
+          <a:off x="70002" y="1277373"/>
+          <a:ext cx="7857170" cy="796229"/>
         </a:xfrm>
         <a:prstGeom prst="roundRect">
           <a:avLst>
@@ -12016,8 +13551,8 @@
         </a:p>
       </dsp:txBody>
       <dsp:txXfrm>
-        <a:off x="97300" y="1300694"/>
-        <a:ext cx="7634695" cy="749587"/>
+        <a:off x="93323" y="1300694"/>
+        <a:ext cx="7810528" cy="749587"/>
       </dsp:txXfrm>
     </dsp:sp>
     <dsp:sp modelId="{46C7B01B-3F93-41D8-911F-0624803D5A34}">
@@ -12027,8 +13562,8 @@
       </dsp:nvSpPr>
       <dsp:spPr>
         <a:xfrm>
-          <a:off x="107699" y="0"/>
-          <a:ext cx="2607166" cy="1121829"/>
+          <a:off x="104493" y="0"/>
+          <a:ext cx="2666846" cy="1121829"/>
         </a:xfrm>
         <a:prstGeom prst="roundRect">
           <a:avLst>
@@ -12105,8 +13640,8 @@
         </a:p>
       </dsp:txBody>
       <dsp:txXfrm>
-        <a:off x="140556" y="32857"/>
-        <a:ext cx="2541452" cy="1056115"/>
+        <a:off x="137350" y="32857"/>
+        <a:ext cx="2601132" cy="1056115"/>
       </dsp:txXfrm>
     </dsp:sp>
     <dsp:sp modelId="{A6FB40D7-8E3A-46CD-8F45-22932D0E48B9}">
@@ -12116,8 +13651,8 @@
       </dsp:nvSpPr>
       <dsp:spPr>
         <a:xfrm>
-          <a:off x="2802098" y="0"/>
-          <a:ext cx="2339944" cy="1121829"/>
+          <a:off x="2860570" y="0"/>
+          <a:ext cx="2393508" cy="1121829"/>
         </a:xfrm>
         <a:prstGeom prst="roundRect">
           <a:avLst>
@@ -12182,8 +13717,8 @@
         </a:p>
       </dsp:txBody>
       <dsp:txXfrm>
-        <a:off x="2834955" y="32857"/>
-        <a:ext cx="2274230" cy="1056115"/>
+        <a:off x="2893427" y="32857"/>
+        <a:ext cx="2327794" cy="1056115"/>
       </dsp:txXfrm>
     </dsp:sp>
     <dsp:sp modelId="{0C991DB6-DE4B-4D4A-9D02-B60F566E2801}">
@@ -12193,8 +13728,8 @@
       </dsp:nvSpPr>
       <dsp:spPr>
         <a:xfrm>
-          <a:off x="5267370" y="3725"/>
-          <a:ext cx="2339944" cy="1121829"/>
+          <a:off x="5382275" y="3725"/>
+          <a:ext cx="2393508" cy="1121829"/>
         </a:xfrm>
         <a:prstGeom prst="roundRect">
           <a:avLst>
@@ -12259,19 +13794,19 @@
         </a:p>
       </dsp:txBody>
       <dsp:txXfrm>
-        <a:off x="5300227" y="36582"/>
-        <a:ext cx="2274230" cy="1056115"/>
+        <a:off x="5415132" y="36582"/>
+        <a:ext cx="2327794" cy="1056115"/>
       </dsp:txXfrm>
     </dsp:sp>
-    <dsp:sp modelId="{6120499D-9144-4AA5-9AAF-4A7DE9E0A039}">
+    <dsp:sp modelId="{767E8046-E973-43B7-AE6F-C9897C7A7926}">
       <dsp:nvSpPr>
         <dsp:cNvPr id="0" name=""/>
         <dsp:cNvSpPr/>
       </dsp:nvSpPr>
       <dsp:spPr>
         <a:xfrm>
-          <a:off x="7804455" y="1265302"/>
-          <a:ext cx="2637164" cy="808300"/>
+          <a:off x="8067160" y="1949014"/>
+          <a:ext cx="2417008" cy="1121829"/>
         </a:xfrm>
         <a:prstGeom prst="roundRect">
           <a:avLst>
@@ -12336,8 +13871,8 @@
         </a:p>
       </dsp:txBody>
       <dsp:txXfrm>
-        <a:off x="7828129" y="1288976"/>
-        <a:ext cx="2589816" cy="760952"/>
+        <a:off x="8100017" y="1981871"/>
+        <a:ext cx="2351294" cy="1056115"/>
       </dsp:txXfrm>
     </dsp:sp>
   </dsp:spTree>
@@ -13283,8 +14818,16 @@
             <a:buNone/>
           </a:pPr>
           <a:r>
-            <a:rPr lang="en-US" sz="2300" kern="1200"/>
-            <a:t>Images can be push to remote repos (Docker Hub, Azure Container Registry, etc) for sharing</a:t>
+            <a:rPr lang="en-US" sz="2300" kern="1200" dirty="0"/>
+            <a:t>Images can be pushed to remote repos (Docker Hub, Azure Container Registry, </a:t>
+          </a:r>
+          <a:r>
+            <a:rPr lang="en-US" sz="2300" kern="1200" dirty="0" err="1"/>
+            <a:t>etc</a:t>
+          </a:r>
+          <a:r>
+            <a:rPr lang="en-US" sz="2300" kern="1200" dirty="0"/>
+            <a:t>) for sharing</a:t>
           </a:r>
         </a:p>
       </dsp:txBody>
@@ -13298,322 +14841,6 @@
 </file>
 
 <file path=ppt/diagrams/drawing8.xml><?xml version="1.0" encoding="utf-8"?>
-<dsp:drawing xmlns:dgm="http://schemas.openxmlformats.org/drawingml/2006/diagram" xmlns:dsp="http://schemas.microsoft.com/office/drawing/2008/diagram" xmlns:a="http://schemas.openxmlformats.org/drawingml/2006/main">
-  <dsp:spTree>
-    <dsp:nvGrpSpPr>
-      <dsp:cNvPr id="0" name=""/>
-      <dsp:cNvGrpSpPr/>
-    </dsp:nvGrpSpPr>
-    <dsp:grpSpPr/>
-    <dsp:sp modelId="{EDC4B38D-5AF6-4266-AED2-20DF1D28C37B}">
-      <dsp:nvSpPr>
-        <dsp:cNvPr id="0" name=""/>
-        <dsp:cNvSpPr/>
-      </dsp:nvSpPr>
-      <dsp:spPr>
-        <a:xfrm>
-          <a:off x="157178" y="1155198"/>
-          <a:ext cx="1307447" cy="1307447"/>
-        </a:xfrm>
-        <a:prstGeom prst="ellipse">
-          <a:avLst/>
-        </a:prstGeom>
-        <a:solidFill>
-          <a:schemeClr val="accent2">
-            <a:hueOff val="0"/>
-            <a:satOff val="0"/>
-            <a:lumOff val="0"/>
-            <a:alphaOff val="0"/>
-          </a:schemeClr>
-        </a:solidFill>
-        <a:ln>
-          <a:noFill/>
-        </a:ln>
-        <a:effectLst/>
-      </dsp:spPr>
-      <dsp:style>
-        <a:lnRef idx="0">
-          <a:scrgbClr r="0" g="0" b="0"/>
-        </a:lnRef>
-        <a:fillRef idx="1">
-          <a:scrgbClr r="0" g="0" b="0"/>
-        </a:fillRef>
-        <a:effectRef idx="0">
-          <a:scrgbClr r="0" g="0" b="0"/>
-        </a:effectRef>
-        <a:fontRef idx="minor"/>
-      </dsp:style>
-    </dsp:sp>
-    <dsp:sp modelId="{127EEA49-CED5-4826-9C74-E4995C3AA110}">
-      <dsp:nvSpPr>
-        <dsp:cNvPr id="0" name=""/>
-        <dsp:cNvSpPr/>
-      </dsp:nvSpPr>
-      <dsp:spPr>
-        <a:xfrm>
-          <a:off x="431742" y="1429762"/>
-          <a:ext cx="758319" cy="758319"/>
-        </a:xfrm>
-        <a:prstGeom prst="rect">
-          <a:avLst/>
-        </a:prstGeom>
-        <a:blipFill>
-          <a:blip xmlns:r="http://schemas.openxmlformats.org/officeDocument/2006/relationships" r:embed="rId1">
-            <a:extLst>
-              <a:ext uri="{28A0092B-C50C-407E-A947-70E740481C1C}">
-                <a14:useLocalDpi xmlns:a14="http://schemas.microsoft.com/office/drawing/2010/main" val="0"/>
-              </a:ext>
-              <a:ext uri="{96DAC541-7B7A-43D3-8B79-37D633B846F1}">
-                <asvg:svgBlip xmlns:asvg="http://schemas.microsoft.com/office/drawing/2016/SVG/main" r:embed="rId2"/>
-              </a:ext>
-            </a:extLst>
-          </a:blip>
-          <a:stretch>
-            <a:fillRect/>
-          </a:stretch>
-        </a:blipFill>
-        <a:ln w="12700" cap="flat" cmpd="sng" algn="ctr">
-          <a:noFill/>
-          <a:prstDash val="solid"/>
-          <a:miter lim="800000"/>
-        </a:ln>
-        <a:effectLst/>
-      </dsp:spPr>
-      <dsp:style>
-        <a:lnRef idx="2">
-          <a:scrgbClr r="0" g="0" b="0"/>
-        </a:lnRef>
-        <a:fillRef idx="1">
-          <a:scrgbClr r="0" g="0" b="0"/>
-        </a:fillRef>
-        <a:effectRef idx="0">
-          <a:scrgbClr r="0" g="0" b="0"/>
-        </a:effectRef>
-        <a:fontRef idx="minor">
-          <a:schemeClr val="lt1"/>
-        </a:fontRef>
-      </dsp:style>
-    </dsp:sp>
-    <dsp:sp modelId="{2E71FFCA-0C77-4400-AAD1-F2F6F315C2F9}">
-      <dsp:nvSpPr>
-        <dsp:cNvPr id="0" name=""/>
-        <dsp:cNvSpPr/>
-      </dsp:nvSpPr>
-      <dsp:spPr>
-        <a:xfrm>
-          <a:off x="1744792" y="1155198"/>
-          <a:ext cx="3081839" cy="1307447"/>
-        </a:xfrm>
-        <a:prstGeom prst="rect">
-          <a:avLst/>
-        </a:prstGeom>
-        <a:noFill/>
-        <a:ln>
-          <a:noFill/>
-        </a:ln>
-        <a:effectLst/>
-      </dsp:spPr>
-      <dsp:style>
-        <a:lnRef idx="0">
-          <a:scrgbClr r="0" g="0" b="0"/>
-        </a:lnRef>
-        <a:fillRef idx="0">
-          <a:scrgbClr r="0" g="0" b="0"/>
-        </a:fillRef>
-        <a:effectRef idx="0">
-          <a:scrgbClr r="0" g="0" b="0"/>
-        </a:effectRef>
-        <a:fontRef idx="minor"/>
-      </dsp:style>
-      <dsp:txBody>
-        <a:bodyPr spcFirstLastPara="0" vert="horz" wrap="square" lIns="0" tIns="0" rIns="0" bIns="0" numCol="1" spcCol="1270" anchor="ctr" anchorCtr="0">
-          <a:noAutofit/>
-        </a:bodyPr>
-        <a:lstStyle/>
-        <a:p>
-          <a:pPr marL="0" lvl="0" indent="0" algn="l" defTabSz="889000">
-            <a:lnSpc>
-              <a:spcPct val="100000"/>
-            </a:lnSpc>
-            <a:spcBef>
-              <a:spcPct val="0"/>
-            </a:spcBef>
-            <a:spcAft>
-              <a:spcPct val="35000"/>
-            </a:spcAft>
-            <a:buNone/>
-          </a:pPr>
-          <a:r>
-            <a:rPr lang="en-US" sz="2000" kern="1200" dirty="0">
-              <a:hlinkClick xmlns:r="http://schemas.openxmlformats.org/officeDocument/2006/relationships" r:id="rId3"/>
-            </a:rPr>
-            <a:t>https://hub.docker.com</a:t>
-          </a:r>
-          <a:endParaRPr lang="en-US" sz="2000" kern="1200" dirty="0"/>
-        </a:p>
-      </dsp:txBody>
-      <dsp:txXfrm>
-        <a:off x="1744792" y="1155198"/>
-        <a:ext cx="3081839" cy="1307447"/>
-      </dsp:txXfrm>
-    </dsp:sp>
-    <dsp:sp modelId="{0CA1A94E-EE44-4840-8EBB-626B7A686EBE}">
-      <dsp:nvSpPr>
-        <dsp:cNvPr id="0" name=""/>
-        <dsp:cNvSpPr/>
-      </dsp:nvSpPr>
-      <dsp:spPr>
-        <a:xfrm>
-          <a:off x="5363619" y="1155198"/>
-          <a:ext cx="1307447" cy="1307447"/>
-        </a:xfrm>
-        <a:prstGeom prst="ellipse">
-          <a:avLst/>
-        </a:prstGeom>
-        <a:solidFill>
-          <a:schemeClr val="accent3">
-            <a:hueOff val="0"/>
-            <a:satOff val="0"/>
-            <a:lumOff val="0"/>
-            <a:alphaOff val="0"/>
-          </a:schemeClr>
-        </a:solidFill>
-        <a:ln>
-          <a:noFill/>
-        </a:ln>
-        <a:effectLst/>
-      </dsp:spPr>
-      <dsp:style>
-        <a:lnRef idx="0">
-          <a:scrgbClr r="0" g="0" b="0"/>
-        </a:lnRef>
-        <a:fillRef idx="1">
-          <a:scrgbClr r="0" g="0" b="0"/>
-        </a:fillRef>
-        <a:effectRef idx="0">
-          <a:scrgbClr r="0" g="0" b="0"/>
-        </a:effectRef>
-        <a:fontRef idx="minor"/>
-      </dsp:style>
-    </dsp:sp>
-    <dsp:sp modelId="{E80D7876-0D6F-462A-B536-81782AAC21CC}">
-      <dsp:nvSpPr>
-        <dsp:cNvPr id="0" name=""/>
-        <dsp:cNvSpPr/>
-      </dsp:nvSpPr>
-      <dsp:spPr>
-        <a:xfrm>
-          <a:off x="5638183" y="1429762"/>
-          <a:ext cx="758319" cy="758319"/>
-        </a:xfrm>
-        <a:prstGeom prst="rect">
-          <a:avLst/>
-        </a:prstGeom>
-        <a:blipFill>
-          <a:blip xmlns:r="http://schemas.openxmlformats.org/officeDocument/2006/relationships" r:embed="rId4">
-            <a:extLst>
-              <a:ext uri="{28A0092B-C50C-407E-A947-70E740481C1C}">
-                <a14:useLocalDpi xmlns:a14="http://schemas.microsoft.com/office/drawing/2010/main" val="0"/>
-              </a:ext>
-              <a:ext uri="{96DAC541-7B7A-43D3-8B79-37D633B846F1}">
-                <asvg:svgBlip xmlns:asvg="http://schemas.microsoft.com/office/drawing/2016/SVG/main" r:embed="rId5"/>
-              </a:ext>
-            </a:extLst>
-          </a:blip>
-          <a:stretch>
-            <a:fillRect/>
-          </a:stretch>
-        </a:blipFill>
-        <a:ln w="12700" cap="flat" cmpd="sng" algn="ctr">
-          <a:noFill/>
-          <a:prstDash val="solid"/>
-          <a:miter lim="800000"/>
-        </a:ln>
-        <a:effectLst/>
-      </dsp:spPr>
-      <dsp:style>
-        <a:lnRef idx="2">
-          <a:scrgbClr r="0" g="0" b="0"/>
-        </a:lnRef>
-        <a:fillRef idx="1">
-          <a:scrgbClr r="0" g="0" b="0"/>
-        </a:fillRef>
-        <a:effectRef idx="0">
-          <a:scrgbClr r="0" g="0" b="0"/>
-        </a:effectRef>
-        <a:fontRef idx="minor">
-          <a:schemeClr val="lt1"/>
-        </a:fontRef>
-      </dsp:style>
-    </dsp:sp>
-    <dsp:sp modelId="{7109256F-78FC-4EA2-8ACB-2CCBCCBA0340}">
-      <dsp:nvSpPr>
-        <dsp:cNvPr id="0" name=""/>
-        <dsp:cNvSpPr/>
-      </dsp:nvSpPr>
-      <dsp:spPr>
-        <a:xfrm>
-          <a:off x="6951233" y="1155198"/>
-          <a:ext cx="3081839" cy="1307447"/>
-        </a:xfrm>
-        <a:prstGeom prst="rect">
-          <a:avLst/>
-        </a:prstGeom>
-        <a:noFill/>
-        <a:ln>
-          <a:noFill/>
-        </a:ln>
-        <a:effectLst/>
-      </dsp:spPr>
-      <dsp:style>
-        <a:lnRef idx="0">
-          <a:scrgbClr r="0" g="0" b="0"/>
-        </a:lnRef>
-        <a:fillRef idx="0">
-          <a:scrgbClr r="0" g="0" b="0"/>
-        </a:fillRef>
-        <a:effectRef idx="0">
-          <a:scrgbClr r="0" g="0" b="0"/>
-        </a:effectRef>
-        <a:fontRef idx="minor"/>
-      </dsp:style>
-      <dsp:txBody>
-        <a:bodyPr spcFirstLastPara="0" vert="horz" wrap="square" lIns="0" tIns="0" rIns="0" bIns="0" numCol="1" spcCol="1270" anchor="ctr" anchorCtr="0">
-          <a:noAutofit/>
-        </a:bodyPr>
-        <a:lstStyle/>
-        <a:p>
-          <a:pPr marL="0" lvl="0" indent="0" algn="l" defTabSz="711200">
-            <a:lnSpc>
-              <a:spcPct val="100000"/>
-            </a:lnSpc>
-            <a:spcBef>
-              <a:spcPct val="0"/>
-            </a:spcBef>
-            <a:spcAft>
-              <a:spcPct val="35000"/>
-            </a:spcAft>
-            <a:buNone/>
-          </a:pPr>
-          <a:r>
-            <a:rPr lang="en-US" sz="1600" kern="1200" dirty="0">
-              <a:hlinkClick xmlns:r="http://schemas.openxmlformats.org/officeDocument/2006/relationships" r:id="rId6"/>
-            </a:rPr>
-            <a:t>https://github.com/Microsoft/mssql-docker</a:t>
-          </a:r>
-          <a:endParaRPr lang="en-US" sz="1600" kern="1200" dirty="0"/>
-        </a:p>
-      </dsp:txBody>
-      <dsp:txXfrm>
-        <a:off x="6951233" y="1155198"/>
-        <a:ext cx="3081839" cy="1307447"/>
-      </dsp:txXfrm>
-    </dsp:sp>
-  </dsp:spTree>
-</dsp:drawing>
-</file>
-
-<file path=ppt/diagrams/drawing9.xml><?xml version="1.0" encoding="utf-8"?>
 <dsp:drawing xmlns:dgm="http://schemas.openxmlformats.org/drawingml/2006/diagram" xmlns:dsp="http://schemas.microsoft.com/office/drawing/2008/diagram" xmlns:a="http://schemas.openxmlformats.org/drawingml/2006/main">
   <dsp:spTree>
     <dsp:nvGrpSpPr>
@@ -13937,6 +15164,322 @@
 </dsp:drawing>
 </file>
 
+<file path=ppt/diagrams/drawing9.xml><?xml version="1.0" encoding="utf-8"?>
+<dsp:drawing xmlns:dgm="http://schemas.openxmlformats.org/drawingml/2006/diagram" xmlns:dsp="http://schemas.microsoft.com/office/drawing/2008/diagram" xmlns:a="http://schemas.openxmlformats.org/drawingml/2006/main">
+  <dsp:spTree>
+    <dsp:nvGrpSpPr>
+      <dsp:cNvPr id="0" name=""/>
+      <dsp:cNvGrpSpPr/>
+    </dsp:nvGrpSpPr>
+    <dsp:grpSpPr/>
+    <dsp:sp modelId="{EDC4B38D-5AF6-4266-AED2-20DF1D28C37B}">
+      <dsp:nvSpPr>
+        <dsp:cNvPr id="0" name=""/>
+        <dsp:cNvSpPr/>
+      </dsp:nvSpPr>
+      <dsp:spPr>
+        <a:xfrm>
+          <a:off x="157178" y="1155198"/>
+          <a:ext cx="1307447" cy="1307447"/>
+        </a:xfrm>
+        <a:prstGeom prst="ellipse">
+          <a:avLst/>
+        </a:prstGeom>
+        <a:solidFill>
+          <a:schemeClr val="accent2">
+            <a:hueOff val="0"/>
+            <a:satOff val="0"/>
+            <a:lumOff val="0"/>
+            <a:alphaOff val="0"/>
+          </a:schemeClr>
+        </a:solidFill>
+        <a:ln>
+          <a:noFill/>
+        </a:ln>
+        <a:effectLst/>
+      </dsp:spPr>
+      <dsp:style>
+        <a:lnRef idx="0">
+          <a:scrgbClr r="0" g="0" b="0"/>
+        </a:lnRef>
+        <a:fillRef idx="1">
+          <a:scrgbClr r="0" g="0" b="0"/>
+        </a:fillRef>
+        <a:effectRef idx="0">
+          <a:scrgbClr r="0" g="0" b="0"/>
+        </a:effectRef>
+        <a:fontRef idx="minor"/>
+      </dsp:style>
+    </dsp:sp>
+    <dsp:sp modelId="{127EEA49-CED5-4826-9C74-E4995C3AA110}">
+      <dsp:nvSpPr>
+        <dsp:cNvPr id="0" name=""/>
+        <dsp:cNvSpPr/>
+      </dsp:nvSpPr>
+      <dsp:spPr>
+        <a:xfrm>
+          <a:off x="431742" y="1429762"/>
+          <a:ext cx="758319" cy="758319"/>
+        </a:xfrm>
+        <a:prstGeom prst="rect">
+          <a:avLst/>
+        </a:prstGeom>
+        <a:blipFill>
+          <a:blip xmlns:r="http://schemas.openxmlformats.org/officeDocument/2006/relationships" r:embed="rId1">
+            <a:extLst>
+              <a:ext uri="{28A0092B-C50C-407E-A947-70E740481C1C}">
+                <a14:useLocalDpi xmlns:a14="http://schemas.microsoft.com/office/drawing/2010/main" val="0"/>
+              </a:ext>
+              <a:ext uri="{96DAC541-7B7A-43D3-8B79-37D633B846F1}">
+                <asvg:svgBlip xmlns:asvg="http://schemas.microsoft.com/office/drawing/2016/SVG/main" r:embed="rId2"/>
+              </a:ext>
+            </a:extLst>
+          </a:blip>
+          <a:stretch>
+            <a:fillRect/>
+          </a:stretch>
+        </a:blipFill>
+        <a:ln w="12700" cap="flat" cmpd="sng" algn="ctr">
+          <a:noFill/>
+          <a:prstDash val="solid"/>
+          <a:miter lim="800000"/>
+        </a:ln>
+        <a:effectLst/>
+      </dsp:spPr>
+      <dsp:style>
+        <a:lnRef idx="2">
+          <a:scrgbClr r="0" g="0" b="0"/>
+        </a:lnRef>
+        <a:fillRef idx="1">
+          <a:scrgbClr r="0" g="0" b="0"/>
+        </a:fillRef>
+        <a:effectRef idx="0">
+          <a:scrgbClr r="0" g="0" b="0"/>
+        </a:effectRef>
+        <a:fontRef idx="minor">
+          <a:schemeClr val="lt1"/>
+        </a:fontRef>
+      </dsp:style>
+    </dsp:sp>
+    <dsp:sp modelId="{2E71FFCA-0C77-4400-AAD1-F2F6F315C2F9}">
+      <dsp:nvSpPr>
+        <dsp:cNvPr id="0" name=""/>
+        <dsp:cNvSpPr/>
+      </dsp:nvSpPr>
+      <dsp:spPr>
+        <a:xfrm>
+          <a:off x="1744792" y="1155198"/>
+          <a:ext cx="3081839" cy="1307447"/>
+        </a:xfrm>
+        <a:prstGeom prst="rect">
+          <a:avLst/>
+        </a:prstGeom>
+        <a:noFill/>
+        <a:ln>
+          <a:noFill/>
+        </a:ln>
+        <a:effectLst/>
+      </dsp:spPr>
+      <dsp:style>
+        <a:lnRef idx="0">
+          <a:scrgbClr r="0" g="0" b="0"/>
+        </a:lnRef>
+        <a:fillRef idx="0">
+          <a:scrgbClr r="0" g="0" b="0"/>
+        </a:fillRef>
+        <a:effectRef idx="0">
+          <a:scrgbClr r="0" g="0" b="0"/>
+        </a:effectRef>
+        <a:fontRef idx="minor"/>
+      </dsp:style>
+      <dsp:txBody>
+        <a:bodyPr spcFirstLastPara="0" vert="horz" wrap="square" lIns="0" tIns="0" rIns="0" bIns="0" numCol="1" spcCol="1270" anchor="ctr" anchorCtr="0">
+          <a:noAutofit/>
+        </a:bodyPr>
+        <a:lstStyle/>
+        <a:p>
+          <a:pPr marL="0" lvl="0" indent="0" algn="l" defTabSz="889000">
+            <a:lnSpc>
+              <a:spcPct val="100000"/>
+            </a:lnSpc>
+            <a:spcBef>
+              <a:spcPct val="0"/>
+            </a:spcBef>
+            <a:spcAft>
+              <a:spcPct val="35000"/>
+            </a:spcAft>
+            <a:buNone/>
+          </a:pPr>
+          <a:r>
+            <a:rPr lang="en-US" sz="2000" kern="1200" dirty="0">
+              <a:hlinkClick xmlns:r="http://schemas.openxmlformats.org/officeDocument/2006/relationships" r:id="rId3"/>
+            </a:rPr>
+            <a:t>https://hub.docker.com</a:t>
+          </a:r>
+          <a:endParaRPr lang="en-US" sz="2000" kern="1200" dirty="0"/>
+        </a:p>
+      </dsp:txBody>
+      <dsp:txXfrm>
+        <a:off x="1744792" y="1155198"/>
+        <a:ext cx="3081839" cy="1307447"/>
+      </dsp:txXfrm>
+    </dsp:sp>
+    <dsp:sp modelId="{0CA1A94E-EE44-4840-8EBB-626B7A686EBE}">
+      <dsp:nvSpPr>
+        <dsp:cNvPr id="0" name=""/>
+        <dsp:cNvSpPr/>
+      </dsp:nvSpPr>
+      <dsp:spPr>
+        <a:xfrm>
+          <a:off x="5363619" y="1155198"/>
+          <a:ext cx="1307447" cy="1307447"/>
+        </a:xfrm>
+        <a:prstGeom prst="ellipse">
+          <a:avLst/>
+        </a:prstGeom>
+        <a:solidFill>
+          <a:schemeClr val="accent3">
+            <a:hueOff val="0"/>
+            <a:satOff val="0"/>
+            <a:lumOff val="0"/>
+            <a:alphaOff val="0"/>
+          </a:schemeClr>
+        </a:solidFill>
+        <a:ln>
+          <a:noFill/>
+        </a:ln>
+        <a:effectLst/>
+      </dsp:spPr>
+      <dsp:style>
+        <a:lnRef idx="0">
+          <a:scrgbClr r="0" g="0" b="0"/>
+        </a:lnRef>
+        <a:fillRef idx="1">
+          <a:scrgbClr r="0" g="0" b="0"/>
+        </a:fillRef>
+        <a:effectRef idx="0">
+          <a:scrgbClr r="0" g="0" b="0"/>
+        </a:effectRef>
+        <a:fontRef idx="minor"/>
+      </dsp:style>
+    </dsp:sp>
+    <dsp:sp modelId="{E80D7876-0D6F-462A-B536-81782AAC21CC}">
+      <dsp:nvSpPr>
+        <dsp:cNvPr id="0" name=""/>
+        <dsp:cNvSpPr/>
+      </dsp:nvSpPr>
+      <dsp:spPr>
+        <a:xfrm>
+          <a:off x="5638183" y="1429762"/>
+          <a:ext cx="758319" cy="758319"/>
+        </a:xfrm>
+        <a:prstGeom prst="rect">
+          <a:avLst/>
+        </a:prstGeom>
+        <a:blipFill>
+          <a:blip xmlns:r="http://schemas.openxmlformats.org/officeDocument/2006/relationships" r:embed="rId4">
+            <a:extLst>
+              <a:ext uri="{28A0092B-C50C-407E-A947-70E740481C1C}">
+                <a14:useLocalDpi xmlns:a14="http://schemas.microsoft.com/office/drawing/2010/main" val="0"/>
+              </a:ext>
+              <a:ext uri="{96DAC541-7B7A-43D3-8B79-37D633B846F1}">
+                <asvg:svgBlip xmlns:asvg="http://schemas.microsoft.com/office/drawing/2016/SVG/main" r:embed="rId5"/>
+              </a:ext>
+            </a:extLst>
+          </a:blip>
+          <a:stretch>
+            <a:fillRect/>
+          </a:stretch>
+        </a:blipFill>
+        <a:ln w="12700" cap="flat" cmpd="sng" algn="ctr">
+          <a:noFill/>
+          <a:prstDash val="solid"/>
+          <a:miter lim="800000"/>
+        </a:ln>
+        <a:effectLst/>
+      </dsp:spPr>
+      <dsp:style>
+        <a:lnRef idx="2">
+          <a:scrgbClr r="0" g="0" b="0"/>
+        </a:lnRef>
+        <a:fillRef idx="1">
+          <a:scrgbClr r="0" g="0" b="0"/>
+        </a:fillRef>
+        <a:effectRef idx="0">
+          <a:scrgbClr r="0" g="0" b="0"/>
+        </a:effectRef>
+        <a:fontRef idx="minor">
+          <a:schemeClr val="lt1"/>
+        </a:fontRef>
+      </dsp:style>
+    </dsp:sp>
+    <dsp:sp modelId="{7109256F-78FC-4EA2-8ACB-2CCBCCBA0340}">
+      <dsp:nvSpPr>
+        <dsp:cNvPr id="0" name=""/>
+        <dsp:cNvSpPr/>
+      </dsp:nvSpPr>
+      <dsp:spPr>
+        <a:xfrm>
+          <a:off x="6951233" y="1155198"/>
+          <a:ext cx="3081839" cy="1307447"/>
+        </a:xfrm>
+        <a:prstGeom prst="rect">
+          <a:avLst/>
+        </a:prstGeom>
+        <a:noFill/>
+        <a:ln>
+          <a:noFill/>
+        </a:ln>
+        <a:effectLst/>
+      </dsp:spPr>
+      <dsp:style>
+        <a:lnRef idx="0">
+          <a:scrgbClr r="0" g="0" b="0"/>
+        </a:lnRef>
+        <a:fillRef idx="0">
+          <a:scrgbClr r="0" g="0" b="0"/>
+        </a:fillRef>
+        <a:effectRef idx="0">
+          <a:scrgbClr r="0" g="0" b="0"/>
+        </a:effectRef>
+        <a:fontRef idx="minor"/>
+      </dsp:style>
+      <dsp:txBody>
+        <a:bodyPr spcFirstLastPara="0" vert="horz" wrap="square" lIns="0" tIns="0" rIns="0" bIns="0" numCol="1" spcCol="1270" anchor="ctr" anchorCtr="0">
+          <a:noAutofit/>
+        </a:bodyPr>
+        <a:lstStyle/>
+        <a:p>
+          <a:pPr marL="0" lvl="0" indent="0" algn="l" defTabSz="711200">
+            <a:lnSpc>
+              <a:spcPct val="100000"/>
+            </a:lnSpc>
+            <a:spcBef>
+              <a:spcPct val="0"/>
+            </a:spcBef>
+            <a:spcAft>
+              <a:spcPct val="35000"/>
+            </a:spcAft>
+            <a:buNone/>
+          </a:pPr>
+          <a:r>
+            <a:rPr lang="en-US" sz="1600" kern="1200" dirty="0">
+              <a:hlinkClick xmlns:r="http://schemas.openxmlformats.org/officeDocument/2006/relationships" r:id="rId6"/>
+            </a:rPr>
+            <a:t>https://github.com/Microsoft/mssql-docker</a:t>
+          </a:r>
+          <a:endParaRPr lang="en-US" sz="1600" kern="1200" dirty="0"/>
+        </a:p>
+      </dsp:txBody>
+      <dsp:txXfrm>
+        <a:off x="6951233" y="1155198"/>
+        <a:ext cx="3081839" cy="1307447"/>
+      </dsp:txXfrm>
+    </dsp:sp>
+  </dsp:spTree>
+</dsp:drawing>
+</file>
+
 <file path=ppt/diagrams/layout1.xml><?xml version="1.0" encoding="utf-8"?>
 <dgm:layoutDef xmlns:dgm="http://schemas.openxmlformats.org/drawingml/2006/diagram" xmlns:a="http://schemas.openxmlformats.org/drawingml/2006/main" uniqueId="urn:microsoft.com/office/officeart/2005/8/layout/vList2">
   <dgm:title val=""/>
@@ -14098,6 +15641,529 @@
             <dgm:else name="Name7"/>
           </dgm:choose>
         </dgm:else>
+      </dgm:choose>
+    </dgm:forEach>
+  </dgm:layoutNode>
+</dgm:layoutDef>
+</file>
+
+<file path=ppt/diagrams/layout10.xml><?xml version="1.0" encoding="utf-8"?>
+<dgm:layoutDef xmlns:dgm="http://schemas.openxmlformats.org/drawingml/2006/diagram" xmlns:a="http://schemas.openxmlformats.org/drawingml/2006/main" uniqueId="urn:microsoft.com/office/officeart/2005/8/layout/architecture">
+  <dgm:title val="Architecture Layout"/>
+  <dgm:desc val="Use to show hierarchical relationships that build from the bottom up. This layout works well for showing architectural components or objects that build on other objects."/>
+  <dgm:catLst>
+    <dgm:cat type="hierarchy" pri="4500"/>
+    <dgm:cat type="list" pri="24500"/>
+    <dgm:cat type="relationship" pri="10500"/>
+    <dgm:cat type="officeonline" pri="7000"/>
+  </dgm:catLst>
+  <dgm:sampData>
+    <dgm:dataModel>
+      <dgm:ptLst>
+        <dgm:pt modelId="0" type="doc"/>
+        <dgm:pt modelId="1">
+          <dgm:prSet phldr="1"/>
+        </dgm:pt>
+        <dgm:pt modelId="2">
+          <dgm:prSet phldr="1"/>
+        </dgm:pt>
+        <dgm:pt modelId="21">
+          <dgm:prSet phldr="1"/>
+        </dgm:pt>
+        <dgm:pt modelId="22">
+          <dgm:prSet phldr="1"/>
+        </dgm:pt>
+        <dgm:pt modelId="3">
+          <dgm:prSet phldr="1"/>
+        </dgm:pt>
+        <dgm:pt modelId="31">
+          <dgm:prSet phldr="1"/>
+        </dgm:pt>
+      </dgm:ptLst>
+      <dgm:cxnLst>
+        <dgm:cxn modelId="4" srcId="0" destId="1" srcOrd="0" destOrd="0"/>
+        <dgm:cxn modelId="5" srcId="1" destId="2" srcOrd="0" destOrd="0"/>
+        <dgm:cxn modelId="6" srcId="1" destId="3" srcOrd="1" destOrd="0"/>
+        <dgm:cxn modelId="23" srcId="2" destId="21" srcOrd="0" destOrd="0"/>
+        <dgm:cxn modelId="24" srcId="2" destId="22" srcOrd="1" destOrd="0"/>
+        <dgm:cxn modelId="33" srcId="3" destId="31" srcOrd="0" destOrd="0"/>
+      </dgm:cxnLst>
+      <dgm:bg/>
+      <dgm:whole/>
+    </dgm:dataModel>
+  </dgm:sampData>
+  <dgm:styleData>
+    <dgm:dataModel>
+      <dgm:ptLst>
+        <dgm:pt modelId="0" type="doc"/>
+        <dgm:pt modelId="1"/>
+        <dgm:pt modelId="11"/>
+        <dgm:pt modelId="12"/>
+      </dgm:ptLst>
+      <dgm:cxnLst>
+        <dgm:cxn modelId="2" srcId="0" destId="1" srcOrd="0" destOrd="0"/>
+        <dgm:cxn modelId="13" srcId="1" destId="11" srcOrd="0" destOrd="0"/>
+        <dgm:cxn modelId="14" srcId="1" destId="12" srcOrd="1" destOrd="0"/>
+      </dgm:cxnLst>
+      <dgm:bg/>
+      <dgm:whole/>
+    </dgm:dataModel>
+  </dgm:styleData>
+  <dgm:clrData>
+    <dgm:dataModel>
+      <dgm:ptLst>
+        <dgm:pt modelId="0" type="doc"/>
+        <dgm:pt modelId="1"/>
+        <dgm:pt modelId="2"/>
+        <dgm:pt modelId="21"/>
+        <dgm:pt modelId="211"/>
+        <dgm:pt modelId="3"/>
+        <dgm:pt modelId="31"/>
+        <dgm:pt modelId="311"/>
+      </dgm:ptLst>
+      <dgm:cxnLst>
+        <dgm:cxn modelId="4" srcId="0" destId="1" srcOrd="0" destOrd="0"/>
+        <dgm:cxn modelId="5" srcId="1" destId="2" srcOrd="0" destOrd="0"/>
+        <dgm:cxn modelId="6" srcId="1" destId="3" srcOrd="1" destOrd="0"/>
+        <dgm:cxn modelId="23" srcId="2" destId="21" srcOrd="0" destOrd="0"/>
+        <dgm:cxn modelId="24" srcId="21" destId="211" srcOrd="0" destOrd="0"/>
+        <dgm:cxn modelId="33" srcId="3" destId="31" srcOrd="0" destOrd="0"/>
+        <dgm:cxn modelId="34" srcId="31" destId="311" srcOrd="0" destOrd="0"/>
+      </dgm:cxnLst>
+      <dgm:bg/>
+      <dgm:whole/>
+    </dgm:dataModel>
+  </dgm:clrData>
+  <dgm:layoutNode name="Name0">
+    <dgm:varLst>
+      <dgm:chPref val="1"/>
+      <dgm:dir/>
+      <dgm:animOne val="branch"/>
+      <dgm:animLvl val="lvl"/>
+      <dgm:resizeHandles/>
+    </dgm:varLst>
+    <dgm:choose name="Name1">
+      <dgm:if name="Name2" func="var" arg="dir" op="equ" val="norm">
+        <dgm:alg type="lin">
+          <dgm:param type="linDir" val="fromL"/>
+          <dgm:param type="nodeVertAlign" val="b"/>
+        </dgm:alg>
+      </dgm:if>
+      <dgm:else name="Name3">
+        <dgm:alg type="lin">
+          <dgm:param type="linDir" val="fromR"/>
+          <dgm:param type="nodeVertAlign" val="b"/>
+        </dgm:alg>
+      </dgm:else>
+    </dgm:choose>
+    <dgm:shape xmlns:r="http://schemas.openxmlformats.org/officeDocument/2006/relationships" r:blip="">
+      <dgm:adjLst/>
+    </dgm:shape>
+    <dgm:presOf/>
+    <dgm:constrLst>
+      <dgm:constr type="w" for="ch" forName="vertOne" refType="w"/>
+      <dgm:constr type="w" for="des" forName="horzOne" refType="w"/>
+      <dgm:constr type="w" for="des" forName="txOne" refType="w"/>
+      <dgm:constr type="w" for="des" forName="vertTwo" refType="w"/>
+      <dgm:constr type="w" for="des" forName="horzTwo" refType="w"/>
+      <dgm:constr type="w" for="des" forName="txTwo" refType="w"/>
+      <dgm:constr type="w" for="des" forName="vertThree" refType="w"/>
+      <dgm:constr type="w" for="des" forName="horzThree" refType="w"/>
+      <dgm:constr type="w" for="des" forName="txThree" refType="w"/>
+      <dgm:constr type="w" for="des" forName="vertFour" refType="w"/>
+      <dgm:constr type="w" for="des" forName="horzFour" refType="w"/>
+      <dgm:constr type="w" for="des" forName="txFour" refType="w"/>
+      <dgm:constr type="h" for="des" ptType="node" op="equ"/>
+      <dgm:constr type="h" for="des" forName="txOne" refType="h"/>
+      <dgm:constr type="userH" for="des" ptType="node" refType="h" refFor="des" refForName="txOne"/>
+      <dgm:constr type="primFontSz" for="des" forName="txOne" val="65"/>
+      <dgm:constr type="primFontSz" for="des" forName="txTwo" val="65"/>
+      <dgm:constr type="primFontSz" for="des" forName="txTwo" refType="primFontSz" refFor="des" refForName="txOne" op="lte"/>
+      <dgm:constr type="primFontSz" for="des" forName="txThree" val="65"/>
+      <dgm:constr type="primFontSz" for="des" forName="txThree" refType="primFontSz" refFor="des" refForName="txOne" op="lte"/>
+      <dgm:constr type="primFontSz" for="des" forName="txThree" refType="primFontSz" refFor="des" refForName="txTwo" op="lte"/>
+      <dgm:constr type="primFontSz" for="des" forName="txFour" val="65"/>
+      <dgm:constr type="primFontSz" for="des" forName="txFour" refType="primFontSz" refFor="des" refForName="txOne" op="lte"/>
+      <dgm:constr type="primFontSz" for="des" forName="txFour" refType="primFontSz" refFor="des" refForName="txTwo" op="lte"/>
+      <dgm:constr type="primFontSz" for="des" forName="txFour" refType="primFontSz" refFor="des" refForName="txThree" op="lte"/>
+      <dgm:constr type="w" for="des" forName="sibSpaceOne" refType="w" fact="0.168"/>
+      <dgm:constr type="w" for="des" forName="sibSpaceTwo" refType="w" refFor="des" refForName="sibSpaceOne" op="equ" fact="0.5"/>
+      <dgm:constr type="w" for="des" forName="sibSpaceThree" refType="w" refFor="des" refForName="sibSpaceTwo" op="equ" fact="0.5"/>
+      <dgm:constr type="w" for="des" forName="sibSpaceFour" refType="w" refFor="des" refForName="sibSpaceThree" op="equ" fact="0.5"/>
+      <dgm:constr type="h" for="des" forName="parTransOne" refType="w" fact="0.056"/>
+      <dgm:constr type="h" for="des" forName="parTransTwo" refType="h" refFor="des" refForName="parTransOne" op="equ"/>
+      <dgm:constr type="h" for="des" forName="parTransThree" refType="h" refFor="des" refForName="parTransTwo" op="equ"/>
+      <dgm:constr type="h" for="des" forName="parTransFour" refType="h" refFor="des" refForName="parTransThree" op="equ"/>
+    </dgm:constrLst>
+    <dgm:ruleLst/>
+    <dgm:forEach name="Name4" axis="ch" ptType="node">
+      <dgm:layoutNode name="vertOne">
+        <dgm:alg type="lin">
+          <dgm:param type="linDir" val="fromB"/>
+        </dgm:alg>
+        <dgm:shape xmlns:r="http://schemas.openxmlformats.org/officeDocument/2006/relationships" r:blip="">
+          <dgm:adjLst/>
+        </dgm:shape>
+        <dgm:presOf/>
+        <dgm:constrLst>
+          <dgm:constr type="w" for="ch" forName="txOne" refType="w" refFor="ch" refForName="horzOne" op="gte"/>
+        </dgm:constrLst>
+        <dgm:ruleLst/>
+        <dgm:layoutNode name="txOne" styleLbl="node0">
+          <dgm:varLst>
+            <dgm:chPref val="3"/>
+          </dgm:varLst>
+          <dgm:alg type="tx"/>
+          <dgm:shape xmlns:r="http://schemas.openxmlformats.org/officeDocument/2006/relationships" type="roundRect" r:blip="">
+            <dgm:adjLst>
+              <dgm:adj idx="1" val="0.1"/>
+            </dgm:adjLst>
+          </dgm:shape>
+          <dgm:presOf axis="self"/>
+          <dgm:constrLst>
+            <dgm:constr type="tMarg" refType="primFontSz" fact="0.3"/>
+            <dgm:constr type="bMarg" refType="primFontSz" fact="0.3"/>
+            <dgm:constr type="lMarg" refType="primFontSz" fact="0.3"/>
+            <dgm:constr type="rMarg" refType="primFontSz" fact="0.3"/>
+          </dgm:constrLst>
+          <dgm:ruleLst>
+            <dgm:rule type="primFontSz" val="5" fact="NaN" max="NaN"/>
+          </dgm:ruleLst>
+        </dgm:layoutNode>
+        <dgm:choose name="Name5">
+          <dgm:if name="Name6" axis="des" ptType="node" func="cnt" op="gt" val="0">
+            <dgm:layoutNode name="parTransOne">
+              <dgm:alg type="sp"/>
+              <dgm:shape xmlns:r="http://schemas.openxmlformats.org/officeDocument/2006/relationships" r:blip="">
+                <dgm:adjLst/>
+              </dgm:shape>
+              <dgm:presOf/>
+              <dgm:constrLst/>
+              <dgm:ruleLst/>
+            </dgm:layoutNode>
+          </dgm:if>
+          <dgm:else name="Name7"/>
+        </dgm:choose>
+        <dgm:layoutNode name="horzOne">
+          <dgm:choose name="Name8">
+            <dgm:if name="Name9" func="var" arg="dir" op="equ" val="norm">
+              <dgm:alg type="lin">
+                <dgm:param type="linDir" val="fromL"/>
+                <dgm:param type="nodeVertAlign" val="b"/>
+              </dgm:alg>
+            </dgm:if>
+            <dgm:else name="Name10">
+              <dgm:alg type="lin">
+                <dgm:param type="linDir" val="fromR"/>
+                <dgm:param type="nodeVertAlign" val="b"/>
+              </dgm:alg>
+            </dgm:else>
+          </dgm:choose>
+          <dgm:shape xmlns:r="http://schemas.openxmlformats.org/officeDocument/2006/relationships" r:blip="">
+            <dgm:adjLst/>
+          </dgm:shape>
+          <dgm:presOf/>
+          <dgm:constrLst/>
+          <dgm:ruleLst>
+            <dgm:rule type="w" val="INF" fact="NaN" max="NaN"/>
+          </dgm:ruleLst>
+          <dgm:forEach name="Name11" axis="ch" ptType="node">
+            <dgm:layoutNode name="vertTwo">
+              <dgm:alg type="lin">
+                <dgm:param type="linDir" val="fromB"/>
+              </dgm:alg>
+              <dgm:shape xmlns:r="http://schemas.openxmlformats.org/officeDocument/2006/relationships" r:blip="">
+                <dgm:adjLst/>
+              </dgm:shape>
+              <dgm:presOf/>
+              <dgm:constrLst>
+                <dgm:constr type="w" for="ch" forName="txTwo" refType="w" refFor="ch" refForName="horzTwo" op="gte"/>
+              </dgm:constrLst>
+              <dgm:ruleLst/>
+              <dgm:layoutNode name="txTwo">
+                <dgm:varLst>
+                  <dgm:chPref val="3"/>
+                </dgm:varLst>
+                <dgm:alg type="tx"/>
+                <dgm:shape xmlns:r="http://schemas.openxmlformats.org/officeDocument/2006/relationships" type="roundRect" r:blip="">
+                  <dgm:adjLst>
+                    <dgm:adj idx="1" val="0.1"/>
+                  </dgm:adjLst>
+                </dgm:shape>
+                <dgm:presOf axis="self"/>
+                <dgm:constrLst>
+                  <dgm:constr type="userH"/>
+                  <dgm:constr type="h" refType="userH"/>
+                  <dgm:constr type="tMarg" refType="primFontSz" fact="0.3"/>
+                  <dgm:constr type="bMarg" refType="primFontSz" fact="0.3"/>
+                  <dgm:constr type="lMarg" refType="primFontSz" fact="0.3"/>
+                  <dgm:constr type="rMarg" refType="primFontSz" fact="0.3"/>
+                </dgm:constrLst>
+                <dgm:ruleLst>
+                  <dgm:rule type="primFontSz" val="5" fact="NaN" max="NaN"/>
+                </dgm:ruleLst>
+              </dgm:layoutNode>
+              <dgm:choose name="Name12">
+                <dgm:if name="Name13" axis="des" ptType="node" func="cnt" op="gt" val="0">
+                  <dgm:layoutNode name="parTransTwo">
+                    <dgm:alg type="sp"/>
+                    <dgm:shape xmlns:r="http://schemas.openxmlformats.org/officeDocument/2006/relationships" r:blip="">
+                      <dgm:adjLst/>
+                    </dgm:shape>
+                    <dgm:presOf/>
+                    <dgm:constrLst/>
+                    <dgm:ruleLst/>
+                  </dgm:layoutNode>
+                </dgm:if>
+                <dgm:else name="Name14"/>
+              </dgm:choose>
+              <dgm:layoutNode name="horzTwo">
+                <dgm:choose name="Name15">
+                  <dgm:if name="Name16" func="var" arg="dir" op="equ" val="norm">
+                    <dgm:alg type="lin">
+                      <dgm:param type="linDir" val="fromL"/>
+                      <dgm:param type="nodeVertAlign" val="b"/>
+                    </dgm:alg>
+                  </dgm:if>
+                  <dgm:else name="Name17">
+                    <dgm:alg type="lin">
+                      <dgm:param type="linDir" val="fromR"/>
+                      <dgm:param type="nodeVertAlign" val="b"/>
+                    </dgm:alg>
+                  </dgm:else>
+                </dgm:choose>
+                <dgm:shape xmlns:r="http://schemas.openxmlformats.org/officeDocument/2006/relationships" r:blip="">
+                  <dgm:adjLst/>
+                </dgm:shape>
+                <dgm:presOf/>
+                <dgm:constrLst/>
+                <dgm:ruleLst>
+                  <dgm:rule type="w" val="INF" fact="NaN" max="NaN"/>
+                </dgm:ruleLst>
+                <dgm:forEach name="Name18" axis="ch" ptType="node">
+                  <dgm:layoutNode name="vertThree">
+                    <dgm:alg type="lin">
+                      <dgm:param type="linDir" val="fromB"/>
+                    </dgm:alg>
+                    <dgm:shape xmlns:r="http://schemas.openxmlformats.org/officeDocument/2006/relationships" r:blip="">
+                      <dgm:adjLst/>
+                    </dgm:shape>
+                    <dgm:presOf/>
+                    <dgm:constrLst>
+                      <dgm:constr type="w" for="ch" forName="txThree" refType="w" refFor="ch" refForName="horzThree" op="gte"/>
+                    </dgm:constrLst>
+                    <dgm:ruleLst/>
+                    <dgm:layoutNode name="txThree">
+                      <dgm:varLst>
+                        <dgm:chPref val="3"/>
+                      </dgm:varLst>
+                      <dgm:alg type="tx"/>
+                      <dgm:shape xmlns:r="http://schemas.openxmlformats.org/officeDocument/2006/relationships" type="roundRect" r:blip="">
+                        <dgm:adjLst>
+                          <dgm:adj idx="1" val="0.1"/>
+                        </dgm:adjLst>
+                      </dgm:shape>
+                      <dgm:presOf axis="self"/>
+                      <dgm:constrLst>
+                        <dgm:constr type="userH"/>
+                        <dgm:constr type="h" refType="userH"/>
+                        <dgm:constr type="tMarg" refType="primFontSz" fact="0.3"/>
+                        <dgm:constr type="bMarg" refType="primFontSz" fact="0.3"/>
+                        <dgm:constr type="lMarg" refType="primFontSz" fact="0.3"/>
+                        <dgm:constr type="rMarg" refType="primFontSz" fact="0.3"/>
+                      </dgm:constrLst>
+                      <dgm:ruleLst>
+                        <dgm:rule type="primFontSz" val="5" fact="NaN" max="NaN"/>
+                      </dgm:ruleLst>
+                    </dgm:layoutNode>
+                    <dgm:choose name="Name19">
+                      <dgm:if name="Name20" axis="des" ptType="node" func="cnt" op="gt" val="0">
+                        <dgm:layoutNode name="parTransThree">
+                          <dgm:alg type="sp"/>
+                          <dgm:shape xmlns:r="http://schemas.openxmlformats.org/officeDocument/2006/relationships" r:blip="">
+                            <dgm:adjLst/>
+                          </dgm:shape>
+                          <dgm:presOf/>
+                          <dgm:constrLst/>
+                          <dgm:ruleLst/>
+                        </dgm:layoutNode>
+                      </dgm:if>
+                      <dgm:else name="Name21"/>
+                    </dgm:choose>
+                    <dgm:layoutNode name="horzThree">
+                      <dgm:choose name="Name22">
+                        <dgm:if name="Name23" func="var" arg="dir" op="equ" val="norm">
+                          <dgm:alg type="lin">
+                            <dgm:param type="linDir" val="fromL"/>
+                            <dgm:param type="nodeVertAlign" val="b"/>
+                          </dgm:alg>
+                        </dgm:if>
+                        <dgm:else name="Name24">
+                          <dgm:alg type="lin">
+                            <dgm:param type="linDir" val="fromR"/>
+                            <dgm:param type="nodeVertAlign" val="b"/>
+                          </dgm:alg>
+                        </dgm:else>
+                      </dgm:choose>
+                      <dgm:shape xmlns:r="http://schemas.openxmlformats.org/officeDocument/2006/relationships" r:blip="">
+                        <dgm:adjLst/>
+                      </dgm:shape>
+                      <dgm:presOf/>
+                      <dgm:constrLst/>
+                      <dgm:ruleLst>
+                        <dgm:rule type="w" val="INF" fact="NaN" max="NaN"/>
+                      </dgm:ruleLst>
+                      <dgm:forEach name="repeat" axis="ch" ptType="node">
+                        <dgm:layoutNode name="vertFour">
+                          <dgm:varLst>
+                            <dgm:chPref val="3"/>
+                          </dgm:varLst>
+                          <dgm:alg type="lin">
+                            <dgm:param type="linDir" val="fromB"/>
+                          </dgm:alg>
+                          <dgm:shape xmlns:r="http://schemas.openxmlformats.org/officeDocument/2006/relationships" r:blip="">
+                            <dgm:adjLst/>
+                          </dgm:shape>
+                          <dgm:presOf/>
+                          <dgm:constrLst>
+                            <dgm:constr type="w" for="ch" forName="txFour" refType="w" refFor="ch" refForName="horzFour" op="gte"/>
+                          </dgm:constrLst>
+                          <dgm:ruleLst/>
+                          <dgm:layoutNode name="txFour">
+                            <dgm:varLst>
+                              <dgm:chPref val="3"/>
+                            </dgm:varLst>
+                            <dgm:alg type="tx"/>
+                            <dgm:shape xmlns:r="http://schemas.openxmlformats.org/officeDocument/2006/relationships" type="roundRect" r:blip="">
+                              <dgm:adjLst>
+                                <dgm:adj idx="1" val="0.1"/>
+                              </dgm:adjLst>
+                            </dgm:shape>
+                            <dgm:presOf axis="self"/>
+                            <dgm:constrLst>
+                              <dgm:constr type="userH"/>
+                              <dgm:constr type="h" refType="userH"/>
+                              <dgm:constr type="tMarg" refType="primFontSz" fact="0.3"/>
+                              <dgm:constr type="bMarg" refType="primFontSz" fact="0.3"/>
+                              <dgm:constr type="lMarg" refType="primFontSz" fact="0.3"/>
+                              <dgm:constr type="rMarg" refType="primFontSz" fact="0.3"/>
+                            </dgm:constrLst>
+                            <dgm:ruleLst>
+                              <dgm:rule type="primFontSz" val="5" fact="NaN" max="NaN"/>
+                            </dgm:ruleLst>
+                          </dgm:layoutNode>
+                          <dgm:choose name="Name25">
+                            <dgm:if name="Name26" axis="des" ptType="node" func="cnt" op="gt" val="0">
+                              <dgm:layoutNode name="parTransFour">
+                                <dgm:alg type="sp"/>
+                                <dgm:shape xmlns:r="http://schemas.openxmlformats.org/officeDocument/2006/relationships" r:blip="">
+                                  <dgm:adjLst/>
+                                </dgm:shape>
+                                <dgm:presOf/>
+                                <dgm:constrLst/>
+                                <dgm:ruleLst/>
+                              </dgm:layoutNode>
+                            </dgm:if>
+                            <dgm:else name="Name27"/>
+                          </dgm:choose>
+                          <dgm:layoutNode name="horzFour">
+                            <dgm:choose name="Name28">
+                              <dgm:if name="Name29" func="var" arg="dir" op="equ" val="norm">
+                                <dgm:alg type="lin">
+                                  <dgm:param type="linDir" val="fromL"/>
+                                  <dgm:param type="nodeVertAlign" val="b"/>
+                                </dgm:alg>
+                              </dgm:if>
+                              <dgm:else name="Name30">
+                                <dgm:alg type="lin">
+                                  <dgm:param type="linDir" val="fromR"/>
+                                  <dgm:param type="nodeVertAlign" val="b"/>
+                                </dgm:alg>
+                              </dgm:else>
+                            </dgm:choose>
+                            <dgm:shape xmlns:r="http://schemas.openxmlformats.org/officeDocument/2006/relationships" r:blip="">
+                              <dgm:adjLst/>
+                            </dgm:shape>
+                            <dgm:presOf/>
+                            <dgm:constrLst/>
+                            <dgm:ruleLst>
+                              <dgm:rule type="w" val="INF" fact="NaN" max="NaN"/>
+                            </dgm:ruleLst>
+                            <dgm:forEach name="Name31" ref="repeat"/>
+                          </dgm:layoutNode>
+                        </dgm:layoutNode>
+                        <dgm:choose name="Name32">
+                          <dgm:if name="Name33" axis="self" ptType="node" func="revPos" op="gte" val="2">
+                            <dgm:forEach name="Name34" axis="followSib" ptType="sibTrans" cnt="1">
+                              <dgm:layoutNode name="sibSpaceFour">
+                                <dgm:alg type="sp"/>
+                                <dgm:shape xmlns:r="http://schemas.openxmlformats.org/officeDocument/2006/relationships" r:blip="">
+                                  <dgm:adjLst/>
+                                </dgm:shape>
+                                <dgm:presOf/>
+                                <dgm:constrLst/>
+                                <dgm:ruleLst/>
+                              </dgm:layoutNode>
+                            </dgm:forEach>
+                          </dgm:if>
+                          <dgm:else name="Name35"/>
+                        </dgm:choose>
+                      </dgm:forEach>
+                    </dgm:layoutNode>
+                  </dgm:layoutNode>
+                  <dgm:choose name="Name36">
+                    <dgm:if name="Name37" axis="self" ptType="node" func="revPos" op="gte" val="2">
+                      <dgm:forEach name="Name38" axis="followSib" ptType="sibTrans" cnt="1">
+                        <dgm:layoutNode name="sibSpaceThree">
+                          <dgm:alg type="sp"/>
+                          <dgm:shape xmlns:r="http://schemas.openxmlformats.org/officeDocument/2006/relationships" r:blip="">
+                            <dgm:adjLst/>
+                          </dgm:shape>
+                          <dgm:presOf/>
+                          <dgm:constrLst/>
+                          <dgm:ruleLst/>
+                        </dgm:layoutNode>
+                      </dgm:forEach>
+                    </dgm:if>
+                    <dgm:else name="Name39"/>
+                  </dgm:choose>
+                </dgm:forEach>
+              </dgm:layoutNode>
+            </dgm:layoutNode>
+            <dgm:choose name="Name40">
+              <dgm:if name="Name41" axis="self" ptType="node" func="revPos" op="gte" val="2">
+                <dgm:forEach name="Name42" axis="followSib" ptType="sibTrans" cnt="1">
+                  <dgm:layoutNode name="sibSpaceTwo">
+                    <dgm:alg type="sp"/>
+                    <dgm:shape xmlns:r="http://schemas.openxmlformats.org/officeDocument/2006/relationships" r:blip="">
+                      <dgm:adjLst/>
+                    </dgm:shape>
+                    <dgm:presOf/>
+                    <dgm:constrLst/>
+                    <dgm:ruleLst/>
+                  </dgm:layoutNode>
+                </dgm:forEach>
+              </dgm:if>
+              <dgm:else name="Name43"/>
+            </dgm:choose>
+          </dgm:forEach>
+        </dgm:layoutNode>
+      </dgm:layoutNode>
+      <dgm:choose name="Name44">
+        <dgm:if name="Name45" axis="self" ptType="node" func="revPos" op="gte" val="2">
+          <dgm:forEach name="Name46" axis="followSib" ptType="sibTrans" cnt="1">
+            <dgm:layoutNode name="sibSpaceOne">
+              <dgm:alg type="sp"/>
+              <dgm:shape xmlns:r="http://schemas.openxmlformats.org/officeDocument/2006/relationships" r:blip="">
+                <dgm:adjLst/>
+              </dgm:shape>
+              <dgm:presOf/>
+              <dgm:constrLst/>
+              <dgm:ruleLst/>
+            </dgm:layoutNode>
+          </dgm:forEach>
+        </dgm:if>
+        <dgm:else name="Name47"/>
       </dgm:choose>
     </dgm:forEach>
   </dgm:layoutNode>
@@ -16429,6 +18495,173 @@
 </file>
 
 <file path=ppt/diagrams/layout8.xml><?xml version="1.0" encoding="utf-8"?>
+<dgm:layoutDef xmlns:dgm="http://schemas.openxmlformats.org/drawingml/2006/diagram" xmlns:a="http://schemas.openxmlformats.org/drawingml/2006/main" uniqueId="urn:microsoft.com/office/officeart/2005/8/layout/vList2">
+  <dgm:title val=""/>
+  <dgm:desc val=""/>
+  <dgm:catLst>
+    <dgm:cat type="list" pri="3000"/>
+    <dgm:cat type="convert" pri="1000"/>
+  </dgm:catLst>
+  <dgm:sampData>
+    <dgm:dataModel>
+      <dgm:ptLst>
+        <dgm:pt modelId="0" type="doc"/>
+        <dgm:pt modelId="1">
+          <dgm:prSet phldr="1"/>
+        </dgm:pt>
+        <dgm:pt modelId="11">
+          <dgm:prSet phldr="1"/>
+        </dgm:pt>
+        <dgm:pt modelId="2">
+          <dgm:prSet phldr="1"/>
+        </dgm:pt>
+        <dgm:pt modelId="21">
+          <dgm:prSet phldr="1"/>
+        </dgm:pt>
+      </dgm:ptLst>
+      <dgm:cxnLst>
+        <dgm:cxn modelId="4" srcId="0" destId="1" srcOrd="0" destOrd="0"/>
+        <dgm:cxn modelId="5" srcId="0" destId="2" srcOrd="1" destOrd="0"/>
+        <dgm:cxn modelId="12" srcId="1" destId="11" srcOrd="0" destOrd="0"/>
+        <dgm:cxn modelId="23" srcId="2" destId="21" srcOrd="0" destOrd="0"/>
+      </dgm:cxnLst>
+      <dgm:bg/>
+      <dgm:whole/>
+    </dgm:dataModel>
+  </dgm:sampData>
+  <dgm:styleData>
+    <dgm:dataModel>
+      <dgm:ptLst>
+        <dgm:pt modelId="0" type="doc"/>
+        <dgm:pt modelId="1"/>
+        <dgm:pt modelId="2"/>
+      </dgm:ptLst>
+      <dgm:cxnLst>
+        <dgm:cxn modelId="3" srcId="0" destId="1" srcOrd="0" destOrd="0"/>
+        <dgm:cxn modelId="4" srcId="0" destId="2" srcOrd="1" destOrd="0"/>
+      </dgm:cxnLst>
+      <dgm:bg/>
+      <dgm:whole/>
+    </dgm:dataModel>
+  </dgm:styleData>
+  <dgm:clrData>
+    <dgm:dataModel>
+      <dgm:ptLst>
+        <dgm:pt modelId="0" type="doc"/>
+        <dgm:pt modelId="1"/>
+        <dgm:pt modelId="2"/>
+        <dgm:pt modelId="3"/>
+        <dgm:pt modelId="4"/>
+      </dgm:ptLst>
+      <dgm:cxnLst>
+        <dgm:cxn modelId="5" srcId="0" destId="1" srcOrd="0" destOrd="0"/>
+        <dgm:cxn modelId="6" srcId="0" destId="2" srcOrd="1" destOrd="0"/>
+        <dgm:cxn modelId="7" srcId="0" destId="3" srcOrd="2" destOrd="0"/>
+        <dgm:cxn modelId="8" srcId="0" destId="4" srcOrd="3" destOrd="0"/>
+      </dgm:cxnLst>
+      <dgm:bg/>
+      <dgm:whole/>
+    </dgm:dataModel>
+  </dgm:clrData>
+  <dgm:layoutNode name="linear">
+    <dgm:varLst>
+      <dgm:animLvl val="lvl"/>
+      <dgm:resizeHandles val="exact"/>
+    </dgm:varLst>
+    <dgm:alg type="lin">
+      <dgm:param type="linDir" val="fromT"/>
+      <dgm:param type="vertAlign" val="mid"/>
+    </dgm:alg>
+    <dgm:shape xmlns:r="http://schemas.openxmlformats.org/officeDocument/2006/relationships" r:blip="">
+      <dgm:adjLst/>
+    </dgm:shape>
+    <dgm:presOf/>
+    <dgm:constrLst>
+      <dgm:constr type="w" for="ch" forName="parentText" refType="w"/>
+      <dgm:constr type="h" for="ch" forName="parentText" refType="primFontSz" refFor="ch" refForName="parentText" fact="0.52"/>
+      <dgm:constr type="w" for="ch" forName="childText" refType="w"/>
+      <dgm:constr type="h" for="ch" forName="childText" refType="primFontSz" refFor="ch" refForName="parentText" fact="0.46"/>
+      <dgm:constr type="h" for="ch" forName="parentText" op="equ"/>
+      <dgm:constr type="primFontSz" for="ch" forName="parentText" op="equ" val="65"/>
+      <dgm:constr type="primFontSz" for="ch" forName="childText" refType="primFontSz" refFor="ch" refForName="parentText" op="equ"/>
+      <dgm:constr type="h" for="ch" forName="spacer" refType="primFontSz" refFor="ch" refForName="parentText" fact="0.08"/>
+    </dgm:constrLst>
+    <dgm:ruleLst>
+      <dgm:rule type="primFontSz" for="ch" forName="parentText" val="5" fact="NaN" max="NaN"/>
+    </dgm:ruleLst>
+    <dgm:forEach name="Name0" axis="ch" ptType="node">
+      <dgm:layoutNode name="parentText" styleLbl="node1">
+        <dgm:varLst>
+          <dgm:chMax val="0"/>
+          <dgm:bulletEnabled val="1"/>
+        </dgm:varLst>
+        <dgm:alg type="tx">
+          <dgm:param type="parTxLTRAlign" val="l"/>
+          <dgm:param type="parTxRTLAlign" val="r"/>
+        </dgm:alg>
+        <dgm:shape xmlns:r="http://schemas.openxmlformats.org/officeDocument/2006/relationships" type="roundRect" r:blip="">
+          <dgm:adjLst/>
+        </dgm:shape>
+        <dgm:presOf axis="self"/>
+        <dgm:constrLst>
+          <dgm:constr type="tMarg" refType="primFontSz" fact="0.3"/>
+          <dgm:constr type="bMarg" refType="primFontSz" fact="0.3"/>
+          <dgm:constr type="lMarg" refType="primFontSz" fact="0.3"/>
+          <dgm:constr type="rMarg" refType="primFontSz" fact="0.3"/>
+        </dgm:constrLst>
+        <dgm:ruleLst>
+          <dgm:rule type="h" val="INF" fact="NaN" max="NaN"/>
+        </dgm:ruleLst>
+      </dgm:layoutNode>
+      <dgm:choose name="Name1">
+        <dgm:if name="Name2" axis="ch" ptType="node" func="cnt" op="gte" val="1">
+          <dgm:layoutNode name="childText" styleLbl="revTx">
+            <dgm:varLst>
+              <dgm:bulletEnabled val="1"/>
+            </dgm:varLst>
+            <dgm:alg type="tx">
+              <dgm:param type="stBulletLvl" val="1"/>
+              <dgm:param type="lnSpAfChP" val="20"/>
+            </dgm:alg>
+            <dgm:shape xmlns:r="http://schemas.openxmlformats.org/officeDocument/2006/relationships" type="rect" r:blip="">
+              <dgm:adjLst/>
+            </dgm:shape>
+            <dgm:presOf axis="des" ptType="node"/>
+            <dgm:constrLst>
+              <dgm:constr type="tMarg" refType="primFontSz" fact="0.1"/>
+              <dgm:constr type="bMarg" refType="primFontSz" fact="0.1"/>
+              <dgm:constr type="lMarg" refType="w" fact="0.09"/>
+            </dgm:constrLst>
+            <dgm:ruleLst>
+              <dgm:rule type="h" val="INF" fact="NaN" max="NaN"/>
+            </dgm:ruleLst>
+          </dgm:layoutNode>
+        </dgm:if>
+        <dgm:else name="Name3">
+          <dgm:choose name="Name4">
+            <dgm:if name="Name5" axis="par ch" ptType="doc node" func="cnt" op="gte" val="2">
+              <dgm:forEach name="Name6" axis="followSib" ptType="sibTrans" cnt="1">
+                <dgm:layoutNode name="spacer">
+                  <dgm:alg type="sp"/>
+                  <dgm:shape xmlns:r="http://schemas.openxmlformats.org/officeDocument/2006/relationships" r:blip="">
+                    <dgm:adjLst/>
+                  </dgm:shape>
+                  <dgm:presOf/>
+                  <dgm:constrLst/>
+                  <dgm:ruleLst/>
+                </dgm:layoutNode>
+              </dgm:forEach>
+            </dgm:if>
+            <dgm:else name="Name7"/>
+          </dgm:choose>
+        </dgm:else>
+      </dgm:choose>
+    </dgm:forEach>
+  </dgm:layoutNode>
+</dgm:layoutDef>
+</file>
+
+<file path=ppt/diagrams/layout9.xml><?xml version="1.0" encoding="utf-8"?>
 <dgm:layoutDef xmlns:dgm="http://schemas.openxmlformats.org/drawingml/2006/diagram" xmlns:a="http://schemas.openxmlformats.org/drawingml/2006/main" uniqueId="urn:microsoft.com/office/officeart/2018/2/layout/IconCircleList">
   <dgm:title val="Icon Circle List"/>
   <dgm:desc val="Use to show non-sequential or grouped chunks of information accompanied by related visuals. Circular shapes can hold an icon or small picture and corresponding text box shows Level 1 text. Works best for icons or small pictures with medium-length descriptions."/>
@@ -16640,174 +18873,1041 @@
 </dgm:layoutDef>
 </file>
 
-<file path=ppt/diagrams/layout9.xml><?xml version="1.0" encoding="utf-8"?>
-<dgm:layoutDef xmlns:dgm="http://schemas.openxmlformats.org/drawingml/2006/diagram" xmlns:a="http://schemas.openxmlformats.org/drawingml/2006/main" uniqueId="urn:microsoft.com/office/officeart/2005/8/layout/vList2">
+<file path=ppt/diagrams/quickStyle1.xml><?xml version="1.0" encoding="utf-8"?>
+<dgm:styleDef xmlns:dgm="http://schemas.openxmlformats.org/drawingml/2006/diagram" xmlns:a="http://schemas.openxmlformats.org/drawingml/2006/main" uniqueId="urn:microsoft.com/office/officeart/2005/8/quickstyle/simple1">
   <dgm:title val=""/>
   <dgm:desc val=""/>
   <dgm:catLst>
-    <dgm:cat type="list" pri="3000"/>
-    <dgm:cat type="convert" pri="1000"/>
+    <dgm:cat type="simple" pri="10100"/>
   </dgm:catLst>
-  <dgm:sampData>
-    <dgm:dataModel>
-      <dgm:ptLst>
-        <dgm:pt modelId="0" type="doc"/>
-        <dgm:pt modelId="1">
-          <dgm:prSet phldr="1"/>
-        </dgm:pt>
-        <dgm:pt modelId="11">
-          <dgm:prSet phldr="1"/>
-        </dgm:pt>
-        <dgm:pt modelId="2">
-          <dgm:prSet phldr="1"/>
-        </dgm:pt>
-        <dgm:pt modelId="21">
-          <dgm:prSet phldr="1"/>
-        </dgm:pt>
-      </dgm:ptLst>
-      <dgm:cxnLst>
-        <dgm:cxn modelId="4" srcId="0" destId="1" srcOrd="0" destOrd="0"/>
-        <dgm:cxn modelId="5" srcId="0" destId="2" srcOrd="1" destOrd="0"/>
-        <dgm:cxn modelId="12" srcId="1" destId="11" srcOrd="0" destOrd="0"/>
-        <dgm:cxn modelId="23" srcId="2" destId="21" srcOrd="0" destOrd="0"/>
-      </dgm:cxnLst>
-      <dgm:bg/>
-      <dgm:whole/>
-    </dgm:dataModel>
-  </dgm:sampData>
-  <dgm:styleData>
-    <dgm:dataModel>
-      <dgm:ptLst>
-        <dgm:pt modelId="0" type="doc"/>
-        <dgm:pt modelId="1"/>
-        <dgm:pt modelId="2"/>
-      </dgm:ptLst>
-      <dgm:cxnLst>
-        <dgm:cxn modelId="3" srcId="0" destId="1" srcOrd="0" destOrd="0"/>
-        <dgm:cxn modelId="4" srcId="0" destId="2" srcOrd="1" destOrd="0"/>
-      </dgm:cxnLst>
-      <dgm:bg/>
-      <dgm:whole/>
-    </dgm:dataModel>
-  </dgm:styleData>
-  <dgm:clrData>
-    <dgm:dataModel>
-      <dgm:ptLst>
-        <dgm:pt modelId="0" type="doc"/>
-        <dgm:pt modelId="1"/>
-        <dgm:pt modelId="2"/>
-        <dgm:pt modelId="3"/>
-        <dgm:pt modelId="4"/>
-      </dgm:ptLst>
-      <dgm:cxnLst>
-        <dgm:cxn modelId="5" srcId="0" destId="1" srcOrd="0" destOrd="0"/>
-        <dgm:cxn modelId="6" srcId="0" destId="2" srcOrd="1" destOrd="0"/>
-        <dgm:cxn modelId="7" srcId="0" destId="3" srcOrd="2" destOrd="0"/>
-        <dgm:cxn modelId="8" srcId="0" destId="4" srcOrd="3" destOrd="0"/>
-      </dgm:cxnLst>
-      <dgm:bg/>
-      <dgm:whole/>
-    </dgm:dataModel>
-  </dgm:clrData>
-  <dgm:layoutNode name="linear">
-    <dgm:varLst>
-      <dgm:animLvl val="lvl"/>
-      <dgm:resizeHandles val="exact"/>
-    </dgm:varLst>
-    <dgm:alg type="lin">
-      <dgm:param type="linDir" val="fromT"/>
-      <dgm:param type="vertAlign" val="mid"/>
-    </dgm:alg>
-    <dgm:shape xmlns:r="http://schemas.openxmlformats.org/officeDocument/2006/relationships" r:blip="">
-      <dgm:adjLst/>
-    </dgm:shape>
-    <dgm:presOf/>
-    <dgm:constrLst>
-      <dgm:constr type="w" for="ch" forName="parentText" refType="w"/>
-      <dgm:constr type="h" for="ch" forName="parentText" refType="primFontSz" refFor="ch" refForName="parentText" fact="0.52"/>
-      <dgm:constr type="w" for="ch" forName="childText" refType="w"/>
-      <dgm:constr type="h" for="ch" forName="childText" refType="primFontSz" refFor="ch" refForName="parentText" fact="0.46"/>
-      <dgm:constr type="h" for="ch" forName="parentText" op="equ"/>
-      <dgm:constr type="primFontSz" for="ch" forName="parentText" op="equ" val="65"/>
-      <dgm:constr type="primFontSz" for="ch" forName="childText" refType="primFontSz" refFor="ch" refForName="parentText" op="equ"/>
-      <dgm:constr type="h" for="ch" forName="spacer" refType="primFontSz" refFor="ch" refForName="parentText" fact="0.08"/>
-    </dgm:constrLst>
-    <dgm:ruleLst>
-      <dgm:rule type="primFontSz" for="ch" forName="parentText" val="5" fact="NaN" max="NaN"/>
-    </dgm:ruleLst>
-    <dgm:forEach name="Name0" axis="ch" ptType="node">
-      <dgm:layoutNode name="parentText" styleLbl="node1">
-        <dgm:varLst>
-          <dgm:chMax val="0"/>
-          <dgm:bulletEnabled val="1"/>
-        </dgm:varLst>
-        <dgm:alg type="tx">
-          <dgm:param type="parTxLTRAlign" val="l"/>
-          <dgm:param type="parTxRTLAlign" val="r"/>
-        </dgm:alg>
-        <dgm:shape xmlns:r="http://schemas.openxmlformats.org/officeDocument/2006/relationships" type="roundRect" r:blip="">
-          <dgm:adjLst/>
-        </dgm:shape>
-        <dgm:presOf axis="self"/>
-        <dgm:constrLst>
-          <dgm:constr type="tMarg" refType="primFontSz" fact="0.3"/>
-          <dgm:constr type="bMarg" refType="primFontSz" fact="0.3"/>
-          <dgm:constr type="lMarg" refType="primFontSz" fact="0.3"/>
-          <dgm:constr type="rMarg" refType="primFontSz" fact="0.3"/>
-        </dgm:constrLst>
-        <dgm:ruleLst>
-          <dgm:rule type="h" val="INF" fact="NaN" max="NaN"/>
-        </dgm:ruleLst>
-      </dgm:layoutNode>
-      <dgm:choose name="Name1">
-        <dgm:if name="Name2" axis="ch" ptType="node" func="cnt" op="gte" val="1">
-          <dgm:layoutNode name="childText" styleLbl="revTx">
-            <dgm:varLst>
-              <dgm:bulletEnabled val="1"/>
-            </dgm:varLst>
-            <dgm:alg type="tx">
-              <dgm:param type="stBulletLvl" val="1"/>
-              <dgm:param type="lnSpAfChP" val="20"/>
-            </dgm:alg>
-            <dgm:shape xmlns:r="http://schemas.openxmlformats.org/officeDocument/2006/relationships" type="rect" r:blip="">
-              <dgm:adjLst/>
-            </dgm:shape>
-            <dgm:presOf axis="des" ptType="node"/>
-            <dgm:constrLst>
-              <dgm:constr type="tMarg" refType="primFontSz" fact="0.1"/>
-              <dgm:constr type="bMarg" refType="primFontSz" fact="0.1"/>
-              <dgm:constr type="lMarg" refType="w" fact="0.09"/>
-            </dgm:constrLst>
-            <dgm:ruleLst>
-              <dgm:rule type="h" val="INF" fact="NaN" max="NaN"/>
-            </dgm:ruleLst>
-          </dgm:layoutNode>
-        </dgm:if>
-        <dgm:else name="Name3">
-          <dgm:choose name="Name4">
-            <dgm:if name="Name5" axis="par ch" ptType="doc node" func="cnt" op="gte" val="2">
-              <dgm:forEach name="Name6" axis="followSib" ptType="sibTrans" cnt="1">
-                <dgm:layoutNode name="spacer">
-                  <dgm:alg type="sp"/>
-                  <dgm:shape xmlns:r="http://schemas.openxmlformats.org/officeDocument/2006/relationships" r:blip="">
-                    <dgm:adjLst/>
-                  </dgm:shape>
-                  <dgm:presOf/>
-                  <dgm:constrLst/>
-                  <dgm:ruleLst/>
-                </dgm:layoutNode>
-              </dgm:forEach>
-            </dgm:if>
-            <dgm:else name="Name7"/>
-          </dgm:choose>
-        </dgm:else>
-      </dgm:choose>
-    </dgm:forEach>
-  </dgm:layoutNode>
-</dgm:layoutDef>
+  <dgm:scene3d>
+    <a:camera prst="orthographicFront"/>
+    <a:lightRig rig="threePt" dir="t"/>
+  </dgm:scene3d>
+  <dgm:styleLbl name="node0">
+    <dgm:scene3d>
+      <a:camera prst="orthographicFront"/>
+      <a:lightRig rig="threePt" dir="t"/>
+    </dgm:scene3d>
+    <dgm:sp3d/>
+    <dgm:txPr/>
+    <dgm:style>
+      <a:lnRef idx="2">
+        <a:scrgbClr r="0" g="0" b="0"/>
+      </a:lnRef>
+      <a:fillRef idx="1">
+        <a:scrgbClr r="0" g="0" b="0"/>
+      </a:fillRef>
+      <a:effectRef idx="0">
+        <a:scrgbClr r="0" g="0" b="0"/>
+      </a:effectRef>
+      <a:fontRef idx="minor">
+        <a:schemeClr val="lt1"/>
+      </a:fontRef>
+    </dgm:style>
+  </dgm:styleLbl>
+  <dgm:styleLbl name="lnNode1">
+    <dgm:scene3d>
+      <a:camera prst="orthographicFront"/>
+      <a:lightRig rig="threePt" dir="t"/>
+    </dgm:scene3d>
+    <dgm:sp3d/>
+    <dgm:txPr/>
+    <dgm:style>
+      <a:lnRef idx="2">
+        <a:scrgbClr r="0" g="0" b="0"/>
+      </a:lnRef>
+      <a:fillRef idx="1">
+        <a:scrgbClr r="0" g="0" b="0"/>
+      </a:fillRef>
+      <a:effectRef idx="0">
+        <a:scrgbClr r="0" g="0" b="0"/>
+      </a:effectRef>
+      <a:fontRef idx="minor">
+        <a:schemeClr val="lt1"/>
+      </a:fontRef>
+    </dgm:style>
+  </dgm:styleLbl>
+  <dgm:styleLbl name="vennNode1">
+    <dgm:scene3d>
+      <a:camera prst="orthographicFront"/>
+      <a:lightRig rig="threePt" dir="t"/>
+    </dgm:scene3d>
+    <dgm:sp3d/>
+    <dgm:txPr/>
+    <dgm:style>
+      <a:lnRef idx="2">
+        <a:scrgbClr r="0" g="0" b="0"/>
+      </a:lnRef>
+      <a:fillRef idx="1">
+        <a:scrgbClr r="0" g="0" b="0"/>
+      </a:fillRef>
+      <a:effectRef idx="0">
+        <a:scrgbClr r="0" g="0" b="0"/>
+      </a:effectRef>
+      <a:fontRef idx="minor">
+        <a:schemeClr val="tx1"/>
+      </a:fontRef>
+    </dgm:style>
+  </dgm:styleLbl>
+  <dgm:styleLbl name="alignNode1">
+    <dgm:scene3d>
+      <a:camera prst="orthographicFront"/>
+      <a:lightRig rig="threePt" dir="t"/>
+    </dgm:scene3d>
+    <dgm:sp3d/>
+    <dgm:txPr/>
+    <dgm:style>
+      <a:lnRef idx="2">
+        <a:scrgbClr r="0" g="0" b="0"/>
+      </a:lnRef>
+      <a:fillRef idx="1">
+        <a:scrgbClr r="0" g="0" b="0"/>
+      </a:fillRef>
+      <a:effectRef idx="0">
+        <a:scrgbClr r="0" g="0" b="0"/>
+      </a:effectRef>
+      <a:fontRef idx="minor">
+        <a:schemeClr val="lt1"/>
+      </a:fontRef>
+    </dgm:style>
+  </dgm:styleLbl>
+  <dgm:styleLbl name="node1">
+    <dgm:scene3d>
+      <a:camera prst="orthographicFront"/>
+      <a:lightRig rig="threePt" dir="t"/>
+    </dgm:scene3d>
+    <dgm:sp3d/>
+    <dgm:txPr/>
+    <dgm:style>
+      <a:lnRef idx="2">
+        <a:scrgbClr r="0" g="0" b="0"/>
+      </a:lnRef>
+      <a:fillRef idx="1">
+        <a:scrgbClr r="0" g="0" b="0"/>
+      </a:fillRef>
+      <a:effectRef idx="0">
+        <a:scrgbClr r="0" g="0" b="0"/>
+      </a:effectRef>
+      <a:fontRef idx="minor">
+        <a:schemeClr val="lt1"/>
+      </a:fontRef>
+    </dgm:style>
+  </dgm:styleLbl>
+  <dgm:styleLbl name="node2">
+    <dgm:scene3d>
+      <a:camera prst="orthographicFront"/>
+      <a:lightRig rig="threePt" dir="t"/>
+    </dgm:scene3d>
+    <dgm:sp3d/>
+    <dgm:txPr/>
+    <dgm:style>
+      <a:lnRef idx="2">
+        <a:scrgbClr r="0" g="0" b="0"/>
+      </a:lnRef>
+      <a:fillRef idx="1">
+        <a:scrgbClr r="0" g="0" b="0"/>
+      </a:fillRef>
+      <a:effectRef idx="0">
+        <a:scrgbClr r="0" g="0" b="0"/>
+      </a:effectRef>
+      <a:fontRef idx="minor">
+        <a:schemeClr val="lt1"/>
+      </a:fontRef>
+    </dgm:style>
+  </dgm:styleLbl>
+  <dgm:styleLbl name="node3">
+    <dgm:scene3d>
+      <a:camera prst="orthographicFront"/>
+      <a:lightRig rig="threePt" dir="t"/>
+    </dgm:scene3d>
+    <dgm:sp3d/>
+    <dgm:txPr/>
+    <dgm:style>
+      <a:lnRef idx="2">
+        <a:scrgbClr r="0" g="0" b="0"/>
+      </a:lnRef>
+      <a:fillRef idx="1">
+        <a:scrgbClr r="0" g="0" b="0"/>
+      </a:fillRef>
+      <a:effectRef idx="0">
+        <a:scrgbClr r="0" g="0" b="0"/>
+      </a:effectRef>
+      <a:fontRef idx="minor">
+        <a:schemeClr val="lt1"/>
+      </a:fontRef>
+    </dgm:style>
+  </dgm:styleLbl>
+  <dgm:styleLbl name="node4">
+    <dgm:scene3d>
+      <a:camera prst="orthographicFront"/>
+      <a:lightRig rig="threePt" dir="t"/>
+    </dgm:scene3d>
+    <dgm:sp3d/>
+    <dgm:txPr/>
+    <dgm:style>
+      <a:lnRef idx="2">
+        <a:scrgbClr r="0" g="0" b="0"/>
+      </a:lnRef>
+      <a:fillRef idx="1">
+        <a:scrgbClr r="0" g="0" b="0"/>
+      </a:fillRef>
+      <a:effectRef idx="0">
+        <a:scrgbClr r="0" g="0" b="0"/>
+      </a:effectRef>
+      <a:fontRef idx="minor">
+        <a:schemeClr val="lt1"/>
+      </a:fontRef>
+    </dgm:style>
+  </dgm:styleLbl>
+  <dgm:styleLbl name="fgImgPlace1">
+    <dgm:scene3d>
+      <a:camera prst="orthographicFront"/>
+      <a:lightRig rig="threePt" dir="t"/>
+    </dgm:scene3d>
+    <dgm:sp3d/>
+    <dgm:txPr/>
+    <dgm:style>
+      <a:lnRef idx="2">
+        <a:scrgbClr r="0" g="0" b="0"/>
+      </a:lnRef>
+      <a:fillRef idx="1">
+        <a:scrgbClr r="0" g="0" b="0"/>
+      </a:fillRef>
+      <a:effectRef idx="0">
+        <a:scrgbClr r="0" g="0" b="0"/>
+      </a:effectRef>
+      <a:fontRef idx="minor"/>
+    </dgm:style>
+  </dgm:styleLbl>
+  <dgm:styleLbl name="alignImgPlace1">
+    <dgm:scene3d>
+      <a:camera prst="orthographicFront"/>
+      <a:lightRig rig="threePt" dir="t"/>
+    </dgm:scene3d>
+    <dgm:sp3d/>
+    <dgm:txPr/>
+    <dgm:style>
+      <a:lnRef idx="2">
+        <a:scrgbClr r="0" g="0" b="0"/>
+      </a:lnRef>
+      <a:fillRef idx="1">
+        <a:scrgbClr r="0" g="0" b="0"/>
+      </a:fillRef>
+      <a:effectRef idx="0">
+        <a:scrgbClr r="0" g="0" b="0"/>
+      </a:effectRef>
+      <a:fontRef idx="minor"/>
+    </dgm:style>
+  </dgm:styleLbl>
+  <dgm:styleLbl name="bgImgPlace1">
+    <dgm:scene3d>
+      <a:camera prst="orthographicFront"/>
+      <a:lightRig rig="threePt" dir="t"/>
+    </dgm:scene3d>
+    <dgm:sp3d/>
+    <dgm:txPr/>
+    <dgm:style>
+      <a:lnRef idx="2">
+        <a:scrgbClr r="0" g="0" b="0"/>
+      </a:lnRef>
+      <a:fillRef idx="1">
+        <a:scrgbClr r="0" g="0" b="0"/>
+      </a:fillRef>
+      <a:effectRef idx="0">
+        <a:scrgbClr r="0" g="0" b="0"/>
+      </a:effectRef>
+      <a:fontRef idx="minor"/>
+    </dgm:style>
+  </dgm:styleLbl>
+  <dgm:styleLbl name="sibTrans2D1">
+    <dgm:scene3d>
+      <a:camera prst="orthographicFront"/>
+      <a:lightRig rig="threePt" dir="t"/>
+    </dgm:scene3d>
+    <dgm:sp3d/>
+    <dgm:txPr/>
+    <dgm:style>
+      <a:lnRef idx="0">
+        <a:scrgbClr r="0" g="0" b="0"/>
+      </a:lnRef>
+      <a:fillRef idx="1">
+        <a:scrgbClr r="0" g="0" b="0"/>
+      </a:fillRef>
+      <a:effectRef idx="0">
+        <a:scrgbClr r="0" g="0" b="0"/>
+      </a:effectRef>
+      <a:fontRef idx="minor">
+        <a:schemeClr val="lt1"/>
+      </a:fontRef>
+    </dgm:style>
+  </dgm:styleLbl>
+  <dgm:styleLbl name="fgSibTrans2D1">
+    <dgm:scene3d>
+      <a:camera prst="orthographicFront"/>
+      <a:lightRig rig="threePt" dir="t"/>
+    </dgm:scene3d>
+    <dgm:sp3d/>
+    <dgm:txPr/>
+    <dgm:style>
+      <a:lnRef idx="0">
+        <a:scrgbClr r="0" g="0" b="0"/>
+      </a:lnRef>
+      <a:fillRef idx="1">
+        <a:scrgbClr r="0" g="0" b="0"/>
+      </a:fillRef>
+      <a:effectRef idx="0">
+        <a:scrgbClr r="0" g="0" b="0"/>
+      </a:effectRef>
+      <a:fontRef idx="minor">
+        <a:schemeClr val="lt1"/>
+      </a:fontRef>
+    </dgm:style>
+  </dgm:styleLbl>
+  <dgm:styleLbl name="bgSibTrans2D1">
+    <dgm:scene3d>
+      <a:camera prst="orthographicFront"/>
+      <a:lightRig rig="threePt" dir="t"/>
+    </dgm:scene3d>
+    <dgm:sp3d/>
+    <dgm:txPr/>
+    <dgm:style>
+      <a:lnRef idx="0">
+        <a:scrgbClr r="0" g="0" b="0"/>
+      </a:lnRef>
+      <a:fillRef idx="1">
+        <a:scrgbClr r="0" g="0" b="0"/>
+      </a:fillRef>
+      <a:effectRef idx="0">
+        <a:scrgbClr r="0" g="0" b="0"/>
+      </a:effectRef>
+      <a:fontRef idx="minor">
+        <a:schemeClr val="lt1"/>
+      </a:fontRef>
+    </dgm:style>
+  </dgm:styleLbl>
+  <dgm:styleLbl name="sibTrans1D1">
+    <dgm:scene3d>
+      <a:camera prst="orthographicFront"/>
+      <a:lightRig rig="threePt" dir="t"/>
+    </dgm:scene3d>
+    <dgm:sp3d/>
+    <dgm:txPr/>
+    <dgm:style>
+      <a:lnRef idx="1">
+        <a:scrgbClr r="0" g="0" b="0"/>
+      </a:lnRef>
+      <a:fillRef idx="0">
+        <a:scrgbClr r="0" g="0" b="0"/>
+      </a:fillRef>
+      <a:effectRef idx="0">
+        <a:scrgbClr r="0" g="0" b="0"/>
+      </a:effectRef>
+      <a:fontRef idx="minor"/>
+    </dgm:style>
+  </dgm:styleLbl>
+  <dgm:styleLbl name="callout">
+    <dgm:scene3d>
+      <a:camera prst="orthographicFront"/>
+      <a:lightRig rig="threePt" dir="t"/>
+    </dgm:scene3d>
+    <dgm:sp3d/>
+    <dgm:txPr/>
+    <dgm:style>
+      <a:lnRef idx="2">
+        <a:scrgbClr r="0" g="0" b="0"/>
+      </a:lnRef>
+      <a:fillRef idx="1">
+        <a:scrgbClr r="0" g="0" b="0"/>
+      </a:fillRef>
+      <a:effectRef idx="0">
+        <a:scrgbClr r="0" g="0" b="0"/>
+      </a:effectRef>
+      <a:fontRef idx="minor"/>
+    </dgm:style>
+  </dgm:styleLbl>
+  <dgm:styleLbl name="asst0">
+    <dgm:scene3d>
+      <a:camera prst="orthographicFront"/>
+      <a:lightRig rig="threePt" dir="t"/>
+    </dgm:scene3d>
+    <dgm:sp3d/>
+    <dgm:txPr/>
+    <dgm:style>
+      <a:lnRef idx="2">
+        <a:scrgbClr r="0" g="0" b="0"/>
+      </a:lnRef>
+      <a:fillRef idx="1">
+        <a:scrgbClr r="0" g="0" b="0"/>
+      </a:fillRef>
+      <a:effectRef idx="0">
+        <a:scrgbClr r="0" g="0" b="0"/>
+      </a:effectRef>
+      <a:fontRef idx="minor">
+        <a:schemeClr val="lt1"/>
+      </a:fontRef>
+    </dgm:style>
+  </dgm:styleLbl>
+  <dgm:styleLbl name="asst1">
+    <dgm:scene3d>
+      <a:camera prst="orthographicFront"/>
+      <a:lightRig rig="threePt" dir="t"/>
+    </dgm:scene3d>
+    <dgm:sp3d/>
+    <dgm:txPr/>
+    <dgm:style>
+      <a:lnRef idx="2">
+        <a:scrgbClr r="0" g="0" b="0"/>
+      </a:lnRef>
+      <a:fillRef idx="1">
+        <a:scrgbClr r="0" g="0" b="0"/>
+      </a:fillRef>
+      <a:effectRef idx="0">
+        <a:scrgbClr r="0" g="0" b="0"/>
+      </a:effectRef>
+      <a:fontRef idx="minor">
+        <a:schemeClr val="lt1"/>
+      </a:fontRef>
+    </dgm:style>
+  </dgm:styleLbl>
+  <dgm:styleLbl name="asst2">
+    <dgm:scene3d>
+      <a:camera prst="orthographicFront"/>
+      <a:lightRig rig="threePt" dir="t"/>
+    </dgm:scene3d>
+    <dgm:sp3d/>
+    <dgm:txPr/>
+    <dgm:style>
+      <a:lnRef idx="2">
+        <a:scrgbClr r="0" g="0" b="0"/>
+      </a:lnRef>
+      <a:fillRef idx="1">
+        <a:scrgbClr r="0" g="0" b="0"/>
+      </a:fillRef>
+      <a:effectRef idx="0">
+        <a:scrgbClr r="0" g="0" b="0"/>
+      </a:effectRef>
+      <a:fontRef idx="minor">
+        <a:schemeClr val="lt1"/>
+      </a:fontRef>
+    </dgm:style>
+  </dgm:styleLbl>
+  <dgm:styleLbl name="asst3">
+    <dgm:scene3d>
+      <a:camera prst="orthographicFront"/>
+      <a:lightRig rig="threePt" dir="t"/>
+    </dgm:scene3d>
+    <dgm:sp3d/>
+    <dgm:txPr/>
+    <dgm:style>
+      <a:lnRef idx="2">
+        <a:scrgbClr r="0" g="0" b="0"/>
+      </a:lnRef>
+      <a:fillRef idx="1">
+        <a:scrgbClr r="0" g="0" b="0"/>
+      </a:fillRef>
+      <a:effectRef idx="0">
+        <a:scrgbClr r="0" g="0" b="0"/>
+      </a:effectRef>
+      <a:fontRef idx="minor">
+        <a:schemeClr val="lt1"/>
+      </a:fontRef>
+    </dgm:style>
+  </dgm:styleLbl>
+  <dgm:styleLbl name="asst4">
+    <dgm:scene3d>
+      <a:camera prst="orthographicFront"/>
+      <a:lightRig rig="threePt" dir="t"/>
+    </dgm:scene3d>
+    <dgm:sp3d/>
+    <dgm:txPr/>
+    <dgm:style>
+      <a:lnRef idx="2">
+        <a:scrgbClr r="0" g="0" b="0"/>
+      </a:lnRef>
+      <a:fillRef idx="1">
+        <a:scrgbClr r="0" g="0" b="0"/>
+      </a:fillRef>
+      <a:effectRef idx="0">
+        <a:scrgbClr r="0" g="0" b="0"/>
+      </a:effectRef>
+      <a:fontRef idx="minor">
+        <a:schemeClr val="lt1"/>
+      </a:fontRef>
+    </dgm:style>
+  </dgm:styleLbl>
+  <dgm:styleLbl name="parChTrans2D1">
+    <dgm:scene3d>
+      <a:camera prst="orthographicFront"/>
+      <a:lightRig rig="threePt" dir="t"/>
+    </dgm:scene3d>
+    <dgm:sp3d/>
+    <dgm:txPr/>
+    <dgm:style>
+      <a:lnRef idx="2">
+        <a:scrgbClr r="0" g="0" b="0"/>
+      </a:lnRef>
+      <a:fillRef idx="1">
+        <a:scrgbClr r="0" g="0" b="0"/>
+      </a:fillRef>
+      <a:effectRef idx="0">
+        <a:scrgbClr r="0" g="0" b="0"/>
+      </a:effectRef>
+      <a:fontRef idx="minor">
+        <a:schemeClr val="lt1"/>
+      </a:fontRef>
+    </dgm:style>
+  </dgm:styleLbl>
+  <dgm:styleLbl name="parChTrans2D2">
+    <dgm:scene3d>
+      <a:camera prst="orthographicFront"/>
+      <a:lightRig rig="threePt" dir="t"/>
+    </dgm:scene3d>
+    <dgm:sp3d/>
+    <dgm:txPr/>
+    <dgm:style>
+      <a:lnRef idx="2">
+        <a:scrgbClr r="0" g="0" b="0"/>
+      </a:lnRef>
+      <a:fillRef idx="1">
+        <a:scrgbClr r="0" g="0" b="0"/>
+      </a:fillRef>
+      <a:effectRef idx="0">
+        <a:scrgbClr r="0" g="0" b="0"/>
+      </a:effectRef>
+      <a:fontRef idx="minor">
+        <a:schemeClr val="lt1"/>
+      </a:fontRef>
+    </dgm:style>
+  </dgm:styleLbl>
+  <dgm:styleLbl name="parChTrans2D3">
+    <dgm:scene3d>
+      <a:camera prst="orthographicFront"/>
+      <a:lightRig rig="threePt" dir="t"/>
+    </dgm:scene3d>
+    <dgm:sp3d/>
+    <dgm:txPr/>
+    <dgm:style>
+      <a:lnRef idx="2">
+        <a:scrgbClr r="0" g="0" b="0"/>
+      </a:lnRef>
+      <a:fillRef idx="1">
+        <a:scrgbClr r="0" g="0" b="0"/>
+      </a:fillRef>
+      <a:effectRef idx="0">
+        <a:scrgbClr r="0" g="0" b="0"/>
+      </a:effectRef>
+      <a:fontRef idx="minor">
+        <a:schemeClr val="lt1"/>
+      </a:fontRef>
+    </dgm:style>
+  </dgm:styleLbl>
+  <dgm:styleLbl name="parChTrans2D4">
+    <dgm:scene3d>
+      <a:camera prst="orthographicFront"/>
+      <a:lightRig rig="threePt" dir="t"/>
+    </dgm:scene3d>
+    <dgm:sp3d/>
+    <dgm:txPr/>
+    <dgm:style>
+      <a:lnRef idx="2">
+        <a:scrgbClr r="0" g="0" b="0"/>
+      </a:lnRef>
+      <a:fillRef idx="1">
+        <a:scrgbClr r="0" g="0" b="0"/>
+      </a:fillRef>
+      <a:effectRef idx="0">
+        <a:scrgbClr r="0" g="0" b="0"/>
+      </a:effectRef>
+      <a:fontRef idx="minor">
+        <a:schemeClr val="lt1"/>
+      </a:fontRef>
+    </dgm:style>
+  </dgm:styleLbl>
+  <dgm:styleLbl name="parChTrans1D1">
+    <dgm:scene3d>
+      <a:camera prst="orthographicFront"/>
+      <a:lightRig rig="threePt" dir="t"/>
+    </dgm:scene3d>
+    <dgm:sp3d/>
+    <dgm:txPr/>
+    <dgm:style>
+      <a:lnRef idx="2">
+        <a:scrgbClr r="0" g="0" b="0"/>
+      </a:lnRef>
+      <a:fillRef idx="0">
+        <a:scrgbClr r="0" g="0" b="0"/>
+      </a:fillRef>
+      <a:effectRef idx="0">
+        <a:scrgbClr r="0" g="0" b="0"/>
+      </a:effectRef>
+      <a:fontRef idx="minor"/>
+    </dgm:style>
+  </dgm:styleLbl>
+  <dgm:styleLbl name="parChTrans1D2">
+    <dgm:scene3d>
+      <a:camera prst="orthographicFront"/>
+      <a:lightRig rig="threePt" dir="t"/>
+    </dgm:scene3d>
+    <dgm:sp3d/>
+    <dgm:txPr/>
+    <dgm:style>
+      <a:lnRef idx="2">
+        <a:scrgbClr r="0" g="0" b="0"/>
+      </a:lnRef>
+      <a:fillRef idx="0">
+        <a:scrgbClr r="0" g="0" b="0"/>
+      </a:fillRef>
+      <a:effectRef idx="0">
+        <a:scrgbClr r="0" g="0" b="0"/>
+      </a:effectRef>
+      <a:fontRef idx="minor"/>
+    </dgm:style>
+  </dgm:styleLbl>
+  <dgm:styleLbl name="parChTrans1D3">
+    <dgm:scene3d>
+      <a:camera prst="orthographicFront"/>
+      <a:lightRig rig="threePt" dir="t"/>
+    </dgm:scene3d>
+    <dgm:sp3d/>
+    <dgm:txPr/>
+    <dgm:style>
+      <a:lnRef idx="2">
+        <a:scrgbClr r="0" g="0" b="0"/>
+      </a:lnRef>
+      <a:fillRef idx="0">
+        <a:scrgbClr r="0" g="0" b="0"/>
+      </a:fillRef>
+      <a:effectRef idx="0">
+        <a:scrgbClr r="0" g="0" b="0"/>
+      </a:effectRef>
+      <a:fontRef idx="minor"/>
+    </dgm:style>
+  </dgm:styleLbl>
+  <dgm:styleLbl name="parChTrans1D4">
+    <dgm:scene3d>
+      <a:camera prst="orthographicFront"/>
+      <a:lightRig rig="threePt" dir="t"/>
+    </dgm:scene3d>
+    <dgm:sp3d/>
+    <dgm:txPr/>
+    <dgm:style>
+      <a:lnRef idx="2">
+        <a:scrgbClr r="0" g="0" b="0"/>
+      </a:lnRef>
+      <a:fillRef idx="0">
+        <a:scrgbClr r="0" g="0" b="0"/>
+      </a:fillRef>
+      <a:effectRef idx="0">
+        <a:scrgbClr r="0" g="0" b="0"/>
+      </a:effectRef>
+      <a:fontRef idx="minor"/>
+    </dgm:style>
+  </dgm:styleLbl>
+  <dgm:styleLbl name="fgAcc1">
+    <dgm:scene3d>
+      <a:camera prst="orthographicFront"/>
+      <a:lightRig rig="threePt" dir="t"/>
+    </dgm:scene3d>
+    <dgm:sp3d/>
+    <dgm:txPr/>
+    <dgm:style>
+      <a:lnRef idx="2">
+        <a:scrgbClr r="0" g="0" b="0"/>
+      </a:lnRef>
+      <a:fillRef idx="1">
+        <a:scrgbClr r="0" g="0" b="0"/>
+      </a:fillRef>
+      <a:effectRef idx="0">
+        <a:scrgbClr r="0" g="0" b="0"/>
+      </a:effectRef>
+      <a:fontRef idx="minor"/>
+    </dgm:style>
+  </dgm:styleLbl>
+  <dgm:styleLbl name="conFgAcc1">
+    <dgm:scene3d>
+      <a:camera prst="orthographicFront"/>
+      <a:lightRig rig="threePt" dir="t"/>
+    </dgm:scene3d>
+    <dgm:sp3d/>
+    <dgm:txPr/>
+    <dgm:style>
+      <a:lnRef idx="2">
+        <a:scrgbClr r="0" g="0" b="0"/>
+      </a:lnRef>
+      <a:fillRef idx="1">
+        <a:scrgbClr r="0" g="0" b="0"/>
+      </a:fillRef>
+      <a:effectRef idx="0">
+        <a:scrgbClr r="0" g="0" b="0"/>
+      </a:effectRef>
+      <a:fontRef idx="minor"/>
+    </dgm:style>
+  </dgm:styleLbl>
+  <dgm:styleLbl name="alignAcc1">
+    <dgm:scene3d>
+      <a:camera prst="orthographicFront"/>
+      <a:lightRig rig="threePt" dir="t"/>
+    </dgm:scene3d>
+    <dgm:sp3d/>
+    <dgm:txPr/>
+    <dgm:style>
+      <a:lnRef idx="2">
+        <a:scrgbClr r="0" g="0" b="0"/>
+      </a:lnRef>
+      <a:fillRef idx="1">
+        <a:scrgbClr r="0" g="0" b="0"/>
+      </a:fillRef>
+      <a:effectRef idx="0">
+        <a:scrgbClr r="0" g="0" b="0"/>
+      </a:effectRef>
+      <a:fontRef idx="minor"/>
+    </dgm:style>
+  </dgm:styleLbl>
+  <dgm:styleLbl name="trAlignAcc1">
+    <dgm:scene3d>
+      <a:camera prst="orthographicFront"/>
+      <a:lightRig rig="threePt" dir="t"/>
+    </dgm:scene3d>
+    <dgm:sp3d/>
+    <dgm:txPr/>
+    <dgm:style>
+      <a:lnRef idx="1">
+        <a:scrgbClr r="0" g="0" b="0"/>
+      </a:lnRef>
+      <a:fillRef idx="1">
+        <a:scrgbClr r="0" g="0" b="0"/>
+      </a:fillRef>
+      <a:effectRef idx="0">
+        <a:scrgbClr r="0" g="0" b="0"/>
+      </a:effectRef>
+      <a:fontRef idx="minor"/>
+    </dgm:style>
+  </dgm:styleLbl>
+  <dgm:styleLbl name="bgAcc1">
+    <dgm:scene3d>
+      <a:camera prst="orthographicFront"/>
+      <a:lightRig rig="threePt" dir="t"/>
+    </dgm:scene3d>
+    <dgm:sp3d/>
+    <dgm:txPr/>
+    <dgm:style>
+      <a:lnRef idx="2">
+        <a:scrgbClr r="0" g="0" b="0"/>
+      </a:lnRef>
+      <a:fillRef idx="1">
+        <a:scrgbClr r="0" g="0" b="0"/>
+      </a:fillRef>
+      <a:effectRef idx="0">
+        <a:scrgbClr r="0" g="0" b="0"/>
+      </a:effectRef>
+      <a:fontRef idx="minor"/>
+    </dgm:style>
+  </dgm:styleLbl>
+  <dgm:styleLbl name="solidFgAcc1">
+    <dgm:scene3d>
+      <a:camera prst="orthographicFront"/>
+      <a:lightRig rig="threePt" dir="t"/>
+    </dgm:scene3d>
+    <dgm:sp3d/>
+    <dgm:txPr/>
+    <dgm:style>
+      <a:lnRef idx="2">
+        <a:scrgbClr r="0" g="0" b="0"/>
+      </a:lnRef>
+      <a:fillRef idx="1">
+        <a:scrgbClr r="0" g="0" b="0"/>
+      </a:fillRef>
+      <a:effectRef idx="0">
+        <a:scrgbClr r="0" g="0" b="0"/>
+      </a:effectRef>
+      <a:fontRef idx="minor"/>
+    </dgm:style>
+  </dgm:styleLbl>
+  <dgm:styleLbl name="solidAlignAcc1">
+    <dgm:scene3d>
+      <a:camera prst="orthographicFront"/>
+      <a:lightRig rig="threePt" dir="t"/>
+    </dgm:scene3d>
+    <dgm:sp3d/>
+    <dgm:txPr/>
+    <dgm:style>
+      <a:lnRef idx="2">
+        <a:scrgbClr r="0" g="0" b="0"/>
+      </a:lnRef>
+      <a:fillRef idx="1">
+        <a:scrgbClr r="0" g="0" b="0"/>
+      </a:fillRef>
+      <a:effectRef idx="0">
+        <a:scrgbClr r="0" g="0" b="0"/>
+      </a:effectRef>
+      <a:fontRef idx="minor"/>
+    </dgm:style>
+  </dgm:styleLbl>
+  <dgm:styleLbl name="solidBgAcc1">
+    <dgm:scene3d>
+      <a:camera prst="orthographicFront"/>
+      <a:lightRig rig="threePt" dir="t"/>
+    </dgm:scene3d>
+    <dgm:sp3d/>
+    <dgm:txPr/>
+    <dgm:style>
+      <a:lnRef idx="2">
+        <a:scrgbClr r="0" g="0" b="0"/>
+      </a:lnRef>
+      <a:fillRef idx="1">
+        <a:scrgbClr r="0" g="0" b="0"/>
+      </a:fillRef>
+      <a:effectRef idx="0">
+        <a:scrgbClr r="0" g="0" b="0"/>
+      </a:effectRef>
+      <a:fontRef idx="minor"/>
+    </dgm:style>
+  </dgm:styleLbl>
+  <dgm:styleLbl name="fgAccFollowNode1">
+    <dgm:scene3d>
+      <a:camera prst="orthographicFront"/>
+      <a:lightRig rig="threePt" dir="t"/>
+    </dgm:scene3d>
+    <dgm:sp3d/>
+    <dgm:txPr/>
+    <dgm:style>
+      <a:lnRef idx="2">
+        <a:scrgbClr r="0" g="0" b="0"/>
+      </a:lnRef>
+      <a:fillRef idx="1">
+        <a:scrgbClr r="0" g="0" b="0"/>
+      </a:fillRef>
+      <a:effectRef idx="0">
+        <a:scrgbClr r="0" g="0" b="0"/>
+      </a:effectRef>
+      <a:fontRef idx="minor"/>
+    </dgm:style>
+  </dgm:styleLbl>
+  <dgm:styleLbl name="alignAccFollowNode1">
+    <dgm:scene3d>
+      <a:camera prst="orthographicFront"/>
+      <a:lightRig rig="threePt" dir="t"/>
+    </dgm:scene3d>
+    <dgm:sp3d/>
+    <dgm:txPr/>
+    <dgm:style>
+      <a:lnRef idx="2">
+        <a:scrgbClr r="0" g="0" b="0"/>
+      </a:lnRef>
+      <a:fillRef idx="1">
+        <a:scrgbClr r="0" g="0" b="0"/>
+      </a:fillRef>
+      <a:effectRef idx="0">
+        <a:scrgbClr r="0" g="0" b="0"/>
+      </a:effectRef>
+      <a:fontRef idx="minor"/>
+    </dgm:style>
+  </dgm:styleLbl>
+  <dgm:styleLbl name="bgAccFollowNode1">
+    <dgm:scene3d>
+      <a:camera prst="orthographicFront"/>
+      <a:lightRig rig="threePt" dir="t"/>
+    </dgm:scene3d>
+    <dgm:sp3d/>
+    <dgm:txPr/>
+    <dgm:style>
+      <a:lnRef idx="2">
+        <a:scrgbClr r="0" g="0" b="0"/>
+      </a:lnRef>
+      <a:fillRef idx="1">
+        <a:scrgbClr r="0" g="0" b="0"/>
+      </a:fillRef>
+      <a:effectRef idx="0">
+        <a:scrgbClr r="0" g="0" b="0"/>
+      </a:effectRef>
+      <a:fontRef idx="minor"/>
+    </dgm:style>
+  </dgm:styleLbl>
+  <dgm:styleLbl name="fgAcc0">
+    <dgm:scene3d>
+      <a:camera prst="orthographicFront"/>
+      <a:lightRig rig="threePt" dir="t"/>
+    </dgm:scene3d>
+    <dgm:sp3d/>
+    <dgm:txPr/>
+    <dgm:style>
+      <a:lnRef idx="2">
+        <a:scrgbClr r="0" g="0" b="0"/>
+      </a:lnRef>
+      <a:fillRef idx="1">
+        <a:scrgbClr r="0" g="0" b="0"/>
+      </a:fillRef>
+      <a:effectRef idx="0">
+        <a:scrgbClr r="0" g="0" b="0"/>
+      </a:effectRef>
+      <a:fontRef idx="minor"/>
+    </dgm:style>
+  </dgm:styleLbl>
+  <dgm:styleLbl name="fgAcc2">
+    <dgm:scene3d>
+      <a:camera prst="orthographicFront"/>
+      <a:lightRig rig="threePt" dir="t"/>
+    </dgm:scene3d>
+    <dgm:sp3d/>
+    <dgm:txPr/>
+    <dgm:style>
+      <a:lnRef idx="2">
+        <a:scrgbClr r="0" g="0" b="0"/>
+      </a:lnRef>
+      <a:fillRef idx="1">
+        <a:scrgbClr r="0" g="0" b="0"/>
+      </a:fillRef>
+      <a:effectRef idx="0">
+        <a:scrgbClr r="0" g="0" b="0"/>
+      </a:effectRef>
+      <a:fontRef idx="minor"/>
+    </dgm:style>
+  </dgm:styleLbl>
+  <dgm:styleLbl name="fgAcc3">
+    <dgm:scene3d>
+      <a:camera prst="orthographicFront"/>
+      <a:lightRig rig="threePt" dir="t"/>
+    </dgm:scene3d>
+    <dgm:sp3d/>
+    <dgm:txPr/>
+    <dgm:style>
+      <a:lnRef idx="2">
+        <a:scrgbClr r="0" g="0" b="0"/>
+      </a:lnRef>
+      <a:fillRef idx="1">
+        <a:scrgbClr r="0" g="0" b="0"/>
+      </a:fillRef>
+      <a:effectRef idx="0">
+        <a:scrgbClr r="0" g="0" b="0"/>
+      </a:effectRef>
+      <a:fontRef idx="minor"/>
+    </dgm:style>
+  </dgm:styleLbl>
+  <dgm:styleLbl name="fgAcc4">
+    <dgm:scene3d>
+      <a:camera prst="orthographicFront"/>
+      <a:lightRig rig="threePt" dir="t"/>
+    </dgm:scene3d>
+    <dgm:sp3d/>
+    <dgm:txPr/>
+    <dgm:style>
+      <a:lnRef idx="2">
+        <a:scrgbClr r="0" g="0" b="0"/>
+      </a:lnRef>
+      <a:fillRef idx="1">
+        <a:scrgbClr r="0" g="0" b="0"/>
+      </a:fillRef>
+      <a:effectRef idx="0">
+        <a:scrgbClr r="0" g="0" b="0"/>
+      </a:effectRef>
+      <a:fontRef idx="minor"/>
+    </dgm:style>
+  </dgm:styleLbl>
+  <dgm:styleLbl name="bgShp">
+    <dgm:scene3d>
+      <a:camera prst="orthographicFront"/>
+      <a:lightRig rig="threePt" dir="t"/>
+    </dgm:scene3d>
+    <dgm:sp3d/>
+    <dgm:txPr/>
+    <dgm:style>
+      <a:lnRef idx="0">
+        <a:scrgbClr r="0" g="0" b="0"/>
+      </a:lnRef>
+      <a:fillRef idx="1">
+        <a:scrgbClr r="0" g="0" b="0"/>
+      </a:fillRef>
+      <a:effectRef idx="0">
+        <a:scrgbClr r="0" g="0" b="0"/>
+      </a:effectRef>
+      <a:fontRef idx="minor"/>
+    </dgm:style>
+  </dgm:styleLbl>
+  <dgm:styleLbl name="dkBgShp">
+    <dgm:scene3d>
+      <a:camera prst="orthographicFront"/>
+      <a:lightRig rig="threePt" dir="t"/>
+    </dgm:scene3d>
+    <dgm:sp3d/>
+    <dgm:txPr/>
+    <dgm:style>
+      <a:lnRef idx="0">
+        <a:scrgbClr r="0" g="0" b="0"/>
+      </a:lnRef>
+      <a:fillRef idx="1">
+        <a:scrgbClr r="0" g="0" b="0"/>
+      </a:fillRef>
+      <a:effectRef idx="0">
+        <a:scrgbClr r="0" g="0" b="0"/>
+      </a:effectRef>
+      <a:fontRef idx="minor"/>
+    </dgm:style>
+  </dgm:styleLbl>
+  <dgm:styleLbl name="trBgShp">
+    <dgm:scene3d>
+      <a:camera prst="orthographicFront"/>
+      <a:lightRig rig="threePt" dir="t"/>
+    </dgm:scene3d>
+    <dgm:sp3d/>
+    <dgm:txPr/>
+    <dgm:style>
+      <a:lnRef idx="0">
+        <a:scrgbClr r="0" g="0" b="0"/>
+      </a:lnRef>
+      <a:fillRef idx="1">
+        <a:scrgbClr r="0" g="0" b="0"/>
+      </a:fillRef>
+      <a:effectRef idx="0">
+        <a:scrgbClr r="0" g="0" b="0"/>
+      </a:effectRef>
+      <a:fontRef idx="minor"/>
+    </dgm:style>
+  </dgm:styleLbl>
+  <dgm:styleLbl name="fgShp">
+    <dgm:scene3d>
+      <a:camera prst="orthographicFront"/>
+      <a:lightRig rig="threePt" dir="t"/>
+    </dgm:scene3d>
+    <dgm:sp3d/>
+    <dgm:txPr/>
+    <dgm:style>
+      <a:lnRef idx="2">
+        <a:scrgbClr r="0" g="0" b="0"/>
+      </a:lnRef>
+      <a:fillRef idx="1">
+        <a:scrgbClr r="0" g="0" b="0"/>
+      </a:fillRef>
+      <a:effectRef idx="0">
+        <a:scrgbClr r="0" g="0" b="0"/>
+      </a:effectRef>
+      <a:fontRef idx="minor"/>
+    </dgm:style>
+  </dgm:styleLbl>
+  <dgm:styleLbl name="revTx">
+    <dgm:scene3d>
+      <a:camera prst="orthographicFront"/>
+      <a:lightRig rig="threePt" dir="t"/>
+    </dgm:scene3d>
+    <dgm:sp3d/>
+    <dgm:txPr/>
+    <dgm:style>
+      <a:lnRef idx="0">
+        <a:scrgbClr r="0" g="0" b="0"/>
+      </a:lnRef>
+      <a:fillRef idx="0">
+        <a:scrgbClr r="0" g="0" b="0"/>
+      </a:fillRef>
+      <a:effectRef idx="0">
+        <a:scrgbClr r="0" g="0" b="0"/>
+      </a:effectRef>
+      <a:fontRef idx="minor"/>
+    </dgm:style>
+  </dgm:styleLbl>
+</dgm:styleDef>
 </file>
 
-<file path=ppt/diagrams/quickStyle1.xml><?xml version="1.0" encoding="utf-8"?>
+<file path=ppt/diagrams/quickStyle10.xml><?xml version="1.0" encoding="utf-8"?>
 <dgm:styleDef xmlns:dgm="http://schemas.openxmlformats.org/drawingml/2006/diagram" xmlns:a="http://schemas.openxmlformats.org/drawingml/2006/main" uniqueId="urn:microsoft.com/office/officeart/2005/8/quickstyle/simple1">
   <dgm:title val=""/>
   <dgm:desc val=""/>
@@ -26260,7 +29360,7 @@
           <a:p>
             <a:fld id="{0117283B-F0A5-4202-AA1A-3796A1F2E447}" type="datetimeFigureOut">
               <a:rPr lang="en-US" smtClean="0"/>
-              <a:t>1/13/2020</a:t>
+              <a:t>1/23/2020</a:t>
             </a:fld>
             <a:endParaRPr lang="en-US"/>
           </a:p>
@@ -26458,7 +29558,7 @@
           <a:p>
             <a:fld id="{0117283B-F0A5-4202-AA1A-3796A1F2E447}" type="datetimeFigureOut">
               <a:rPr lang="en-US" smtClean="0"/>
-              <a:t>1/13/2020</a:t>
+              <a:t>1/23/2020</a:t>
             </a:fld>
             <a:endParaRPr lang="en-US"/>
           </a:p>
@@ -26666,7 +29766,7 @@
           <a:p>
             <a:fld id="{0117283B-F0A5-4202-AA1A-3796A1F2E447}" type="datetimeFigureOut">
               <a:rPr lang="en-US" smtClean="0"/>
-              <a:t>1/13/2020</a:t>
+              <a:t>1/23/2020</a:t>
             </a:fld>
             <a:endParaRPr lang="en-US"/>
           </a:p>
@@ -26864,7 +29964,7 @@
           <a:p>
             <a:fld id="{0117283B-F0A5-4202-AA1A-3796A1F2E447}" type="datetimeFigureOut">
               <a:rPr lang="en-US" smtClean="0"/>
-              <a:t>1/13/2020</a:t>
+              <a:t>1/23/2020</a:t>
             </a:fld>
             <a:endParaRPr lang="en-US"/>
           </a:p>
@@ -27139,7 +30239,7 @@
           <a:p>
             <a:fld id="{0117283B-F0A5-4202-AA1A-3796A1F2E447}" type="datetimeFigureOut">
               <a:rPr lang="en-US" smtClean="0"/>
-              <a:t>1/13/2020</a:t>
+              <a:t>1/23/2020</a:t>
             </a:fld>
             <a:endParaRPr lang="en-US"/>
           </a:p>
@@ -27404,7 +30504,7 @@
           <a:p>
             <a:fld id="{0117283B-F0A5-4202-AA1A-3796A1F2E447}" type="datetimeFigureOut">
               <a:rPr lang="en-US" smtClean="0"/>
-              <a:t>1/13/2020</a:t>
+              <a:t>1/23/2020</a:t>
             </a:fld>
             <a:endParaRPr lang="en-US"/>
           </a:p>
@@ -27816,7 +30916,7 @@
           <a:p>
             <a:fld id="{0117283B-F0A5-4202-AA1A-3796A1F2E447}" type="datetimeFigureOut">
               <a:rPr lang="en-US" smtClean="0"/>
-              <a:t>1/13/2020</a:t>
+              <a:t>1/23/2020</a:t>
             </a:fld>
             <a:endParaRPr lang="en-US"/>
           </a:p>
@@ -27957,7 +31057,7 @@
           <a:p>
             <a:fld id="{0117283B-F0A5-4202-AA1A-3796A1F2E447}" type="datetimeFigureOut">
               <a:rPr lang="en-US" smtClean="0"/>
-              <a:t>1/13/2020</a:t>
+              <a:t>1/23/2020</a:t>
             </a:fld>
             <a:endParaRPr lang="en-US"/>
           </a:p>
@@ -28070,7 +31170,7 @@
           <a:p>
             <a:fld id="{0117283B-F0A5-4202-AA1A-3796A1F2E447}" type="datetimeFigureOut">
               <a:rPr lang="en-US" smtClean="0"/>
-              <a:t>1/13/2020</a:t>
+              <a:t>1/23/2020</a:t>
             </a:fld>
             <a:endParaRPr lang="en-US"/>
           </a:p>
@@ -28381,7 +31481,7 @@
           <a:p>
             <a:fld id="{0117283B-F0A5-4202-AA1A-3796A1F2E447}" type="datetimeFigureOut">
               <a:rPr lang="en-US" smtClean="0"/>
-              <a:t>1/13/2020</a:t>
+              <a:t>1/23/2020</a:t>
             </a:fld>
             <a:endParaRPr lang="en-US"/>
           </a:p>
@@ -28669,7 +31769,7 @@
           <a:p>
             <a:fld id="{0117283B-F0A5-4202-AA1A-3796A1F2E447}" type="datetimeFigureOut">
               <a:rPr lang="en-US" smtClean="0"/>
-              <a:t>1/13/2020</a:t>
+              <a:t>1/23/2020</a:t>
             </a:fld>
             <a:endParaRPr lang="en-US"/>
           </a:p>
@@ -28910,7 +32010,7 @@
           <a:p>
             <a:fld id="{0117283B-F0A5-4202-AA1A-3796A1F2E447}" type="datetimeFigureOut">
               <a:rPr lang="en-US" smtClean="0"/>
-              <a:t>1/13/2020</a:t>
+              <a:t>1/23/2020</a:t>
             </a:fld>
             <a:endParaRPr lang="en-US"/>
           </a:p>
@@ -29830,595 +32930,6 @@
       </p:grpSpPr>
       <p:sp>
         <p:nvSpPr>
-          <p:cNvPr id="10" name="Freeform: Shape 9">
-            <a:extLst>
-              <a:ext uri="{FF2B5EF4-FFF2-40B4-BE49-F238E27FC236}">
-                <a16:creationId xmlns:a16="http://schemas.microsoft.com/office/drawing/2014/main" id="{46C2E80F-49A6-4372-B103-219D417A55ED}"/>
-              </a:ext>
-              <a:ext uri="{C183D7F6-B498-43B3-948B-1728B52AA6E4}">
-                <adec:decorative xmlns:adec="http://schemas.microsoft.com/office/drawing/2017/decorative" val="1"/>
-              </a:ext>
-            </a:extLst>
-          </p:cNvPr>
-          <p:cNvSpPr>
-            <a:spLocks noGrp="1" noRot="1" noChangeAspect="1" noMove="1" noResize="1" noEditPoints="1" noAdjustHandles="1" noChangeArrowheads="1" noChangeShapeType="1" noTextEdit="1"/>
-          </p:cNvSpPr>
-          <p:nvPr>
-            <p:extLst>
-              <p:ext uri="{386F3935-93C4-4BCD-93E2-E3B085C9AB24}">
-                <p16:designElem xmlns:p16="http://schemas.microsoft.com/office/powerpoint/2015/main" val="1"/>
-              </p:ext>
-            </p:extLst>
-          </p:nvPr>
-        </p:nvSpPr>
-        <p:spPr>
-          <a:xfrm>
-            <a:off x="484096" y="470925"/>
-            <a:ext cx="4381009" cy="5892104"/>
-          </a:xfrm>
-          <a:custGeom>
-            <a:avLst/>
-            <a:gdLst>
-              <a:gd name="connsiteX0" fmla="*/ 0 w 4381009"/>
-              <a:gd name="connsiteY0" fmla="*/ 0 h 5892104"/>
-              <a:gd name="connsiteX1" fmla="*/ 4157628 w 4381009"/>
-              <a:gd name="connsiteY1" fmla="*/ 0 h 5892104"/>
-              <a:gd name="connsiteX2" fmla="*/ 4169302 w 4381009"/>
-              <a:gd name="connsiteY2" fmla="*/ 68659 h 5892104"/>
-              <a:gd name="connsiteX3" fmla="*/ 4191571 w 4381009"/>
-              <a:gd name="connsiteY3" fmla="*/ 205472 h 5892104"/>
-              <a:gd name="connsiteX4" fmla="*/ 4213368 w 4381009"/>
-              <a:gd name="connsiteY4" fmla="*/ 342890 h 5892104"/>
-              <a:gd name="connsiteX5" fmla="*/ 4232030 w 4381009"/>
-              <a:gd name="connsiteY5" fmla="*/ 480913 h 5892104"/>
-              <a:gd name="connsiteX6" fmla="*/ 4250848 w 4381009"/>
-              <a:gd name="connsiteY6" fmla="*/ 618332 h 5892104"/>
-              <a:gd name="connsiteX7" fmla="*/ 4268412 w 4381009"/>
-              <a:gd name="connsiteY7" fmla="*/ 756355 h 5892104"/>
-              <a:gd name="connsiteX8" fmla="*/ 4283467 w 4381009"/>
-              <a:gd name="connsiteY8" fmla="*/ 892563 h 5892104"/>
-              <a:gd name="connsiteX9" fmla="*/ 4297737 w 4381009"/>
-              <a:gd name="connsiteY9" fmla="*/ 1030587 h 5892104"/>
-              <a:gd name="connsiteX10" fmla="*/ 4310754 w 4381009"/>
-              <a:gd name="connsiteY10" fmla="*/ 1168005 h 5892104"/>
-              <a:gd name="connsiteX11" fmla="*/ 4322045 w 4381009"/>
-              <a:gd name="connsiteY11" fmla="*/ 1303002 h 5892104"/>
-              <a:gd name="connsiteX12" fmla="*/ 4333336 w 4381009"/>
-              <a:gd name="connsiteY12" fmla="*/ 1439815 h 5892104"/>
-              <a:gd name="connsiteX13" fmla="*/ 4342745 w 4381009"/>
-              <a:gd name="connsiteY13" fmla="*/ 1574812 h 5892104"/>
-              <a:gd name="connsiteX14" fmla="*/ 4350115 w 4381009"/>
-              <a:gd name="connsiteY14" fmla="*/ 1709808 h 5892104"/>
-              <a:gd name="connsiteX15" fmla="*/ 4357799 w 4381009"/>
-              <a:gd name="connsiteY15" fmla="*/ 1844200 h 5892104"/>
-              <a:gd name="connsiteX16" fmla="*/ 4364229 w 4381009"/>
-              <a:gd name="connsiteY16" fmla="*/ 1977381 h 5892104"/>
-              <a:gd name="connsiteX17" fmla="*/ 4368777 w 4381009"/>
-              <a:gd name="connsiteY17" fmla="*/ 2109351 h 5892104"/>
-              <a:gd name="connsiteX18" fmla="*/ 4372697 w 4381009"/>
-              <a:gd name="connsiteY18" fmla="*/ 2241321 h 5892104"/>
-              <a:gd name="connsiteX19" fmla="*/ 4376461 w 4381009"/>
-              <a:gd name="connsiteY19" fmla="*/ 2372080 h 5892104"/>
-              <a:gd name="connsiteX20" fmla="*/ 4378186 w 4381009"/>
-              <a:gd name="connsiteY20" fmla="*/ 2501023 h 5892104"/>
-              <a:gd name="connsiteX21" fmla="*/ 4380068 w 4381009"/>
-              <a:gd name="connsiteY21" fmla="*/ 2629966 h 5892104"/>
-              <a:gd name="connsiteX22" fmla="*/ 4381009 w 4381009"/>
-              <a:gd name="connsiteY22" fmla="*/ 2757093 h 5892104"/>
-              <a:gd name="connsiteX23" fmla="*/ 4380068 w 4381009"/>
-              <a:gd name="connsiteY23" fmla="*/ 2883010 h 5892104"/>
-              <a:gd name="connsiteX24" fmla="*/ 4380068 w 4381009"/>
-              <a:gd name="connsiteY24" fmla="*/ 3007715 h 5892104"/>
-              <a:gd name="connsiteX25" fmla="*/ 4378186 w 4381009"/>
-              <a:gd name="connsiteY25" fmla="*/ 3131210 h 5892104"/>
-              <a:gd name="connsiteX26" fmla="*/ 4375363 w 4381009"/>
-              <a:gd name="connsiteY26" fmla="*/ 3252283 h 5892104"/>
-              <a:gd name="connsiteX27" fmla="*/ 4372697 w 4381009"/>
-              <a:gd name="connsiteY27" fmla="*/ 3372146 h 5892104"/>
-              <a:gd name="connsiteX28" fmla="*/ 4369718 w 4381009"/>
-              <a:gd name="connsiteY28" fmla="*/ 3489587 h 5892104"/>
-              <a:gd name="connsiteX29" fmla="*/ 4365170 w 4381009"/>
-              <a:gd name="connsiteY29" fmla="*/ 3606423 h 5892104"/>
-              <a:gd name="connsiteX30" fmla="*/ 4360309 w 4381009"/>
-              <a:gd name="connsiteY30" fmla="*/ 3721443 h 5892104"/>
-              <a:gd name="connsiteX31" fmla="*/ 4355918 w 4381009"/>
-              <a:gd name="connsiteY31" fmla="*/ 3834041 h 5892104"/>
-              <a:gd name="connsiteX32" fmla="*/ 4343529 w 4381009"/>
-              <a:gd name="connsiteY32" fmla="*/ 4053789 h 5892104"/>
-              <a:gd name="connsiteX33" fmla="*/ 4330356 w 4381009"/>
-              <a:gd name="connsiteY33" fmla="*/ 4264457 h 5892104"/>
-              <a:gd name="connsiteX34" fmla="*/ 4316556 w 4381009"/>
-              <a:gd name="connsiteY34" fmla="*/ 4466650 h 5892104"/>
-              <a:gd name="connsiteX35" fmla="*/ 4301344 w 4381009"/>
-              <a:gd name="connsiteY35" fmla="*/ 4657946 h 5892104"/>
-              <a:gd name="connsiteX36" fmla="*/ 4285506 w 4381009"/>
-              <a:gd name="connsiteY36" fmla="*/ 4840767 h 5892104"/>
-              <a:gd name="connsiteX37" fmla="*/ 4268412 w 4381009"/>
-              <a:gd name="connsiteY37" fmla="*/ 5010269 h 5892104"/>
-              <a:gd name="connsiteX38" fmla="*/ 4251633 w 4381009"/>
-              <a:gd name="connsiteY38" fmla="*/ 5169481 h 5892104"/>
-              <a:gd name="connsiteX39" fmla="*/ 4234853 w 4381009"/>
-              <a:gd name="connsiteY39" fmla="*/ 5315980 h 5892104"/>
-              <a:gd name="connsiteX40" fmla="*/ 4219014 w 4381009"/>
-              <a:gd name="connsiteY40" fmla="*/ 5450371 h 5892104"/>
-              <a:gd name="connsiteX41" fmla="*/ 4203959 w 4381009"/>
-              <a:gd name="connsiteY41" fmla="*/ 5569628 h 5892104"/>
-              <a:gd name="connsiteX42" fmla="*/ 4189689 w 4381009"/>
-              <a:gd name="connsiteY42" fmla="*/ 5677384 h 5892104"/>
-              <a:gd name="connsiteX43" fmla="*/ 4177770 w 4381009"/>
-              <a:gd name="connsiteY43" fmla="*/ 5768189 h 5892104"/>
-              <a:gd name="connsiteX44" fmla="*/ 4166479 w 4381009"/>
-              <a:gd name="connsiteY44" fmla="*/ 5844465 h 5892104"/>
-              <a:gd name="connsiteX45" fmla="*/ 4159132 w 4381009"/>
-              <a:gd name="connsiteY45" fmla="*/ 5892104 h 5892104"/>
-              <a:gd name="connsiteX46" fmla="*/ 0 w 4381009"/>
-              <a:gd name="connsiteY46" fmla="*/ 5892104 h 5892104"/>
-            </a:gdLst>
-            <a:ahLst/>
-            <a:cxnLst>
-              <a:cxn ang="0">
-                <a:pos x="connsiteX0" y="connsiteY0"/>
-              </a:cxn>
-              <a:cxn ang="0">
-                <a:pos x="connsiteX1" y="connsiteY1"/>
-              </a:cxn>
-              <a:cxn ang="0">
-                <a:pos x="connsiteX2" y="connsiteY2"/>
-              </a:cxn>
-              <a:cxn ang="0">
-                <a:pos x="connsiteX3" y="connsiteY3"/>
-              </a:cxn>
-              <a:cxn ang="0">
-                <a:pos x="connsiteX4" y="connsiteY4"/>
-              </a:cxn>
-              <a:cxn ang="0">
-                <a:pos x="connsiteX5" y="connsiteY5"/>
-              </a:cxn>
-              <a:cxn ang="0">
-                <a:pos x="connsiteX6" y="connsiteY6"/>
-              </a:cxn>
-              <a:cxn ang="0">
-                <a:pos x="connsiteX7" y="connsiteY7"/>
-              </a:cxn>
-              <a:cxn ang="0">
-                <a:pos x="connsiteX8" y="connsiteY8"/>
-              </a:cxn>
-              <a:cxn ang="0">
-                <a:pos x="connsiteX9" y="connsiteY9"/>
-              </a:cxn>
-              <a:cxn ang="0">
-                <a:pos x="connsiteX10" y="connsiteY10"/>
-              </a:cxn>
-              <a:cxn ang="0">
-                <a:pos x="connsiteX11" y="connsiteY11"/>
-              </a:cxn>
-              <a:cxn ang="0">
-                <a:pos x="connsiteX12" y="connsiteY12"/>
-              </a:cxn>
-              <a:cxn ang="0">
-                <a:pos x="connsiteX13" y="connsiteY13"/>
-              </a:cxn>
-              <a:cxn ang="0">
-                <a:pos x="connsiteX14" y="connsiteY14"/>
-              </a:cxn>
-              <a:cxn ang="0">
-                <a:pos x="connsiteX15" y="connsiteY15"/>
-              </a:cxn>
-              <a:cxn ang="0">
-                <a:pos x="connsiteX16" y="connsiteY16"/>
-              </a:cxn>
-              <a:cxn ang="0">
-                <a:pos x="connsiteX17" y="connsiteY17"/>
-              </a:cxn>
-              <a:cxn ang="0">
-                <a:pos x="connsiteX18" y="connsiteY18"/>
-              </a:cxn>
-              <a:cxn ang="0">
-                <a:pos x="connsiteX19" y="connsiteY19"/>
-              </a:cxn>
-              <a:cxn ang="0">
-                <a:pos x="connsiteX20" y="connsiteY20"/>
-              </a:cxn>
-              <a:cxn ang="0">
-                <a:pos x="connsiteX21" y="connsiteY21"/>
-              </a:cxn>
-              <a:cxn ang="0">
-                <a:pos x="connsiteX22" y="connsiteY22"/>
-              </a:cxn>
-              <a:cxn ang="0">
-                <a:pos x="connsiteX23" y="connsiteY23"/>
-              </a:cxn>
-              <a:cxn ang="0">
-                <a:pos x="connsiteX24" y="connsiteY24"/>
-              </a:cxn>
-              <a:cxn ang="0">
-                <a:pos x="connsiteX25" y="connsiteY25"/>
-              </a:cxn>
-              <a:cxn ang="0">
-                <a:pos x="connsiteX26" y="connsiteY26"/>
-              </a:cxn>
-              <a:cxn ang="0">
-                <a:pos x="connsiteX27" y="connsiteY27"/>
-              </a:cxn>
-              <a:cxn ang="0">
-                <a:pos x="connsiteX28" y="connsiteY28"/>
-              </a:cxn>
-              <a:cxn ang="0">
-                <a:pos x="connsiteX29" y="connsiteY29"/>
-              </a:cxn>
-              <a:cxn ang="0">
-                <a:pos x="connsiteX30" y="connsiteY30"/>
-              </a:cxn>
-              <a:cxn ang="0">
-                <a:pos x="connsiteX31" y="connsiteY31"/>
-              </a:cxn>
-              <a:cxn ang="0">
-                <a:pos x="connsiteX32" y="connsiteY32"/>
-              </a:cxn>
-              <a:cxn ang="0">
-                <a:pos x="connsiteX33" y="connsiteY33"/>
-              </a:cxn>
-              <a:cxn ang="0">
-                <a:pos x="connsiteX34" y="connsiteY34"/>
-              </a:cxn>
-              <a:cxn ang="0">
-                <a:pos x="connsiteX35" y="connsiteY35"/>
-              </a:cxn>
-              <a:cxn ang="0">
-                <a:pos x="connsiteX36" y="connsiteY36"/>
-              </a:cxn>
-              <a:cxn ang="0">
-                <a:pos x="connsiteX37" y="connsiteY37"/>
-              </a:cxn>
-              <a:cxn ang="0">
-                <a:pos x="connsiteX38" y="connsiteY38"/>
-              </a:cxn>
-              <a:cxn ang="0">
-                <a:pos x="connsiteX39" y="connsiteY39"/>
-              </a:cxn>
-              <a:cxn ang="0">
-                <a:pos x="connsiteX40" y="connsiteY40"/>
-              </a:cxn>
-              <a:cxn ang="0">
-                <a:pos x="connsiteX41" y="connsiteY41"/>
-              </a:cxn>
-              <a:cxn ang="0">
-                <a:pos x="connsiteX42" y="connsiteY42"/>
-              </a:cxn>
-              <a:cxn ang="0">
-                <a:pos x="connsiteX43" y="connsiteY43"/>
-              </a:cxn>
-              <a:cxn ang="0">
-                <a:pos x="connsiteX44" y="connsiteY44"/>
-              </a:cxn>
-              <a:cxn ang="0">
-                <a:pos x="connsiteX45" y="connsiteY45"/>
-              </a:cxn>
-              <a:cxn ang="0">
-                <a:pos x="connsiteX46" y="connsiteY46"/>
-              </a:cxn>
-            </a:cxnLst>
-            <a:rect l="l" t="t" r="r" b="b"/>
-            <a:pathLst>
-              <a:path w="4381009" h="5892104">
-                <a:moveTo>
-                  <a:pt x="0" y="0"/>
-                </a:moveTo>
-                <a:lnTo>
-                  <a:pt x="4157628" y="0"/>
-                </a:lnTo>
-                <a:lnTo>
-                  <a:pt x="4169302" y="68659"/>
-                </a:lnTo>
-                <a:lnTo>
-                  <a:pt x="4191571" y="205472"/>
-                </a:lnTo>
-                <a:lnTo>
-                  <a:pt x="4213368" y="342890"/>
-                </a:lnTo>
-                <a:lnTo>
-                  <a:pt x="4232030" y="480913"/>
-                </a:lnTo>
-                <a:lnTo>
-                  <a:pt x="4250848" y="618332"/>
-                </a:lnTo>
-                <a:lnTo>
-                  <a:pt x="4268412" y="756355"/>
-                </a:lnTo>
-                <a:lnTo>
-                  <a:pt x="4283467" y="892563"/>
-                </a:lnTo>
-                <a:lnTo>
-                  <a:pt x="4297737" y="1030587"/>
-                </a:lnTo>
-                <a:lnTo>
-                  <a:pt x="4310754" y="1168005"/>
-                </a:lnTo>
-                <a:lnTo>
-                  <a:pt x="4322045" y="1303002"/>
-                </a:lnTo>
-                <a:lnTo>
-                  <a:pt x="4333336" y="1439815"/>
-                </a:lnTo>
-                <a:lnTo>
-                  <a:pt x="4342745" y="1574812"/>
-                </a:lnTo>
-                <a:lnTo>
-                  <a:pt x="4350115" y="1709808"/>
-                </a:lnTo>
-                <a:lnTo>
-                  <a:pt x="4357799" y="1844200"/>
-                </a:lnTo>
-                <a:lnTo>
-                  <a:pt x="4364229" y="1977381"/>
-                </a:lnTo>
-                <a:lnTo>
-                  <a:pt x="4368777" y="2109351"/>
-                </a:lnTo>
-                <a:lnTo>
-                  <a:pt x="4372697" y="2241321"/>
-                </a:lnTo>
-                <a:lnTo>
-                  <a:pt x="4376461" y="2372080"/>
-                </a:lnTo>
-                <a:lnTo>
-                  <a:pt x="4378186" y="2501023"/>
-                </a:lnTo>
-                <a:lnTo>
-                  <a:pt x="4380068" y="2629966"/>
-                </a:lnTo>
-                <a:lnTo>
-                  <a:pt x="4381009" y="2757093"/>
-                </a:lnTo>
-                <a:lnTo>
-                  <a:pt x="4380068" y="2883010"/>
-                </a:lnTo>
-                <a:lnTo>
-                  <a:pt x="4380068" y="3007715"/>
-                </a:lnTo>
-                <a:lnTo>
-                  <a:pt x="4378186" y="3131210"/>
-                </a:lnTo>
-                <a:lnTo>
-                  <a:pt x="4375363" y="3252283"/>
-                </a:lnTo>
-                <a:lnTo>
-                  <a:pt x="4372697" y="3372146"/>
-                </a:lnTo>
-                <a:lnTo>
-                  <a:pt x="4369718" y="3489587"/>
-                </a:lnTo>
-                <a:lnTo>
-                  <a:pt x="4365170" y="3606423"/>
-                </a:lnTo>
-                <a:lnTo>
-                  <a:pt x="4360309" y="3721443"/>
-                </a:lnTo>
-                <a:lnTo>
-                  <a:pt x="4355918" y="3834041"/>
-                </a:lnTo>
-                <a:lnTo>
-                  <a:pt x="4343529" y="4053789"/>
-                </a:lnTo>
-                <a:lnTo>
-                  <a:pt x="4330356" y="4264457"/>
-                </a:lnTo>
-                <a:lnTo>
-                  <a:pt x="4316556" y="4466650"/>
-                </a:lnTo>
-                <a:lnTo>
-                  <a:pt x="4301344" y="4657946"/>
-                </a:lnTo>
-                <a:lnTo>
-                  <a:pt x="4285506" y="4840767"/>
-                </a:lnTo>
-                <a:lnTo>
-                  <a:pt x="4268412" y="5010269"/>
-                </a:lnTo>
-                <a:lnTo>
-                  <a:pt x="4251633" y="5169481"/>
-                </a:lnTo>
-                <a:lnTo>
-                  <a:pt x="4234853" y="5315980"/>
-                </a:lnTo>
-                <a:lnTo>
-                  <a:pt x="4219014" y="5450371"/>
-                </a:lnTo>
-                <a:lnTo>
-                  <a:pt x="4203959" y="5569628"/>
-                </a:lnTo>
-                <a:lnTo>
-                  <a:pt x="4189689" y="5677384"/>
-                </a:lnTo>
-                <a:lnTo>
-                  <a:pt x="4177770" y="5768189"/>
-                </a:lnTo>
-                <a:lnTo>
-                  <a:pt x="4166479" y="5844465"/>
-                </a:lnTo>
-                <a:lnTo>
-                  <a:pt x="4159132" y="5892104"/>
-                </a:lnTo>
-                <a:lnTo>
-                  <a:pt x="0" y="5892104"/>
-                </a:lnTo>
-                <a:close/>
-              </a:path>
-            </a:pathLst>
-          </a:custGeom>
-          <a:solidFill>
-            <a:srgbClr val="404040"/>
-          </a:solidFill>
-          <a:ln>
-            <a:noFill/>
-          </a:ln>
-        </p:spPr>
-        <p:style>
-          <a:lnRef idx="2">
-            <a:schemeClr val="accent1">
-              <a:shade val="50000"/>
-            </a:schemeClr>
-          </a:lnRef>
-          <a:fillRef idx="1">
-            <a:schemeClr val="accent1"/>
-          </a:fillRef>
-          <a:effectRef idx="0">
-            <a:schemeClr val="accent1"/>
-          </a:effectRef>
-          <a:fontRef idx="minor">
-            <a:schemeClr val="lt1"/>
-          </a:fontRef>
-        </p:style>
-        <p:txBody>
-          <a:bodyPr wrap="square" rtlCol="0" anchor="ctr">
-            <a:noAutofit/>
-          </a:bodyPr>
-          <a:lstStyle/>
-          <a:p>
-            <a:pPr marL="0" marR="0" lvl="0" indent="0" algn="ctr" defTabSz="457200" rtl="0" eaLnBrk="1" fontAlgn="auto" latinLnBrk="0" hangingPunct="1">
-              <a:lnSpc>
-                <a:spcPct val="100000"/>
-              </a:lnSpc>
-              <a:spcBef>
-                <a:spcPts val="0"/>
-              </a:spcBef>
-              <a:spcAft>
-                <a:spcPts val="0"/>
-              </a:spcAft>
-              <a:buClrTx/>
-              <a:buSzTx/>
-              <a:buFontTx/>
-              <a:buNone/>
-              <a:tabLst/>
-              <a:defRPr/>
-            </a:pPr>
-            <a:endParaRPr kumimoji="0" lang="en-US" sz="1800" b="0" i="0" u="none" strike="noStrike" kern="1200" cap="none" spc="0" normalizeH="0" baseline="0" noProof="0">
-              <a:ln>
-                <a:noFill/>
-              </a:ln>
-              <a:solidFill>
-                <a:prstClr val="white"/>
-              </a:solidFill>
-              <a:effectLst/>
-              <a:uLnTx/>
-              <a:uFillTx/>
-              <a:latin typeface="Calibri" panose="020F0502020204030204"/>
-              <a:ea typeface="+mn-ea"/>
-              <a:cs typeface="+mn-cs"/>
-            </a:endParaRPr>
-          </a:p>
-        </p:txBody>
-      </p:sp>
-      <p:sp>
-        <p:nvSpPr>
-          <p:cNvPr id="2" name="Title 1">
-            <a:extLst>
-              <a:ext uri="{FF2B5EF4-FFF2-40B4-BE49-F238E27FC236}">
-                <a16:creationId xmlns:a16="http://schemas.microsoft.com/office/drawing/2014/main" id="{6BA22472-C68A-4079-8C3E-093A0F79C575}"/>
-              </a:ext>
-            </a:extLst>
-          </p:cNvPr>
-          <p:cNvSpPr>
-            <a:spLocks noGrp="1"/>
-          </p:cNvSpPr>
-          <p:nvPr>
-            <p:ph type="title"/>
-          </p:nvPr>
-        </p:nvSpPr>
-        <p:spPr>
-          <a:xfrm>
-            <a:off x="863029" y="1012004"/>
-            <a:ext cx="3416158" cy="4795408"/>
-          </a:xfrm>
-        </p:spPr>
-        <p:txBody>
-          <a:bodyPr>
-            <a:normAutofit/>
-          </a:bodyPr>
-          <a:lstStyle/>
-          <a:p>
-            <a:r>
-              <a:rPr lang="en-US">
-                <a:solidFill>
-                  <a:srgbClr val="FFFFFF"/>
-                </a:solidFill>
-              </a:rPr>
-              <a:t>Docker Support on Windows 10</a:t>
-            </a:r>
-          </a:p>
-        </p:txBody>
-      </p:sp>
-      <p:graphicFrame>
-        <p:nvGraphicFramePr>
-          <p:cNvPr id="5" name="Content Placeholder 2">
-            <a:extLst>
-              <a:ext uri="{FF2B5EF4-FFF2-40B4-BE49-F238E27FC236}">
-                <a16:creationId xmlns:a16="http://schemas.microsoft.com/office/drawing/2014/main" id="{82CB34AE-376D-4EDA-A838-E71FDDA4DA3A}"/>
-              </a:ext>
-            </a:extLst>
-          </p:cNvPr>
-          <p:cNvGraphicFramePr>
-            <a:graphicFrameLocks noGrp="1"/>
-          </p:cNvGraphicFramePr>
-          <p:nvPr>
-            <p:ph idx="1"/>
-            <p:extLst>
-              <p:ext uri="{D42A27DB-BD31-4B8C-83A1-F6EECF244321}">
-                <p14:modId xmlns:p14="http://schemas.microsoft.com/office/powerpoint/2010/main" val="3642590811"/>
-              </p:ext>
-            </p:extLst>
-          </p:nvPr>
-        </p:nvGraphicFramePr>
-        <p:xfrm>
-          <a:off x="5194300" y="470924"/>
-          <a:ext cx="6513604" cy="5885426"/>
-        </p:xfrm>
-        <a:graphic>
-          <a:graphicData uri="http://schemas.openxmlformats.org/drawingml/2006/diagram">
-            <dgm:relIds xmlns:dgm="http://schemas.openxmlformats.org/drawingml/2006/diagram" xmlns:r="http://schemas.openxmlformats.org/officeDocument/2006/relationships" r:dm="rId2" r:lo="rId3" r:qs="rId4" r:cs="rId5"/>
-          </a:graphicData>
-        </a:graphic>
-      </p:graphicFrame>
-    </p:spTree>
-    <p:extLst>
-      <p:ext uri="{BB962C8B-B14F-4D97-AF65-F5344CB8AC3E}">
-        <p14:creationId xmlns:p14="http://schemas.microsoft.com/office/powerpoint/2010/main" val="1046277143"/>
-      </p:ext>
-    </p:extLst>
-  </p:cSld>
-  <p:clrMapOvr>
-    <a:masterClrMapping/>
-  </p:clrMapOvr>
-</p:sld>
-</file>
-
-<file path=ppt/slides/slide12.xml><?xml version="1.0" encoding="utf-8"?>
-<p:sld xmlns:a="http://schemas.openxmlformats.org/drawingml/2006/main" xmlns:r="http://schemas.openxmlformats.org/officeDocument/2006/relationships" xmlns:p="http://schemas.openxmlformats.org/presentationml/2006/main">
-  <p:cSld>
-    <p:bg>
-      <p:bgPr>
-        <a:solidFill>
-          <a:schemeClr val="bg1"/>
-        </a:solidFill>
-        <a:effectLst/>
-      </p:bgPr>
-    </p:bg>
-    <p:spTree>
-      <p:nvGrpSpPr>
-        <p:cNvPr id="1" name=""/>
-        <p:cNvGrpSpPr/>
-        <p:nvPr/>
-      </p:nvGrpSpPr>
-      <p:grpSpPr>
-        <a:xfrm>
-          <a:off x="0" y="0"/>
-          <a:ext cx="0" cy="0"/>
-          <a:chOff x="0" y="0"/>
-          <a:chExt cx="0" cy="0"/>
-        </a:xfrm>
-      </p:grpSpPr>
-      <p:sp>
-        <p:nvSpPr>
           <p:cNvPr id="8" name="Rectangle 7">
             <a:extLst>
               <a:ext uri="{FF2B5EF4-FFF2-40B4-BE49-F238E27FC236}">
@@ -30719,7 +33230,804 @@
 </p:sld>
 </file>
 
+<file path=ppt/slides/slide12.xml><?xml version="1.0" encoding="utf-8"?>
+<p:sld xmlns:a="http://schemas.openxmlformats.org/drawingml/2006/main" xmlns:r="http://schemas.openxmlformats.org/officeDocument/2006/relationships" xmlns:p="http://schemas.openxmlformats.org/presentationml/2006/main">
+  <p:cSld>
+    <p:bg>
+      <p:bgPr>
+        <a:solidFill>
+          <a:schemeClr val="bg1"/>
+        </a:solidFill>
+        <a:effectLst/>
+      </p:bgPr>
+    </p:bg>
+    <p:spTree>
+      <p:nvGrpSpPr>
+        <p:cNvPr id="1" name=""/>
+        <p:cNvGrpSpPr/>
+        <p:nvPr/>
+      </p:nvGrpSpPr>
+      <p:grpSpPr>
+        <a:xfrm>
+          <a:off x="0" y="0"/>
+          <a:ext cx="0" cy="0"/>
+          <a:chOff x="0" y="0"/>
+          <a:chExt cx="0" cy="0"/>
+        </a:xfrm>
+      </p:grpSpPr>
+      <p:pic>
+        <p:nvPicPr>
+          <p:cNvPr id="5" name="Content Placeholder 4">
+            <a:extLst>
+              <a:ext uri="{FF2B5EF4-FFF2-40B4-BE49-F238E27FC236}">
+                <a16:creationId xmlns:a16="http://schemas.microsoft.com/office/drawing/2014/main" id="{E108206F-F785-49FC-AF4A-321CABA0518E}"/>
+              </a:ext>
+            </a:extLst>
+          </p:cNvPr>
+          <p:cNvPicPr>
+            <a:picLocks noGrp="1" noChangeAspect="1"/>
+          </p:cNvPicPr>
+          <p:nvPr>
+            <p:ph idx="1"/>
+          </p:nvPr>
+        </p:nvPicPr>
+        <p:blipFill rotWithShape="1">
+          <a:blip r:embed="rId2">
+            <a:extLst>
+              <a:ext uri="{28A0092B-C50C-407E-A947-70E740481C1C}">
+                <a14:useLocalDpi xmlns:a14="http://schemas.microsoft.com/office/drawing/2010/main" val="0"/>
+              </a:ext>
+            </a:extLst>
+          </a:blip>
+          <a:srcRect b="25000"/>
+          <a:stretch/>
+        </p:blipFill>
+        <p:spPr>
+          <a:xfrm>
+            <a:off x="20" y="10"/>
+            <a:ext cx="12191980" cy="6857990"/>
+          </a:xfrm>
+          <a:prstGeom prst="rect">
+            <a:avLst/>
+          </a:prstGeom>
+        </p:spPr>
+      </p:pic>
+      <p:sp>
+        <p:nvSpPr>
+          <p:cNvPr id="10" name="Rectangle 9">
+            <a:extLst>
+              <a:ext uri="{FF2B5EF4-FFF2-40B4-BE49-F238E27FC236}">
+                <a16:creationId xmlns:a16="http://schemas.microsoft.com/office/drawing/2014/main" id="{37C89E4B-3C9F-44B9-8B86-D9E3D112D8EC}"/>
+              </a:ext>
+              <a:ext uri="{C183D7F6-B498-43B3-948B-1728B52AA6E4}">
+                <adec:decorative xmlns:adec="http://schemas.microsoft.com/office/drawing/2017/decorative" val="1"/>
+              </a:ext>
+            </a:extLst>
+          </p:cNvPr>
+          <p:cNvSpPr>
+            <a:spLocks noGrp="1" noRot="1" noChangeAspect="1" noMove="1" noResize="1" noEditPoints="1" noAdjustHandles="1" noChangeArrowheads="1" noChangeShapeType="1" noTextEdit="1"/>
+          </p:cNvSpPr>
+          <p:nvPr>
+            <p:extLst>
+              <p:ext uri="{386F3935-93C4-4BCD-93E2-E3B085C9AB24}">
+                <p16:designElem xmlns:p16="http://schemas.microsoft.com/office/powerpoint/2015/main" val="1"/>
+              </p:ext>
+            </p:extLst>
+          </p:nvPr>
+        </p:nvSpPr>
+        <p:spPr>
+          <a:xfrm>
+            <a:off x="0" y="428852"/>
+            <a:ext cx="12192000" cy="736551"/>
+          </a:xfrm>
+          <a:prstGeom prst="rect">
+            <a:avLst/>
+          </a:prstGeom>
+          <a:solidFill>
+            <a:schemeClr val="bg1">
+              <a:alpha val="93000"/>
+            </a:schemeClr>
+          </a:solidFill>
+          <a:ln>
+            <a:noFill/>
+          </a:ln>
+        </p:spPr>
+        <p:style>
+          <a:lnRef idx="2">
+            <a:schemeClr val="accent1">
+              <a:shade val="50000"/>
+            </a:schemeClr>
+          </a:lnRef>
+          <a:fillRef idx="1">
+            <a:schemeClr val="accent1"/>
+          </a:fillRef>
+          <a:effectRef idx="0">
+            <a:schemeClr val="accent1"/>
+          </a:effectRef>
+          <a:fontRef idx="minor">
+            <a:schemeClr val="lt1"/>
+          </a:fontRef>
+        </p:style>
+        <p:txBody>
+          <a:bodyPr rtlCol="0" anchor="ctr"/>
+          <a:lstStyle/>
+          <a:p>
+            <a:pPr algn="ctr"/>
+            <a:endParaRPr lang="en-US"/>
+          </a:p>
+        </p:txBody>
+      </p:sp>
+      <p:sp>
+        <p:nvSpPr>
+          <p:cNvPr id="2" name="Title 1">
+            <a:extLst>
+              <a:ext uri="{FF2B5EF4-FFF2-40B4-BE49-F238E27FC236}">
+                <a16:creationId xmlns:a16="http://schemas.microsoft.com/office/drawing/2014/main" id="{ECEE2296-95AA-4975-BEE0-56A7C1EEF7EA}"/>
+              </a:ext>
+            </a:extLst>
+          </p:cNvPr>
+          <p:cNvSpPr>
+            <a:spLocks noGrp="1"/>
+          </p:cNvSpPr>
+          <p:nvPr>
+            <p:ph type="title"/>
+          </p:nvPr>
+        </p:nvSpPr>
+        <p:spPr>
+          <a:xfrm>
+            <a:off x="523875" y="425950"/>
+            <a:ext cx="11210925" cy="744836"/>
+          </a:xfrm>
+        </p:spPr>
+        <p:txBody>
+          <a:bodyPr vert="horz" lIns="91440" tIns="45720" rIns="91440" bIns="45720" rtlCol="0" anchor="ctr">
+            <a:normAutofit/>
+          </a:bodyPr>
+          <a:lstStyle/>
+          <a:p>
+            <a:pPr algn="ctr"/>
+            <a:r>
+              <a:rPr lang="en-US" sz="3600">
+                <a:solidFill>
+                  <a:schemeClr val="tx1">
+                    <a:lumMod val="85000"/>
+                    <a:lumOff val="15000"/>
+                  </a:schemeClr>
+                </a:solidFill>
+              </a:rPr>
+              <a:t>Demo</a:t>
+            </a:r>
+          </a:p>
+        </p:txBody>
+      </p:sp>
+      <p:cxnSp>
+        <p:nvCxnSpPr>
+          <p:cNvPr id="12" name="Straight Connector 11">
+            <a:extLst>
+              <a:ext uri="{FF2B5EF4-FFF2-40B4-BE49-F238E27FC236}">
+                <a16:creationId xmlns:a16="http://schemas.microsoft.com/office/drawing/2014/main" id="{AA2EAA10-076F-46BD-8F0F-B9A2FB77A85C}"/>
+              </a:ext>
+              <a:ext uri="{C183D7F6-B498-43B3-948B-1728B52AA6E4}">
+                <adec:decorative xmlns:adec="http://schemas.microsoft.com/office/drawing/2017/decorative" val="1"/>
+              </a:ext>
+            </a:extLst>
+          </p:cNvPr>
+          <p:cNvCxnSpPr>
+            <a:cxnSpLocks noGrp="1" noRot="1" noChangeAspect="1" noMove="1" noResize="1" noEditPoints="1" noAdjustHandles="1" noChangeArrowheads="1" noChangeShapeType="1"/>
+          </p:cNvCxnSpPr>
+          <p:nvPr>
+            <p:extLst>
+              <p:ext uri="{386F3935-93C4-4BCD-93E2-E3B085C9AB24}">
+                <p16:designElem xmlns:p16="http://schemas.microsoft.com/office/powerpoint/2015/main" val="1"/>
+              </p:ext>
+            </p:extLst>
+          </p:nvPr>
+        </p:nvCxnSpPr>
+        <p:spPr>
+          <a:xfrm>
+            <a:off x="0" y="350693"/>
+            <a:ext cx="12192000" cy="0"/>
+          </a:xfrm>
+          <a:prstGeom prst="line">
+            <a:avLst/>
+          </a:prstGeom>
+          <a:ln w="41275">
+            <a:solidFill>
+              <a:schemeClr val="bg1">
+                <a:alpha val="90000"/>
+              </a:schemeClr>
+            </a:solidFill>
+          </a:ln>
+        </p:spPr>
+        <p:style>
+          <a:lnRef idx="1">
+            <a:schemeClr val="accent1"/>
+          </a:lnRef>
+          <a:fillRef idx="0">
+            <a:schemeClr val="accent1"/>
+          </a:fillRef>
+          <a:effectRef idx="0">
+            <a:schemeClr val="accent1"/>
+          </a:effectRef>
+          <a:fontRef idx="minor">
+            <a:schemeClr val="tx1"/>
+          </a:fontRef>
+        </p:style>
+      </p:cxnSp>
+      <p:cxnSp>
+        <p:nvCxnSpPr>
+          <p:cNvPr id="14" name="Straight Connector 13">
+            <a:extLst>
+              <a:ext uri="{FF2B5EF4-FFF2-40B4-BE49-F238E27FC236}">
+                <a16:creationId xmlns:a16="http://schemas.microsoft.com/office/drawing/2014/main" id="{D891E407-403B-4764-86C9-33A56D3BCAA3}"/>
+              </a:ext>
+              <a:ext uri="{C183D7F6-B498-43B3-948B-1728B52AA6E4}">
+                <adec:decorative xmlns:adec="http://schemas.microsoft.com/office/drawing/2017/decorative" val="1"/>
+              </a:ext>
+            </a:extLst>
+          </p:cNvPr>
+          <p:cNvCxnSpPr>
+            <a:cxnSpLocks noGrp="1" noRot="1" noChangeAspect="1" noMove="1" noResize="1" noEditPoints="1" noAdjustHandles="1" noChangeArrowheads="1" noChangeShapeType="1"/>
+          </p:cNvCxnSpPr>
+          <p:nvPr>
+            <p:extLst>
+              <p:ext uri="{386F3935-93C4-4BCD-93E2-E3B085C9AB24}">
+                <p16:designElem xmlns:p16="http://schemas.microsoft.com/office/powerpoint/2015/main" val="1"/>
+              </p:ext>
+            </p:extLst>
+          </p:nvPr>
+        </p:nvCxnSpPr>
+        <p:spPr>
+          <a:xfrm>
+            <a:off x="0" y="1243562"/>
+            <a:ext cx="12192000" cy="0"/>
+          </a:xfrm>
+          <a:prstGeom prst="line">
+            <a:avLst/>
+          </a:prstGeom>
+          <a:ln w="41275">
+            <a:solidFill>
+              <a:schemeClr val="bg1">
+                <a:alpha val="90000"/>
+              </a:schemeClr>
+            </a:solidFill>
+          </a:ln>
+        </p:spPr>
+        <p:style>
+          <a:lnRef idx="1">
+            <a:schemeClr val="accent1"/>
+          </a:lnRef>
+          <a:fillRef idx="0">
+            <a:schemeClr val="accent1"/>
+          </a:fillRef>
+          <a:effectRef idx="0">
+            <a:schemeClr val="accent1"/>
+          </a:effectRef>
+          <a:fontRef idx="minor">
+            <a:schemeClr val="tx1"/>
+          </a:fontRef>
+        </p:style>
+      </p:cxnSp>
+    </p:spTree>
+    <p:extLst>
+      <p:ext uri="{BB962C8B-B14F-4D97-AF65-F5344CB8AC3E}">
+        <p14:creationId xmlns:p14="http://schemas.microsoft.com/office/powerpoint/2010/main" val="4038902204"/>
+      </p:ext>
+    </p:extLst>
+  </p:cSld>
+  <p:clrMapOvr>
+    <a:masterClrMapping/>
+  </p:clrMapOvr>
+</p:sld>
+</file>
+
 <file path=ppt/slides/slide13.xml><?xml version="1.0" encoding="utf-8"?>
+<p:sld xmlns:a="http://schemas.openxmlformats.org/drawingml/2006/main" xmlns:r="http://schemas.openxmlformats.org/officeDocument/2006/relationships" xmlns:p="http://schemas.openxmlformats.org/presentationml/2006/main">
+  <p:cSld>
+    <p:spTree>
+      <p:nvGrpSpPr>
+        <p:cNvPr id="1" name=""/>
+        <p:cNvGrpSpPr/>
+        <p:nvPr/>
+      </p:nvGrpSpPr>
+      <p:grpSpPr>
+        <a:xfrm>
+          <a:off x="0" y="0"/>
+          <a:ext cx="0" cy="0"/>
+          <a:chOff x="0" y="0"/>
+          <a:chExt cx="0" cy="0"/>
+        </a:xfrm>
+      </p:grpSpPr>
+      <p:sp>
+        <p:nvSpPr>
+          <p:cNvPr id="2" name="Title 1">
+            <a:extLst>
+              <a:ext uri="{FF2B5EF4-FFF2-40B4-BE49-F238E27FC236}">
+                <a16:creationId xmlns:a16="http://schemas.microsoft.com/office/drawing/2014/main" id="{96050031-2FE0-4A73-8872-2C9DA5164550}"/>
+              </a:ext>
+            </a:extLst>
+          </p:cNvPr>
+          <p:cNvSpPr>
+            <a:spLocks noGrp="1"/>
+          </p:cNvSpPr>
+          <p:nvPr>
+            <p:ph type="title"/>
+          </p:nvPr>
+        </p:nvSpPr>
+        <p:spPr/>
+        <p:txBody>
+          <a:bodyPr/>
+          <a:lstStyle/>
+          <a:p>
+            <a:r>
+              <a:rPr lang="en-US" dirty="0"/>
+              <a:t>More Uses</a:t>
+            </a:r>
+          </a:p>
+        </p:txBody>
+      </p:sp>
+      <p:sp>
+        <p:nvSpPr>
+          <p:cNvPr id="3" name="Content Placeholder 2">
+            <a:extLst>
+              <a:ext uri="{FF2B5EF4-FFF2-40B4-BE49-F238E27FC236}">
+                <a16:creationId xmlns:a16="http://schemas.microsoft.com/office/drawing/2014/main" id="{624BEE8F-7256-414C-BA14-F86BFB2DA77E}"/>
+              </a:ext>
+            </a:extLst>
+          </p:cNvPr>
+          <p:cNvSpPr>
+            <a:spLocks noGrp="1"/>
+          </p:cNvSpPr>
+          <p:nvPr>
+            <p:ph idx="1"/>
+          </p:nvPr>
+        </p:nvSpPr>
+        <p:spPr/>
+        <p:txBody>
+          <a:bodyPr/>
+          <a:lstStyle/>
+          <a:p>
+            <a:endParaRPr lang="en-US" dirty="0"/>
+          </a:p>
+          <a:p>
+            <a:r>
+              <a:rPr lang="en-US" dirty="0"/>
+              <a:t>Development Tools</a:t>
+            </a:r>
+          </a:p>
+          <a:p>
+            <a:pPr lvl="1"/>
+            <a:r>
+              <a:rPr lang="en-US" dirty="0"/>
+              <a:t>Build image with all your tooling in it, save the image, and use it anywhere on any system</a:t>
+            </a:r>
+          </a:p>
+          <a:p>
+            <a:pPr marL="457200" lvl="1" indent="0">
+              <a:buNone/>
+            </a:pPr>
+            <a:endParaRPr lang="en-US" dirty="0"/>
+          </a:p>
+          <a:p>
+            <a:r>
+              <a:rPr lang="en-US" dirty="0"/>
+              <a:t>Testing Environments</a:t>
+            </a:r>
+          </a:p>
+          <a:p>
+            <a:pPr lvl="1"/>
+            <a:r>
+              <a:rPr lang="en-US" dirty="0"/>
+              <a:t>When you drop and remove a container, IT’S GONE!!</a:t>
+            </a:r>
+          </a:p>
+        </p:txBody>
+      </p:sp>
+    </p:spTree>
+    <p:extLst>
+      <p:ext uri="{BB962C8B-B14F-4D97-AF65-F5344CB8AC3E}">
+        <p14:creationId xmlns:p14="http://schemas.microsoft.com/office/powerpoint/2010/main" val="1007305374"/>
+      </p:ext>
+    </p:extLst>
+  </p:cSld>
+  <p:clrMapOvr>
+    <a:masterClrMapping/>
+  </p:clrMapOvr>
+</p:sld>
+</file>
+
+<file path=ppt/slides/slide14.xml><?xml version="1.0" encoding="utf-8"?>
+<p:sld xmlns:a="http://schemas.openxmlformats.org/drawingml/2006/main" xmlns:r="http://schemas.openxmlformats.org/officeDocument/2006/relationships" xmlns:p="http://schemas.openxmlformats.org/presentationml/2006/main">
+  <p:cSld>
+    <p:spTree>
+      <p:nvGrpSpPr>
+        <p:cNvPr id="1" name=""/>
+        <p:cNvGrpSpPr/>
+        <p:nvPr/>
+      </p:nvGrpSpPr>
+      <p:grpSpPr>
+        <a:xfrm>
+          <a:off x="0" y="0"/>
+          <a:ext cx="0" cy="0"/>
+          <a:chOff x="0" y="0"/>
+          <a:chExt cx="0" cy="0"/>
+        </a:xfrm>
+      </p:grpSpPr>
+      <p:sp>
+        <p:nvSpPr>
+          <p:cNvPr id="2" name="Title 1">
+            <a:extLst>
+              <a:ext uri="{FF2B5EF4-FFF2-40B4-BE49-F238E27FC236}">
+                <a16:creationId xmlns:a16="http://schemas.microsoft.com/office/drawing/2014/main" id="{36BA94A0-0F46-4D9A-AF1E-A9E6EC8EE0C3}"/>
+              </a:ext>
+            </a:extLst>
+          </p:cNvPr>
+          <p:cNvSpPr>
+            <a:spLocks noGrp="1"/>
+          </p:cNvSpPr>
+          <p:nvPr>
+            <p:ph type="title"/>
+          </p:nvPr>
+        </p:nvSpPr>
+        <p:spPr>
+          <a:xfrm>
+            <a:off x="749424" y="378857"/>
+            <a:ext cx="10515600" cy="1325563"/>
+          </a:xfrm>
+        </p:spPr>
+        <p:txBody>
+          <a:bodyPr/>
+          <a:lstStyle/>
+          <a:p>
+            <a:r>
+              <a:rPr lang="en-US" dirty="0"/>
+              <a:t>Special Considerations</a:t>
+            </a:r>
+          </a:p>
+        </p:txBody>
+      </p:sp>
+      <p:sp>
+        <p:nvSpPr>
+          <p:cNvPr id="3" name="Content Placeholder 2">
+            <a:extLst>
+              <a:ext uri="{FF2B5EF4-FFF2-40B4-BE49-F238E27FC236}">
+                <a16:creationId xmlns:a16="http://schemas.microsoft.com/office/drawing/2014/main" id="{1627C23C-988E-4412-A1C7-B2805F9A96D0}"/>
+              </a:ext>
+            </a:extLst>
+          </p:cNvPr>
+          <p:cNvSpPr>
+            <a:spLocks noGrp="1"/>
+          </p:cNvSpPr>
+          <p:nvPr>
+            <p:ph idx="1"/>
+          </p:nvPr>
+        </p:nvSpPr>
+        <p:spPr>
+          <a:xfrm>
+            <a:off x="838200" y="1541768"/>
+            <a:ext cx="5589233" cy="455936"/>
+          </a:xfrm>
+        </p:spPr>
+        <p:txBody>
+          <a:bodyPr>
+            <a:normAutofit lnSpcReduction="10000"/>
+          </a:bodyPr>
+          <a:lstStyle/>
+          <a:p>
+            <a:pPr marL="0" indent="0">
+              <a:buNone/>
+            </a:pPr>
+            <a:r>
+              <a:rPr lang="en-US" dirty="0"/>
+              <a:t>Networking</a:t>
+            </a:r>
+          </a:p>
+          <a:p>
+            <a:pPr marL="0" indent="0">
+              <a:buNone/>
+            </a:pPr>
+            <a:endParaRPr lang="en-US" dirty="0"/>
+          </a:p>
+          <a:p>
+            <a:pPr marL="0" indent="0">
+              <a:buNone/>
+            </a:pPr>
+            <a:endParaRPr lang="en-US" dirty="0"/>
+          </a:p>
+          <a:p>
+            <a:pPr marL="0" indent="0">
+              <a:buNone/>
+            </a:pPr>
+            <a:endParaRPr lang="en-US" dirty="0"/>
+          </a:p>
+        </p:txBody>
+      </p:sp>
+      <p:graphicFrame>
+        <p:nvGraphicFramePr>
+          <p:cNvPr id="4" name="Content Placeholder 3">
+            <a:extLst>
+              <a:ext uri="{FF2B5EF4-FFF2-40B4-BE49-F238E27FC236}">
+                <a16:creationId xmlns:a16="http://schemas.microsoft.com/office/drawing/2014/main" id="{D9DC4405-A413-4D73-8381-15433E79E15A}"/>
+              </a:ext>
+            </a:extLst>
+          </p:cNvPr>
+          <p:cNvGraphicFramePr>
+            <a:graphicFrameLocks/>
+          </p:cNvGraphicFramePr>
+          <p:nvPr>
+            <p:extLst>
+              <p:ext uri="{D42A27DB-BD31-4B8C-83A1-F6EECF244321}">
+                <p14:modId xmlns:p14="http://schemas.microsoft.com/office/powerpoint/2010/main" val="1471305868"/>
+              </p:ext>
+            </p:extLst>
+          </p:nvPr>
+        </p:nvGraphicFramePr>
+        <p:xfrm>
+          <a:off x="926976" y="1541768"/>
+          <a:ext cx="10515600" cy="2272268"/>
+        </p:xfrm>
+        <a:graphic>
+          <a:graphicData uri="http://schemas.openxmlformats.org/drawingml/2006/diagram">
+            <dgm:relIds xmlns:dgm="http://schemas.openxmlformats.org/drawingml/2006/diagram" xmlns:r="http://schemas.openxmlformats.org/officeDocument/2006/relationships" r:dm="rId2" r:lo="rId3" r:qs="rId4" r:cs="rId5"/>
+          </a:graphicData>
+        </a:graphic>
+      </p:graphicFrame>
+      <p:sp>
+        <p:nvSpPr>
+          <p:cNvPr id="5" name="Content Placeholder 2">
+            <a:extLst>
+              <a:ext uri="{FF2B5EF4-FFF2-40B4-BE49-F238E27FC236}">
+                <a16:creationId xmlns:a16="http://schemas.microsoft.com/office/drawing/2014/main" id="{138B4F7B-ADF4-4B08-B351-37705B4BFA5A}"/>
+              </a:ext>
+            </a:extLst>
+          </p:cNvPr>
+          <p:cNvSpPr txBox="1">
+            <a:spLocks/>
+          </p:cNvSpPr>
+          <p:nvPr/>
+        </p:nvSpPr>
+        <p:spPr>
+          <a:xfrm>
+            <a:off x="838200" y="4097892"/>
+            <a:ext cx="10515600" cy="1459529"/>
+          </a:xfrm>
+          <a:prstGeom prst="rect">
+            <a:avLst/>
+          </a:prstGeom>
+        </p:spPr>
+        <p:txBody>
+          <a:bodyPr vert="horz" lIns="91440" tIns="45720" rIns="91440" bIns="45720" rtlCol="0">
+            <a:normAutofit/>
+          </a:bodyPr>
+          <a:lstStyle>
+            <a:lvl1pPr marL="228600" indent="-228600" algn="l" defTabSz="914400" rtl="0" eaLnBrk="1" latinLnBrk="0" hangingPunct="1">
+              <a:lnSpc>
+                <a:spcPct val="90000"/>
+              </a:lnSpc>
+              <a:spcBef>
+                <a:spcPts val="1000"/>
+              </a:spcBef>
+              <a:buFont typeface="Arial" panose="020B0604020202020204" pitchFamily="34" charset="0"/>
+              <a:buChar char="•"/>
+              <a:defRPr sz="2800" kern="1200">
+                <a:solidFill>
+                  <a:schemeClr val="tx1"/>
+                </a:solidFill>
+                <a:latin typeface="+mn-lt"/>
+                <a:ea typeface="+mn-ea"/>
+                <a:cs typeface="+mn-cs"/>
+              </a:defRPr>
+            </a:lvl1pPr>
+            <a:lvl2pPr marL="685800" indent="-228600" algn="l" defTabSz="914400" rtl="0" eaLnBrk="1" latinLnBrk="0" hangingPunct="1">
+              <a:lnSpc>
+                <a:spcPct val="90000"/>
+              </a:lnSpc>
+              <a:spcBef>
+                <a:spcPts val="500"/>
+              </a:spcBef>
+              <a:buFont typeface="Arial" panose="020B0604020202020204" pitchFamily="34" charset="0"/>
+              <a:buChar char="•"/>
+              <a:defRPr sz="2400" kern="1200">
+                <a:solidFill>
+                  <a:schemeClr val="tx1"/>
+                </a:solidFill>
+                <a:latin typeface="+mn-lt"/>
+                <a:ea typeface="+mn-ea"/>
+                <a:cs typeface="+mn-cs"/>
+              </a:defRPr>
+            </a:lvl2pPr>
+            <a:lvl3pPr marL="1143000" indent="-228600" algn="l" defTabSz="914400" rtl="0" eaLnBrk="1" latinLnBrk="0" hangingPunct="1">
+              <a:lnSpc>
+                <a:spcPct val="90000"/>
+              </a:lnSpc>
+              <a:spcBef>
+                <a:spcPts val="500"/>
+              </a:spcBef>
+              <a:buFont typeface="Arial" panose="020B0604020202020204" pitchFamily="34" charset="0"/>
+              <a:buChar char="•"/>
+              <a:defRPr sz="2000" kern="1200">
+                <a:solidFill>
+                  <a:schemeClr val="tx1"/>
+                </a:solidFill>
+                <a:latin typeface="+mn-lt"/>
+                <a:ea typeface="+mn-ea"/>
+                <a:cs typeface="+mn-cs"/>
+              </a:defRPr>
+            </a:lvl3pPr>
+            <a:lvl4pPr marL="1600200" indent="-228600" algn="l" defTabSz="914400" rtl="0" eaLnBrk="1" latinLnBrk="0" hangingPunct="1">
+              <a:lnSpc>
+                <a:spcPct val="90000"/>
+              </a:lnSpc>
+              <a:spcBef>
+                <a:spcPts val="500"/>
+              </a:spcBef>
+              <a:buFont typeface="Arial" panose="020B0604020202020204" pitchFamily="34" charset="0"/>
+              <a:buChar char="•"/>
+              <a:defRPr sz="1800" kern="1200">
+                <a:solidFill>
+                  <a:schemeClr val="tx1"/>
+                </a:solidFill>
+                <a:latin typeface="+mn-lt"/>
+                <a:ea typeface="+mn-ea"/>
+                <a:cs typeface="+mn-cs"/>
+              </a:defRPr>
+            </a:lvl4pPr>
+            <a:lvl5pPr marL="2057400" indent="-228600" algn="l" defTabSz="914400" rtl="0" eaLnBrk="1" latinLnBrk="0" hangingPunct="1">
+              <a:lnSpc>
+                <a:spcPct val="90000"/>
+              </a:lnSpc>
+              <a:spcBef>
+                <a:spcPts val="500"/>
+              </a:spcBef>
+              <a:buFont typeface="Arial" panose="020B0604020202020204" pitchFamily="34" charset="0"/>
+              <a:buChar char="•"/>
+              <a:defRPr sz="1800" kern="1200">
+                <a:solidFill>
+                  <a:schemeClr val="tx1"/>
+                </a:solidFill>
+                <a:latin typeface="+mn-lt"/>
+                <a:ea typeface="+mn-ea"/>
+                <a:cs typeface="+mn-cs"/>
+              </a:defRPr>
+            </a:lvl5pPr>
+            <a:lvl6pPr marL="2514600" indent="-228600" algn="l" defTabSz="914400" rtl="0" eaLnBrk="1" latinLnBrk="0" hangingPunct="1">
+              <a:lnSpc>
+                <a:spcPct val="90000"/>
+              </a:lnSpc>
+              <a:spcBef>
+                <a:spcPts val="500"/>
+              </a:spcBef>
+              <a:buFont typeface="Arial" panose="020B0604020202020204" pitchFamily="34" charset="0"/>
+              <a:buChar char="•"/>
+              <a:defRPr sz="1800" kern="1200">
+                <a:solidFill>
+                  <a:schemeClr val="tx1"/>
+                </a:solidFill>
+                <a:latin typeface="+mn-lt"/>
+                <a:ea typeface="+mn-ea"/>
+                <a:cs typeface="+mn-cs"/>
+              </a:defRPr>
+            </a:lvl6pPr>
+            <a:lvl7pPr marL="2971800" indent="-228600" algn="l" defTabSz="914400" rtl="0" eaLnBrk="1" latinLnBrk="0" hangingPunct="1">
+              <a:lnSpc>
+                <a:spcPct val="90000"/>
+              </a:lnSpc>
+              <a:spcBef>
+                <a:spcPts val="500"/>
+              </a:spcBef>
+              <a:buFont typeface="Arial" panose="020B0604020202020204" pitchFamily="34" charset="0"/>
+              <a:buChar char="•"/>
+              <a:defRPr sz="1800" kern="1200">
+                <a:solidFill>
+                  <a:schemeClr val="tx1"/>
+                </a:solidFill>
+                <a:latin typeface="+mn-lt"/>
+                <a:ea typeface="+mn-ea"/>
+                <a:cs typeface="+mn-cs"/>
+              </a:defRPr>
+            </a:lvl7pPr>
+            <a:lvl8pPr marL="3429000" indent="-228600" algn="l" defTabSz="914400" rtl="0" eaLnBrk="1" latinLnBrk="0" hangingPunct="1">
+              <a:lnSpc>
+                <a:spcPct val="90000"/>
+              </a:lnSpc>
+              <a:spcBef>
+                <a:spcPts val="500"/>
+              </a:spcBef>
+              <a:buFont typeface="Arial" panose="020B0604020202020204" pitchFamily="34" charset="0"/>
+              <a:buChar char="•"/>
+              <a:defRPr sz="1800" kern="1200">
+                <a:solidFill>
+                  <a:schemeClr val="tx1"/>
+                </a:solidFill>
+                <a:latin typeface="+mn-lt"/>
+                <a:ea typeface="+mn-ea"/>
+                <a:cs typeface="+mn-cs"/>
+              </a:defRPr>
+            </a:lvl8pPr>
+            <a:lvl9pPr marL="3886200" indent="-228600" algn="l" defTabSz="914400" rtl="0" eaLnBrk="1" latinLnBrk="0" hangingPunct="1">
+              <a:lnSpc>
+                <a:spcPct val="90000"/>
+              </a:lnSpc>
+              <a:spcBef>
+                <a:spcPts val="500"/>
+              </a:spcBef>
+              <a:buFont typeface="Arial" panose="020B0604020202020204" pitchFamily="34" charset="0"/>
+              <a:buChar char="•"/>
+              <a:defRPr sz="1800" kern="1200">
+                <a:solidFill>
+                  <a:schemeClr val="tx1"/>
+                </a:solidFill>
+                <a:latin typeface="+mn-lt"/>
+                <a:ea typeface="+mn-ea"/>
+                <a:cs typeface="+mn-cs"/>
+              </a:defRPr>
+            </a:lvl9pPr>
+          </a:lstStyle>
+          <a:p>
+            <a:pPr marL="0" indent="0">
+              <a:buFont typeface="Arial" panose="020B0604020202020204" pitchFamily="34" charset="0"/>
+              <a:buNone/>
+            </a:pPr>
+            <a:r>
+              <a:rPr lang="en-US" dirty="0"/>
+              <a:t>Volume Mounts</a:t>
+            </a:r>
+          </a:p>
+          <a:p>
+            <a:pPr marL="457200" lvl="1" indent="0">
+              <a:buNone/>
+            </a:pPr>
+            <a:r>
+              <a:rPr lang="en-US" dirty="0"/>
+              <a:t>Shared between Host OS and container</a:t>
+            </a:r>
+          </a:p>
+          <a:p>
+            <a:pPr marL="457200" lvl="1" indent="0">
+              <a:buNone/>
+            </a:pPr>
+            <a:r>
+              <a:rPr lang="en-US" dirty="0"/>
+              <a:t>Allows for data persistence when containers are dropped</a:t>
+            </a:r>
+          </a:p>
+          <a:p>
+            <a:pPr marL="0" indent="0">
+              <a:buFont typeface="Arial" panose="020B0604020202020204" pitchFamily="34" charset="0"/>
+              <a:buNone/>
+            </a:pPr>
+            <a:endParaRPr lang="en-US" dirty="0"/>
+          </a:p>
+          <a:p>
+            <a:pPr marL="0" indent="0">
+              <a:buFont typeface="Arial" panose="020B0604020202020204" pitchFamily="34" charset="0"/>
+              <a:buNone/>
+            </a:pPr>
+            <a:endParaRPr lang="en-US" dirty="0"/>
+          </a:p>
+          <a:p>
+            <a:pPr marL="0" indent="0">
+              <a:buFont typeface="Arial" panose="020B0604020202020204" pitchFamily="34" charset="0"/>
+              <a:buNone/>
+            </a:pPr>
+            <a:endParaRPr lang="en-US" dirty="0"/>
+          </a:p>
+        </p:txBody>
+      </p:sp>
+    </p:spTree>
+    <p:extLst>
+      <p:ext uri="{BB962C8B-B14F-4D97-AF65-F5344CB8AC3E}">
+        <p14:creationId xmlns:p14="http://schemas.microsoft.com/office/powerpoint/2010/main" val="4293024045"/>
+      </p:ext>
+    </p:extLst>
+  </p:cSld>
+  <p:clrMapOvr>
+    <a:masterClrMapping/>
+  </p:clrMapOvr>
+</p:sld>
+</file>
+
+<file path=ppt/slides/slide15.xml><?xml version="1.0" encoding="utf-8"?>
 <p:sld xmlns:a="http://schemas.openxmlformats.org/drawingml/2006/main" xmlns:r="http://schemas.openxmlformats.org/officeDocument/2006/relationships" xmlns:p="http://schemas.openxmlformats.org/presentationml/2006/main">
   <p:cSld>
     <p:bg>
@@ -32234,297 +35542,6 @@
           <a:chExt cx="0" cy="0"/>
         </a:xfrm>
       </p:grpSpPr>
-      <p:pic>
-        <p:nvPicPr>
-          <p:cNvPr id="5" name="Content Placeholder 4">
-            <a:extLst>
-              <a:ext uri="{FF2B5EF4-FFF2-40B4-BE49-F238E27FC236}">
-                <a16:creationId xmlns:a16="http://schemas.microsoft.com/office/drawing/2014/main" id="{E108206F-F785-49FC-AF4A-321CABA0518E}"/>
-              </a:ext>
-            </a:extLst>
-          </p:cNvPr>
-          <p:cNvPicPr>
-            <a:picLocks noGrp="1" noChangeAspect="1"/>
-          </p:cNvPicPr>
-          <p:nvPr>
-            <p:ph idx="1"/>
-          </p:nvPr>
-        </p:nvPicPr>
-        <p:blipFill rotWithShape="1">
-          <a:blip r:embed="rId2">
-            <a:extLst>
-              <a:ext uri="{28A0092B-C50C-407E-A947-70E740481C1C}">
-                <a14:useLocalDpi xmlns:a14="http://schemas.microsoft.com/office/drawing/2010/main" val="0"/>
-              </a:ext>
-            </a:extLst>
-          </a:blip>
-          <a:srcRect b="25000"/>
-          <a:stretch/>
-        </p:blipFill>
-        <p:spPr>
-          <a:xfrm>
-            <a:off x="20" y="10"/>
-            <a:ext cx="12191980" cy="6857990"/>
-          </a:xfrm>
-          <a:prstGeom prst="rect">
-            <a:avLst/>
-          </a:prstGeom>
-        </p:spPr>
-      </p:pic>
-      <p:sp>
-        <p:nvSpPr>
-          <p:cNvPr id="10" name="Rectangle 9">
-            <a:extLst>
-              <a:ext uri="{FF2B5EF4-FFF2-40B4-BE49-F238E27FC236}">
-                <a16:creationId xmlns:a16="http://schemas.microsoft.com/office/drawing/2014/main" id="{37C89E4B-3C9F-44B9-8B86-D9E3D112D8EC}"/>
-              </a:ext>
-              <a:ext uri="{C183D7F6-B498-43B3-948B-1728B52AA6E4}">
-                <adec:decorative xmlns:adec="http://schemas.microsoft.com/office/drawing/2017/decorative" val="1"/>
-              </a:ext>
-            </a:extLst>
-          </p:cNvPr>
-          <p:cNvSpPr>
-            <a:spLocks noGrp="1" noRot="1" noChangeAspect="1" noMove="1" noResize="1" noEditPoints="1" noAdjustHandles="1" noChangeArrowheads="1" noChangeShapeType="1" noTextEdit="1"/>
-          </p:cNvSpPr>
-          <p:nvPr>
-            <p:extLst>
-              <p:ext uri="{386F3935-93C4-4BCD-93E2-E3B085C9AB24}">
-                <p16:designElem xmlns:p16="http://schemas.microsoft.com/office/powerpoint/2015/main" val="1"/>
-              </p:ext>
-            </p:extLst>
-          </p:nvPr>
-        </p:nvSpPr>
-        <p:spPr>
-          <a:xfrm>
-            <a:off x="0" y="428852"/>
-            <a:ext cx="12192000" cy="736551"/>
-          </a:xfrm>
-          <a:prstGeom prst="rect">
-            <a:avLst/>
-          </a:prstGeom>
-          <a:solidFill>
-            <a:schemeClr val="bg1">
-              <a:alpha val="93000"/>
-            </a:schemeClr>
-          </a:solidFill>
-          <a:ln>
-            <a:noFill/>
-          </a:ln>
-        </p:spPr>
-        <p:style>
-          <a:lnRef idx="2">
-            <a:schemeClr val="accent1">
-              <a:shade val="50000"/>
-            </a:schemeClr>
-          </a:lnRef>
-          <a:fillRef idx="1">
-            <a:schemeClr val="accent1"/>
-          </a:fillRef>
-          <a:effectRef idx="0">
-            <a:schemeClr val="accent1"/>
-          </a:effectRef>
-          <a:fontRef idx="minor">
-            <a:schemeClr val="lt1"/>
-          </a:fontRef>
-        </p:style>
-        <p:txBody>
-          <a:bodyPr rtlCol="0" anchor="ctr"/>
-          <a:lstStyle/>
-          <a:p>
-            <a:pPr algn="ctr"/>
-            <a:endParaRPr lang="en-US"/>
-          </a:p>
-        </p:txBody>
-      </p:sp>
-      <p:sp>
-        <p:nvSpPr>
-          <p:cNvPr id="2" name="Title 1">
-            <a:extLst>
-              <a:ext uri="{FF2B5EF4-FFF2-40B4-BE49-F238E27FC236}">
-                <a16:creationId xmlns:a16="http://schemas.microsoft.com/office/drawing/2014/main" id="{ECEE2296-95AA-4975-BEE0-56A7C1EEF7EA}"/>
-              </a:ext>
-            </a:extLst>
-          </p:cNvPr>
-          <p:cNvSpPr>
-            <a:spLocks noGrp="1"/>
-          </p:cNvSpPr>
-          <p:nvPr>
-            <p:ph type="title"/>
-          </p:nvPr>
-        </p:nvSpPr>
-        <p:spPr>
-          <a:xfrm>
-            <a:off x="523875" y="425950"/>
-            <a:ext cx="11210925" cy="744836"/>
-          </a:xfrm>
-        </p:spPr>
-        <p:txBody>
-          <a:bodyPr vert="horz" lIns="91440" tIns="45720" rIns="91440" bIns="45720" rtlCol="0" anchor="ctr">
-            <a:normAutofit/>
-          </a:bodyPr>
-          <a:lstStyle/>
-          <a:p>
-            <a:pPr algn="ctr"/>
-            <a:r>
-              <a:rPr lang="en-US" sz="3600">
-                <a:solidFill>
-                  <a:schemeClr val="tx1">
-                    <a:lumMod val="85000"/>
-                    <a:lumOff val="15000"/>
-                  </a:schemeClr>
-                </a:solidFill>
-              </a:rPr>
-              <a:t>Demo</a:t>
-            </a:r>
-          </a:p>
-        </p:txBody>
-      </p:sp>
-      <p:cxnSp>
-        <p:nvCxnSpPr>
-          <p:cNvPr id="12" name="Straight Connector 11">
-            <a:extLst>
-              <a:ext uri="{FF2B5EF4-FFF2-40B4-BE49-F238E27FC236}">
-                <a16:creationId xmlns:a16="http://schemas.microsoft.com/office/drawing/2014/main" id="{AA2EAA10-076F-46BD-8F0F-B9A2FB77A85C}"/>
-              </a:ext>
-              <a:ext uri="{C183D7F6-B498-43B3-948B-1728B52AA6E4}">
-                <adec:decorative xmlns:adec="http://schemas.microsoft.com/office/drawing/2017/decorative" val="1"/>
-              </a:ext>
-            </a:extLst>
-          </p:cNvPr>
-          <p:cNvCxnSpPr>
-            <a:cxnSpLocks noGrp="1" noRot="1" noChangeAspect="1" noMove="1" noResize="1" noEditPoints="1" noAdjustHandles="1" noChangeArrowheads="1" noChangeShapeType="1"/>
-          </p:cNvCxnSpPr>
-          <p:nvPr>
-            <p:extLst>
-              <p:ext uri="{386F3935-93C4-4BCD-93E2-E3B085C9AB24}">
-                <p16:designElem xmlns:p16="http://schemas.microsoft.com/office/powerpoint/2015/main" val="1"/>
-              </p:ext>
-            </p:extLst>
-          </p:nvPr>
-        </p:nvCxnSpPr>
-        <p:spPr>
-          <a:xfrm>
-            <a:off x="0" y="350693"/>
-            <a:ext cx="12192000" cy="0"/>
-          </a:xfrm>
-          <a:prstGeom prst="line">
-            <a:avLst/>
-          </a:prstGeom>
-          <a:ln w="41275">
-            <a:solidFill>
-              <a:schemeClr val="bg1">
-                <a:alpha val="90000"/>
-              </a:schemeClr>
-            </a:solidFill>
-          </a:ln>
-        </p:spPr>
-        <p:style>
-          <a:lnRef idx="1">
-            <a:schemeClr val="accent1"/>
-          </a:lnRef>
-          <a:fillRef idx="0">
-            <a:schemeClr val="accent1"/>
-          </a:fillRef>
-          <a:effectRef idx="0">
-            <a:schemeClr val="accent1"/>
-          </a:effectRef>
-          <a:fontRef idx="minor">
-            <a:schemeClr val="tx1"/>
-          </a:fontRef>
-        </p:style>
-      </p:cxnSp>
-      <p:cxnSp>
-        <p:nvCxnSpPr>
-          <p:cNvPr id="14" name="Straight Connector 13">
-            <a:extLst>
-              <a:ext uri="{FF2B5EF4-FFF2-40B4-BE49-F238E27FC236}">
-                <a16:creationId xmlns:a16="http://schemas.microsoft.com/office/drawing/2014/main" id="{D891E407-403B-4764-86C9-33A56D3BCAA3}"/>
-              </a:ext>
-              <a:ext uri="{C183D7F6-B498-43B3-948B-1728B52AA6E4}">
-                <adec:decorative xmlns:adec="http://schemas.microsoft.com/office/drawing/2017/decorative" val="1"/>
-              </a:ext>
-            </a:extLst>
-          </p:cNvPr>
-          <p:cNvCxnSpPr>
-            <a:cxnSpLocks noGrp="1" noRot="1" noChangeAspect="1" noMove="1" noResize="1" noEditPoints="1" noAdjustHandles="1" noChangeArrowheads="1" noChangeShapeType="1"/>
-          </p:cNvCxnSpPr>
-          <p:nvPr>
-            <p:extLst>
-              <p:ext uri="{386F3935-93C4-4BCD-93E2-E3B085C9AB24}">
-                <p16:designElem xmlns:p16="http://schemas.microsoft.com/office/powerpoint/2015/main" val="1"/>
-              </p:ext>
-            </p:extLst>
-          </p:nvPr>
-        </p:nvCxnSpPr>
-        <p:spPr>
-          <a:xfrm>
-            <a:off x="0" y="1243562"/>
-            <a:ext cx="12192000" cy="0"/>
-          </a:xfrm>
-          <a:prstGeom prst="line">
-            <a:avLst/>
-          </a:prstGeom>
-          <a:ln w="41275">
-            <a:solidFill>
-              <a:schemeClr val="bg1">
-                <a:alpha val="90000"/>
-              </a:schemeClr>
-            </a:solidFill>
-          </a:ln>
-        </p:spPr>
-        <p:style>
-          <a:lnRef idx="1">
-            <a:schemeClr val="accent1"/>
-          </a:lnRef>
-          <a:fillRef idx="0">
-            <a:schemeClr val="accent1"/>
-          </a:fillRef>
-          <a:effectRef idx="0">
-            <a:schemeClr val="accent1"/>
-          </a:effectRef>
-          <a:fontRef idx="minor">
-            <a:schemeClr val="tx1"/>
-          </a:fontRef>
-        </p:style>
-      </p:cxnSp>
-    </p:spTree>
-    <p:extLst>
-      <p:ext uri="{BB962C8B-B14F-4D97-AF65-F5344CB8AC3E}">
-        <p14:creationId xmlns:p14="http://schemas.microsoft.com/office/powerpoint/2010/main" val="4038902204"/>
-      </p:ext>
-    </p:extLst>
-  </p:cSld>
-  <p:clrMapOvr>
-    <a:masterClrMapping/>
-  </p:clrMapOvr>
-</p:sld>
-</file>
-
-<file path=ppt/slides/slide5.xml><?xml version="1.0" encoding="utf-8"?>
-<p:sld xmlns:a="http://schemas.openxmlformats.org/drawingml/2006/main" xmlns:r="http://schemas.openxmlformats.org/officeDocument/2006/relationships" xmlns:p="http://schemas.openxmlformats.org/presentationml/2006/main">
-  <p:cSld>
-    <p:bg>
-      <p:bgPr>
-        <a:solidFill>
-          <a:schemeClr val="bg1"/>
-        </a:solidFill>
-        <a:effectLst/>
-      </p:bgPr>
-    </p:bg>
-    <p:spTree>
-      <p:nvGrpSpPr>
-        <p:cNvPr id="1" name=""/>
-        <p:cNvGrpSpPr/>
-        <p:nvPr/>
-      </p:nvGrpSpPr>
-      <p:grpSpPr>
-        <a:xfrm>
-          <a:off x="0" y="0"/>
-          <a:ext cx="0" cy="0"/>
-          <a:chOff x="0" y="0"/>
-          <a:chExt cx="0" cy="0"/>
-        </a:xfrm>
-      </p:grpSpPr>
       <p:sp>
         <p:nvSpPr>
           <p:cNvPr id="10" name="Freeform: Shape 9">
@@ -33040,7 +36057,7 @@
                   <a:srgbClr val="FFFFFF"/>
                 </a:solidFill>
               </a:rPr>
-              <a:t>How’d that work?</a:t>
+              <a:t>How’s it work?</a:t>
             </a:r>
           </a:p>
         </p:txBody>
@@ -33089,7 +36106,7 @@
 </p:sld>
 </file>
 
-<file path=ppt/slides/slide6.xml><?xml version="1.0" encoding="utf-8"?>
+<file path=ppt/slides/slide5.xml><?xml version="1.0" encoding="utf-8"?>
 <p:sld xmlns:a="http://schemas.openxmlformats.org/drawingml/2006/main" xmlns:r="http://schemas.openxmlformats.org/officeDocument/2006/relationships" xmlns:p="http://schemas.openxmlformats.org/presentationml/2006/main">
   <p:cSld>
     <p:spTree>
@@ -33178,7 +36195,7 @@
 </p:sld>
 </file>
 
-<file path=ppt/slides/slide7.xml><?xml version="1.0" encoding="utf-8"?>
+<file path=ppt/slides/slide6.xml><?xml version="1.0" encoding="utf-8"?>
 <p:sld xmlns:a="http://schemas.openxmlformats.org/drawingml/2006/main" xmlns:r="http://schemas.openxmlformats.org/officeDocument/2006/relationships" xmlns:p="http://schemas.openxmlformats.org/presentationml/2006/main">
   <p:cSld>
     <p:spTree>
@@ -33239,7 +36256,7 @@
             <p:ph idx="1"/>
             <p:extLst>
               <p:ext uri="{D42A27DB-BD31-4B8C-83A1-F6EECF244321}">
-                <p14:modId xmlns:p14="http://schemas.microsoft.com/office/powerpoint/2010/main" val="3282075152"/>
+                <p14:modId xmlns:p14="http://schemas.microsoft.com/office/powerpoint/2010/main" val="1506380551"/>
               </p:ext>
             </p:extLst>
           </p:nvPr>
@@ -33267,7 +36284,7 @@
 </p:sld>
 </file>
 
-<file path=ppt/slides/slide8.xml><?xml version="1.0" encoding="utf-8"?>
+<file path=ppt/slides/slide7.xml><?xml version="1.0" encoding="utf-8"?>
 <p:sld xmlns:a="http://schemas.openxmlformats.org/drawingml/2006/main" xmlns:r="http://schemas.openxmlformats.org/officeDocument/2006/relationships" xmlns:p="http://schemas.openxmlformats.org/presentationml/2006/main">
   <p:cSld>
     <p:spTree>
@@ -33399,7 +36416,7 @@
 </p:sld>
 </file>
 
-<file path=ppt/slides/slide9.xml><?xml version="1.0" encoding="utf-8"?>
+<file path=ppt/slides/slide8.xml><?xml version="1.0" encoding="utf-8"?>
 <p:sld xmlns:a="http://schemas.openxmlformats.org/drawingml/2006/main" xmlns:r="http://schemas.openxmlformats.org/officeDocument/2006/relationships" xmlns:p="http://schemas.openxmlformats.org/presentationml/2006/main">
   <p:cSld>
     <p:bg>
@@ -33960,7 +36977,7 @@
             <p:ph idx="1"/>
             <p:extLst>
               <p:ext uri="{D42A27DB-BD31-4B8C-83A1-F6EECF244321}">
-                <p14:modId xmlns:p14="http://schemas.microsoft.com/office/powerpoint/2010/main" val="2020394051"/>
+                <p14:modId xmlns:p14="http://schemas.microsoft.com/office/powerpoint/2010/main" val="3600648153"/>
               </p:ext>
             </p:extLst>
           </p:nvPr>
@@ -33979,6 +36996,595 @@
     <p:extLst>
       <p:ext uri="{BB962C8B-B14F-4D97-AF65-F5344CB8AC3E}">
         <p14:creationId xmlns:p14="http://schemas.microsoft.com/office/powerpoint/2010/main" val="1604201724"/>
+      </p:ext>
+    </p:extLst>
+  </p:cSld>
+  <p:clrMapOvr>
+    <a:masterClrMapping/>
+  </p:clrMapOvr>
+</p:sld>
+</file>
+
+<file path=ppt/slides/slide9.xml><?xml version="1.0" encoding="utf-8"?>
+<p:sld xmlns:a="http://schemas.openxmlformats.org/drawingml/2006/main" xmlns:r="http://schemas.openxmlformats.org/officeDocument/2006/relationships" xmlns:p="http://schemas.openxmlformats.org/presentationml/2006/main">
+  <p:cSld>
+    <p:bg>
+      <p:bgPr>
+        <a:solidFill>
+          <a:schemeClr val="bg1"/>
+        </a:solidFill>
+        <a:effectLst/>
+      </p:bgPr>
+    </p:bg>
+    <p:spTree>
+      <p:nvGrpSpPr>
+        <p:cNvPr id="1" name=""/>
+        <p:cNvGrpSpPr/>
+        <p:nvPr/>
+      </p:nvGrpSpPr>
+      <p:grpSpPr>
+        <a:xfrm>
+          <a:off x="0" y="0"/>
+          <a:ext cx="0" cy="0"/>
+          <a:chOff x="0" y="0"/>
+          <a:chExt cx="0" cy="0"/>
+        </a:xfrm>
+      </p:grpSpPr>
+      <p:sp>
+        <p:nvSpPr>
+          <p:cNvPr id="10" name="Freeform: Shape 9">
+            <a:extLst>
+              <a:ext uri="{FF2B5EF4-FFF2-40B4-BE49-F238E27FC236}">
+                <a16:creationId xmlns:a16="http://schemas.microsoft.com/office/drawing/2014/main" id="{46C2E80F-49A6-4372-B103-219D417A55ED}"/>
+              </a:ext>
+              <a:ext uri="{C183D7F6-B498-43B3-948B-1728B52AA6E4}">
+                <adec:decorative xmlns:adec="http://schemas.microsoft.com/office/drawing/2017/decorative" val="1"/>
+              </a:ext>
+            </a:extLst>
+          </p:cNvPr>
+          <p:cNvSpPr>
+            <a:spLocks noGrp="1" noRot="1" noChangeAspect="1" noMove="1" noResize="1" noEditPoints="1" noAdjustHandles="1" noChangeArrowheads="1" noChangeShapeType="1" noTextEdit="1"/>
+          </p:cNvSpPr>
+          <p:nvPr>
+            <p:extLst>
+              <p:ext uri="{386F3935-93C4-4BCD-93E2-E3B085C9AB24}">
+                <p16:designElem xmlns:p16="http://schemas.microsoft.com/office/powerpoint/2015/main" val="1"/>
+              </p:ext>
+            </p:extLst>
+          </p:nvPr>
+        </p:nvSpPr>
+        <p:spPr>
+          <a:xfrm>
+            <a:off x="484096" y="470925"/>
+            <a:ext cx="4381009" cy="5892104"/>
+          </a:xfrm>
+          <a:custGeom>
+            <a:avLst/>
+            <a:gdLst>
+              <a:gd name="connsiteX0" fmla="*/ 0 w 4381009"/>
+              <a:gd name="connsiteY0" fmla="*/ 0 h 5892104"/>
+              <a:gd name="connsiteX1" fmla="*/ 4157628 w 4381009"/>
+              <a:gd name="connsiteY1" fmla="*/ 0 h 5892104"/>
+              <a:gd name="connsiteX2" fmla="*/ 4169302 w 4381009"/>
+              <a:gd name="connsiteY2" fmla="*/ 68659 h 5892104"/>
+              <a:gd name="connsiteX3" fmla="*/ 4191571 w 4381009"/>
+              <a:gd name="connsiteY3" fmla="*/ 205472 h 5892104"/>
+              <a:gd name="connsiteX4" fmla="*/ 4213368 w 4381009"/>
+              <a:gd name="connsiteY4" fmla="*/ 342890 h 5892104"/>
+              <a:gd name="connsiteX5" fmla="*/ 4232030 w 4381009"/>
+              <a:gd name="connsiteY5" fmla="*/ 480913 h 5892104"/>
+              <a:gd name="connsiteX6" fmla="*/ 4250848 w 4381009"/>
+              <a:gd name="connsiteY6" fmla="*/ 618332 h 5892104"/>
+              <a:gd name="connsiteX7" fmla="*/ 4268412 w 4381009"/>
+              <a:gd name="connsiteY7" fmla="*/ 756355 h 5892104"/>
+              <a:gd name="connsiteX8" fmla="*/ 4283467 w 4381009"/>
+              <a:gd name="connsiteY8" fmla="*/ 892563 h 5892104"/>
+              <a:gd name="connsiteX9" fmla="*/ 4297737 w 4381009"/>
+              <a:gd name="connsiteY9" fmla="*/ 1030587 h 5892104"/>
+              <a:gd name="connsiteX10" fmla="*/ 4310754 w 4381009"/>
+              <a:gd name="connsiteY10" fmla="*/ 1168005 h 5892104"/>
+              <a:gd name="connsiteX11" fmla="*/ 4322045 w 4381009"/>
+              <a:gd name="connsiteY11" fmla="*/ 1303002 h 5892104"/>
+              <a:gd name="connsiteX12" fmla="*/ 4333336 w 4381009"/>
+              <a:gd name="connsiteY12" fmla="*/ 1439815 h 5892104"/>
+              <a:gd name="connsiteX13" fmla="*/ 4342745 w 4381009"/>
+              <a:gd name="connsiteY13" fmla="*/ 1574812 h 5892104"/>
+              <a:gd name="connsiteX14" fmla="*/ 4350115 w 4381009"/>
+              <a:gd name="connsiteY14" fmla="*/ 1709808 h 5892104"/>
+              <a:gd name="connsiteX15" fmla="*/ 4357799 w 4381009"/>
+              <a:gd name="connsiteY15" fmla="*/ 1844200 h 5892104"/>
+              <a:gd name="connsiteX16" fmla="*/ 4364229 w 4381009"/>
+              <a:gd name="connsiteY16" fmla="*/ 1977381 h 5892104"/>
+              <a:gd name="connsiteX17" fmla="*/ 4368777 w 4381009"/>
+              <a:gd name="connsiteY17" fmla="*/ 2109351 h 5892104"/>
+              <a:gd name="connsiteX18" fmla="*/ 4372697 w 4381009"/>
+              <a:gd name="connsiteY18" fmla="*/ 2241321 h 5892104"/>
+              <a:gd name="connsiteX19" fmla="*/ 4376461 w 4381009"/>
+              <a:gd name="connsiteY19" fmla="*/ 2372080 h 5892104"/>
+              <a:gd name="connsiteX20" fmla="*/ 4378186 w 4381009"/>
+              <a:gd name="connsiteY20" fmla="*/ 2501023 h 5892104"/>
+              <a:gd name="connsiteX21" fmla="*/ 4380068 w 4381009"/>
+              <a:gd name="connsiteY21" fmla="*/ 2629966 h 5892104"/>
+              <a:gd name="connsiteX22" fmla="*/ 4381009 w 4381009"/>
+              <a:gd name="connsiteY22" fmla="*/ 2757093 h 5892104"/>
+              <a:gd name="connsiteX23" fmla="*/ 4380068 w 4381009"/>
+              <a:gd name="connsiteY23" fmla="*/ 2883010 h 5892104"/>
+              <a:gd name="connsiteX24" fmla="*/ 4380068 w 4381009"/>
+              <a:gd name="connsiteY24" fmla="*/ 3007715 h 5892104"/>
+              <a:gd name="connsiteX25" fmla="*/ 4378186 w 4381009"/>
+              <a:gd name="connsiteY25" fmla="*/ 3131210 h 5892104"/>
+              <a:gd name="connsiteX26" fmla="*/ 4375363 w 4381009"/>
+              <a:gd name="connsiteY26" fmla="*/ 3252283 h 5892104"/>
+              <a:gd name="connsiteX27" fmla="*/ 4372697 w 4381009"/>
+              <a:gd name="connsiteY27" fmla="*/ 3372146 h 5892104"/>
+              <a:gd name="connsiteX28" fmla="*/ 4369718 w 4381009"/>
+              <a:gd name="connsiteY28" fmla="*/ 3489587 h 5892104"/>
+              <a:gd name="connsiteX29" fmla="*/ 4365170 w 4381009"/>
+              <a:gd name="connsiteY29" fmla="*/ 3606423 h 5892104"/>
+              <a:gd name="connsiteX30" fmla="*/ 4360309 w 4381009"/>
+              <a:gd name="connsiteY30" fmla="*/ 3721443 h 5892104"/>
+              <a:gd name="connsiteX31" fmla="*/ 4355918 w 4381009"/>
+              <a:gd name="connsiteY31" fmla="*/ 3834041 h 5892104"/>
+              <a:gd name="connsiteX32" fmla="*/ 4343529 w 4381009"/>
+              <a:gd name="connsiteY32" fmla="*/ 4053789 h 5892104"/>
+              <a:gd name="connsiteX33" fmla="*/ 4330356 w 4381009"/>
+              <a:gd name="connsiteY33" fmla="*/ 4264457 h 5892104"/>
+              <a:gd name="connsiteX34" fmla="*/ 4316556 w 4381009"/>
+              <a:gd name="connsiteY34" fmla="*/ 4466650 h 5892104"/>
+              <a:gd name="connsiteX35" fmla="*/ 4301344 w 4381009"/>
+              <a:gd name="connsiteY35" fmla="*/ 4657946 h 5892104"/>
+              <a:gd name="connsiteX36" fmla="*/ 4285506 w 4381009"/>
+              <a:gd name="connsiteY36" fmla="*/ 4840767 h 5892104"/>
+              <a:gd name="connsiteX37" fmla="*/ 4268412 w 4381009"/>
+              <a:gd name="connsiteY37" fmla="*/ 5010269 h 5892104"/>
+              <a:gd name="connsiteX38" fmla="*/ 4251633 w 4381009"/>
+              <a:gd name="connsiteY38" fmla="*/ 5169481 h 5892104"/>
+              <a:gd name="connsiteX39" fmla="*/ 4234853 w 4381009"/>
+              <a:gd name="connsiteY39" fmla="*/ 5315980 h 5892104"/>
+              <a:gd name="connsiteX40" fmla="*/ 4219014 w 4381009"/>
+              <a:gd name="connsiteY40" fmla="*/ 5450371 h 5892104"/>
+              <a:gd name="connsiteX41" fmla="*/ 4203959 w 4381009"/>
+              <a:gd name="connsiteY41" fmla="*/ 5569628 h 5892104"/>
+              <a:gd name="connsiteX42" fmla="*/ 4189689 w 4381009"/>
+              <a:gd name="connsiteY42" fmla="*/ 5677384 h 5892104"/>
+              <a:gd name="connsiteX43" fmla="*/ 4177770 w 4381009"/>
+              <a:gd name="connsiteY43" fmla="*/ 5768189 h 5892104"/>
+              <a:gd name="connsiteX44" fmla="*/ 4166479 w 4381009"/>
+              <a:gd name="connsiteY44" fmla="*/ 5844465 h 5892104"/>
+              <a:gd name="connsiteX45" fmla="*/ 4159132 w 4381009"/>
+              <a:gd name="connsiteY45" fmla="*/ 5892104 h 5892104"/>
+              <a:gd name="connsiteX46" fmla="*/ 0 w 4381009"/>
+              <a:gd name="connsiteY46" fmla="*/ 5892104 h 5892104"/>
+            </a:gdLst>
+            <a:ahLst/>
+            <a:cxnLst>
+              <a:cxn ang="0">
+                <a:pos x="connsiteX0" y="connsiteY0"/>
+              </a:cxn>
+              <a:cxn ang="0">
+                <a:pos x="connsiteX1" y="connsiteY1"/>
+              </a:cxn>
+              <a:cxn ang="0">
+                <a:pos x="connsiteX2" y="connsiteY2"/>
+              </a:cxn>
+              <a:cxn ang="0">
+                <a:pos x="connsiteX3" y="connsiteY3"/>
+              </a:cxn>
+              <a:cxn ang="0">
+                <a:pos x="connsiteX4" y="connsiteY4"/>
+              </a:cxn>
+              <a:cxn ang="0">
+                <a:pos x="connsiteX5" y="connsiteY5"/>
+              </a:cxn>
+              <a:cxn ang="0">
+                <a:pos x="connsiteX6" y="connsiteY6"/>
+              </a:cxn>
+              <a:cxn ang="0">
+                <a:pos x="connsiteX7" y="connsiteY7"/>
+              </a:cxn>
+              <a:cxn ang="0">
+                <a:pos x="connsiteX8" y="connsiteY8"/>
+              </a:cxn>
+              <a:cxn ang="0">
+                <a:pos x="connsiteX9" y="connsiteY9"/>
+              </a:cxn>
+              <a:cxn ang="0">
+                <a:pos x="connsiteX10" y="connsiteY10"/>
+              </a:cxn>
+              <a:cxn ang="0">
+                <a:pos x="connsiteX11" y="connsiteY11"/>
+              </a:cxn>
+              <a:cxn ang="0">
+                <a:pos x="connsiteX12" y="connsiteY12"/>
+              </a:cxn>
+              <a:cxn ang="0">
+                <a:pos x="connsiteX13" y="connsiteY13"/>
+              </a:cxn>
+              <a:cxn ang="0">
+                <a:pos x="connsiteX14" y="connsiteY14"/>
+              </a:cxn>
+              <a:cxn ang="0">
+                <a:pos x="connsiteX15" y="connsiteY15"/>
+              </a:cxn>
+              <a:cxn ang="0">
+                <a:pos x="connsiteX16" y="connsiteY16"/>
+              </a:cxn>
+              <a:cxn ang="0">
+                <a:pos x="connsiteX17" y="connsiteY17"/>
+              </a:cxn>
+              <a:cxn ang="0">
+                <a:pos x="connsiteX18" y="connsiteY18"/>
+              </a:cxn>
+              <a:cxn ang="0">
+                <a:pos x="connsiteX19" y="connsiteY19"/>
+              </a:cxn>
+              <a:cxn ang="0">
+                <a:pos x="connsiteX20" y="connsiteY20"/>
+              </a:cxn>
+              <a:cxn ang="0">
+                <a:pos x="connsiteX21" y="connsiteY21"/>
+              </a:cxn>
+              <a:cxn ang="0">
+                <a:pos x="connsiteX22" y="connsiteY22"/>
+              </a:cxn>
+              <a:cxn ang="0">
+                <a:pos x="connsiteX23" y="connsiteY23"/>
+              </a:cxn>
+              <a:cxn ang="0">
+                <a:pos x="connsiteX24" y="connsiteY24"/>
+              </a:cxn>
+              <a:cxn ang="0">
+                <a:pos x="connsiteX25" y="connsiteY25"/>
+              </a:cxn>
+              <a:cxn ang="0">
+                <a:pos x="connsiteX26" y="connsiteY26"/>
+              </a:cxn>
+              <a:cxn ang="0">
+                <a:pos x="connsiteX27" y="connsiteY27"/>
+              </a:cxn>
+              <a:cxn ang="0">
+                <a:pos x="connsiteX28" y="connsiteY28"/>
+              </a:cxn>
+              <a:cxn ang="0">
+                <a:pos x="connsiteX29" y="connsiteY29"/>
+              </a:cxn>
+              <a:cxn ang="0">
+                <a:pos x="connsiteX30" y="connsiteY30"/>
+              </a:cxn>
+              <a:cxn ang="0">
+                <a:pos x="connsiteX31" y="connsiteY31"/>
+              </a:cxn>
+              <a:cxn ang="0">
+                <a:pos x="connsiteX32" y="connsiteY32"/>
+              </a:cxn>
+              <a:cxn ang="0">
+                <a:pos x="connsiteX33" y="connsiteY33"/>
+              </a:cxn>
+              <a:cxn ang="0">
+                <a:pos x="connsiteX34" y="connsiteY34"/>
+              </a:cxn>
+              <a:cxn ang="0">
+                <a:pos x="connsiteX35" y="connsiteY35"/>
+              </a:cxn>
+              <a:cxn ang="0">
+                <a:pos x="connsiteX36" y="connsiteY36"/>
+              </a:cxn>
+              <a:cxn ang="0">
+                <a:pos x="connsiteX37" y="connsiteY37"/>
+              </a:cxn>
+              <a:cxn ang="0">
+                <a:pos x="connsiteX38" y="connsiteY38"/>
+              </a:cxn>
+              <a:cxn ang="0">
+                <a:pos x="connsiteX39" y="connsiteY39"/>
+              </a:cxn>
+              <a:cxn ang="0">
+                <a:pos x="connsiteX40" y="connsiteY40"/>
+              </a:cxn>
+              <a:cxn ang="0">
+                <a:pos x="connsiteX41" y="connsiteY41"/>
+              </a:cxn>
+              <a:cxn ang="0">
+                <a:pos x="connsiteX42" y="connsiteY42"/>
+              </a:cxn>
+              <a:cxn ang="0">
+                <a:pos x="connsiteX43" y="connsiteY43"/>
+              </a:cxn>
+              <a:cxn ang="0">
+                <a:pos x="connsiteX44" y="connsiteY44"/>
+              </a:cxn>
+              <a:cxn ang="0">
+                <a:pos x="connsiteX45" y="connsiteY45"/>
+              </a:cxn>
+              <a:cxn ang="0">
+                <a:pos x="connsiteX46" y="connsiteY46"/>
+              </a:cxn>
+            </a:cxnLst>
+            <a:rect l="l" t="t" r="r" b="b"/>
+            <a:pathLst>
+              <a:path w="4381009" h="5892104">
+                <a:moveTo>
+                  <a:pt x="0" y="0"/>
+                </a:moveTo>
+                <a:lnTo>
+                  <a:pt x="4157628" y="0"/>
+                </a:lnTo>
+                <a:lnTo>
+                  <a:pt x="4169302" y="68659"/>
+                </a:lnTo>
+                <a:lnTo>
+                  <a:pt x="4191571" y="205472"/>
+                </a:lnTo>
+                <a:lnTo>
+                  <a:pt x="4213368" y="342890"/>
+                </a:lnTo>
+                <a:lnTo>
+                  <a:pt x="4232030" y="480913"/>
+                </a:lnTo>
+                <a:lnTo>
+                  <a:pt x="4250848" y="618332"/>
+                </a:lnTo>
+                <a:lnTo>
+                  <a:pt x="4268412" y="756355"/>
+                </a:lnTo>
+                <a:lnTo>
+                  <a:pt x="4283467" y="892563"/>
+                </a:lnTo>
+                <a:lnTo>
+                  <a:pt x="4297737" y="1030587"/>
+                </a:lnTo>
+                <a:lnTo>
+                  <a:pt x="4310754" y="1168005"/>
+                </a:lnTo>
+                <a:lnTo>
+                  <a:pt x="4322045" y="1303002"/>
+                </a:lnTo>
+                <a:lnTo>
+                  <a:pt x="4333336" y="1439815"/>
+                </a:lnTo>
+                <a:lnTo>
+                  <a:pt x="4342745" y="1574812"/>
+                </a:lnTo>
+                <a:lnTo>
+                  <a:pt x="4350115" y="1709808"/>
+                </a:lnTo>
+                <a:lnTo>
+                  <a:pt x="4357799" y="1844200"/>
+                </a:lnTo>
+                <a:lnTo>
+                  <a:pt x="4364229" y="1977381"/>
+                </a:lnTo>
+                <a:lnTo>
+                  <a:pt x="4368777" y="2109351"/>
+                </a:lnTo>
+                <a:lnTo>
+                  <a:pt x="4372697" y="2241321"/>
+                </a:lnTo>
+                <a:lnTo>
+                  <a:pt x="4376461" y="2372080"/>
+                </a:lnTo>
+                <a:lnTo>
+                  <a:pt x="4378186" y="2501023"/>
+                </a:lnTo>
+                <a:lnTo>
+                  <a:pt x="4380068" y="2629966"/>
+                </a:lnTo>
+                <a:lnTo>
+                  <a:pt x="4381009" y="2757093"/>
+                </a:lnTo>
+                <a:lnTo>
+                  <a:pt x="4380068" y="2883010"/>
+                </a:lnTo>
+                <a:lnTo>
+                  <a:pt x="4380068" y="3007715"/>
+                </a:lnTo>
+                <a:lnTo>
+                  <a:pt x="4378186" y="3131210"/>
+                </a:lnTo>
+                <a:lnTo>
+                  <a:pt x="4375363" y="3252283"/>
+                </a:lnTo>
+                <a:lnTo>
+                  <a:pt x="4372697" y="3372146"/>
+                </a:lnTo>
+                <a:lnTo>
+                  <a:pt x="4369718" y="3489587"/>
+                </a:lnTo>
+                <a:lnTo>
+                  <a:pt x="4365170" y="3606423"/>
+                </a:lnTo>
+                <a:lnTo>
+                  <a:pt x="4360309" y="3721443"/>
+                </a:lnTo>
+                <a:lnTo>
+                  <a:pt x="4355918" y="3834041"/>
+                </a:lnTo>
+                <a:lnTo>
+                  <a:pt x="4343529" y="4053789"/>
+                </a:lnTo>
+                <a:lnTo>
+                  <a:pt x="4330356" y="4264457"/>
+                </a:lnTo>
+                <a:lnTo>
+                  <a:pt x="4316556" y="4466650"/>
+                </a:lnTo>
+                <a:lnTo>
+                  <a:pt x="4301344" y="4657946"/>
+                </a:lnTo>
+                <a:lnTo>
+                  <a:pt x="4285506" y="4840767"/>
+                </a:lnTo>
+                <a:lnTo>
+                  <a:pt x="4268412" y="5010269"/>
+                </a:lnTo>
+                <a:lnTo>
+                  <a:pt x="4251633" y="5169481"/>
+                </a:lnTo>
+                <a:lnTo>
+                  <a:pt x="4234853" y="5315980"/>
+                </a:lnTo>
+                <a:lnTo>
+                  <a:pt x="4219014" y="5450371"/>
+                </a:lnTo>
+                <a:lnTo>
+                  <a:pt x="4203959" y="5569628"/>
+                </a:lnTo>
+                <a:lnTo>
+                  <a:pt x="4189689" y="5677384"/>
+                </a:lnTo>
+                <a:lnTo>
+                  <a:pt x="4177770" y="5768189"/>
+                </a:lnTo>
+                <a:lnTo>
+                  <a:pt x="4166479" y="5844465"/>
+                </a:lnTo>
+                <a:lnTo>
+                  <a:pt x="4159132" y="5892104"/>
+                </a:lnTo>
+                <a:lnTo>
+                  <a:pt x="0" y="5892104"/>
+                </a:lnTo>
+                <a:close/>
+              </a:path>
+            </a:pathLst>
+          </a:custGeom>
+          <a:solidFill>
+            <a:srgbClr val="404040"/>
+          </a:solidFill>
+          <a:ln>
+            <a:noFill/>
+          </a:ln>
+        </p:spPr>
+        <p:style>
+          <a:lnRef idx="2">
+            <a:schemeClr val="accent1">
+              <a:shade val="50000"/>
+            </a:schemeClr>
+          </a:lnRef>
+          <a:fillRef idx="1">
+            <a:schemeClr val="accent1"/>
+          </a:fillRef>
+          <a:effectRef idx="0">
+            <a:schemeClr val="accent1"/>
+          </a:effectRef>
+          <a:fontRef idx="minor">
+            <a:schemeClr val="lt1"/>
+          </a:fontRef>
+        </p:style>
+        <p:txBody>
+          <a:bodyPr wrap="square" rtlCol="0" anchor="ctr">
+            <a:noAutofit/>
+          </a:bodyPr>
+          <a:lstStyle/>
+          <a:p>
+            <a:pPr marL="0" marR="0" lvl="0" indent="0" algn="ctr" defTabSz="457200" rtl="0" eaLnBrk="1" fontAlgn="auto" latinLnBrk="0" hangingPunct="1">
+              <a:lnSpc>
+                <a:spcPct val="100000"/>
+              </a:lnSpc>
+              <a:spcBef>
+                <a:spcPts val="0"/>
+              </a:spcBef>
+              <a:spcAft>
+                <a:spcPts val="0"/>
+              </a:spcAft>
+              <a:buClrTx/>
+              <a:buSzTx/>
+              <a:buFontTx/>
+              <a:buNone/>
+              <a:tabLst/>
+              <a:defRPr/>
+            </a:pPr>
+            <a:endParaRPr kumimoji="0" lang="en-US" sz="1800" b="0" i="0" u="none" strike="noStrike" kern="1200" cap="none" spc="0" normalizeH="0" baseline="0" noProof="0">
+              <a:ln>
+                <a:noFill/>
+              </a:ln>
+              <a:solidFill>
+                <a:prstClr val="white"/>
+              </a:solidFill>
+              <a:effectLst/>
+              <a:uLnTx/>
+              <a:uFillTx/>
+              <a:latin typeface="Calibri" panose="020F0502020204030204"/>
+              <a:ea typeface="+mn-ea"/>
+              <a:cs typeface="+mn-cs"/>
+            </a:endParaRPr>
+          </a:p>
+        </p:txBody>
+      </p:sp>
+      <p:sp>
+        <p:nvSpPr>
+          <p:cNvPr id="2" name="Title 1">
+            <a:extLst>
+              <a:ext uri="{FF2B5EF4-FFF2-40B4-BE49-F238E27FC236}">
+                <a16:creationId xmlns:a16="http://schemas.microsoft.com/office/drawing/2014/main" id="{6BA22472-C68A-4079-8C3E-093A0F79C575}"/>
+              </a:ext>
+            </a:extLst>
+          </p:cNvPr>
+          <p:cNvSpPr>
+            <a:spLocks noGrp="1"/>
+          </p:cNvSpPr>
+          <p:nvPr>
+            <p:ph type="title"/>
+          </p:nvPr>
+        </p:nvSpPr>
+        <p:spPr>
+          <a:xfrm>
+            <a:off x="863029" y="1012004"/>
+            <a:ext cx="3416158" cy="4795408"/>
+          </a:xfrm>
+        </p:spPr>
+        <p:txBody>
+          <a:bodyPr>
+            <a:normAutofit/>
+          </a:bodyPr>
+          <a:lstStyle/>
+          <a:p>
+            <a:r>
+              <a:rPr lang="en-US">
+                <a:solidFill>
+                  <a:srgbClr val="FFFFFF"/>
+                </a:solidFill>
+              </a:rPr>
+              <a:t>Docker Support on Windows 10</a:t>
+            </a:r>
+          </a:p>
+        </p:txBody>
+      </p:sp>
+      <p:graphicFrame>
+        <p:nvGraphicFramePr>
+          <p:cNvPr id="5" name="Content Placeholder 2">
+            <a:extLst>
+              <a:ext uri="{FF2B5EF4-FFF2-40B4-BE49-F238E27FC236}">
+                <a16:creationId xmlns:a16="http://schemas.microsoft.com/office/drawing/2014/main" id="{82CB34AE-376D-4EDA-A838-E71FDDA4DA3A}"/>
+              </a:ext>
+            </a:extLst>
+          </p:cNvPr>
+          <p:cNvGraphicFramePr>
+            <a:graphicFrameLocks noGrp="1"/>
+          </p:cNvGraphicFramePr>
+          <p:nvPr>
+            <p:ph idx="1"/>
+            <p:extLst>
+              <p:ext uri="{D42A27DB-BD31-4B8C-83A1-F6EECF244321}">
+                <p14:modId xmlns:p14="http://schemas.microsoft.com/office/powerpoint/2010/main" val="3642590811"/>
+              </p:ext>
+            </p:extLst>
+          </p:nvPr>
+        </p:nvGraphicFramePr>
+        <p:xfrm>
+          <a:off x="5194300" y="470924"/>
+          <a:ext cx="6513604" cy="5885426"/>
+        </p:xfrm>
+        <a:graphic>
+          <a:graphicData uri="http://schemas.openxmlformats.org/drawingml/2006/diagram">
+            <dgm:relIds xmlns:dgm="http://schemas.openxmlformats.org/drawingml/2006/diagram" xmlns:r="http://schemas.openxmlformats.org/officeDocument/2006/relationships" r:dm="rId2" r:lo="rId3" r:qs="rId4" r:cs="rId5"/>
+          </a:graphicData>
+        </a:graphic>
+      </p:graphicFrame>
+    </p:spTree>
+    <p:extLst>
+      <p:ext uri="{BB962C8B-B14F-4D97-AF65-F5344CB8AC3E}">
+        <p14:creationId xmlns:p14="http://schemas.microsoft.com/office/powerpoint/2010/main" val="1046277143"/>
       </p:ext>
     </p:extLst>
   </p:cSld>

--- a/sql-on-docker.pptx
+++ b/sql-on-docker.pptx
@@ -9669,7 +9669,7 @@
           </a:r>
           <a:r>
             <a:rPr lang="en-US" dirty="0"/>
-            <a:t> or Hyper-VM)</a:t>
+            <a:t> or Hyper-V)</a:t>
           </a:r>
         </a:p>
       </dgm:t>
@@ -10636,8 +10636,13 @@
         <a:bodyPr/>
         <a:lstStyle/>
         <a:p>
+          <a:pPr>
+            <a:lnSpc>
+              <a:spcPct val="100000"/>
+            </a:lnSpc>
+          </a:pPr>
           <a:r>
-            <a:rPr lang="en-US"/>
+            <a:rPr lang="en-US" dirty="0"/>
             <a:t>Lighter weight than full virtual operating systems</a:t>
           </a:r>
         </a:p>
@@ -10672,6 +10677,11 @@
         <a:bodyPr/>
         <a:lstStyle/>
         <a:p>
+          <a:pPr>
+            <a:lnSpc>
+              <a:spcPct val="100000"/>
+            </a:lnSpc>
+          </a:pPr>
           <a:r>
             <a:rPr lang="en-US"/>
             <a:t>Docker containers are built of a collection of very small images, so new commits are small.</a:t>
@@ -10708,6 +10718,11 @@
         <a:bodyPr/>
         <a:lstStyle/>
         <a:p>
+          <a:pPr>
+            <a:lnSpc>
+              <a:spcPct val="100000"/>
+            </a:lnSpc>
+          </a:pPr>
           <a:r>
             <a:rPr lang="en-US" dirty="0"/>
             <a:t>Images can be pushed to remote repos (Docker Hub, Azure Container Registry, </a:t>
@@ -10768,27 +10783,21 @@
         <a:blipFill>
           <a:blip xmlns:r="http://schemas.openxmlformats.org/officeDocument/2006/relationships" r:embed="rId1">
             <a:extLst>
-              <a:ext uri="{28A0092B-C50C-407E-A947-70E740481C1C}">
-                <a14:useLocalDpi xmlns:a14="http://schemas.microsoft.com/office/drawing/2010/main" val="0"/>
-              </a:ext>
-              <a:ext uri="{96DAC541-7B7A-43D3-8B79-37D633B846F1}">
-                <asvg:svgBlip xmlns:asvg="http://schemas.microsoft.com/office/drawing/2016/SVG/main" r:embed="rId2"/>
+              <a:ext uri="{837473B0-CC2E-450A-ABE3-18F120FF3D39}">
+                <a1611:picAttrSrcUrl xmlns:a1611="http://schemas.microsoft.com/office/drawing/2016/11/main" r:id="rId2"/>
               </a:ext>
             </a:extLst>
           </a:blip>
+          <a:srcRect/>
           <a:stretch>
-            <a:fillRect/>
+            <a:fillRect l="-13000" r="-13000"/>
           </a:stretch>
         </a:blipFill>
         <a:ln>
           <a:noFill/>
         </a:ln>
       </dgm:spPr>
-      <dgm:extLst>
-        <a:ext uri="{E40237B7-FDA0-4F09-8148-C483321AD2D9}">
-          <dgm14:cNvPr xmlns:dgm14="http://schemas.microsoft.com/office/drawing/2010/diagram" id="0" name="" descr="Computer"/>
-        </a:ext>
-      </dgm:extLst>
+      <dgm:extLst/>
     </dgm:pt>
     <dgm:pt modelId="{4E76FB4F-165B-47D5-9839-1071CFB7B557}" type="pres">
       <dgm:prSet presAssocID="{B4891C82-B157-4C11-9918-BA342B055AF7}" presName="spaceRect" presStyleCnt="0"/>
@@ -10824,24 +10833,21 @@
               <a:ext uri="{28A0092B-C50C-407E-A947-70E740481C1C}">
                 <a14:useLocalDpi xmlns:a14="http://schemas.microsoft.com/office/drawing/2010/main" val="0"/>
               </a:ext>
-              <a:ext uri="{96DAC541-7B7A-43D3-8B79-37D633B846F1}">
-                <asvg:svgBlip xmlns:asvg="http://schemas.microsoft.com/office/drawing/2016/SVG/main" r:embed="rId4"/>
+              <a:ext uri="{837473B0-CC2E-450A-ABE3-18F120FF3D39}">
+                <a1611:picAttrSrcUrl xmlns:a1611="http://schemas.microsoft.com/office/drawing/2016/11/main" r:id="rId4"/>
               </a:ext>
             </a:extLst>
           </a:blip>
+          <a:srcRect/>
           <a:stretch>
-            <a:fillRect/>
+            <a:fillRect l="-17000" r="-17000"/>
           </a:stretch>
         </a:blipFill>
         <a:ln>
           <a:noFill/>
         </a:ln>
       </dgm:spPr>
-      <dgm:extLst>
-        <a:ext uri="{E40237B7-FDA0-4F09-8148-C483321AD2D9}">
-          <dgm14:cNvPr xmlns:dgm14="http://schemas.microsoft.com/office/drawing/2010/diagram" id="0" name="" descr="Caterpillar"/>
-        </a:ext>
-      </dgm:extLst>
+      <dgm:extLst/>
     </dgm:pt>
     <dgm:pt modelId="{2737C4D8-63BE-4977-9C0B-BDB6E1F90FE8}" type="pres">
       <dgm:prSet presAssocID="{75D967B1-032B-489F-886A-D8619CCF3CBF}" presName="spaceRect" presStyleCnt="0"/>
@@ -10877,11 +10883,12 @@
               <a:ext uri="{28A0092B-C50C-407E-A947-70E740481C1C}">
                 <a14:useLocalDpi xmlns:a14="http://schemas.microsoft.com/office/drawing/2010/main" val="0"/>
               </a:ext>
-              <a:ext uri="{96DAC541-7B7A-43D3-8B79-37D633B846F1}">
-                <asvg:svgBlip xmlns:asvg="http://schemas.microsoft.com/office/drawing/2016/SVG/main" r:embed="rId6"/>
+              <a:ext uri="{837473B0-CC2E-450A-ABE3-18F120FF3D39}">
+                <a1611:picAttrSrcUrl xmlns:a1611="http://schemas.microsoft.com/office/drawing/2016/11/main" r:id="rId6"/>
               </a:ext>
             </a:extLst>
           </a:blip>
+          <a:srcRect/>
           <a:stretch>
             <a:fillRect/>
           </a:stretch>
@@ -10890,11 +10897,7 @@
           <a:noFill/>
         </a:ln>
       </dgm:spPr>
-      <dgm:extLst>
-        <a:ext uri="{E40237B7-FDA0-4F09-8148-C483321AD2D9}">
-          <dgm14:cNvPr xmlns:dgm14="http://schemas.microsoft.com/office/drawing/2010/diagram" id="0" name="" descr="Shredder"/>
-        </a:ext>
-      </dgm:extLst>
+      <dgm:extLst/>
     </dgm:pt>
     <dgm:pt modelId="{B9BE3AE0-BA5A-45CE-8B2F-5E3AE19C8E23}" type="pres">
       <dgm:prSet presAssocID="{EFBD76B0-8B64-4998-B7ED-B02DEB2BF22A}" presName="spaceRect" presStyleCnt="0"/>
@@ -10950,7 +10953,7 @@
 <dgm:dataModel xmlns:dgm="http://schemas.openxmlformats.org/drawingml/2006/diagram" xmlns:a="http://schemas.openxmlformats.org/drawingml/2006/main">
   <dgm:ptLst>
     <dgm:pt modelId="{0702AF28-F1B3-4C66-90CC-8158807557D0}" type="doc">
-      <dgm:prSet loTypeId="urn:microsoft.com/office/officeart/2005/8/layout/vList2" loCatId="list" qsTypeId="urn:microsoft.com/office/officeart/2005/8/quickstyle/simple1" qsCatId="simple" csTypeId="urn:microsoft.com/office/officeart/2005/8/colors/colorful2" csCatId="colorful"/>
+      <dgm:prSet loTypeId="urn:microsoft.com/office/officeart/2005/8/layout/vList2" loCatId="list" qsTypeId="urn:microsoft.com/office/officeart/2005/8/quickstyle/simple1" qsCatId="simple" csTypeId="urn:microsoft.com/office/officeart/2005/8/colors/colorful2" csCatId="colorful" phldr="1"/>
       <dgm:spPr/>
       <dgm:t>
         <a:bodyPr/>
@@ -11032,42 +11035,6 @@
         </a:p>
       </dgm:t>
     </dgm:pt>
-    <dgm:pt modelId="{91B82966-DF81-4A7E-964F-A41F7A8F4C3B}">
-      <dgm:prSet/>
-      <dgm:spPr/>
-      <dgm:t>
-        <a:bodyPr/>
-        <a:lstStyle/>
-        <a:p>
-          <a:r>
-            <a:rPr lang="en-US"/>
-            <a:t>SUPPORTS BOTH WINDOWS AND LINUX CONTAINERS</a:t>
-          </a:r>
-        </a:p>
-      </dgm:t>
-    </dgm:pt>
-    <dgm:pt modelId="{575749BB-C7C3-432C-9D6B-F95A3C1E6CA7}" type="parTrans" cxnId="{95A7CEB2-AC53-46CD-A53B-FF0A2520F8F6}">
-      <dgm:prSet/>
-      <dgm:spPr/>
-      <dgm:t>
-        <a:bodyPr/>
-        <a:lstStyle/>
-        <a:p>
-          <a:endParaRPr lang="en-US"/>
-        </a:p>
-      </dgm:t>
-    </dgm:pt>
-    <dgm:pt modelId="{1246F080-848B-4084-9EBF-515918B919E3}" type="sibTrans" cxnId="{95A7CEB2-AC53-46CD-A53B-FF0A2520F8F6}">
-      <dgm:prSet/>
-      <dgm:spPr/>
-      <dgm:t>
-        <a:bodyPr/>
-        <a:lstStyle/>
-        <a:p>
-          <a:endParaRPr lang="en-US"/>
-        </a:p>
-      </dgm:t>
-    </dgm:pt>
     <dgm:pt modelId="{8A461D33-9C46-4762-9951-D1712F138FA3}">
       <dgm:prSet/>
       <dgm:spPr/>
@@ -11076,7 +11043,7 @@
         <a:lstStyle/>
         <a:p>
           <a:r>
-            <a:rPr lang="en-US"/>
+            <a:rPr lang="en-US" dirty="0"/>
             <a:t>https://docs.docker.com/docker-for-windows/install/</a:t>
           </a:r>
         </a:p>
@@ -11094,6 +11061,42 @@
       </dgm:t>
     </dgm:pt>
     <dgm:pt modelId="{3D403A2A-56C4-4390-B40E-653E83A78BE3}" type="sibTrans" cxnId="{308A0DA0-EE52-400E-8B43-E37CE1C7FB54}">
+      <dgm:prSet/>
+      <dgm:spPr/>
+      <dgm:t>
+        <a:bodyPr/>
+        <a:lstStyle/>
+        <a:p>
+          <a:endParaRPr lang="en-US"/>
+        </a:p>
+      </dgm:t>
+    </dgm:pt>
+    <dgm:pt modelId="{2BA1B0ED-B7DC-4F19-80A3-E02494A37D2B}">
+      <dgm:prSet phldrT="[Text]"/>
+      <dgm:spPr/>
+      <dgm:t>
+        <a:bodyPr/>
+        <a:lstStyle/>
+        <a:p>
+          <a:r>
+            <a:rPr lang="en-US" dirty="0"/>
+            <a:t>Cross-platform capable, with Linux and Windows containers able to run side-by-side</a:t>
+          </a:r>
+        </a:p>
+      </dgm:t>
+    </dgm:pt>
+    <dgm:pt modelId="{52973691-1A3E-4774-BEDD-4A2D2A54141F}" type="parTrans" cxnId="{AEE6D833-C1CE-4A79-A308-23E9806A76C0}">
+      <dgm:prSet/>
+      <dgm:spPr/>
+      <dgm:t>
+        <a:bodyPr/>
+        <a:lstStyle/>
+        <a:p>
+          <a:endParaRPr lang="en-US"/>
+        </a:p>
+      </dgm:t>
+    </dgm:pt>
+    <dgm:pt modelId="{D9324ACF-7825-4C2F-A143-2469ED96E7C3}" type="sibTrans" cxnId="{AEE6D833-C1CE-4A79-A308-23E9806A76C0}">
       <dgm:prSet/>
       <dgm:spPr/>
       <dgm:t>
@@ -11139,8 +11142,8 @@
       <dgm:prSet presAssocID="{744072CD-2BF3-46EA-AC3A-76357831631F}" presName="spacer" presStyleCnt="0"/>
       <dgm:spPr/>
     </dgm:pt>
-    <dgm:pt modelId="{95E87193-2C90-43AF-9AA3-DC41390B12ED}" type="pres">
-      <dgm:prSet presAssocID="{91B82966-DF81-4A7E-964F-A41F7A8F4C3B}" presName="parentText" presStyleLbl="node1" presStyleIdx="2" presStyleCnt="4">
+    <dgm:pt modelId="{96D891DE-7105-437A-B642-7D98D32D0AA1}" type="pres">
+      <dgm:prSet presAssocID="{8A461D33-9C46-4762-9951-D1712F138FA3}" presName="parentText" presStyleLbl="node1" presStyleIdx="2" presStyleCnt="4">
         <dgm:presLayoutVars>
           <dgm:chMax val="0"/>
           <dgm:bulletEnabled val="1"/>
@@ -11148,12 +11151,12 @@
       </dgm:prSet>
       <dgm:spPr/>
     </dgm:pt>
-    <dgm:pt modelId="{CAB468BF-ED63-41B2-8173-00DFFFBF4C09}" type="pres">
-      <dgm:prSet presAssocID="{1246F080-848B-4084-9EBF-515918B919E3}" presName="spacer" presStyleCnt="0"/>
+    <dgm:pt modelId="{BF6F7E91-D6FC-4B9F-9492-FE931B7B620E}" type="pres">
+      <dgm:prSet presAssocID="{3D403A2A-56C4-4390-B40E-653E83A78BE3}" presName="spacer" presStyleCnt="0"/>
       <dgm:spPr/>
     </dgm:pt>
-    <dgm:pt modelId="{96D891DE-7105-437A-B642-7D98D32D0AA1}" type="pres">
-      <dgm:prSet presAssocID="{8A461D33-9C46-4762-9951-D1712F138FA3}" presName="parentText" presStyleLbl="node1" presStyleIdx="3" presStyleCnt="4">
+    <dgm:pt modelId="{257E27F3-6BBA-4578-A85A-F240B24C2DB0}" type="pres">
+      <dgm:prSet presAssocID="{2BA1B0ED-B7DC-4F19-80A3-E02494A37D2B}" presName="parentText" presStyleLbl="node1" presStyleIdx="3" presStyleCnt="4">
         <dgm:presLayoutVars>
           <dgm:chMax val="0"/>
           <dgm:bulletEnabled val="1"/>
@@ -11163,22 +11166,22 @@
     </dgm:pt>
   </dgm:ptLst>
   <dgm:cxnLst>
+    <dgm:cxn modelId="{AEE6D833-C1CE-4A79-A308-23E9806A76C0}" srcId="{0702AF28-F1B3-4C66-90CC-8158807557D0}" destId="{2BA1B0ED-B7DC-4F19-80A3-E02494A37D2B}" srcOrd="3" destOrd="0" parTransId="{52973691-1A3E-4774-BEDD-4A2D2A54141F}" sibTransId="{D9324ACF-7825-4C2F-A143-2469ED96E7C3}"/>
     <dgm:cxn modelId="{9E7A2360-F4A0-4EEC-A8CC-405DF7384EE9}" type="presOf" srcId="{55CE3EE6-B73E-40DD-AC37-7F2968A548BF}" destId="{61CA2C19-705A-4401-95E3-052C6157187D}" srcOrd="0" destOrd="0" presId="urn:microsoft.com/office/officeart/2005/8/layout/vList2"/>
     <dgm:cxn modelId="{EBD3DB62-355A-4EAB-9153-7CC1A7DEBB09}" srcId="{0702AF28-F1B3-4C66-90CC-8158807557D0}" destId="{C822A5D1-B795-4CED-ABE0-E7B3D6A70E3B}" srcOrd="0" destOrd="0" parTransId="{D5E98830-FC8A-4FE6-870C-C54889EF4A29}" sibTransId="{87734DA3-2F07-4788-8B05-A10F353CE9B3}"/>
     <dgm:cxn modelId="{CECECE45-2E3F-4874-AABC-09D9423D7D28}" type="presOf" srcId="{0702AF28-F1B3-4C66-90CC-8158807557D0}" destId="{6035F616-09F1-4A8B-9200-C652F31D9F57}" srcOrd="0" destOrd="0" presId="urn:microsoft.com/office/officeart/2005/8/layout/vList2"/>
     <dgm:cxn modelId="{9B788854-002D-4147-B9B5-64F25F344185}" type="presOf" srcId="{C822A5D1-B795-4CED-ABE0-E7B3D6A70E3B}" destId="{604D3FDC-F3B0-426A-A0A9-542BA48D0CDA}" srcOrd="0" destOrd="0" presId="urn:microsoft.com/office/officeart/2005/8/layout/vList2"/>
     <dgm:cxn modelId="{DF37EB7C-7B43-40B9-89B2-0D9A8661280F}" type="presOf" srcId="{8A461D33-9C46-4762-9951-D1712F138FA3}" destId="{96D891DE-7105-437A-B642-7D98D32D0AA1}" srcOrd="0" destOrd="0" presId="urn:microsoft.com/office/officeart/2005/8/layout/vList2"/>
     <dgm:cxn modelId="{AF4B3986-829F-469D-A6C8-356BE2DA098C}" srcId="{0702AF28-F1B3-4C66-90CC-8158807557D0}" destId="{55CE3EE6-B73E-40DD-AC37-7F2968A548BF}" srcOrd="1" destOrd="0" parTransId="{251AC39F-D0A9-4B31-85CE-8BAD30AC48CD}" sibTransId="{744072CD-2BF3-46EA-AC3A-76357831631F}"/>
-    <dgm:cxn modelId="{308A0DA0-EE52-400E-8B43-E37CE1C7FB54}" srcId="{0702AF28-F1B3-4C66-90CC-8158807557D0}" destId="{8A461D33-9C46-4762-9951-D1712F138FA3}" srcOrd="3" destOrd="0" parTransId="{8697B090-525E-42DB-925E-CA8D6B8FB4D4}" sibTransId="{3D403A2A-56C4-4390-B40E-653E83A78BE3}"/>
-    <dgm:cxn modelId="{95A7CEB2-AC53-46CD-A53B-FF0A2520F8F6}" srcId="{0702AF28-F1B3-4C66-90CC-8158807557D0}" destId="{91B82966-DF81-4A7E-964F-A41F7A8F4C3B}" srcOrd="2" destOrd="0" parTransId="{575749BB-C7C3-432C-9D6B-F95A3C1E6CA7}" sibTransId="{1246F080-848B-4084-9EBF-515918B919E3}"/>
-    <dgm:cxn modelId="{87A753B9-D264-4846-8B75-30A8A8A4CCFE}" type="presOf" srcId="{91B82966-DF81-4A7E-964F-A41F7A8F4C3B}" destId="{95E87193-2C90-43AF-9AA3-DC41390B12ED}" srcOrd="0" destOrd="0" presId="urn:microsoft.com/office/officeart/2005/8/layout/vList2"/>
+    <dgm:cxn modelId="{5E313889-B632-4FEF-9B16-3042E54C30B9}" type="presOf" srcId="{2BA1B0ED-B7DC-4F19-80A3-E02494A37D2B}" destId="{257E27F3-6BBA-4578-A85A-F240B24C2DB0}" srcOrd="0" destOrd="0" presId="urn:microsoft.com/office/officeart/2005/8/layout/vList2"/>
+    <dgm:cxn modelId="{308A0DA0-EE52-400E-8B43-E37CE1C7FB54}" srcId="{0702AF28-F1B3-4C66-90CC-8158807557D0}" destId="{8A461D33-9C46-4762-9951-D1712F138FA3}" srcOrd="2" destOrd="0" parTransId="{8697B090-525E-42DB-925E-CA8D6B8FB4D4}" sibTransId="{3D403A2A-56C4-4390-B40E-653E83A78BE3}"/>
     <dgm:cxn modelId="{DCB2DDA5-D4C1-4EAD-877B-5EA2DE96E616}" type="presParOf" srcId="{6035F616-09F1-4A8B-9200-C652F31D9F57}" destId="{604D3FDC-F3B0-426A-A0A9-542BA48D0CDA}" srcOrd="0" destOrd="0" presId="urn:microsoft.com/office/officeart/2005/8/layout/vList2"/>
     <dgm:cxn modelId="{26E07097-359D-4A51-A13F-9846E1B8A2D7}" type="presParOf" srcId="{6035F616-09F1-4A8B-9200-C652F31D9F57}" destId="{98D3C921-CC78-4493-892A-325FF493427A}" srcOrd="1" destOrd="0" presId="urn:microsoft.com/office/officeart/2005/8/layout/vList2"/>
     <dgm:cxn modelId="{04E43053-7461-4F9F-9A79-9AE23A02C07D}" type="presParOf" srcId="{6035F616-09F1-4A8B-9200-C652F31D9F57}" destId="{61CA2C19-705A-4401-95E3-052C6157187D}" srcOrd="2" destOrd="0" presId="urn:microsoft.com/office/officeart/2005/8/layout/vList2"/>
     <dgm:cxn modelId="{E2C5181D-0603-4A79-8EA3-3E056A6307ED}" type="presParOf" srcId="{6035F616-09F1-4A8B-9200-C652F31D9F57}" destId="{CA349A72-461B-439E-9B7B-ACD7F56DB511}" srcOrd="3" destOrd="0" presId="urn:microsoft.com/office/officeart/2005/8/layout/vList2"/>
-    <dgm:cxn modelId="{9B2DDF3E-5A97-4831-830F-6BBDABE0EE6C}" type="presParOf" srcId="{6035F616-09F1-4A8B-9200-C652F31D9F57}" destId="{95E87193-2C90-43AF-9AA3-DC41390B12ED}" srcOrd="4" destOrd="0" presId="urn:microsoft.com/office/officeart/2005/8/layout/vList2"/>
-    <dgm:cxn modelId="{AD6E47F4-81B4-4222-8592-0ECD611CB1A5}" type="presParOf" srcId="{6035F616-09F1-4A8B-9200-C652F31D9F57}" destId="{CAB468BF-ED63-41B2-8173-00DFFFBF4C09}" srcOrd="5" destOrd="0" presId="urn:microsoft.com/office/officeart/2005/8/layout/vList2"/>
-    <dgm:cxn modelId="{B9781400-FA6F-4F10-93B0-6654C519741A}" type="presParOf" srcId="{6035F616-09F1-4A8B-9200-C652F31D9F57}" destId="{96D891DE-7105-437A-B642-7D98D32D0AA1}" srcOrd="6" destOrd="0" presId="urn:microsoft.com/office/officeart/2005/8/layout/vList2"/>
+    <dgm:cxn modelId="{B9781400-FA6F-4F10-93B0-6654C519741A}" type="presParOf" srcId="{6035F616-09F1-4A8B-9200-C652F31D9F57}" destId="{96D891DE-7105-437A-B642-7D98D32D0AA1}" srcOrd="4" destOrd="0" presId="urn:microsoft.com/office/officeart/2005/8/layout/vList2"/>
+    <dgm:cxn modelId="{A19DEF6F-5BAC-4006-B272-B8A955C113CE}" type="presParOf" srcId="{6035F616-09F1-4A8B-9200-C652F31D9F57}" destId="{BF6F7E91-D6FC-4B9F-9492-FE931B7B620E}" srcOrd="5" destOrd="0" presId="urn:microsoft.com/office/officeart/2005/8/layout/vList2"/>
+    <dgm:cxn modelId="{B234C15B-2D13-46DD-A2AD-C03380CEE4DA}" type="presParOf" srcId="{6035F616-09F1-4A8B-9200-C652F31D9F57}" destId="{257E27F3-6BBA-4578-A85A-F240B24C2DB0}" srcOrd="6" destOrd="0" presId="urn:microsoft.com/office/officeart/2005/8/layout/vList2"/>
   </dgm:cxnLst>
   <dgm:bg/>
   <dgm:whole/>
@@ -11870,8 +11873,8 @@
       </dsp:nvSpPr>
       <dsp:spPr>
         <a:xfrm>
-          <a:off x="575" y="1675996"/>
-          <a:ext cx="10514449" cy="595528"/>
+          <a:off x="575" y="1512846"/>
+          <a:ext cx="10514449" cy="509763"/>
         </a:xfrm>
         <a:prstGeom prst="roundRect">
           <a:avLst>
@@ -11915,12 +11918,12 @@
         </a:fontRef>
       </dsp:style>
       <dsp:txBody>
-        <a:bodyPr spcFirstLastPara="0" vert="horz" wrap="square" lIns="95250" tIns="95250" rIns="95250" bIns="95250" numCol="1" spcCol="1270" anchor="ctr" anchorCtr="0">
+        <a:bodyPr spcFirstLastPara="0" vert="horz" wrap="square" lIns="83820" tIns="83820" rIns="83820" bIns="83820" numCol="1" spcCol="1270" anchor="ctr" anchorCtr="0">
           <a:noAutofit/>
         </a:bodyPr>
         <a:lstStyle/>
         <a:p>
-          <a:pPr marL="0" lvl="0" indent="0" algn="ctr" defTabSz="1111250">
+          <a:pPr marL="0" lvl="0" indent="0" algn="ctr" defTabSz="977900">
             <a:lnSpc>
               <a:spcPct val="90000"/>
             </a:lnSpc>
@@ -11933,14 +11936,14 @@
             <a:buNone/>
           </a:pPr>
           <a:r>
-            <a:rPr lang="en-US" sz="2500" kern="1200" dirty="0"/>
+            <a:rPr lang="en-US" sz="2200" kern="1200" dirty="0"/>
             <a:t>Main Network</a:t>
           </a:r>
         </a:p>
       </dsp:txBody>
       <dsp:txXfrm>
-        <a:off x="18017" y="1693438"/>
-        <a:ext cx="10479565" cy="560644"/>
+        <a:off x="15505" y="1527776"/>
+        <a:ext cx="10484589" cy="479903"/>
       </dsp:txXfrm>
     </dsp:sp>
     <dsp:sp modelId="{DB74F7AB-F96B-4B27-94A6-E67F902EEBD1}">
@@ -11950,8 +11953,8 @@
       </dsp:nvSpPr>
       <dsp:spPr>
         <a:xfrm>
-          <a:off x="1150" y="1182950"/>
-          <a:ext cx="10514449" cy="437721"/>
+          <a:off x="1150" y="1084989"/>
+          <a:ext cx="10514449" cy="374683"/>
         </a:xfrm>
         <a:prstGeom prst="roundRect">
           <a:avLst>
@@ -11993,12 +11996,12 @@
         </a:fontRef>
       </dsp:style>
       <dsp:txBody>
-        <a:bodyPr spcFirstLastPara="0" vert="horz" wrap="square" lIns="72390" tIns="72390" rIns="72390" bIns="72390" numCol="1" spcCol="1270" anchor="ctr" anchorCtr="0">
+        <a:bodyPr spcFirstLastPara="0" vert="horz" wrap="square" lIns="60960" tIns="60960" rIns="60960" bIns="60960" numCol="1" spcCol="1270" anchor="ctr" anchorCtr="0">
           <a:noAutofit/>
         </a:bodyPr>
         <a:lstStyle/>
         <a:p>
-          <a:pPr marL="0" lvl="0" indent="0" algn="ctr" defTabSz="844550">
+          <a:pPr marL="0" lvl="0" indent="0" algn="ctr" defTabSz="711200">
             <a:lnSpc>
               <a:spcPct val="90000"/>
             </a:lnSpc>
@@ -12011,14 +12014,14 @@
             <a:buNone/>
           </a:pPr>
           <a:r>
-            <a:rPr lang="en-US" sz="1900" kern="1200" dirty="0"/>
+            <a:rPr lang="en-US" sz="1600" kern="1200" dirty="0"/>
             <a:t>Docker Network</a:t>
           </a:r>
         </a:p>
       </dsp:txBody>
       <dsp:txXfrm>
-        <a:off x="13970" y="1195770"/>
-        <a:ext cx="10488809" cy="412081"/>
+        <a:off x="12124" y="1095963"/>
+        <a:ext cx="10492501" cy="352735"/>
       </dsp:txXfrm>
     </dsp:sp>
     <dsp:sp modelId="{7650B25E-1552-4870-B2C2-CA39D374F270}">
@@ -12028,8 +12031,8 @@
       </dsp:nvSpPr>
       <dsp:spPr>
         <a:xfrm>
-          <a:off x="0" y="648806"/>
-          <a:ext cx="3409354" cy="497990"/>
+          <a:off x="0" y="555835"/>
+          <a:ext cx="3409354" cy="426272"/>
         </a:xfrm>
         <a:prstGeom prst="roundRect">
           <a:avLst>
@@ -12071,12 +12074,12 @@
         </a:fontRef>
       </dsp:style>
       <dsp:txBody>
-        <a:bodyPr spcFirstLastPara="0" vert="horz" wrap="square" lIns="72390" tIns="72390" rIns="72390" bIns="72390" numCol="1" spcCol="1270" anchor="ctr" anchorCtr="0">
+        <a:bodyPr spcFirstLastPara="0" vert="horz" wrap="square" lIns="60960" tIns="60960" rIns="60960" bIns="60960" numCol="1" spcCol="1270" anchor="ctr" anchorCtr="0">
           <a:noAutofit/>
         </a:bodyPr>
         <a:lstStyle/>
         <a:p>
-          <a:pPr marL="0" lvl="0" indent="0" algn="ctr" defTabSz="844550">
+          <a:pPr marL="0" lvl="0" indent="0" algn="ctr" defTabSz="711200">
             <a:lnSpc>
               <a:spcPct val="90000"/>
             </a:lnSpc>
@@ -12089,14 +12092,14 @@
             <a:buNone/>
           </a:pPr>
           <a:r>
-            <a:rPr lang="en-US" sz="1900" kern="1200" dirty="0"/>
+            <a:rPr lang="en-US" sz="1600" kern="1200" dirty="0"/>
             <a:t>App1</a:t>
           </a:r>
         </a:p>
       </dsp:txBody>
       <dsp:txXfrm>
-        <a:off x="14586" y="663392"/>
-        <a:ext cx="3380182" cy="468818"/>
+        <a:off x="12485" y="568320"/>
+        <a:ext cx="3384384" cy="401302"/>
       </dsp:txXfrm>
     </dsp:sp>
     <dsp:sp modelId="{0D017A50-FB99-4AD1-BC2E-DFBB5F7C6F57}">
@@ -12106,8 +12109,8 @@
       </dsp:nvSpPr>
       <dsp:spPr>
         <a:xfrm>
-          <a:off x="3535359" y="648806"/>
-          <a:ext cx="3409354" cy="497990"/>
+          <a:off x="3535359" y="555835"/>
+          <a:ext cx="3409354" cy="426272"/>
         </a:xfrm>
         <a:prstGeom prst="roundRect">
           <a:avLst>
@@ -12149,12 +12152,12 @@
         </a:fontRef>
       </dsp:style>
       <dsp:txBody>
-        <a:bodyPr spcFirstLastPara="0" vert="horz" wrap="square" lIns="72390" tIns="72390" rIns="72390" bIns="72390" numCol="1" spcCol="1270" anchor="ctr" anchorCtr="0">
+        <a:bodyPr spcFirstLastPara="0" vert="horz" wrap="square" lIns="60960" tIns="60960" rIns="60960" bIns="60960" numCol="1" spcCol="1270" anchor="ctr" anchorCtr="0">
           <a:noAutofit/>
         </a:bodyPr>
         <a:lstStyle/>
         <a:p>
-          <a:pPr marL="0" lvl="0" indent="0" algn="ctr" defTabSz="844550">
+          <a:pPr marL="0" lvl="0" indent="0" algn="ctr" defTabSz="711200">
             <a:lnSpc>
               <a:spcPct val="90000"/>
             </a:lnSpc>
@@ -12167,14 +12170,14 @@
             <a:buNone/>
           </a:pPr>
           <a:r>
-            <a:rPr lang="en-US" sz="1900" kern="1200" dirty="0"/>
+            <a:rPr lang="en-US" sz="1600" kern="1200" dirty="0"/>
             <a:t>App2</a:t>
           </a:r>
         </a:p>
       </dsp:txBody>
       <dsp:txXfrm>
-        <a:off x="3549945" y="663392"/>
-        <a:ext cx="3380182" cy="468818"/>
+        <a:off x="3547844" y="568320"/>
+        <a:ext cx="3384384" cy="401302"/>
       </dsp:txXfrm>
     </dsp:sp>
     <dsp:sp modelId="{8D72E6A8-59B7-45A1-8A98-0F74537E5148}">
@@ -12184,8 +12187,8 @@
       </dsp:nvSpPr>
       <dsp:spPr>
         <a:xfrm>
-          <a:off x="7087907" y="648806"/>
-          <a:ext cx="3409354" cy="497990"/>
+          <a:off x="7087907" y="555835"/>
+          <a:ext cx="3409354" cy="426272"/>
         </a:xfrm>
         <a:prstGeom prst="roundRect">
           <a:avLst>
@@ -12227,12 +12230,12 @@
         </a:fontRef>
       </dsp:style>
       <dsp:txBody>
-        <a:bodyPr spcFirstLastPara="0" vert="horz" wrap="square" lIns="72390" tIns="72390" rIns="72390" bIns="72390" numCol="1" spcCol="1270" anchor="ctr" anchorCtr="0">
+        <a:bodyPr spcFirstLastPara="0" vert="horz" wrap="square" lIns="60960" tIns="60960" rIns="60960" bIns="60960" numCol="1" spcCol="1270" anchor="ctr" anchorCtr="0">
           <a:noAutofit/>
         </a:bodyPr>
         <a:lstStyle/>
         <a:p>
-          <a:pPr marL="0" lvl="0" indent="0" algn="ctr" defTabSz="844550">
+          <a:pPr marL="0" lvl="0" indent="0" algn="ctr" defTabSz="711200">
             <a:lnSpc>
               <a:spcPct val="90000"/>
             </a:lnSpc>
@@ -12245,14 +12248,14 @@
             <a:buNone/>
           </a:pPr>
           <a:r>
-            <a:rPr lang="en-US" sz="1900" kern="1200" dirty="0"/>
+            <a:rPr lang="en-US" sz="1600" kern="1200" dirty="0"/>
             <a:t>App3</a:t>
           </a:r>
         </a:p>
       </dsp:txBody>
       <dsp:txXfrm>
-        <a:off x="7102493" y="663392"/>
-        <a:ext cx="3380182" cy="468818"/>
+        <a:off x="7100392" y="568320"/>
+        <a:ext cx="3384384" cy="401302"/>
       </dsp:txXfrm>
     </dsp:sp>
   </dsp:spTree>
@@ -13469,7 +13472,7 @@
           </a:r>
           <a:r>
             <a:rPr lang="en-US" sz="2000" kern="1200" dirty="0"/>
-            <a:t> or Hyper-VM)</a:t>
+            <a:t> or Hyper-V)</a:t>
           </a:r>
         </a:p>
       </dsp:txBody>
@@ -14432,16 +14435,14 @@
         <a:blipFill>
           <a:blip xmlns:r="http://schemas.openxmlformats.org/officeDocument/2006/relationships" r:embed="rId1">
             <a:extLst>
-              <a:ext uri="{28A0092B-C50C-407E-A947-70E740481C1C}">
-                <a14:useLocalDpi xmlns:a14="http://schemas.microsoft.com/office/drawing/2010/main" val="0"/>
-              </a:ext>
-              <a:ext uri="{96DAC541-7B7A-43D3-8B79-37D633B846F1}">
-                <asvg:svgBlip xmlns:asvg="http://schemas.microsoft.com/office/drawing/2016/SVG/main" r:embed="rId2"/>
+              <a:ext uri="{837473B0-CC2E-450A-ABE3-18F120FF3D39}">
+                <a1611:picAttrSrcUrl xmlns:a1611="http://schemas.microsoft.com/office/drawing/2016/11/main" r:id="rId2"/>
               </a:ext>
             </a:extLst>
           </a:blip>
+          <a:srcRect/>
           <a:stretch>
-            <a:fillRect/>
+            <a:fillRect l="-13000" r="-13000"/>
           </a:stretch>
         </a:blipFill>
         <a:ln w="12700" cap="flat" cmpd="sng" algn="ctr">
@@ -14505,7 +14506,7 @@
         <a:p>
           <a:pPr marL="0" lvl="0" indent="0" algn="l" defTabSz="1022350">
             <a:lnSpc>
-              <a:spcPct val="90000"/>
+              <a:spcPct val="100000"/>
             </a:lnSpc>
             <a:spcBef>
               <a:spcPct val="0"/>
@@ -14516,7 +14517,7 @@
             <a:buNone/>
           </a:pPr>
           <a:r>
-            <a:rPr lang="en-US" sz="2300" kern="1200"/>
+            <a:rPr lang="en-US" sz="2300" kern="1200" dirty="0"/>
             <a:t>Lighter weight than full virtual operating systems</a:t>
           </a:r>
         </a:p>
@@ -14586,13 +14587,14 @@
               <a:ext uri="{28A0092B-C50C-407E-A947-70E740481C1C}">
                 <a14:useLocalDpi xmlns:a14="http://schemas.microsoft.com/office/drawing/2010/main" val="0"/>
               </a:ext>
-              <a:ext uri="{96DAC541-7B7A-43D3-8B79-37D633B846F1}">
-                <asvg:svgBlip xmlns:asvg="http://schemas.microsoft.com/office/drawing/2016/SVG/main" r:embed="rId4"/>
+              <a:ext uri="{837473B0-CC2E-450A-ABE3-18F120FF3D39}">
+                <a1611:picAttrSrcUrl xmlns:a1611="http://schemas.microsoft.com/office/drawing/2016/11/main" r:id="rId4"/>
               </a:ext>
             </a:extLst>
           </a:blip>
+          <a:srcRect/>
           <a:stretch>
-            <a:fillRect/>
+            <a:fillRect l="-17000" r="-17000"/>
           </a:stretch>
         </a:blipFill>
         <a:ln w="12700" cap="flat" cmpd="sng" algn="ctr">
@@ -14656,7 +14658,7 @@
         <a:p>
           <a:pPr marL="0" lvl="0" indent="0" algn="l" defTabSz="1022350">
             <a:lnSpc>
-              <a:spcPct val="90000"/>
+              <a:spcPct val="100000"/>
             </a:lnSpc>
             <a:spcBef>
               <a:spcPct val="0"/>
@@ -14737,11 +14739,12 @@
               <a:ext uri="{28A0092B-C50C-407E-A947-70E740481C1C}">
                 <a14:useLocalDpi xmlns:a14="http://schemas.microsoft.com/office/drawing/2010/main" val="0"/>
               </a:ext>
-              <a:ext uri="{96DAC541-7B7A-43D3-8B79-37D633B846F1}">
-                <asvg:svgBlip xmlns:asvg="http://schemas.microsoft.com/office/drawing/2016/SVG/main" r:embed="rId6"/>
+              <a:ext uri="{837473B0-CC2E-450A-ABE3-18F120FF3D39}">
+                <a1611:picAttrSrcUrl xmlns:a1611="http://schemas.microsoft.com/office/drawing/2016/11/main" r:id="rId6"/>
               </a:ext>
             </a:extLst>
           </a:blip>
+          <a:srcRect/>
           <a:stretch>
             <a:fillRect/>
           </a:stretch>
@@ -14807,7 +14810,7 @@
         <a:p>
           <a:pPr marL="0" lvl="0" indent="0" algn="l" defTabSz="1022350">
             <a:lnSpc>
-              <a:spcPct val="90000"/>
+              <a:spcPct val="100000"/>
             </a:lnSpc>
             <a:spcBef>
               <a:spcPct val="0"/>
@@ -15004,7 +15007,7 @@
         <a:ext cx="6412625" cy="933302"/>
       </dsp:txXfrm>
     </dsp:sp>
-    <dsp:sp modelId="{95E87193-2C90-43AF-9AA3-DC41390B12ED}">
+    <dsp:sp modelId="{96D891DE-7105-437A-B642-7D98D32D0AA1}">
       <dsp:nvSpPr>
         <dsp:cNvPr id="0" name=""/>
         <dsp:cNvSpPr/>
@@ -15072,8 +15075,8 @@
             <a:buNone/>
           </a:pPr>
           <a:r>
-            <a:rPr lang="en-US" sz="2600" kern="1200"/>
-            <a:t>SUPPORTS BOTH WINDOWS AND LINUX CONTAINERS</a:t>
+            <a:rPr lang="en-US" sz="2600" kern="1200" dirty="0"/>
+            <a:t>https://docs.docker.com/docker-for-windows/install/</a:t>
           </a:r>
         </a:p>
       </dsp:txBody>
@@ -15082,7 +15085,7 @@
         <a:ext cx="6412625" cy="933302"/>
       </dsp:txXfrm>
     </dsp:sp>
-    <dsp:sp modelId="{96D891DE-7105-437A-B642-7D98D32D0AA1}">
+    <dsp:sp modelId="{257E27F3-6BBA-4578-A85A-F240B24C2DB0}">
       <dsp:nvSpPr>
         <dsp:cNvPr id="0" name=""/>
         <dsp:cNvSpPr/>
@@ -15150,8 +15153,8 @@
             <a:buNone/>
           </a:pPr>
           <a:r>
-            <a:rPr lang="en-US" sz="2600" kern="1200"/>
-            <a:t>https://docs.docker.com/docker-for-windows/install/</a:t>
+            <a:rPr lang="en-US" sz="2600" kern="1200" dirty="0"/>
+            <a:t>Cross-platform capable, with Linux and Windows containers able to run side-by-side</a:t>
           </a:r>
         </a:p>
       </dsp:txBody>
@@ -29360,7 +29363,7 @@
           <a:p>
             <a:fld id="{0117283B-F0A5-4202-AA1A-3796A1F2E447}" type="datetimeFigureOut">
               <a:rPr lang="en-US" smtClean="0"/>
-              <a:t>1/23/2020</a:t>
+              <a:t>1/24/2020</a:t>
             </a:fld>
             <a:endParaRPr lang="en-US"/>
           </a:p>
@@ -29558,7 +29561,7 @@
           <a:p>
             <a:fld id="{0117283B-F0A5-4202-AA1A-3796A1F2E447}" type="datetimeFigureOut">
               <a:rPr lang="en-US" smtClean="0"/>
-              <a:t>1/23/2020</a:t>
+              <a:t>1/24/2020</a:t>
             </a:fld>
             <a:endParaRPr lang="en-US"/>
           </a:p>
@@ -29766,7 +29769,7 @@
           <a:p>
             <a:fld id="{0117283B-F0A5-4202-AA1A-3796A1F2E447}" type="datetimeFigureOut">
               <a:rPr lang="en-US" smtClean="0"/>
-              <a:t>1/23/2020</a:t>
+              <a:t>1/24/2020</a:t>
             </a:fld>
             <a:endParaRPr lang="en-US"/>
           </a:p>
@@ -29964,7 +29967,7 @@
           <a:p>
             <a:fld id="{0117283B-F0A5-4202-AA1A-3796A1F2E447}" type="datetimeFigureOut">
               <a:rPr lang="en-US" smtClean="0"/>
-              <a:t>1/23/2020</a:t>
+              <a:t>1/24/2020</a:t>
             </a:fld>
             <a:endParaRPr lang="en-US"/>
           </a:p>
@@ -30239,7 +30242,7 @@
           <a:p>
             <a:fld id="{0117283B-F0A5-4202-AA1A-3796A1F2E447}" type="datetimeFigureOut">
               <a:rPr lang="en-US" smtClean="0"/>
-              <a:t>1/23/2020</a:t>
+              <a:t>1/24/2020</a:t>
             </a:fld>
             <a:endParaRPr lang="en-US"/>
           </a:p>
@@ -30504,7 +30507,7 @@
           <a:p>
             <a:fld id="{0117283B-F0A5-4202-AA1A-3796A1F2E447}" type="datetimeFigureOut">
               <a:rPr lang="en-US" smtClean="0"/>
-              <a:t>1/23/2020</a:t>
+              <a:t>1/24/2020</a:t>
             </a:fld>
             <a:endParaRPr lang="en-US"/>
           </a:p>
@@ -30916,7 +30919,7 @@
           <a:p>
             <a:fld id="{0117283B-F0A5-4202-AA1A-3796A1F2E447}" type="datetimeFigureOut">
               <a:rPr lang="en-US" smtClean="0"/>
-              <a:t>1/23/2020</a:t>
+              <a:t>1/24/2020</a:t>
             </a:fld>
             <a:endParaRPr lang="en-US"/>
           </a:p>
@@ -31057,7 +31060,7 @@
           <a:p>
             <a:fld id="{0117283B-F0A5-4202-AA1A-3796A1F2E447}" type="datetimeFigureOut">
               <a:rPr lang="en-US" smtClean="0"/>
-              <a:t>1/23/2020</a:t>
+              <a:t>1/24/2020</a:t>
             </a:fld>
             <a:endParaRPr lang="en-US"/>
           </a:p>
@@ -31170,7 +31173,7 @@
           <a:p>
             <a:fld id="{0117283B-F0A5-4202-AA1A-3796A1F2E447}" type="datetimeFigureOut">
               <a:rPr lang="en-US" smtClean="0"/>
-              <a:t>1/23/2020</a:t>
+              <a:t>1/24/2020</a:t>
             </a:fld>
             <a:endParaRPr lang="en-US"/>
           </a:p>
@@ -31481,7 +31484,7 @@
           <a:p>
             <a:fld id="{0117283B-F0A5-4202-AA1A-3796A1F2E447}" type="datetimeFigureOut">
               <a:rPr lang="en-US" smtClean="0"/>
-              <a:t>1/23/2020</a:t>
+              <a:t>1/24/2020</a:t>
             </a:fld>
             <a:endParaRPr lang="en-US"/>
           </a:p>
@@ -31769,7 +31772,7 @@
           <a:p>
             <a:fld id="{0117283B-F0A5-4202-AA1A-3796A1F2E447}" type="datetimeFigureOut">
               <a:rPr lang="en-US" smtClean="0"/>
-              <a:t>1/23/2020</a:t>
+              <a:t>1/24/2020</a:t>
             </a:fld>
             <a:endParaRPr lang="en-US"/>
           </a:p>
@@ -32010,7 +32013,7 @@
           <a:p>
             <a:fld id="{0117283B-F0A5-4202-AA1A-3796A1F2E447}" type="datetimeFigureOut">
               <a:rPr lang="en-US" smtClean="0"/>
-              <a:t>1/23/2020</a:t>
+              <a:t>1/24/2020</a:t>
             </a:fld>
             <a:endParaRPr lang="en-US"/>
           </a:p>
@@ -33584,11 +33587,10 @@
         </p:nvSpPr>
         <p:spPr/>
         <p:txBody>
-          <a:bodyPr/>
+          <a:bodyPr>
+            <a:normAutofit/>
+          </a:bodyPr>
           <a:lstStyle/>
-          <a:p>
-            <a:endParaRPr lang="en-US" dirty="0"/>
-          </a:p>
           <a:p>
             <a:r>
               <a:rPr lang="en-US" dirty="0"/>
@@ -33618,8 +33620,20 @@
             <a:pPr lvl="1"/>
             <a:r>
               <a:rPr lang="en-US" dirty="0"/>
-              <a:t>When you drop and remove a container, IT’S GONE!!</a:t>
+              <a:t>When you drop and remove a container, IT’S GONE!!  No more cleanup tasks necessary.</a:t>
             </a:r>
+          </a:p>
+          <a:p>
+            <a:endParaRPr lang="en-US" dirty="0"/>
+          </a:p>
+          <a:p>
+            <a:r>
+              <a:rPr lang="en-US" dirty="0"/>
+              <a:t>Experimentation</a:t>
+            </a:r>
+          </a:p>
+          <a:p>
+            <a:endParaRPr lang="en-US" dirty="0"/>
           </a:p>
         </p:txBody>
       </p:sp>
@@ -33718,7 +33732,7 @@
               <a:buNone/>
             </a:pPr>
             <a:r>
-              <a:rPr lang="en-US" dirty="0"/>
+              <a:rPr lang="en-US" b="1" dirty="0"/>
               <a:t>Networking</a:t>
             </a:r>
           </a:p>
@@ -33757,14 +33771,14 @@
           <p:nvPr>
             <p:extLst>
               <p:ext uri="{D42A27DB-BD31-4B8C-83A1-F6EECF244321}">
-                <p14:modId xmlns:p14="http://schemas.microsoft.com/office/powerpoint/2010/main" val="1471305868"/>
+                <p14:modId xmlns:p14="http://schemas.microsoft.com/office/powerpoint/2010/main" val="849575358"/>
               </p:ext>
             </p:extLst>
           </p:nvPr>
         </p:nvGraphicFramePr>
         <p:xfrm>
-          <a:off x="926976" y="1541768"/>
-          <a:ext cx="10515600" cy="2272268"/>
+          <a:off x="838200" y="1541768"/>
+          <a:ext cx="10515600" cy="2023712"/>
         </p:xfrm>
         <a:graphic>
           <a:graphicData uri="http://schemas.openxmlformats.org/drawingml/2006/diagram">
@@ -33797,7 +33811,7 @@
         </p:spPr>
         <p:txBody>
           <a:bodyPr vert="horz" lIns="91440" tIns="45720" rIns="91440" bIns="45720" rtlCol="0">
-            <a:normAutofit/>
+            <a:normAutofit fontScale="92500" lnSpcReduction="10000"/>
           </a:bodyPr>
           <a:lstStyle>
             <a:lvl1pPr marL="228600" indent="-228600" algn="l" defTabSz="914400" rtl="0" eaLnBrk="1" latinLnBrk="0" hangingPunct="1">
@@ -33969,7 +33983,7 @@
               <a:buNone/>
             </a:pPr>
             <a:r>
-              <a:rPr lang="en-US" dirty="0"/>
+              <a:rPr lang="en-US" b="1" dirty="0"/>
               <a:t>Volume Mounts</a:t>
             </a:r>
           </a:p>
@@ -33989,6 +34003,15 @@
             <a:r>
               <a:rPr lang="en-US" dirty="0"/>
               <a:t>Allows for data persistence when containers are dropped</a:t>
+            </a:r>
+          </a:p>
+          <a:p>
+            <a:pPr marL="457200" lvl="1" indent="0">
+              <a:buNone/>
+            </a:pPr>
+            <a:r>
+              <a:rPr lang="en-US" dirty="0"/>
+              <a:t>Watch for AV or Firewall tools that might block this</a:t>
             </a:r>
           </a:p>
           <a:p>
@@ -36256,7 +36279,7 @@
             <p:ph idx="1"/>
             <p:extLst>
               <p:ext uri="{D42A27DB-BD31-4B8C-83A1-F6EECF244321}">
-                <p14:modId xmlns:p14="http://schemas.microsoft.com/office/powerpoint/2010/main" val="1506380551"/>
+                <p14:modId xmlns:p14="http://schemas.microsoft.com/office/powerpoint/2010/main" val="1431795568"/>
               </p:ext>
             </p:extLst>
           </p:nvPr>
@@ -36977,7 +37000,7 @@
             <p:ph idx="1"/>
             <p:extLst>
               <p:ext uri="{D42A27DB-BD31-4B8C-83A1-F6EECF244321}">
-                <p14:modId xmlns:p14="http://schemas.microsoft.com/office/powerpoint/2010/main" val="3600648153"/>
+                <p14:modId xmlns:p14="http://schemas.microsoft.com/office/powerpoint/2010/main" val="464180007"/>
               </p:ext>
             </p:extLst>
           </p:nvPr>
@@ -37566,7 +37589,7 @@
             <p:ph idx="1"/>
             <p:extLst>
               <p:ext uri="{D42A27DB-BD31-4B8C-83A1-F6EECF244321}">
-                <p14:modId xmlns:p14="http://schemas.microsoft.com/office/powerpoint/2010/main" val="3642590811"/>
+                <p14:modId xmlns:p14="http://schemas.microsoft.com/office/powerpoint/2010/main" val="1121463131"/>
               </p:ext>
             </p:extLst>
           </p:nvPr>

--- a/sql-on-docker.pptx
+++ b/sql-on-docker.pptx
@@ -17,8 +17,8 @@
     <p:sldId id="267" r:id="rId11"/>
     <p:sldId id="269" r:id="rId12"/>
     <p:sldId id="259" r:id="rId13"/>
-    <p:sldId id="270" r:id="rId14"/>
-    <p:sldId id="271" r:id="rId15"/>
+    <p:sldId id="271" r:id="rId14"/>
+    <p:sldId id="270" r:id="rId15"/>
     <p:sldId id="268" r:id="rId16"/>
   </p:sldIdLst>
   <p:sldSz cx="12192000" cy="6858000"/>
@@ -8258,7 +8258,7 @@
         <a:p>
           <a:r>
             <a:rPr lang="en-US" sz="2400" dirty="0"/>
-            <a:t>Email:  		csmith@fusionalliance.com</a:t>
+            <a:t>Email:  		chlsmith@outlook.com</a:t>
           </a:r>
         </a:p>
       </dgm:t>
@@ -10643,7 +10643,7 @@
           </a:pPr>
           <a:r>
             <a:rPr lang="en-US" dirty="0"/>
-            <a:t>Lighter weight than full virtual operating systems</a:t>
+            <a:t>Containers are lighter weight than full virtual operating systems</a:t>
           </a:r>
         </a:p>
       </dgm:t>
@@ -10797,7 +10797,6 @@
           <a:noFill/>
         </a:ln>
       </dgm:spPr>
-      <dgm:extLst/>
     </dgm:pt>
     <dgm:pt modelId="{4E76FB4F-165B-47D5-9839-1071CFB7B557}" type="pres">
       <dgm:prSet presAssocID="{B4891C82-B157-4C11-9918-BA342B055AF7}" presName="spaceRect" presStyleCnt="0"/>
@@ -10847,7 +10846,6 @@
           <a:noFill/>
         </a:ln>
       </dgm:spPr>
-      <dgm:extLst/>
     </dgm:pt>
     <dgm:pt modelId="{2737C4D8-63BE-4977-9C0B-BDB6E1F90FE8}" type="pres">
       <dgm:prSet presAssocID="{75D967B1-032B-489F-886A-D8619CCF3CBF}" presName="spaceRect" presStyleCnt="0"/>
@@ -10897,7 +10895,6 @@
           <a:noFill/>
         </a:ln>
       </dgm:spPr>
-      <dgm:extLst/>
     </dgm:pt>
     <dgm:pt modelId="{B9BE3AE0-BA5A-45CE-8B2F-5E3AE19C8E23}" type="pres">
       <dgm:prSet presAssocID="{EFBD76B0-8B64-4998-B7ED-B02DEB2BF22A}" presName="spaceRect" presStyleCnt="0"/>
@@ -11080,7 +11077,7 @@
         <a:p>
           <a:r>
             <a:rPr lang="en-US" dirty="0"/>
-            <a:t>Cross-platform capable, with Linux and Windows containers able to run side-by-side</a:t>
+            <a:t>Cross-platform.  Run Linux apps on Windows.</a:t>
           </a:r>
         </a:p>
       </dgm:t>
@@ -11845,7 +11842,7 @@
           </a:pPr>
           <a:r>
             <a:rPr lang="en-US" sz="2400" kern="1200" dirty="0"/>
-            <a:t>Email:  		csmith@fusionalliance.com</a:t>
+            <a:t>Email:  		chlsmith@outlook.com</a:t>
           </a:r>
         </a:p>
       </dsp:txBody>
@@ -14518,7 +14515,7 @@
           </a:pPr>
           <a:r>
             <a:rPr lang="en-US" sz="2300" kern="1200" dirty="0"/>
-            <a:t>Lighter weight than full virtual operating systems</a:t>
+            <a:t>Containers are lighter weight than full virtual operating systems</a:t>
           </a:r>
         </a:p>
       </dsp:txBody>
@@ -15154,7 +15151,7 @@
           </a:pPr>
           <a:r>
             <a:rPr lang="en-US" sz="2600" kern="1200" dirty="0"/>
-            <a:t>Cross-platform capable, with Linux and Windows containers able to run side-by-side</a:t>
+            <a:t>Cross-platform.  Run Linux apps on Windows.</a:t>
           </a:r>
         </a:p>
       </dsp:txBody>
@@ -29363,7 +29360,7 @@
           <a:p>
             <a:fld id="{0117283B-F0A5-4202-AA1A-3796A1F2E447}" type="datetimeFigureOut">
               <a:rPr lang="en-US" smtClean="0"/>
-              <a:t>1/24/2020</a:t>
+              <a:t>5/6/2020</a:t>
             </a:fld>
             <a:endParaRPr lang="en-US"/>
           </a:p>
@@ -29561,7 +29558,7 @@
           <a:p>
             <a:fld id="{0117283B-F0A5-4202-AA1A-3796A1F2E447}" type="datetimeFigureOut">
               <a:rPr lang="en-US" smtClean="0"/>
-              <a:t>1/24/2020</a:t>
+              <a:t>5/6/2020</a:t>
             </a:fld>
             <a:endParaRPr lang="en-US"/>
           </a:p>
@@ -29769,7 +29766,7 @@
           <a:p>
             <a:fld id="{0117283B-F0A5-4202-AA1A-3796A1F2E447}" type="datetimeFigureOut">
               <a:rPr lang="en-US" smtClean="0"/>
-              <a:t>1/24/2020</a:t>
+              <a:t>5/6/2020</a:t>
             </a:fld>
             <a:endParaRPr lang="en-US"/>
           </a:p>
@@ -29967,7 +29964,7 @@
           <a:p>
             <a:fld id="{0117283B-F0A5-4202-AA1A-3796A1F2E447}" type="datetimeFigureOut">
               <a:rPr lang="en-US" smtClean="0"/>
-              <a:t>1/24/2020</a:t>
+              <a:t>5/6/2020</a:t>
             </a:fld>
             <a:endParaRPr lang="en-US"/>
           </a:p>
@@ -30242,7 +30239,7 @@
           <a:p>
             <a:fld id="{0117283B-F0A5-4202-AA1A-3796A1F2E447}" type="datetimeFigureOut">
               <a:rPr lang="en-US" smtClean="0"/>
-              <a:t>1/24/2020</a:t>
+              <a:t>5/6/2020</a:t>
             </a:fld>
             <a:endParaRPr lang="en-US"/>
           </a:p>
@@ -30507,7 +30504,7 @@
           <a:p>
             <a:fld id="{0117283B-F0A5-4202-AA1A-3796A1F2E447}" type="datetimeFigureOut">
               <a:rPr lang="en-US" smtClean="0"/>
-              <a:t>1/24/2020</a:t>
+              <a:t>5/6/2020</a:t>
             </a:fld>
             <a:endParaRPr lang="en-US"/>
           </a:p>
@@ -30919,7 +30916,7 @@
           <a:p>
             <a:fld id="{0117283B-F0A5-4202-AA1A-3796A1F2E447}" type="datetimeFigureOut">
               <a:rPr lang="en-US" smtClean="0"/>
-              <a:t>1/24/2020</a:t>
+              <a:t>5/6/2020</a:t>
             </a:fld>
             <a:endParaRPr lang="en-US"/>
           </a:p>
@@ -31060,7 +31057,7 @@
           <a:p>
             <a:fld id="{0117283B-F0A5-4202-AA1A-3796A1F2E447}" type="datetimeFigureOut">
               <a:rPr lang="en-US" smtClean="0"/>
-              <a:t>1/24/2020</a:t>
+              <a:t>5/6/2020</a:t>
             </a:fld>
             <a:endParaRPr lang="en-US"/>
           </a:p>
@@ -31173,7 +31170,7 @@
           <a:p>
             <a:fld id="{0117283B-F0A5-4202-AA1A-3796A1F2E447}" type="datetimeFigureOut">
               <a:rPr lang="en-US" smtClean="0"/>
-              <a:t>1/24/2020</a:t>
+              <a:t>5/6/2020</a:t>
             </a:fld>
             <a:endParaRPr lang="en-US"/>
           </a:p>
@@ -31484,7 +31481,7 @@
           <a:p>
             <a:fld id="{0117283B-F0A5-4202-AA1A-3796A1F2E447}" type="datetimeFigureOut">
               <a:rPr lang="en-US" smtClean="0"/>
-              <a:t>1/24/2020</a:t>
+              <a:t>5/6/2020</a:t>
             </a:fld>
             <a:endParaRPr lang="en-US"/>
           </a:p>
@@ -31772,7 +31769,7 @@
           <a:p>
             <a:fld id="{0117283B-F0A5-4202-AA1A-3796A1F2E447}" type="datetimeFigureOut">
               <a:rPr lang="en-US" smtClean="0"/>
-              <a:t>1/24/2020</a:t>
+              <a:t>5/6/2020</a:t>
             </a:fld>
             <a:endParaRPr lang="en-US"/>
           </a:p>
@@ -32013,7 +32010,7 @@
           <a:p>
             <a:fld id="{0117283B-F0A5-4202-AA1A-3796A1F2E447}" type="datetimeFigureOut">
               <a:rPr lang="en-US" smtClean="0"/>
-              <a:t>1/24/2020</a:t>
+              <a:t>5/6/2020</a:t>
             </a:fld>
             <a:endParaRPr lang="en-US"/>
           </a:p>
@@ -32760,7 +32757,7 @@
           <a:lstStyle/>
           <a:p>
             <a:r>
-              <a:rPr lang="en-US"/>
+              <a:rPr lang="en-US" dirty="0"/>
               <a:t>Free Docker Images</a:t>
             </a:r>
           </a:p>
@@ -33390,7 +33387,7 @@
           <a:p>
             <a:pPr algn="ctr"/>
             <a:r>
-              <a:rPr lang="en-US" sz="3600">
+              <a:rPr lang="en-US" sz="3600" dirty="0">
                 <a:solidFill>
                   <a:schemeClr val="tx1">
                     <a:lumMod val="85000"/>
@@ -33546,132 +33543,6 @@
           <p:cNvPr id="2" name="Title 1">
             <a:extLst>
               <a:ext uri="{FF2B5EF4-FFF2-40B4-BE49-F238E27FC236}">
-                <a16:creationId xmlns:a16="http://schemas.microsoft.com/office/drawing/2014/main" id="{96050031-2FE0-4A73-8872-2C9DA5164550}"/>
-              </a:ext>
-            </a:extLst>
-          </p:cNvPr>
-          <p:cNvSpPr>
-            <a:spLocks noGrp="1"/>
-          </p:cNvSpPr>
-          <p:nvPr>
-            <p:ph type="title"/>
-          </p:nvPr>
-        </p:nvSpPr>
-        <p:spPr/>
-        <p:txBody>
-          <a:bodyPr/>
-          <a:lstStyle/>
-          <a:p>
-            <a:r>
-              <a:rPr lang="en-US" dirty="0"/>
-              <a:t>More Uses</a:t>
-            </a:r>
-          </a:p>
-        </p:txBody>
-      </p:sp>
-      <p:sp>
-        <p:nvSpPr>
-          <p:cNvPr id="3" name="Content Placeholder 2">
-            <a:extLst>
-              <a:ext uri="{FF2B5EF4-FFF2-40B4-BE49-F238E27FC236}">
-                <a16:creationId xmlns:a16="http://schemas.microsoft.com/office/drawing/2014/main" id="{624BEE8F-7256-414C-BA14-F86BFB2DA77E}"/>
-              </a:ext>
-            </a:extLst>
-          </p:cNvPr>
-          <p:cNvSpPr>
-            <a:spLocks noGrp="1"/>
-          </p:cNvSpPr>
-          <p:nvPr>
-            <p:ph idx="1"/>
-          </p:nvPr>
-        </p:nvSpPr>
-        <p:spPr/>
-        <p:txBody>
-          <a:bodyPr>
-            <a:normAutofit/>
-          </a:bodyPr>
-          <a:lstStyle/>
-          <a:p>
-            <a:r>
-              <a:rPr lang="en-US" dirty="0"/>
-              <a:t>Development Tools</a:t>
-            </a:r>
-          </a:p>
-          <a:p>
-            <a:pPr lvl="1"/>
-            <a:r>
-              <a:rPr lang="en-US" dirty="0"/>
-              <a:t>Build image with all your tooling in it, save the image, and use it anywhere on any system</a:t>
-            </a:r>
-          </a:p>
-          <a:p>
-            <a:pPr marL="457200" lvl="1" indent="0">
-              <a:buNone/>
-            </a:pPr>
-            <a:endParaRPr lang="en-US" dirty="0"/>
-          </a:p>
-          <a:p>
-            <a:r>
-              <a:rPr lang="en-US" dirty="0"/>
-              <a:t>Testing Environments</a:t>
-            </a:r>
-          </a:p>
-          <a:p>
-            <a:pPr lvl="1"/>
-            <a:r>
-              <a:rPr lang="en-US" dirty="0"/>
-              <a:t>When you drop and remove a container, IT’S GONE!!  No more cleanup tasks necessary.</a:t>
-            </a:r>
-          </a:p>
-          <a:p>
-            <a:endParaRPr lang="en-US" dirty="0"/>
-          </a:p>
-          <a:p>
-            <a:r>
-              <a:rPr lang="en-US" dirty="0"/>
-              <a:t>Experimentation</a:t>
-            </a:r>
-          </a:p>
-          <a:p>
-            <a:endParaRPr lang="en-US" dirty="0"/>
-          </a:p>
-        </p:txBody>
-      </p:sp>
-    </p:spTree>
-    <p:extLst>
-      <p:ext uri="{BB962C8B-B14F-4D97-AF65-F5344CB8AC3E}">
-        <p14:creationId xmlns:p14="http://schemas.microsoft.com/office/powerpoint/2010/main" val="1007305374"/>
-      </p:ext>
-    </p:extLst>
-  </p:cSld>
-  <p:clrMapOvr>
-    <a:masterClrMapping/>
-  </p:clrMapOvr>
-</p:sld>
-</file>
-
-<file path=ppt/slides/slide14.xml><?xml version="1.0" encoding="utf-8"?>
-<p:sld xmlns:a="http://schemas.openxmlformats.org/drawingml/2006/main" xmlns:r="http://schemas.openxmlformats.org/officeDocument/2006/relationships" xmlns:p="http://schemas.openxmlformats.org/presentationml/2006/main">
-  <p:cSld>
-    <p:spTree>
-      <p:nvGrpSpPr>
-        <p:cNvPr id="1" name=""/>
-        <p:cNvGrpSpPr/>
-        <p:nvPr/>
-      </p:nvGrpSpPr>
-      <p:grpSpPr>
-        <a:xfrm>
-          <a:off x="0" y="0"/>
-          <a:ext cx="0" cy="0"/>
-          <a:chOff x="0" y="0"/>
-          <a:chExt cx="0" cy="0"/>
-        </a:xfrm>
-      </p:grpSpPr>
-      <p:sp>
-        <p:nvSpPr>
-          <p:cNvPr id="2" name="Title 1">
-            <a:extLst>
-              <a:ext uri="{FF2B5EF4-FFF2-40B4-BE49-F238E27FC236}">
                 <a16:creationId xmlns:a16="http://schemas.microsoft.com/office/drawing/2014/main" id="{36BA94A0-0F46-4D9A-AF1E-A9E6EC8EE0C3}"/>
               </a:ext>
             </a:extLst>
@@ -33752,6 +33623,9 @@
             <a:pPr marL="0" indent="0">
               <a:buNone/>
             </a:pPr>
+            <a:endParaRPr lang="en-US" dirty="0"/>
+          </a:p>
+          <a:p>
             <a:endParaRPr lang="en-US" dirty="0"/>
           </a:p>
         </p:txBody>
@@ -34041,6 +33915,129 @@
     <p:extLst>
       <p:ext uri="{BB962C8B-B14F-4D97-AF65-F5344CB8AC3E}">
         <p14:creationId xmlns:p14="http://schemas.microsoft.com/office/powerpoint/2010/main" val="4293024045"/>
+      </p:ext>
+    </p:extLst>
+  </p:cSld>
+  <p:clrMapOvr>
+    <a:masterClrMapping/>
+  </p:clrMapOvr>
+</p:sld>
+</file>
+
+<file path=ppt/slides/slide14.xml><?xml version="1.0" encoding="utf-8"?>
+<p:sld xmlns:a="http://schemas.openxmlformats.org/drawingml/2006/main" xmlns:r="http://schemas.openxmlformats.org/officeDocument/2006/relationships" xmlns:p="http://schemas.openxmlformats.org/presentationml/2006/main">
+  <p:cSld>
+    <p:spTree>
+      <p:nvGrpSpPr>
+        <p:cNvPr id="1" name=""/>
+        <p:cNvGrpSpPr/>
+        <p:nvPr/>
+      </p:nvGrpSpPr>
+      <p:grpSpPr>
+        <a:xfrm>
+          <a:off x="0" y="0"/>
+          <a:ext cx="0" cy="0"/>
+          <a:chOff x="0" y="0"/>
+          <a:chExt cx="0" cy="0"/>
+        </a:xfrm>
+      </p:grpSpPr>
+      <p:sp>
+        <p:nvSpPr>
+          <p:cNvPr id="2" name="Title 1">
+            <a:extLst>
+              <a:ext uri="{FF2B5EF4-FFF2-40B4-BE49-F238E27FC236}">
+                <a16:creationId xmlns:a16="http://schemas.microsoft.com/office/drawing/2014/main" id="{96050031-2FE0-4A73-8872-2C9DA5164550}"/>
+              </a:ext>
+            </a:extLst>
+          </p:cNvPr>
+          <p:cNvSpPr>
+            <a:spLocks noGrp="1"/>
+          </p:cNvSpPr>
+          <p:nvPr>
+            <p:ph type="title"/>
+          </p:nvPr>
+        </p:nvSpPr>
+        <p:spPr/>
+        <p:txBody>
+          <a:bodyPr/>
+          <a:lstStyle/>
+          <a:p>
+            <a:r>
+              <a:rPr lang="en-US" dirty="0"/>
+              <a:t>More Uses</a:t>
+            </a:r>
+          </a:p>
+        </p:txBody>
+      </p:sp>
+      <p:sp>
+        <p:nvSpPr>
+          <p:cNvPr id="3" name="Content Placeholder 2">
+            <a:extLst>
+              <a:ext uri="{FF2B5EF4-FFF2-40B4-BE49-F238E27FC236}">
+                <a16:creationId xmlns:a16="http://schemas.microsoft.com/office/drawing/2014/main" id="{624BEE8F-7256-414C-BA14-F86BFB2DA77E}"/>
+              </a:ext>
+            </a:extLst>
+          </p:cNvPr>
+          <p:cNvSpPr>
+            <a:spLocks noGrp="1"/>
+          </p:cNvSpPr>
+          <p:nvPr>
+            <p:ph idx="1"/>
+          </p:nvPr>
+        </p:nvSpPr>
+        <p:spPr/>
+        <p:txBody>
+          <a:bodyPr>
+            <a:normAutofit/>
+          </a:bodyPr>
+          <a:lstStyle/>
+          <a:p>
+            <a:r>
+              <a:rPr lang="en-US" dirty="0"/>
+              <a:t>Development Tools</a:t>
+            </a:r>
+          </a:p>
+          <a:p>
+            <a:pPr lvl="1"/>
+            <a:r>
+              <a:rPr lang="en-US" dirty="0"/>
+              <a:t>Build image with all your tooling in it, save the image, and use it anywhere on any system</a:t>
+            </a:r>
+          </a:p>
+          <a:p>
+            <a:pPr marL="457200" lvl="1" indent="0">
+              <a:buNone/>
+            </a:pPr>
+            <a:endParaRPr lang="en-US" dirty="0"/>
+          </a:p>
+          <a:p>
+            <a:r>
+              <a:rPr lang="en-US" dirty="0"/>
+              <a:t>Testing Environments</a:t>
+            </a:r>
+          </a:p>
+          <a:p>
+            <a:pPr lvl="1"/>
+            <a:r>
+              <a:rPr lang="en-US" dirty="0"/>
+              <a:t>When you drop and remove a container, IT’S GONE!!  No more cleanup tasks necessary.</a:t>
+            </a:r>
+          </a:p>
+          <a:p>
+            <a:endParaRPr lang="en-US" dirty="0"/>
+          </a:p>
+          <a:p>
+            <a:r>
+              <a:rPr lang="en-US" dirty="0"/>
+              <a:t>Experimentation</a:t>
+            </a:r>
+          </a:p>
+        </p:txBody>
+      </p:sp>
+    </p:spTree>
+    <p:extLst>
+      <p:ext uri="{BB962C8B-B14F-4D97-AF65-F5344CB8AC3E}">
+        <p14:creationId xmlns:p14="http://schemas.microsoft.com/office/powerpoint/2010/main" val="1007305374"/>
       </p:ext>
     </p:extLst>
   </p:cSld>
@@ -34923,7 +34920,7 @@
             <p:ph idx="1"/>
             <p:extLst>
               <p:ext uri="{D42A27DB-BD31-4B8C-83A1-F6EECF244321}">
-                <p14:modId xmlns:p14="http://schemas.microsoft.com/office/powerpoint/2010/main" val="2118806838"/>
+                <p14:modId xmlns:p14="http://schemas.microsoft.com/office/powerpoint/2010/main" val="1514442855"/>
               </p:ext>
             </p:extLst>
           </p:nvPr>
@@ -37000,7 +36997,7 @@
             <p:ph idx="1"/>
             <p:extLst>
               <p:ext uri="{D42A27DB-BD31-4B8C-83A1-F6EECF244321}">
-                <p14:modId xmlns:p14="http://schemas.microsoft.com/office/powerpoint/2010/main" val="464180007"/>
+                <p14:modId xmlns:p14="http://schemas.microsoft.com/office/powerpoint/2010/main" val="2730617434"/>
               </p:ext>
             </p:extLst>
           </p:nvPr>
@@ -37563,7 +37560,7 @@
           <a:lstStyle/>
           <a:p>
             <a:r>
-              <a:rPr lang="en-US">
+              <a:rPr lang="en-US" dirty="0">
                 <a:solidFill>
                   <a:srgbClr val="FFFFFF"/>
                 </a:solidFill>
@@ -37589,7 +37586,7 @@
             <p:ph idx="1"/>
             <p:extLst>
               <p:ext uri="{D42A27DB-BD31-4B8C-83A1-F6EECF244321}">
-                <p14:modId xmlns:p14="http://schemas.microsoft.com/office/powerpoint/2010/main" val="1121463131"/>
+                <p14:modId xmlns:p14="http://schemas.microsoft.com/office/powerpoint/2010/main" val="280004956"/>
               </p:ext>
             </p:extLst>
           </p:nvPr>

--- a/sql-on-docker.pptx
+++ b/sql-on-docker.pptx
@@ -16,9 +16,9 @@
     <p:sldId id="263" r:id="rId7"/>
     <p:sldId id="265" r:id="rId8"/>
     <p:sldId id="264" r:id="rId9"/>
-    <p:sldId id="271" r:id="rId10"/>
-    <p:sldId id="267" r:id="rId11"/>
-    <p:sldId id="266" r:id="rId12"/>
+    <p:sldId id="267" r:id="rId10"/>
+    <p:sldId id="266" r:id="rId11"/>
+    <p:sldId id="271" r:id="rId12"/>
     <p:sldId id="259" r:id="rId13"/>
     <p:sldId id="270" r:id="rId14"/>
     <p:sldId id="268" r:id="rId15"/>
@@ -142,9 +142,9 @@
         <p14:section name="Docker Info" id="{DF49FCD1-D825-4FAD-88A7-F31166CC83CE}">
           <p14:sldIdLst>
             <p14:sldId id="264"/>
-            <p14:sldId id="271"/>
             <p14:sldId id="267"/>
             <p14:sldId id="266"/>
+            <p14:sldId id="271"/>
           </p14:sldIdLst>
         </p14:section>
         <p14:section name="Demo and Closing" id="{D63DF8FB-FBCC-42E4-AC98-20CEFF163AE1}">
@@ -167,10 +167,6 @@
 </p:presentation>
 </file>
 
-<file path=ppt/revisionInfo.xml><?xml version="1.0" encoding="utf-8"?>
-<p1510:revInfo xmlns:a="http://schemas.openxmlformats.org/drawingml/2006/main" xmlns:r="http://schemas.openxmlformats.org/officeDocument/2006/relationships" xmlns:p1510="http://schemas.microsoft.com/office/powerpoint/2015/10/main"/>
-</file>
-
 <file path=ppt/diagrams/colors1.xml><?xml version="1.0" encoding="utf-8"?>
 <dgm:colorsDef xmlns:dgm="http://schemas.openxmlformats.org/drawingml/2006/diagram" xmlns:a="http://schemas.openxmlformats.org/drawingml/2006/main" uniqueId="urn:microsoft.com/office/officeart/2005/8/colors/colorful5">
   <dgm:title val=""/>
@@ -954,11 +950,11 @@
 </file>
 
 <file path=ppt/diagrams/colors10.xml><?xml version="1.0" encoding="utf-8"?>
-<dgm:colorsDef xmlns:dgm="http://schemas.openxmlformats.org/drawingml/2006/diagram" xmlns:a="http://schemas.openxmlformats.org/drawingml/2006/main" uniqueId="urn:microsoft.com/office/officeart/2005/8/colors/colorful2">
+<dgm:colorsDef xmlns:dgm="http://schemas.openxmlformats.org/drawingml/2006/diagram" xmlns:a="http://schemas.openxmlformats.org/drawingml/2006/main" uniqueId="urn:microsoft.com/office/officeart/2005/8/colors/accent1_2">
   <dgm:title val=""/>
   <dgm:desc val=""/>
   <dgm:catLst>
-    <dgm:cat type="colorful" pri="10200"/>
+    <dgm:cat type="accent1" pri="11200"/>
   </dgm:catLst>
   <dgm:styleLbl name="node0">
     <dgm:fillClrLst meth="repeat">
@@ -972,10 +968,21 @@
     <dgm:txFillClrLst/>
     <dgm:txEffectClrLst/>
   </dgm:styleLbl>
+  <dgm:styleLbl name="alignNode1">
+    <dgm:fillClrLst meth="repeat">
+      <a:schemeClr val="accent1"/>
+    </dgm:fillClrLst>
+    <dgm:linClrLst meth="repeat">
+      <a:schemeClr val="accent1"/>
+    </dgm:linClrLst>
+    <dgm:effectClrLst/>
+    <dgm:txLinClrLst/>
+    <dgm:txFillClrLst/>
+    <dgm:txEffectClrLst/>
+  </dgm:styleLbl>
   <dgm:styleLbl name="node1">
-    <dgm:fillClrLst>
-      <a:schemeClr val="accent2"/>
-      <a:schemeClr val="accent3"/>
+    <dgm:fillClrLst meth="repeat">
+      <a:schemeClr val="accent1"/>
     </dgm:fillClrLst>
     <dgm:linClrLst meth="repeat">
       <a:schemeClr val="lt1"/>
@@ -985,24 +992,23 @@
     <dgm:txFillClrLst/>
     <dgm:txEffectClrLst/>
   </dgm:styleLbl>
-  <dgm:styleLbl name="alignNode1">
-    <dgm:fillClrLst>
-      <a:schemeClr val="accent2"/>
-      <a:schemeClr val="accent3"/>
-    </dgm:fillClrLst>
-    <dgm:linClrLst>
-      <a:schemeClr val="accent2"/>
-      <a:schemeClr val="accent3"/>
+  <dgm:styleLbl name="lnNode1">
+    <dgm:fillClrLst meth="repeat">
+      <a:schemeClr val="accent1"/>
+    </dgm:fillClrLst>
+    <dgm:linClrLst meth="repeat">
+      <a:schemeClr val="lt1"/>
     </dgm:linClrLst>
     <dgm:effectClrLst/>
     <dgm:txLinClrLst/>
     <dgm:txFillClrLst/>
     <dgm:txEffectClrLst/>
   </dgm:styleLbl>
-  <dgm:styleLbl name="lnNode1">
-    <dgm:fillClrLst>
-      <a:schemeClr val="accent2"/>
-      <a:schemeClr val="accent3"/>
+  <dgm:styleLbl name="vennNode1">
+    <dgm:fillClrLst meth="repeat">
+      <a:schemeClr val="accent1">
+        <a:alpha val="50000"/>
+      </a:schemeClr>
     </dgm:fillClrLst>
     <dgm:linClrLst meth="repeat">
       <a:schemeClr val="lt1"/>
@@ -1012,14 +1018,9 @@
     <dgm:txFillClrLst/>
     <dgm:txEffectClrLst/>
   </dgm:styleLbl>
-  <dgm:styleLbl name="vennNode1">
-    <dgm:fillClrLst>
-      <a:schemeClr val="accent2">
-        <a:alpha val="50000"/>
-      </a:schemeClr>
-      <a:schemeClr val="accent3">
-        <a:alpha val="50000"/>
-      </a:schemeClr>
+  <dgm:styleLbl name="node2">
+    <dgm:fillClrLst meth="repeat">
+      <a:schemeClr val="accent1"/>
     </dgm:fillClrLst>
     <dgm:linClrLst meth="repeat">
       <a:schemeClr val="lt1"/>
@@ -1029,9 +1030,9 @@
     <dgm:txFillClrLst/>
     <dgm:txEffectClrLst/>
   </dgm:styleLbl>
-  <dgm:styleLbl name="node2">
-    <dgm:fillClrLst>
-      <a:schemeClr val="accent3"/>
+  <dgm:styleLbl name="node3">
+    <dgm:fillClrLst meth="repeat">
+      <a:schemeClr val="accent1"/>
     </dgm:fillClrLst>
     <dgm:linClrLst meth="repeat">
       <a:schemeClr val="lt1"/>
@@ -1041,9 +1042,9 @@
     <dgm:txFillClrLst/>
     <dgm:txEffectClrLst/>
   </dgm:styleLbl>
-  <dgm:styleLbl name="node3">
-    <dgm:fillClrLst>
-      <a:schemeClr val="accent4"/>
+  <dgm:styleLbl name="node4">
+    <dgm:fillClrLst meth="repeat">
+      <a:schemeClr val="accent1"/>
     </dgm:fillClrLst>
     <dgm:linClrLst meth="repeat">
       <a:schemeClr val="lt1"/>
@@ -1053,24 +1054,9 @@
     <dgm:txFillClrLst/>
     <dgm:txEffectClrLst/>
   </dgm:styleLbl>
-  <dgm:styleLbl name="node4">
-    <dgm:fillClrLst>
-      <a:schemeClr val="accent5"/>
-    </dgm:fillClrLst>
-    <dgm:linClrLst meth="repeat">
-      <a:schemeClr val="lt1"/>
-    </dgm:linClrLst>
-    <dgm:effectClrLst/>
-    <dgm:txLinClrLst/>
-    <dgm:txFillClrLst/>
-    <dgm:txEffectClrLst/>
-  </dgm:styleLbl>
   <dgm:styleLbl name="fgImgPlace1">
-    <dgm:fillClrLst>
-      <a:schemeClr val="accent2">
-        <a:tint val="50000"/>
-      </a:schemeClr>
-      <a:schemeClr val="accent3">
+    <dgm:fillClrLst meth="repeat">
+      <a:schemeClr val="accent1">
         <a:tint val="50000"/>
       </a:schemeClr>
     </dgm:fillClrLst>
@@ -1085,12 +1071,9 @@
     <dgm:txEffectClrLst/>
   </dgm:styleLbl>
   <dgm:styleLbl name="alignImgPlace1">
-    <dgm:fillClrLst>
-      <a:schemeClr val="accent2">
+    <dgm:fillClrLst meth="repeat">
+      <a:schemeClr val="accent1">
         <a:tint val="50000"/>
-      </a:schemeClr>
-      <a:schemeClr val="accent3">
-        <a:tint val="20000"/>
       </a:schemeClr>
     </dgm:fillClrLst>
     <dgm:linClrLst meth="repeat">
@@ -1104,12 +1087,9 @@
     <dgm:txEffectClrLst/>
   </dgm:styleLbl>
   <dgm:styleLbl name="bgImgPlace1">
-    <dgm:fillClrLst>
-      <a:schemeClr val="accent2">
+    <dgm:fillClrLst meth="repeat">
+      <a:schemeClr val="accent1">
         <a:tint val="50000"/>
-      </a:schemeClr>
-      <a:schemeClr val="accent3">
-        <a:tint val="20000"/>
       </a:schemeClr>
     </dgm:fillClrLst>
     <dgm:linClrLst meth="repeat">
@@ -1123,9 +1103,86 @@
     <dgm:txEffectClrLst/>
   </dgm:styleLbl>
   <dgm:styleLbl name="sibTrans2D1">
-    <dgm:fillClrLst>
-      <a:schemeClr val="accent2"/>
-      <a:schemeClr val="accent3"/>
+    <dgm:fillClrLst meth="repeat">
+      <a:schemeClr val="accent1">
+        <a:tint val="60000"/>
+      </a:schemeClr>
+    </dgm:fillClrLst>
+    <dgm:linClrLst meth="repeat">
+      <a:schemeClr val="accent1">
+        <a:tint val="60000"/>
+      </a:schemeClr>
+    </dgm:linClrLst>
+    <dgm:effectClrLst/>
+    <dgm:txLinClrLst/>
+    <dgm:txFillClrLst/>
+    <dgm:txEffectClrLst/>
+  </dgm:styleLbl>
+  <dgm:styleLbl name="fgSibTrans2D1">
+    <dgm:fillClrLst meth="repeat">
+      <a:schemeClr val="accent1">
+        <a:tint val="60000"/>
+      </a:schemeClr>
+    </dgm:fillClrLst>
+    <dgm:linClrLst meth="repeat">
+      <a:schemeClr val="accent1">
+        <a:tint val="60000"/>
+      </a:schemeClr>
+    </dgm:linClrLst>
+    <dgm:effectClrLst/>
+    <dgm:txLinClrLst/>
+    <dgm:txFillClrLst/>
+    <dgm:txEffectClrLst/>
+  </dgm:styleLbl>
+  <dgm:styleLbl name="bgSibTrans2D1">
+    <dgm:fillClrLst meth="repeat">
+      <a:schemeClr val="accent1">
+        <a:tint val="60000"/>
+      </a:schemeClr>
+    </dgm:fillClrLst>
+    <dgm:linClrLst meth="repeat">
+      <a:schemeClr val="accent1">
+        <a:tint val="60000"/>
+      </a:schemeClr>
+    </dgm:linClrLst>
+    <dgm:effectClrLst/>
+    <dgm:txLinClrLst/>
+    <dgm:txFillClrLst/>
+    <dgm:txEffectClrLst/>
+  </dgm:styleLbl>
+  <dgm:styleLbl name="sibTrans1D1">
+    <dgm:fillClrLst meth="repeat">
+      <a:schemeClr val="accent1"/>
+    </dgm:fillClrLst>
+    <dgm:linClrLst meth="repeat">
+      <a:schemeClr val="accent1"/>
+    </dgm:linClrLst>
+    <dgm:effectClrLst/>
+    <dgm:txLinClrLst/>
+    <dgm:txFillClrLst meth="repeat">
+      <a:schemeClr val="tx1"/>
+    </dgm:txFillClrLst>
+    <dgm:txEffectClrLst/>
+  </dgm:styleLbl>
+  <dgm:styleLbl name="callout">
+    <dgm:fillClrLst meth="repeat">
+      <a:schemeClr val="accent1"/>
+    </dgm:fillClrLst>
+    <dgm:linClrLst meth="repeat">
+      <a:schemeClr val="accent1">
+        <a:tint val="50000"/>
+      </a:schemeClr>
+    </dgm:linClrLst>
+    <dgm:effectClrLst/>
+    <dgm:txLinClrLst/>
+    <dgm:txFillClrLst meth="repeat">
+      <a:schemeClr val="tx1"/>
+    </dgm:txFillClrLst>
+    <dgm:txEffectClrLst/>
+  </dgm:styleLbl>
+  <dgm:styleLbl name="asst0">
+    <dgm:fillClrLst meth="repeat">
+      <a:schemeClr val="accent1"/>
     </dgm:fillClrLst>
     <dgm:linClrLst meth="repeat">
       <a:schemeClr val="lt1"/>
@@ -1135,13 +1192,64 @@
     <dgm:txFillClrLst/>
     <dgm:txEffectClrLst/>
   </dgm:styleLbl>
-  <dgm:styleLbl name="fgSibTrans2D1">
-    <dgm:fillClrLst>
-      <a:schemeClr val="accent2"/>
-      <a:schemeClr val="accent3"/>
+  <dgm:styleLbl name="asst1">
+    <dgm:fillClrLst meth="repeat">
+      <a:schemeClr val="accent1"/>
     </dgm:fillClrLst>
     <dgm:linClrLst meth="repeat">
       <a:schemeClr val="lt1"/>
+    </dgm:linClrLst>
+    <dgm:effectClrLst/>
+    <dgm:txLinClrLst/>
+    <dgm:txFillClrLst/>
+    <dgm:txEffectClrLst/>
+  </dgm:styleLbl>
+  <dgm:styleLbl name="asst2">
+    <dgm:fillClrLst meth="repeat">
+      <a:schemeClr val="accent1"/>
+    </dgm:fillClrLst>
+    <dgm:linClrLst meth="repeat">
+      <a:schemeClr val="lt1"/>
+    </dgm:linClrLst>
+    <dgm:effectClrLst/>
+    <dgm:txLinClrLst/>
+    <dgm:txFillClrLst/>
+    <dgm:txEffectClrLst/>
+  </dgm:styleLbl>
+  <dgm:styleLbl name="asst3">
+    <dgm:fillClrLst meth="repeat">
+      <a:schemeClr val="accent1"/>
+    </dgm:fillClrLst>
+    <dgm:linClrLst meth="repeat">
+      <a:schemeClr val="lt1"/>
+    </dgm:linClrLst>
+    <dgm:effectClrLst/>
+    <dgm:txLinClrLst/>
+    <dgm:txFillClrLst/>
+    <dgm:txEffectClrLst/>
+  </dgm:styleLbl>
+  <dgm:styleLbl name="asst4">
+    <dgm:fillClrLst meth="repeat">
+      <a:schemeClr val="accent1"/>
+    </dgm:fillClrLst>
+    <dgm:linClrLst meth="repeat">
+      <a:schemeClr val="lt1"/>
+    </dgm:linClrLst>
+    <dgm:effectClrLst/>
+    <dgm:txLinClrLst/>
+    <dgm:txFillClrLst/>
+    <dgm:txEffectClrLst/>
+  </dgm:styleLbl>
+  <dgm:styleLbl name="parChTrans2D1">
+    <dgm:fillClrLst meth="repeat">
+      <a:schemeClr val="accent1">
+        <a:tint val="60000"/>
+      </a:schemeClr>
+    </dgm:fillClrLst>
+    <dgm:linClrLst meth="repeat">
+      <a:schemeClr val="accent1">
+        <a:tint val="60000"/>
+      </a:schemeClr>
     </dgm:linClrLst>
     <dgm:effectClrLst/>
     <dgm:txLinClrLst/>
@@ -1150,13 +1258,12 @@
     </dgm:txFillClrLst>
     <dgm:txEffectClrLst/>
   </dgm:styleLbl>
-  <dgm:styleLbl name="bgSibTrans2D1">
-    <dgm:fillClrLst>
-      <a:schemeClr val="accent2"/>
-      <a:schemeClr val="accent3"/>
-    </dgm:fillClrLst>
-    <dgm:linClrLst meth="repeat">
-      <a:schemeClr val="lt1"/>
+  <dgm:styleLbl name="parChTrans2D2">
+    <dgm:fillClrLst meth="repeat">
+      <a:schemeClr val="accent1"/>
+    </dgm:fillClrLst>
+    <dgm:linClrLst meth="repeat">
+      <a:schemeClr val="accent1"/>
     </dgm:linClrLst>
     <dgm:effectClrLst/>
     <dgm:txLinClrLst/>
@@ -1165,11 +1272,42 @@
     </dgm:txFillClrLst>
     <dgm:txEffectClrLst/>
   </dgm:styleLbl>
-  <dgm:styleLbl name="sibTrans1D1">
-    <dgm:fillClrLst/>
-    <dgm:linClrLst>
-      <a:schemeClr val="accent2"/>
-      <a:schemeClr val="accent3"/>
+  <dgm:styleLbl name="parChTrans2D3">
+    <dgm:fillClrLst meth="repeat">
+      <a:schemeClr val="accent1"/>
+    </dgm:fillClrLst>
+    <dgm:linClrLst meth="repeat">
+      <a:schemeClr val="accent1"/>
+    </dgm:linClrLst>
+    <dgm:effectClrLst/>
+    <dgm:txLinClrLst/>
+    <dgm:txFillClrLst meth="repeat">
+      <a:schemeClr val="lt1"/>
+    </dgm:txFillClrLst>
+    <dgm:txEffectClrLst/>
+  </dgm:styleLbl>
+  <dgm:styleLbl name="parChTrans2D4">
+    <dgm:fillClrLst meth="repeat">
+      <a:schemeClr val="accent1"/>
+    </dgm:fillClrLst>
+    <dgm:linClrLst meth="repeat">
+      <a:schemeClr val="accent1"/>
+    </dgm:linClrLst>
+    <dgm:effectClrLst/>
+    <dgm:txLinClrLst/>
+    <dgm:txFillClrLst meth="repeat">
+      <a:schemeClr val="lt1"/>
+    </dgm:txFillClrLst>
+    <dgm:txEffectClrLst/>
+  </dgm:styleLbl>
+  <dgm:styleLbl name="parChTrans1D1">
+    <dgm:fillClrLst meth="repeat">
+      <a:schemeClr val="accent1"/>
+    </dgm:fillClrLst>
+    <dgm:linClrLst meth="repeat">
+      <a:schemeClr val="accent1">
+        <a:shade val="60000"/>
+      </a:schemeClr>
     </dgm:linClrLst>
     <dgm:effectClrLst/>
     <dgm:txLinClrLst/>
@@ -1178,13 +1316,13 @@
     </dgm:txFillClrLst>
     <dgm:txEffectClrLst/>
   </dgm:styleLbl>
-  <dgm:styleLbl name="callout">
+  <dgm:styleLbl name="parChTrans1D2">
     <dgm:fillClrLst meth="repeat">
-      <a:schemeClr val="accent2"/>
-    </dgm:fillClrLst>
-    <dgm:linClrLst meth="repeat">
-      <a:schemeClr val="accent2">
-        <a:tint val="50000"/>
+      <a:schemeClr val="accent1"/>
+    </dgm:fillClrLst>
+    <dgm:linClrLst meth="repeat">
+      <a:schemeClr val="accent1">
+        <a:shade val="60000"/>
       </a:schemeClr>
     </dgm:linClrLst>
     <dgm:effectClrLst/>
@@ -1194,128 +1332,14 @@
     </dgm:txFillClrLst>
     <dgm:txEffectClrLst/>
   </dgm:styleLbl>
-  <dgm:styleLbl name="asst0">
+  <dgm:styleLbl name="parChTrans1D3">
     <dgm:fillClrLst meth="repeat">
-      <a:schemeClr val="accent2"/>
-    </dgm:fillClrLst>
-    <dgm:linClrLst meth="repeat">
-      <a:schemeClr val="lt1">
+      <a:schemeClr val="accent1"/>
+    </dgm:fillClrLst>
+    <dgm:linClrLst meth="repeat">
+      <a:schemeClr val="accent1">
         <a:shade val="80000"/>
       </a:schemeClr>
-    </dgm:linClrLst>
-    <dgm:effectClrLst/>
-    <dgm:txLinClrLst/>
-    <dgm:txFillClrLst/>
-    <dgm:txEffectClrLst/>
-  </dgm:styleLbl>
-  <dgm:styleLbl name="asst1">
-    <dgm:fillClrLst meth="repeat">
-      <a:schemeClr val="accent3"/>
-    </dgm:fillClrLst>
-    <dgm:linClrLst meth="repeat">
-      <a:schemeClr val="lt1">
-        <a:shade val="80000"/>
-      </a:schemeClr>
-    </dgm:linClrLst>
-    <dgm:effectClrLst/>
-    <dgm:txLinClrLst/>
-    <dgm:txFillClrLst/>
-    <dgm:txEffectClrLst/>
-  </dgm:styleLbl>
-  <dgm:styleLbl name="asst2">
-    <dgm:fillClrLst>
-      <a:schemeClr val="accent4"/>
-    </dgm:fillClrLst>
-    <dgm:linClrLst meth="repeat">
-      <a:schemeClr val="lt1"/>
-    </dgm:linClrLst>
-    <dgm:effectClrLst/>
-    <dgm:txLinClrLst/>
-    <dgm:txFillClrLst/>
-    <dgm:txEffectClrLst/>
-  </dgm:styleLbl>
-  <dgm:styleLbl name="asst3">
-    <dgm:fillClrLst>
-      <a:schemeClr val="accent5"/>
-    </dgm:fillClrLst>
-    <dgm:linClrLst meth="repeat">
-      <a:schemeClr val="lt1"/>
-    </dgm:linClrLst>
-    <dgm:effectClrLst/>
-    <dgm:txLinClrLst/>
-    <dgm:txFillClrLst/>
-    <dgm:txEffectClrLst/>
-  </dgm:styleLbl>
-  <dgm:styleLbl name="asst4">
-    <dgm:fillClrLst>
-      <a:schemeClr val="accent6"/>
-    </dgm:fillClrLst>
-    <dgm:linClrLst meth="repeat">
-      <a:schemeClr val="lt1"/>
-    </dgm:linClrLst>
-    <dgm:effectClrLst/>
-    <dgm:txLinClrLst/>
-    <dgm:txFillClrLst/>
-    <dgm:txEffectClrLst/>
-  </dgm:styleLbl>
-  <dgm:styleLbl name="parChTrans2D1">
-    <dgm:fillClrLst meth="repeat">
-      <a:schemeClr val="accent2"/>
-    </dgm:fillClrLst>
-    <dgm:linClrLst meth="repeat">
-      <a:schemeClr val="lt1"/>
-    </dgm:linClrLst>
-    <dgm:effectClrLst/>
-    <dgm:txLinClrLst/>
-    <dgm:txFillClrLst meth="repeat">
-      <a:schemeClr val="lt1"/>
-    </dgm:txFillClrLst>
-    <dgm:txEffectClrLst/>
-  </dgm:styleLbl>
-  <dgm:styleLbl name="parChTrans2D2">
-    <dgm:fillClrLst meth="repeat">
-      <a:schemeClr val="accent3"/>
-    </dgm:fillClrLst>
-    <dgm:linClrLst meth="repeat">
-      <a:schemeClr val="lt1"/>
-    </dgm:linClrLst>
-    <dgm:effectClrLst/>
-    <dgm:txLinClrLst/>
-    <dgm:txFillClrLst/>
-    <dgm:txEffectClrLst/>
-  </dgm:styleLbl>
-  <dgm:styleLbl name="parChTrans2D3">
-    <dgm:fillClrLst meth="repeat">
-      <a:schemeClr val="accent4"/>
-    </dgm:fillClrLst>
-    <dgm:linClrLst meth="repeat">
-      <a:schemeClr val="lt1"/>
-    </dgm:linClrLst>
-    <dgm:effectClrLst/>
-    <dgm:txLinClrLst/>
-    <dgm:txFillClrLst/>
-    <dgm:txEffectClrLst/>
-  </dgm:styleLbl>
-  <dgm:styleLbl name="parChTrans2D4">
-    <dgm:fillClrLst meth="repeat">
-      <a:schemeClr val="accent5"/>
-    </dgm:fillClrLst>
-    <dgm:linClrLst meth="repeat">
-      <a:schemeClr val="lt1"/>
-    </dgm:linClrLst>
-    <dgm:effectClrLst/>
-    <dgm:txLinClrLst/>
-    <dgm:txFillClrLst meth="repeat">
-      <a:schemeClr val="lt1"/>
-    </dgm:txFillClrLst>
-    <dgm:txEffectClrLst/>
-  </dgm:styleLbl>
-  <dgm:styleLbl name="parChTrans1D1">
-    <dgm:fillClrLst meth="repeat">
-      <a:schemeClr val="accent2"/>
-    </dgm:fillClrLst>
-    <dgm:linClrLst meth="repeat">
-      <a:schemeClr val="accent2"/>
     </dgm:linClrLst>
     <dgm:effectClrLst/>
     <dgm:txLinClrLst/>
@@ -1324,46 +1348,14 @@
     </dgm:txFillClrLst>
     <dgm:txEffectClrLst/>
   </dgm:styleLbl>
-  <dgm:styleLbl name="parChTrans1D2">
-    <dgm:fillClrLst meth="repeat">
-      <a:schemeClr val="accent2">
-        <a:tint val="90000"/>
-      </a:schemeClr>
-    </dgm:fillClrLst>
-    <dgm:linClrLst meth="repeat">
-      <a:schemeClr val="accent3"/>
-    </dgm:linClrLst>
-    <dgm:effectClrLst/>
-    <dgm:txLinClrLst/>
-    <dgm:txFillClrLst meth="repeat">
-      <a:schemeClr val="tx1"/>
-    </dgm:txFillClrLst>
-    <dgm:txEffectClrLst/>
-  </dgm:styleLbl>
-  <dgm:styleLbl name="parChTrans1D3">
-    <dgm:fillClrLst meth="repeat">
-      <a:schemeClr val="accent2">
-        <a:tint val="70000"/>
-      </a:schemeClr>
-    </dgm:fillClrLst>
-    <dgm:linClrLst meth="repeat">
-      <a:schemeClr val="accent4"/>
-    </dgm:linClrLst>
-    <dgm:effectClrLst/>
-    <dgm:txLinClrLst/>
-    <dgm:txFillClrLst meth="repeat">
-      <a:schemeClr val="tx1"/>
-    </dgm:txFillClrLst>
-    <dgm:txEffectClrLst/>
-  </dgm:styleLbl>
   <dgm:styleLbl name="parChTrans1D4">
     <dgm:fillClrLst meth="repeat">
-      <a:schemeClr val="accent2">
-        <a:tint val="50000"/>
-      </a:schemeClr>
-    </dgm:fillClrLst>
-    <dgm:linClrLst meth="repeat">
-      <a:schemeClr val="accent5"/>
+      <a:schemeClr val="accent1"/>
+    </dgm:fillClrLst>
+    <dgm:linClrLst meth="repeat">
+      <a:schemeClr val="accent1">
+        <a:shade val="80000"/>
+      </a:schemeClr>
     </dgm:linClrLst>
     <dgm:effectClrLst/>
     <dgm:txLinClrLst/>
@@ -1378,9 +1370,8 @@
         <a:alpha val="90000"/>
       </a:schemeClr>
     </dgm:fillClrLst>
-    <dgm:linClrLst>
-      <a:schemeClr val="accent2"/>
-      <a:schemeClr val="accent3"/>
+    <dgm:linClrLst meth="repeat">
+      <a:schemeClr val="accent1"/>
     </dgm:linClrLst>
     <dgm:effectClrLst/>
     <dgm:txLinClrLst/>
@@ -1395,9 +1386,8 @@
         <a:alpha val="90000"/>
       </a:schemeClr>
     </dgm:fillClrLst>
-    <dgm:linClrLst>
-      <a:schemeClr val="accent2"/>
-      <a:schemeClr val="accent3"/>
+    <dgm:linClrLst meth="repeat">
+      <a:schemeClr val="accent1"/>
     </dgm:linClrLst>
     <dgm:effectClrLst/>
     <dgm:txLinClrLst/>
@@ -1412,9 +1402,8 @@
         <a:alpha val="90000"/>
       </a:schemeClr>
     </dgm:fillClrLst>
-    <dgm:linClrLst>
-      <a:schemeClr val="accent2"/>
-      <a:schemeClr val="accent3"/>
+    <dgm:linClrLst meth="repeat">
+      <a:schemeClr val="accent1"/>
     </dgm:linClrLst>
     <dgm:effectClrLst/>
     <dgm:txLinClrLst/>
@@ -1430,7 +1419,7 @@
       </a:schemeClr>
     </dgm:fillClrLst>
     <dgm:linClrLst meth="repeat">
-      <a:schemeClr val="accent2"/>
+      <a:schemeClr val="accent1"/>
     </dgm:linClrLst>
     <dgm:effectClrLst/>
     <dgm:txLinClrLst/>
@@ -1445,9 +1434,8 @@
         <a:alpha val="90000"/>
       </a:schemeClr>
     </dgm:fillClrLst>
-    <dgm:linClrLst>
-      <a:schemeClr val="accent2"/>
-      <a:schemeClr val="accent3"/>
+    <dgm:linClrLst meth="repeat">
+      <a:schemeClr val="accent1"/>
     </dgm:linClrLst>
     <dgm:effectClrLst/>
     <dgm:txLinClrLst/>
@@ -1460,9 +1448,8 @@
     <dgm:fillClrLst meth="repeat">
       <a:schemeClr val="lt1"/>
     </dgm:fillClrLst>
-    <dgm:linClrLst>
-      <a:schemeClr val="accent2"/>
-      <a:schemeClr val="accent3"/>
+    <dgm:linClrLst meth="repeat">
+      <a:schemeClr val="accent1"/>
     </dgm:linClrLst>
     <dgm:effectClrLst/>
     <dgm:txLinClrLst/>
@@ -1475,9 +1462,8 @@
     <dgm:fillClrLst meth="repeat">
       <a:schemeClr val="lt1"/>
     </dgm:fillClrLst>
-    <dgm:linClrLst>
-      <a:schemeClr val="accent2"/>
-      <a:schemeClr val="accent3"/>
+    <dgm:linClrLst meth="repeat">
+      <a:schemeClr val="accent1"/>
     </dgm:linClrLst>
     <dgm:effectClrLst/>
     <dgm:txLinClrLst/>
@@ -1490,9 +1476,8 @@
     <dgm:fillClrLst meth="repeat">
       <a:schemeClr val="lt1"/>
     </dgm:fillClrLst>
-    <dgm:linClrLst>
-      <a:schemeClr val="accent2"/>
-      <a:schemeClr val="accent3"/>
+    <dgm:linClrLst meth="repeat">
+      <a:schemeClr val="accent1"/>
     </dgm:linClrLst>
     <dgm:effectClrLst/>
     <dgm:txLinClrLst/>
@@ -1502,24 +1487,16 @@
     <dgm:txEffectClrLst/>
   </dgm:styleLbl>
   <dgm:styleLbl name="fgAccFollowNode1">
-    <dgm:fillClrLst>
-      <a:schemeClr val="accent2">
+    <dgm:fillClrLst meth="repeat">
+      <a:schemeClr val="accent1">
+        <a:alpha val="90000"/>
         <a:tint val="40000"/>
+      </a:schemeClr>
+    </dgm:fillClrLst>
+    <dgm:linClrLst meth="repeat">
+      <a:schemeClr val="accent1">
         <a:alpha val="90000"/>
-      </a:schemeClr>
-      <a:schemeClr val="accent3">
         <a:tint val="40000"/>
-        <a:alpha val="90000"/>
-      </a:schemeClr>
-    </dgm:fillClrLst>
-    <dgm:linClrLst>
-      <a:schemeClr val="accent2">
-        <a:tint val="40000"/>
-        <a:alpha val="90000"/>
-      </a:schemeClr>
-      <a:schemeClr val="accent3">
-        <a:tint val="40000"/>
-        <a:alpha val="90000"/>
       </a:schemeClr>
     </dgm:linClrLst>
     <dgm:effectClrLst/>
@@ -1530,24 +1507,16 @@
     <dgm:txEffectClrLst/>
   </dgm:styleLbl>
   <dgm:styleLbl name="alignAccFollowNode1">
-    <dgm:fillClrLst>
-      <a:schemeClr val="accent2">
+    <dgm:fillClrLst meth="repeat">
+      <a:schemeClr val="accent1">
+        <a:alpha val="90000"/>
         <a:tint val="40000"/>
+      </a:schemeClr>
+    </dgm:fillClrLst>
+    <dgm:linClrLst meth="repeat">
+      <a:schemeClr val="accent1">
         <a:alpha val="90000"/>
-      </a:schemeClr>
-      <a:schemeClr val="accent3">
         <a:tint val="40000"/>
-        <a:alpha val="90000"/>
-      </a:schemeClr>
-    </dgm:fillClrLst>
-    <dgm:linClrLst>
-      <a:schemeClr val="accent2">
-        <a:tint val="40000"/>
-        <a:alpha val="90000"/>
-      </a:schemeClr>
-      <a:schemeClr val="accent3">
-        <a:tint val="40000"/>
-        <a:alpha val="90000"/>
       </a:schemeClr>
     </dgm:linClrLst>
     <dgm:effectClrLst/>
@@ -1558,24 +1527,16 @@
     <dgm:txEffectClrLst/>
   </dgm:styleLbl>
   <dgm:styleLbl name="bgAccFollowNode1">
-    <dgm:fillClrLst>
-      <a:schemeClr val="accent2">
+    <dgm:fillClrLst meth="repeat">
+      <a:schemeClr val="accent1">
+        <a:alpha val="90000"/>
         <a:tint val="40000"/>
+      </a:schemeClr>
+    </dgm:fillClrLst>
+    <dgm:linClrLst meth="repeat">
+      <a:schemeClr val="accent1">
         <a:alpha val="90000"/>
-      </a:schemeClr>
-      <a:schemeClr val="accent3">
         <a:tint val="40000"/>
-        <a:alpha val="90000"/>
-      </a:schemeClr>
-    </dgm:fillClrLst>
-    <dgm:linClrLst>
-      <a:schemeClr val="accent2">
-        <a:tint val="40000"/>
-        <a:alpha val="90000"/>
-      </a:schemeClr>
-      <a:schemeClr val="accent3">
-        <a:tint val="40000"/>
-        <a:alpha val="90000"/>
       </a:schemeClr>
     </dgm:linClrLst>
     <dgm:effectClrLst/>
@@ -1591,7 +1552,7 @@
         <a:alpha val="90000"/>
       </a:schemeClr>
     </dgm:fillClrLst>
-    <dgm:linClrLst>
+    <dgm:linClrLst meth="repeat">
       <a:schemeClr val="accent1"/>
     </dgm:linClrLst>
     <dgm:effectClrLst/>
@@ -1607,8 +1568,8 @@
         <a:alpha val="90000"/>
       </a:schemeClr>
     </dgm:fillClrLst>
-    <dgm:linClrLst>
-      <a:schemeClr val="accent3"/>
+    <dgm:linClrLst meth="repeat">
+      <a:schemeClr val="accent1"/>
     </dgm:linClrLst>
     <dgm:effectClrLst/>
     <dgm:txLinClrLst/>
@@ -1623,8 +1584,8 @@
         <a:alpha val="90000"/>
       </a:schemeClr>
     </dgm:fillClrLst>
-    <dgm:linClrLst>
-      <a:schemeClr val="accent4"/>
+    <dgm:linClrLst meth="repeat">
+      <a:schemeClr val="accent1"/>
     </dgm:linClrLst>
     <dgm:effectClrLst/>
     <dgm:txLinClrLst/>
@@ -1639,8 +1600,8 @@
         <a:alpha val="90000"/>
       </a:schemeClr>
     </dgm:fillClrLst>
-    <dgm:linClrLst>
-      <a:schemeClr val="accent5"/>
+    <dgm:linClrLst meth="repeat">
+      <a:schemeClr val="accent1"/>
     </dgm:linClrLst>
     <dgm:effectClrLst/>
     <dgm:txLinClrLst/>
@@ -1651,12 +1612,12 @@
   </dgm:styleLbl>
   <dgm:styleLbl name="bgShp">
     <dgm:fillClrLst meth="repeat">
-      <a:schemeClr val="accent2">
+      <a:schemeClr val="accent1">
         <a:tint val="40000"/>
       </a:schemeClr>
     </dgm:fillClrLst>
     <dgm:linClrLst meth="repeat">
-      <a:schemeClr val="dk1"/>
+      <a:schemeClr val="accent1"/>
     </dgm:linClrLst>
     <dgm:effectClrLst/>
     <dgm:txLinClrLst/>
@@ -1667,12 +1628,12 @@
   </dgm:styleLbl>
   <dgm:styleLbl name="dkBgShp">
     <dgm:fillClrLst meth="repeat">
-      <a:schemeClr val="accent2">
-        <a:shade val="90000"/>
-      </a:schemeClr>
-    </dgm:fillClrLst>
-    <dgm:linClrLst meth="repeat">
-      <a:schemeClr val="dk1"/>
+      <a:schemeClr val="accent1">
+        <a:shade val="80000"/>
+      </a:schemeClr>
+    </dgm:fillClrLst>
+    <dgm:linClrLst meth="repeat">
+      <a:schemeClr val="accent1"/>
     </dgm:linClrLst>
     <dgm:effectClrLst/>
     <dgm:txLinClrLst/>
@@ -1683,13 +1644,13 @@
   </dgm:styleLbl>
   <dgm:styleLbl name="trBgShp">
     <dgm:fillClrLst meth="repeat">
-      <a:schemeClr val="accent2">
+      <a:schemeClr val="accent1">
         <a:tint val="50000"/>
         <a:alpha val="40000"/>
       </a:schemeClr>
     </dgm:fillClrLst>
     <dgm:linClrLst meth="repeat">
-      <a:schemeClr val="accent2"/>
+      <a:schemeClr val="accent1"/>
     </dgm:linClrLst>
     <dgm:effectClrLst/>
     <dgm:txLinClrLst/>
@@ -1700,8 +1661,8 @@
   </dgm:styleLbl>
   <dgm:styleLbl name="fgShp">
     <dgm:fillClrLst meth="repeat">
-      <a:schemeClr val="accent2">
-        <a:tint val="40000"/>
+      <a:schemeClr val="accent1">
+        <a:tint val="60000"/>
       </a:schemeClr>
     </dgm:fillClrLst>
     <dgm:linClrLst meth="repeat">
@@ -6462,753 +6423,6 @@
 </file>
 
 <file path=ppt/diagrams/colors8.xml><?xml version="1.0" encoding="utf-8"?>
-<dgm:colorsDef xmlns:dgm="http://schemas.openxmlformats.org/drawingml/2006/diagram" xmlns:a="http://schemas.openxmlformats.org/drawingml/2006/main" uniqueId="urn:microsoft.com/office/officeart/2005/8/colors/accent1_2">
-  <dgm:title val=""/>
-  <dgm:desc val=""/>
-  <dgm:catLst>
-    <dgm:cat type="accent1" pri="11200"/>
-  </dgm:catLst>
-  <dgm:styleLbl name="node0">
-    <dgm:fillClrLst meth="repeat">
-      <a:schemeClr val="accent1"/>
-    </dgm:fillClrLst>
-    <dgm:linClrLst meth="repeat">
-      <a:schemeClr val="lt1"/>
-    </dgm:linClrLst>
-    <dgm:effectClrLst/>
-    <dgm:txLinClrLst/>
-    <dgm:txFillClrLst/>
-    <dgm:txEffectClrLst/>
-  </dgm:styleLbl>
-  <dgm:styleLbl name="alignNode1">
-    <dgm:fillClrLst meth="repeat">
-      <a:schemeClr val="accent1"/>
-    </dgm:fillClrLst>
-    <dgm:linClrLst meth="repeat">
-      <a:schemeClr val="accent1"/>
-    </dgm:linClrLst>
-    <dgm:effectClrLst/>
-    <dgm:txLinClrLst/>
-    <dgm:txFillClrLst/>
-    <dgm:txEffectClrLst/>
-  </dgm:styleLbl>
-  <dgm:styleLbl name="node1">
-    <dgm:fillClrLst meth="repeat">
-      <a:schemeClr val="accent1"/>
-    </dgm:fillClrLst>
-    <dgm:linClrLst meth="repeat">
-      <a:schemeClr val="lt1"/>
-    </dgm:linClrLst>
-    <dgm:effectClrLst/>
-    <dgm:txLinClrLst/>
-    <dgm:txFillClrLst/>
-    <dgm:txEffectClrLst/>
-  </dgm:styleLbl>
-  <dgm:styleLbl name="lnNode1">
-    <dgm:fillClrLst meth="repeat">
-      <a:schemeClr val="accent1"/>
-    </dgm:fillClrLst>
-    <dgm:linClrLst meth="repeat">
-      <a:schemeClr val="lt1"/>
-    </dgm:linClrLst>
-    <dgm:effectClrLst/>
-    <dgm:txLinClrLst/>
-    <dgm:txFillClrLst/>
-    <dgm:txEffectClrLst/>
-  </dgm:styleLbl>
-  <dgm:styleLbl name="vennNode1">
-    <dgm:fillClrLst meth="repeat">
-      <a:schemeClr val="accent1">
-        <a:alpha val="50000"/>
-      </a:schemeClr>
-    </dgm:fillClrLst>
-    <dgm:linClrLst meth="repeat">
-      <a:schemeClr val="lt1"/>
-    </dgm:linClrLst>
-    <dgm:effectClrLst/>
-    <dgm:txLinClrLst/>
-    <dgm:txFillClrLst/>
-    <dgm:txEffectClrLst/>
-  </dgm:styleLbl>
-  <dgm:styleLbl name="node2">
-    <dgm:fillClrLst meth="repeat">
-      <a:schemeClr val="accent1"/>
-    </dgm:fillClrLst>
-    <dgm:linClrLst meth="repeat">
-      <a:schemeClr val="lt1"/>
-    </dgm:linClrLst>
-    <dgm:effectClrLst/>
-    <dgm:txLinClrLst/>
-    <dgm:txFillClrLst/>
-    <dgm:txEffectClrLst/>
-  </dgm:styleLbl>
-  <dgm:styleLbl name="node3">
-    <dgm:fillClrLst meth="repeat">
-      <a:schemeClr val="accent1"/>
-    </dgm:fillClrLst>
-    <dgm:linClrLst meth="repeat">
-      <a:schemeClr val="lt1"/>
-    </dgm:linClrLst>
-    <dgm:effectClrLst/>
-    <dgm:txLinClrLst/>
-    <dgm:txFillClrLst/>
-    <dgm:txEffectClrLst/>
-  </dgm:styleLbl>
-  <dgm:styleLbl name="node4">
-    <dgm:fillClrLst meth="repeat">
-      <a:schemeClr val="accent1"/>
-    </dgm:fillClrLst>
-    <dgm:linClrLst meth="repeat">
-      <a:schemeClr val="lt1"/>
-    </dgm:linClrLst>
-    <dgm:effectClrLst/>
-    <dgm:txLinClrLst/>
-    <dgm:txFillClrLst/>
-    <dgm:txEffectClrLst/>
-  </dgm:styleLbl>
-  <dgm:styleLbl name="fgImgPlace1">
-    <dgm:fillClrLst meth="repeat">
-      <a:schemeClr val="accent1">
-        <a:tint val="50000"/>
-      </a:schemeClr>
-    </dgm:fillClrLst>
-    <dgm:linClrLst meth="repeat">
-      <a:schemeClr val="lt1"/>
-    </dgm:linClrLst>
-    <dgm:effectClrLst/>
-    <dgm:txLinClrLst/>
-    <dgm:txFillClrLst meth="repeat">
-      <a:schemeClr val="lt1"/>
-    </dgm:txFillClrLst>
-    <dgm:txEffectClrLst/>
-  </dgm:styleLbl>
-  <dgm:styleLbl name="alignImgPlace1">
-    <dgm:fillClrLst meth="repeat">
-      <a:schemeClr val="accent1">
-        <a:tint val="50000"/>
-      </a:schemeClr>
-    </dgm:fillClrLst>
-    <dgm:linClrLst meth="repeat">
-      <a:schemeClr val="lt1"/>
-    </dgm:linClrLst>
-    <dgm:effectClrLst/>
-    <dgm:txLinClrLst/>
-    <dgm:txFillClrLst meth="repeat">
-      <a:schemeClr val="lt1"/>
-    </dgm:txFillClrLst>
-    <dgm:txEffectClrLst/>
-  </dgm:styleLbl>
-  <dgm:styleLbl name="bgImgPlace1">
-    <dgm:fillClrLst meth="repeat">
-      <a:schemeClr val="accent1">
-        <a:tint val="50000"/>
-      </a:schemeClr>
-    </dgm:fillClrLst>
-    <dgm:linClrLst meth="repeat">
-      <a:schemeClr val="lt1"/>
-    </dgm:linClrLst>
-    <dgm:effectClrLst/>
-    <dgm:txLinClrLst/>
-    <dgm:txFillClrLst meth="repeat">
-      <a:schemeClr val="lt1"/>
-    </dgm:txFillClrLst>
-    <dgm:txEffectClrLst/>
-  </dgm:styleLbl>
-  <dgm:styleLbl name="sibTrans2D1">
-    <dgm:fillClrLst meth="repeat">
-      <a:schemeClr val="accent1">
-        <a:tint val="60000"/>
-      </a:schemeClr>
-    </dgm:fillClrLst>
-    <dgm:linClrLst meth="repeat">
-      <a:schemeClr val="accent1">
-        <a:tint val="60000"/>
-      </a:schemeClr>
-    </dgm:linClrLst>
-    <dgm:effectClrLst/>
-    <dgm:txLinClrLst/>
-    <dgm:txFillClrLst/>
-    <dgm:txEffectClrLst/>
-  </dgm:styleLbl>
-  <dgm:styleLbl name="fgSibTrans2D1">
-    <dgm:fillClrLst meth="repeat">
-      <a:schemeClr val="accent1">
-        <a:tint val="60000"/>
-      </a:schemeClr>
-    </dgm:fillClrLst>
-    <dgm:linClrLst meth="repeat">
-      <a:schemeClr val="accent1">
-        <a:tint val="60000"/>
-      </a:schemeClr>
-    </dgm:linClrLst>
-    <dgm:effectClrLst/>
-    <dgm:txLinClrLst/>
-    <dgm:txFillClrLst/>
-    <dgm:txEffectClrLst/>
-  </dgm:styleLbl>
-  <dgm:styleLbl name="bgSibTrans2D1">
-    <dgm:fillClrLst meth="repeat">
-      <a:schemeClr val="accent1">
-        <a:tint val="60000"/>
-      </a:schemeClr>
-    </dgm:fillClrLst>
-    <dgm:linClrLst meth="repeat">
-      <a:schemeClr val="accent1">
-        <a:tint val="60000"/>
-      </a:schemeClr>
-    </dgm:linClrLst>
-    <dgm:effectClrLst/>
-    <dgm:txLinClrLst/>
-    <dgm:txFillClrLst/>
-    <dgm:txEffectClrLst/>
-  </dgm:styleLbl>
-  <dgm:styleLbl name="sibTrans1D1">
-    <dgm:fillClrLst meth="repeat">
-      <a:schemeClr val="accent1"/>
-    </dgm:fillClrLst>
-    <dgm:linClrLst meth="repeat">
-      <a:schemeClr val="accent1"/>
-    </dgm:linClrLst>
-    <dgm:effectClrLst/>
-    <dgm:txLinClrLst/>
-    <dgm:txFillClrLst meth="repeat">
-      <a:schemeClr val="tx1"/>
-    </dgm:txFillClrLst>
-    <dgm:txEffectClrLst/>
-  </dgm:styleLbl>
-  <dgm:styleLbl name="callout">
-    <dgm:fillClrLst meth="repeat">
-      <a:schemeClr val="accent1"/>
-    </dgm:fillClrLst>
-    <dgm:linClrLst meth="repeat">
-      <a:schemeClr val="accent1">
-        <a:tint val="50000"/>
-      </a:schemeClr>
-    </dgm:linClrLst>
-    <dgm:effectClrLst/>
-    <dgm:txLinClrLst/>
-    <dgm:txFillClrLst meth="repeat">
-      <a:schemeClr val="tx1"/>
-    </dgm:txFillClrLst>
-    <dgm:txEffectClrLst/>
-  </dgm:styleLbl>
-  <dgm:styleLbl name="asst0">
-    <dgm:fillClrLst meth="repeat">
-      <a:schemeClr val="accent1"/>
-    </dgm:fillClrLst>
-    <dgm:linClrLst meth="repeat">
-      <a:schemeClr val="lt1"/>
-    </dgm:linClrLst>
-    <dgm:effectClrLst/>
-    <dgm:txLinClrLst/>
-    <dgm:txFillClrLst/>
-    <dgm:txEffectClrLst/>
-  </dgm:styleLbl>
-  <dgm:styleLbl name="asst1">
-    <dgm:fillClrLst meth="repeat">
-      <a:schemeClr val="accent1"/>
-    </dgm:fillClrLst>
-    <dgm:linClrLst meth="repeat">
-      <a:schemeClr val="lt1"/>
-    </dgm:linClrLst>
-    <dgm:effectClrLst/>
-    <dgm:txLinClrLst/>
-    <dgm:txFillClrLst/>
-    <dgm:txEffectClrLst/>
-  </dgm:styleLbl>
-  <dgm:styleLbl name="asst2">
-    <dgm:fillClrLst meth="repeat">
-      <a:schemeClr val="accent1"/>
-    </dgm:fillClrLst>
-    <dgm:linClrLst meth="repeat">
-      <a:schemeClr val="lt1"/>
-    </dgm:linClrLst>
-    <dgm:effectClrLst/>
-    <dgm:txLinClrLst/>
-    <dgm:txFillClrLst/>
-    <dgm:txEffectClrLst/>
-  </dgm:styleLbl>
-  <dgm:styleLbl name="asst3">
-    <dgm:fillClrLst meth="repeat">
-      <a:schemeClr val="accent1"/>
-    </dgm:fillClrLst>
-    <dgm:linClrLst meth="repeat">
-      <a:schemeClr val="lt1"/>
-    </dgm:linClrLst>
-    <dgm:effectClrLst/>
-    <dgm:txLinClrLst/>
-    <dgm:txFillClrLst/>
-    <dgm:txEffectClrLst/>
-  </dgm:styleLbl>
-  <dgm:styleLbl name="asst4">
-    <dgm:fillClrLst meth="repeat">
-      <a:schemeClr val="accent1"/>
-    </dgm:fillClrLst>
-    <dgm:linClrLst meth="repeat">
-      <a:schemeClr val="lt1"/>
-    </dgm:linClrLst>
-    <dgm:effectClrLst/>
-    <dgm:txLinClrLst/>
-    <dgm:txFillClrLst/>
-    <dgm:txEffectClrLst/>
-  </dgm:styleLbl>
-  <dgm:styleLbl name="parChTrans2D1">
-    <dgm:fillClrLst meth="repeat">
-      <a:schemeClr val="accent1">
-        <a:tint val="60000"/>
-      </a:schemeClr>
-    </dgm:fillClrLst>
-    <dgm:linClrLst meth="repeat">
-      <a:schemeClr val="accent1">
-        <a:tint val="60000"/>
-      </a:schemeClr>
-    </dgm:linClrLst>
-    <dgm:effectClrLst/>
-    <dgm:txLinClrLst/>
-    <dgm:txFillClrLst meth="repeat">
-      <a:schemeClr val="lt1"/>
-    </dgm:txFillClrLst>
-    <dgm:txEffectClrLst/>
-  </dgm:styleLbl>
-  <dgm:styleLbl name="parChTrans2D2">
-    <dgm:fillClrLst meth="repeat">
-      <a:schemeClr val="accent1"/>
-    </dgm:fillClrLst>
-    <dgm:linClrLst meth="repeat">
-      <a:schemeClr val="accent1"/>
-    </dgm:linClrLst>
-    <dgm:effectClrLst/>
-    <dgm:txLinClrLst/>
-    <dgm:txFillClrLst meth="repeat">
-      <a:schemeClr val="lt1"/>
-    </dgm:txFillClrLst>
-    <dgm:txEffectClrLst/>
-  </dgm:styleLbl>
-  <dgm:styleLbl name="parChTrans2D3">
-    <dgm:fillClrLst meth="repeat">
-      <a:schemeClr val="accent1"/>
-    </dgm:fillClrLst>
-    <dgm:linClrLst meth="repeat">
-      <a:schemeClr val="accent1"/>
-    </dgm:linClrLst>
-    <dgm:effectClrLst/>
-    <dgm:txLinClrLst/>
-    <dgm:txFillClrLst meth="repeat">
-      <a:schemeClr val="lt1"/>
-    </dgm:txFillClrLst>
-    <dgm:txEffectClrLst/>
-  </dgm:styleLbl>
-  <dgm:styleLbl name="parChTrans2D4">
-    <dgm:fillClrLst meth="repeat">
-      <a:schemeClr val="accent1"/>
-    </dgm:fillClrLst>
-    <dgm:linClrLst meth="repeat">
-      <a:schemeClr val="accent1"/>
-    </dgm:linClrLst>
-    <dgm:effectClrLst/>
-    <dgm:txLinClrLst/>
-    <dgm:txFillClrLst meth="repeat">
-      <a:schemeClr val="lt1"/>
-    </dgm:txFillClrLst>
-    <dgm:txEffectClrLst/>
-  </dgm:styleLbl>
-  <dgm:styleLbl name="parChTrans1D1">
-    <dgm:fillClrLst meth="repeat">
-      <a:schemeClr val="accent1"/>
-    </dgm:fillClrLst>
-    <dgm:linClrLst meth="repeat">
-      <a:schemeClr val="accent1">
-        <a:shade val="60000"/>
-      </a:schemeClr>
-    </dgm:linClrLst>
-    <dgm:effectClrLst/>
-    <dgm:txLinClrLst/>
-    <dgm:txFillClrLst meth="repeat">
-      <a:schemeClr val="tx1"/>
-    </dgm:txFillClrLst>
-    <dgm:txEffectClrLst/>
-  </dgm:styleLbl>
-  <dgm:styleLbl name="parChTrans1D2">
-    <dgm:fillClrLst meth="repeat">
-      <a:schemeClr val="accent1"/>
-    </dgm:fillClrLst>
-    <dgm:linClrLst meth="repeat">
-      <a:schemeClr val="accent1">
-        <a:shade val="60000"/>
-      </a:schemeClr>
-    </dgm:linClrLst>
-    <dgm:effectClrLst/>
-    <dgm:txLinClrLst/>
-    <dgm:txFillClrLst meth="repeat">
-      <a:schemeClr val="tx1"/>
-    </dgm:txFillClrLst>
-    <dgm:txEffectClrLst/>
-  </dgm:styleLbl>
-  <dgm:styleLbl name="parChTrans1D3">
-    <dgm:fillClrLst meth="repeat">
-      <a:schemeClr val="accent1"/>
-    </dgm:fillClrLst>
-    <dgm:linClrLst meth="repeat">
-      <a:schemeClr val="accent1">
-        <a:shade val="80000"/>
-      </a:schemeClr>
-    </dgm:linClrLst>
-    <dgm:effectClrLst/>
-    <dgm:txLinClrLst/>
-    <dgm:txFillClrLst meth="repeat">
-      <a:schemeClr val="tx1"/>
-    </dgm:txFillClrLst>
-    <dgm:txEffectClrLst/>
-  </dgm:styleLbl>
-  <dgm:styleLbl name="parChTrans1D4">
-    <dgm:fillClrLst meth="repeat">
-      <a:schemeClr val="accent1"/>
-    </dgm:fillClrLst>
-    <dgm:linClrLst meth="repeat">
-      <a:schemeClr val="accent1">
-        <a:shade val="80000"/>
-      </a:schemeClr>
-    </dgm:linClrLst>
-    <dgm:effectClrLst/>
-    <dgm:txLinClrLst/>
-    <dgm:txFillClrLst meth="repeat">
-      <a:schemeClr val="tx1"/>
-    </dgm:txFillClrLst>
-    <dgm:txEffectClrLst/>
-  </dgm:styleLbl>
-  <dgm:styleLbl name="fgAcc1">
-    <dgm:fillClrLst meth="repeat">
-      <a:schemeClr val="lt1">
-        <a:alpha val="90000"/>
-      </a:schemeClr>
-    </dgm:fillClrLst>
-    <dgm:linClrLst meth="repeat">
-      <a:schemeClr val="accent1"/>
-    </dgm:linClrLst>
-    <dgm:effectClrLst/>
-    <dgm:txLinClrLst/>
-    <dgm:txFillClrLst meth="repeat">
-      <a:schemeClr val="dk1"/>
-    </dgm:txFillClrLst>
-    <dgm:txEffectClrLst/>
-  </dgm:styleLbl>
-  <dgm:styleLbl name="conFgAcc1">
-    <dgm:fillClrLst meth="repeat">
-      <a:schemeClr val="lt1">
-        <a:alpha val="90000"/>
-      </a:schemeClr>
-    </dgm:fillClrLst>
-    <dgm:linClrLst meth="repeat">
-      <a:schemeClr val="accent1"/>
-    </dgm:linClrLst>
-    <dgm:effectClrLst/>
-    <dgm:txLinClrLst/>
-    <dgm:txFillClrLst meth="repeat">
-      <a:schemeClr val="dk1"/>
-    </dgm:txFillClrLst>
-    <dgm:txEffectClrLst/>
-  </dgm:styleLbl>
-  <dgm:styleLbl name="alignAcc1">
-    <dgm:fillClrLst meth="repeat">
-      <a:schemeClr val="lt1">
-        <a:alpha val="90000"/>
-      </a:schemeClr>
-    </dgm:fillClrLst>
-    <dgm:linClrLst meth="repeat">
-      <a:schemeClr val="accent1"/>
-    </dgm:linClrLst>
-    <dgm:effectClrLst/>
-    <dgm:txLinClrLst/>
-    <dgm:txFillClrLst meth="repeat">
-      <a:schemeClr val="dk1"/>
-    </dgm:txFillClrLst>
-    <dgm:txEffectClrLst/>
-  </dgm:styleLbl>
-  <dgm:styleLbl name="trAlignAcc1">
-    <dgm:fillClrLst meth="repeat">
-      <a:schemeClr val="lt1">
-        <a:alpha val="40000"/>
-      </a:schemeClr>
-    </dgm:fillClrLst>
-    <dgm:linClrLst meth="repeat">
-      <a:schemeClr val="accent1"/>
-    </dgm:linClrLst>
-    <dgm:effectClrLst/>
-    <dgm:txLinClrLst/>
-    <dgm:txFillClrLst meth="repeat">
-      <a:schemeClr val="dk1"/>
-    </dgm:txFillClrLst>
-    <dgm:txEffectClrLst/>
-  </dgm:styleLbl>
-  <dgm:styleLbl name="bgAcc1">
-    <dgm:fillClrLst meth="repeat">
-      <a:schemeClr val="lt1">
-        <a:alpha val="90000"/>
-      </a:schemeClr>
-    </dgm:fillClrLst>
-    <dgm:linClrLst meth="repeat">
-      <a:schemeClr val="accent1"/>
-    </dgm:linClrLst>
-    <dgm:effectClrLst/>
-    <dgm:txLinClrLst/>
-    <dgm:txFillClrLst meth="repeat">
-      <a:schemeClr val="dk1"/>
-    </dgm:txFillClrLst>
-    <dgm:txEffectClrLst/>
-  </dgm:styleLbl>
-  <dgm:styleLbl name="solidFgAcc1">
-    <dgm:fillClrLst meth="repeat">
-      <a:schemeClr val="lt1"/>
-    </dgm:fillClrLst>
-    <dgm:linClrLst meth="repeat">
-      <a:schemeClr val="accent1"/>
-    </dgm:linClrLst>
-    <dgm:effectClrLst/>
-    <dgm:txLinClrLst/>
-    <dgm:txFillClrLst meth="repeat">
-      <a:schemeClr val="dk1"/>
-    </dgm:txFillClrLst>
-    <dgm:txEffectClrLst/>
-  </dgm:styleLbl>
-  <dgm:styleLbl name="solidAlignAcc1">
-    <dgm:fillClrLst meth="repeat">
-      <a:schemeClr val="lt1"/>
-    </dgm:fillClrLst>
-    <dgm:linClrLst meth="repeat">
-      <a:schemeClr val="accent1"/>
-    </dgm:linClrLst>
-    <dgm:effectClrLst/>
-    <dgm:txLinClrLst/>
-    <dgm:txFillClrLst meth="repeat">
-      <a:schemeClr val="dk1"/>
-    </dgm:txFillClrLst>
-    <dgm:txEffectClrLst/>
-  </dgm:styleLbl>
-  <dgm:styleLbl name="solidBgAcc1">
-    <dgm:fillClrLst meth="repeat">
-      <a:schemeClr val="lt1"/>
-    </dgm:fillClrLst>
-    <dgm:linClrLst meth="repeat">
-      <a:schemeClr val="accent1"/>
-    </dgm:linClrLst>
-    <dgm:effectClrLst/>
-    <dgm:txLinClrLst/>
-    <dgm:txFillClrLst meth="repeat">
-      <a:schemeClr val="dk1"/>
-    </dgm:txFillClrLst>
-    <dgm:txEffectClrLst/>
-  </dgm:styleLbl>
-  <dgm:styleLbl name="fgAccFollowNode1">
-    <dgm:fillClrLst meth="repeat">
-      <a:schemeClr val="accent1">
-        <a:alpha val="90000"/>
-        <a:tint val="40000"/>
-      </a:schemeClr>
-    </dgm:fillClrLst>
-    <dgm:linClrLst meth="repeat">
-      <a:schemeClr val="accent1">
-        <a:alpha val="90000"/>
-        <a:tint val="40000"/>
-      </a:schemeClr>
-    </dgm:linClrLst>
-    <dgm:effectClrLst/>
-    <dgm:txLinClrLst/>
-    <dgm:txFillClrLst meth="repeat">
-      <a:schemeClr val="dk1"/>
-    </dgm:txFillClrLst>
-    <dgm:txEffectClrLst/>
-  </dgm:styleLbl>
-  <dgm:styleLbl name="alignAccFollowNode1">
-    <dgm:fillClrLst meth="repeat">
-      <a:schemeClr val="accent1">
-        <a:alpha val="90000"/>
-        <a:tint val="40000"/>
-      </a:schemeClr>
-    </dgm:fillClrLst>
-    <dgm:linClrLst meth="repeat">
-      <a:schemeClr val="accent1">
-        <a:alpha val="90000"/>
-        <a:tint val="40000"/>
-      </a:schemeClr>
-    </dgm:linClrLst>
-    <dgm:effectClrLst/>
-    <dgm:txLinClrLst/>
-    <dgm:txFillClrLst meth="repeat">
-      <a:schemeClr val="dk1"/>
-    </dgm:txFillClrLst>
-    <dgm:txEffectClrLst/>
-  </dgm:styleLbl>
-  <dgm:styleLbl name="bgAccFollowNode1">
-    <dgm:fillClrLst meth="repeat">
-      <a:schemeClr val="accent1">
-        <a:alpha val="90000"/>
-        <a:tint val="40000"/>
-      </a:schemeClr>
-    </dgm:fillClrLst>
-    <dgm:linClrLst meth="repeat">
-      <a:schemeClr val="accent1">
-        <a:alpha val="90000"/>
-        <a:tint val="40000"/>
-      </a:schemeClr>
-    </dgm:linClrLst>
-    <dgm:effectClrLst/>
-    <dgm:txLinClrLst/>
-    <dgm:txFillClrLst meth="repeat">
-      <a:schemeClr val="dk1"/>
-    </dgm:txFillClrLst>
-    <dgm:txEffectClrLst/>
-  </dgm:styleLbl>
-  <dgm:styleLbl name="fgAcc0">
-    <dgm:fillClrLst meth="repeat">
-      <a:schemeClr val="lt1">
-        <a:alpha val="90000"/>
-      </a:schemeClr>
-    </dgm:fillClrLst>
-    <dgm:linClrLst meth="repeat">
-      <a:schemeClr val="accent1"/>
-    </dgm:linClrLst>
-    <dgm:effectClrLst/>
-    <dgm:txLinClrLst/>
-    <dgm:txFillClrLst meth="repeat">
-      <a:schemeClr val="dk1"/>
-    </dgm:txFillClrLst>
-    <dgm:txEffectClrLst/>
-  </dgm:styleLbl>
-  <dgm:styleLbl name="fgAcc2">
-    <dgm:fillClrLst meth="repeat">
-      <a:schemeClr val="lt1">
-        <a:alpha val="90000"/>
-      </a:schemeClr>
-    </dgm:fillClrLst>
-    <dgm:linClrLst meth="repeat">
-      <a:schemeClr val="accent1"/>
-    </dgm:linClrLst>
-    <dgm:effectClrLst/>
-    <dgm:txLinClrLst/>
-    <dgm:txFillClrLst meth="repeat">
-      <a:schemeClr val="dk1"/>
-    </dgm:txFillClrLst>
-    <dgm:txEffectClrLst/>
-  </dgm:styleLbl>
-  <dgm:styleLbl name="fgAcc3">
-    <dgm:fillClrLst meth="repeat">
-      <a:schemeClr val="lt1">
-        <a:alpha val="90000"/>
-      </a:schemeClr>
-    </dgm:fillClrLst>
-    <dgm:linClrLst meth="repeat">
-      <a:schemeClr val="accent1"/>
-    </dgm:linClrLst>
-    <dgm:effectClrLst/>
-    <dgm:txLinClrLst/>
-    <dgm:txFillClrLst meth="repeat">
-      <a:schemeClr val="dk1"/>
-    </dgm:txFillClrLst>
-    <dgm:txEffectClrLst/>
-  </dgm:styleLbl>
-  <dgm:styleLbl name="fgAcc4">
-    <dgm:fillClrLst meth="repeat">
-      <a:schemeClr val="lt1">
-        <a:alpha val="90000"/>
-      </a:schemeClr>
-    </dgm:fillClrLst>
-    <dgm:linClrLst meth="repeat">
-      <a:schemeClr val="accent1"/>
-    </dgm:linClrLst>
-    <dgm:effectClrLst/>
-    <dgm:txLinClrLst/>
-    <dgm:txFillClrLst meth="repeat">
-      <a:schemeClr val="dk1"/>
-    </dgm:txFillClrLst>
-    <dgm:txEffectClrLst/>
-  </dgm:styleLbl>
-  <dgm:styleLbl name="bgShp">
-    <dgm:fillClrLst meth="repeat">
-      <a:schemeClr val="accent1">
-        <a:tint val="40000"/>
-      </a:schemeClr>
-    </dgm:fillClrLst>
-    <dgm:linClrLst meth="repeat">
-      <a:schemeClr val="accent1"/>
-    </dgm:linClrLst>
-    <dgm:effectClrLst/>
-    <dgm:txLinClrLst/>
-    <dgm:txFillClrLst meth="repeat">
-      <a:schemeClr val="dk1"/>
-    </dgm:txFillClrLst>
-    <dgm:txEffectClrLst/>
-  </dgm:styleLbl>
-  <dgm:styleLbl name="dkBgShp">
-    <dgm:fillClrLst meth="repeat">
-      <a:schemeClr val="accent1">
-        <a:shade val="80000"/>
-      </a:schemeClr>
-    </dgm:fillClrLst>
-    <dgm:linClrLst meth="repeat">
-      <a:schemeClr val="accent1"/>
-    </dgm:linClrLst>
-    <dgm:effectClrLst/>
-    <dgm:txLinClrLst/>
-    <dgm:txFillClrLst meth="repeat">
-      <a:schemeClr val="lt1"/>
-    </dgm:txFillClrLst>
-    <dgm:txEffectClrLst/>
-  </dgm:styleLbl>
-  <dgm:styleLbl name="trBgShp">
-    <dgm:fillClrLst meth="repeat">
-      <a:schemeClr val="accent1">
-        <a:tint val="50000"/>
-        <a:alpha val="40000"/>
-      </a:schemeClr>
-    </dgm:fillClrLst>
-    <dgm:linClrLst meth="repeat">
-      <a:schemeClr val="accent1"/>
-    </dgm:linClrLst>
-    <dgm:effectClrLst/>
-    <dgm:txLinClrLst/>
-    <dgm:txFillClrLst meth="repeat">
-      <a:schemeClr val="lt1"/>
-    </dgm:txFillClrLst>
-    <dgm:txEffectClrLst/>
-  </dgm:styleLbl>
-  <dgm:styleLbl name="fgShp">
-    <dgm:fillClrLst meth="repeat">
-      <a:schemeClr val="accent1">
-        <a:tint val="60000"/>
-      </a:schemeClr>
-    </dgm:fillClrLst>
-    <dgm:linClrLst meth="repeat">
-      <a:schemeClr val="lt1"/>
-    </dgm:linClrLst>
-    <dgm:effectClrLst/>
-    <dgm:txLinClrLst/>
-    <dgm:txFillClrLst meth="repeat">
-      <a:schemeClr val="dk1"/>
-    </dgm:txFillClrLst>
-    <dgm:txEffectClrLst/>
-  </dgm:styleLbl>
-  <dgm:styleLbl name="revTx">
-    <dgm:fillClrLst meth="repeat">
-      <a:schemeClr val="lt1">
-        <a:alpha val="0"/>
-      </a:schemeClr>
-    </dgm:fillClrLst>
-    <dgm:linClrLst meth="repeat">
-      <a:schemeClr val="dk1">
-        <a:alpha val="0"/>
-      </a:schemeClr>
-    </dgm:linClrLst>
-    <dgm:effectClrLst/>
-    <dgm:txLinClrLst/>
-    <dgm:txFillClrLst meth="repeat">
-      <a:schemeClr val="tx1"/>
-    </dgm:txFillClrLst>
-    <dgm:txEffectClrLst/>
-  </dgm:styleLbl>
-</dgm:colorsDef>
-</file>
-
-<file path=ppt/diagrams/colors9.xml><?xml version="1.0" encoding="utf-8"?>
 <dgm:colorsDef xmlns:dgm="http://schemas.openxmlformats.org/drawingml/2006/diagram" xmlns:a="http://schemas.openxmlformats.org/drawingml/2006/main" uniqueId="urn:microsoft.com/office/officeart/2018/5/colors/Iconchunking_coloredtext_colorful5">
   <dgm:title val=""/>
   <dgm:desc val=""/>
@@ -7988,6 +7202,788 @@
     <dgm:txFillClrLst>
       <a:schemeClr val="accent5"/>
       <a:schemeClr val="accent6"/>
+    </dgm:txFillClrLst>
+    <dgm:txEffectClrLst/>
+  </dgm:styleLbl>
+</dgm:colorsDef>
+</file>
+
+<file path=ppt/diagrams/colors9.xml><?xml version="1.0" encoding="utf-8"?>
+<dgm:colorsDef xmlns:dgm="http://schemas.openxmlformats.org/drawingml/2006/diagram" xmlns:a="http://schemas.openxmlformats.org/drawingml/2006/main" uniqueId="urn:microsoft.com/office/officeart/2005/8/colors/colorful2">
+  <dgm:title val=""/>
+  <dgm:desc val=""/>
+  <dgm:catLst>
+    <dgm:cat type="colorful" pri="10200"/>
+  </dgm:catLst>
+  <dgm:styleLbl name="node0">
+    <dgm:fillClrLst meth="repeat">
+      <a:schemeClr val="accent1"/>
+    </dgm:fillClrLst>
+    <dgm:linClrLst meth="repeat">
+      <a:schemeClr val="lt1"/>
+    </dgm:linClrLst>
+    <dgm:effectClrLst/>
+    <dgm:txLinClrLst/>
+    <dgm:txFillClrLst/>
+    <dgm:txEffectClrLst/>
+  </dgm:styleLbl>
+  <dgm:styleLbl name="node1">
+    <dgm:fillClrLst>
+      <a:schemeClr val="accent2"/>
+      <a:schemeClr val="accent3"/>
+    </dgm:fillClrLst>
+    <dgm:linClrLst meth="repeat">
+      <a:schemeClr val="lt1"/>
+    </dgm:linClrLst>
+    <dgm:effectClrLst/>
+    <dgm:txLinClrLst/>
+    <dgm:txFillClrLst/>
+    <dgm:txEffectClrLst/>
+  </dgm:styleLbl>
+  <dgm:styleLbl name="alignNode1">
+    <dgm:fillClrLst>
+      <a:schemeClr val="accent2"/>
+      <a:schemeClr val="accent3"/>
+    </dgm:fillClrLst>
+    <dgm:linClrLst>
+      <a:schemeClr val="accent2"/>
+      <a:schemeClr val="accent3"/>
+    </dgm:linClrLst>
+    <dgm:effectClrLst/>
+    <dgm:txLinClrLst/>
+    <dgm:txFillClrLst/>
+    <dgm:txEffectClrLst/>
+  </dgm:styleLbl>
+  <dgm:styleLbl name="lnNode1">
+    <dgm:fillClrLst>
+      <a:schemeClr val="accent2"/>
+      <a:schemeClr val="accent3"/>
+    </dgm:fillClrLst>
+    <dgm:linClrLst meth="repeat">
+      <a:schemeClr val="lt1"/>
+    </dgm:linClrLst>
+    <dgm:effectClrLst/>
+    <dgm:txLinClrLst/>
+    <dgm:txFillClrLst/>
+    <dgm:txEffectClrLst/>
+  </dgm:styleLbl>
+  <dgm:styleLbl name="vennNode1">
+    <dgm:fillClrLst>
+      <a:schemeClr val="accent2">
+        <a:alpha val="50000"/>
+      </a:schemeClr>
+      <a:schemeClr val="accent3">
+        <a:alpha val="50000"/>
+      </a:schemeClr>
+    </dgm:fillClrLst>
+    <dgm:linClrLst meth="repeat">
+      <a:schemeClr val="lt1"/>
+    </dgm:linClrLst>
+    <dgm:effectClrLst/>
+    <dgm:txLinClrLst/>
+    <dgm:txFillClrLst/>
+    <dgm:txEffectClrLst/>
+  </dgm:styleLbl>
+  <dgm:styleLbl name="node2">
+    <dgm:fillClrLst>
+      <a:schemeClr val="accent3"/>
+    </dgm:fillClrLst>
+    <dgm:linClrLst meth="repeat">
+      <a:schemeClr val="lt1"/>
+    </dgm:linClrLst>
+    <dgm:effectClrLst/>
+    <dgm:txLinClrLst/>
+    <dgm:txFillClrLst/>
+    <dgm:txEffectClrLst/>
+  </dgm:styleLbl>
+  <dgm:styleLbl name="node3">
+    <dgm:fillClrLst>
+      <a:schemeClr val="accent4"/>
+    </dgm:fillClrLst>
+    <dgm:linClrLst meth="repeat">
+      <a:schemeClr val="lt1"/>
+    </dgm:linClrLst>
+    <dgm:effectClrLst/>
+    <dgm:txLinClrLst/>
+    <dgm:txFillClrLst/>
+    <dgm:txEffectClrLst/>
+  </dgm:styleLbl>
+  <dgm:styleLbl name="node4">
+    <dgm:fillClrLst>
+      <a:schemeClr val="accent5"/>
+    </dgm:fillClrLst>
+    <dgm:linClrLst meth="repeat">
+      <a:schemeClr val="lt1"/>
+    </dgm:linClrLst>
+    <dgm:effectClrLst/>
+    <dgm:txLinClrLst/>
+    <dgm:txFillClrLst/>
+    <dgm:txEffectClrLst/>
+  </dgm:styleLbl>
+  <dgm:styleLbl name="fgImgPlace1">
+    <dgm:fillClrLst>
+      <a:schemeClr val="accent2">
+        <a:tint val="50000"/>
+      </a:schemeClr>
+      <a:schemeClr val="accent3">
+        <a:tint val="50000"/>
+      </a:schemeClr>
+    </dgm:fillClrLst>
+    <dgm:linClrLst meth="repeat">
+      <a:schemeClr val="lt1"/>
+    </dgm:linClrLst>
+    <dgm:effectClrLst/>
+    <dgm:txLinClrLst/>
+    <dgm:txFillClrLst meth="repeat">
+      <a:schemeClr val="lt1"/>
+    </dgm:txFillClrLst>
+    <dgm:txEffectClrLst/>
+  </dgm:styleLbl>
+  <dgm:styleLbl name="alignImgPlace1">
+    <dgm:fillClrLst>
+      <a:schemeClr val="accent2">
+        <a:tint val="50000"/>
+      </a:schemeClr>
+      <a:schemeClr val="accent3">
+        <a:tint val="20000"/>
+      </a:schemeClr>
+    </dgm:fillClrLst>
+    <dgm:linClrLst meth="repeat">
+      <a:schemeClr val="lt1"/>
+    </dgm:linClrLst>
+    <dgm:effectClrLst/>
+    <dgm:txLinClrLst/>
+    <dgm:txFillClrLst meth="repeat">
+      <a:schemeClr val="lt1"/>
+    </dgm:txFillClrLst>
+    <dgm:txEffectClrLst/>
+  </dgm:styleLbl>
+  <dgm:styleLbl name="bgImgPlace1">
+    <dgm:fillClrLst>
+      <a:schemeClr val="accent2">
+        <a:tint val="50000"/>
+      </a:schemeClr>
+      <a:schemeClr val="accent3">
+        <a:tint val="20000"/>
+      </a:schemeClr>
+    </dgm:fillClrLst>
+    <dgm:linClrLst meth="repeat">
+      <a:schemeClr val="lt1"/>
+    </dgm:linClrLst>
+    <dgm:effectClrLst/>
+    <dgm:txLinClrLst/>
+    <dgm:txFillClrLst meth="repeat">
+      <a:schemeClr val="lt1"/>
+    </dgm:txFillClrLst>
+    <dgm:txEffectClrLst/>
+  </dgm:styleLbl>
+  <dgm:styleLbl name="sibTrans2D1">
+    <dgm:fillClrLst>
+      <a:schemeClr val="accent2"/>
+      <a:schemeClr val="accent3"/>
+    </dgm:fillClrLst>
+    <dgm:linClrLst meth="repeat">
+      <a:schemeClr val="lt1"/>
+    </dgm:linClrLst>
+    <dgm:effectClrLst/>
+    <dgm:txLinClrLst/>
+    <dgm:txFillClrLst/>
+    <dgm:txEffectClrLst/>
+  </dgm:styleLbl>
+  <dgm:styleLbl name="fgSibTrans2D1">
+    <dgm:fillClrLst>
+      <a:schemeClr val="accent2"/>
+      <a:schemeClr val="accent3"/>
+    </dgm:fillClrLst>
+    <dgm:linClrLst meth="repeat">
+      <a:schemeClr val="lt1"/>
+    </dgm:linClrLst>
+    <dgm:effectClrLst/>
+    <dgm:txLinClrLst/>
+    <dgm:txFillClrLst meth="repeat">
+      <a:schemeClr val="lt1"/>
+    </dgm:txFillClrLst>
+    <dgm:txEffectClrLst/>
+  </dgm:styleLbl>
+  <dgm:styleLbl name="bgSibTrans2D1">
+    <dgm:fillClrLst>
+      <a:schemeClr val="accent2"/>
+      <a:schemeClr val="accent3"/>
+    </dgm:fillClrLst>
+    <dgm:linClrLst meth="repeat">
+      <a:schemeClr val="lt1"/>
+    </dgm:linClrLst>
+    <dgm:effectClrLst/>
+    <dgm:txLinClrLst/>
+    <dgm:txFillClrLst meth="repeat">
+      <a:schemeClr val="lt1"/>
+    </dgm:txFillClrLst>
+    <dgm:txEffectClrLst/>
+  </dgm:styleLbl>
+  <dgm:styleLbl name="sibTrans1D1">
+    <dgm:fillClrLst/>
+    <dgm:linClrLst>
+      <a:schemeClr val="accent2"/>
+      <a:schemeClr val="accent3"/>
+    </dgm:linClrLst>
+    <dgm:effectClrLst/>
+    <dgm:txLinClrLst/>
+    <dgm:txFillClrLst meth="repeat">
+      <a:schemeClr val="tx1"/>
+    </dgm:txFillClrLst>
+    <dgm:txEffectClrLst/>
+  </dgm:styleLbl>
+  <dgm:styleLbl name="callout">
+    <dgm:fillClrLst meth="repeat">
+      <a:schemeClr val="accent2"/>
+    </dgm:fillClrLst>
+    <dgm:linClrLst meth="repeat">
+      <a:schemeClr val="accent2">
+        <a:tint val="50000"/>
+      </a:schemeClr>
+    </dgm:linClrLst>
+    <dgm:effectClrLst/>
+    <dgm:txLinClrLst/>
+    <dgm:txFillClrLst meth="repeat">
+      <a:schemeClr val="tx1"/>
+    </dgm:txFillClrLst>
+    <dgm:txEffectClrLst/>
+  </dgm:styleLbl>
+  <dgm:styleLbl name="asst0">
+    <dgm:fillClrLst meth="repeat">
+      <a:schemeClr val="accent2"/>
+    </dgm:fillClrLst>
+    <dgm:linClrLst meth="repeat">
+      <a:schemeClr val="lt1">
+        <a:shade val="80000"/>
+      </a:schemeClr>
+    </dgm:linClrLst>
+    <dgm:effectClrLst/>
+    <dgm:txLinClrLst/>
+    <dgm:txFillClrLst/>
+    <dgm:txEffectClrLst/>
+  </dgm:styleLbl>
+  <dgm:styleLbl name="asst1">
+    <dgm:fillClrLst meth="repeat">
+      <a:schemeClr val="accent3"/>
+    </dgm:fillClrLst>
+    <dgm:linClrLst meth="repeat">
+      <a:schemeClr val="lt1">
+        <a:shade val="80000"/>
+      </a:schemeClr>
+    </dgm:linClrLst>
+    <dgm:effectClrLst/>
+    <dgm:txLinClrLst/>
+    <dgm:txFillClrLst/>
+    <dgm:txEffectClrLst/>
+  </dgm:styleLbl>
+  <dgm:styleLbl name="asst2">
+    <dgm:fillClrLst>
+      <a:schemeClr val="accent4"/>
+    </dgm:fillClrLst>
+    <dgm:linClrLst meth="repeat">
+      <a:schemeClr val="lt1"/>
+    </dgm:linClrLst>
+    <dgm:effectClrLst/>
+    <dgm:txLinClrLst/>
+    <dgm:txFillClrLst/>
+    <dgm:txEffectClrLst/>
+  </dgm:styleLbl>
+  <dgm:styleLbl name="asst3">
+    <dgm:fillClrLst>
+      <a:schemeClr val="accent5"/>
+    </dgm:fillClrLst>
+    <dgm:linClrLst meth="repeat">
+      <a:schemeClr val="lt1"/>
+    </dgm:linClrLst>
+    <dgm:effectClrLst/>
+    <dgm:txLinClrLst/>
+    <dgm:txFillClrLst/>
+    <dgm:txEffectClrLst/>
+  </dgm:styleLbl>
+  <dgm:styleLbl name="asst4">
+    <dgm:fillClrLst>
+      <a:schemeClr val="accent6"/>
+    </dgm:fillClrLst>
+    <dgm:linClrLst meth="repeat">
+      <a:schemeClr val="lt1"/>
+    </dgm:linClrLst>
+    <dgm:effectClrLst/>
+    <dgm:txLinClrLst/>
+    <dgm:txFillClrLst/>
+    <dgm:txEffectClrLst/>
+  </dgm:styleLbl>
+  <dgm:styleLbl name="parChTrans2D1">
+    <dgm:fillClrLst meth="repeat">
+      <a:schemeClr val="accent2"/>
+    </dgm:fillClrLst>
+    <dgm:linClrLst meth="repeat">
+      <a:schemeClr val="lt1"/>
+    </dgm:linClrLst>
+    <dgm:effectClrLst/>
+    <dgm:txLinClrLst/>
+    <dgm:txFillClrLst meth="repeat">
+      <a:schemeClr val="lt1"/>
+    </dgm:txFillClrLst>
+    <dgm:txEffectClrLst/>
+  </dgm:styleLbl>
+  <dgm:styleLbl name="parChTrans2D2">
+    <dgm:fillClrLst meth="repeat">
+      <a:schemeClr val="accent3"/>
+    </dgm:fillClrLst>
+    <dgm:linClrLst meth="repeat">
+      <a:schemeClr val="lt1"/>
+    </dgm:linClrLst>
+    <dgm:effectClrLst/>
+    <dgm:txLinClrLst/>
+    <dgm:txFillClrLst/>
+    <dgm:txEffectClrLst/>
+  </dgm:styleLbl>
+  <dgm:styleLbl name="parChTrans2D3">
+    <dgm:fillClrLst meth="repeat">
+      <a:schemeClr val="accent4"/>
+    </dgm:fillClrLst>
+    <dgm:linClrLst meth="repeat">
+      <a:schemeClr val="lt1"/>
+    </dgm:linClrLst>
+    <dgm:effectClrLst/>
+    <dgm:txLinClrLst/>
+    <dgm:txFillClrLst/>
+    <dgm:txEffectClrLst/>
+  </dgm:styleLbl>
+  <dgm:styleLbl name="parChTrans2D4">
+    <dgm:fillClrLst meth="repeat">
+      <a:schemeClr val="accent5"/>
+    </dgm:fillClrLst>
+    <dgm:linClrLst meth="repeat">
+      <a:schemeClr val="lt1"/>
+    </dgm:linClrLst>
+    <dgm:effectClrLst/>
+    <dgm:txLinClrLst/>
+    <dgm:txFillClrLst meth="repeat">
+      <a:schemeClr val="lt1"/>
+    </dgm:txFillClrLst>
+    <dgm:txEffectClrLst/>
+  </dgm:styleLbl>
+  <dgm:styleLbl name="parChTrans1D1">
+    <dgm:fillClrLst meth="repeat">
+      <a:schemeClr val="accent2"/>
+    </dgm:fillClrLst>
+    <dgm:linClrLst meth="repeat">
+      <a:schemeClr val="accent2"/>
+    </dgm:linClrLst>
+    <dgm:effectClrLst/>
+    <dgm:txLinClrLst/>
+    <dgm:txFillClrLst meth="repeat">
+      <a:schemeClr val="tx1"/>
+    </dgm:txFillClrLst>
+    <dgm:txEffectClrLst/>
+  </dgm:styleLbl>
+  <dgm:styleLbl name="parChTrans1D2">
+    <dgm:fillClrLst meth="repeat">
+      <a:schemeClr val="accent2">
+        <a:tint val="90000"/>
+      </a:schemeClr>
+    </dgm:fillClrLst>
+    <dgm:linClrLst meth="repeat">
+      <a:schemeClr val="accent3"/>
+    </dgm:linClrLst>
+    <dgm:effectClrLst/>
+    <dgm:txLinClrLst/>
+    <dgm:txFillClrLst meth="repeat">
+      <a:schemeClr val="tx1"/>
+    </dgm:txFillClrLst>
+    <dgm:txEffectClrLst/>
+  </dgm:styleLbl>
+  <dgm:styleLbl name="parChTrans1D3">
+    <dgm:fillClrLst meth="repeat">
+      <a:schemeClr val="accent2">
+        <a:tint val="70000"/>
+      </a:schemeClr>
+    </dgm:fillClrLst>
+    <dgm:linClrLst meth="repeat">
+      <a:schemeClr val="accent4"/>
+    </dgm:linClrLst>
+    <dgm:effectClrLst/>
+    <dgm:txLinClrLst/>
+    <dgm:txFillClrLst meth="repeat">
+      <a:schemeClr val="tx1"/>
+    </dgm:txFillClrLst>
+    <dgm:txEffectClrLst/>
+  </dgm:styleLbl>
+  <dgm:styleLbl name="parChTrans1D4">
+    <dgm:fillClrLst meth="repeat">
+      <a:schemeClr val="accent2">
+        <a:tint val="50000"/>
+      </a:schemeClr>
+    </dgm:fillClrLst>
+    <dgm:linClrLst meth="repeat">
+      <a:schemeClr val="accent5"/>
+    </dgm:linClrLst>
+    <dgm:effectClrLst/>
+    <dgm:txLinClrLst/>
+    <dgm:txFillClrLst meth="repeat">
+      <a:schemeClr val="tx1"/>
+    </dgm:txFillClrLst>
+    <dgm:txEffectClrLst/>
+  </dgm:styleLbl>
+  <dgm:styleLbl name="fgAcc1">
+    <dgm:fillClrLst meth="repeat">
+      <a:schemeClr val="lt1">
+        <a:alpha val="90000"/>
+      </a:schemeClr>
+    </dgm:fillClrLst>
+    <dgm:linClrLst>
+      <a:schemeClr val="accent2"/>
+      <a:schemeClr val="accent3"/>
+    </dgm:linClrLst>
+    <dgm:effectClrLst/>
+    <dgm:txLinClrLst/>
+    <dgm:txFillClrLst meth="repeat">
+      <a:schemeClr val="dk1"/>
+    </dgm:txFillClrLst>
+    <dgm:txEffectClrLst/>
+  </dgm:styleLbl>
+  <dgm:styleLbl name="conFgAcc1">
+    <dgm:fillClrLst meth="repeat">
+      <a:schemeClr val="lt1">
+        <a:alpha val="90000"/>
+      </a:schemeClr>
+    </dgm:fillClrLst>
+    <dgm:linClrLst>
+      <a:schemeClr val="accent2"/>
+      <a:schemeClr val="accent3"/>
+    </dgm:linClrLst>
+    <dgm:effectClrLst/>
+    <dgm:txLinClrLst/>
+    <dgm:txFillClrLst meth="repeat">
+      <a:schemeClr val="dk1"/>
+    </dgm:txFillClrLst>
+    <dgm:txEffectClrLst/>
+  </dgm:styleLbl>
+  <dgm:styleLbl name="alignAcc1">
+    <dgm:fillClrLst meth="repeat">
+      <a:schemeClr val="lt1">
+        <a:alpha val="90000"/>
+      </a:schemeClr>
+    </dgm:fillClrLst>
+    <dgm:linClrLst>
+      <a:schemeClr val="accent2"/>
+      <a:schemeClr val="accent3"/>
+    </dgm:linClrLst>
+    <dgm:effectClrLst/>
+    <dgm:txLinClrLst/>
+    <dgm:txFillClrLst meth="repeat">
+      <a:schemeClr val="dk1"/>
+    </dgm:txFillClrLst>
+    <dgm:txEffectClrLst/>
+  </dgm:styleLbl>
+  <dgm:styleLbl name="trAlignAcc1">
+    <dgm:fillClrLst meth="repeat">
+      <a:schemeClr val="lt1">
+        <a:alpha val="40000"/>
+      </a:schemeClr>
+    </dgm:fillClrLst>
+    <dgm:linClrLst meth="repeat">
+      <a:schemeClr val="accent2"/>
+    </dgm:linClrLst>
+    <dgm:effectClrLst/>
+    <dgm:txLinClrLst/>
+    <dgm:txFillClrLst meth="repeat">
+      <a:schemeClr val="dk1"/>
+    </dgm:txFillClrLst>
+    <dgm:txEffectClrLst/>
+  </dgm:styleLbl>
+  <dgm:styleLbl name="bgAcc1">
+    <dgm:fillClrLst meth="repeat">
+      <a:schemeClr val="lt1">
+        <a:alpha val="90000"/>
+      </a:schemeClr>
+    </dgm:fillClrLst>
+    <dgm:linClrLst>
+      <a:schemeClr val="accent2"/>
+      <a:schemeClr val="accent3"/>
+    </dgm:linClrLst>
+    <dgm:effectClrLst/>
+    <dgm:txLinClrLst/>
+    <dgm:txFillClrLst meth="repeat">
+      <a:schemeClr val="dk1"/>
+    </dgm:txFillClrLst>
+    <dgm:txEffectClrLst/>
+  </dgm:styleLbl>
+  <dgm:styleLbl name="solidFgAcc1">
+    <dgm:fillClrLst meth="repeat">
+      <a:schemeClr val="lt1"/>
+    </dgm:fillClrLst>
+    <dgm:linClrLst>
+      <a:schemeClr val="accent2"/>
+      <a:schemeClr val="accent3"/>
+    </dgm:linClrLst>
+    <dgm:effectClrLst/>
+    <dgm:txLinClrLst/>
+    <dgm:txFillClrLst meth="repeat">
+      <a:schemeClr val="dk1"/>
+    </dgm:txFillClrLst>
+    <dgm:txEffectClrLst/>
+  </dgm:styleLbl>
+  <dgm:styleLbl name="solidAlignAcc1">
+    <dgm:fillClrLst meth="repeat">
+      <a:schemeClr val="lt1"/>
+    </dgm:fillClrLst>
+    <dgm:linClrLst>
+      <a:schemeClr val="accent2"/>
+      <a:schemeClr val="accent3"/>
+    </dgm:linClrLst>
+    <dgm:effectClrLst/>
+    <dgm:txLinClrLst/>
+    <dgm:txFillClrLst meth="repeat">
+      <a:schemeClr val="dk1"/>
+    </dgm:txFillClrLst>
+    <dgm:txEffectClrLst/>
+  </dgm:styleLbl>
+  <dgm:styleLbl name="solidBgAcc1">
+    <dgm:fillClrLst meth="repeat">
+      <a:schemeClr val="lt1"/>
+    </dgm:fillClrLst>
+    <dgm:linClrLst>
+      <a:schemeClr val="accent2"/>
+      <a:schemeClr val="accent3"/>
+    </dgm:linClrLst>
+    <dgm:effectClrLst/>
+    <dgm:txLinClrLst/>
+    <dgm:txFillClrLst meth="repeat">
+      <a:schemeClr val="dk1"/>
+    </dgm:txFillClrLst>
+    <dgm:txEffectClrLst/>
+  </dgm:styleLbl>
+  <dgm:styleLbl name="fgAccFollowNode1">
+    <dgm:fillClrLst>
+      <a:schemeClr val="accent2">
+        <a:tint val="40000"/>
+        <a:alpha val="90000"/>
+      </a:schemeClr>
+      <a:schemeClr val="accent3">
+        <a:tint val="40000"/>
+        <a:alpha val="90000"/>
+      </a:schemeClr>
+    </dgm:fillClrLst>
+    <dgm:linClrLst>
+      <a:schemeClr val="accent2">
+        <a:tint val="40000"/>
+        <a:alpha val="90000"/>
+      </a:schemeClr>
+      <a:schemeClr val="accent3">
+        <a:tint val="40000"/>
+        <a:alpha val="90000"/>
+      </a:schemeClr>
+    </dgm:linClrLst>
+    <dgm:effectClrLst/>
+    <dgm:txLinClrLst/>
+    <dgm:txFillClrLst meth="repeat">
+      <a:schemeClr val="dk1"/>
+    </dgm:txFillClrLst>
+    <dgm:txEffectClrLst/>
+  </dgm:styleLbl>
+  <dgm:styleLbl name="alignAccFollowNode1">
+    <dgm:fillClrLst>
+      <a:schemeClr val="accent2">
+        <a:tint val="40000"/>
+        <a:alpha val="90000"/>
+      </a:schemeClr>
+      <a:schemeClr val="accent3">
+        <a:tint val="40000"/>
+        <a:alpha val="90000"/>
+      </a:schemeClr>
+    </dgm:fillClrLst>
+    <dgm:linClrLst>
+      <a:schemeClr val="accent2">
+        <a:tint val="40000"/>
+        <a:alpha val="90000"/>
+      </a:schemeClr>
+      <a:schemeClr val="accent3">
+        <a:tint val="40000"/>
+        <a:alpha val="90000"/>
+      </a:schemeClr>
+    </dgm:linClrLst>
+    <dgm:effectClrLst/>
+    <dgm:txLinClrLst/>
+    <dgm:txFillClrLst meth="repeat">
+      <a:schemeClr val="dk1"/>
+    </dgm:txFillClrLst>
+    <dgm:txEffectClrLst/>
+  </dgm:styleLbl>
+  <dgm:styleLbl name="bgAccFollowNode1">
+    <dgm:fillClrLst>
+      <a:schemeClr val="accent2">
+        <a:tint val="40000"/>
+        <a:alpha val="90000"/>
+      </a:schemeClr>
+      <a:schemeClr val="accent3">
+        <a:tint val="40000"/>
+        <a:alpha val="90000"/>
+      </a:schemeClr>
+    </dgm:fillClrLst>
+    <dgm:linClrLst>
+      <a:schemeClr val="accent2">
+        <a:tint val="40000"/>
+        <a:alpha val="90000"/>
+      </a:schemeClr>
+      <a:schemeClr val="accent3">
+        <a:tint val="40000"/>
+        <a:alpha val="90000"/>
+      </a:schemeClr>
+    </dgm:linClrLst>
+    <dgm:effectClrLst/>
+    <dgm:txLinClrLst/>
+    <dgm:txFillClrLst meth="repeat">
+      <a:schemeClr val="dk1"/>
+    </dgm:txFillClrLst>
+    <dgm:txEffectClrLst/>
+  </dgm:styleLbl>
+  <dgm:styleLbl name="fgAcc0">
+    <dgm:fillClrLst meth="repeat">
+      <a:schemeClr val="lt1">
+        <a:alpha val="90000"/>
+      </a:schemeClr>
+    </dgm:fillClrLst>
+    <dgm:linClrLst>
+      <a:schemeClr val="accent1"/>
+    </dgm:linClrLst>
+    <dgm:effectClrLst/>
+    <dgm:txLinClrLst/>
+    <dgm:txFillClrLst meth="repeat">
+      <a:schemeClr val="dk1"/>
+    </dgm:txFillClrLst>
+    <dgm:txEffectClrLst/>
+  </dgm:styleLbl>
+  <dgm:styleLbl name="fgAcc2">
+    <dgm:fillClrLst meth="repeat">
+      <a:schemeClr val="lt1">
+        <a:alpha val="90000"/>
+      </a:schemeClr>
+    </dgm:fillClrLst>
+    <dgm:linClrLst>
+      <a:schemeClr val="accent3"/>
+    </dgm:linClrLst>
+    <dgm:effectClrLst/>
+    <dgm:txLinClrLst/>
+    <dgm:txFillClrLst meth="repeat">
+      <a:schemeClr val="dk1"/>
+    </dgm:txFillClrLst>
+    <dgm:txEffectClrLst/>
+  </dgm:styleLbl>
+  <dgm:styleLbl name="fgAcc3">
+    <dgm:fillClrLst meth="repeat">
+      <a:schemeClr val="lt1">
+        <a:alpha val="90000"/>
+      </a:schemeClr>
+    </dgm:fillClrLst>
+    <dgm:linClrLst>
+      <a:schemeClr val="accent4"/>
+    </dgm:linClrLst>
+    <dgm:effectClrLst/>
+    <dgm:txLinClrLst/>
+    <dgm:txFillClrLst meth="repeat">
+      <a:schemeClr val="dk1"/>
+    </dgm:txFillClrLst>
+    <dgm:txEffectClrLst/>
+  </dgm:styleLbl>
+  <dgm:styleLbl name="fgAcc4">
+    <dgm:fillClrLst meth="repeat">
+      <a:schemeClr val="lt1">
+        <a:alpha val="90000"/>
+      </a:schemeClr>
+    </dgm:fillClrLst>
+    <dgm:linClrLst>
+      <a:schemeClr val="accent5"/>
+    </dgm:linClrLst>
+    <dgm:effectClrLst/>
+    <dgm:txLinClrLst/>
+    <dgm:txFillClrLst meth="repeat">
+      <a:schemeClr val="dk1"/>
+    </dgm:txFillClrLst>
+    <dgm:txEffectClrLst/>
+  </dgm:styleLbl>
+  <dgm:styleLbl name="bgShp">
+    <dgm:fillClrLst meth="repeat">
+      <a:schemeClr val="accent2">
+        <a:tint val="40000"/>
+      </a:schemeClr>
+    </dgm:fillClrLst>
+    <dgm:linClrLst meth="repeat">
+      <a:schemeClr val="dk1"/>
+    </dgm:linClrLst>
+    <dgm:effectClrLst/>
+    <dgm:txLinClrLst/>
+    <dgm:txFillClrLst meth="repeat">
+      <a:schemeClr val="dk1"/>
+    </dgm:txFillClrLst>
+    <dgm:txEffectClrLst/>
+  </dgm:styleLbl>
+  <dgm:styleLbl name="dkBgShp">
+    <dgm:fillClrLst meth="repeat">
+      <a:schemeClr val="accent2">
+        <a:shade val="90000"/>
+      </a:schemeClr>
+    </dgm:fillClrLst>
+    <dgm:linClrLst meth="repeat">
+      <a:schemeClr val="dk1"/>
+    </dgm:linClrLst>
+    <dgm:effectClrLst/>
+    <dgm:txLinClrLst/>
+    <dgm:txFillClrLst meth="repeat">
+      <a:schemeClr val="lt1"/>
+    </dgm:txFillClrLst>
+    <dgm:txEffectClrLst/>
+  </dgm:styleLbl>
+  <dgm:styleLbl name="trBgShp">
+    <dgm:fillClrLst meth="repeat">
+      <a:schemeClr val="accent2">
+        <a:tint val="50000"/>
+        <a:alpha val="40000"/>
+      </a:schemeClr>
+    </dgm:fillClrLst>
+    <dgm:linClrLst meth="repeat">
+      <a:schemeClr val="accent2"/>
+    </dgm:linClrLst>
+    <dgm:effectClrLst/>
+    <dgm:txLinClrLst/>
+    <dgm:txFillClrLst meth="repeat">
+      <a:schemeClr val="lt1"/>
+    </dgm:txFillClrLst>
+    <dgm:txEffectClrLst/>
+  </dgm:styleLbl>
+  <dgm:styleLbl name="fgShp">
+    <dgm:fillClrLst meth="repeat">
+      <a:schemeClr val="accent2">
+        <a:tint val="40000"/>
+      </a:schemeClr>
+    </dgm:fillClrLst>
+    <dgm:linClrLst meth="repeat">
+      <a:schemeClr val="lt1"/>
+    </dgm:linClrLst>
+    <dgm:effectClrLst/>
+    <dgm:txLinClrLst/>
+    <dgm:txFillClrLst meth="repeat">
+      <a:schemeClr val="dk1"/>
+    </dgm:txFillClrLst>
+    <dgm:txEffectClrLst/>
+  </dgm:styleLbl>
+  <dgm:styleLbl name="revTx">
+    <dgm:fillClrLst meth="repeat">
+      <a:schemeClr val="lt1">
+        <a:alpha val="0"/>
+      </a:schemeClr>
+    </dgm:fillClrLst>
+    <dgm:linClrLst meth="repeat">
+      <a:schemeClr val="dk1">
+        <a:alpha val="0"/>
+      </a:schemeClr>
+    </dgm:linClrLst>
+    <dgm:effectClrLst/>
+    <dgm:txLinClrLst/>
+    <dgm:txFillClrLst meth="repeat">
+      <a:schemeClr val="tx1"/>
     </dgm:txFillClrLst>
     <dgm:txEffectClrLst/>
   </dgm:styleLbl>
@@ -8193,6 +8189,38 @@
         </a:p>
       </dgm:t>
     </dgm:pt>
+    <dgm:pt modelId="{6BB131D9-9F3F-4CBF-80F2-5075004B2CDD}">
+      <dgm:prSet custT="1"/>
+      <dgm:spPr/>
+      <dgm:t>
+        <a:bodyPr/>
+        <a:lstStyle/>
+        <a:p>
+          <a:r>
+            <a:rPr lang="en-US" sz="2400" dirty="0"/>
+            <a:t>LinkedIn:  </a:t>
+          </a:r>
+          <a:r>
+            <a:rPr lang="en-US" sz="2400" dirty="0">
+              <a:hlinkClick xmlns:r="http://schemas.openxmlformats.org/officeDocument/2006/relationships" r:id="rId1"/>
+            </a:rPr>
+            <a:t>https://www.linkedin.com/in/christopher-smith-54467a3/</a:t>
+          </a:r>
+          <a:r>
+            <a:rPr lang="en-US" sz="2400" dirty="0"/>
+            <a:t> </a:t>
+          </a:r>
+        </a:p>
+      </dgm:t>
+    </dgm:pt>
+    <dgm:pt modelId="{5222A506-B9B8-4346-B1BE-FBB76B3EAAF7}" type="parTrans" cxnId="{C8AA9EDB-DEC9-4A22-B407-19EB085D7F49}">
+      <dgm:prSet/>
+      <dgm:spPr/>
+    </dgm:pt>
+    <dgm:pt modelId="{08A5EDE9-0A24-4EE1-9B64-A5FC5C7DDA93}" type="sibTrans" cxnId="{C8AA9EDB-DEC9-4A22-B407-19EB085D7F49}">
+      <dgm:prSet/>
+      <dgm:spPr/>
+    </dgm:pt>
     <dgm:pt modelId="{9C2EBAE1-C154-4B82-ABF0-471A7C0C91E8}" type="pres">
       <dgm:prSet presAssocID="{0D566665-B619-4402-8BEE-FB9A57B24E2D}" presName="linear" presStyleCnt="0">
         <dgm:presLayoutVars>
@@ -8203,7 +8231,7 @@
       <dgm:spPr/>
     </dgm:pt>
     <dgm:pt modelId="{B035641E-88ED-4E06-B56C-F137F85C26E7}" type="pres">
-      <dgm:prSet presAssocID="{553F7792-0C9C-4CE4-9A6F-E7AA1AF1ABA2}" presName="parentText" presStyleLbl="node1" presStyleIdx="0" presStyleCnt="5">
+      <dgm:prSet presAssocID="{553F7792-0C9C-4CE4-9A6F-E7AA1AF1ABA2}" presName="parentText" presStyleLbl="node1" presStyleIdx="0" presStyleCnt="6">
         <dgm:presLayoutVars>
           <dgm:chMax val="0"/>
           <dgm:bulletEnabled val="1"/>
@@ -8216,7 +8244,7 @@
       <dgm:spPr/>
     </dgm:pt>
     <dgm:pt modelId="{D5D9F818-25C1-47B9-95F3-4C73F97F3F36}" type="pres">
-      <dgm:prSet presAssocID="{07A38FF9-407A-4549-A0D9-5EF59B5FA13A}" presName="parentText" presStyleLbl="node1" presStyleIdx="1" presStyleCnt="5">
+      <dgm:prSet presAssocID="{07A38FF9-407A-4549-A0D9-5EF59B5FA13A}" presName="parentText" presStyleLbl="node1" presStyleIdx="1" presStyleCnt="6">
         <dgm:presLayoutVars>
           <dgm:chMax val="0"/>
           <dgm:bulletEnabled val="1"/>
@@ -8229,7 +8257,7 @@
       <dgm:spPr/>
     </dgm:pt>
     <dgm:pt modelId="{B80E0519-AFEB-4A2C-8B96-9A5BAB33D643}" type="pres">
-      <dgm:prSet presAssocID="{63D89CD1-0786-446D-96A8-689838A2610C}" presName="parentText" presStyleLbl="node1" presStyleIdx="2" presStyleCnt="5">
+      <dgm:prSet presAssocID="{63D89CD1-0786-446D-96A8-689838A2610C}" presName="parentText" presStyleLbl="node1" presStyleIdx="2" presStyleCnt="6">
         <dgm:presLayoutVars>
           <dgm:chMax val="0"/>
           <dgm:bulletEnabled val="1"/>
@@ -8242,7 +8270,7 @@
       <dgm:spPr/>
     </dgm:pt>
     <dgm:pt modelId="{EC7B3B1C-1B93-4736-8F13-9CC2E53CADAE}" type="pres">
-      <dgm:prSet presAssocID="{CB46911C-5329-478E-9512-C5B9EC6D00C2}" presName="parentText" presStyleLbl="node1" presStyleIdx="3" presStyleCnt="5">
+      <dgm:prSet presAssocID="{CB46911C-5329-478E-9512-C5B9EC6D00C2}" presName="parentText" presStyleLbl="node1" presStyleIdx="3" presStyleCnt="6">
         <dgm:presLayoutVars>
           <dgm:chMax val="0"/>
           <dgm:bulletEnabled val="1"/>
@@ -8254,8 +8282,21 @@
       <dgm:prSet presAssocID="{7EE0F243-A7DB-4A5F-98D5-74ABE0BC6966}" presName="spacer" presStyleCnt="0"/>
       <dgm:spPr/>
     </dgm:pt>
+    <dgm:pt modelId="{8AEF12BF-0A38-4F82-94FA-DAFDC1A6F754}" type="pres">
+      <dgm:prSet presAssocID="{6BB131D9-9F3F-4CBF-80F2-5075004B2CDD}" presName="parentText" presStyleLbl="node1" presStyleIdx="4" presStyleCnt="6">
+        <dgm:presLayoutVars>
+          <dgm:chMax val="0"/>
+          <dgm:bulletEnabled val="1"/>
+        </dgm:presLayoutVars>
+      </dgm:prSet>
+      <dgm:spPr/>
+    </dgm:pt>
+    <dgm:pt modelId="{4B644E5F-3207-4E87-BC34-D263B6F0B84D}" type="pres">
+      <dgm:prSet presAssocID="{08A5EDE9-0A24-4EE1-9B64-A5FC5C7DDA93}" presName="spacer" presStyleCnt="0"/>
+      <dgm:spPr/>
+    </dgm:pt>
     <dgm:pt modelId="{373AD00E-D1AA-4415-A0BB-FF3F9B710855}" type="pres">
-      <dgm:prSet presAssocID="{28BAB2C5-8715-40EB-A568-FE408EACBCFD}" presName="parentText" presStyleLbl="node1" presStyleIdx="4" presStyleCnt="5">
+      <dgm:prSet presAssocID="{28BAB2C5-8715-40EB-A568-FE408EACBCFD}" presName="parentText" presStyleLbl="node1" presStyleIdx="5" presStyleCnt="6">
         <dgm:presLayoutVars>
           <dgm:chMax val="0"/>
           <dgm:bulletEnabled val="1"/>
@@ -8268,12 +8309,14 @@
     <dgm:cxn modelId="{64E1392F-3FB8-4791-8AF8-3D8CE3D770A3}" type="presOf" srcId="{CB46911C-5329-478E-9512-C5B9EC6D00C2}" destId="{EC7B3B1C-1B93-4736-8F13-9CC2E53CADAE}" srcOrd="0" destOrd="0" presId="urn:microsoft.com/office/officeart/2005/8/layout/vList2"/>
     <dgm:cxn modelId="{160B2147-3B03-467D-905B-FE7C443037E7}" srcId="{0D566665-B619-4402-8BEE-FB9A57B24E2D}" destId="{CB46911C-5329-478E-9512-C5B9EC6D00C2}" srcOrd="3" destOrd="0" parTransId="{CD5F9670-DC9A-4BDD-9D0D-24FAE95153F6}" sibTransId="{7EE0F243-A7DB-4A5F-98D5-74ABE0BC6966}"/>
     <dgm:cxn modelId="{D0C6B472-FB30-4A59-B9FE-3F3938B343DD}" type="presOf" srcId="{07A38FF9-407A-4549-A0D9-5EF59B5FA13A}" destId="{D5D9F818-25C1-47B9-95F3-4C73F97F3F36}" srcOrd="0" destOrd="0" presId="urn:microsoft.com/office/officeart/2005/8/layout/vList2"/>
+    <dgm:cxn modelId="{D81F5E8C-5DC6-400D-B2F9-5F9515BFE637}" type="presOf" srcId="{6BB131D9-9F3F-4CBF-80F2-5075004B2CDD}" destId="{8AEF12BF-0A38-4F82-94FA-DAFDC1A6F754}" srcOrd="0" destOrd="0" presId="urn:microsoft.com/office/officeart/2005/8/layout/vList2"/>
     <dgm:cxn modelId="{5BA22A95-FE33-4EA6-A7F5-E73D65F3FE4F}" type="presOf" srcId="{0D566665-B619-4402-8BEE-FB9A57B24E2D}" destId="{9C2EBAE1-C154-4B82-ABF0-471A7C0C91E8}" srcOrd="0" destOrd="0" presId="urn:microsoft.com/office/officeart/2005/8/layout/vList2"/>
     <dgm:cxn modelId="{C352269D-68AB-4EE3-8740-70FC4E8F0CF3}" type="presOf" srcId="{28BAB2C5-8715-40EB-A568-FE408EACBCFD}" destId="{373AD00E-D1AA-4415-A0BB-FF3F9B710855}" srcOrd="0" destOrd="0" presId="urn:microsoft.com/office/officeart/2005/8/layout/vList2"/>
     <dgm:cxn modelId="{1CA210A4-5128-4CB9-BF75-B5FD4C562000}" type="presOf" srcId="{63D89CD1-0786-446D-96A8-689838A2610C}" destId="{B80E0519-AFEB-4A2C-8B96-9A5BAB33D643}" srcOrd="0" destOrd="0" presId="urn:microsoft.com/office/officeart/2005/8/layout/vList2"/>
     <dgm:cxn modelId="{9337A3CE-F772-472A-B6D8-F8BDF9F27870}" srcId="{0D566665-B619-4402-8BEE-FB9A57B24E2D}" destId="{553F7792-0C9C-4CE4-9A6F-E7AA1AF1ABA2}" srcOrd="0" destOrd="0" parTransId="{15191C2E-13E6-4761-A6FB-C8BD7DF6B596}" sibTransId="{72F06FB7-4493-4501-8C94-D684814278A2}"/>
     <dgm:cxn modelId="{CA2CA4D3-1F2D-42CD-858A-91EEF675AB04}" srcId="{0D566665-B619-4402-8BEE-FB9A57B24E2D}" destId="{63D89CD1-0786-446D-96A8-689838A2610C}" srcOrd="2" destOrd="0" parTransId="{35311232-1172-4B8F-B410-864F06CB064E}" sibTransId="{9AB362BD-0DE5-4D0F-93B8-CE4A9D1CFD2E}"/>
-    <dgm:cxn modelId="{78561FE3-F340-476C-8347-10DBF8886015}" srcId="{0D566665-B619-4402-8BEE-FB9A57B24E2D}" destId="{28BAB2C5-8715-40EB-A568-FE408EACBCFD}" srcOrd="4" destOrd="0" parTransId="{27F6B817-C55C-4B01-A67F-BA985395DFAD}" sibTransId="{A82814AF-C27A-4101-A1E2-9617832F4C4E}"/>
+    <dgm:cxn modelId="{C8AA9EDB-DEC9-4A22-B407-19EB085D7F49}" srcId="{0D566665-B619-4402-8BEE-FB9A57B24E2D}" destId="{6BB131D9-9F3F-4CBF-80F2-5075004B2CDD}" srcOrd="4" destOrd="0" parTransId="{5222A506-B9B8-4346-B1BE-FBB76B3EAAF7}" sibTransId="{08A5EDE9-0A24-4EE1-9B64-A5FC5C7DDA93}"/>
+    <dgm:cxn modelId="{78561FE3-F340-476C-8347-10DBF8886015}" srcId="{0D566665-B619-4402-8BEE-FB9A57B24E2D}" destId="{28BAB2C5-8715-40EB-A568-FE408EACBCFD}" srcOrd="5" destOrd="0" parTransId="{27F6B817-C55C-4B01-A67F-BA985395DFAD}" sibTransId="{A82814AF-C27A-4101-A1E2-9617832F4C4E}"/>
     <dgm:cxn modelId="{57A2DCEA-07FC-4E31-83FD-2D14F3DE865F}" srcId="{0D566665-B619-4402-8BEE-FB9A57B24E2D}" destId="{07A38FF9-407A-4549-A0D9-5EF59B5FA13A}" srcOrd="1" destOrd="0" parTransId="{520A8F04-E7FB-4794-9DC6-4EC9F9E15B2C}" sibTransId="{A8CF266D-BB9C-4976-A23E-2ED42C96FE4A}"/>
     <dgm:cxn modelId="{A5E281FA-2735-440A-9292-533308398A17}" type="presOf" srcId="{553F7792-0C9C-4CE4-9A6F-E7AA1AF1ABA2}" destId="{B035641E-88ED-4E06-B56C-F137F85C26E7}" srcOrd="0" destOrd="0" presId="urn:microsoft.com/office/officeart/2005/8/layout/vList2"/>
     <dgm:cxn modelId="{5EDADF64-E070-47E9-BE91-B50A4DCE25A6}" type="presParOf" srcId="{9C2EBAE1-C154-4B82-ABF0-471A7C0C91E8}" destId="{B035641E-88ED-4E06-B56C-F137F85C26E7}" srcOrd="0" destOrd="0" presId="urn:microsoft.com/office/officeart/2005/8/layout/vList2"/>
@@ -8284,13 +8327,15 @@
     <dgm:cxn modelId="{08C366E0-925B-408F-B322-E97E7E81E89A}" type="presParOf" srcId="{9C2EBAE1-C154-4B82-ABF0-471A7C0C91E8}" destId="{D59A167D-F608-4A6A-98B5-C79D8C1D94B1}" srcOrd="5" destOrd="0" presId="urn:microsoft.com/office/officeart/2005/8/layout/vList2"/>
     <dgm:cxn modelId="{1A927010-F410-4072-9482-B38BFE22C323}" type="presParOf" srcId="{9C2EBAE1-C154-4B82-ABF0-471A7C0C91E8}" destId="{EC7B3B1C-1B93-4736-8F13-9CC2E53CADAE}" srcOrd="6" destOrd="0" presId="urn:microsoft.com/office/officeart/2005/8/layout/vList2"/>
     <dgm:cxn modelId="{F01CD940-F05F-47C7-B380-C5820C3E546A}" type="presParOf" srcId="{9C2EBAE1-C154-4B82-ABF0-471A7C0C91E8}" destId="{5F3586E7-FAD1-4579-9A02-A36ECF8C74F2}" srcOrd="7" destOrd="0" presId="urn:microsoft.com/office/officeart/2005/8/layout/vList2"/>
-    <dgm:cxn modelId="{FB0CB21B-6C9A-489C-9D49-6B3E7C17788A}" type="presParOf" srcId="{9C2EBAE1-C154-4B82-ABF0-471A7C0C91E8}" destId="{373AD00E-D1AA-4415-A0BB-FF3F9B710855}" srcOrd="8" destOrd="0" presId="urn:microsoft.com/office/officeart/2005/8/layout/vList2"/>
+    <dgm:cxn modelId="{41B7A9FE-D264-48A4-8064-73747319E666}" type="presParOf" srcId="{9C2EBAE1-C154-4B82-ABF0-471A7C0C91E8}" destId="{8AEF12BF-0A38-4F82-94FA-DAFDC1A6F754}" srcOrd="8" destOrd="0" presId="urn:microsoft.com/office/officeart/2005/8/layout/vList2"/>
+    <dgm:cxn modelId="{8F53B43C-13E3-4400-B4C8-AB4E4FB4CFBC}" type="presParOf" srcId="{9C2EBAE1-C154-4B82-ABF0-471A7C0C91E8}" destId="{4B644E5F-3207-4E87-BC34-D263B6F0B84D}" srcOrd="9" destOrd="0" presId="urn:microsoft.com/office/officeart/2005/8/layout/vList2"/>
+    <dgm:cxn modelId="{FB0CB21B-6C9A-489C-9D49-6B3E7C17788A}" type="presParOf" srcId="{9C2EBAE1-C154-4B82-ABF0-471A7C0C91E8}" destId="{373AD00E-D1AA-4415-A0BB-FF3F9B710855}" srcOrd="10" destOrd="0" presId="urn:microsoft.com/office/officeart/2005/8/layout/vList2"/>
   </dgm:cxnLst>
   <dgm:bg/>
   <dgm:whole/>
   <dgm:extLst>
     <a:ext uri="http://schemas.microsoft.com/office/drawing/2008/diagram">
-      <dsp:dataModelExt xmlns:dsp="http://schemas.microsoft.com/office/drawing/2008/diagram" relId="rId6" minVer="http://schemas.openxmlformats.org/drawingml/2006/diagram"/>
+      <dsp:dataModelExt xmlns:dsp="http://schemas.microsoft.com/office/drawing/2008/diagram" relId="rId7" minVer="http://schemas.openxmlformats.org/drawingml/2006/diagram"/>
     </a:ext>
   </dgm:extLst>
 </dgm:dataModel>
@@ -8299,8 +8344,8 @@
 <file path=ppt/diagrams/data10.xml><?xml version="1.0" encoding="utf-8"?>
 <dgm:dataModel xmlns:dgm="http://schemas.openxmlformats.org/drawingml/2006/diagram" xmlns:a="http://schemas.openxmlformats.org/drawingml/2006/main">
   <dgm:ptLst>
-    <dgm:pt modelId="{0702AF28-F1B3-4C66-90CC-8158807557D0}" type="doc">
-      <dgm:prSet loTypeId="urn:microsoft.com/office/officeart/2005/8/layout/vList2" loCatId="list" qsTypeId="urn:microsoft.com/office/officeart/2005/8/quickstyle/simple1" qsCatId="simple" csTypeId="urn:microsoft.com/office/officeart/2005/8/colors/colorful2" csCatId="colorful" phldr="1"/>
+    <dgm:pt modelId="{D9D542EB-D693-4F77-B140-F3451170E7D8}" type="doc">
+      <dgm:prSet loTypeId="urn:microsoft.com/office/officeart/2005/8/layout/architecture" loCatId="hierarchy" qsTypeId="urn:microsoft.com/office/officeart/2005/8/quickstyle/simple1" qsCatId="simple" csTypeId="urn:microsoft.com/office/officeart/2005/8/colors/accent1_2" csCatId="accent1" phldr="1"/>
       <dgm:spPr/>
       <dgm:t>
         <a:bodyPr/>
@@ -8310,21 +8355,21 @@
         </a:p>
       </dgm:t>
     </dgm:pt>
-    <dgm:pt modelId="{C822A5D1-B795-4CED-ABE0-E7B3D6A70E3B}">
-      <dgm:prSet/>
+    <dgm:pt modelId="{63ACA25A-6CC6-4035-9B99-0AEF0F3DD5F2}">
+      <dgm:prSet phldrT="[Text]"/>
       <dgm:spPr/>
       <dgm:t>
         <a:bodyPr/>
         <a:lstStyle/>
         <a:p>
           <a:r>
-            <a:rPr lang="en-US"/>
-            <a:t>Available for Windows 10 64-bit Pro, Enterprise, or Education (Build 15063 or later)</a:t>
+            <a:rPr lang="en-US" dirty="0"/>
+            <a:t>Main Network</a:t>
           </a:r>
         </a:p>
       </dgm:t>
     </dgm:pt>
-    <dgm:pt modelId="{D5E98830-FC8A-4FE6-870C-C54889EF4A29}" type="parTrans" cxnId="{EBD3DB62-355A-4EAB-9153-7CC1A7DEBB09}">
+    <dgm:pt modelId="{BC1E2D4A-C410-402B-AD86-9602111BD0C6}" type="parTrans" cxnId="{EB4E67A2-AB95-4FDD-BE58-0376C1E2BBA2}">
       <dgm:prSet/>
       <dgm:spPr/>
       <dgm:t>
@@ -8335,7 +8380,7 @@
         </a:p>
       </dgm:t>
     </dgm:pt>
-    <dgm:pt modelId="{87734DA3-2F07-4788-8B05-A10F353CE9B3}" type="sibTrans" cxnId="{EBD3DB62-355A-4EAB-9153-7CC1A7DEBB09}">
+    <dgm:pt modelId="{3FED402E-86FC-412D-B210-31557EC3DEB3}" type="sibTrans" cxnId="{EB4E67A2-AB95-4FDD-BE58-0376C1E2BBA2}">
       <dgm:prSet/>
       <dgm:spPr/>
       <dgm:t>
@@ -8346,21 +8391,28 @@
         </a:p>
       </dgm:t>
     </dgm:pt>
-    <dgm:pt modelId="{55CE3EE6-B73E-40DD-AC37-7F2968A548BF}">
-      <dgm:prSet/>
-      <dgm:spPr/>
+    <dgm:pt modelId="{26C218E2-A2E6-4219-A445-B359E9DFC513}">
+      <dgm:prSet phldrT="[Text]"/>
+      <dgm:spPr>
+        <a:solidFill>
+          <a:schemeClr val="accent1">
+            <a:lumMod val="60000"/>
+            <a:lumOff val="40000"/>
+          </a:schemeClr>
+        </a:solidFill>
+      </dgm:spPr>
       <dgm:t>
         <a:bodyPr/>
         <a:lstStyle/>
         <a:p>
           <a:r>
             <a:rPr lang="en-US" dirty="0"/>
-            <a:t>Hyper-V and Containers features must be enabled</a:t>
+            <a:t>Docker Network</a:t>
           </a:r>
         </a:p>
       </dgm:t>
     </dgm:pt>
-    <dgm:pt modelId="{251AC39F-D0A9-4B31-85CE-8BAD30AC48CD}" type="parTrans" cxnId="{AF4B3986-829F-469D-A6C8-356BE2DA098C}">
+    <dgm:pt modelId="{906BD8A6-C7DF-4628-9D7E-F960D5D93396}" type="parTrans" cxnId="{1A822BC1-E899-45C5-9A9F-6B663F10A10E}">
       <dgm:prSet/>
       <dgm:spPr/>
       <dgm:t>
@@ -8371,7 +8423,7 @@
         </a:p>
       </dgm:t>
     </dgm:pt>
-    <dgm:pt modelId="{744072CD-2BF3-46EA-AC3A-76357831631F}" type="sibTrans" cxnId="{AF4B3986-829F-469D-A6C8-356BE2DA098C}">
+    <dgm:pt modelId="{3D9718CA-3A99-45AF-8E66-F2624C1F06F0}" type="sibTrans" cxnId="{1A822BC1-E899-45C5-9A9F-6B663F10A10E}">
       <dgm:prSet/>
       <dgm:spPr/>
       <dgm:t>
@@ -8382,21 +8434,28 @@
         </a:p>
       </dgm:t>
     </dgm:pt>
-    <dgm:pt modelId="{8A461D33-9C46-4762-9951-D1712F138FA3}">
-      <dgm:prSet/>
-      <dgm:spPr/>
+    <dgm:pt modelId="{60BDCB74-480F-4E8D-9AAC-44CC3A16DF17}">
+      <dgm:prSet phldrT="[Text]"/>
+      <dgm:spPr>
+        <a:solidFill>
+          <a:schemeClr val="tx2">
+            <a:lumMod val="60000"/>
+            <a:lumOff val="40000"/>
+          </a:schemeClr>
+        </a:solidFill>
+      </dgm:spPr>
       <dgm:t>
         <a:bodyPr/>
         <a:lstStyle/>
         <a:p>
           <a:r>
             <a:rPr lang="en-US" dirty="0"/>
-            <a:t>https://docs.docker.com/docker-for-windows/install/</a:t>
+            <a:t>App1</a:t>
           </a:r>
         </a:p>
       </dgm:t>
     </dgm:pt>
-    <dgm:pt modelId="{8697B090-525E-42DB-925E-CA8D6B8FB4D4}" type="parTrans" cxnId="{308A0DA0-EE52-400E-8B43-E37CE1C7FB54}">
+    <dgm:pt modelId="{479E8557-4706-4DB5-AAB0-88ACAF8BC195}" type="parTrans" cxnId="{0C665CE2-D747-40C6-A4FD-B3D6CEA42457}">
       <dgm:prSet/>
       <dgm:spPr/>
       <dgm:t>
@@ -8407,7 +8466,7 @@
         </a:p>
       </dgm:t>
     </dgm:pt>
-    <dgm:pt modelId="{3D403A2A-56C4-4390-B40E-653E83A78BE3}" type="sibTrans" cxnId="{308A0DA0-EE52-400E-8B43-E37CE1C7FB54}">
+    <dgm:pt modelId="{009063B6-D243-4E08-B09C-6538A92DFFCF}" type="sibTrans" cxnId="{0C665CE2-D747-40C6-A4FD-B3D6CEA42457}">
       <dgm:prSet/>
       <dgm:spPr/>
       <dgm:t>
@@ -8418,70 +8477,238 @@
         </a:p>
       </dgm:t>
     </dgm:pt>
-    <dgm:pt modelId="{6035F616-09F1-4A8B-9200-C652F31D9F57}" type="pres">
-      <dgm:prSet presAssocID="{0702AF28-F1B3-4C66-90CC-8158807557D0}" presName="linear" presStyleCnt="0">
+    <dgm:pt modelId="{024AE961-D2D3-423F-90B8-EB41C3C25A43}">
+      <dgm:prSet phldrT="[Text]"/>
+      <dgm:spPr>
+        <a:solidFill>
+          <a:schemeClr val="tx2">
+            <a:lumMod val="60000"/>
+            <a:lumOff val="40000"/>
+          </a:schemeClr>
+        </a:solidFill>
+      </dgm:spPr>
+      <dgm:t>
+        <a:bodyPr/>
+        <a:lstStyle/>
+        <a:p>
+          <a:r>
+            <a:rPr lang="en-US" dirty="0"/>
+            <a:t>App2</a:t>
+          </a:r>
+        </a:p>
+      </dgm:t>
+    </dgm:pt>
+    <dgm:pt modelId="{A40D2733-6326-4FAD-A8BF-DC05AA4C6ADF}" type="parTrans" cxnId="{19D06B7A-4E4E-4744-9C6A-29E57E2D4012}">
+      <dgm:prSet/>
+      <dgm:spPr/>
+      <dgm:t>
+        <a:bodyPr/>
+        <a:lstStyle/>
+        <a:p>
+          <a:endParaRPr lang="en-US"/>
+        </a:p>
+      </dgm:t>
+    </dgm:pt>
+    <dgm:pt modelId="{A329EFAC-D4EA-4EF4-9369-BB87A3C76F10}" type="sibTrans" cxnId="{19D06B7A-4E4E-4744-9C6A-29E57E2D4012}">
+      <dgm:prSet/>
+      <dgm:spPr/>
+      <dgm:t>
+        <a:bodyPr/>
+        <a:lstStyle/>
+        <a:p>
+          <a:endParaRPr lang="en-US"/>
+        </a:p>
+      </dgm:t>
+    </dgm:pt>
+    <dgm:pt modelId="{09B0A8A3-1A4B-4F9A-82F0-201643D3175D}">
+      <dgm:prSet phldrT="[Text]"/>
+      <dgm:spPr>
+        <a:solidFill>
+          <a:schemeClr val="tx2">
+            <a:lumMod val="60000"/>
+            <a:lumOff val="40000"/>
+          </a:schemeClr>
+        </a:solidFill>
+      </dgm:spPr>
+      <dgm:t>
+        <a:bodyPr/>
+        <a:lstStyle/>
+        <a:p>
+          <a:r>
+            <a:rPr lang="en-US" dirty="0"/>
+            <a:t>App3</a:t>
+          </a:r>
+        </a:p>
+      </dgm:t>
+    </dgm:pt>
+    <dgm:pt modelId="{A906EFA8-453E-4167-9DF0-0C12DD686F2B}" type="parTrans" cxnId="{333162E6-D135-4290-A6E6-FB13D809330A}">
+      <dgm:prSet/>
+      <dgm:spPr/>
+      <dgm:t>
+        <a:bodyPr/>
+        <a:lstStyle/>
+        <a:p>
+          <a:endParaRPr lang="en-US"/>
+        </a:p>
+      </dgm:t>
+    </dgm:pt>
+    <dgm:pt modelId="{BEF56813-27ED-4D3B-9D6E-4D267554D24F}" type="sibTrans" cxnId="{333162E6-D135-4290-A6E6-FB13D809330A}">
+      <dgm:prSet/>
+      <dgm:spPr/>
+      <dgm:t>
+        <a:bodyPr/>
+        <a:lstStyle/>
+        <a:p>
+          <a:endParaRPr lang="en-US"/>
+        </a:p>
+      </dgm:t>
+    </dgm:pt>
+    <dgm:pt modelId="{3E82E42B-C0CB-431E-866D-B7D0824FC505}" type="pres">
+      <dgm:prSet presAssocID="{D9D542EB-D693-4F77-B140-F3451170E7D8}" presName="Name0" presStyleCnt="0">
         <dgm:presLayoutVars>
+          <dgm:chPref val="1"/>
+          <dgm:dir/>
+          <dgm:animOne val="branch"/>
           <dgm:animLvl val="lvl"/>
-          <dgm:resizeHandles val="exact"/>
+          <dgm:resizeHandles/>
         </dgm:presLayoutVars>
       </dgm:prSet>
       <dgm:spPr/>
     </dgm:pt>
-    <dgm:pt modelId="{604D3FDC-F3B0-426A-A0A9-542BA48D0CDA}" type="pres">
-      <dgm:prSet presAssocID="{C822A5D1-B795-4CED-ABE0-E7B3D6A70E3B}" presName="parentText" presStyleLbl="node1" presStyleIdx="0" presStyleCnt="3">
+    <dgm:pt modelId="{9065DBDC-4CCA-4128-B154-D2A2C8480AE1}" type="pres">
+      <dgm:prSet presAssocID="{63ACA25A-6CC6-4035-9B99-0AEF0F3DD5F2}" presName="vertOne" presStyleCnt="0"/>
+      <dgm:spPr/>
+    </dgm:pt>
+    <dgm:pt modelId="{D56F94DF-B747-4FAD-982C-18ED174CE7B7}" type="pres">
+      <dgm:prSet presAssocID="{63ACA25A-6CC6-4035-9B99-0AEF0F3DD5F2}" presName="txOne" presStyleLbl="node0" presStyleIdx="0" presStyleCnt="1" custScaleY="41738">
         <dgm:presLayoutVars>
-          <dgm:chMax val="0"/>
-          <dgm:bulletEnabled val="1"/>
+          <dgm:chPref val="3"/>
         </dgm:presLayoutVars>
       </dgm:prSet>
       <dgm:spPr/>
     </dgm:pt>
-    <dgm:pt modelId="{98D3C921-CC78-4493-892A-325FF493427A}" type="pres">
-      <dgm:prSet presAssocID="{87734DA3-2F07-4788-8B05-A10F353CE9B3}" presName="spacer" presStyleCnt="0"/>
+    <dgm:pt modelId="{F5B785CD-B8DE-4F27-94C9-62F2DBFF3A45}" type="pres">
+      <dgm:prSet presAssocID="{63ACA25A-6CC6-4035-9B99-0AEF0F3DD5F2}" presName="parTransOne" presStyleCnt="0"/>
       <dgm:spPr/>
     </dgm:pt>
-    <dgm:pt modelId="{61CA2C19-705A-4401-95E3-052C6157187D}" type="pres">
-      <dgm:prSet presAssocID="{55CE3EE6-B73E-40DD-AC37-7F2968A548BF}" presName="parentText" presStyleLbl="node1" presStyleIdx="1" presStyleCnt="3">
+    <dgm:pt modelId="{59ECEE6B-A9BE-4B95-9D3E-16743A3D3453}" type="pres">
+      <dgm:prSet presAssocID="{63ACA25A-6CC6-4035-9B99-0AEF0F3DD5F2}" presName="horzOne" presStyleCnt="0"/>
+      <dgm:spPr/>
+    </dgm:pt>
+    <dgm:pt modelId="{6D79244C-B511-45AB-BD73-D35DAFB87241}" type="pres">
+      <dgm:prSet presAssocID="{26C218E2-A2E6-4219-A445-B359E9DFC513}" presName="vertTwo" presStyleCnt="0"/>
+      <dgm:spPr/>
+    </dgm:pt>
+    <dgm:pt modelId="{DB74F7AB-F96B-4B27-94A6-E67F902EEBD1}" type="pres">
+      <dgm:prSet presAssocID="{26C218E2-A2E6-4219-A445-B359E9DFC513}" presName="txTwo" presStyleLbl="node2" presStyleIdx="0" presStyleCnt="1" custScaleY="30678" custLinFactNeighborX="90" custLinFactNeighborY="85038">
         <dgm:presLayoutVars>
-          <dgm:chMax val="0"/>
-          <dgm:bulletEnabled val="1"/>
+          <dgm:chPref val="3"/>
         </dgm:presLayoutVars>
       </dgm:prSet>
       <dgm:spPr/>
     </dgm:pt>
-    <dgm:pt modelId="{CA349A72-461B-439E-9B7B-ACD7F56DB511}" type="pres">
-      <dgm:prSet presAssocID="{744072CD-2BF3-46EA-AC3A-76357831631F}" presName="spacer" presStyleCnt="0"/>
+    <dgm:pt modelId="{D4646867-2DF2-4700-90E0-C2D1DFC7BE62}" type="pres">
+      <dgm:prSet presAssocID="{26C218E2-A2E6-4219-A445-B359E9DFC513}" presName="parTransTwo" presStyleCnt="0"/>
       <dgm:spPr/>
     </dgm:pt>
-    <dgm:pt modelId="{96D891DE-7105-437A-B642-7D98D32D0AA1}" type="pres">
-      <dgm:prSet presAssocID="{8A461D33-9C46-4762-9951-D1712F138FA3}" presName="parentText" presStyleLbl="node1" presStyleIdx="2" presStyleCnt="3">
+    <dgm:pt modelId="{52BE5A0B-0296-4903-8F78-44E203BC7B52}" type="pres">
+      <dgm:prSet presAssocID="{26C218E2-A2E6-4219-A445-B359E9DFC513}" presName="horzTwo" presStyleCnt="0"/>
+      <dgm:spPr/>
+    </dgm:pt>
+    <dgm:pt modelId="{6352ED43-2BBA-4A41-A92A-2831D8C803B5}" type="pres">
+      <dgm:prSet presAssocID="{60BDCB74-480F-4E8D-9AAC-44CC3A16DF17}" presName="vertThree" presStyleCnt="0"/>
+      <dgm:spPr/>
+    </dgm:pt>
+    <dgm:pt modelId="{7650B25E-1552-4870-B2C2-CA39D374F270}" type="pres">
+      <dgm:prSet presAssocID="{60BDCB74-480F-4E8D-9AAC-44CC3A16DF17}" presName="txThree" presStyleLbl="node3" presStyleIdx="0" presStyleCnt="3" custScaleY="34902" custLinFactNeighborX="-521" custLinFactNeighborY="45420">
         <dgm:presLayoutVars>
-          <dgm:chMax val="0"/>
-          <dgm:bulletEnabled val="1"/>
+          <dgm:chPref val="3"/>
         </dgm:presLayoutVars>
       </dgm:prSet>
       <dgm:spPr/>
     </dgm:pt>
+    <dgm:pt modelId="{61E3F722-9002-469B-999A-B55618462892}" type="pres">
+      <dgm:prSet presAssocID="{60BDCB74-480F-4E8D-9AAC-44CC3A16DF17}" presName="horzThree" presStyleCnt="0"/>
+      <dgm:spPr/>
+    </dgm:pt>
+    <dgm:pt modelId="{5173FF00-119C-45B7-8206-D65B1455D9CC}" type="pres">
+      <dgm:prSet presAssocID="{009063B6-D243-4E08-B09C-6538A92DFFCF}" presName="sibSpaceThree" presStyleCnt="0"/>
+      <dgm:spPr/>
+    </dgm:pt>
+    <dgm:pt modelId="{353B0637-0954-454F-B416-29F6EE174B67}" type="pres">
+      <dgm:prSet presAssocID="{024AE961-D2D3-423F-90B8-EB41C3C25A43}" presName="vertThree" presStyleCnt="0"/>
+      <dgm:spPr/>
+    </dgm:pt>
+    <dgm:pt modelId="{0D017A50-FB99-4AD1-BC2E-DFBB5F7C6F57}" type="pres">
+      <dgm:prSet presAssocID="{024AE961-D2D3-423F-90B8-EB41C3C25A43}" presName="txThree" presStyleLbl="node3" presStyleIdx="1" presStyleCnt="3" custScaleY="34902" custLinFactNeighborX="-521" custLinFactNeighborY="45420">
+        <dgm:presLayoutVars>
+          <dgm:chPref val="3"/>
+        </dgm:presLayoutVars>
+      </dgm:prSet>
+      <dgm:spPr/>
+    </dgm:pt>
+    <dgm:pt modelId="{99969B88-420D-43FC-9F06-0BFD01BD6DAD}" type="pres">
+      <dgm:prSet presAssocID="{024AE961-D2D3-423F-90B8-EB41C3C25A43}" presName="horzThree" presStyleCnt="0"/>
+      <dgm:spPr/>
+    </dgm:pt>
+    <dgm:pt modelId="{CC3EE396-B88F-41EF-A9C7-2B5DDCFF0CB8}" type="pres">
+      <dgm:prSet presAssocID="{A329EFAC-D4EA-4EF4-9369-BB87A3C76F10}" presName="sibSpaceThree" presStyleCnt="0"/>
+      <dgm:spPr/>
+    </dgm:pt>
+    <dgm:pt modelId="{A5DAD3C1-3391-43FD-8861-E55FB1CB40C1}" type="pres">
+      <dgm:prSet presAssocID="{09B0A8A3-1A4B-4F9A-82F0-201643D3175D}" presName="vertThree" presStyleCnt="0"/>
+      <dgm:spPr/>
+    </dgm:pt>
+    <dgm:pt modelId="{8D72E6A8-59B7-45A1-8A98-0F74537E5148}" type="pres">
+      <dgm:prSet presAssocID="{09B0A8A3-1A4B-4F9A-82F0-201643D3175D}" presName="txThree" presStyleLbl="node3" presStyleIdx="2" presStyleCnt="3" custScaleY="34902" custLinFactNeighborX="-521" custLinFactNeighborY="45420">
+        <dgm:presLayoutVars>
+          <dgm:chPref val="3"/>
+        </dgm:presLayoutVars>
+      </dgm:prSet>
+      <dgm:spPr/>
+    </dgm:pt>
+    <dgm:pt modelId="{79DEC1C7-2F0F-46AE-8EC7-F5C28EA7E81C}" type="pres">
+      <dgm:prSet presAssocID="{09B0A8A3-1A4B-4F9A-82F0-201643D3175D}" presName="horzThree" presStyleCnt="0"/>
+      <dgm:spPr/>
+    </dgm:pt>
   </dgm:ptLst>
   <dgm:cxnLst>
-    <dgm:cxn modelId="{9E7A2360-F4A0-4EEC-A8CC-405DF7384EE9}" type="presOf" srcId="{55CE3EE6-B73E-40DD-AC37-7F2968A548BF}" destId="{61CA2C19-705A-4401-95E3-052C6157187D}" srcOrd="0" destOrd="0" presId="urn:microsoft.com/office/officeart/2005/8/layout/vList2"/>
-    <dgm:cxn modelId="{EBD3DB62-355A-4EAB-9153-7CC1A7DEBB09}" srcId="{0702AF28-F1B3-4C66-90CC-8158807557D0}" destId="{C822A5D1-B795-4CED-ABE0-E7B3D6A70E3B}" srcOrd="0" destOrd="0" parTransId="{D5E98830-FC8A-4FE6-870C-C54889EF4A29}" sibTransId="{87734DA3-2F07-4788-8B05-A10F353CE9B3}"/>
-    <dgm:cxn modelId="{CECECE45-2E3F-4874-AABC-09D9423D7D28}" type="presOf" srcId="{0702AF28-F1B3-4C66-90CC-8158807557D0}" destId="{6035F616-09F1-4A8B-9200-C652F31D9F57}" srcOrd="0" destOrd="0" presId="urn:microsoft.com/office/officeart/2005/8/layout/vList2"/>
-    <dgm:cxn modelId="{9B788854-002D-4147-B9B5-64F25F344185}" type="presOf" srcId="{C822A5D1-B795-4CED-ABE0-E7B3D6A70E3B}" destId="{604D3FDC-F3B0-426A-A0A9-542BA48D0CDA}" srcOrd="0" destOrd="0" presId="urn:microsoft.com/office/officeart/2005/8/layout/vList2"/>
-    <dgm:cxn modelId="{DF37EB7C-7B43-40B9-89B2-0D9A8661280F}" type="presOf" srcId="{8A461D33-9C46-4762-9951-D1712F138FA3}" destId="{96D891DE-7105-437A-B642-7D98D32D0AA1}" srcOrd="0" destOrd="0" presId="urn:microsoft.com/office/officeart/2005/8/layout/vList2"/>
-    <dgm:cxn modelId="{AF4B3986-829F-469D-A6C8-356BE2DA098C}" srcId="{0702AF28-F1B3-4C66-90CC-8158807557D0}" destId="{55CE3EE6-B73E-40DD-AC37-7F2968A548BF}" srcOrd="1" destOrd="0" parTransId="{251AC39F-D0A9-4B31-85CE-8BAD30AC48CD}" sibTransId="{744072CD-2BF3-46EA-AC3A-76357831631F}"/>
-    <dgm:cxn modelId="{308A0DA0-EE52-400E-8B43-E37CE1C7FB54}" srcId="{0702AF28-F1B3-4C66-90CC-8158807557D0}" destId="{8A461D33-9C46-4762-9951-D1712F138FA3}" srcOrd="2" destOrd="0" parTransId="{8697B090-525E-42DB-925E-CA8D6B8FB4D4}" sibTransId="{3D403A2A-56C4-4390-B40E-653E83A78BE3}"/>
-    <dgm:cxn modelId="{DCB2DDA5-D4C1-4EAD-877B-5EA2DE96E616}" type="presParOf" srcId="{6035F616-09F1-4A8B-9200-C652F31D9F57}" destId="{604D3FDC-F3B0-426A-A0A9-542BA48D0CDA}" srcOrd="0" destOrd="0" presId="urn:microsoft.com/office/officeart/2005/8/layout/vList2"/>
-    <dgm:cxn modelId="{26E07097-359D-4A51-A13F-9846E1B8A2D7}" type="presParOf" srcId="{6035F616-09F1-4A8B-9200-C652F31D9F57}" destId="{98D3C921-CC78-4493-892A-325FF493427A}" srcOrd="1" destOrd="0" presId="urn:microsoft.com/office/officeart/2005/8/layout/vList2"/>
-    <dgm:cxn modelId="{04E43053-7461-4F9F-9A79-9AE23A02C07D}" type="presParOf" srcId="{6035F616-09F1-4A8B-9200-C652F31D9F57}" destId="{61CA2C19-705A-4401-95E3-052C6157187D}" srcOrd="2" destOrd="0" presId="urn:microsoft.com/office/officeart/2005/8/layout/vList2"/>
-    <dgm:cxn modelId="{E2C5181D-0603-4A79-8EA3-3E056A6307ED}" type="presParOf" srcId="{6035F616-09F1-4A8B-9200-C652F31D9F57}" destId="{CA349A72-461B-439E-9B7B-ACD7F56DB511}" srcOrd="3" destOrd="0" presId="urn:microsoft.com/office/officeart/2005/8/layout/vList2"/>
-    <dgm:cxn modelId="{B9781400-FA6F-4F10-93B0-6654C519741A}" type="presParOf" srcId="{6035F616-09F1-4A8B-9200-C652F31D9F57}" destId="{96D891DE-7105-437A-B642-7D98D32D0AA1}" srcOrd="4" destOrd="0" presId="urn:microsoft.com/office/officeart/2005/8/layout/vList2"/>
+    <dgm:cxn modelId="{0760295C-25F3-4DF7-AED5-C747D873502A}" type="presOf" srcId="{09B0A8A3-1A4B-4F9A-82F0-201643D3175D}" destId="{8D72E6A8-59B7-45A1-8A98-0F74537E5148}" srcOrd="0" destOrd="0" presId="urn:microsoft.com/office/officeart/2005/8/layout/architecture"/>
+    <dgm:cxn modelId="{19D06B7A-4E4E-4744-9C6A-29E57E2D4012}" srcId="{26C218E2-A2E6-4219-A445-B359E9DFC513}" destId="{024AE961-D2D3-423F-90B8-EB41C3C25A43}" srcOrd="1" destOrd="0" parTransId="{A40D2733-6326-4FAD-A8BF-DC05AA4C6ADF}" sibTransId="{A329EFAC-D4EA-4EF4-9369-BB87A3C76F10}"/>
+    <dgm:cxn modelId="{5147BB8D-A437-4250-8BC6-C5F5A1A99C63}" type="presOf" srcId="{26C218E2-A2E6-4219-A445-B359E9DFC513}" destId="{DB74F7AB-F96B-4B27-94A6-E67F902EEBD1}" srcOrd="0" destOrd="0" presId="urn:microsoft.com/office/officeart/2005/8/layout/architecture"/>
+    <dgm:cxn modelId="{FD38A799-A844-46F0-8CE8-0AFED79885D8}" type="presOf" srcId="{D9D542EB-D693-4F77-B140-F3451170E7D8}" destId="{3E82E42B-C0CB-431E-866D-B7D0824FC505}" srcOrd="0" destOrd="0" presId="urn:microsoft.com/office/officeart/2005/8/layout/architecture"/>
+    <dgm:cxn modelId="{EB4E67A2-AB95-4FDD-BE58-0376C1E2BBA2}" srcId="{D9D542EB-D693-4F77-B140-F3451170E7D8}" destId="{63ACA25A-6CC6-4035-9B99-0AEF0F3DD5F2}" srcOrd="0" destOrd="0" parTransId="{BC1E2D4A-C410-402B-AD86-9602111BD0C6}" sibTransId="{3FED402E-86FC-412D-B210-31557EC3DEB3}"/>
+    <dgm:cxn modelId="{525726A5-B78E-472C-BB59-4BAAF0AEE5D2}" type="presOf" srcId="{60BDCB74-480F-4E8D-9AAC-44CC3A16DF17}" destId="{7650B25E-1552-4870-B2C2-CA39D374F270}" srcOrd="0" destOrd="0" presId="urn:microsoft.com/office/officeart/2005/8/layout/architecture"/>
+    <dgm:cxn modelId="{E2C193BB-E81C-420A-B913-6FA32E35A574}" type="presOf" srcId="{63ACA25A-6CC6-4035-9B99-0AEF0F3DD5F2}" destId="{D56F94DF-B747-4FAD-982C-18ED174CE7B7}" srcOrd="0" destOrd="0" presId="urn:microsoft.com/office/officeart/2005/8/layout/architecture"/>
+    <dgm:cxn modelId="{D5D5F8BB-0B79-4B1F-976D-D66A24CABE22}" type="presOf" srcId="{024AE961-D2D3-423F-90B8-EB41C3C25A43}" destId="{0D017A50-FB99-4AD1-BC2E-DFBB5F7C6F57}" srcOrd="0" destOrd="0" presId="urn:microsoft.com/office/officeart/2005/8/layout/architecture"/>
+    <dgm:cxn modelId="{1A822BC1-E899-45C5-9A9F-6B663F10A10E}" srcId="{63ACA25A-6CC6-4035-9B99-0AEF0F3DD5F2}" destId="{26C218E2-A2E6-4219-A445-B359E9DFC513}" srcOrd="0" destOrd="0" parTransId="{906BD8A6-C7DF-4628-9D7E-F960D5D93396}" sibTransId="{3D9718CA-3A99-45AF-8E66-F2624C1F06F0}"/>
+    <dgm:cxn modelId="{0C665CE2-D747-40C6-A4FD-B3D6CEA42457}" srcId="{26C218E2-A2E6-4219-A445-B359E9DFC513}" destId="{60BDCB74-480F-4E8D-9AAC-44CC3A16DF17}" srcOrd="0" destOrd="0" parTransId="{479E8557-4706-4DB5-AAB0-88ACAF8BC195}" sibTransId="{009063B6-D243-4E08-B09C-6538A92DFFCF}"/>
+    <dgm:cxn modelId="{333162E6-D135-4290-A6E6-FB13D809330A}" srcId="{26C218E2-A2E6-4219-A445-B359E9DFC513}" destId="{09B0A8A3-1A4B-4F9A-82F0-201643D3175D}" srcOrd="2" destOrd="0" parTransId="{A906EFA8-453E-4167-9DF0-0C12DD686F2B}" sibTransId="{BEF56813-27ED-4D3B-9D6E-4D267554D24F}"/>
+    <dgm:cxn modelId="{3FC2482F-C102-4622-8EFA-929BE0EE63CA}" type="presParOf" srcId="{3E82E42B-C0CB-431E-866D-B7D0824FC505}" destId="{9065DBDC-4CCA-4128-B154-D2A2C8480AE1}" srcOrd="0" destOrd="0" presId="urn:microsoft.com/office/officeart/2005/8/layout/architecture"/>
+    <dgm:cxn modelId="{C397B467-F8C3-4765-BF2D-7D055E8183BF}" type="presParOf" srcId="{9065DBDC-4CCA-4128-B154-D2A2C8480AE1}" destId="{D56F94DF-B747-4FAD-982C-18ED174CE7B7}" srcOrd="0" destOrd="0" presId="urn:microsoft.com/office/officeart/2005/8/layout/architecture"/>
+    <dgm:cxn modelId="{2AF48CE3-E801-46C8-93B5-F56628C86296}" type="presParOf" srcId="{9065DBDC-4CCA-4128-B154-D2A2C8480AE1}" destId="{F5B785CD-B8DE-4F27-94C9-62F2DBFF3A45}" srcOrd="1" destOrd="0" presId="urn:microsoft.com/office/officeart/2005/8/layout/architecture"/>
+    <dgm:cxn modelId="{0D88462B-12AA-4B27-9868-9D0B601322F7}" type="presParOf" srcId="{9065DBDC-4CCA-4128-B154-D2A2C8480AE1}" destId="{59ECEE6B-A9BE-4B95-9D3E-16743A3D3453}" srcOrd="2" destOrd="0" presId="urn:microsoft.com/office/officeart/2005/8/layout/architecture"/>
+    <dgm:cxn modelId="{A3E98E7B-E235-43FA-8E74-44E0736ADE5F}" type="presParOf" srcId="{59ECEE6B-A9BE-4B95-9D3E-16743A3D3453}" destId="{6D79244C-B511-45AB-BD73-D35DAFB87241}" srcOrd="0" destOrd="0" presId="urn:microsoft.com/office/officeart/2005/8/layout/architecture"/>
+    <dgm:cxn modelId="{681E6C2D-2E63-4D60-B28F-03386A6A4BA0}" type="presParOf" srcId="{6D79244C-B511-45AB-BD73-D35DAFB87241}" destId="{DB74F7AB-F96B-4B27-94A6-E67F902EEBD1}" srcOrd="0" destOrd="0" presId="urn:microsoft.com/office/officeart/2005/8/layout/architecture"/>
+    <dgm:cxn modelId="{90372EC8-2EA6-4BBA-804F-1ACFE8A349C7}" type="presParOf" srcId="{6D79244C-B511-45AB-BD73-D35DAFB87241}" destId="{D4646867-2DF2-4700-90E0-C2D1DFC7BE62}" srcOrd="1" destOrd="0" presId="urn:microsoft.com/office/officeart/2005/8/layout/architecture"/>
+    <dgm:cxn modelId="{6200C982-F697-41C2-A624-85101030278A}" type="presParOf" srcId="{6D79244C-B511-45AB-BD73-D35DAFB87241}" destId="{52BE5A0B-0296-4903-8F78-44E203BC7B52}" srcOrd="2" destOrd="0" presId="urn:microsoft.com/office/officeart/2005/8/layout/architecture"/>
+    <dgm:cxn modelId="{4672AAD9-0AD1-47F9-AC45-8FF7A118F957}" type="presParOf" srcId="{52BE5A0B-0296-4903-8F78-44E203BC7B52}" destId="{6352ED43-2BBA-4A41-A92A-2831D8C803B5}" srcOrd="0" destOrd="0" presId="urn:microsoft.com/office/officeart/2005/8/layout/architecture"/>
+    <dgm:cxn modelId="{CBD0DD1E-C8C3-4D73-A2D8-906DAE61DE20}" type="presParOf" srcId="{6352ED43-2BBA-4A41-A92A-2831D8C803B5}" destId="{7650B25E-1552-4870-B2C2-CA39D374F270}" srcOrd="0" destOrd="0" presId="urn:microsoft.com/office/officeart/2005/8/layout/architecture"/>
+    <dgm:cxn modelId="{50293A5C-F88C-4E0C-8797-004135D1BF12}" type="presParOf" srcId="{6352ED43-2BBA-4A41-A92A-2831D8C803B5}" destId="{61E3F722-9002-469B-999A-B55618462892}" srcOrd="1" destOrd="0" presId="urn:microsoft.com/office/officeart/2005/8/layout/architecture"/>
+    <dgm:cxn modelId="{2165A650-A3C7-468B-846A-E8E3A083539F}" type="presParOf" srcId="{52BE5A0B-0296-4903-8F78-44E203BC7B52}" destId="{5173FF00-119C-45B7-8206-D65B1455D9CC}" srcOrd="1" destOrd="0" presId="urn:microsoft.com/office/officeart/2005/8/layout/architecture"/>
+    <dgm:cxn modelId="{C88CEF0B-0E1F-44C3-81D3-79DB0F52577A}" type="presParOf" srcId="{52BE5A0B-0296-4903-8F78-44E203BC7B52}" destId="{353B0637-0954-454F-B416-29F6EE174B67}" srcOrd="2" destOrd="0" presId="urn:microsoft.com/office/officeart/2005/8/layout/architecture"/>
+    <dgm:cxn modelId="{0E90561C-E435-4EBF-B7E4-0C24988BB9EE}" type="presParOf" srcId="{353B0637-0954-454F-B416-29F6EE174B67}" destId="{0D017A50-FB99-4AD1-BC2E-DFBB5F7C6F57}" srcOrd="0" destOrd="0" presId="urn:microsoft.com/office/officeart/2005/8/layout/architecture"/>
+    <dgm:cxn modelId="{AA1FF2AF-C456-4798-8D9C-503D113B020F}" type="presParOf" srcId="{353B0637-0954-454F-B416-29F6EE174B67}" destId="{99969B88-420D-43FC-9F06-0BFD01BD6DAD}" srcOrd="1" destOrd="0" presId="urn:microsoft.com/office/officeart/2005/8/layout/architecture"/>
+    <dgm:cxn modelId="{E8359E22-7C60-4AA4-AAE5-B529E62474F7}" type="presParOf" srcId="{52BE5A0B-0296-4903-8F78-44E203BC7B52}" destId="{CC3EE396-B88F-41EF-A9C7-2B5DDCFF0CB8}" srcOrd="3" destOrd="0" presId="urn:microsoft.com/office/officeart/2005/8/layout/architecture"/>
+    <dgm:cxn modelId="{7E15F0D0-AD5F-468F-B4C5-0221161D4C20}" type="presParOf" srcId="{52BE5A0B-0296-4903-8F78-44E203BC7B52}" destId="{A5DAD3C1-3391-43FD-8861-E55FB1CB40C1}" srcOrd="4" destOrd="0" presId="urn:microsoft.com/office/officeart/2005/8/layout/architecture"/>
+    <dgm:cxn modelId="{B21274E0-FB7F-455E-BFC8-B5ACEFD98BB8}" type="presParOf" srcId="{A5DAD3C1-3391-43FD-8861-E55FB1CB40C1}" destId="{8D72E6A8-59B7-45A1-8A98-0F74537E5148}" srcOrd="0" destOrd="0" presId="urn:microsoft.com/office/officeart/2005/8/layout/architecture"/>
+    <dgm:cxn modelId="{2F0DAC61-B129-4C39-8BDF-139CBD89F767}" type="presParOf" srcId="{A5DAD3C1-3391-43FD-8861-E55FB1CB40C1}" destId="{79DEC1C7-2F0F-46AE-8EC7-F5C28EA7E81C}" srcOrd="1" destOrd="0" presId="urn:microsoft.com/office/officeart/2005/8/layout/architecture"/>
   </dgm:cxnLst>
   <dgm:bg/>
   <dgm:whole/>
   <dgm:extLst>
     <a:ext uri="http://schemas.microsoft.com/office/drawing/2008/diagram">
-      <dsp:dataModelExt xmlns:dsp="http://schemas.microsoft.com/office/drawing/2008/diagram" relId="rId6" minVer="http://schemas.openxmlformats.org/drawingml/2006/diagram"/>
+      <dsp:dataModelExt xmlns:dsp="http://schemas.microsoft.com/office/drawing/2008/diagram" relId="rId7" minVer="http://schemas.openxmlformats.org/drawingml/2006/diagram"/>
     </a:ext>
   </dgm:extLst>
 </dgm:dataModel>
@@ -8672,7 +8899,7 @@
   <dgm:whole/>
   <dgm:extLst>
     <a:ext uri="http://schemas.microsoft.com/office/drawing/2008/diagram">
-      <dsp:dataModelExt xmlns:dsp="http://schemas.microsoft.com/office/drawing/2008/diagram" relId="rId6" minVer="http://schemas.openxmlformats.org/drawingml/2006/diagram"/>
+      <dsp:dataModelExt xmlns:dsp="http://schemas.microsoft.com/office/drawing/2008/diagram" relId="rId7" minVer="http://schemas.openxmlformats.org/drawingml/2006/diagram"/>
     </a:ext>
   </dgm:extLst>
 </dgm:dataModel>
@@ -9240,7 +9467,7 @@
   <dgm:whole/>
   <dgm:extLst>
     <a:ext uri="http://schemas.microsoft.com/office/drawing/2008/diagram">
-      <dsp:dataModelExt xmlns:dsp="http://schemas.microsoft.com/office/drawing/2008/diagram" relId="rId6" minVer="http://schemas.openxmlformats.org/drawingml/2006/diagram"/>
+      <dsp:dataModelExt xmlns:dsp="http://schemas.microsoft.com/office/drawing/2008/diagram" relId="rId7" minVer="http://schemas.openxmlformats.org/drawingml/2006/diagram"/>
     </a:ext>
   </dgm:extLst>
 </dgm:dataModel>
@@ -9848,7 +10075,7 @@
   <dgm:whole/>
   <dgm:extLst>
     <a:ext uri="http://schemas.microsoft.com/office/drawing/2008/diagram">
-      <dsp:dataModelExt xmlns:dsp="http://schemas.microsoft.com/office/drawing/2008/diagram" relId="rId6" minVer="http://schemas.openxmlformats.org/drawingml/2006/diagram"/>
+      <dsp:dataModelExt xmlns:dsp="http://schemas.microsoft.com/office/drawing/2008/diagram" relId="rId7" minVer="http://schemas.openxmlformats.org/drawingml/2006/diagram"/>
     </a:ext>
   </dgm:extLst>
 </dgm:dataModel>
@@ -10300,7 +10527,7 @@
   <dgm:whole/>
   <dgm:extLst>
     <a:ext uri="http://schemas.microsoft.com/office/drawing/2008/diagram">
-      <dsp:dataModelExt xmlns:dsp="http://schemas.microsoft.com/office/drawing/2008/diagram" relId="rId6" minVer="http://schemas.openxmlformats.org/drawingml/2006/diagram"/>
+      <dsp:dataModelExt xmlns:dsp="http://schemas.microsoft.com/office/drawing/2008/diagram" relId="rId7" minVer="http://schemas.openxmlformats.org/drawingml/2006/diagram"/>
     </a:ext>
   </dgm:extLst>
 </dgm:dataModel>
@@ -10631,386 +10858,13 @@
   <dgm:whole/>
   <dgm:extLst>
     <a:ext uri="http://schemas.microsoft.com/office/drawing/2008/diagram">
-      <dsp:dataModelExt xmlns:dsp="http://schemas.microsoft.com/office/drawing/2008/diagram" relId="rId6" minVer="http://schemas.openxmlformats.org/drawingml/2006/diagram"/>
+      <dsp:dataModelExt xmlns:dsp="http://schemas.microsoft.com/office/drawing/2008/diagram" relId="rId7" minVer="http://schemas.openxmlformats.org/drawingml/2006/diagram"/>
     </a:ext>
   </dgm:extLst>
 </dgm:dataModel>
 </file>
 
 <file path=ppt/diagrams/data8.xml><?xml version="1.0" encoding="utf-8"?>
-<dgm:dataModel xmlns:dgm="http://schemas.openxmlformats.org/drawingml/2006/diagram" xmlns:a="http://schemas.openxmlformats.org/drawingml/2006/main">
-  <dgm:ptLst>
-    <dgm:pt modelId="{D9D542EB-D693-4F77-B140-F3451170E7D8}" type="doc">
-      <dgm:prSet loTypeId="urn:microsoft.com/office/officeart/2005/8/layout/architecture" loCatId="hierarchy" qsTypeId="urn:microsoft.com/office/officeart/2005/8/quickstyle/simple1" qsCatId="simple" csTypeId="urn:microsoft.com/office/officeart/2005/8/colors/accent1_2" csCatId="accent1" phldr="1"/>
-      <dgm:spPr/>
-      <dgm:t>
-        <a:bodyPr/>
-        <a:lstStyle/>
-        <a:p>
-          <a:endParaRPr lang="en-US"/>
-        </a:p>
-      </dgm:t>
-    </dgm:pt>
-    <dgm:pt modelId="{63ACA25A-6CC6-4035-9B99-0AEF0F3DD5F2}">
-      <dgm:prSet phldrT="[Text]"/>
-      <dgm:spPr/>
-      <dgm:t>
-        <a:bodyPr/>
-        <a:lstStyle/>
-        <a:p>
-          <a:r>
-            <a:rPr lang="en-US" dirty="0"/>
-            <a:t>Main Network</a:t>
-          </a:r>
-        </a:p>
-      </dgm:t>
-    </dgm:pt>
-    <dgm:pt modelId="{BC1E2D4A-C410-402B-AD86-9602111BD0C6}" type="parTrans" cxnId="{EB4E67A2-AB95-4FDD-BE58-0376C1E2BBA2}">
-      <dgm:prSet/>
-      <dgm:spPr/>
-      <dgm:t>
-        <a:bodyPr/>
-        <a:lstStyle/>
-        <a:p>
-          <a:endParaRPr lang="en-US"/>
-        </a:p>
-      </dgm:t>
-    </dgm:pt>
-    <dgm:pt modelId="{3FED402E-86FC-412D-B210-31557EC3DEB3}" type="sibTrans" cxnId="{EB4E67A2-AB95-4FDD-BE58-0376C1E2BBA2}">
-      <dgm:prSet/>
-      <dgm:spPr/>
-      <dgm:t>
-        <a:bodyPr/>
-        <a:lstStyle/>
-        <a:p>
-          <a:endParaRPr lang="en-US"/>
-        </a:p>
-      </dgm:t>
-    </dgm:pt>
-    <dgm:pt modelId="{26C218E2-A2E6-4219-A445-B359E9DFC513}">
-      <dgm:prSet phldrT="[Text]"/>
-      <dgm:spPr>
-        <a:solidFill>
-          <a:schemeClr val="accent1">
-            <a:lumMod val="60000"/>
-            <a:lumOff val="40000"/>
-          </a:schemeClr>
-        </a:solidFill>
-      </dgm:spPr>
-      <dgm:t>
-        <a:bodyPr/>
-        <a:lstStyle/>
-        <a:p>
-          <a:r>
-            <a:rPr lang="en-US" dirty="0"/>
-            <a:t>Docker Network</a:t>
-          </a:r>
-        </a:p>
-      </dgm:t>
-    </dgm:pt>
-    <dgm:pt modelId="{906BD8A6-C7DF-4628-9D7E-F960D5D93396}" type="parTrans" cxnId="{1A822BC1-E899-45C5-9A9F-6B663F10A10E}">
-      <dgm:prSet/>
-      <dgm:spPr/>
-      <dgm:t>
-        <a:bodyPr/>
-        <a:lstStyle/>
-        <a:p>
-          <a:endParaRPr lang="en-US"/>
-        </a:p>
-      </dgm:t>
-    </dgm:pt>
-    <dgm:pt modelId="{3D9718CA-3A99-45AF-8E66-F2624C1F06F0}" type="sibTrans" cxnId="{1A822BC1-E899-45C5-9A9F-6B663F10A10E}">
-      <dgm:prSet/>
-      <dgm:spPr/>
-      <dgm:t>
-        <a:bodyPr/>
-        <a:lstStyle/>
-        <a:p>
-          <a:endParaRPr lang="en-US"/>
-        </a:p>
-      </dgm:t>
-    </dgm:pt>
-    <dgm:pt modelId="{60BDCB74-480F-4E8D-9AAC-44CC3A16DF17}">
-      <dgm:prSet phldrT="[Text]"/>
-      <dgm:spPr>
-        <a:solidFill>
-          <a:schemeClr val="tx2">
-            <a:lumMod val="60000"/>
-            <a:lumOff val="40000"/>
-          </a:schemeClr>
-        </a:solidFill>
-      </dgm:spPr>
-      <dgm:t>
-        <a:bodyPr/>
-        <a:lstStyle/>
-        <a:p>
-          <a:r>
-            <a:rPr lang="en-US" dirty="0"/>
-            <a:t>App1</a:t>
-          </a:r>
-        </a:p>
-      </dgm:t>
-    </dgm:pt>
-    <dgm:pt modelId="{479E8557-4706-4DB5-AAB0-88ACAF8BC195}" type="parTrans" cxnId="{0C665CE2-D747-40C6-A4FD-B3D6CEA42457}">
-      <dgm:prSet/>
-      <dgm:spPr/>
-      <dgm:t>
-        <a:bodyPr/>
-        <a:lstStyle/>
-        <a:p>
-          <a:endParaRPr lang="en-US"/>
-        </a:p>
-      </dgm:t>
-    </dgm:pt>
-    <dgm:pt modelId="{009063B6-D243-4E08-B09C-6538A92DFFCF}" type="sibTrans" cxnId="{0C665CE2-D747-40C6-A4FD-B3D6CEA42457}">
-      <dgm:prSet/>
-      <dgm:spPr/>
-      <dgm:t>
-        <a:bodyPr/>
-        <a:lstStyle/>
-        <a:p>
-          <a:endParaRPr lang="en-US"/>
-        </a:p>
-      </dgm:t>
-    </dgm:pt>
-    <dgm:pt modelId="{024AE961-D2D3-423F-90B8-EB41C3C25A43}">
-      <dgm:prSet phldrT="[Text]"/>
-      <dgm:spPr>
-        <a:solidFill>
-          <a:schemeClr val="tx2">
-            <a:lumMod val="60000"/>
-            <a:lumOff val="40000"/>
-          </a:schemeClr>
-        </a:solidFill>
-      </dgm:spPr>
-      <dgm:t>
-        <a:bodyPr/>
-        <a:lstStyle/>
-        <a:p>
-          <a:r>
-            <a:rPr lang="en-US" dirty="0"/>
-            <a:t>App2</a:t>
-          </a:r>
-        </a:p>
-      </dgm:t>
-    </dgm:pt>
-    <dgm:pt modelId="{A40D2733-6326-4FAD-A8BF-DC05AA4C6ADF}" type="parTrans" cxnId="{19D06B7A-4E4E-4744-9C6A-29E57E2D4012}">
-      <dgm:prSet/>
-      <dgm:spPr/>
-      <dgm:t>
-        <a:bodyPr/>
-        <a:lstStyle/>
-        <a:p>
-          <a:endParaRPr lang="en-US"/>
-        </a:p>
-      </dgm:t>
-    </dgm:pt>
-    <dgm:pt modelId="{A329EFAC-D4EA-4EF4-9369-BB87A3C76F10}" type="sibTrans" cxnId="{19D06B7A-4E4E-4744-9C6A-29E57E2D4012}">
-      <dgm:prSet/>
-      <dgm:spPr/>
-      <dgm:t>
-        <a:bodyPr/>
-        <a:lstStyle/>
-        <a:p>
-          <a:endParaRPr lang="en-US"/>
-        </a:p>
-      </dgm:t>
-    </dgm:pt>
-    <dgm:pt modelId="{09B0A8A3-1A4B-4F9A-82F0-201643D3175D}">
-      <dgm:prSet phldrT="[Text]"/>
-      <dgm:spPr>
-        <a:solidFill>
-          <a:schemeClr val="tx2">
-            <a:lumMod val="60000"/>
-            <a:lumOff val="40000"/>
-          </a:schemeClr>
-        </a:solidFill>
-      </dgm:spPr>
-      <dgm:t>
-        <a:bodyPr/>
-        <a:lstStyle/>
-        <a:p>
-          <a:r>
-            <a:rPr lang="en-US" dirty="0"/>
-            <a:t>App3</a:t>
-          </a:r>
-        </a:p>
-      </dgm:t>
-    </dgm:pt>
-    <dgm:pt modelId="{A906EFA8-453E-4167-9DF0-0C12DD686F2B}" type="parTrans" cxnId="{333162E6-D135-4290-A6E6-FB13D809330A}">
-      <dgm:prSet/>
-      <dgm:spPr/>
-      <dgm:t>
-        <a:bodyPr/>
-        <a:lstStyle/>
-        <a:p>
-          <a:endParaRPr lang="en-US"/>
-        </a:p>
-      </dgm:t>
-    </dgm:pt>
-    <dgm:pt modelId="{BEF56813-27ED-4D3B-9D6E-4D267554D24F}" type="sibTrans" cxnId="{333162E6-D135-4290-A6E6-FB13D809330A}">
-      <dgm:prSet/>
-      <dgm:spPr/>
-      <dgm:t>
-        <a:bodyPr/>
-        <a:lstStyle/>
-        <a:p>
-          <a:endParaRPr lang="en-US"/>
-        </a:p>
-      </dgm:t>
-    </dgm:pt>
-    <dgm:pt modelId="{3E82E42B-C0CB-431E-866D-B7D0824FC505}" type="pres">
-      <dgm:prSet presAssocID="{D9D542EB-D693-4F77-B140-F3451170E7D8}" presName="Name0" presStyleCnt="0">
-        <dgm:presLayoutVars>
-          <dgm:chPref val="1"/>
-          <dgm:dir/>
-          <dgm:animOne val="branch"/>
-          <dgm:animLvl val="lvl"/>
-          <dgm:resizeHandles/>
-        </dgm:presLayoutVars>
-      </dgm:prSet>
-      <dgm:spPr/>
-    </dgm:pt>
-    <dgm:pt modelId="{9065DBDC-4CCA-4128-B154-D2A2C8480AE1}" type="pres">
-      <dgm:prSet presAssocID="{63ACA25A-6CC6-4035-9B99-0AEF0F3DD5F2}" presName="vertOne" presStyleCnt="0"/>
-      <dgm:spPr/>
-    </dgm:pt>
-    <dgm:pt modelId="{D56F94DF-B747-4FAD-982C-18ED174CE7B7}" type="pres">
-      <dgm:prSet presAssocID="{63ACA25A-6CC6-4035-9B99-0AEF0F3DD5F2}" presName="txOne" presStyleLbl="node0" presStyleIdx="0" presStyleCnt="1" custScaleY="41738">
-        <dgm:presLayoutVars>
-          <dgm:chPref val="3"/>
-        </dgm:presLayoutVars>
-      </dgm:prSet>
-      <dgm:spPr/>
-    </dgm:pt>
-    <dgm:pt modelId="{F5B785CD-B8DE-4F27-94C9-62F2DBFF3A45}" type="pres">
-      <dgm:prSet presAssocID="{63ACA25A-6CC6-4035-9B99-0AEF0F3DD5F2}" presName="parTransOne" presStyleCnt="0"/>
-      <dgm:spPr/>
-    </dgm:pt>
-    <dgm:pt modelId="{59ECEE6B-A9BE-4B95-9D3E-16743A3D3453}" type="pres">
-      <dgm:prSet presAssocID="{63ACA25A-6CC6-4035-9B99-0AEF0F3DD5F2}" presName="horzOne" presStyleCnt="0"/>
-      <dgm:spPr/>
-    </dgm:pt>
-    <dgm:pt modelId="{6D79244C-B511-45AB-BD73-D35DAFB87241}" type="pres">
-      <dgm:prSet presAssocID="{26C218E2-A2E6-4219-A445-B359E9DFC513}" presName="vertTwo" presStyleCnt="0"/>
-      <dgm:spPr/>
-    </dgm:pt>
-    <dgm:pt modelId="{DB74F7AB-F96B-4B27-94A6-E67F902EEBD1}" type="pres">
-      <dgm:prSet presAssocID="{26C218E2-A2E6-4219-A445-B359E9DFC513}" presName="txTwo" presStyleLbl="node2" presStyleIdx="0" presStyleCnt="1" custScaleY="30678" custLinFactNeighborX="90" custLinFactNeighborY="85038">
-        <dgm:presLayoutVars>
-          <dgm:chPref val="3"/>
-        </dgm:presLayoutVars>
-      </dgm:prSet>
-      <dgm:spPr/>
-    </dgm:pt>
-    <dgm:pt modelId="{D4646867-2DF2-4700-90E0-C2D1DFC7BE62}" type="pres">
-      <dgm:prSet presAssocID="{26C218E2-A2E6-4219-A445-B359E9DFC513}" presName="parTransTwo" presStyleCnt="0"/>
-      <dgm:spPr/>
-    </dgm:pt>
-    <dgm:pt modelId="{52BE5A0B-0296-4903-8F78-44E203BC7B52}" type="pres">
-      <dgm:prSet presAssocID="{26C218E2-A2E6-4219-A445-B359E9DFC513}" presName="horzTwo" presStyleCnt="0"/>
-      <dgm:spPr/>
-    </dgm:pt>
-    <dgm:pt modelId="{6352ED43-2BBA-4A41-A92A-2831D8C803B5}" type="pres">
-      <dgm:prSet presAssocID="{60BDCB74-480F-4E8D-9AAC-44CC3A16DF17}" presName="vertThree" presStyleCnt="0"/>
-      <dgm:spPr/>
-    </dgm:pt>
-    <dgm:pt modelId="{7650B25E-1552-4870-B2C2-CA39D374F270}" type="pres">
-      <dgm:prSet presAssocID="{60BDCB74-480F-4E8D-9AAC-44CC3A16DF17}" presName="txThree" presStyleLbl="node3" presStyleIdx="0" presStyleCnt="3" custScaleY="34902" custLinFactNeighborX="-521" custLinFactNeighborY="45420">
-        <dgm:presLayoutVars>
-          <dgm:chPref val="3"/>
-        </dgm:presLayoutVars>
-      </dgm:prSet>
-      <dgm:spPr/>
-    </dgm:pt>
-    <dgm:pt modelId="{61E3F722-9002-469B-999A-B55618462892}" type="pres">
-      <dgm:prSet presAssocID="{60BDCB74-480F-4E8D-9AAC-44CC3A16DF17}" presName="horzThree" presStyleCnt="0"/>
-      <dgm:spPr/>
-    </dgm:pt>
-    <dgm:pt modelId="{5173FF00-119C-45B7-8206-D65B1455D9CC}" type="pres">
-      <dgm:prSet presAssocID="{009063B6-D243-4E08-B09C-6538A92DFFCF}" presName="sibSpaceThree" presStyleCnt="0"/>
-      <dgm:spPr/>
-    </dgm:pt>
-    <dgm:pt modelId="{353B0637-0954-454F-B416-29F6EE174B67}" type="pres">
-      <dgm:prSet presAssocID="{024AE961-D2D3-423F-90B8-EB41C3C25A43}" presName="vertThree" presStyleCnt="0"/>
-      <dgm:spPr/>
-    </dgm:pt>
-    <dgm:pt modelId="{0D017A50-FB99-4AD1-BC2E-DFBB5F7C6F57}" type="pres">
-      <dgm:prSet presAssocID="{024AE961-D2D3-423F-90B8-EB41C3C25A43}" presName="txThree" presStyleLbl="node3" presStyleIdx="1" presStyleCnt="3" custScaleY="34902" custLinFactNeighborX="-521" custLinFactNeighborY="45420">
-        <dgm:presLayoutVars>
-          <dgm:chPref val="3"/>
-        </dgm:presLayoutVars>
-      </dgm:prSet>
-      <dgm:spPr/>
-    </dgm:pt>
-    <dgm:pt modelId="{99969B88-420D-43FC-9F06-0BFD01BD6DAD}" type="pres">
-      <dgm:prSet presAssocID="{024AE961-D2D3-423F-90B8-EB41C3C25A43}" presName="horzThree" presStyleCnt="0"/>
-      <dgm:spPr/>
-    </dgm:pt>
-    <dgm:pt modelId="{CC3EE396-B88F-41EF-A9C7-2B5DDCFF0CB8}" type="pres">
-      <dgm:prSet presAssocID="{A329EFAC-D4EA-4EF4-9369-BB87A3C76F10}" presName="sibSpaceThree" presStyleCnt="0"/>
-      <dgm:spPr/>
-    </dgm:pt>
-    <dgm:pt modelId="{A5DAD3C1-3391-43FD-8861-E55FB1CB40C1}" type="pres">
-      <dgm:prSet presAssocID="{09B0A8A3-1A4B-4F9A-82F0-201643D3175D}" presName="vertThree" presStyleCnt="0"/>
-      <dgm:spPr/>
-    </dgm:pt>
-    <dgm:pt modelId="{8D72E6A8-59B7-45A1-8A98-0F74537E5148}" type="pres">
-      <dgm:prSet presAssocID="{09B0A8A3-1A4B-4F9A-82F0-201643D3175D}" presName="txThree" presStyleLbl="node3" presStyleIdx="2" presStyleCnt="3" custScaleY="34902" custLinFactNeighborX="-521" custLinFactNeighborY="45420">
-        <dgm:presLayoutVars>
-          <dgm:chPref val="3"/>
-        </dgm:presLayoutVars>
-      </dgm:prSet>
-      <dgm:spPr/>
-    </dgm:pt>
-    <dgm:pt modelId="{79DEC1C7-2F0F-46AE-8EC7-F5C28EA7E81C}" type="pres">
-      <dgm:prSet presAssocID="{09B0A8A3-1A4B-4F9A-82F0-201643D3175D}" presName="horzThree" presStyleCnt="0"/>
-      <dgm:spPr/>
-    </dgm:pt>
-  </dgm:ptLst>
-  <dgm:cxnLst>
-    <dgm:cxn modelId="{0760295C-25F3-4DF7-AED5-C747D873502A}" type="presOf" srcId="{09B0A8A3-1A4B-4F9A-82F0-201643D3175D}" destId="{8D72E6A8-59B7-45A1-8A98-0F74537E5148}" srcOrd="0" destOrd="0" presId="urn:microsoft.com/office/officeart/2005/8/layout/architecture"/>
-    <dgm:cxn modelId="{19D06B7A-4E4E-4744-9C6A-29E57E2D4012}" srcId="{26C218E2-A2E6-4219-A445-B359E9DFC513}" destId="{024AE961-D2D3-423F-90B8-EB41C3C25A43}" srcOrd="1" destOrd="0" parTransId="{A40D2733-6326-4FAD-A8BF-DC05AA4C6ADF}" sibTransId="{A329EFAC-D4EA-4EF4-9369-BB87A3C76F10}"/>
-    <dgm:cxn modelId="{5147BB8D-A437-4250-8BC6-C5F5A1A99C63}" type="presOf" srcId="{26C218E2-A2E6-4219-A445-B359E9DFC513}" destId="{DB74F7AB-F96B-4B27-94A6-E67F902EEBD1}" srcOrd="0" destOrd="0" presId="urn:microsoft.com/office/officeart/2005/8/layout/architecture"/>
-    <dgm:cxn modelId="{FD38A799-A844-46F0-8CE8-0AFED79885D8}" type="presOf" srcId="{D9D542EB-D693-4F77-B140-F3451170E7D8}" destId="{3E82E42B-C0CB-431E-866D-B7D0824FC505}" srcOrd="0" destOrd="0" presId="urn:microsoft.com/office/officeart/2005/8/layout/architecture"/>
-    <dgm:cxn modelId="{EB4E67A2-AB95-4FDD-BE58-0376C1E2BBA2}" srcId="{D9D542EB-D693-4F77-B140-F3451170E7D8}" destId="{63ACA25A-6CC6-4035-9B99-0AEF0F3DD5F2}" srcOrd="0" destOrd="0" parTransId="{BC1E2D4A-C410-402B-AD86-9602111BD0C6}" sibTransId="{3FED402E-86FC-412D-B210-31557EC3DEB3}"/>
-    <dgm:cxn modelId="{525726A5-B78E-472C-BB59-4BAAF0AEE5D2}" type="presOf" srcId="{60BDCB74-480F-4E8D-9AAC-44CC3A16DF17}" destId="{7650B25E-1552-4870-B2C2-CA39D374F270}" srcOrd="0" destOrd="0" presId="urn:microsoft.com/office/officeart/2005/8/layout/architecture"/>
-    <dgm:cxn modelId="{E2C193BB-E81C-420A-B913-6FA32E35A574}" type="presOf" srcId="{63ACA25A-6CC6-4035-9B99-0AEF0F3DD5F2}" destId="{D56F94DF-B747-4FAD-982C-18ED174CE7B7}" srcOrd="0" destOrd="0" presId="urn:microsoft.com/office/officeart/2005/8/layout/architecture"/>
-    <dgm:cxn modelId="{D5D5F8BB-0B79-4B1F-976D-D66A24CABE22}" type="presOf" srcId="{024AE961-D2D3-423F-90B8-EB41C3C25A43}" destId="{0D017A50-FB99-4AD1-BC2E-DFBB5F7C6F57}" srcOrd="0" destOrd="0" presId="urn:microsoft.com/office/officeart/2005/8/layout/architecture"/>
-    <dgm:cxn modelId="{1A822BC1-E899-45C5-9A9F-6B663F10A10E}" srcId="{63ACA25A-6CC6-4035-9B99-0AEF0F3DD5F2}" destId="{26C218E2-A2E6-4219-A445-B359E9DFC513}" srcOrd="0" destOrd="0" parTransId="{906BD8A6-C7DF-4628-9D7E-F960D5D93396}" sibTransId="{3D9718CA-3A99-45AF-8E66-F2624C1F06F0}"/>
-    <dgm:cxn modelId="{0C665CE2-D747-40C6-A4FD-B3D6CEA42457}" srcId="{26C218E2-A2E6-4219-A445-B359E9DFC513}" destId="{60BDCB74-480F-4E8D-9AAC-44CC3A16DF17}" srcOrd="0" destOrd="0" parTransId="{479E8557-4706-4DB5-AAB0-88ACAF8BC195}" sibTransId="{009063B6-D243-4E08-B09C-6538A92DFFCF}"/>
-    <dgm:cxn modelId="{333162E6-D135-4290-A6E6-FB13D809330A}" srcId="{26C218E2-A2E6-4219-A445-B359E9DFC513}" destId="{09B0A8A3-1A4B-4F9A-82F0-201643D3175D}" srcOrd="2" destOrd="0" parTransId="{A906EFA8-453E-4167-9DF0-0C12DD686F2B}" sibTransId="{BEF56813-27ED-4D3B-9D6E-4D267554D24F}"/>
-    <dgm:cxn modelId="{3FC2482F-C102-4622-8EFA-929BE0EE63CA}" type="presParOf" srcId="{3E82E42B-C0CB-431E-866D-B7D0824FC505}" destId="{9065DBDC-4CCA-4128-B154-D2A2C8480AE1}" srcOrd="0" destOrd="0" presId="urn:microsoft.com/office/officeart/2005/8/layout/architecture"/>
-    <dgm:cxn modelId="{C397B467-F8C3-4765-BF2D-7D055E8183BF}" type="presParOf" srcId="{9065DBDC-4CCA-4128-B154-D2A2C8480AE1}" destId="{D56F94DF-B747-4FAD-982C-18ED174CE7B7}" srcOrd="0" destOrd="0" presId="urn:microsoft.com/office/officeart/2005/8/layout/architecture"/>
-    <dgm:cxn modelId="{2AF48CE3-E801-46C8-93B5-F56628C86296}" type="presParOf" srcId="{9065DBDC-4CCA-4128-B154-D2A2C8480AE1}" destId="{F5B785CD-B8DE-4F27-94C9-62F2DBFF3A45}" srcOrd="1" destOrd="0" presId="urn:microsoft.com/office/officeart/2005/8/layout/architecture"/>
-    <dgm:cxn modelId="{0D88462B-12AA-4B27-9868-9D0B601322F7}" type="presParOf" srcId="{9065DBDC-4CCA-4128-B154-D2A2C8480AE1}" destId="{59ECEE6B-A9BE-4B95-9D3E-16743A3D3453}" srcOrd="2" destOrd="0" presId="urn:microsoft.com/office/officeart/2005/8/layout/architecture"/>
-    <dgm:cxn modelId="{A3E98E7B-E235-43FA-8E74-44E0736ADE5F}" type="presParOf" srcId="{59ECEE6B-A9BE-4B95-9D3E-16743A3D3453}" destId="{6D79244C-B511-45AB-BD73-D35DAFB87241}" srcOrd="0" destOrd="0" presId="urn:microsoft.com/office/officeart/2005/8/layout/architecture"/>
-    <dgm:cxn modelId="{681E6C2D-2E63-4D60-B28F-03386A6A4BA0}" type="presParOf" srcId="{6D79244C-B511-45AB-BD73-D35DAFB87241}" destId="{DB74F7AB-F96B-4B27-94A6-E67F902EEBD1}" srcOrd="0" destOrd="0" presId="urn:microsoft.com/office/officeart/2005/8/layout/architecture"/>
-    <dgm:cxn modelId="{90372EC8-2EA6-4BBA-804F-1ACFE8A349C7}" type="presParOf" srcId="{6D79244C-B511-45AB-BD73-D35DAFB87241}" destId="{D4646867-2DF2-4700-90E0-C2D1DFC7BE62}" srcOrd="1" destOrd="0" presId="urn:microsoft.com/office/officeart/2005/8/layout/architecture"/>
-    <dgm:cxn modelId="{6200C982-F697-41C2-A624-85101030278A}" type="presParOf" srcId="{6D79244C-B511-45AB-BD73-D35DAFB87241}" destId="{52BE5A0B-0296-4903-8F78-44E203BC7B52}" srcOrd="2" destOrd="0" presId="urn:microsoft.com/office/officeart/2005/8/layout/architecture"/>
-    <dgm:cxn modelId="{4672AAD9-0AD1-47F9-AC45-8FF7A118F957}" type="presParOf" srcId="{52BE5A0B-0296-4903-8F78-44E203BC7B52}" destId="{6352ED43-2BBA-4A41-A92A-2831D8C803B5}" srcOrd="0" destOrd="0" presId="urn:microsoft.com/office/officeart/2005/8/layout/architecture"/>
-    <dgm:cxn modelId="{CBD0DD1E-C8C3-4D73-A2D8-906DAE61DE20}" type="presParOf" srcId="{6352ED43-2BBA-4A41-A92A-2831D8C803B5}" destId="{7650B25E-1552-4870-B2C2-CA39D374F270}" srcOrd="0" destOrd="0" presId="urn:microsoft.com/office/officeart/2005/8/layout/architecture"/>
-    <dgm:cxn modelId="{50293A5C-F88C-4E0C-8797-004135D1BF12}" type="presParOf" srcId="{6352ED43-2BBA-4A41-A92A-2831D8C803B5}" destId="{61E3F722-9002-469B-999A-B55618462892}" srcOrd="1" destOrd="0" presId="urn:microsoft.com/office/officeart/2005/8/layout/architecture"/>
-    <dgm:cxn modelId="{2165A650-A3C7-468B-846A-E8E3A083539F}" type="presParOf" srcId="{52BE5A0B-0296-4903-8F78-44E203BC7B52}" destId="{5173FF00-119C-45B7-8206-D65B1455D9CC}" srcOrd="1" destOrd="0" presId="urn:microsoft.com/office/officeart/2005/8/layout/architecture"/>
-    <dgm:cxn modelId="{C88CEF0B-0E1F-44C3-81D3-79DB0F52577A}" type="presParOf" srcId="{52BE5A0B-0296-4903-8F78-44E203BC7B52}" destId="{353B0637-0954-454F-B416-29F6EE174B67}" srcOrd="2" destOrd="0" presId="urn:microsoft.com/office/officeart/2005/8/layout/architecture"/>
-    <dgm:cxn modelId="{0E90561C-E435-4EBF-B7E4-0C24988BB9EE}" type="presParOf" srcId="{353B0637-0954-454F-B416-29F6EE174B67}" destId="{0D017A50-FB99-4AD1-BC2E-DFBB5F7C6F57}" srcOrd="0" destOrd="0" presId="urn:microsoft.com/office/officeart/2005/8/layout/architecture"/>
-    <dgm:cxn modelId="{AA1FF2AF-C456-4798-8D9C-503D113B020F}" type="presParOf" srcId="{353B0637-0954-454F-B416-29F6EE174B67}" destId="{99969B88-420D-43FC-9F06-0BFD01BD6DAD}" srcOrd="1" destOrd="0" presId="urn:microsoft.com/office/officeart/2005/8/layout/architecture"/>
-    <dgm:cxn modelId="{E8359E22-7C60-4AA4-AAE5-B529E62474F7}" type="presParOf" srcId="{52BE5A0B-0296-4903-8F78-44E203BC7B52}" destId="{CC3EE396-B88F-41EF-A9C7-2B5DDCFF0CB8}" srcOrd="3" destOrd="0" presId="urn:microsoft.com/office/officeart/2005/8/layout/architecture"/>
-    <dgm:cxn modelId="{7E15F0D0-AD5F-468F-B4C5-0221161D4C20}" type="presParOf" srcId="{52BE5A0B-0296-4903-8F78-44E203BC7B52}" destId="{A5DAD3C1-3391-43FD-8861-E55FB1CB40C1}" srcOrd="4" destOrd="0" presId="urn:microsoft.com/office/officeart/2005/8/layout/architecture"/>
-    <dgm:cxn modelId="{B21274E0-FB7F-455E-BFC8-B5ACEFD98BB8}" type="presParOf" srcId="{A5DAD3C1-3391-43FD-8861-E55FB1CB40C1}" destId="{8D72E6A8-59B7-45A1-8A98-0F74537E5148}" srcOrd="0" destOrd="0" presId="urn:microsoft.com/office/officeart/2005/8/layout/architecture"/>
-    <dgm:cxn modelId="{2F0DAC61-B129-4C39-8BDF-139CBD89F767}" type="presParOf" srcId="{A5DAD3C1-3391-43FD-8861-E55FB1CB40C1}" destId="{79DEC1C7-2F0F-46AE-8EC7-F5C28EA7E81C}" srcOrd="1" destOrd="0" presId="urn:microsoft.com/office/officeart/2005/8/layout/architecture"/>
-  </dgm:cxnLst>
-  <dgm:bg/>
-  <dgm:whole/>
-  <dgm:extLst>
-    <a:ext uri="http://schemas.microsoft.com/office/drawing/2008/diagram">
-      <dsp:dataModelExt xmlns:dsp="http://schemas.microsoft.com/office/drawing/2008/diagram" relId="rId6" minVer="http://schemas.openxmlformats.org/drawingml/2006/diagram"/>
-    </a:ext>
-  </dgm:extLst>
-</dgm:dataModel>
-</file>
-
-<file path=ppt/diagrams/data9.xml><?xml version="1.0" encoding="utf-8"?>
 <dgm:dataModel xmlns:dgm="http://schemas.openxmlformats.org/drawingml/2006/diagram" xmlns:a="http://schemas.openxmlformats.org/drawingml/2006/main">
   <dgm:ptLst>
     <dgm:pt modelId="{BC2F0FCF-B7A7-4F08-A042-650CA76A81BF}" type="doc">
@@ -11152,6 +11006,197 @@
 </dgm:dataModel>
 </file>
 
+<file path=ppt/diagrams/data9.xml><?xml version="1.0" encoding="utf-8"?>
+<dgm:dataModel xmlns:dgm="http://schemas.openxmlformats.org/drawingml/2006/diagram" xmlns:a="http://schemas.openxmlformats.org/drawingml/2006/main">
+  <dgm:ptLst>
+    <dgm:pt modelId="{0702AF28-F1B3-4C66-90CC-8158807557D0}" type="doc">
+      <dgm:prSet loTypeId="urn:microsoft.com/office/officeart/2005/8/layout/vList2" loCatId="list" qsTypeId="urn:microsoft.com/office/officeart/2005/8/quickstyle/simple1" qsCatId="simple" csTypeId="urn:microsoft.com/office/officeart/2005/8/colors/colorful2" csCatId="colorful" phldr="1"/>
+      <dgm:spPr/>
+      <dgm:t>
+        <a:bodyPr/>
+        <a:lstStyle/>
+        <a:p>
+          <a:endParaRPr lang="en-US"/>
+        </a:p>
+      </dgm:t>
+    </dgm:pt>
+    <dgm:pt modelId="{C822A5D1-B795-4CED-ABE0-E7B3D6A70E3B}">
+      <dgm:prSet/>
+      <dgm:spPr/>
+      <dgm:t>
+        <a:bodyPr/>
+        <a:lstStyle/>
+        <a:p>
+          <a:r>
+            <a:rPr lang="en-US"/>
+            <a:t>Available for Windows 10 64-bit Pro, Enterprise, or Education (Build 15063 or later)</a:t>
+          </a:r>
+        </a:p>
+      </dgm:t>
+    </dgm:pt>
+    <dgm:pt modelId="{D5E98830-FC8A-4FE6-870C-C54889EF4A29}" type="parTrans" cxnId="{EBD3DB62-355A-4EAB-9153-7CC1A7DEBB09}">
+      <dgm:prSet/>
+      <dgm:spPr/>
+      <dgm:t>
+        <a:bodyPr/>
+        <a:lstStyle/>
+        <a:p>
+          <a:endParaRPr lang="en-US"/>
+        </a:p>
+      </dgm:t>
+    </dgm:pt>
+    <dgm:pt modelId="{87734DA3-2F07-4788-8B05-A10F353CE9B3}" type="sibTrans" cxnId="{EBD3DB62-355A-4EAB-9153-7CC1A7DEBB09}">
+      <dgm:prSet/>
+      <dgm:spPr/>
+      <dgm:t>
+        <a:bodyPr/>
+        <a:lstStyle/>
+        <a:p>
+          <a:endParaRPr lang="en-US"/>
+        </a:p>
+      </dgm:t>
+    </dgm:pt>
+    <dgm:pt modelId="{55CE3EE6-B73E-40DD-AC37-7F2968A548BF}">
+      <dgm:prSet/>
+      <dgm:spPr/>
+      <dgm:t>
+        <a:bodyPr/>
+        <a:lstStyle/>
+        <a:p>
+          <a:r>
+            <a:rPr lang="en-US" dirty="0"/>
+            <a:t>Hyper-V and Containers features must be enabled</a:t>
+          </a:r>
+        </a:p>
+      </dgm:t>
+    </dgm:pt>
+    <dgm:pt modelId="{251AC39F-D0A9-4B31-85CE-8BAD30AC48CD}" type="parTrans" cxnId="{AF4B3986-829F-469D-A6C8-356BE2DA098C}">
+      <dgm:prSet/>
+      <dgm:spPr/>
+      <dgm:t>
+        <a:bodyPr/>
+        <a:lstStyle/>
+        <a:p>
+          <a:endParaRPr lang="en-US"/>
+        </a:p>
+      </dgm:t>
+    </dgm:pt>
+    <dgm:pt modelId="{744072CD-2BF3-46EA-AC3A-76357831631F}" type="sibTrans" cxnId="{AF4B3986-829F-469D-A6C8-356BE2DA098C}">
+      <dgm:prSet/>
+      <dgm:spPr/>
+      <dgm:t>
+        <a:bodyPr/>
+        <a:lstStyle/>
+        <a:p>
+          <a:endParaRPr lang="en-US"/>
+        </a:p>
+      </dgm:t>
+    </dgm:pt>
+    <dgm:pt modelId="{8A461D33-9C46-4762-9951-D1712F138FA3}">
+      <dgm:prSet/>
+      <dgm:spPr/>
+      <dgm:t>
+        <a:bodyPr/>
+        <a:lstStyle/>
+        <a:p>
+          <a:r>
+            <a:rPr lang="en-US" dirty="0"/>
+            <a:t>https://docs.docker.com/docker-for-windows/install/</a:t>
+          </a:r>
+        </a:p>
+      </dgm:t>
+    </dgm:pt>
+    <dgm:pt modelId="{8697B090-525E-42DB-925E-CA8D6B8FB4D4}" type="parTrans" cxnId="{308A0DA0-EE52-400E-8B43-E37CE1C7FB54}">
+      <dgm:prSet/>
+      <dgm:spPr/>
+      <dgm:t>
+        <a:bodyPr/>
+        <a:lstStyle/>
+        <a:p>
+          <a:endParaRPr lang="en-US"/>
+        </a:p>
+      </dgm:t>
+    </dgm:pt>
+    <dgm:pt modelId="{3D403A2A-56C4-4390-B40E-653E83A78BE3}" type="sibTrans" cxnId="{308A0DA0-EE52-400E-8B43-E37CE1C7FB54}">
+      <dgm:prSet/>
+      <dgm:spPr/>
+      <dgm:t>
+        <a:bodyPr/>
+        <a:lstStyle/>
+        <a:p>
+          <a:endParaRPr lang="en-US"/>
+        </a:p>
+      </dgm:t>
+    </dgm:pt>
+    <dgm:pt modelId="{6035F616-09F1-4A8B-9200-C652F31D9F57}" type="pres">
+      <dgm:prSet presAssocID="{0702AF28-F1B3-4C66-90CC-8158807557D0}" presName="linear" presStyleCnt="0">
+        <dgm:presLayoutVars>
+          <dgm:animLvl val="lvl"/>
+          <dgm:resizeHandles val="exact"/>
+        </dgm:presLayoutVars>
+      </dgm:prSet>
+      <dgm:spPr/>
+    </dgm:pt>
+    <dgm:pt modelId="{604D3FDC-F3B0-426A-A0A9-542BA48D0CDA}" type="pres">
+      <dgm:prSet presAssocID="{C822A5D1-B795-4CED-ABE0-E7B3D6A70E3B}" presName="parentText" presStyleLbl="node1" presStyleIdx="0" presStyleCnt="3">
+        <dgm:presLayoutVars>
+          <dgm:chMax val="0"/>
+          <dgm:bulletEnabled val="1"/>
+        </dgm:presLayoutVars>
+      </dgm:prSet>
+      <dgm:spPr/>
+    </dgm:pt>
+    <dgm:pt modelId="{98D3C921-CC78-4493-892A-325FF493427A}" type="pres">
+      <dgm:prSet presAssocID="{87734DA3-2F07-4788-8B05-A10F353CE9B3}" presName="spacer" presStyleCnt="0"/>
+      <dgm:spPr/>
+    </dgm:pt>
+    <dgm:pt modelId="{61CA2C19-705A-4401-95E3-052C6157187D}" type="pres">
+      <dgm:prSet presAssocID="{55CE3EE6-B73E-40DD-AC37-7F2968A548BF}" presName="parentText" presStyleLbl="node1" presStyleIdx="1" presStyleCnt="3">
+        <dgm:presLayoutVars>
+          <dgm:chMax val="0"/>
+          <dgm:bulletEnabled val="1"/>
+        </dgm:presLayoutVars>
+      </dgm:prSet>
+      <dgm:spPr/>
+    </dgm:pt>
+    <dgm:pt modelId="{CA349A72-461B-439E-9B7B-ACD7F56DB511}" type="pres">
+      <dgm:prSet presAssocID="{744072CD-2BF3-46EA-AC3A-76357831631F}" presName="spacer" presStyleCnt="0"/>
+      <dgm:spPr/>
+    </dgm:pt>
+    <dgm:pt modelId="{96D891DE-7105-437A-B642-7D98D32D0AA1}" type="pres">
+      <dgm:prSet presAssocID="{8A461D33-9C46-4762-9951-D1712F138FA3}" presName="parentText" presStyleLbl="node1" presStyleIdx="2" presStyleCnt="3">
+        <dgm:presLayoutVars>
+          <dgm:chMax val="0"/>
+          <dgm:bulletEnabled val="1"/>
+        </dgm:presLayoutVars>
+      </dgm:prSet>
+      <dgm:spPr/>
+    </dgm:pt>
+  </dgm:ptLst>
+  <dgm:cxnLst>
+    <dgm:cxn modelId="{9E7A2360-F4A0-4EEC-A8CC-405DF7384EE9}" type="presOf" srcId="{55CE3EE6-B73E-40DD-AC37-7F2968A548BF}" destId="{61CA2C19-705A-4401-95E3-052C6157187D}" srcOrd="0" destOrd="0" presId="urn:microsoft.com/office/officeart/2005/8/layout/vList2"/>
+    <dgm:cxn modelId="{EBD3DB62-355A-4EAB-9153-7CC1A7DEBB09}" srcId="{0702AF28-F1B3-4C66-90CC-8158807557D0}" destId="{C822A5D1-B795-4CED-ABE0-E7B3D6A70E3B}" srcOrd="0" destOrd="0" parTransId="{D5E98830-FC8A-4FE6-870C-C54889EF4A29}" sibTransId="{87734DA3-2F07-4788-8B05-A10F353CE9B3}"/>
+    <dgm:cxn modelId="{CECECE45-2E3F-4874-AABC-09D9423D7D28}" type="presOf" srcId="{0702AF28-F1B3-4C66-90CC-8158807557D0}" destId="{6035F616-09F1-4A8B-9200-C652F31D9F57}" srcOrd="0" destOrd="0" presId="urn:microsoft.com/office/officeart/2005/8/layout/vList2"/>
+    <dgm:cxn modelId="{9B788854-002D-4147-B9B5-64F25F344185}" type="presOf" srcId="{C822A5D1-B795-4CED-ABE0-E7B3D6A70E3B}" destId="{604D3FDC-F3B0-426A-A0A9-542BA48D0CDA}" srcOrd="0" destOrd="0" presId="urn:microsoft.com/office/officeart/2005/8/layout/vList2"/>
+    <dgm:cxn modelId="{DF37EB7C-7B43-40B9-89B2-0D9A8661280F}" type="presOf" srcId="{8A461D33-9C46-4762-9951-D1712F138FA3}" destId="{96D891DE-7105-437A-B642-7D98D32D0AA1}" srcOrd="0" destOrd="0" presId="urn:microsoft.com/office/officeart/2005/8/layout/vList2"/>
+    <dgm:cxn modelId="{AF4B3986-829F-469D-A6C8-356BE2DA098C}" srcId="{0702AF28-F1B3-4C66-90CC-8158807557D0}" destId="{55CE3EE6-B73E-40DD-AC37-7F2968A548BF}" srcOrd="1" destOrd="0" parTransId="{251AC39F-D0A9-4B31-85CE-8BAD30AC48CD}" sibTransId="{744072CD-2BF3-46EA-AC3A-76357831631F}"/>
+    <dgm:cxn modelId="{308A0DA0-EE52-400E-8B43-E37CE1C7FB54}" srcId="{0702AF28-F1B3-4C66-90CC-8158807557D0}" destId="{8A461D33-9C46-4762-9951-D1712F138FA3}" srcOrd="2" destOrd="0" parTransId="{8697B090-525E-42DB-925E-CA8D6B8FB4D4}" sibTransId="{3D403A2A-56C4-4390-B40E-653E83A78BE3}"/>
+    <dgm:cxn modelId="{DCB2DDA5-D4C1-4EAD-877B-5EA2DE96E616}" type="presParOf" srcId="{6035F616-09F1-4A8B-9200-C652F31D9F57}" destId="{604D3FDC-F3B0-426A-A0A9-542BA48D0CDA}" srcOrd="0" destOrd="0" presId="urn:microsoft.com/office/officeart/2005/8/layout/vList2"/>
+    <dgm:cxn modelId="{26E07097-359D-4A51-A13F-9846E1B8A2D7}" type="presParOf" srcId="{6035F616-09F1-4A8B-9200-C652F31D9F57}" destId="{98D3C921-CC78-4493-892A-325FF493427A}" srcOrd="1" destOrd="0" presId="urn:microsoft.com/office/officeart/2005/8/layout/vList2"/>
+    <dgm:cxn modelId="{04E43053-7461-4F9F-9A79-9AE23A02C07D}" type="presParOf" srcId="{6035F616-09F1-4A8B-9200-C652F31D9F57}" destId="{61CA2C19-705A-4401-95E3-052C6157187D}" srcOrd="2" destOrd="0" presId="urn:microsoft.com/office/officeart/2005/8/layout/vList2"/>
+    <dgm:cxn modelId="{E2C5181D-0603-4A79-8EA3-3E056A6307ED}" type="presParOf" srcId="{6035F616-09F1-4A8B-9200-C652F31D9F57}" destId="{CA349A72-461B-439E-9B7B-ACD7F56DB511}" srcOrd="3" destOrd="0" presId="urn:microsoft.com/office/officeart/2005/8/layout/vList2"/>
+    <dgm:cxn modelId="{B9781400-FA6F-4F10-93B0-6654C519741A}" type="presParOf" srcId="{6035F616-09F1-4A8B-9200-C652F31D9F57}" destId="{96D891DE-7105-437A-B642-7D98D32D0AA1}" srcOrd="4" destOrd="0" presId="urn:microsoft.com/office/officeart/2005/8/layout/vList2"/>
+  </dgm:cxnLst>
+  <dgm:bg/>
+  <dgm:whole/>
+  <dgm:extLst>
+    <a:ext uri="http://schemas.microsoft.com/office/drawing/2008/diagram">
+      <dsp:dataModelExt xmlns:dsp="http://schemas.microsoft.com/office/drawing/2008/diagram" relId="rId7" minVer="http://schemas.openxmlformats.org/drawingml/2006/diagram"/>
+    </a:ext>
+  </dgm:extLst>
+</dgm:dataModel>
+</file>
+
 <file path=ppt/diagrams/drawing1.xml><?xml version="1.0" encoding="utf-8"?>
 <dsp:drawing xmlns:dgm="http://schemas.openxmlformats.org/drawingml/2006/diagram" xmlns:dsp="http://schemas.microsoft.com/office/drawing/2008/diagram" xmlns:a="http://schemas.openxmlformats.org/drawingml/2006/main">
   <dsp:spTree>
@@ -11167,8 +11212,8 @@
       </dsp:nvSpPr>
       <dsp:spPr>
         <a:xfrm>
-          <a:off x="0" y="467316"/>
-          <a:ext cx="6513603" cy="950990"/>
+          <a:off x="0" y="3431"/>
+          <a:ext cx="6513603" cy="971038"/>
         </a:xfrm>
         <a:prstGeom prst="roundRect">
           <a:avLst/>
@@ -11234,8 +11279,8 @@
         </a:p>
       </dsp:txBody>
       <dsp:txXfrm>
-        <a:off x="46424" y="513740"/>
-        <a:ext cx="6420755" cy="858142"/>
+        <a:off x="47402" y="50833"/>
+        <a:ext cx="6418799" cy="876234"/>
       </dsp:txXfrm>
     </dsp:sp>
     <dsp:sp modelId="{D5D9F818-25C1-47B9-95F3-4C73F97F3F36}">
@@ -11245,17 +11290,17 @@
       </dsp:nvSpPr>
       <dsp:spPr>
         <a:xfrm>
-          <a:off x="0" y="1467267"/>
-          <a:ext cx="6513603" cy="950990"/>
+          <a:off x="0" y="984936"/>
+          <a:ext cx="6513603" cy="971038"/>
         </a:xfrm>
         <a:prstGeom prst="roundRect">
           <a:avLst/>
         </a:prstGeom>
         <a:solidFill>
           <a:schemeClr val="accent5">
-            <a:hueOff val="-1689636"/>
-            <a:satOff val="-4355"/>
-            <a:lumOff val="-2941"/>
+            <a:hueOff val="-1351709"/>
+            <a:satOff val="-3484"/>
+            <a:lumOff val="-2353"/>
             <a:alphaOff val="0"/>
           </a:schemeClr>
         </a:solidFill>
@@ -11312,8 +11357,8 @@
         </a:p>
       </dsp:txBody>
       <dsp:txXfrm>
-        <a:off x="46424" y="1513691"/>
-        <a:ext cx="6420755" cy="858142"/>
+        <a:off x="47402" y="1032338"/>
+        <a:ext cx="6418799" cy="876234"/>
       </dsp:txXfrm>
     </dsp:sp>
     <dsp:sp modelId="{B80E0519-AFEB-4A2C-8B96-9A5BAB33D643}">
@@ -11323,17 +11368,17 @@
       </dsp:nvSpPr>
       <dsp:spPr>
         <a:xfrm>
-          <a:off x="0" y="2467217"/>
-          <a:ext cx="6513603" cy="950990"/>
+          <a:off x="0" y="1966441"/>
+          <a:ext cx="6513603" cy="971038"/>
         </a:xfrm>
         <a:prstGeom prst="roundRect">
           <a:avLst/>
         </a:prstGeom>
         <a:solidFill>
           <a:schemeClr val="accent5">
-            <a:hueOff val="-3379271"/>
-            <a:satOff val="-8710"/>
-            <a:lumOff val="-5883"/>
+            <a:hueOff val="-2703417"/>
+            <a:satOff val="-6968"/>
+            <a:lumOff val="-4706"/>
             <a:alphaOff val="0"/>
           </a:schemeClr>
         </a:solidFill>
@@ -11366,12 +11411,12 @@
         </a:fontRef>
       </dsp:style>
       <dsp:txBody>
-        <a:bodyPr spcFirstLastPara="0" vert="horz" wrap="square" lIns="64770" tIns="64770" rIns="64770" bIns="64770" numCol="1" spcCol="1270" anchor="ctr" anchorCtr="0">
+        <a:bodyPr spcFirstLastPara="0" vert="horz" wrap="square" lIns="19050" tIns="19050" rIns="19050" bIns="19050" numCol="1" spcCol="1270" anchor="ctr" anchorCtr="0">
           <a:noAutofit/>
         </a:bodyPr>
         <a:lstStyle/>
         <a:p>
-          <a:pPr marL="0" lvl="0" indent="0" algn="l" defTabSz="755650">
+          <a:pPr marL="0" lvl="0" indent="0" algn="l" defTabSz="222250">
             <a:lnSpc>
               <a:spcPct val="90000"/>
             </a:lnSpc>
@@ -11384,14 +11429,14 @@
             <a:buNone/>
           </a:pPr>
           <a:r>
-            <a:rPr lang="en-US" sz="1700" kern="1200"/>
+            <a:rPr lang="en-US" sz="500" kern="1200"/>
             <a:t>Engineer with 20+ years of IT Professional work experience. A jack-of-all-trades with strong skills in Azure cloud services, MS SQL Server administration, Active Directory, PowerShell, and Troubleshooting.</a:t>
           </a:r>
         </a:p>
       </dsp:txBody>
       <dsp:txXfrm>
-        <a:off x="46424" y="2513641"/>
-        <a:ext cx="6420755" cy="858142"/>
+        <a:off x="47402" y="2013843"/>
+        <a:ext cx="6418799" cy="876234"/>
       </dsp:txXfrm>
     </dsp:sp>
     <dsp:sp modelId="{EC7B3B1C-1B93-4736-8F13-9CC2E53CADAE}">
@@ -11401,17 +11446,17 @@
       </dsp:nvSpPr>
       <dsp:spPr>
         <a:xfrm>
-          <a:off x="0" y="3467168"/>
-          <a:ext cx="6513603" cy="950990"/>
+          <a:off x="0" y="2947946"/>
+          <a:ext cx="6513603" cy="971038"/>
         </a:xfrm>
         <a:prstGeom prst="roundRect">
           <a:avLst/>
         </a:prstGeom>
         <a:solidFill>
           <a:schemeClr val="accent5">
-            <a:hueOff val="-5068907"/>
-            <a:satOff val="-13064"/>
-            <a:lumOff val="-8824"/>
+            <a:hueOff val="-4055126"/>
+            <a:satOff val="-10451"/>
+            <a:lumOff val="-7059"/>
             <a:alphaOff val="0"/>
           </a:schemeClr>
         </a:solidFill>
@@ -11473,8 +11518,96 @@
         </a:p>
       </dsp:txBody>
       <dsp:txXfrm>
-        <a:off x="46424" y="3513592"/>
-        <a:ext cx="6420755" cy="858142"/>
+        <a:off x="47402" y="2995348"/>
+        <a:ext cx="6418799" cy="876234"/>
+      </dsp:txXfrm>
+    </dsp:sp>
+    <dsp:sp modelId="{8AEF12BF-0A38-4F82-94FA-DAFDC1A6F754}">
+      <dsp:nvSpPr>
+        <dsp:cNvPr id="0" name=""/>
+        <dsp:cNvSpPr/>
+      </dsp:nvSpPr>
+      <dsp:spPr>
+        <a:xfrm>
+          <a:off x="0" y="3929450"/>
+          <a:ext cx="6513603" cy="971038"/>
+        </a:xfrm>
+        <a:prstGeom prst="roundRect">
+          <a:avLst/>
+        </a:prstGeom>
+        <a:solidFill>
+          <a:schemeClr val="accent5">
+            <a:hueOff val="-5406834"/>
+            <a:satOff val="-13935"/>
+            <a:lumOff val="-9412"/>
+            <a:alphaOff val="0"/>
+          </a:schemeClr>
+        </a:solidFill>
+        <a:ln w="12700" cap="flat" cmpd="sng" algn="ctr">
+          <a:solidFill>
+            <a:schemeClr val="lt1">
+              <a:hueOff val="0"/>
+              <a:satOff val="0"/>
+              <a:lumOff val="0"/>
+              <a:alphaOff val="0"/>
+            </a:schemeClr>
+          </a:solidFill>
+          <a:prstDash val="solid"/>
+          <a:miter lim="800000"/>
+        </a:ln>
+        <a:effectLst/>
+      </dsp:spPr>
+      <dsp:style>
+        <a:lnRef idx="2">
+          <a:scrgbClr r="0" g="0" b="0"/>
+        </a:lnRef>
+        <a:fillRef idx="1">
+          <a:scrgbClr r="0" g="0" b="0"/>
+        </a:fillRef>
+        <a:effectRef idx="0">
+          <a:scrgbClr r="0" g="0" b="0"/>
+        </a:effectRef>
+        <a:fontRef idx="minor">
+          <a:schemeClr val="lt1"/>
+        </a:fontRef>
+      </dsp:style>
+      <dsp:txBody>
+        <a:bodyPr spcFirstLastPara="0" vert="horz" wrap="square" lIns="91440" tIns="91440" rIns="91440" bIns="91440" numCol="1" spcCol="1270" anchor="ctr" anchorCtr="0">
+          <a:noAutofit/>
+        </a:bodyPr>
+        <a:lstStyle/>
+        <a:p>
+          <a:pPr marL="0" lvl="0" indent="0" algn="l" defTabSz="1066800">
+            <a:lnSpc>
+              <a:spcPct val="90000"/>
+            </a:lnSpc>
+            <a:spcBef>
+              <a:spcPct val="0"/>
+            </a:spcBef>
+            <a:spcAft>
+              <a:spcPct val="35000"/>
+            </a:spcAft>
+            <a:buNone/>
+          </a:pPr>
+          <a:r>
+            <a:rPr lang="en-US" sz="2400" kern="1200" dirty="0"/>
+            <a:t>LinkedIn:  </a:t>
+          </a:r>
+          <a:r>
+            <a:rPr lang="en-US" sz="2400" kern="1200" dirty="0">
+              <a:hlinkClick xmlns:r="http://schemas.openxmlformats.org/officeDocument/2006/relationships" r:id="rId1"/>
+            </a:rPr>
+            <a:t>https://www.linkedin.com/in/christopher-smith-54467a3/</a:t>
+          </a:r>
+          <a:r>
+            <a:rPr lang="en-US" sz="2400" kern="1200" dirty="0"/>
+            <a:t> </a:t>
+          </a:r>
+        </a:p>
+      </dsp:txBody>
+      <dsp:txXfrm>
+        <a:off x="47402" y="3976852"/>
+        <a:ext cx="6418799" cy="876234"/>
       </dsp:txXfrm>
     </dsp:sp>
     <dsp:sp modelId="{373AD00E-D1AA-4415-A0BB-FF3F9B710855}">
@@ -11484,8 +11617,8 @@
       </dsp:nvSpPr>
       <dsp:spPr>
         <a:xfrm>
-          <a:off x="0" y="4467118"/>
-          <a:ext cx="6513603" cy="950990"/>
+          <a:off x="0" y="4910955"/>
+          <a:ext cx="6513603" cy="971038"/>
         </a:xfrm>
         <a:prstGeom prst="roundRect">
           <a:avLst/>
@@ -11551,8 +11684,8 @@
         </a:p>
       </dsp:txBody>
       <dsp:txXfrm>
-        <a:off x="46424" y="4513542"/>
-        <a:ext cx="6420755" cy="858142"/>
+        <a:off x="47402" y="4958357"/>
+        <a:ext cx="6418799" cy="876234"/>
       </dsp:txXfrm>
     </dsp:sp>
   </dsp:spTree>
@@ -11567,21 +11700,23 @@
       <dsp:cNvGrpSpPr/>
     </dsp:nvGrpSpPr>
     <dsp:grpSpPr/>
-    <dsp:sp modelId="{604D3FDC-F3B0-426A-A0A9-542BA48D0CDA}">
+    <dsp:sp modelId="{D56F94DF-B747-4FAD-982C-18ED174CE7B7}">
       <dsp:nvSpPr>
         <dsp:cNvPr id="0" name=""/>
         <dsp:cNvSpPr/>
       </dsp:nvSpPr>
       <dsp:spPr>
         <a:xfrm>
-          <a:off x="0" y="40302"/>
-          <a:ext cx="6513603" cy="1869660"/>
+          <a:off x="575" y="1512846"/>
+          <a:ext cx="10514449" cy="509763"/>
         </a:xfrm>
         <a:prstGeom prst="roundRect">
-          <a:avLst/>
+          <a:avLst>
+            <a:gd name="adj" fmla="val 10000"/>
+          </a:avLst>
         </a:prstGeom>
         <a:solidFill>
-          <a:schemeClr val="accent2">
+          <a:schemeClr val="accent1">
             <a:hueOff val="0"/>
             <a:satOff val="0"/>
             <a:lumOff val="0"/>
@@ -11617,12 +11752,12 @@
         </a:fontRef>
       </dsp:style>
       <dsp:txBody>
-        <a:bodyPr spcFirstLastPara="0" vert="horz" wrap="square" lIns="129540" tIns="129540" rIns="129540" bIns="129540" numCol="1" spcCol="1270" anchor="ctr" anchorCtr="0">
+        <a:bodyPr spcFirstLastPara="0" vert="horz" wrap="square" lIns="83820" tIns="83820" rIns="83820" bIns="83820" numCol="1" spcCol="1270" anchor="ctr" anchorCtr="0">
           <a:noAutofit/>
         </a:bodyPr>
         <a:lstStyle/>
         <a:p>
-          <a:pPr marL="0" lvl="0" indent="0" algn="l" defTabSz="1511300">
+          <a:pPr marL="0" lvl="0" indent="0" algn="ctr" defTabSz="977900">
             <a:lnSpc>
               <a:spcPct val="90000"/>
             </a:lnSpc>
@@ -11635,35 +11770,35 @@
             <a:buNone/>
           </a:pPr>
           <a:r>
-            <a:rPr lang="en-US" sz="3400" kern="1200"/>
-            <a:t>Available for Windows 10 64-bit Pro, Enterprise, or Education (Build 15063 or later)</a:t>
+            <a:rPr lang="en-US" sz="2200" kern="1200" dirty="0"/>
+            <a:t>Main Network</a:t>
           </a:r>
         </a:p>
       </dsp:txBody>
       <dsp:txXfrm>
-        <a:off x="91269" y="131571"/>
-        <a:ext cx="6331065" cy="1687122"/>
+        <a:off x="15505" y="1527776"/>
+        <a:ext cx="10484589" cy="479903"/>
       </dsp:txXfrm>
     </dsp:sp>
-    <dsp:sp modelId="{61CA2C19-705A-4401-95E3-052C6157187D}">
+    <dsp:sp modelId="{DB74F7AB-F96B-4B27-94A6-E67F902EEBD1}">
       <dsp:nvSpPr>
         <dsp:cNvPr id="0" name=""/>
         <dsp:cNvSpPr/>
       </dsp:nvSpPr>
       <dsp:spPr>
         <a:xfrm>
-          <a:off x="0" y="2007883"/>
-          <a:ext cx="6513603" cy="1869660"/>
+          <a:off x="1150" y="1084989"/>
+          <a:ext cx="10514449" cy="374683"/>
         </a:xfrm>
         <a:prstGeom prst="roundRect">
-          <a:avLst/>
+          <a:avLst>
+            <a:gd name="adj" fmla="val 10000"/>
+          </a:avLst>
         </a:prstGeom>
         <a:solidFill>
-          <a:schemeClr val="accent2">
-            <a:hueOff val="-727682"/>
-            <a:satOff val="-41964"/>
-            <a:lumOff val="4314"/>
-            <a:alphaOff val="0"/>
+          <a:schemeClr val="accent1">
+            <a:lumMod val="60000"/>
+            <a:lumOff val="40000"/>
           </a:schemeClr>
         </a:solidFill>
         <a:ln w="12700" cap="flat" cmpd="sng" algn="ctr">
@@ -11695,12 +11830,12 @@
         </a:fontRef>
       </dsp:style>
       <dsp:txBody>
-        <a:bodyPr spcFirstLastPara="0" vert="horz" wrap="square" lIns="129540" tIns="129540" rIns="129540" bIns="129540" numCol="1" spcCol="1270" anchor="ctr" anchorCtr="0">
+        <a:bodyPr spcFirstLastPara="0" vert="horz" wrap="square" lIns="60960" tIns="60960" rIns="60960" bIns="60960" numCol="1" spcCol="1270" anchor="ctr" anchorCtr="0">
           <a:noAutofit/>
         </a:bodyPr>
         <a:lstStyle/>
         <a:p>
-          <a:pPr marL="0" lvl="0" indent="0" algn="l" defTabSz="1511300">
+          <a:pPr marL="0" lvl="0" indent="0" algn="ctr" defTabSz="711200">
             <a:lnSpc>
               <a:spcPct val="90000"/>
             </a:lnSpc>
@@ -11713,35 +11848,35 @@
             <a:buNone/>
           </a:pPr>
           <a:r>
-            <a:rPr lang="en-US" sz="3400" kern="1200" dirty="0"/>
-            <a:t>Hyper-V and Containers features must be enabled</a:t>
+            <a:rPr lang="en-US" sz="1600" kern="1200" dirty="0"/>
+            <a:t>Docker Network</a:t>
           </a:r>
         </a:p>
       </dsp:txBody>
       <dsp:txXfrm>
-        <a:off x="91269" y="2099152"/>
-        <a:ext cx="6331065" cy="1687122"/>
+        <a:off x="12124" y="1095963"/>
+        <a:ext cx="10492501" cy="352735"/>
       </dsp:txXfrm>
     </dsp:sp>
-    <dsp:sp modelId="{96D891DE-7105-437A-B642-7D98D32D0AA1}">
+    <dsp:sp modelId="{7650B25E-1552-4870-B2C2-CA39D374F270}">
       <dsp:nvSpPr>
         <dsp:cNvPr id="0" name=""/>
         <dsp:cNvSpPr/>
       </dsp:nvSpPr>
       <dsp:spPr>
         <a:xfrm>
-          <a:off x="0" y="3975463"/>
-          <a:ext cx="6513603" cy="1869660"/>
+          <a:off x="0" y="555835"/>
+          <a:ext cx="3409354" cy="426272"/>
         </a:xfrm>
         <a:prstGeom prst="roundRect">
-          <a:avLst/>
+          <a:avLst>
+            <a:gd name="adj" fmla="val 10000"/>
+          </a:avLst>
         </a:prstGeom>
         <a:solidFill>
-          <a:schemeClr val="accent2">
-            <a:hueOff val="-1455363"/>
-            <a:satOff val="-83928"/>
-            <a:lumOff val="8628"/>
-            <a:alphaOff val="0"/>
+          <a:schemeClr val="tx2">
+            <a:lumMod val="60000"/>
+            <a:lumOff val="40000"/>
           </a:schemeClr>
         </a:solidFill>
         <a:ln w="12700" cap="flat" cmpd="sng" algn="ctr">
@@ -11773,12 +11908,12 @@
         </a:fontRef>
       </dsp:style>
       <dsp:txBody>
-        <a:bodyPr spcFirstLastPara="0" vert="horz" wrap="square" lIns="129540" tIns="129540" rIns="129540" bIns="129540" numCol="1" spcCol="1270" anchor="ctr" anchorCtr="0">
+        <a:bodyPr spcFirstLastPara="0" vert="horz" wrap="square" lIns="60960" tIns="60960" rIns="60960" bIns="60960" numCol="1" spcCol="1270" anchor="ctr" anchorCtr="0">
           <a:noAutofit/>
         </a:bodyPr>
         <a:lstStyle/>
         <a:p>
-          <a:pPr marL="0" lvl="0" indent="0" algn="l" defTabSz="1511300">
+          <a:pPr marL="0" lvl="0" indent="0" algn="ctr" defTabSz="711200">
             <a:lnSpc>
               <a:spcPct val="90000"/>
             </a:lnSpc>
@@ -11791,14 +11926,170 @@
             <a:buNone/>
           </a:pPr>
           <a:r>
-            <a:rPr lang="en-US" sz="3400" kern="1200" dirty="0"/>
-            <a:t>https://docs.docker.com/docker-for-windows/install/</a:t>
+            <a:rPr lang="en-US" sz="1600" kern="1200" dirty="0"/>
+            <a:t>App1</a:t>
           </a:r>
         </a:p>
       </dsp:txBody>
       <dsp:txXfrm>
-        <a:off x="91269" y="4066732"/>
-        <a:ext cx="6331065" cy="1687122"/>
+        <a:off x="12485" y="568320"/>
+        <a:ext cx="3384384" cy="401302"/>
+      </dsp:txXfrm>
+    </dsp:sp>
+    <dsp:sp modelId="{0D017A50-FB99-4AD1-BC2E-DFBB5F7C6F57}">
+      <dsp:nvSpPr>
+        <dsp:cNvPr id="0" name=""/>
+        <dsp:cNvSpPr/>
+      </dsp:nvSpPr>
+      <dsp:spPr>
+        <a:xfrm>
+          <a:off x="3535359" y="555835"/>
+          <a:ext cx="3409354" cy="426272"/>
+        </a:xfrm>
+        <a:prstGeom prst="roundRect">
+          <a:avLst>
+            <a:gd name="adj" fmla="val 10000"/>
+          </a:avLst>
+        </a:prstGeom>
+        <a:solidFill>
+          <a:schemeClr val="tx2">
+            <a:lumMod val="60000"/>
+            <a:lumOff val="40000"/>
+          </a:schemeClr>
+        </a:solidFill>
+        <a:ln w="12700" cap="flat" cmpd="sng" algn="ctr">
+          <a:solidFill>
+            <a:schemeClr val="lt1">
+              <a:hueOff val="0"/>
+              <a:satOff val="0"/>
+              <a:lumOff val="0"/>
+              <a:alphaOff val="0"/>
+            </a:schemeClr>
+          </a:solidFill>
+          <a:prstDash val="solid"/>
+          <a:miter lim="800000"/>
+        </a:ln>
+        <a:effectLst/>
+      </dsp:spPr>
+      <dsp:style>
+        <a:lnRef idx="2">
+          <a:scrgbClr r="0" g="0" b="0"/>
+        </a:lnRef>
+        <a:fillRef idx="1">
+          <a:scrgbClr r="0" g="0" b="0"/>
+        </a:fillRef>
+        <a:effectRef idx="0">
+          <a:scrgbClr r="0" g="0" b="0"/>
+        </a:effectRef>
+        <a:fontRef idx="minor">
+          <a:schemeClr val="lt1"/>
+        </a:fontRef>
+      </dsp:style>
+      <dsp:txBody>
+        <a:bodyPr spcFirstLastPara="0" vert="horz" wrap="square" lIns="60960" tIns="60960" rIns="60960" bIns="60960" numCol="1" spcCol="1270" anchor="ctr" anchorCtr="0">
+          <a:noAutofit/>
+        </a:bodyPr>
+        <a:lstStyle/>
+        <a:p>
+          <a:pPr marL="0" lvl="0" indent="0" algn="ctr" defTabSz="711200">
+            <a:lnSpc>
+              <a:spcPct val="90000"/>
+            </a:lnSpc>
+            <a:spcBef>
+              <a:spcPct val="0"/>
+            </a:spcBef>
+            <a:spcAft>
+              <a:spcPct val="35000"/>
+            </a:spcAft>
+            <a:buNone/>
+          </a:pPr>
+          <a:r>
+            <a:rPr lang="en-US" sz="1600" kern="1200" dirty="0"/>
+            <a:t>App2</a:t>
+          </a:r>
+        </a:p>
+      </dsp:txBody>
+      <dsp:txXfrm>
+        <a:off x="3547844" y="568320"/>
+        <a:ext cx="3384384" cy="401302"/>
+      </dsp:txXfrm>
+    </dsp:sp>
+    <dsp:sp modelId="{8D72E6A8-59B7-45A1-8A98-0F74537E5148}">
+      <dsp:nvSpPr>
+        <dsp:cNvPr id="0" name=""/>
+        <dsp:cNvSpPr/>
+      </dsp:nvSpPr>
+      <dsp:spPr>
+        <a:xfrm>
+          <a:off x="7087907" y="555835"/>
+          <a:ext cx="3409354" cy="426272"/>
+        </a:xfrm>
+        <a:prstGeom prst="roundRect">
+          <a:avLst>
+            <a:gd name="adj" fmla="val 10000"/>
+          </a:avLst>
+        </a:prstGeom>
+        <a:solidFill>
+          <a:schemeClr val="tx2">
+            <a:lumMod val="60000"/>
+            <a:lumOff val="40000"/>
+          </a:schemeClr>
+        </a:solidFill>
+        <a:ln w="12700" cap="flat" cmpd="sng" algn="ctr">
+          <a:solidFill>
+            <a:schemeClr val="lt1">
+              <a:hueOff val="0"/>
+              <a:satOff val="0"/>
+              <a:lumOff val="0"/>
+              <a:alphaOff val="0"/>
+            </a:schemeClr>
+          </a:solidFill>
+          <a:prstDash val="solid"/>
+          <a:miter lim="800000"/>
+        </a:ln>
+        <a:effectLst/>
+      </dsp:spPr>
+      <dsp:style>
+        <a:lnRef idx="2">
+          <a:scrgbClr r="0" g="0" b="0"/>
+        </a:lnRef>
+        <a:fillRef idx="1">
+          <a:scrgbClr r="0" g="0" b="0"/>
+        </a:fillRef>
+        <a:effectRef idx="0">
+          <a:scrgbClr r="0" g="0" b="0"/>
+        </a:effectRef>
+        <a:fontRef idx="minor">
+          <a:schemeClr val="lt1"/>
+        </a:fontRef>
+      </dsp:style>
+      <dsp:txBody>
+        <a:bodyPr spcFirstLastPara="0" vert="horz" wrap="square" lIns="60960" tIns="60960" rIns="60960" bIns="60960" numCol="1" spcCol="1270" anchor="ctr" anchorCtr="0">
+          <a:noAutofit/>
+        </a:bodyPr>
+        <a:lstStyle/>
+        <a:p>
+          <a:pPr marL="0" lvl="0" indent="0" algn="ctr" defTabSz="711200">
+            <a:lnSpc>
+              <a:spcPct val="90000"/>
+            </a:lnSpc>
+            <a:spcBef>
+              <a:spcPct val="0"/>
+            </a:spcBef>
+            <a:spcAft>
+              <a:spcPct val="35000"/>
+            </a:spcAft>
+            <a:buNone/>
+          </a:pPr>
+          <a:r>
+            <a:rPr lang="en-US" sz="1600" kern="1200" dirty="0"/>
+            <a:t>App3</a:t>
+          </a:r>
+        </a:p>
+      </dsp:txBody>
+      <dsp:txXfrm>
+        <a:off x="7100392" y="568320"/>
+        <a:ext cx="3384384" cy="401302"/>
       </dsp:txXfrm>
     </dsp:sp>
   </dsp:spTree>
@@ -14324,410 +14615,6 @@
       <dsp:cNvGrpSpPr/>
     </dsp:nvGrpSpPr>
     <dsp:grpSpPr/>
-    <dsp:sp modelId="{D56F94DF-B747-4FAD-982C-18ED174CE7B7}">
-      <dsp:nvSpPr>
-        <dsp:cNvPr id="0" name=""/>
-        <dsp:cNvSpPr/>
-      </dsp:nvSpPr>
-      <dsp:spPr>
-        <a:xfrm>
-          <a:off x="575" y="1512846"/>
-          <a:ext cx="10514449" cy="509763"/>
-        </a:xfrm>
-        <a:prstGeom prst="roundRect">
-          <a:avLst>
-            <a:gd name="adj" fmla="val 10000"/>
-          </a:avLst>
-        </a:prstGeom>
-        <a:solidFill>
-          <a:schemeClr val="accent1">
-            <a:hueOff val="0"/>
-            <a:satOff val="0"/>
-            <a:lumOff val="0"/>
-            <a:alphaOff val="0"/>
-          </a:schemeClr>
-        </a:solidFill>
-        <a:ln w="12700" cap="flat" cmpd="sng" algn="ctr">
-          <a:solidFill>
-            <a:schemeClr val="lt1">
-              <a:hueOff val="0"/>
-              <a:satOff val="0"/>
-              <a:lumOff val="0"/>
-              <a:alphaOff val="0"/>
-            </a:schemeClr>
-          </a:solidFill>
-          <a:prstDash val="solid"/>
-          <a:miter lim="800000"/>
-        </a:ln>
-        <a:effectLst/>
-      </dsp:spPr>
-      <dsp:style>
-        <a:lnRef idx="2">
-          <a:scrgbClr r="0" g="0" b="0"/>
-        </a:lnRef>
-        <a:fillRef idx="1">
-          <a:scrgbClr r="0" g="0" b="0"/>
-        </a:fillRef>
-        <a:effectRef idx="0">
-          <a:scrgbClr r="0" g="0" b="0"/>
-        </a:effectRef>
-        <a:fontRef idx="minor">
-          <a:schemeClr val="lt1"/>
-        </a:fontRef>
-      </dsp:style>
-      <dsp:txBody>
-        <a:bodyPr spcFirstLastPara="0" vert="horz" wrap="square" lIns="83820" tIns="83820" rIns="83820" bIns="83820" numCol="1" spcCol="1270" anchor="ctr" anchorCtr="0">
-          <a:noAutofit/>
-        </a:bodyPr>
-        <a:lstStyle/>
-        <a:p>
-          <a:pPr marL="0" lvl="0" indent="0" algn="ctr" defTabSz="977900">
-            <a:lnSpc>
-              <a:spcPct val="90000"/>
-            </a:lnSpc>
-            <a:spcBef>
-              <a:spcPct val="0"/>
-            </a:spcBef>
-            <a:spcAft>
-              <a:spcPct val="35000"/>
-            </a:spcAft>
-            <a:buNone/>
-          </a:pPr>
-          <a:r>
-            <a:rPr lang="en-US" sz="2200" kern="1200" dirty="0"/>
-            <a:t>Main Network</a:t>
-          </a:r>
-        </a:p>
-      </dsp:txBody>
-      <dsp:txXfrm>
-        <a:off x="15505" y="1527776"/>
-        <a:ext cx="10484589" cy="479903"/>
-      </dsp:txXfrm>
-    </dsp:sp>
-    <dsp:sp modelId="{DB74F7AB-F96B-4B27-94A6-E67F902EEBD1}">
-      <dsp:nvSpPr>
-        <dsp:cNvPr id="0" name=""/>
-        <dsp:cNvSpPr/>
-      </dsp:nvSpPr>
-      <dsp:spPr>
-        <a:xfrm>
-          <a:off x="1150" y="1084989"/>
-          <a:ext cx="10514449" cy="374683"/>
-        </a:xfrm>
-        <a:prstGeom prst="roundRect">
-          <a:avLst>
-            <a:gd name="adj" fmla="val 10000"/>
-          </a:avLst>
-        </a:prstGeom>
-        <a:solidFill>
-          <a:schemeClr val="accent1">
-            <a:lumMod val="60000"/>
-            <a:lumOff val="40000"/>
-          </a:schemeClr>
-        </a:solidFill>
-        <a:ln w="12700" cap="flat" cmpd="sng" algn="ctr">
-          <a:solidFill>
-            <a:schemeClr val="lt1">
-              <a:hueOff val="0"/>
-              <a:satOff val="0"/>
-              <a:lumOff val="0"/>
-              <a:alphaOff val="0"/>
-            </a:schemeClr>
-          </a:solidFill>
-          <a:prstDash val="solid"/>
-          <a:miter lim="800000"/>
-        </a:ln>
-        <a:effectLst/>
-      </dsp:spPr>
-      <dsp:style>
-        <a:lnRef idx="2">
-          <a:scrgbClr r="0" g="0" b="0"/>
-        </a:lnRef>
-        <a:fillRef idx="1">
-          <a:scrgbClr r="0" g="0" b="0"/>
-        </a:fillRef>
-        <a:effectRef idx="0">
-          <a:scrgbClr r="0" g="0" b="0"/>
-        </a:effectRef>
-        <a:fontRef idx="minor">
-          <a:schemeClr val="lt1"/>
-        </a:fontRef>
-      </dsp:style>
-      <dsp:txBody>
-        <a:bodyPr spcFirstLastPara="0" vert="horz" wrap="square" lIns="60960" tIns="60960" rIns="60960" bIns="60960" numCol="1" spcCol="1270" anchor="ctr" anchorCtr="0">
-          <a:noAutofit/>
-        </a:bodyPr>
-        <a:lstStyle/>
-        <a:p>
-          <a:pPr marL="0" lvl="0" indent="0" algn="ctr" defTabSz="711200">
-            <a:lnSpc>
-              <a:spcPct val="90000"/>
-            </a:lnSpc>
-            <a:spcBef>
-              <a:spcPct val="0"/>
-            </a:spcBef>
-            <a:spcAft>
-              <a:spcPct val="35000"/>
-            </a:spcAft>
-            <a:buNone/>
-          </a:pPr>
-          <a:r>
-            <a:rPr lang="en-US" sz="1600" kern="1200" dirty="0"/>
-            <a:t>Docker Network</a:t>
-          </a:r>
-        </a:p>
-      </dsp:txBody>
-      <dsp:txXfrm>
-        <a:off x="12124" y="1095963"/>
-        <a:ext cx="10492501" cy="352735"/>
-      </dsp:txXfrm>
-    </dsp:sp>
-    <dsp:sp modelId="{7650B25E-1552-4870-B2C2-CA39D374F270}">
-      <dsp:nvSpPr>
-        <dsp:cNvPr id="0" name=""/>
-        <dsp:cNvSpPr/>
-      </dsp:nvSpPr>
-      <dsp:spPr>
-        <a:xfrm>
-          <a:off x="0" y="555835"/>
-          <a:ext cx="3409354" cy="426272"/>
-        </a:xfrm>
-        <a:prstGeom prst="roundRect">
-          <a:avLst>
-            <a:gd name="adj" fmla="val 10000"/>
-          </a:avLst>
-        </a:prstGeom>
-        <a:solidFill>
-          <a:schemeClr val="tx2">
-            <a:lumMod val="60000"/>
-            <a:lumOff val="40000"/>
-          </a:schemeClr>
-        </a:solidFill>
-        <a:ln w="12700" cap="flat" cmpd="sng" algn="ctr">
-          <a:solidFill>
-            <a:schemeClr val="lt1">
-              <a:hueOff val="0"/>
-              <a:satOff val="0"/>
-              <a:lumOff val="0"/>
-              <a:alphaOff val="0"/>
-            </a:schemeClr>
-          </a:solidFill>
-          <a:prstDash val="solid"/>
-          <a:miter lim="800000"/>
-        </a:ln>
-        <a:effectLst/>
-      </dsp:spPr>
-      <dsp:style>
-        <a:lnRef idx="2">
-          <a:scrgbClr r="0" g="0" b="0"/>
-        </a:lnRef>
-        <a:fillRef idx="1">
-          <a:scrgbClr r="0" g="0" b="0"/>
-        </a:fillRef>
-        <a:effectRef idx="0">
-          <a:scrgbClr r="0" g="0" b="0"/>
-        </a:effectRef>
-        <a:fontRef idx="minor">
-          <a:schemeClr val="lt1"/>
-        </a:fontRef>
-      </dsp:style>
-      <dsp:txBody>
-        <a:bodyPr spcFirstLastPara="0" vert="horz" wrap="square" lIns="60960" tIns="60960" rIns="60960" bIns="60960" numCol="1" spcCol="1270" anchor="ctr" anchorCtr="0">
-          <a:noAutofit/>
-        </a:bodyPr>
-        <a:lstStyle/>
-        <a:p>
-          <a:pPr marL="0" lvl="0" indent="0" algn="ctr" defTabSz="711200">
-            <a:lnSpc>
-              <a:spcPct val="90000"/>
-            </a:lnSpc>
-            <a:spcBef>
-              <a:spcPct val="0"/>
-            </a:spcBef>
-            <a:spcAft>
-              <a:spcPct val="35000"/>
-            </a:spcAft>
-            <a:buNone/>
-          </a:pPr>
-          <a:r>
-            <a:rPr lang="en-US" sz="1600" kern="1200" dirty="0"/>
-            <a:t>App1</a:t>
-          </a:r>
-        </a:p>
-      </dsp:txBody>
-      <dsp:txXfrm>
-        <a:off x="12485" y="568320"/>
-        <a:ext cx="3384384" cy="401302"/>
-      </dsp:txXfrm>
-    </dsp:sp>
-    <dsp:sp modelId="{0D017A50-FB99-4AD1-BC2E-DFBB5F7C6F57}">
-      <dsp:nvSpPr>
-        <dsp:cNvPr id="0" name=""/>
-        <dsp:cNvSpPr/>
-      </dsp:nvSpPr>
-      <dsp:spPr>
-        <a:xfrm>
-          <a:off x="3535359" y="555835"/>
-          <a:ext cx="3409354" cy="426272"/>
-        </a:xfrm>
-        <a:prstGeom prst="roundRect">
-          <a:avLst>
-            <a:gd name="adj" fmla="val 10000"/>
-          </a:avLst>
-        </a:prstGeom>
-        <a:solidFill>
-          <a:schemeClr val="tx2">
-            <a:lumMod val="60000"/>
-            <a:lumOff val="40000"/>
-          </a:schemeClr>
-        </a:solidFill>
-        <a:ln w="12700" cap="flat" cmpd="sng" algn="ctr">
-          <a:solidFill>
-            <a:schemeClr val="lt1">
-              <a:hueOff val="0"/>
-              <a:satOff val="0"/>
-              <a:lumOff val="0"/>
-              <a:alphaOff val="0"/>
-            </a:schemeClr>
-          </a:solidFill>
-          <a:prstDash val="solid"/>
-          <a:miter lim="800000"/>
-        </a:ln>
-        <a:effectLst/>
-      </dsp:spPr>
-      <dsp:style>
-        <a:lnRef idx="2">
-          <a:scrgbClr r="0" g="0" b="0"/>
-        </a:lnRef>
-        <a:fillRef idx="1">
-          <a:scrgbClr r="0" g="0" b="0"/>
-        </a:fillRef>
-        <a:effectRef idx="0">
-          <a:scrgbClr r="0" g="0" b="0"/>
-        </a:effectRef>
-        <a:fontRef idx="minor">
-          <a:schemeClr val="lt1"/>
-        </a:fontRef>
-      </dsp:style>
-      <dsp:txBody>
-        <a:bodyPr spcFirstLastPara="0" vert="horz" wrap="square" lIns="60960" tIns="60960" rIns="60960" bIns="60960" numCol="1" spcCol="1270" anchor="ctr" anchorCtr="0">
-          <a:noAutofit/>
-        </a:bodyPr>
-        <a:lstStyle/>
-        <a:p>
-          <a:pPr marL="0" lvl="0" indent="0" algn="ctr" defTabSz="711200">
-            <a:lnSpc>
-              <a:spcPct val="90000"/>
-            </a:lnSpc>
-            <a:spcBef>
-              <a:spcPct val="0"/>
-            </a:spcBef>
-            <a:spcAft>
-              <a:spcPct val="35000"/>
-            </a:spcAft>
-            <a:buNone/>
-          </a:pPr>
-          <a:r>
-            <a:rPr lang="en-US" sz="1600" kern="1200" dirty="0"/>
-            <a:t>App2</a:t>
-          </a:r>
-        </a:p>
-      </dsp:txBody>
-      <dsp:txXfrm>
-        <a:off x="3547844" y="568320"/>
-        <a:ext cx="3384384" cy="401302"/>
-      </dsp:txXfrm>
-    </dsp:sp>
-    <dsp:sp modelId="{8D72E6A8-59B7-45A1-8A98-0F74537E5148}">
-      <dsp:nvSpPr>
-        <dsp:cNvPr id="0" name=""/>
-        <dsp:cNvSpPr/>
-      </dsp:nvSpPr>
-      <dsp:spPr>
-        <a:xfrm>
-          <a:off x="7087907" y="555835"/>
-          <a:ext cx="3409354" cy="426272"/>
-        </a:xfrm>
-        <a:prstGeom prst="roundRect">
-          <a:avLst>
-            <a:gd name="adj" fmla="val 10000"/>
-          </a:avLst>
-        </a:prstGeom>
-        <a:solidFill>
-          <a:schemeClr val="tx2">
-            <a:lumMod val="60000"/>
-            <a:lumOff val="40000"/>
-          </a:schemeClr>
-        </a:solidFill>
-        <a:ln w="12700" cap="flat" cmpd="sng" algn="ctr">
-          <a:solidFill>
-            <a:schemeClr val="lt1">
-              <a:hueOff val="0"/>
-              <a:satOff val="0"/>
-              <a:lumOff val="0"/>
-              <a:alphaOff val="0"/>
-            </a:schemeClr>
-          </a:solidFill>
-          <a:prstDash val="solid"/>
-          <a:miter lim="800000"/>
-        </a:ln>
-        <a:effectLst/>
-      </dsp:spPr>
-      <dsp:style>
-        <a:lnRef idx="2">
-          <a:scrgbClr r="0" g="0" b="0"/>
-        </a:lnRef>
-        <a:fillRef idx="1">
-          <a:scrgbClr r="0" g="0" b="0"/>
-        </a:fillRef>
-        <a:effectRef idx="0">
-          <a:scrgbClr r="0" g="0" b="0"/>
-        </a:effectRef>
-        <a:fontRef idx="minor">
-          <a:schemeClr val="lt1"/>
-        </a:fontRef>
-      </dsp:style>
-      <dsp:txBody>
-        <a:bodyPr spcFirstLastPara="0" vert="horz" wrap="square" lIns="60960" tIns="60960" rIns="60960" bIns="60960" numCol="1" spcCol="1270" anchor="ctr" anchorCtr="0">
-          <a:noAutofit/>
-        </a:bodyPr>
-        <a:lstStyle/>
-        <a:p>
-          <a:pPr marL="0" lvl="0" indent="0" algn="ctr" defTabSz="711200">
-            <a:lnSpc>
-              <a:spcPct val="90000"/>
-            </a:lnSpc>
-            <a:spcBef>
-              <a:spcPct val="0"/>
-            </a:spcBef>
-            <a:spcAft>
-              <a:spcPct val="35000"/>
-            </a:spcAft>
-            <a:buNone/>
-          </a:pPr>
-          <a:r>
-            <a:rPr lang="en-US" sz="1600" kern="1200" dirty="0"/>
-            <a:t>App3</a:t>
-          </a:r>
-        </a:p>
-      </dsp:txBody>
-      <dsp:txXfrm>
-        <a:off x="7100392" y="568320"/>
-        <a:ext cx="3384384" cy="401302"/>
-      </dsp:txXfrm>
-    </dsp:sp>
-  </dsp:spTree>
-</dsp:drawing>
-</file>
-
-<file path=ppt/diagrams/drawing9.xml><?xml version="1.0" encoding="utf-8"?>
-<dsp:drawing xmlns:dgm="http://schemas.openxmlformats.org/drawingml/2006/diagram" xmlns:dsp="http://schemas.microsoft.com/office/drawing/2008/diagram" xmlns:a="http://schemas.openxmlformats.org/drawingml/2006/main">
-  <dsp:spTree>
-    <dsp:nvGrpSpPr>
-      <dsp:cNvPr id="0" name=""/>
-      <dsp:cNvGrpSpPr/>
-    </dsp:nvGrpSpPr>
-    <dsp:grpSpPr/>
     <dsp:sp modelId="{EDC4B38D-5AF6-4266-AED2-20DF1D28C37B}">
       <dsp:nvSpPr>
         <dsp:cNvPr id="0" name=""/>
@@ -14878,6 +14765,252 @@
       <dsp:txXfrm>
         <a:off x="1293327" y="1297545"/>
         <a:ext cx="2510576" cy="1065093"/>
+      </dsp:txXfrm>
+    </dsp:sp>
+  </dsp:spTree>
+</dsp:drawing>
+</file>
+
+<file path=ppt/diagrams/drawing9.xml><?xml version="1.0" encoding="utf-8"?>
+<dsp:drawing xmlns:dgm="http://schemas.openxmlformats.org/drawingml/2006/diagram" xmlns:dsp="http://schemas.microsoft.com/office/drawing/2008/diagram" xmlns:a="http://schemas.openxmlformats.org/drawingml/2006/main">
+  <dsp:spTree>
+    <dsp:nvGrpSpPr>
+      <dsp:cNvPr id="0" name=""/>
+      <dsp:cNvGrpSpPr/>
+    </dsp:nvGrpSpPr>
+    <dsp:grpSpPr/>
+    <dsp:sp modelId="{604D3FDC-F3B0-426A-A0A9-542BA48D0CDA}">
+      <dsp:nvSpPr>
+        <dsp:cNvPr id="0" name=""/>
+        <dsp:cNvSpPr/>
+      </dsp:nvSpPr>
+      <dsp:spPr>
+        <a:xfrm>
+          <a:off x="0" y="40302"/>
+          <a:ext cx="6513603" cy="1869660"/>
+        </a:xfrm>
+        <a:prstGeom prst="roundRect">
+          <a:avLst/>
+        </a:prstGeom>
+        <a:solidFill>
+          <a:schemeClr val="accent2">
+            <a:hueOff val="0"/>
+            <a:satOff val="0"/>
+            <a:lumOff val="0"/>
+            <a:alphaOff val="0"/>
+          </a:schemeClr>
+        </a:solidFill>
+        <a:ln w="12700" cap="flat" cmpd="sng" algn="ctr">
+          <a:solidFill>
+            <a:schemeClr val="lt1">
+              <a:hueOff val="0"/>
+              <a:satOff val="0"/>
+              <a:lumOff val="0"/>
+              <a:alphaOff val="0"/>
+            </a:schemeClr>
+          </a:solidFill>
+          <a:prstDash val="solid"/>
+          <a:miter lim="800000"/>
+        </a:ln>
+        <a:effectLst/>
+      </dsp:spPr>
+      <dsp:style>
+        <a:lnRef idx="2">
+          <a:scrgbClr r="0" g="0" b="0"/>
+        </a:lnRef>
+        <a:fillRef idx="1">
+          <a:scrgbClr r="0" g="0" b="0"/>
+        </a:fillRef>
+        <a:effectRef idx="0">
+          <a:scrgbClr r="0" g="0" b="0"/>
+        </a:effectRef>
+        <a:fontRef idx="minor">
+          <a:schemeClr val="lt1"/>
+        </a:fontRef>
+      </dsp:style>
+      <dsp:txBody>
+        <a:bodyPr spcFirstLastPara="0" vert="horz" wrap="square" lIns="129540" tIns="129540" rIns="129540" bIns="129540" numCol="1" spcCol="1270" anchor="ctr" anchorCtr="0">
+          <a:noAutofit/>
+        </a:bodyPr>
+        <a:lstStyle/>
+        <a:p>
+          <a:pPr marL="0" lvl="0" indent="0" algn="l" defTabSz="1511300">
+            <a:lnSpc>
+              <a:spcPct val="90000"/>
+            </a:lnSpc>
+            <a:spcBef>
+              <a:spcPct val="0"/>
+            </a:spcBef>
+            <a:spcAft>
+              <a:spcPct val="35000"/>
+            </a:spcAft>
+            <a:buNone/>
+          </a:pPr>
+          <a:r>
+            <a:rPr lang="en-US" sz="3400" kern="1200"/>
+            <a:t>Available for Windows 10 64-bit Pro, Enterprise, or Education (Build 15063 or later)</a:t>
+          </a:r>
+        </a:p>
+      </dsp:txBody>
+      <dsp:txXfrm>
+        <a:off x="91269" y="131571"/>
+        <a:ext cx="6331065" cy="1687122"/>
+      </dsp:txXfrm>
+    </dsp:sp>
+    <dsp:sp modelId="{61CA2C19-705A-4401-95E3-052C6157187D}">
+      <dsp:nvSpPr>
+        <dsp:cNvPr id="0" name=""/>
+        <dsp:cNvSpPr/>
+      </dsp:nvSpPr>
+      <dsp:spPr>
+        <a:xfrm>
+          <a:off x="0" y="2007883"/>
+          <a:ext cx="6513603" cy="1869660"/>
+        </a:xfrm>
+        <a:prstGeom prst="roundRect">
+          <a:avLst/>
+        </a:prstGeom>
+        <a:solidFill>
+          <a:schemeClr val="accent2">
+            <a:hueOff val="-727682"/>
+            <a:satOff val="-41964"/>
+            <a:lumOff val="4314"/>
+            <a:alphaOff val="0"/>
+          </a:schemeClr>
+        </a:solidFill>
+        <a:ln w="12700" cap="flat" cmpd="sng" algn="ctr">
+          <a:solidFill>
+            <a:schemeClr val="lt1">
+              <a:hueOff val="0"/>
+              <a:satOff val="0"/>
+              <a:lumOff val="0"/>
+              <a:alphaOff val="0"/>
+            </a:schemeClr>
+          </a:solidFill>
+          <a:prstDash val="solid"/>
+          <a:miter lim="800000"/>
+        </a:ln>
+        <a:effectLst/>
+      </dsp:spPr>
+      <dsp:style>
+        <a:lnRef idx="2">
+          <a:scrgbClr r="0" g="0" b="0"/>
+        </a:lnRef>
+        <a:fillRef idx="1">
+          <a:scrgbClr r="0" g="0" b="0"/>
+        </a:fillRef>
+        <a:effectRef idx="0">
+          <a:scrgbClr r="0" g="0" b="0"/>
+        </a:effectRef>
+        <a:fontRef idx="minor">
+          <a:schemeClr val="lt1"/>
+        </a:fontRef>
+      </dsp:style>
+      <dsp:txBody>
+        <a:bodyPr spcFirstLastPara="0" vert="horz" wrap="square" lIns="129540" tIns="129540" rIns="129540" bIns="129540" numCol="1" spcCol="1270" anchor="ctr" anchorCtr="0">
+          <a:noAutofit/>
+        </a:bodyPr>
+        <a:lstStyle/>
+        <a:p>
+          <a:pPr marL="0" lvl="0" indent="0" algn="l" defTabSz="1511300">
+            <a:lnSpc>
+              <a:spcPct val="90000"/>
+            </a:lnSpc>
+            <a:spcBef>
+              <a:spcPct val="0"/>
+            </a:spcBef>
+            <a:spcAft>
+              <a:spcPct val="35000"/>
+            </a:spcAft>
+            <a:buNone/>
+          </a:pPr>
+          <a:r>
+            <a:rPr lang="en-US" sz="3400" kern="1200" dirty="0"/>
+            <a:t>Hyper-V and Containers features must be enabled</a:t>
+          </a:r>
+        </a:p>
+      </dsp:txBody>
+      <dsp:txXfrm>
+        <a:off x="91269" y="2099152"/>
+        <a:ext cx="6331065" cy="1687122"/>
+      </dsp:txXfrm>
+    </dsp:sp>
+    <dsp:sp modelId="{96D891DE-7105-437A-B642-7D98D32D0AA1}">
+      <dsp:nvSpPr>
+        <dsp:cNvPr id="0" name=""/>
+        <dsp:cNvSpPr/>
+      </dsp:nvSpPr>
+      <dsp:spPr>
+        <a:xfrm>
+          <a:off x="0" y="3975463"/>
+          <a:ext cx="6513603" cy="1869660"/>
+        </a:xfrm>
+        <a:prstGeom prst="roundRect">
+          <a:avLst/>
+        </a:prstGeom>
+        <a:solidFill>
+          <a:schemeClr val="accent2">
+            <a:hueOff val="-1455363"/>
+            <a:satOff val="-83928"/>
+            <a:lumOff val="8628"/>
+            <a:alphaOff val="0"/>
+          </a:schemeClr>
+        </a:solidFill>
+        <a:ln w="12700" cap="flat" cmpd="sng" algn="ctr">
+          <a:solidFill>
+            <a:schemeClr val="lt1">
+              <a:hueOff val="0"/>
+              <a:satOff val="0"/>
+              <a:lumOff val="0"/>
+              <a:alphaOff val="0"/>
+            </a:schemeClr>
+          </a:solidFill>
+          <a:prstDash val="solid"/>
+          <a:miter lim="800000"/>
+        </a:ln>
+        <a:effectLst/>
+      </dsp:spPr>
+      <dsp:style>
+        <a:lnRef idx="2">
+          <a:scrgbClr r="0" g="0" b="0"/>
+        </a:lnRef>
+        <a:fillRef idx="1">
+          <a:scrgbClr r="0" g="0" b="0"/>
+        </a:fillRef>
+        <a:effectRef idx="0">
+          <a:scrgbClr r="0" g="0" b="0"/>
+        </a:effectRef>
+        <a:fontRef idx="minor">
+          <a:schemeClr val="lt1"/>
+        </a:fontRef>
+      </dsp:style>
+      <dsp:txBody>
+        <a:bodyPr spcFirstLastPara="0" vert="horz" wrap="square" lIns="129540" tIns="129540" rIns="129540" bIns="129540" numCol="1" spcCol="1270" anchor="ctr" anchorCtr="0">
+          <a:noAutofit/>
+        </a:bodyPr>
+        <a:lstStyle/>
+        <a:p>
+          <a:pPr marL="0" lvl="0" indent="0" algn="l" defTabSz="1511300">
+            <a:lnSpc>
+              <a:spcPct val="90000"/>
+            </a:lnSpc>
+            <a:spcBef>
+              <a:spcPct val="0"/>
+            </a:spcBef>
+            <a:spcAft>
+              <a:spcPct val="35000"/>
+            </a:spcAft>
+            <a:buNone/>
+          </a:pPr>
+          <a:r>
+            <a:rPr lang="en-US" sz="3400" kern="1200" dirty="0"/>
+            <a:t>https://docs.docker.com/docker-for-windows/install/</a:t>
+          </a:r>
+        </a:p>
+      </dsp:txBody>
+      <dsp:txXfrm>
+        <a:off x="91269" y="4066732"/>
+        <a:ext cx="6331065" cy="1687122"/>
       </dsp:txXfrm>
     </dsp:sp>
   </dsp:spTree>
@@ -15052,12 +15185,14 @@
 </file>
 
 <file path=ppt/diagrams/layout10.xml><?xml version="1.0" encoding="utf-8"?>
-<dgm:layoutDef xmlns:dgm="http://schemas.openxmlformats.org/drawingml/2006/diagram" xmlns:a="http://schemas.openxmlformats.org/drawingml/2006/main" uniqueId="urn:microsoft.com/office/officeart/2005/8/layout/vList2">
-  <dgm:title val=""/>
-  <dgm:desc val=""/>
+<dgm:layoutDef xmlns:dgm="http://schemas.openxmlformats.org/drawingml/2006/diagram" xmlns:a="http://schemas.openxmlformats.org/drawingml/2006/main" uniqueId="urn:microsoft.com/office/officeart/2005/8/layout/architecture">
+  <dgm:title val="Architecture Layout"/>
+  <dgm:desc val="Use to show hierarchical relationships that build from the bottom up. This layout works well for showing architectural components or objects that build on other objects."/>
   <dgm:catLst>
-    <dgm:cat type="list" pri="3000"/>
-    <dgm:cat type="convert" pri="1000"/>
+    <dgm:cat type="hierarchy" pri="4500"/>
+    <dgm:cat type="list" pri="24500"/>
+    <dgm:cat type="relationship" pri="10500"/>
+    <dgm:cat type="officeonline" pri="7000"/>
   </dgm:catLst>
   <dgm:sampData>
     <dgm:dataModel>
@@ -15066,21 +15201,29 @@
         <dgm:pt modelId="1">
           <dgm:prSet phldr="1"/>
         </dgm:pt>
-        <dgm:pt modelId="11">
-          <dgm:prSet phldr="1"/>
-        </dgm:pt>
         <dgm:pt modelId="2">
           <dgm:prSet phldr="1"/>
         </dgm:pt>
         <dgm:pt modelId="21">
           <dgm:prSet phldr="1"/>
         </dgm:pt>
+        <dgm:pt modelId="22">
+          <dgm:prSet phldr="1"/>
+        </dgm:pt>
+        <dgm:pt modelId="3">
+          <dgm:prSet phldr="1"/>
+        </dgm:pt>
+        <dgm:pt modelId="31">
+          <dgm:prSet phldr="1"/>
+        </dgm:pt>
       </dgm:ptLst>
       <dgm:cxnLst>
         <dgm:cxn modelId="4" srcId="0" destId="1" srcOrd="0" destOrd="0"/>
-        <dgm:cxn modelId="5" srcId="0" destId="2" srcOrd="1" destOrd="0"/>
-        <dgm:cxn modelId="12" srcId="1" destId="11" srcOrd="0" destOrd="0"/>
+        <dgm:cxn modelId="5" srcId="1" destId="2" srcOrd="0" destOrd="0"/>
+        <dgm:cxn modelId="6" srcId="1" destId="3" srcOrd="1" destOrd="0"/>
         <dgm:cxn modelId="23" srcId="2" destId="21" srcOrd="0" destOrd="0"/>
+        <dgm:cxn modelId="24" srcId="2" destId="22" srcOrd="1" destOrd="0"/>
+        <dgm:cxn modelId="33" srcId="3" destId="31" srcOrd="0" destOrd="0"/>
       </dgm:cxnLst>
       <dgm:bg/>
       <dgm:whole/>
@@ -15091,11 +15234,13 @@
       <dgm:ptLst>
         <dgm:pt modelId="0" type="doc"/>
         <dgm:pt modelId="1"/>
-        <dgm:pt modelId="2"/>
+        <dgm:pt modelId="11"/>
+        <dgm:pt modelId="12"/>
       </dgm:ptLst>
       <dgm:cxnLst>
-        <dgm:cxn modelId="3" srcId="0" destId="1" srcOrd="0" destOrd="0"/>
-        <dgm:cxn modelId="4" srcId="0" destId="2" srcOrd="1" destOrd="0"/>
+        <dgm:cxn modelId="2" srcId="0" destId="1" srcOrd="0" destOrd="0"/>
+        <dgm:cxn modelId="13" srcId="1" destId="11" srcOrd="0" destOrd="0"/>
+        <dgm:cxn modelId="14" srcId="1" destId="12" srcOrd="1" destOrd="0"/>
       </dgm:cxnLst>
       <dgm:bg/>
       <dgm:whole/>
@@ -15107,111 +15252,455 @@
         <dgm:pt modelId="0" type="doc"/>
         <dgm:pt modelId="1"/>
         <dgm:pt modelId="2"/>
+        <dgm:pt modelId="21"/>
+        <dgm:pt modelId="211"/>
         <dgm:pt modelId="3"/>
-        <dgm:pt modelId="4"/>
+        <dgm:pt modelId="31"/>
+        <dgm:pt modelId="311"/>
       </dgm:ptLst>
       <dgm:cxnLst>
-        <dgm:cxn modelId="5" srcId="0" destId="1" srcOrd="0" destOrd="0"/>
-        <dgm:cxn modelId="6" srcId="0" destId="2" srcOrd="1" destOrd="0"/>
-        <dgm:cxn modelId="7" srcId="0" destId="3" srcOrd="2" destOrd="0"/>
-        <dgm:cxn modelId="8" srcId="0" destId="4" srcOrd="3" destOrd="0"/>
+        <dgm:cxn modelId="4" srcId="0" destId="1" srcOrd="0" destOrd="0"/>
+        <dgm:cxn modelId="5" srcId="1" destId="2" srcOrd="0" destOrd="0"/>
+        <dgm:cxn modelId="6" srcId="1" destId="3" srcOrd="1" destOrd="0"/>
+        <dgm:cxn modelId="23" srcId="2" destId="21" srcOrd="0" destOrd="0"/>
+        <dgm:cxn modelId="24" srcId="21" destId="211" srcOrd="0" destOrd="0"/>
+        <dgm:cxn modelId="33" srcId="3" destId="31" srcOrd="0" destOrd="0"/>
+        <dgm:cxn modelId="34" srcId="31" destId="311" srcOrd="0" destOrd="0"/>
       </dgm:cxnLst>
       <dgm:bg/>
       <dgm:whole/>
     </dgm:dataModel>
   </dgm:clrData>
-  <dgm:layoutNode name="linear">
+  <dgm:layoutNode name="Name0">
     <dgm:varLst>
+      <dgm:chPref val="1"/>
+      <dgm:dir/>
+      <dgm:animOne val="branch"/>
       <dgm:animLvl val="lvl"/>
-      <dgm:resizeHandles val="exact"/>
+      <dgm:resizeHandles/>
     </dgm:varLst>
-    <dgm:alg type="lin">
-      <dgm:param type="linDir" val="fromT"/>
-      <dgm:param type="vertAlign" val="mid"/>
-    </dgm:alg>
+    <dgm:choose name="Name1">
+      <dgm:if name="Name2" func="var" arg="dir" op="equ" val="norm">
+        <dgm:alg type="lin">
+          <dgm:param type="linDir" val="fromL"/>
+          <dgm:param type="nodeVertAlign" val="b"/>
+        </dgm:alg>
+      </dgm:if>
+      <dgm:else name="Name3">
+        <dgm:alg type="lin">
+          <dgm:param type="linDir" val="fromR"/>
+          <dgm:param type="nodeVertAlign" val="b"/>
+        </dgm:alg>
+      </dgm:else>
+    </dgm:choose>
     <dgm:shape xmlns:r="http://schemas.openxmlformats.org/officeDocument/2006/relationships" r:blip="">
       <dgm:adjLst/>
     </dgm:shape>
     <dgm:presOf/>
     <dgm:constrLst>
-      <dgm:constr type="w" for="ch" forName="parentText" refType="w"/>
-      <dgm:constr type="h" for="ch" forName="parentText" refType="primFontSz" refFor="ch" refForName="parentText" fact="0.52"/>
-      <dgm:constr type="w" for="ch" forName="childText" refType="w"/>
-      <dgm:constr type="h" for="ch" forName="childText" refType="primFontSz" refFor="ch" refForName="parentText" fact="0.46"/>
-      <dgm:constr type="h" for="ch" forName="parentText" op="equ"/>
-      <dgm:constr type="primFontSz" for="ch" forName="parentText" op="equ" val="65"/>
-      <dgm:constr type="primFontSz" for="ch" forName="childText" refType="primFontSz" refFor="ch" refForName="parentText" op="equ"/>
-      <dgm:constr type="h" for="ch" forName="spacer" refType="primFontSz" refFor="ch" refForName="parentText" fact="0.08"/>
+      <dgm:constr type="w" for="ch" forName="vertOne" refType="w"/>
+      <dgm:constr type="w" for="des" forName="horzOne" refType="w"/>
+      <dgm:constr type="w" for="des" forName="txOne" refType="w"/>
+      <dgm:constr type="w" for="des" forName="vertTwo" refType="w"/>
+      <dgm:constr type="w" for="des" forName="horzTwo" refType="w"/>
+      <dgm:constr type="w" for="des" forName="txTwo" refType="w"/>
+      <dgm:constr type="w" for="des" forName="vertThree" refType="w"/>
+      <dgm:constr type="w" for="des" forName="horzThree" refType="w"/>
+      <dgm:constr type="w" for="des" forName="txThree" refType="w"/>
+      <dgm:constr type="w" for="des" forName="vertFour" refType="w"/>
+      <dgm:constr type="w" for="des" forName="horzFour" refType="w"/>
+      <dgm:constr type="w" for="des" forName="txFour" refType="w"/>
+      <dgm:constr type="h" for="des" ptType="node" op="equ"/>
+      <dgm:constr type="h" for="des" forName="txOne" refType="h"/>
+      <dgm:constr type="userH" for="des" ptType="node" refType="h" refFor="des" refForName="txOne"/>
+      <dgm:constr type="primFontSz" for="des" forName="txOne" val="65"/>
+      <dgm:constr type="primFontSz" for="des" forName="txTwo" val="65"/>
+      <dgm:constr type="primFontSz" for="des" forName="txTwo" refType="primFontSz" refFor="des" refForName="txOne" op="lte"/>
+      <dgm:constr type="primFontSz" for="des" forName="txThree" val="65"/>
+      <dgm:constr type="primFontSz" for="des" forName="txThree" refType="primFontSz" refFor="des" refForName="txOne" op="lte"/>
+      <dgm:constr type="primFontSz" for="des" forName="txThree" refType="primFontSz" refFor="des" refForName="txTwo" op="lte"/>
+      <dgm:constr type="primFontSz" for="des" forName="txFour" val="65"/>
+      <dgm:constr type="primFontSz" for="des" forName="txFour" refType="primFontSz" refFor="des" refForName="txOne" op="lte"/>
+      <dgm:constr type="primFontSz" for="des" forName="txFour" refType="primFontSz" refFor="des" refForName="txTwo" op="lte"/>
+      <dgm:constr type="primFontSz" for="des" forName="txFour" refType="primFontSz" refFor="des" refForName="txThree" op="lte"/>
+      <dgm:constr type="w" for="des" forName="sibSpaceOne" refType="w" fact="0.168"/>
+      <dgm:constr type="w" for="des" forName="sibSpaceTwo" refType="w" refFor="des" refForName="sibSpaceOne" op="equ" fact="0.5"/>
+      <dgm:constr type="w" for="des" forName="sibSpaceThree" refType="w" refFor="des" refForName="sibSpaceTwo" op="equ" fact="0.5"/>
+      <dgm:constr type="w" for="des" forName="sibSpaceFour" refType="w" refFor="des" refForName="sibSpaceThree" op="equ" fact="0.5"/>
+      <dgm:constr type="h" for="des" forName="parTransOne" refType="w" fact="0.056"/>
+      <dgm:constr type="h" for="des" forName="parTransTwo" refType="h" refFor="des" refForName="parTransOne" op="equ"/>
+      <dgm:constr type="h" for="des" forName="parTransThree" refType="h" refFor="des" refForName="parTransTwo" op="equ"/>
+      <dgm:constr type="h" for="des" forName="parTransFour" refType="h" refFor="des" refForName="parTransThree" op="equ"/>
     </dgm:constrLst>
-    <dgm:ruleLst>
-      <dgm:rule type="primFontSz" for="ch" forName="parentText" val="5" fact="NaN" max="NaN"/>
-    </dgm:ruleLst>
-    <dgm:forEach name="Name0" axis="ch" ptType="node">
-      <dgm:layoutNode name="parentText" styleLbl="node1">
-        <dgm:varLst>
-          <dgm:chMax val="0"/>
-          <dgm:bulletEnabled val="1"/>
-        </dgm:varLst>
-        <dgm:alg type="tx">
-          <dgm:param type="parTxLTRAlign" val="l"/>
-          <dgm:param type="parTxRTLAlign" val="r"/>
+    <dgm:ruleLst/>
+    <dgm:forEach name="Name4" axis="ch" ptType="node">
+      <dgm:layoutNode name="vertOne">
+        <dgm:alg type="lin">
+          <dgm:param type="linDir" val="fromB"/>
         </dgm:alg>
-        <dgm:shape xmlns:r="http://schemas.openxmlformats.org/officeDocument/2006/relationships" type="roundRect" r:blip="">
+        <dgm:shape xmlns:r="http://schemas.openxmlformats.org/officeDocument/2006/relationships" r:blip="">
           <dgm:adjLst/>
         </dgm:shape>
-        <dgm:presOf axis="self"/>
+        <dgm:presOf/>
         <dgm:constrLst>
-          <dgm:constr type="tMarg" refType="primFontSz" fact="0.3"/>
-          <dgm:constr type="bMarg" refType="primFontSz" fact="0.3"/>
-          <dgm:constr type="lMarg" refType="primFontSz" fact="0.3"/>
-          <dgm:constr type="rMarg" refType="primFontSz" fact="0.3"/>
+          <dgm:constr type="w" for="ch" forName="txOne" refType="w" refFor="ch" refForName="horzOne" op="gte"/>
         </dgm:constrLst>
-        <dgm:ruleLst>
-          <dgm:rule type="h" val="INF" fact="NaN" max="NaN"/>
-        </dgm:ruleLst>
+        <dgm:ruleLst/>
+        <dgm:layoutNode name="txOne" styleLbl="node0">
+          <dgm:varLst>
+            <dgm:chPref val="3"/>
+          </dgm:varLst>
+          <dgm:alg type="tx"/>
+          <dgm:shape xmlns:r="http://schemas.openxmlformats.org/officeDocument/2006/relationships" type="roundRect" r:blip="">
+            <dgm:adjLst>
+              <dgm:adj idx="1" val="0.1"/>
+            </dgm:adjLst>
+          </dgm:shape>
+          <dgm:presOf axis="self"/>
+          <dgm:constrLst>
+            <dgm:constr type="tMarg" refType="primFontSz" fact="0.3"/>
+            <dgm:constr type="bMarg" refType="primFontSz" fact="0.3"/>
+            <dgm:constr type="lMarg" refType="primFontSz" fact="0.3"/>
+            <dgm:constr type="rMarg" refType="primFontSz" fact="0.3"/>
+          </dgm:constrLst>
+          <dgm:ruleLst>
+            <dgm:rule type="primFontSz" val="5" fact="NaN" max="NaN"/>
+          </dgm:ruleLst>
+        </dgm:layoutNode>
+        <dgm:choose name="Name5">
+          <dgm:if name="Name6" axis="des" ptType="node" func="cnt" op="gt" val="0">
+            <dgm:layoutNode name="parTransOne">
+              <dgm:alg type="sp"/>
+              <dgm:shape xmlns:r="http://schemas.openxmlformats.org/officeDocument/2006/relationships" r:blip="">
+                <dgm:adjLst/>
+              </dgm:shape>
+              <dgm:presOf/>
+              <dgm:constrLst/>
+              <dgm:ruleLst/>
+            </dgm:layoutNode>
+          </dgm:if>
+          <dgm:else name="Name7"/>
+        </dgm:choose>
+        <dgm:layoutNode name="horzOne">
+          <dgm:choose name="Name8">
+            <dgm:if name="Name9" func="var" arg="dir" op="equ" val="norm">
+              <dgm:alg type="lin">
+                <dgm:param type="linDir" val="fromL"/>
+                <dgm:param type="nodeVertAlign" val="b"/>
+              </dgm:alg>
+            </dgm:if>
+            <dgm:else name="Name10">
+              <dgm:alg type="lin">
+                <dgm:param type="linDir" val="fromR"/>
+                <dgm:param type="nodeVertAlign" val="b"/>
+              </dgm:alg>
+            </dgm:else>
+          </dgm:choose>
+          <dgm:shape xmlns:r="http://schemas.openxmlformats.org/officeDocument/2006/relationships" r:blip="">
+            <dgm:adjLst/>
+          </dgm:shape>
+          <dgm:presOf/>
+          <dgm:constrLst/>
+          <dgm:ruleLst>
+            <dgm:rule type="w" val="INF" fact="NaN" max="NaN"/>
+          </dgm:ruleLst>
+          <dgm:forEach name="Name11" axis="ch" ptType="node">
+            <dgm:layoutNode name="vertTwo">
+              <dgm:alg type="lin">
+                <dgm:param type="linDir" val="fromB"/>
+              </dgm:alg>
+              <dgm:shape xmlns:r="http://schemas.openxmlformats.org/officeDocument/2006/relationships" r:blip="">
+                <dgm:adjLst/>
+              </dgm:shape>
+              <dgm:presOf/>
+              <dgm:constrLst>
+                <dgm:constr type="w" for="ch" forName="txTwo" refType="w" refFor="ch" refForName="horzTwo" op="gte"/>
+              </dgm:constrLst>
+              <dgm:ruleLst/>
+              <dgm:layoutNode name="txTwo">
+                <dgm:varLst>
+                  <dgm:chPref val="3"/>
+                </dgm:varLst>
+                <dgm:alg type="tx"/>
+                <dgm:shape xmlns:r="http://schemas.openxmlformats.org/officeDocument/2006/relationships" type="roundRect" r:blip="">
+                  <dgm:adjLst>
+                    <dgm:adj idx="1" val="0.1"/>
+                  </dgm:adjLst>
+                </dgm:shape>
+                <dgm:presOf axis="self"/>
+                <dgm:constrLst>
+                  <dgm:constr type="userH"/>
+                  <dgm:constr type="h" refType="userH"/>
+                  <dgm:constr type="tMarg" refType="primFontSz" fact="0.3"/>
+                  <dgm:constr type="bMarg" refType="primFontSz" fact="0.3"/>
+                  <dgm:constr type="lMarg" refType="primFontSz" fact="0.3"/>
+                  <dgm:constr type="rMarg" refType="primFontSz" fact="0.3"/>
+                </dgm:constrLst>
+                <dgm:ruleLst>
+                  <dgm:rule type="primFontSz" val="5" fact="NaN" max="NaN"/>
+                </dgm:ruleLst>
+              </dgm:layoutNode>
+              <dgm:choose name="Name12">
+                <dgm:if name="Name13" axis="des" ptType="node" func="cnt" op="gt" val="0">
+                  <dgm:layoutNode name="parTransTwo">
+                    <dgm:alg type="sp"/>
+                    <dgm:shape xmlns:r="http://schemas.openxmlformats.org/officeDocument/2006/relationships" r:blip="">
+                      <dgm:adjLst/>
+                    </dgm:shape>
+                    <dgm:presOf/>
+                    <dgm:constrLst/>
+                    <dgm:ruleLst/>
+                  </dgm:layoutNode>
+                </dgm:if>
+                <dgm:else name="Name14"/>
+              </dgm:choose>
+              <dgm:layoutNode name="horzTwo">
+                <dgm:choose name="Name15">
+                  <dgm:if name="Name16" func="var" arg="dir" op="equ" val="norm">
+                    <dgm:alg type="lin">
+                      <dgm:param type="linDir" val="fromL"/>
+                      <dgm:param type="nodeVertAlign" val="b"/>
+                    </dgm:alg>
+                  </dgm:if>
+                  <dgm:else name="Name17">
+                    <dgm:alg type="lin">
+                      <dgm:param type="linDir" val="fromR"/>
+                      <dgm:param type="nodeVertAlign" val="b"/>
+                    </dgm:alg>
+                  </dgm:else>
+                </dgm:choose>
+                <dgm:shape xmlns:r="http://schemas.openxmlformats.org/officeDocument/2006/relationships" r:blip="">
+                  <dgm:adjLst/>
+                </dgm:shape>
+                <dgm:presOf/>
+                <dgm:constrLst/>
+                <dgm:ruleLst>
+                  <dgm:rule type="w" val="INF" fact="NaN" max="NaN"/>
+                </dgm:ruleLst>
+                <dgm:forEach name="Name18" axis="ch" ptType="node">
+                  <dgm:layoutNode name="vertThree">
+                    <dgm:alg type="lin">
+                      <dgm:param type="linDir" val="fromB"/>
+                    </dgm:alg>
+                    <dgm:shape xmlns:r="http://schemas.openxmlformats.org/officeDocument/2006/relationships" r:blip="">
+                      <dgm:adjLst/>
+                    </dgm:shape>
+                    <dgm:presOf/>
+                    <dgm:constrLst>
+                      <dgm:constr type="w" for="ch" forName="txThree" refType="w" refFor="ch" refForName="horzThree" op="gte"/>
+                    </dgm:constrLst>
+                    <dgm:ruleLst/>
+                    <dgm:layoutNode name="txThree">
+                      <dgm:varLst>
+                        <dgm:chPref val="3"/>
+                      </dgm:varLst>
+                      <dgm:alg type="tx"/>
+                      <dgm:shape xmlns:r="http://schemas.openxmlformats.org/officeDocument/2006/relationships" type="roundRect" r:blip="">
+                        <dgm:adjLst>
+                          <dgm:adj idx="1" val="0.1"/>
+                        </dgm:adjLst>
+                      </dgm:shape>
+                      <dgm:presOf axis="self"/>
+                      <dgm:constrLst>
+                        <dgm:constr type="userH"/>
+                        <dgm:constr type="h" refType="userH"/>
+                        <dgm:constr type="tMarg" refType="primFontSz" fact="0.3"/>
+                        <dgm:constr type="bMarg" refType="primFontSz" fact="0.3"/>
+                        <dgm:constr type="lMarg" refType="primFontSz" fact="0.3"/>
+                        <dgm:constr type="rMarg" refType="primFontSz" fact="0.3"/>
+                      </dgm:constrLst>
+                      <dgm:ruleLst>
+                        <dgm:rule type="primFontSz" val="5" fact="NaN" max="NaN"/>
+                      </dgm:ruleLst>
+                    </dgm:layoutNode>
+                    <dgm:choose name="Name19">
+                      <dgm:if name="Name20" axis="des" ptType="node" func="cnt" op="gt" val="0">
+                        <dgm:layoutNode name="parTransThree">
+                          <dgm:alg type="sp"/>
+                          <dgm:shape xmlns:r="http://schemas.openxmlformats.org/officeDocument/2006/relationships" r:blip="">
+                            <dgm:adjLst/>
+                          </dgm:shape>
+                          <dgm:presOf/>
+                          <dgm:constrLst/>
+                          <dgm:ruleLst/>
+                        </dgm:layoutNode>
+                      </dgm:if>
+                      <dgm:else name="Name21"/>
+                    </dgm:choose>
+                    <dgm:layoutNode name="horzThree">
+                      <dgm:choose name="Name22">
+                        <dgm:if name="Name23" func="var" arg="dir" op="equ" val="norm">
+                          <dgm:alg type="lin">
+                            <dgm:param type="linDir" val="fromL"/>
+                            <dgm:param type="nodeVertAlign" val="b"/>
+                          </dgm:alg>
+                        </dgm:if>
+                        <dgm:else name="Name24">
+                          <dgm:alg type="lin">
+                            <dgm:param type="linDir" val="fromR"/>
+                            <dgm:param type="nodeVertAlign" val="b"/>
+                          </dgm:alg>
+                        </dgm:else>
+                      </dgm:choose>
+                      <dgm:shape xmlns:r="http://schemas.openxmlformats.org/officeDocument/2006/relationships" r:blip="">
+                        <dgm:adjLst/>
+                      </dgm:shape>
+                      <dgm:presOf/>
+                      <dgm:constrLst/>
+                      <dgm:ruleLst>
+                        <dgm:rule type="w" val="INF" fact="NaN" max="NaN"/>
+                      </dgm:ruleLst>
+                      <dgm:forEach name="repeat" axis="ch" ptType="node">
+                        <dgm:layoutNode name="vertFour">
+                          <dgm:varLst>
+                            <dgm:chPref val="3"/>
+                          </dgm:varLst>
+                          <dgm:alg type="lin">
+                            <dgm:param type="linDir" val="fromB"/>
+                          </dgm:alg>
+                          <dgm:shape xmlns:r="http://schemas.openxmlformats.org/officeDocument/2006/relationships" r:blip="">
+                            <dgm:adjLst/>
+                          </dgm:shape>
+                          <dgm:presOf/>
+                          <dgm:constrLst>
+                            <dgm:constr type="w" for="ch" forName="txFour" refType="w" refFor="ch" refForName="horzFour" op="gte"/>
+                          </dgm:constrLst>
+                          <dgm:ruleLst/>
+                          <dgm:layoutNode name="txFour">
+                            <dgm:varLst>
+                              <dgm:chPref val="3"/>
+                            </dgm:varLst>
+                            <dgm:alg type="tx"/>
+                            <dgm:shape xmlns:r="http://schemas.openxmlformats.org/officeDocument/2006/relationships" type="roundRect" r:blip="">
+                              <dgm:adjLst>
+                                <dgm:adj idx="1" val="0.1"/>
+                              </dgm:adjLst>
+                            </dgm:shape>
+                            <dgm:presOf axis="self"/>
+                            <dgm:constrLst>
+                              <dgm:constr type="userH"/>
+                              <dgm:constr type="h" refType="userH"/>
+                              <dgm:constr type="tMarg" refType="primFontSz" fact="0.3"/>
+                              <dgm:constr type="bMarg" refType="primFontSz" fact="0.3"/>
+                              <dgm:constr type="lMarg" refType="primFontSz" fact="0.3"/>
+                              <dgm:constr type="rMarg" refType="primFontSz" fact="0.3"/>
+                            </dgm:constrLst>
+                            <dgm:ruleLst>
+                              <dgm:rule type="primFontSz" val="5" fact="NaN" max="NaN"/>
+                            </dgm:ruleLst>
+                          </dgm:layoutNode>
+                          <dgm:choose name="Name25">
+                            <dgm:if name="Name26" axis="des" ptType="node" func="cnt" op="gt" val="0">
+                              <dgm:layoutNode name="parTransFour">
+                                <dgm:alg type="sp"/>
+                                <dgm:shape xmlns:r="http://schemas.openxmlformats.org/officeDocument/2006/relationships" r:blip="">
+                                  <dgm:adjLst/>
+                                </dgm:shape>
+                                <dgm:presOf/>
+                                <dgm:constrLst/>
+                                <dgm:ruleLst/>
+                              </dgm:layoutNode>
+                            </dgm:if>
+                            <dgm:else name="Name27"/>
+                          </dgm:choose>
+                          <dgm:layoutNode name="horzFour">
+                            <dgm:choose name="Name28">
+                              <dgm:if name="Name29" func="var" arg="dir" op="equ" val="norm">
+                                <dgm:alg type="lin">
+                                  <dgm:param type="linDir" val="fromL"/>
+                                  <dgm:param type="nodeVertAlign" val="b"/>
+                                </dgm:alg>
+                              </dgm:if>
+                              <dgm:else name="Name30">
+                                <dgm:alg type="lin">
+                                  <dgm:param type="linDir" val="fromR"/>
+                                  <dgm:param type="nodeVertAlign" val="b"/>
+                                </dgm:alg>
+                              </dgm:else>
+                            </dgm:choose>
+                            <dgm:shape xmlns:r="http://schemas.openxmlformats.org/officeDocument/2006/relationships" r:blip="">
+                              <dgm:adjLst/>
+                            </dgm:shape>
+                            <dgm:presOf/>
+                            <dgm:constrLst/>
+                            <dgm:ruleLst>
+                              <dgm:rule type="w" val="INF" fact="NaN" max="NaN"/>
+                            </dgm:ruleLst>
+                            <dgm:forEach name="Name31" ref="repeat"/>
+                          </dgm:layoutNode>
+                        </dgm:layoutNode>
+                        <dgm:choose name="Name32">
+                          <dgm:if name="Name33" axis="self" ptType="node" func="revPos" op="gte" val="2">
+                            <dgm:forEach name="Name34" axis="followSib" ptType="sibTrans" cnt="1">
+                              <dgm:layoutNode name="sibSpaceFour">
+                                <dgm:alg type="sp"/>
+                                <dgm:shape xmlns:r="http://schemas.openxmlformats.org/officeDocument/2006/relationships" r:blip="">
+                                  <dgm:adjLst/>
+                                </dgm:shape>
+                                <dgm:presOf/>
+                                <dgm:constrLst/>
+                                <dgm:ruleLst/>
+                              </dgm:layoutNode>
+                            </dgm:forEach>
+                          </dgm:if>
+                          <dgm:else name="Name35"/>
+                        </dgm:choose>
+                      </dgm:forEach>
+                    </dgm:layoutNode>
+                  </dgm:layoutNode>
+                  <dgm:choose name="Name36">
+                    <dgm:if name="Name37" axis="self" ptType="node" func="revPos" op="gte" val="2">
+                      <dgm:forEach name="Name38" axis="followSib" ptType="sibTrans" cnt="1">
+                        <dgm:layoutNode name="sibSpaceThree">
+                          <dgm:alg type="sp"/>
+                          <dgm:shape xmlns:r="http://schemas.openxmlformats.org/officeDocument/2006/relationships" r:blip="">
+                            <dgm:adjLst/>
+                          </dgm:shape>
+                          <dgm:presOf/>
+                          <dgm:constrLst/>
+                          <dgm:ruleLst/>
+                        </dgm:layoutNode>
+                      </dgm:forEach>
+                    </dgm:if>
+                    <dgm:else name="Name39"/>
+                  </dgm:choose>
+                </dgm:forEach>
+              </dgm:layoutNode>
+            </dgm:layoutNode>
+            <dgm:choose name="Name40">
+              <dgm:if name="Name41" axis="self" ptType="node" func="revPos" op="gte" val="2">
+                <dgm:forEach name="Name42" axis="followSib" ptType="sibTrans" cnt="1">
+                  <dgm:layoutNode name="sibSpaceTwo">
+                    <dgm:alg type="sp"/>
+                    <dgm:shape xmlns:r="http://schemas.openxmlformats.org/officeDocument/2006/relationships" r:blip="">
+                      <dgm:adjLst/>
+                    </dgm:shape>
+                    <dgm:presOf/>
+                    <dgm:constrLst/>
+                    <dgm:ruleLst/>
+                  </dgm:layoutNode>
+                </dgm:forEach>
+              </dgm:if>
+              <dgm:else name="Name43"/>
+            </dgm:choose>
+          </dgm:forEach>
+        </dgm:layoutNode>
       </dgm:layoutNode>
-      <dgm:choose name="Name1">
-        <dgm:if name="Name2" axis="ch" ptType="node" func="cnt" op="gte" val="1">
-          <dgm:layoutNode name="childText" styleLbl="revTx">
-            <dgm:varLst>
-              <dgm:bulletEnabled val="1"/>
-            </dgm:varLst>
-            <dgm:alg type="tx">
-              <dgm:param type="stBulletLvl" val="1"/>
-              <dgm:param type="lnSpAfChP" val="20"/>
-            </dgm:alg>
-            <dgm:shape xmlns:r="http://schemas.openxmlformats.org/officeDocument/2006/relationships" type="rect" r:blip="">
-              <dgm:adjLst/>
-            </dgm:shape>
-            <dgm:presOf axis="des" ptType="node"/>
-            <dgm:constrLst>
-              <dgm:constr type="tMarg" refType="primFontSz" fact="0.1"/>
-              <dgm:constr type="bMarg" refType="primFontSz" fact="0.1"/>
-              <dgm:constr type="lMarg" refType="w" fact="0.09"/>
-            </dgm:constrLst>
-            <dgm:ruleLst>
-              <dgm:rule type="h" val="INF" fact="NaN" max="NaN"/>
-            </dgm:ruleLst>
-          </dgm:layoutNode>
+      <dgm:choose name="Name44">
+        <dgm:if name="Name45" axis="self" ptType="node" func="revPos" op="gte" val="2">
+          <dgm:forEach name="Name46" axis="followSib" ptType="sibTrans" cnt="1">
+            <dgm:layoutNode name="sibSpaceOne">
+              <dgm:alg type="sp"/>
+              <dgm:shape xmlns:r="http://schemas.openxmlformats.org/officeDocument/2006/relationships" r:blip="">
+                <dgm:adjLst/>
+              </dgm:shape>
+              <dgm:presOf/>
+              <dgm:constrLst/>
+              <dgm:ruleLst/>
+            </dgm:layoutNode>
+          </dgm:forEach>
         </dgm:if>
-        <dgm:else name="Name3">
-          <dgm:choose name="Name4">
-            <dgm:if name="Name5" axis="par ch" ptType="doc node" func="cnt" op="gte" val="2">
-              <dgm:forEach name="Name6" axis="followSib" ptType="sibTrans" cnt="1">
-                <dgm:layoutNode name="spacer">
-                  <dgm:alg type="sp"/>
-                  <dgm:shape xmlns:r="http://schemas.openxmlformats.org/officeDocument/2006/relationships" r:blip="">
-                    <dgm:adjLst/>
-                  </dgm:shape>
-                  <dgm:presOf/>
-                  <dgm:constrLst/>
-                  <dgm:ruleLst/>
-                </dgm:layoutNode>
-              </dgm:forEach>
-            </dgm:if>
-            <dgm:else name="Name7"/>
-          </dgm:choose>
-        </dgm:else>
+        <dgm:else name="Name47"/>
       </dgm:choose>
     </dgm:forEach>
   </dgm:layoutNode>
@@ -17416,529 +17905,6 @@
 </file>
 
 <file path=ppt/diagrams/layout8.xml><?xml version="1.0" encoding="utf-8"?>
-<dgm:layoutDef xmlns:dgm="http://schemas.openxmlformats.org/drawingml/2006/diagram" xmlns:a="http://schemas.openxmlformats.org/drawingml/2006/main" uniqueId="urn:microsoft.com/office/officeart/2005/8/layout/architecture">
-  <dgm:title val="Architecture Layout"/>
-  <dgm:desc val="Use to show hierarchical relationships that build from the bottom up. This layout works well for showing architectural components or objects that build on other objects."/>
-  <dgm:catLst>
-    <dgm:cat type="hierarchy" pri="4500"/>
-    <dgm:cat type="list" pri="24500"/>
-    <dgm:cat type="relationship" pri="10500"/>
-    <dgm:cat type="officeonline" pri="7000"/>
-  </dgm:catLst>
-  <dgm:sampData>
-    <dgm:dataModel>
-      <dgm:ptLst>
-        <dgm:pt modelId="0" type="doc"/>
-        <dgm:pt modelId="1">
-          <dgm:prSet phldr="1"/>
-        </dgm:pt>
-        <dgm:pt modelId="2">
-          <dgm:prSet phldr="1"/>
-        </dgm:pt>
-        <dgm:pt modelId="21">
-          <dgm:prSet phldr="1"/>
-        </dgm:pt>
-        <dgm:pt modelId="22">
-          <dgm:prSet phldr="1"/>
-        </dgm:pt>
-        <dgm:pt modelId="3">
-          <dgm:prSet phldr="1"/>
-        </dgm:pt>
-        <dgm:pt modelId="31">
-          <dgm:prSet phldr="1"/>
-        </dgm:pt>
-      </dgm:ptLst>
-      <dgm:cxnLst>
-        <dgm:cxn modelId="4" srcId="0" destId="1" srcOrd="0" destOrd="0"/>
-        <dgm:cxn modelId="5" srcId="1" destId="2" srcOrd="0" destOrd="0"/>
-        <dgm:cxn modelId="6" srcId="1" destId="3" srcOrd="1" destOrd="0"/>
-        <dgm:cxn modelId="23" srcId="2" destId="21" srcOrd="0" destOrd="0"/>
-        <dgm:cxn modelId="24" srcId="2" destId="22" srcOrd="1" destOrd="0"/>
-        <dgm:cxn modelId="33" srcId="3" destId="31" srcOrd="0" destOrd="0"/>
-      </dgm:cxnLst>
-      <dgm:bg/>
-      <dgm:whole/>
-    </dgm:dataModel>
-  </dgm:sampData>
-  <dgm:styleData>
-    <dgm:dataModel>
-      <dgm:ptLst>
-        <dgm:pt modelId="0" type="doc"/>
-        <dgm:pt modelId="1"/>
-        <dgm:pt modelId="11"/>
-        <dgm:pt modelId="12"/>
-      </dgm:ptLst>
-      <dgm:cxnLst>
-        <dgm:cxn modelId="2" srcId="0" destId="1" srcOrd="0" destOrd="0"/>
-        <dgm:cxn modelId="13" srcId="1" destId="11" srcOrd="0" destOrd="0"/>
-        <dgm:cxn modelId="14" srcId="1" destId="12" srcOrd="1" destOrd="0"/>
-      </dgm:cxnLst>
-      <dgm:bg/>
-      <dgm:whole/>
-    </dgm:dataModel>
-  </dgm:styleData>
-  <dgm:clrData>
-    <dgm:dataModel>
-      <dgm:ptLst>
-        <dgm:pt modelId="0" type="doc"/>
-        <dgm:pt modelId="1"/>
-        <dgm:pt modelId="2"/>
-        <dgm:pt modelId="21"/>
-        <dgm:pt modelId="211"/>
-        <dgm:pt modelId="3"/>
-        <dgm:pt modelId="31"/>
-        <dgm:pt modelId="311"/>
-      </dgm:ptLst>
-      <dgm:cxnLst>
-        <dgm:cxn modelId="4" srcId="0" destId="1" srcOrd="0" destOrd="0"/>
-        <dgm:cxn modelId="5" srcId="1" destId="2" srcOrd="0" destOrd="0"/>
-        <dgm:cxn modelId="6" srcId="1" destId="3" srcOrd="1" destOrd="0"/>
-        <dgm:cxn modelId="23" srcId="2" destId="21" srcOrd="0" destOrd="0"/>
-        <dgm:cxn modelId="24" srcId="21" destId="211" srcOrd="0" destOrd="0"/>
-        <dgm:cxn modelId="33" srcId="3" destId="31" srcOrd="0" destOrd="0"/>
-        <dgm:cxn modelId="34" srcId="31" destId="311" srcOrd="0" destOrd="0"/>
-      </dgm:cxnLst>
-      <dgm:bg/>
-      <dgm:whole/>
-    </dgm:dataModel>
-  </dgm:clrData>
-  <dgm:layoutNode name="Name0">
-    <dgm:varLst>
-      <dgm:chPref val="1"/>
-      <dgm:dir/>
-      <dgm:animOne val="branch"/>
-      <dgm:animLvl val="lvl"/>
-      <dgm:resizeHandles/>
-    </dgm:varLst>
-    <dgm:choose name="Name1">
-      <dgm:if name="Name2" func="var" arg="dir" op="equ" val="norm">
-        <dgm:alg type="lin">
-          <dgm:param type="linDir" val="fromL"/>
-          <dgm:param type="nodeVertAlign" val="b"/>
-        </dgm:alg>
-      </dgm:if>
-      <dgm:else name="Name3">
-        <dgm:alg type="lin">
-          <dgm:param type="linDir" val="fromR"/>
-          <dgm:param type="nodeVertAlign" val="b"/>
-        </dgm:alg>
-      </dgm:else>
-    </dgm:choose>
-    <dgm:shape xmlns:r="http://schemas.openxmlformats.org/officeDocument/2006/relationships" r:blip="">
-      <dgm:adjLst/>
-    </dgm:shape>
-    <dgm:presOf/>
-    <dgm:constrLst>
-      <dgm:constr type="w" for="ch" forName="vertOne" refType="w"/>
-      <dgm:constr type="w" for="des" forName="horzOne" refType="w"/>
-      <dgm:constr type="w" for="des" forName="txOne" refType="w"/>
-      <dgm:constr type="w" for="des" forName="vertTwo" refType="w"/>
-      <dgm:constr type="w" for="des" forName="horzTwo" refType="w"/>
-      <dgm:constr type="w" for="des" forName="txTwo" refType="w"/>
-      <dgm:constr type="w" for="des" forName="vertThree" refType="w"/>
-      <dgm:constr type="w" for="des" forName="horzThree" refType="w"/>
-      <dgm:constr type="w" for="des" forName="txThree" refType="w"/>
-      <dgm:constr type="w" for="des" forName="vertFour" refType="w"/>
-      <dgm:constr type="w" for="des" forName="horzFour" refType="w"/>
-      <dgm:constr type="w" for="des" forName="txFour" refType="w"/>
-      <dgm:constr type="h" for="des" ptType="node" op="equ"/>
-      <dgm:constr type="h" for="des" forName="txOne" refType="h"/>
-      <dgm:constr type="userH" for="des" ptType="node" refType="h" refFor="des" refForName="txOne"/>
-      <dgm:constr type="primFontSz" for="des" forName="txOne" val="65"/>
-      <dgm:constr type="primFontSz" for="des" forName="txTwo" val="65"/>
-      <dgm:constr type="primFontSz" for="des" forName="txTwo" refType="primFontSz" refFor="des" refForName="txOne" op="lte"/>
-      <dgm:constr type="primFontSz" for="des" forName="txThree" val="65"/>
-      <dgm:constr type="primFontSz" for="des" forName="txThree" refType="primFontSz" refFor="des" refForName="txOne" op="lte"/>
-      <dgm:constr type="primFontSz" for="des" forName="txThree" refType="primFontSz" refFor="des" refForName="txTwo" op="lte"/>
-      <dgm:constr type="primFontSz" for="des" forName="txFour" val="65"/>
-      <dgm:constr type="primFontSz" for="des" forName="txFour" refType="primFontSz" refFor="des" refForName="txOne" op="lte"/>
-      <dgm:constr type="primFontSz" for="des" forName="txFour" refType="primFontSz" refFor="des" refForName="txTwo" op="lte"/>
-      <dgm:constr type="primFontSz" for="des" forName="txFour" refType="primFontSz" refFor="des" refForName="txThree" op="lte"/>
-      <dgm:constr type="w" for="des" forName="sibSpaceOne" refType="w" fact="0.168"/>
-      <dgm:constr type="w" for="des" forName="sibSpaceTwo" refType="w" refFor="des" refForName="sibSpaceOne" op="equ" fact="0.5"/>
-      <dgm:constr type="w" for="des" forName="sibSpaceThree" refType="w" refFor="des" refForName="sibSpaceTwo" op="equ" fact="0.5"/>
-      <dgm:constr type="w" for="des" forName="sibSpaceFour" refType="w" refFor="des" refForName="sibSpaceThree" op="equ" fact="0.5"/>
-      <dgm:constr type="h" for="des" forName="parTransOne" refType="w" fact="0.056"/>
-      <dgm:constr type="h" for="des" forName="parTransTwo" refType="h" refFor="des" refForName="parTransOne" op="equ"/>
-      <dgm:constr type="h" for="des" forName="parTransThree" refType="h" refFor="des" refForName="parTransTwo" op="equ"/>
-      <dgm:constr type="h" for="des" forName="parTransFour" refType="h" refFor="des" refForName="parTransThree" op="equ"/>
-    </dgm:constrLst>
-    <dgm:ruleLst/>
-    <dgm:forEach name="Name4" axis="ch" ptType="node">
-      <dgm:layoutNode name="vertOne">
-        <dgm:alg type="lin">
-          <dgm:param type="linDir" val="fromB"/>
-        </dgm:alg>
-        <dgm:shape xmlns:r="http://schemas.openxmlformats.org/officeDocument/2006/relationships" r:blip="">
-          <dgm:adjLst/>
-        </dgm:shape>
-        <dgm:presOf/>
-        <dgm:constrLst>
-          <dgm:constr type="w" for="ch" forName="txOne" refType="w" refFor="ch" refForName="horzOne" op="gte"/>
-        </dgm:constrLst>
-        <dgm:ruleLst/>
-        <dgm:layoutNode name="txOne" styleLbl="node0">
-          <dgm:varLst>
-            <dgm:chPref val="3"/>
-          </dgm:varLst>
-          <dgm:alg type="tx"/>
-          <dgm:shape xmlns:r="http://schemas.openxmlformats.org/officeDocument/2006/relationships" type="roundRect" r:blip="">
-            <dgm:adjLst>
-              <dgm:adj idx="1" val="0.1"/>
-            </dgm:adjLst>
-          </dgm:shape>
-          <dgm:presOf axis="self"/>
-          <dgm:constrLst>
-            <dgm:constr type="tMarg" refType="primFontSz" fact="0.3"/>
-            <dgm:constr type="bMarg" refType="primFontSz" fact="0.3"/>
-            <dgm:constr type="lMarg" refType="primFontSz" fact="0.3"/>
-            <dgm:constr type="rMarg" refType="primFontSz" fact="0.3"/>
-          </dgm:constrLst>
-          <dgm:ruleLst>
-            <dgm:rule type="primFontSz" val="5" fact="NaN" max="NaN"/>
-          </dgm:ruleLst>
-        </dgm:layoutNode>
-        <dgm:choose name="Name5">
-          <dgm:if name="Name6" axis="des" ptType="node" func="cnt" op="gt" val="0">
-            <dgm:layoutNode name="parTransOne">
-              <dgm:alg type="sp"/>
-              <dgm:shape xmlns:r="http://schemas.openxmlformats.org/officeDocument/2006/relationships" r:blip="">
-                <dgm:adjLst/>
-              </dgm:shape>
-              <dgm:presOf/>
-              <dgm:constrLst/>
-              <dgm:ruleLst/>
-            </dgm:layoutNode>
-          </dgm:if>
-          <dgm:else name="Name7"/>
-        </dgm:choose>
-        <dgm:layoutNode name="horzOne">
-          <dgm:choose name="Name8">
-            <dgm:if name="Name9" func="var" arg="dir" op="equ" val="norm">
-              <dgm:alg type="lin">
-                <dgm:param type="linDir" val="fromL"/>
-                <dgm:param type="nodeVertAlign" val="b"/>
-              </dgm:alg>
-            </dgm:if>
-            <dgm:else name="Name10">
-              <dgm:alg type="lin">
-                <dgm:param type="linDir" val="fromR"/>
-                <dgm:param type="nodeVertAlign" val="b"/>
-              </dgm:alg>
-            </dgm:else>
-          </dgm:choose>
-          <dgm:shape xmlns:r="http://schemas.openxmlformats.org/officeDocument/2006/relationships" r:blip="">
-            <dgm:adjLst/>
-          </dgm:shape>
-          <dgm:presOf/>
-          <dgm:constrLst/>
-          <dgm:ruleLst>
-            <dgm:rule type="w" val="INF" fact="NaN" max="NaN"/>
-          </dgm:ruleLst>
-          <dgm:forEach name="Name11" axis="ch" ptType="node">
-            <dgm:layoutNode name="vertTwo">
-              <dgm:alg type="lin">
-                <dgm:param type="linDir" val="fromB"/>
-              </dgm:alg>
-              <dgm:shape xmlns:r="http://schemas.openxmlformats.org/officeDocument/2006/relationships" r:blip="">
-                <dgm:adjLst/>
-              </dgm:shape>
-              <dgm:presOf/>
-              <dgm:constrLst>
-                <dgm:constr type="w" for="ch" forName="txTwo" refType="w" refFor="ch" refForName="horzTwo" op="gte"/>
-              </dgm:constrLst>
-              <dgm:ruleLst/>
-              <dgm:layoutNode name="txTwo">
-                <dgm:varLst>
-                  <dgm:chPref val="3"/>
-                </dgm:varLst>
-                <dgm:alg type="tx"/>
-                <dgm:shape xmlns:r="http://schemas.openxmlformats.org/officeDocument/2006/relationships" type="roundRect" r:blip="">
-                  <dgm:adjLst>
-                    <dgm:adj idx="1" val="0.1"/>
-                  </dgm:adjLst>
-                </dgm:shape>
-                <dgm:presOf axis="self"/>
-                <dgm:constrLst>
-                  <dgm:constr type="userH"/>
-                  <dgm:constr type="h" refType="userH"/>
-                  <dgm:constr type="tMarg" refType="primFontSz" fact="0.3"/>
-                  <dgm:constr type="bMarg" refType="primFontSz" fact="0.3"/>
-                  <dgm:constr type="lMarg" refType="primFontSz" fact="0.3"/>
-                  <dgm:constr type="rMarg" refType="primFontSz" fact="0.3"/>
-                </dgm:constrLst>
-                <dgm:ruleLst>
-                  <dgm:rule type="primFontSz" val="5" fact="NaN" max="NaN"/>
-                </dgm:ruleLst>
-              </dgm:layoutNode>
-              <dgm:choose name="Name12">
-                <dgm:if name="Name13" axis="des" ptType="node" func="cnt" op="gt" val="0">
-                  <dgm:layoutNode name="parTransTwo">
-                    <dgm:alg type="sp"/>
-                    <dgm:shape xmlns:r="http://schemas.openxmlformats.org/officeDocument/2006/relationships" r:blip="">
-                      <dgm:adjLst/>
-                    </dgm:shape>
-                    <dgm:presOf/>
-                    <dgm:constrLst/>
-                    <dgm:ruleLst/>
-                  </dgm:layoutNode>
-                </dgm:if>
-                <dgm:else name="Name14"/>
-              </dgm:choose>
-              <dgm:layoutNode name="horzTwo">
-                <dgm:choose name="Name15">
-                  <dgm:if name="Name16" func="var" arg="dir" op="equ" val="norm">
-                    <dgm:alg type="lin">
-                      <dgm:param type="linDir" val="fromL"/>
-                      <dgm:param type="nodeVertAlign" val="b"/>
-                    </dgm:alg>
-                  </dgm:if>
-                  <dgm:else name="Name17">
-                    <dgm:alg type="lin">
-                      <dgm:param type="linDir" val="fromR"/>
-                      <dgm:param type="nodeVertAlign" val="b"/>
-                    </dgm:alg>
-                  </dgm:else>
-                </dgm:choose>
-                <dgm:shape xmlns:r="http://schemas.openxmlformats.org/officeDocument/2006/relationships" r:blip="">
-                  <dgm:adjLst/>
-                </dgm:shape>
-                <dgm:presOf/>
-                <dgm:constrLst/>
-                <dgm:ruleLst>
-                  <dgm:rule type="w" val="INF" fact="NaN" max="NaN"/>
-                </dgm:ruleLst>
-                <dgm:forEach name="Name18" axis="ch" ptType="node">
-                  <dgm:layoutNode name="vertThree">
-                    <dgm:alg type="lin">
-                      <dgm:param type="linDir" val="fromB"/>
-                    </dgm:alg>
-                    <dgm:shape xmlns:r="http://schemas.openxmlformats.org/officeDocument/2006/relationships" r:blip="">
-                      <dgm:adjLst/>
-                    </dgm:shape>
-                    <dgm:presOf/>
-                    <dgm:constrLst>
-                      <dgm:constr type="w" for="ch" forName="txThree" refType="w" refFor="ch" refForName="horzThree" op="gte"/>
-                    </dgm:constrLst>
-                    <dgm:ruleLst/>
-                    <dgm:layoutNode name="txThree">
-                      <dgm:varLst>
-                        <dgm:chPref val="3"/>
-                      </dgm:varLst>
-                      <dgm:alg type="tx"/>
-                      <dgm:shape xmlns:r="http://schemas.openxmlformats.org/officeDocument/2006/relationships" type="roundRect" r:blip="">
-                        <dgm:adjLst>
-                          <dgm:adj idx="1" val="0.1"/>
-                        </dgm:adjLst>
-                      </dgm:shape>
-                      <dgm:presOf axis="self"/>
-                      <dgm:constrLst>
-                        <dgm:constr type="userH"/>
-                        <dgm:constr type="h" refType="userH"/>
-                        <dgm:constr type="tMarg" refType="primFontSz" fact="0.3"/>
-                        <dgm:constr type="bMarg" refType="primFontSz" fact="0.3"/>
-                        <dgm:constr type="lMarg" refType="primFontSz" fact="0.3"/>
-                        <dgm:constr type="rMarg" refType="primFontSz" fact="0.3"/>
-                      </dgm:constrLst>
-                      <dgm:ruleLst>
-                        <dgm:rule type="primFontSz" val="5" fact="NaN" max="NaN"/>
-                      </dgm:ruleLst>
-                    </dgm:layoutNode>
-                    <dgm:choose name="Name19">
-                      <dgm:if name="Name20" axis="des" ptType="node" func="cnt" op="gt" val="0">
-                        <dgm:layoutNode name="parTransThree">
-                          <dgm:alg type="sp"/>
-                          <dgm:shape xmlns:r="http://schemas.openxmlformats.org/officeDocument/2006/relationships" r:blip="">
-                            <dgm:adjLst/>
-                          </dgm:shape>
-                          <dgm:presOf/>
-                          <dgm:constrLst/>
-                          <dgm:ruleLst/>
-                        </dgm:layoutNode>
-                      </dgm:if>
-                      <dgm:else name="Name21"/>
-                    </dgm:choose>
-                    <dgm:layoutNode name="horzThree">
-                      <dgm:choose name="Name22">
-                        <dgm:if name="Name23" func="var" arg="dir" op="equ" val="norm">
-                          <dgm:alg type="lin">
-                            <dgm:param type="linDir" val="fromL"/>
-                            <dgm:param type="nodeVertAlign" val="b"/>
-                          </dgm:alg>
-                        </dgm:if>
-                        <dgm:else name="Name24">
-                          <dgm:alg type="lin">
-                            <dgm:param type="linDir" val="fromR"/>
-                            <dgm:param type="nodeVertAlign" val="b"/>
-                          </dgm:alg>
-                        </dgm:else>
-                      </dgm:choose>
-                      <dgm:shape xmlns:r="http://schemas.openxmlformats.org/officeDocument/2006/relationships" r:blip="">
-                        <dgm:adjLst/>
-                      </dgm:shape>
-                      <dgm:presOf/>
-                      <dgm:constrLst/>
-                      <dgm:ruleLst>
-                        <dgm:rule type="w" val="INF" fact="NaN" max="NaN"/>
-                      </dgm:ruleLst>
-                      <dgm:forEach name="repeat" axis="ch" ptType="node">
-                        <dgm:layoutNode name="vertFour">
-                          <dgm:varLst>
-                            <dgm:chPref val="3"/>
-                          </dgm:varLst>
-                          <dgm:alg type="lin">
-                            <dgm:param type="linDir" val="fromB"/>
-                          </dgm:alg>
-                          <dgm:shape xmlns:r="http://schemas.openxmlformats.org/officeDocument/2006/relationships" r:blip="">
-                            <dgm:adjLst/>
-                          </dgm:shape>
-                          <dgm:presOf/>
-                          <dgm:constrLst>
-                            <dgm:constr type="w" for="ch" forName="txFour" refType="w" refFor="ch" refForName="horzFour" op="gte"/>
-                          </dgm:constrLst>
-                          <dgm:ruleLst/>
-                          <dgm:layoutNode name="txFour">
-                            <dgm:varLst>
-                              <dgm:chPref val="3"/>
-                            </dgm:varLst>
-                            <dgm:alg type="tx"/>
-                            <dgm:shape xmlns:r="http://schemas.openxmlformats.org/officeDocument/2006/relationships" type="roundRect" r:blip="">
-                              <dgm:adjLst>
-                                <dgm:adj idx="1" val="0.1"/>
-                              </dgm:adjLst>
-                            </dgm:shape>
-                            <dgm:presOf axis="self"/>
-                            <dgm:constrLst>
-                              <dgm:constr type="userH"/>
-                              <dgm:constr type="h" refType="userH"/>
-                              <dgm:constr type="tMarg" refType="primFontSz" fact="0.3"/>
-                              <dgm:constr type="bMarg" refType="primFontSz" fact="0.3"/>
-                              <dgm:constr type="lMarg" refType="primFontSz" fact="0.3"/>
-                              <dgm:constr type="rMarg" refType="primFontSz" fact="0.3"/>
-                            </dgm:constrLst>
-                            <dgm:ruleLst>
-                              <dgm:rule type="primFontSz" val="5" fact="NaN" max="NaN"/>
-                            </dgm:ruleLst>
-                          </dgm:layoutNode>
-                          <dgm:choose name="Name25">
-                            <dgm:if name="Name26" axis="des" ptType="node" func="cnt" op="gt" val="0">
-                              <dgm:layoutNode name="parTransFour">
-                                <dgm:alg type="sp"/>
-                                <dgm:shape xmlns:r="http://schemas.openxmlformats.org/officeDocument/2006/relationships" r:blip="">
-                                  <dgm:adjLst/>
-                                </dgm:shape>
-                                <dgm:presOf/>
-                                <dgm:constrLst/>
-                                <dgm:ruleLst/>
-                              </dgm:layoutNode>
-                            </dgm:if>
-                            <dgm:else name="Name27"/>
-                          </dgm:choose>
-                          <dgm:layoutNode name="horzFour">
-                            <dgm:choose name="Name28">
-                              <dgm:if name="Name29" func="var" arg="dir" op="equ" val="norm">
-                                <dgm:alg type="lin">
-                                  <dgm:param type="linDir" val="fromL"/>
-                                  <dgm:param type="nodeVertAlign" val="b"/>
-                                </dgm:alg>
-                              </dgm:if>
-                              <dgm:else name="Name30">
-                                <dgm:alg type="lin">
-                                  <dgm:param type="linDir" val="fromR"/>
-                                  <dgm:param type="nodeVertAlign" val="b"/>
-                                </dgm:alg>
-                              </dgm:else>
-                            </dgm:choose>
-                            <dgm:shape xmlns:r="http://schemas.openxmlformats.org/officeDocument/2006/relationships" r:blip="">
-                              <dgm:adjLst/>
-                            </dgm:shape>
-                            <dgm:presOf/>
-                            <dgm:constrLst/>
-                            <dgm:ruleLst>
-                              <dgm:rule type="w" val="INF" fact="NaN" max="NaN"/>
-                            </dgm:ruleLst>
-                            <dgm:forEach name="Name31" ref="repeat"/>
-                          </dgm:layoutNode>
-                        </dgm:layoutNode>
-                        <dgm:choose name="Name32">
-                          <dgm:if name="Name33" axis="self" ptType="node" func="revPos" op="gte" val="2">
-                            <dgm:forEach name="Name34" axis="followSib" ptType="sibTrans" cnt="1">
-                              <dgm:layoutNode name="sibSpaceFour">
-                                <dgm:alg type="sp"/>
-                                <dgm:shape xmlns:r="http://schemas.openxmlformats.org/officeDocument/2006/relationships" r:blip="">
-                                  <dgm:adjLst/>
-                                </dgm:shape>
-                                <dgm:presOf/>
-                                <dgm:constrLst/>
-                                <dgm:ruleLst/>
-                              </dgm:layoutNode>
-                            </dgm:forEach>
-                          </dgm:if>
-                          <dgm:else name="Name35"/>
-                        </dgm:choose>
-                      </dgm:forEach>
-                    </dgm:layoutNode>
-                  </dgm:layoutNode>
-                  <dgm:choose name="Name36">
-                    <dgm:if name="Name37" axis="self" ptType="node" func="revPos" op="gte" val="2">
-                      <dgm:forEach name="Name38" axis="followSib" ptType="sibTrans" cnt="1">
-                        <dgm:layoutNode name="sibSpaceThree">
-                          <dgm:alg type="sp"/>
-                          <dgm:shape xmlns:r="http://schemas.openxmlformats.org/officeDocument/2006/relationships" r:blip="">
-                            <dgm:adjLst/>
-                          </dgm:shape>
-                          <dgm:presOf/>
-                          <dgm:constrLst/>
-                          <dgm:ruleLst/>
-                        </dgm:layoutNode>
-                      </dgm:forEach>
-                    </dgm:if>
-                    <dgm:else name="Name39"/>
-                  </dgm:choose>
-                </dgm:forEach>
-              </dgm:layoutNode>
-            </dgm:layoutNode>
-            <dgm:choose name="Name40">
-              <dgm:if name="Name41" axis="self" ptType="node" func="revPos" op="gte" val="2">
-                <dgm:forEach name="Name42" axis="followSib" ptType="sibTrans" cnt="1">
-                  <dgm:layoutNode name="sibSpaceTwo">
-                    <dgm:alg type="sp"/>
-                    <dgm:shape xmlns:r="http://schemas.openxmlformats.org/officeDocument/2006/relationships" r:blip="">
-                      <dgm:adjLst/>
-                    </dgm:shape>
-                    <dgm:presOf/>
-                    <dgm:constrLst/>
-                    <dgm:ruleLst/>
-                  </dgm:layoutNode>
-                </dgm:forEach>
-              </dgm:if>
-              <dgm:else name="Name43"/>
-            </dgm:choose>
-          </dgm:forEach>
-        </dgm:layoutNode>
-      </dgm:layoutNode>
-      <dgm:choose name="Name44">
-        <dgm:if name="Name45" axis="self" ptType="node" func="revPos" op="gte" val="2">
-          <dgm:forEach name="Name46" axis="followSib" ptType="sibTrans" cnt="1">
-            <dgm:layoutNode name="sibSpaceOne">
-              <dgm:alg type="sp"/>
-              <dgm:shape xmlns:r="http://schemas.openxmlformats.org/officeDocument/2006/relationships" r:blip="">
-                <dgm:adjLst/>
-              </dgm:shape>
-              <dgm:presOf/>
-              <dgm:constrLst/>
-              <dgm:ruleLst/>
-            </dgm:layoutNode>
-          </dgm:forEach>
-        </dgm:if>
-        <dgm:else name="Name47"/>
-      </dgm:choose>
-    </dgm:forEach>
-  </dgm:layoutNode>
-</dgm:layoutDef>
-</file>
-
-<file path=ppt/diagrams/layout9.xml><?xml version="1.0" encoding="utf-8"?>
 <dgm:layoutDef xmlns:dgm="http://schemas.openxmlformats.org/drawingml/2006/diagram" xmlns:a="http://schemas.openxmlformats.org/drawingml/2006/main" uniqueId="urn:microsoft.com/office/officeart/2018/2/layout/IconCircleList">
   <dgm:title val="Icon Circle List"/>
   <dgm:desc val="Use to show non-sequential or grouped chunks of information accompanied by related visuals. Circular shapes can hold an icon or small picture and corresponding text box shows Level 1 text. Works best for icons or small pictures with medium-length descriptions."/>
@@ -18147,6 +18113,173 @@
       </dgm1612:lstStyle>
     </a:ext>
   </dgm:extLst>
+</dgm:layoutDef>
+</file>
+
+<file path=ppt/diagrams/layout9.xml><?xml version="1.0" encoding="utf-8"?>
+<dgm:layoutDef xmlns:dgm="http://schemas.openxmlformats.org/drawingml/2006/diagram" xmlns:a="http://schemas.openxmlformats.org/drawingml/2006/main" uniqueId="urn:microsoft.com/office/officeart/2005/8/layout/vList2">
+  <dgm:title val=""/>
+  <dgm:desc val=""/>
+  <dgm:catLst>
+    <dgm:cat type="list" pri="3000"/>
+    <dgm:cat type="convert" pri="1000"/>
+  </dgm:catLst>
+  <dgm:sampData>
+    <dgm:dataModel>
+      <dgm:ptLst>
+        <dgm:pt modelId="0" type="doc"/>
+        <dgm:pt modelId="1">
+          <dgm:prSet phldr="1"/>
+        </dgm:pt>
+        <dgm:pt modelId="11">
+          <dgm:prSet phldr="1"/>
+        </dgm:pt>
+        <dgm:pt modelId="2">
+          <dgm:prSet phldr="1"/>
+        </dgm:pt>
+        <dgm:pt modelId="21">
+          <dgm:prSet phldr="1"/>
+        </dgm:pt>
+      </dgm:ptLst>
+      <dgm:cxnLst>
+        <dgm:cxn modelId="4" srcId="0" destId="1" srcOrd="0" destOrd="0"/>
+        <dgm:cxn modelId="5" srcId="0" destId="2" srcOrd="1" destOrd="0"/>
+        <dgm:cxn modelId="12" srcId="1" destId="11" srcOrd="0" destOrd="0"/>
+        <dgm:cxn modelId="23" srcId="2" destId="21" srcOrd="0" destOrd="0"/>
+      </dgm:cxnLst>
+      <dgm:bg/>
+      <dgm:whole/>
+    </dgm:dataModel>
+  </dgm:sampData>
+  <dgm:styleData>
+    <dgm:dataModel>
+      <dgm:ptLst>
+        <dgm:pt modelId="0" type="doc"/>
+        <dgm:pt modelId="1"/>
+        <dgm:pt modelId="2"/>
+      </dgm:ptLst>
+      <dgm:cxnLst>
+        <dgm:cxn modelId="3" srcId="0" destId="1" srcOrd="0" destOrd="0"/>
+        <dgm:cxn modelId="4" srcId="0" destId="2" srcOrd="1" destOrd="0"/>
+      </dgm:cxnLst>
+      <dgm:bg/>
+      <dgm:whole/>
+    </dgm:dataModel>
+  </dgm:styleData>
+  <dgm:clrData>
+    <dgm:dataModel>
+      <dgm:ptLst>
+        <dgm:pt modelId="0" type="doc"/>
+        <dgm:pt modelId="1"/>
+        <dgm:pt modelId="2"/>
+        <dgm:pt modelId="3"/>
+        <dgm:pt modelId="4"/>
+      </dgm:ptLst>
+      <dgm:cxnLst>
+        <dgm:cxn modelId="5" srcId="0" destId="1" srcOrd="0" destOrd="0"/>
+        <dgm:cxn modelId="6" srcId="0" destId="2" srcOrd="1" destOrd="0"/>
+        <dgm:cxn modelId="7" srcId="0" destId="3" srcOrd="2" destOrd="0"/>
+        <dgm:cxn modelId="8" srcId="0" destId="4" srcOrd="3" destOrd="0"/>
+      </dgm:cxnLst>
+      <dgm:bg/>
+      <dgm:whole/>
+    </dgm:dataModel>
+  </dgm:clrData>
+  <dgm:layoutNode name="linear">
+    <dgm:varLst>
+      <dgm:animLvl val="lvl"/>
+      <dgm:resizeHandles val="exact"/>
+    </dgm:varLst>
+    <dgm:alg type="lin">
+      <dgm:param type="linDir" val="fromT"/>
+      <dgm:param type="vertAlign" val="mid"/>
+    </dgm:alg>
+    <dgm:shape xmlns:r="http://schemas.openxmlformats.org/officeDocument/2006/relationships" r:blip="">
+      <dgm:adjLst/>
+    </dgm:shape>
+    <dgm:presOf/>
+    <dgm:constrLst>
+      <dgm:constr type="w" for="ch" forName="parentText" refType="w"/>
+      <dgm:constr type="h" for="ch" forName="parentText" refType="primFontSz" refFor="ch" refForName="parentText" fact="0.52"/>
+      <dgm:constr type="w" for="ch" forName="childText" refType="w"/>
+      <dgm:constr type="h" for="ch" forName="childText" refType="primFontSz" refFor="ch" refForName="parentText" fact="0.46"/>
+      <dgm:constr type="h" for="ch" forName="parentText" op="equ"/>
+      <dgm:constr type="primFontSz" for="ch" forName="parentText" op="equ" val="65"/>
+      <dgm:constr type="primFontSz" for="ch" forName="childText" refType="primFontSz" refFor="ch" refForName="parentText" op="equ"/>
+      <dgm:constr type="h" for="ch" forName="spacer" refType="primFontSz" refFor="ch" refForName="parentText" fact="0.08"/>
+    </dgm:constrLst>
+    <dgm:ruleLst>
+      <dgm:rule type="primFontSz" for="ch" forName="parentText" val="5" fact="NaN" max="NaN"/>
+    </dgm:ruleLst>
+    <dgm:forEach name="Name0" axis="ch" ptType="node">
+      <dgm:layoutNode name="parentText" styleLbl="node1">
+        <dgm:varLst>
+          <dgm:chMax val="0"/>
+          <dgm:bulletEnabled val="1"/>
+        </dgm:varLst>
+        <dgm:alg type="tx">
+          <dgm:param type="parTxLTRAlign" val="l"/>
+          <dgm:param type="parTxRTLAlign" val="r"/>
+        </dgm:alg>
+        <dgm:shape xmlns:r="http://schemas.openxmlformats.org/officeDocument/2006/relationships" type="roundRect" r:blip="">
+          <dgm:adjLst/>
+        </dgm:shape>
+        <dgm:presOf axis="self"/>
+        <dgm:constrLst>
+          <dgm:constr type="tMarg" refType="primFontSz" fact="0.3"/>
+          <dgm:constr type="bMarg" refType="primFontSz" fact="0.3"/>
+          <dgm:constr type="lMarg" refType="primFontSz" fact="0.3"/>
+          <dgm:constr type="rMarg" refType="primFontSz" fact="0.3"/>
+        </dgm:constrLst>
+        <dgm:ruleLst>
+          <dgm:rule type="h" val="INF" fact="NaN" max="NaN"/>
+        </dgm:ruleLst>
+      </dgm:layoutNode>
+      <dgm:choose name="Name1">
+        <dgm:if name="Name2" axis="ch" ptType="node" func="cnt" op="gte" val="1">
+          <dgm:layoutNode name="childText" styleLbl="revTx">
+            <dgm:varLst>
+              <dgm:bulletEnabled val="1"/>
+            </dgm:varLst>
+            <dgm:alg type="tx">
+              <dgm:param type="stBulletLvl" val="1"/>
+              <dgm:param type="lnSpAfChP" val="20"/>
+            </dgm:alg>
+            <dgm:shape xmlns:r="http://schemas.openxmlformats.org/officeDocument/2006/relationships" type="rect" r:blip="">
+              <dgm:adjLst/>
+            </dgm:shape>
+            <dgm:presOf axis="des" ptType="node"/>
+            <dgm:constrLst>
+              <dgm:constr type="tMarg" refType="primFontSz" fact="0.1"/>
+              <dgm:constr type="bMarg" refType="primFontSz" fact="0.1"/>
+              <dgm:constr type="lMarg" refType="w" fact="0.09"/>
+            </dgm:constrLst>
+            <dgm:ruleLst>
+              <dgm:rule type="h" val="INF" fact="NaN" max="NaN"/>
+            </dgm:ruleLst>
+          </dgm:layoutNode>
+        </dgm:if>
+        <dgm:else name="Name3">
+          <dgm:choose name="Name4">
+            <dgm:if name="Name5" axis="par ch" ptType="doc node" func="cnt" op="gte" val="2">
+              <dgm:forEach name="Name6" axis="followSib" ptType="sibTrans" cnt="1">
+                <dgm:layoutNode name="spacer">
+                  <dgm:alg type="sp"/>
+                  <dgm:shape xmlns:r="http://schemas.openxmlformats.org/officeDocument/2006/relationships" r:blip="">
+                    <dgm:adjLst/>
+                  </dgm:shape>
+                  <dgm:presOf/>
+                  <dgm:constrLst/>
+                  <dgm:ruleLst/>
+                </dgm:layoutNode>
+              </dgm:forEach>
+            </dgm:if>
+            <dgm:else name="Name7"/>
+          </dgm:choose>
+        </dgm:else>
+      </dgm:choose>
+    </dgm:forEach>
+  </dgm:layoutNode>
 </dgm:layoutDef>
 </file>
 
@@ -28883,6 +29016,993 @@
           <a:bodyPr/>
           <a:lstStyle/>
           <a:p>
+            <a:endParaRPr lang="en-US" dirty="0"/>
+          </a:p>
+        </p:txBody>
+      </p:sp>
+      <p:sp>
+        <p:nvSpPr>
+          <p:cNvPr id="4" name="Slide Number Placeholder 3"/>
+          <p:cNvSpPr>
+            <a:spLocks noGrp="1"/>
+          </p:cNvSpPr>
+          <p:nvPr>
+            <p:ph type="sldNum" sz="quarter" idx="10"/>
+          </p:nvPr>
+        </p:nvSpPr>
+        <p:spPr/>
+        <p:txBody>
+          <a:bodyPr/>
+          <a:lstStyle/>
+          <a:p>
+            <a:fld id="{2BFF4943-51BC-4596-938E-11D2CDC729C4}" type="slidenum">
+              <a:rPr lang="en-US" smtClean="0"/>
+              <a:t>2</a:t>
+            </a:fld>
+            <a:endParaRPr lang="en-US"/>
+          </a:p>
+        </p:txBody>
+      </p:sp>
+    </p:spTree>
+    <p:extLst>
+      <p:ext uri="{BB962C8B-B14F-4D97-AF65-F5344CB8AC3E}">
+        <p14:creationId xmlns:p14="http://schemas.microsoft.com/office/powerpoint/2010/main" val="1522981160"/>
+      </p:ext>
+    </p:extLst>
+  </p:cSld>
+  <p:clrMapOvr>
+    <a:masterClrMapping/>
+  </p:clrMapOvr>
+</p:notes>
+</file>
+
+<file path=ppt/notesSlides/notesSlide10.xml><?xml version="1.0" encoding="utf-8"?>
+<p:notes xmlns:a="http://schemas.openxmlformats.org/drawingml/2006/main" xmlns:r="http://schemas.openxmlformats.org/officeDocument/2006/relationships" xmlns:p="http://schemas.openxmlformats.org/presentationml/2006/main">
+  <p:cSld>
+    <p:spTree>
+      <p:nvGrpSpPr>
+        <p:cNvPr id="1" name=""/>
+        <p:cNvGrpSpPr/>
+        <p:nvPr/>
+      </p:nvGrpSpPr>
+      <p:grpSpPr>
+        <a:xfrm>
+          <a:off x="0" y="0"/>
+          <a:ext cx="0" cy="0"/>
+          <a:chOff x="0" y="0"/>
+          <a:chExt cx="0" cy="0"/>
+        </a:xfrm>
+      </p:grpSpPr>
+      <p:sp>
+        <p:nvSpPr>
+          <p:cNvPr id="2" name="Slide Image Placeholder 1"/>
+          <p:cNvSpPr>
+            <a:spLocks noGrp="1" noRot="1" noChangeAspect="1"/>
+          </p:cNvSpPr>
+          <p:nvPr>
+            <p:ph type="sldImg"/>
+          </p:nvPr>
+        </p:nvSpPr>
+        <p:spPr/>
+      </p:sp>
+      <p:sp>
+        <p:nvSpPr>
+          <p:cNvPr id="3" name="Notes Placeholder 2"/>
+          <p:cNvSpPr>
+            <a:spLocks noGrp="1"/>
+          </p:cNvSpPr>
+          <p:nvPr>
+            <p:ph type="body" idx="1"/>
+          </p:nvPr>
+        </p:nvSpPr>
+        <p:spPr/>
+        <p:txBody>
+          <a:bodyPr/>
+          <a:lstStyle/>
+          <a:p>
+            <a:endParaRPr lang="en-US" dirty="0"/>
+          </a:p>
+        </p:txBody>
+      </p:sp>
+      <p:sp>
+        <p:nvSpPr>
+          <p:cNvPr id="4" name="Slide Number Placeholder 3"/>
+          <p:cNvSpPr>
+            <a:spLocks noGrp="1"/>
+          </p:cNvSpPr>
+          <p:nvPr>
+            <p:ph type="sldNum" sz="quarter" idx="10"/>
+          </p:nvPr>
+        </p:nvSpPr>
+        <p:spPr/>
+        <p:txBody>
+          <a:bodyPr/>
+          <a:lstStyle/>
+          <a:p>
+            <a:fld id="{2BFF4943-51BC-4596-938E-11D2CDC729C4}" type="slidenum">
+              <a:rPr lang="en-US" smtClean="0"/>
+              <a:t>13</a:t>
+            </a:fld>
+            <a:endParaRPr lang="en-US"/>
+          </a:p>
+        </p:txBody>
+      </p:sp>
+    </p:spTree>
+    <p:extLst>
+      <p:ext uri="{BB962C8B-B14F-4D97-AF65-F5344CB8AC3E}">
+        <p14:creationId xmlns:p14="http://schemas.microsoft.com/office/powerpoint/2010/main" val="1910910426"/>
+      </p:ext>
+    </p:extLst>
+  </p:cSld>
+  <p:clrMapOvr>
+    <a:masterClrMapping/>
+  </p:clrMapOvr>
+</p:notes>
+</file>
+
+<file path=ppt/notesSlides/notesSlide11.xml><?xml version="1.0" encoding="utf-8"?>
+<p:notes xmlns:a="http://schemas.openxmlformats.org/drawingml/2006/main" xmlns:r="http://schemas.openxmlformats.org/officeDocument/2006/relationships" xmlns:p="http://schemas.openxmlformats.org/presentationml/2006/main">
+  <p:cSld>
+    <p:spTree>
+      <p:nvGrpSpPr>
+        <p:cNvPr id="1" name=""/>
+        <p:cNvGrpSpPr/>
+        <p:nvPr/>
+      </p:nvGrpSpPr>
+      <p:grpSpPr>
+        <a:xfrm>
+          <a:off x="0" y="0"/>
+          <a:ext cx="0" cy="0"/>
+          <a:chOff x="0" y="0"/>
+          <a:chExt cx="0" cy="0"/>
+        </a:xfrm>
+      </p:grpSpPr>
+      <p:sp>
+        <p:nvSpPr>
+          <p:cNvPr id="2" name="Slide Image Placeholder 1"/>
+          <p:cNvSpPr>
+            <a:spLocks noGrp="1" noRot="1" noChangeAspect="1"/>
+          </p:cNvSpPr>
+          <p:nvPr>
+            <p:ph type="sldImg"/>
+          </p:nvPr>
+        </p:nvSpPr>
+        <p:spPr/>
+      </p:sp>
+      <p:sp>
+        <p:nvSpPr>
+          <p:cNvPr id="3" name="Notes Placeholder 2"/>
+          <p:cNvSpPr>
+            <a:spLocks noGrp="1"/>
+          </p:cNvSpPr>
+          <p:nvPr>
+            <p:ph type="body" idx="1"/>
+          </p:nvPr>
+        </p:nvSpPr>
+        <p:spPr/>
+        <p:txBody>
+          <a:bodyPr/>
+          <a:lstStyle/>
+          <a:p>
+            <a:endParaRPr lang="en-US" dirty="0"/>
+          </a:p>
+        </p:txBody>
+      </p:sp>
+      <p:sp>
+        <p:nvSpPr>
+          <p:cNvPr id="4" name="Slide Number Placeholder 3"/>
+          <p:cNvSpPr>
+            <a:spLocks noGrp="1"/>
+          </p:cNvSpPr>
+          <p:nvPr>
+            <p:ph type="sldNum" sz="quarter" idx="10"/>
+          </p:nvPr>
+        </p:nvSpPr>
+        <p:spPr/>
+        <p:txBody>
+          <a:bodyPr/>
+          <a:lstStyle/>
+          <a:p>
+            <a:fld id="{2BFF4943-51BC-4596-938E-11D2CDC729C4}" type="slidenum">
+              <a:rPr lang="en-US" smtClean="0"/>
+              <a:t>14</a:t>
+            </a:fld>
+            <a:endParaRPr lang="en-US"/>
+          </a:p>
+        </p:txBody>
+      </p:sp>
+    </p:spTree>
+    <p:extLst>
+      <p:ext uri="{BB962C8B-B14F-4D97-AF65-F5344CB8AC3E}">
+        <p14:creationId xmlns:p14="http://schemas.microsoft.com/office/powerpoint/2010/main" val="1312637929"/>
+      </p:ext>
+    </p:extLst>
+  </p:cSld>
+  <p:clrMapOvr>
+    <a:masterClrMapping/>
+  </p:clrMapOvr>
+</p:notes>
+</file>
+
+<file path=ppt/notesSlides/notesSlide12.xml><?xml version="1.0" encoding="utf-8"?>
+<p:notes xmlns:a="http://schemas.openxmlformats.org/drawingml/2006/main" xmlns:r="http://schemas.openxmlformats.org/officeDocument/2006/relationships" xmlns:p="http://schemas.openxmlformats.org/presentationml/2006/main">
+  <p:cSld>
+    <p:spTree>
+      <p:nvGrpSpPr>
+        <p:cNvPr id="1" name=""/>
+        <p:cNvGrpSpPr/>
+        <p:nvPr/>
+      </p:nvGrpSpPr>
+      <p:grpSpPr>
+        <a:xfrm>
+          <a:off x="0" y="0"/>
+          <a:ext cx="0" cy="0"/>
+          <a:chOff x="0" y="0"/>
+          <a:chExt cx="0" cy="0"/>
+        </a:xfrm>
+      </p:grpSpPr>
+      <p:sp>
+        <p:nvSpPr>
+          <p:cNvPr id="2" name="Slide Image Placeholder 1"/>
+          <p:cNvSpPr>
+            <a:spLocks noGrp="1" noRot="1" noChangeAspect="1"/>
+          </p:cNvSpPr>
+          <p:nvPr>
+            <p:ph type="sldImg"/>
+          </p:nvPr>
+        </p:nvSpPr>
+        <p:spPr/>
+      </p:sp>
+      <p:sp>
+        <p:nvSpPr>
+          <p:cNvPr id="3" name="Notes Placeholder 2"/>
+          <p:cNvSpPr>
+            <a:spLocks noGrp="1"/>
+          </p:cNvSpPr>
+          <p:nvPr>
+            <p:ph type="body" idx="1"/>
+          </p:nvPr>
+        </p:nvSpPr>
+        <p:spPr/>
+        <p:txBody>
+          <a:bodyPr/>
+          <a:lstStyle/>
+          <a:p>
+            <a:endParaRPr lang="en-US" dirty="0"/>
+          </a:p>
+        </p:txBody>
+      </p:sp>
+      <p:sp>
+        <p:nvSpPr>
+          <p:cNvPr id="4" name="Slide Number Placeholder 3"/>
+          <p:cNvSpPr>
+            <a:spLocks noGrp="1"/>
+          </p:cNvSpPr>
+          <p:nvPr>
+            <p:ph type="sldNum" sz="quarter" idx="10"/>
+          </p:nvPr>
+        </p:nvSpPr>
+        <p:spPr/>
+        <p:txBody>
+          <a:bodyPr/>
+          <a:lstStyle/>
+          <a:p>
+            <a:fld id="{2BFF4943-51BC-4596-938E-11D2CDC729C4}" type="slidenum">
+              <a:rPr lang="en-US" smtClean="0"/>
+              <a:t>15</a:t>
+            </a:fld>
+            <a:endParaRPr lang="en-US"/>
+          </a:p>
+        </p:txBody>
+      </p:sp>
+    </p:spTree>
+    <p:extLst>
+      <p:ext uri="{BB962C8B-B14F-4D97-AF65-F5344CB8AC3E}">
+        <p14:creationId xmlns:p14="http://schemas.microsoft.com/office/powerpoint/2010/main" val="1698250601"/>
+      </p:ext>
+    </p:extLst>
+  </p:cSld>
+  <p:clrMapOvr>
+    <a:masterClrMapping/>
+  </p:clrMapOvr>
+</p:notes>
+</file>
+
+<file path=ppt/notesSlides/notesSlide2.xml><?xml version="1.0" encoding="utf-8"?>
+<p:notes xmlns:a="http://schemas.openxmlformats.org/drawingml/2006/main" xmlns:r="http://schemas.openxmlformats.org/officeDocument/2006/relationships" xmlns:p="http://schemas.openxmlformats.org/presentationml/2006/main">
+  <p:cSld>
+    <p:spTree>
+      <p:nvGrpSpPr>
+        <p:cNvPr id="1" name=""/>
+        <p:cNvGrpSpPr/>
+        <p:nvPr/>
+      </p:nvGrpSpPr>
+      <p:grpSpPr>
+        <a:xfrm>
+          <a:off x="0" y="0"/>
+          <a:ext cx="0" cy="0"/>
+          <a:chOff x="0" y="0"/>
+          <a:chExt cx="0" cy="0"/>
+        </a:xfrm>
+      </p:grpSpPr>
+      <p:sp>
+        <p:nvSpPr>
+          <p:cNvPr id="2" name="Slide Image Placeholder 1"/>
+          <p:cNvSpPr>
+            <a:spLocks noGrp="1" noRot="1" noChangeAspect="1"/>
+          </p:cNvSpPr>
+          <p:nvPr>
+            <p:ph type="sldImg"/>
+          </p:nvPr>
+        </p:nvSpPr>
+        <p:spPr/>
+      </p:sp>
+      <p:sp>
+        <p:nvSpPr>
+          <p:cNvPr id="3" name="Notes Placeholder 2"/>
+          <p:cNvSpPr>
+            <a:spLocks noGrp="1"/>
+          </p:cNvSpPr>
+          <p:nvPr>
+            <p:ph type="body" idx="1"/>
+          </p:nvPr>
+        </p:nvSpPr>
+        <p:spPr/>
+        <p:txBody>
+          <a:bodyPr/>
+          <a:lstStyle/>
+          <a:p>
+            <a:r>
+              <a:rPr lang="en-US" dirty="0"/>
+              <a:t>Workstation setup:  </a:t>
+            </a:r>
+            <a:r>
+              <a:rPr lang="en-US" dirty="0" err="1"/>
+              <a:t>Devs</a:t>
+            </a:r>
+            <a:r>
+              <a:rPr lang="en-US" dirty="0"/>
+              <a:t> and Admins require a ton of special software</a:t>
+            </a:r>
+          </a:p>
+          <a:p>
+            <a:r>
+              <a:rPr lang="en-US" dirty="0"/>
+              <a:t>Leftover Junk: When you remove apps or data, things get left out there sometimes.</a:t>
+            </a:r>
+          </a:p>
+          <a:p>
+            <a:r>
+              <a:rPr lang="en-US" dirty="0"/>
+              <a:t>GSD:  You need things to be available when you need them and not when they’re not.</a:t>
+            </a:r>
+          </a:p>
+        </p:txBody>
+      </p:sp>
+      <p:sp>
+        <p:nvSpPr>
+          <p:cNvPr id="4" name="Slide Number Placeholder 3"/>
+          <p:cNvSpPr>
+            <a:spLocks noGrp="1"/>
+          </p:cNvSpPr>
+          <p:nvPr>
+            <p:ph type="sldNum" sz="quarter" idx="10"/>
+          </p:nvPr>
+        </p:nvSpPr>
+        <p:spPr/>
+        <p:txBody>
+          <a:bodyPr/>
+          <a:lstStyle/>
+          <a:p>
+            <a:fld id="{2BFF4943-51BC-4596-938E-11D2CDC729C4}" type="slidenum">
+              <a:rPr lang="en-US" smtClean="0"/>
+              <a:t>3</a:t>
+            </a:fld>
+            <a:endParaRPr lang="en-US"/>
+          </a:p>
+        </p:txBody>
+      </p:sp>
+    </p:spTree>
+    <p:extLst>
+      <p:ext uri="{BB962C8B-B14F-4D97-AF65-F5344CB8AC3E}">
+        <p14:creationId xmlns:p14="http://schemas.microsoft.com/office/powerpoint/2010/main" val="3391927534"/>
+      </p:ext>
+    </p:extLst>
+  </p:cSld>
+  <p:clrMapOvr>
+    <a:masterClrMapping/>
+  </p:clrMapOvr>
+</p:notes>
+</file>
+
+<file path=ppt/notesSlides/notesSlide3.xml><?xml version="1.0" encoding="utf-8"?>
+<p:notes xmlns:a="http://schemas.openxmlformats.org/drawingml/2006/main" xmlns:r="http://schemas.openxmlformats.org/officeDocument/2006/relationships" xmlns:p="http://schemas.openxmlformats.org/presentationml/2006/main">
+  <p:cSld>
+    <p:spTree>
+      <p:nvGrpSpPr>
+        <p:cNvPr id="1" name=""/>
+        <p:cNvGrpSpPr/>
+        <p:nvPr/>
+      </p:nvGrpSpPr>
+      <p:grpSpPr>
+        <a:xfrm>
+          <a:off x="0" y="0"/>
+          <a:ext cx="0" cy="0"/>
+          <a:chOff x="0" y="0"/>
+          <a:chExt cx="0" cy="0"/>
+        </a:xfrm>
+      </p:grpSpPr>
+      <p:sp>
+        <p:nvSpPr>
+          <p:cNvPr id="2" name="Slide Image Placeholder 1"/>
+          <p:cNvSpPr>
+            <a:spLocks noGrp="1" noRot="1" noChangeAspect="1"/>
+          </p:cNvSpPr>
+          <p:nvPr>
+            <p:ph type="sldImg"/>
+          </p:nvPr>
+        </p:nvSpPr>
+        <p:spPr/>
+      </p:sp>
+      <p:sp>
+        <p:nvSpPr>
+          <p:cNvPr id="3" name="Notes Placeholder 2"/>
+          <p:cNvSpPr>
+            <a:spLocks noGrp="1"/>
+          </p:cNvSpPr>
+          <p:nvPr>
+            <p:ph type="body" idx="1"/>
+          </p:nvPr>
+        </p:nvSpPr>
+        <p:spPr/>
+        <p:txBody>
+          <a:bodyPr/>
+          <a:lstStyle/>
+          <a:p>
+            <a:r>
+              <a:rPr lang="en-US" dirty="0"/>
+              <a:t>Running every piece of your environment “locally”</a:t>
+            </a:r>
+          </a:p>
+        </p:txBody>
+      </p:sp>
+      <p:sp>
+        <p:nvSpPr>
+          <p:cNvPr id="4" name="Slide Number Placeholder 3"/>
+          <p:cNvSpPr>
+            <a:spLocks noGrp="1"/>
+          </p:cNvSpPr>
+          <p:nvPr>
+            <p:ph type="sldNum" sz="quarter" idx="10"/>
+          </p:nvPr>
+        </p:nvSpPr>
+        <p:spPr/>
+        <p:txBody>
+          <a:bodyPr/>
+          <a:lstStyle/>
+          <a:p>
+            <a:fld id="{2BFF4943-51BC-4596-938E-11D2CDC729C4}" type="slidenum">
+              <a:rPr lang="en-US" smtClean="0"/>
+              <a:t>5</a:t>
+            </a:fld>
+            <a:endParaRPr lang="en-US"/>
+          </a:p>
+        </p:txBody>
+      </p:sp>
+    </p:spTree>
+    <p:extLst>
+      <p:ext uri="{BB962C8B-B14F-4D97-AF65-F5344CB8AC3E}">
+        <p14:creationId xmlns:p14="http://schemas.microsoft.com/office/powerpoint/2010/main" val="1127236522"/>
+      </p:ext>
+    </p:extLst>
+  </p:cSld>
+  <p:clrMapOvr>
+    <a:masterClrMapping/>
+  </p:clrMapOvr>
+</p:notes>
+</file>
+
+<file path=ppt/notesSlides/notesSlide4.xml><?xml version="1.0" encoding="utf-8"?>
+<p:notes xmlns:a="http://schemas.openxmlformats.org/drawingml/2006/main" xmlns:r="http://schemas.openxmlformats.org/officeDocument/2006/relationships" xmlns:p="http://schemas.openxmlformats.org/presentationml/2006/main">
+  <p:cSld>
+    <p:spTree>
+      <p:nvGrpSpPr>
+        <p:cNvPr id="1" name=""/>
+        <p:cNvGrpSpPr/>
+        <p:nvPr/>
+      </p:nvGrpSpPr>
+      <p:grpSpPr>
+        <a:xfrm>
+          <a:off x="0" y="0"/>
+          <a:ext cx="0" cy="0"/>
+          <a:chOff x="0" y="0"/>
+          <a:chExt cx="0" cy="0"/>
+        </a:xfrm>
+      </p:grpSpPr>
+      <p:sp>
+        <p:nvSpPr>
+          <p:cNvPr id="2" name="Slide Image Placeholder 1"/>
+          <p:cNvSpPr>
+            <a:spLocks noGrp="1" noRot="1" noChangeAspect="1"/>
+          </p:cNvSpPr>
+          <p:nvPr>
+            <p:ph type="sldImg"/>
+          </p:nvPr>
+        </p:nvSpPr>
+        <p:spPr/>
+      </p:sp>
+      <p:sp>
+        <p:nvSpPr>
+          <p:cNvPr id="3" name="Notes Placeholder 2"/>
+          <p:cNvSpPr>
+            <a:spLocks noGrp="1"/>
+          </p:cNvSpPr>
+          <p:nvPr>
+            <p:ph type="body" idx="1"/>
+          </p:nvPr>
+        </p:nvSpPr>
+        <p:spPr/>
+        <p:txBody>
+          <a:bodyPr/>
+          <a:lstStyle/>
+          <a:p>
+            <a:r>
+              <a:rPr lang="en-US" dirty="0"/>
+              <a:t>Running some things in VMs on your local machine.</a:t>
+            </a:r>
+          </a:p>
+        </p:txBody>
+      </p:sp>
+      <p:sp>
+        <p:nvSpPr>
+          <p:cNvPr id="4" name="Slide Number Placeholder 3"/>
+          <p:cNvSpPr>
+            <a:spLocks noGrp="1"/>
+          </p:cNvSpPr>
+          <p:nvPr>
+            <p:ph type="sldNum" sz="quarter" idx="10"/>
+          </p:nvPr>
+        </p:nvSpPr>
+        <p:spPr/>
+        <p:txBody>
+          <a:bodyPr/>
+          <a:lstStyle/>
+          <a:p>
+            <a:fld id="{2BFF4943-51BC-4596-938E-11D2CDC729C4}" type="slidenum">
+              <a:rPr lang="en-US" smtClean="0"/>
+              <a:t>6</a:t>
+            </a:fld>
+            <a:endParaRPr lang="en-US"/>
+          </a:p>
+        </p:txBody>
+      </p:sp>
+    </p:spTree>
+    <p:extLst>
+      <p:ext uri="{BB962C8B-B14F-4D97-AF65-F5344CB8AC3E}">
+        <p14:creationId xmlns:p14="http://schemas.microsoft.com/office/powerpoint/2010/main" val="2680462520"/>
+      </p:ext>
+    </p:extLst>
+  </p:cSld>
+  <p:clrMapOvr>
+    <a:masterClrMapping/>
+  </p:clrMapOvr>
+</p:notes>
+</file>
+
+<file path=ppt/notesSlides/notesSlide5.xml><?xml version="1.0" encoding="utf-8"?>
+<p:notes xmlns:a="http://schemas.openxmlformats.org/drawingml/2006/main" xmlns:r="http://schemas.openxmlformats.org/officeDocument/2006/relationships" xmlns:p="http://schemas.openxmlformats.org/presentationml/2006/main">
+  <p:cSld>
+    <p:spTree>
+      <p:nvGrpSpPr>
+        <p:cNvPr id="1" name=""/>
+        <p:cNvGrpSpPr/>
+        <p:nvPr/>
+      </p:nvGrpSpPr>
+      <p:grpSpPr>
+        <a:xfrm>
+          <a:off x="0" y="0"/>
+          <a:ext cx="0" cy="0"/>
+          <a:chOff x="0" y="0"/>
+          <a:chExt cx="0" cy="0"/>
+        </a:xfrm>
+      </p:grpSpPr>
+      <p:sp>
+        <p:nvSpPr>
+          <p:cNvPr id="2" name="Slide Image Placeholder 1"/>
+          <p:cNvSpPr>
+            <a:spLocks noGrp="1" noRot="1" noChangeAspect="1"/>
+          </p:cNvSpPr>
+          <p:nvPr>
+            <p:ph type="sldImg"/>
+          </p:nvPr>
+        </p:nvSpPr>
+        <p:spPr/>
+      </p:sp>
+      <p:sp>
+        <p:nvSpPr>
+          <p:cNvPr id="3" name="Notes Placeholder 2"/>
+          <p:cNvSpPr>
+            <a:spLocks noGrp="1"/>
+          </p:cNvSpPr>
+          <p:nvPr>
+            <p:ph type="body" idx="1"/>
+          </p:nvPr>
+        </p:nvSpPr>
+        <p:spPr/>
+        <p:txBody>
+          <a:bodyPr/>
+          <a:lstStyle/>
+          <a:p>
+            <a:r>
+              <a:rPr lang="en-US" dirty="0"/>
+              <a:t>Docker baby, yeah!!</a:t>
+            </a:r>
+          </a:p>
+        </p:txBody>
+      </p:sp>
+      <p:sp>
+        <p:nvSpPr>
+          <p:cNvPr id="4" name="Slide Number Placeholder 3"/>
+          <p:cNvSpPr>
+            <a:spLocks noGrp="1"/>
+          </p:cNvSpPr>
+          <p:nvPr>
+            <p:ph type="sldNum" sz="quarter" idx="10"/>
+          </p:nvPr>
+        </p:nvSpPr>
+        <p:spPr/>
+        <p:txBody>
+          <a:bodyPr/>
+          <a:lstStyle/>
+          <a:p>
+            <a:fld id="{2BFF4943-51BC-4596-938E-11D2CDC729C4}" type="slidenum">
+              <a:rPr lang="en-US" smtClean="0"/>
+              <a:t>7</a:t>
+            </a:fld>
+            <a:endParaRPr lang="en-US"/>
+          </a:p>
+        </p:txBody>
+      </p:sp>
+    </p:spTree>
+    <p:extLst>
+      <p:ext uri="{BB962C8B-B14F-4D97-AF65-F5344CB8AC3E}">
+        <p14:creationId xmlns:p14="http://schemas.microsoft.com/office/powerpoint/2010/main" val="210829497"/>
+      </p:ext>
+    </p:extLst>
+  </p:cSld>
+  <p:clrMapOvr>
+    <a:masterClrMapping/>
+  </p:clrMapOvr>
+</p:notes>
+</file>
+
+<file path=ppt/notesSlides/notesSlide6.xml><?xml version="1.0" encoding="utf-8"?>
+<p:notes xmlns:a="http://schemas.openxmlformats.org/drawingml/2006/main" xmlns:r="http://schemas.openxmlformats.org/officeDocument/2006/relationships" xmlns:p="http://schemas.openxmlformats.org/presentationml/2006/main">
+  <p:cSld>
+    <p:spTree>
+      <p:nvGrpSpPr>
+        <p:cNvPr id="1" name=""/>
+        <p:cNvGrpSpPr/>
+        <p:nvPr/>
+      </p:nvGrpSpPr>
+      <p:grpSpPr>
+        <a:xfrm>
+          <a:off x="0" y="0"/>
+          <a:ext cx="0" cy="0"/>
+          <a:chOff x="0" y="0"/>
+          <a:chExt cx="0" cy="0"/>
+        </a:xfrm>
+      </p:grpSpPr>
+      <p:sp>
+        <p:nvSpPr>
+          <p:cNvPr id="2" name="Slide Image Placeholder 1"/>
+          <p:cNvSpPr>
+            <a:spLocks noGrp="1" noRot="1" noChangeAspect="1"/>
+          </p:cNvSpPr>
+          <p:nvPr>
+            <p:ph type="sldImg"/>
+          </p:nvPr>
+        </p:nvSpPr>
+        <p:spPr/>
+      </p:sp>
+      <p:sp>
+        <p:nvSpPr>
+          <p:cNvPr id="3" name="Notes Placeholder 2"/>
+          <p:cNvSpPr>
+            <a:spLocks noGrp="1"/>
+          </p:cNvSpPr>
+          <p:nvPr>
+            <p:ph type="body" idx="1"/>
+          </p:nvPr>
+        </p:nvSpPr>
+        <p:spPr/>
+        <p:txBody>
+          <a:bodyPr/>
+          <a:lstStyle/>
+          <a:p>
+            <a:r>
+              <a:rPr lang="en-US" dirty="0"/>
+              <a:t>The last point is the main point here.  Share </a:t>
+            </a:r>
+            <a:r>
+              <a:rPr lang="en-US" dirty="0" err="1"/>
+              <a:t>Share</a:t>
+            </a:r>
+            <a:r>
+              <a:rPr lang="en-US" dirty="0"/>
+              <a:t> </a:t>
+            </a:r>
+            <a:r>
+              <a:rPr lang="en-US" dirty="0" err="1"/>
+              <a:t>Share</a:t>
+            </a:r>
+            <a:endParaRPr lang="en-US" dirty="0"/>
+          </a:p>
+        </p:txBody>
+      </p:sp>
+      <p:sp>
+        <p:nvSpPr>
+          <p:cNvPr id="4" name="Slide Number Placeholder 3"/>
+          <p:cNvSpPr>
+            <a:spLocks noGrp="1"/>
+          </p:cNvSpPr>
+          <p:nvPr>
+            <p:ph type="sldNum" sz="quarter" idx="10"/>
+          </p:nvPr>
+        </p:nvSpPr>
+        <p:spPr/>
+        <p:txBody>
+          <a:bodyPr/>
+          <a:lstStyle/>
+          <a:p>
+            <a:fld id="{2BFF4943-51BC-4596-938E-11D2CDC729C4}" type="slidenum">
+              <a:rPr lang="en-US" smtClean="0"/>
+              <a:t>8</a:t>
+            </a:fld>
+            <a:endParaRPr lang="en-US"/>
+          </a:p>
+        </p:txBody>
+      </p:sp>
+    </p:spTree>
+    <p:extLst>
+      <p:ext uri="{BB962C8B-B14F-4D97-AF65-F5344CB8AC3E}">
+        <p14:creationId xmlns:p14="http://schemas.microsoft.com/office/powerpoint/2010/main" val="275922105"/>
+      </p:ext>
+    </p:extLst>
+  </p:cSld>
+  <p:clrMapOvr>
+    <a:masterClrMapping/>
+  </p:clrMapOvr>
+</p:notes>
+</file>
+
+<file path=ppt/notesSlides/notesSlide7.xml><?xml version="1.0" encoding="utf-8"?>
+<p:notes xmlns:a="http://schemas.openxmlformats.org/drawingml/2006/main" xmlns:r="http://schemas.openxmlformats.org/officeDocument/2006/relationships" xmlns:p="http://schemas.openxmlformats.org/presentationml/2006/main">
+  <p:cSld>
+    <p:spTree>
+      <p:nvGrpSpPr>
+        <p:cNvPr id="1" name=""/>
+        <p:cNvGrpSpPr/>
+        <p:nvPr/>
+      </p:nvGrpSpPr>
+      <p:grpSpPr>
+        <a:xfrm>
+          <a:off x="0" y="0"/>
+          <a:ext cx="0" cy="0"/>
+          <a:chOff x="0" y="0"/>
+          <a:chExt cx="0" cy="0"/>
+        </a:xfrm>
+      </p:grpSpPr>
+      <p:sp>
+        <p:nvSpPr>
+          <p:cNvPr id="2" name="Slide Image Placeholder 1"/>
+          <p:cNvSpPr>
+            <a:spLocks noGrp="1" noRot="1" noChangeAspect="1"/>
+          </p:cNvSpPr>
+          <p:nvPr>
+            <p:ph type="sldImg"/>
+          </p:nvPr>
+        </p:nvSpPr>
+        <p:spPr/>
+      </p:sp>
+      <p:sp>
+        <p:nvSpPr>
+          <p:cNvPr id="3" name="Notes Placeholder 2"/>
+          <p:cNvSpPr>
+            <a:spLocks noGrp="1"/>
+          </p:cNvSpPr>
+          <p:nvPr>
+            <p:ph type="body" idx="1"/>
+          </p:nvPr>
+        </p:nvSpPr>
+        <p:spPr/>
+        <p:txBody>
+          <a:bodyPr/>
+          <a:lstStyle/>
+          <a:p>
+            <a:r>
+              <a:rPr lang="en-US" dirty="0"/>
+              <a:t>Available for Windows 10 Home edition, too, but requires the most recent versions with WSL2.</a:t>
+            </a:r>
+          </a:p>
+        </p:txBody>
+      </p:sp>
+      <p:sp>
+        <p:nvSpPr>
+          <p:cNvPr id="4" name="Slide Number Placeholder 3"/>
+          <p:cNvSpPr>
+            <a:spLocks noGrp="1"/>
+          </p:cNvSpPr>
+          <p:nvPr>
+            <p:ph type="sldNum" sz="quarter" idx="10"/>
+          </p:nvPr>
+        </p:nvSpPr>
+        <p:spPr/>
+        <p:txBody>
+          <a:bodyPr/>
+          <a:lstStyle/>
+          <a:p>
+            <a:fld id="{2BFF4943-51BC-4596-938E-11D2CDC729C4}" type="slidenum">
+              <a:rPr lang="en-US" smtClean="0"/>
+              <a:t>10</a:t>
+            </a:fld>
+            <a:endParaRPr lang="en-US"/>
+          </a:p>
+        </p:txBody>
+      </p:sp>
+    </p:spTree>
+    <p:extLst>
+      <p:ext uri="{BB962C8B-B14F-4D97-AF65-F5344CB8AC3E}">
+        <p14:creationId xmlns:p14="http://schemas.microsoft.com/office/powerpoint/2010/main" val="884125032"/>
+      </p:ext>
+    </p:extLst>
+  </p:cSld>
+  <p:clrMapOvr>
+    <a:masterClrMapping/>
+  </p:clrMapOvr>
+</p:notes>
+</file>
+
+<file path=ppt/notesSlides/notesSlide8.xml><?xml version="1.0" encoding="utf-8"?>
+<p:notes xmlns:a="http://schemas.openxmlformats.org/drawingml/2006/main" xmlns:r="http://schemas.openxmlformats.org/officeDocument/2006/relationships" xmlns:p="http://schemas.openxmlformats.org/presentationml/2006/main">
+  <p:cSld>
+    <p:spTree>
+      <p:nvGrpSpPr>
+        <p:cNvPr id="1" name=""/>
+        <p:cNvGrpSpPr/>
+        <p:nvPr/>
+      </p:nvGrpSpPr>
+      <p:grpSpPr>
+        <a:xfrm>
+          <a:off x="0" y="0"/>
+          <a:ext cx="0" cy="0"/>
+          <a:chOff x="0" y="0"/>
+          <a:chExt cx="0" cy="0"/>
+        </a:xfrm>
+      </p:grpSpPr>
+      <p:sp>
+        <p:nvSpPr>
+          <p:cNvPr id="2" name="Slide Image Placeholder 1"/>
+          <p:cNvSpPr>
+            <a:spLocks noGrp="1" noRot="1" noChangeAspect="1"/>
+          </p:cNvSpPr>
+          <p:nvPr>
+            <p:ph type="sldImg"/>
+          </p:nvPr>
+        </p:nvSpPr>
+        <p:spPr/>
+      </p:sp>
+      <p:sp>
+        <p:nvSpPr>
+          <p:cNvPr id="3" name="Notes Placeholder 2"/>
+          <p:cNvSpPr>
+            <a:spLocks noGrp="1"/>
+          </p:cNvSpPr>
+          <p:nvPr>
+            <p:ph type="body" idx="1"/>
+          </p:nvPr>
+        </p:nvSpPr>
+        <p:spPr/>
+        <p:txBody>
+          <a:bodyPr/>
+          <a:lstStyle/>
+          <a:p>
+            <a:r>
+              <a:rPr lang="en-US" dirty="0"/>
+              <a:t>Networking is always hard.  Docker doesn’t create a network for your containers, so they just run isolated unless you forward a port from your local machine into them.</a:t>
+            </a:r>
+          </a:p>
+          <a:p>
+            <a:endParaRPr lang="en-US" dirty="0"/>
+          </a:p>
+          <a:p>
+            <a:r>
+              <a:rPr lang="en-US" dirty="0"/>
+              <a:t>Storage is NOT persistent inside a container, so if you have things you want to last when containers are removed, you need to mount that into the container via the command line when you start it.</a:t>
+            </a:r>
+          </a:p>
+        </p:txBody>
+      </p:sp>
+      <p:sp>
+        <p:nvSpPr>
+          <p:cNvPr id="4" name="Slide Number Placeholder 3"/>
+          <p:cNvSpPr>
+            <a:spLocks noGrp="1"/>
+          </p:cNvSpPr>
+          <p:nvPr>
+            <p:ph type="sldNum" sz="quarter" idx="10"/>
+          </p:nvPr>
+        </p:nvSpPr>
+        <p:spPr/>
+        <p:txBody>
+          <a:bodyPr/>
+          <a:lstStyle/>
+          <a:p>
+            <a:fld id="{2BFF4943-51BC-4596-938E-11D2CDC729C4}" type="slidenum">
+              <a:rPr lang="en-US" smtClean="0"/>
+              <a:t>11</a:t>
+            </a:fld>
+            <a:endParaRPr lang="en-US"/>
+          </a:p>
+        </p:txBody>
+      </p:sp>
+    </p:spTree>
+    <p:extLst>
+      <p:ext uri="{BB962C8B-B14F-4D97-AF65-F5344CB8AC3E}">
+        <p14:creationId xmlns:p14="http://schemas.microsoft.com/office/powerpoint/2010/main" val="1141863858"/>
+      </p:ext>
+    </p:extLst>
+  </p:cSld>
+  <p:clrMapOvr>
+    <a:masterClrMapping/>
+  </p:clrMapOvr>
+</p:notes>
+</file>
+
+<file path=ppt/notesSlides/notesSlide9.xml><?xml version="1.0" encoding="utf-8"?>
+<p:notes xmlns:a="http://schemas.openxmlformats.org/drawingml/2006/main" xmlns:r="http://schemas.openxmlformats.org/officeDocument/2006/relationships" xmlns:p="http://schemas.openxmlformats.org/presentationml/2006/main">
+  <p:cSld>
+    <p:spTree>
+      <p:nvGrpSpPr>
+        <p:cNvPr id="1" name=""/>
+        <p:cNvGrpSpPr/>
+        <p:nvPr/>
+      </p:nvGrpSpPr>
+      <p:grpSpPr>
+        <a:xfrm>
+          <a:off x="0" y="0"/>
+          <a:ext cx="0" cy="0"/>
+          <a:chOff x="0" y="0"/>
+          <a:chExt cx="0" cy="0"/>
+        </a:xfrm>
+      </p:grpSpPr>
+      <p:sp>
+        <p:nvSpPr>
+          <p:cNvPr id="2" name="Slide Image Placeholder 1"/>
+          <p:cNvSpPr>
+            <a:spLocks noGrp="1" noRot="1" noChangeAspect="1"/>
+          </p:cNvSpPr>
+          <p:nvPr>
+            <p:ph type="sldImg"/>
+          </p:nvPr>
+        </p:nvSpPr>
+        <p:spPr/>
+      </p:sp>
+      <p:sp>
+        <p:nvSpPr>
+          <p:cNvPr id="3" name="Notes Placeholder 2"/>
+          <p:cNvSpPr>
+            <a:spLocks noGrp="1"/>
+          </p:cNvSpPr>
+          <p:nvPr>
+            <p:ph type="body" idx="1"/>
+          </p:nvPr>
+        </p:nvSpPr>
+        <p:spPr/>
+        <p:txBody>
+          <a:bodyPr/>
+          <a:lstStyle/>
+          <a:p>
             <a:pPr marL="0" indent="0">
               <a:buNone/>
             </a:pPr>
@@ -28942,7 +30062,7 @@
               <a:rPr lang="en-US" sz="1200" i="1" dirty="0">
                 <a:latin typeface="Cascadia Code" panose="00000509000000000000" pitchFamily="49" charset="0"/>
               </a:rPr>
-              <a:t>/server:2019-GA-ubuntu-16.04</a:t>
+              <a:t>/server:2019-CU4-ubuntu-16.04</a:t>
             </a:r>
           </a:p>
           <a:p>
@@ -29032,90 +30152,6 @@
     <p:extLst>
       <p:ext uri="{BB962C8B-B14F-4D97-AF65-F5344CB8AC3E}">
         <p14:creationId xmlns:p14="http://schemas.microsoft.com/office/powerpoint/2010/main" val="2388134057"/>
-      </p:ext>
-    </p:extLst>
-  </p:cSld>
-  <p:clrMapOvr>
-    <a:masterClrMapping/>
-  </p:clrMapOvr>
-</p:notes>
-</file>
-
-<file path=ppt/notesSlides/notesSlide2.xml><?xml version="1.0" encoding="utf-8"?>
-<p:notes xmlns:a="http://schemas.openxmlformats.org/drawingml/2006/main" xmlns:r="http://schemas.openxmlformats.org/officeDocument/2006/relationships" xmlns:p="http://schemas.openxmlformats.org/presentationml/2006/main">
-  <p:cSld>
-    <p:spTree>
-      <p:nvGrpSpPr>
-        <p:cNvPr id="1" name=""/>
-        <p:cNvGrpSpPr/>
-        <p:nvPr/>
-      </p:nvGrpSpPr>
-      <p:grpSpPr>
-        <a:xfrm>
-          <a:off x="0" y="0"/>
-          <a:ext cx="0" cy="0"/>
-          <a:chOff x="0" y="0"/>
-          <a:chExt cx="0" cy="0"/>
-        </a:xfrm>
-      </p:grpSpPr>
-      <p:sp>
-        <p:nvSpPr>
-          <p:cNvPr id="2" name="Slide Image Placeholder 1"/>
-          <p:cNvSpPr>
-            <a:spLocks noGrp="1" noRot="1" noChangeAspect="1"/>
-          </p:cNvSpPr>
-          <p:nvPr>
-            <p:ph type="sldImg"/>
-          </p:nvPr>
-        </p:nvSpPr>
-        <p:spPr/>
-      </p:sp>
-      <p:sp>
-        <p:nvSpPr>
-          <p:cNvPr id="3" name="Notes Placeholder 2"/>
-          <p:cNvSpPr>
-            <a:spLocks noGrp="1"/>
-          </p:cNvSpPr>
-          <p:nvPr>
-            <p:ph type="body" idx="1"/>
-          </p:nvPr>
-        </p:nvSpPr>
-        <p:spPr/>
-        <p:txBody>
-          <a:bodyPr/>
-          <a:lstStyle/>
-          <a:p>
-            <a:endParaRPr lang="en-US" dirty="0"/>
-          </a:p>
-        </p:txBody>
-      </p:sp>
-      <p:sp>
-        <p:nvSpPr>
-          <p:cNvPr id="4" name="Slide Number Placeholder 3"/>
-          <p:cNvSpPr>
-            <a:spLocks noGrp="1"/>
-          </p:cNvSpPr>
-          <p:nvPr>
-            <p:ph type="sldNum" sz="quarter" idx="10"/>
-          </p:nvPr>
-        </p:nvSpPr>
-        <p:spPr/>
-        <p:txBody>
-          <a:bodyPr/>
-          <a:lstStyle/>
-          <a:p>
-            <a:fld id="{2BFF4943-51BC-4596-938E-11D2CDC729C4}" type="slidenum">
-              <a:rPr lang="en-US" smtClean="0"/>
-              <a:t>15</a:t>
-            </a:fld>
-            <a:endParaRPr lang="en-US"/>
-          </a:p>
-        </p:txBody>
-      </p:sp>
-    </p:spTree>
-    <p:extLst>
-      <p:ext uri="{BB962C8B-B14F-4D97-AF65-F5344CB8AC3E}">
-        <p14:creationId xmlns:p14="http://schemas.microsoft.com/office/powerpoint/2010/main" val="1698250601"/>
       </p:ext>
     </p:extLst>
   </p:cSld>
@@ -32355,7 +33391,7 @@
                 <a16:creationId xmlns:a16="http://schemas.microsoft.com/office/drawing/2014/main" id="{AB45A142-4255-493C-8284-5D566C121B10}"/>
               </a:ext>
               <a:ext uri="{C183D7F6-B498-43B3-948B-1728B52AA6E4}">
-                <adec:decorative xmlns="" xmlns:adec="http://schemas.microsoft.com/office/drawing/2017/decorative" val="1"/>
+                <adec:decorative xmlns:adec="http://schemas.microsoft.com/office/drawing/2017/decorative" val="1"/>
               </a:ext>
             </a:extLst>
           </p:cNvPr>
@@ -32522,7 +33558,7 @@
                 <a16:creationId xmlns:a16="http://schemas.microsoft.com/office/drawing/2014/main" id="{38FB9660-F42F-4313-BBC4-47C007FE484C}"/>
               </a:ext>
               <a:ext uri="{C183D7F6-B498-43B3-948B-1728B52AA6E4}">
-                <adec:decorative xmlns="" xmlns:adec="http://schemas.microsoft.com/office/drawing/2017/decorative" val="1"/>
+                <adec:decorative xmlns:adec="http://schemas.microsoft.com/office/drawing/2017/decorative" val="1"/>
               </a:ext>
             </a:extLst>
           </p:cNvPr>
@@ -32642,216 +33678,13 @@
       </p:grpSpPr>
       <p:sp>
         <p:nvSpPr>
-          <p:cNvPr id="23" name="Rectangle 22">
-            <a:extLst>
-              <a:ext uri="{FF2B5EF4-FFF2-40B4-BE49-F238E27FC236}">
-                <a16:creationId xmlns:a16="http://schemas.microsoft.com/office/drawing/2014/main" id="{EBF87945-A001-489F-9D9B-7D9435F0B9CA}"/>
-              </a:ext>
-              <a:ext uri="{C183D7F6-B498-43B3-948B-1728B52AA6E4}">
-                <adec:decorative xmlns:adec="http://schemas.microsoft.com/office/drawing/2017/decorative" xmlns="" val="1"/>
-              </a:ext>
-            </a:extLst>
-          </p:cNvPr>
-          <p:cNvSpPr>
-            <a:spLocks noGrp="1" noRot="1" noChangeAspect="1" noMove="1" noResize="1" noEditPoints="1" noAdjustHandles="1" noChangeArrowheads="1" noChangeShapeType="1" noTextEdit="1"/>
-          </p:cNvSpPr>
-          <p:nvPr>
-            <p:extLst>
-              <p:ext uri="{386F3935-93C4-4BCD-93E2-E3B085C9AB24}">
-                <p16:designElem xmlns:p16="http://schemas.microsoft.com/office/powerpoint/2015/main" val="1"/>
-              </p:ext>
-            </p:extLst>
-          </p:nvPr>
-        </p:nvSpPr>
-        <p:spPr>
-          <a:xfrm>
-            <a:off x="548639" y="347471"/>
-            <a:ext cx="11100816" cy="1801368"/>
-          </a:xfrm>
-          <a:prstGeom prst="rect">
-            <a:avLst/>
-          </a:prstGeom>
-          <a:solidFill>
-            <a:schemeClr val="tx1">
-              <a:lumMod val="75000"/>
-              <a:lumOff val="25000"/>
-            </a:schemeClr>
-          </a:solidFill>
-          <a:ln>
-            <a:noFill/>
-          </a:ln>
-        </p:spPr>
-        <p:style>
-          <a:lnRef idx="2">
-            <a:schemeClr val="accent1">
-              <a:shade val="50000"/>
-            </a:schemeClr>
-          </a:lnRef>
-          <a:fillRef idx="1">
-            <a:schemeClr val="accent1"/>
-          </a:fillRef>
-          <a:effectRef idx="0">
-            <a:schemeClr val="accent1"/>
-          </a:effectRef>
-          <a:fontRef idx="minor">
-            <a:schemeClr val="lt1"/>
-          </a:fontRef>
-        </p:style>
-        <p:txBody>
-          <a:bodyPr rtlCol="0" anchor="ctr"/>
-          <a:lstStyle/>
-          <a:p>
-            <a:pPr algn="ctr"/>
-            <a:endParaRPr lang="en-US"/>
-          </a:p>
-        </p:txBody>
-      </p:sp>
-      <p:sp>
-        <p:nvSpPr>
-          <p:cNvPr id="2" name="Title 1">
-            <a:extLst>
-              <a:ext uri="{FF2B5EF4-FFF2-40B4-BE49-F238E27FC236}">
-                <a16:creationId xmlns:a16="http://schemas.microsoft.com/office/drawing/2014/main" id="{FC9EAFB3-C92A-4C4F-84E4-558BFE73CEA1}"/>
-              </a:ext>
-            </a:extLst>
-          </p:cNvPr>
-          <p:cNvSpPr>
-            <a:spLocks noGrp="1"/>
-          </p:cNvSpPr>
-          <p:nvPr>
-            <p:ph type="title"/>
-          </p:nvPr>
-        </p:nvSpPr>
-        <p:spPr>
-          <a:xfrm>
-            <a:off x="838200" y="585216"/>
-            <a:ext cx="10515600" cy="1325563"/>
-          </a:xfrm>
-        </p:spPr>
-        <p:txBody>
-          <a:bodyPr>
-            <a:normAutofit/>
-          </a:bodyPr>
-          <a:lstStyle/>
-          <a:p>
-            <a:r>
-              <a:rPr lang="en-US">
-                <a:solidFill>
-                  <a:schemeClr val="bg1"/>
-                </a:solidFill>
-              </a:rPr>
-              <a:t>Free Docker Images</a:t>
-            </a:r>
-          </a:p>
-        </p:txBody>
-      </p:sp>
-      <p:pic>
-        <p:nvPicPr>
-          <p:cNvPr id="3" name="Picture 2">
-            <a:extLst>
-              <a:ext uri="{FF2B5EF4-FFF2-40B4-BE49-F238E27FC236}">
-                <a16:creationId xmlns:a16="http://schemas.microsoft.com/office/drawing/2014/main" id="{56BE8796-530D-488D-8083-5515B68B3990}"/>
-              </a:ext>
-            </a:extLst>
-          </p:cNvPr>
-          <p:cNvPicPr>
-            <a:picLocks noChangeAspect="1"/>
-          </p:cNvPicPr>
-          <p:nvPr/>
-        </p:nvPicPr>
-        <p:blipFill rotWithShape="1">
-          <a:blip r:embed="rId2"/>
-          <a:srcRect r="13106"/>
-          <a:stretch/>
-        </p:blipFill>
-        <p:spPr>
-          <a:xfrm>
-            <a:off x="841248" y="2516777"/>
-            <a:ext cx="6236208" cy="3660185"/>
-          </a:xfrm>
-          <a:prstGeom prst="rect">
-            <a:avLst/>
-          </a:prstGeom>
-        </p:spPr>
-      </p:pic>
-      <p:graphicFrame>
-        <p:nvGraphicFramePr>
-          <p:cNvPr id="13" name="Content Placeholder 2">
-            <a:extLst>
-              <a:ext uri="{FF2B5EF4-FFF2-40B4-BE49-F238E27FC236}">
-                <a16:creationId xmlns:a16="http://schemas.microsoft.com/office/drawing/2014/main" id="{DB73FA21-E118-4769-A8BE-3DED656FD0D4}"/>
-              </a:ext>
-            </a:extLst>
-          </p:cNvPr>
-          <p:cNvGraphicFramePr>
-            <a:graphicFrameLocks noGrp="1"/>
-          </p:cNvGraphicFramePr>
-          <p:nvPr>
-            <p:ph idx="1"/>
-            <p:extLst>
-              <p:ext uri="{D42A27DB-BD31-4B8C-83A1-F6EECF244321}">
-                <p14:modId xmlns:p14="http://schemas.microsoft.com/office/powerpoint/2010/main" val="2978587687"/>
-              </p:ext>
-            </p:extLst>
-          </p:nvPr>
-        </p:nvGraphicFramePr>
-        <p:xfrm>
-          <a:off x="7546848" y="2516777"/>
-          <a:ext cx="3803904" cy="3660185"/>
-        </p:xfrm>
-        <a:graphic>
-          <a:graphicData uri="http://schemas.openxmlformats.org/drawingml/2006/diagram">
-            <dgm:relIds xmlns:dgm="http://schemas.openxmlformats.org/drawingml/2006/diagram" xmlns:r="http://schemas.openxmlformats.org/officeDocument/2006/relationships" r:dm="rId3" r:lo="rId4" r:qs="rId5" r:cs="rId6"/>
-          </a:graphicData>
-        </a:graphic>
-      </p:graphicFrame>
-    </p:spTree>
-    <p:extLst>
-      <p:ext uri="{BB962C8B-B14F-4D97-AF65-F5344CB8AC3E}">
-        <p14:creationId xmlns:p14="http://schemas.microsoft.com/office/powerpoint/2010/main" val="223911009"/>
-      </p:ext>
-    </p:extLst>
-  </p:cSld>
-  <p:clrMapOvr>
-    <a:masterClrMapping/>
-  </p:clrMapOvr>
-</p:sld>
-</file>
-
-<file path=ppt/slides/slide11.xml><?xml version="1.0" encoding="utf-8"?>
-<p:sld xmlns:a="http://schemas.openxmlformats.org/drawingml/2006/main" xmlns:r="http://schemas.openxmlformats.org/officeDocument/2006/relationships" xmlns:p="http://schemas.openxmlformats.org/presentationml/2006/main">
-  <p:cSld>
-    <p:bg>
-      <p:bgPr>
-        <a:solidFill>
-          <a:schemeClr val="bg1"/>
-        </a:solidFill>
-        <a:effectLst/>
-      </p:bgPr>
-    </p:bg>
-    <p:spTree>
-      <p:nvGrpSpPr>
-        <p:cNvPr id="1" name=""/>
-        <p:cNvGrpSpPr/>
-        <p:nvPr/>
-      </p:nvGrpSpPr>
-      <p:grpSpPr>
-        <a:xfrm>
-          <a:off x="0" y="0"/>
-          <a:ext cx="0" cy="0"/>
-          <a:chOff x="0" y="0"/>
-          <a:chExt cx="0" cy="0"/>
-        </a:xfrm>
-      </p:grpSpPr>
-      <p:sp>
-        <p:nvSpPr>
           <p:cNvPr id="10" name="Freeform: Shape 9">
             <a:extLst>
               <a:ext uri="{FF2B5EF4-FFF2-40B4-BE49-F238E27FC236}">
                 <a16:creationId xmlns:a16="http://schemas.microsoft.com/office/drawing/2014/main" id="{46C2E80F-49A6-4372-B103-219D417A55ED}"/>
               </a:ext>
               <a:ext uri="{C183D7F6-B498-43B3-948B-1728B52AA6E4}">
-                <adec:decorative xmlns="" xmlns:adec="http://schemas.microsoft.com/office/drawing/2017/decorative" val="1"/>
+                <adec:decorative xmlns:adec="http://schemas.microsoft.com/office/drawing/2017/decorative" val="1"/>
               </a:ext>
             </a:extLst>
           </p:cNvPr>
@@ -33390,7 +34223,7 @@
         </p:xfrm>
         <a:graphic>
           <a:graphicData uri="http://schemas.openxmlformats.org/drawingml/2006/diagram">
-            <dgm:relIds xmlns:dgm="http://schemas.openxmlformats.org/drawingml/2006/diagram" xmlns:r="http://schemas.openxmlformats.org/officeDocument/2006/relationships" r:dm="rId2" r:lo="rId3" r:qs="rId4" r:cs="rId5"/>
+            <dgm:relIds xmlns:dgm="http://schemas.openxmlformats.org/drawingml/2006/diagram" xmlns:r="http://schemas.openxmlformats.org/officeDocument/2006/relationships" r:dm="rId3" r:lo="rId4" r:qs="rId5" r:cs="rId6"/>
           </a:graphicData>
         </a:graphic>
       </p:graphicFrame>
@@ -33398,6 +34231,409 @@
     <p:extLst>
       <p:ext uri="{BB962C8B-B14F-4D97-AF65-F5344CB8AC3E}">
         <p14:creationId xmlns:p14="http://schemas.microsoft.com/office/powerpoint/2010/main" val="1046277143"/>
+      </p:ext>
+    </p:extLst>
+  </p:cSld>
+  <p:clrMapOvr>
+    <a:masterClrMapping/>
+  </p:clrMapOvr>
+</p:sld>
+</file>
+
+<file path=ppt/slides/slide11.xml><?xml version="1.0" encoding="utf-8"?>
+<p:sld xmlns:a="http://schemas.openxmlformats.org/drawingml/2006/main" xmlns:r="http://schemas.openxmlformats.org/officeDocument/2006/relationships" xmlns:p="http://schemas.openxmlformats.org/presentationml/2006/main">
+  <p:cSld>
+    <p:spTree>
+      <p:nvGrpSpPr>
+        <p:cNvPr id="1" name=""/>
+        <p:cNvGrpSpPr/>
+        <p:nvPr/>
+      </p:nvGrpSpPr>
+      <p:grpSpPr>
+        <a:xfrm>
+          <a:off x="0" y="0"/>
+          <a:ext cx="0" cy="0"/>
+          <a:chOff x="0" y="0"/>
+          <a:chExt cx="0" cy="0"/>
+        </a:xfrm>
+      </p:grpSpPr>
+      <p:sp>
+        <p:nvSpPr>
+          <p:cNvPr id="2" name="Title 1">
+            <a:extLst>
+              <a:ext uri="{FF2B5EF4-FFF2-40B4-BE49-F238E27FC236}">
+                <a16:creationId xmlns:a16="http://schemas.microsoft.com/office/drawing/2014/main" id="{36BA94A0-0F46-4D9A-AF1E-A9E6EC8EE0C3}"/>
+              </a:ext>
+            </a:extLst>
+          </p:cNvPr>
+          <p:cNvSpPr>
+            <a:spLocks noGrp="1"/>
+          </p:cNvSpPr>
+          <p:nvPr>
+            <p:ph type="title"/>
+          </p:nvPr>
+        </p:nvSpPr>
+        <p:spPr>
+          <a:xfrm>
+            <a:off x="749424" y="378857"/>
+            <a:ext cx="10515600" cy="1325563"/>
+          </a:xfrm>
+        </p:spPr>
+        <p:txBody>
+          <a:bodyPr/>
+          <a:lstStyle/>
+          <a:p>
+            <a:r>
+              <a:rPr lang="en-US" dirty="0"/>
+              <a:t>Special Considerations</a:t>
+            </a:r>
+          </a:p>
+        </p:txBody>
+      </p:sp>
+      <p:sp>
+        <p:nvSpPr>
+          <p:cNvPr id="3" name="Content Placeholder 2">
+            <a:extLst>
+              <a:ext uri="{FF2B5EF4-FFF2-40B4-BE49-F238E27FC236}">
+                <a16:creationId xmlns:a16="http://schemas.microsoft.com/office/drawing/2014/main" id="{1627C23C-988E-4412-A1C7-B2805F9A96D0}"/>
+              </a:ext>
+            </a:extLst>
+          </p:cNvPr>
+          <p:cNvSpPr>
+            <a:spLocks noGrp="1"/>
+          </p:cNvSpPr>
+          <p:nvPr>
+            <p:ph idx="1"/>
+          </p:nvPr>
+        </p:nvSpPr>
+        <p:spPr>
+          <a:xfrm>
+            <a:off x="838200" y="1541768"/>
+            <a:ext cx="5589233" cy="455936"/>
+          </a:xfrm>
+        </p:spPr>
+        <p:txBody>
+          <a:bodyPr>
+            <a:normAutofit lnSpcReduction="10000"/>
+          </a:bodyPr>
+          <a:lstStyle/>
+          <a:p>
+            <a:pPr marL="0" indent="0">
+              <a:buNone/>
+            </a:pPr>
+            <a:r>
+              <a:rPr lang="en-US" b="1" dirty="0"/>
+              <a:t>Networking</a:t>
+            </a:r>
+          </a:p>
+          <a:p>
+            <a:pPr marL="0" indent="0">
+              <a:buNone/>
+            </a:pPr>
+            <a:endParaRPr lang="en-US" dirty="0"/>
+          </a:p>
+          <a:p>
+            <a:pPr marL="0" indent="0">
+              <a:buNone/>
+            </a:pPr>
+            <a:endParaRPr lang="en-US" dirty="0"/>
+          </a:p>
+          <a:p>
+            <a:pPr marL="0" indent="0">
+              <a:buNone/>
+            </a:pPr>
+            <a:endParaRPr lang="en-US" dirty="0"/>
+          </a:p>
+          <a:p>
+            <a:endParaRPr lang="en-US" dirty="0"/>
+          </a:p>
+        </p:txBody>
+      </p:sp>
+      <p:graphicFrame>
+        <p:nvGraphicFramePr>
+          <p:cNvPr id="4" name="Content Placeholder 3">
+            <a:extLst>
+              <a:ext uri="{FF2B5EF4-FFF2-40B4-BE49-F238E27FC236}">
+                <a16:creationId xmlns:a16="http://schemas.microsoft.com/office/drawing/2014/main" id="{D9DC4405-A413-4D73-8381-15433E79E15A}"/>
+              </a:ext>
+            </a:extLst>
+          </p:cNvPr>
+          <p:cNvGraphicFramePr>
+            <a:graphicFrameLocks/>
+          </p:cNvGraphicFramePr>
+          <p:nvPr>
+            <p:extLst>
+              <p:ext uri="{D42A27DB-BD31-4B8C-83A1-F6EECF244321}">
+                <p14:modId xmlns:p14="http://schemas.microsoft.com/office/powerpoint/2010/main" val="849575358"/>
+              </p:ext>
+            </p:extLst>
+          </p:nvPr>
+        </p:nvGraphicFramePr>
+        <p:xfrm>
+          <a:off x="838200" y="1541768"/>
+          <a:ext cx="10515600" cy="2023712"/>
+        </p:xfrm>
+        <a:graphic>
+          <a:graphicData uri="http://schemas.openxmlformats.org/drawingml/2006/diagram">
+            <dgm:relIds xmlns:dgm="http://schemas.openxmlformats.org/drawingml/2006/diagram" xmlns:r="http://schemas.openxmlformats.org/officeDocument/2006/relationships" r:dm="rId3" r:lo="rId4" r:qs="rId5" r:cs="rId6"/>
+          </a:graphicData>
+        </a:graphic>
+      </p:graphicFrame>
+      <p:sp>
+        <p:nvSpPr>
+          <p:cNvPr id="5" name="Content Placeholder 2">
+            <a:extLst>
+              <a:ext uri="{FF2B5EF4-FFF2-40B4-BE49-F238E27FC236}">
+                <a16:creationId xmlns:a16="http://schemas.microsoft.com/office/drawing/2014/main" id="{138B4F7B-ADF4-4B08-B351-37705B4BFA5A}"/>
+              </a:ext>
+            </a:extLst>
+          </p:cNvPr>
+          <p:cNvSpPr txBox="1">
+            <a:spLocks/>
+          </p:cNvSpPr>
+          <p:nvPr/>
+        </p:nvSpPr>
+        <p:spPr>
+          <a:xfrm>
+            <a:off x="838200" y="4097892"/>
+            <a:ext cx="10515600" cy="1459529"/>
+          </a:xfrm>
+          <a:prstGeom prst="rect">
+            <a:avLst/>
+          </a:prstGeom>
+        </p:spPr>
+        <p:txBody>
+          <a:bodyPr vert="horz" lIns="91440" tIns="45720" rIns="91440" bIns="45720" rtlCol="0">
+            <a:normAutofit fontScale="92500" lnSpcReduction="10000"/>
+          </a:bodyPr>
+          <a:lstStyle>
+            <a:lvl1pPr marL="228600" indent="-228600" algn="l" defTabSz="914400" rtl="0" eaLnBrk="1" latinLnBrk="0" hangingPunct="1">
+              <a:lnSpc>
+                <a:spcPct val="90000"/>
+              </a:lnSpc>
+              <a:spcBef>
+                <a:spcPts val="1000"/>
+              </a:spcBef>
+              <a:buFont typeface="Arial" panose="020B0604020202020204" pitchFamily="34" charset="0"/>
+              <a:buChar char="•"/>
+              <a:defRPr sz="2800" kern="1200">
+                <a:solidFill>
+                  <a:schemeClr val="tx1"/>
+                </a:solidFill>
+                <a:latin typeface="+mn-lt"/>
+                <a:ea typeface="+mn-ea"/>
+                <a:cs typeface="+mn-cs"/>
+              </a:defRPr>
+            </a:lvl1pPr>
+            <a:lvl2pPr marL="685800" indent="-228600" algn="l" defTabSz="914400" rtl="0" eaLnBrk="1" latinLnBrk="0" hangingPunct="1">
+              <a:lnSpc>
+                <a:spcPct val="90000"/>
+              </a:lnSpc>
+              <a:spcBef>
+                <a:spcPts val="500"/>
+              </a:spcBef>
+              <a:buFont typeface="Arial" panose="020B0604020202020204" pitchFamily="34" charset="0"/>
+              <a:buChar char="•"/>
+              <a:defRPr sz="2400" kern="1200">
+                <a:solidFill>
+                  <a:schemeClr val="tx1"/>
+                </a:solidFill>
+                <a:latin typeface="+mn-lt"/>
+                <a:ea typeface="+mn-ea"/>
+                <a:cs typeface="+mn-cs"/>
+              </a:defRPr>
+            </a:lvl2pPr>
+            <a:lvl3pPr marL="1143000" indent="-228600" algn="l" defTabSz="914400" rtl="0" eaLnBrk="1" latinLnBrk="0" hangingPunct="1">
+              <a:lnSpc>
+                <a:spcPct val="90000"/>
+              </a:lnSpc>
+              <a:spcBef>
+                <a:spcPts val="500"/>
+              </a:spcBef>
+              <a:buFont typeface="Arial" panose="020B0604020202020204" pitchFamily="34" charset="0"/>
+              <a:buChar char="•"/>
+              <a:defRPr sz="2000" kern="1200">
+                <a:solidFill>
+                  <a:schemeClr val="tx1"/>
+                </a:solidFill>
+                <a:latin typeface="+mn-lt"/>
+                <a:ea typeface="+mn-ea"/>
+                <a:cs typeface="+mn-cs"/>
+              </a:defRPr>
+            </a:lvl3pPr>
+            <a:lvl4pPr marL="1600200" indent="-228600" algn="l" defTabSz="914400" rtl="0" eaLnBrk="1" latinLnBrk="0" hangingPunct="1">
+              <a:lnSpc>
+                <a:spcPct val="90000"/>
+              </a:lnSpc>
+              <a:spcBef>
+                <a:spcPts val="500"/>
+              </a:spcBef>
+              <a:buFont typeface="Arial" panose="020B0604020202020204" pitchFamily="34" charset="0"/>
+              <a:buChar char="•"/>
+              <a:defRPr sz="1800" kern="1200">
+                <a:solidFill>
+                  <a:schemeClr val="tx1"/>
+                </a:solidFill>
+                <a:latin typeface="+mn-lt"/>
+                <a:ea typeface="+mn-ea"/>
+                <a:cs typeface="+mn-cs"/>
+              </a:defRPr>
+            </a:lvl4pPr>
+            <a:lvl5pPr marL="2057400" indent="-228600" algn="l" defTabSz="914400" rtl="0" eaLnBrk="1" latinLnBrk="0" hangingPunct="1">
+              <a:lnSpc>
+                <a:spcPct val="90000"/>
+              </a:lnSpc>
+              <a:spcBef>
+                <a:spcPts val="500"/>
+              </a:spcBef>
+              <a:buFont typeface="Arial" panose="020B0604020202020204" pitchFamily="34" charset="0"/>
+              <a:buChar char="•"/>
+              <a:defRPr sz="1800" kern="1200">
+                <a:solidFill>
+                  <a:schemeClr val="tx1"/>
+                </a:solidFill>
+                <a:latin typeface="+mn-lt"/>
+                <a:ea typeface="+mn-ea"/>
+                <a:cs typeface="+mn-cs"/>
+              </a:defRPr>
+            </a:lvl5pPr>
+            <a:lvl6pPr marL="2514600" indent="-228600" algn="l" defTabSz="914400" rtl="0" eaLnBrk="1" latinLnBrk="0" hangingPunct="1">
+              <a:lnSpc>
+                <a:spcPct val="90000"/>
+              </a:lnSpc>
+              <a:spcBef>
+                <a:spcPts val="500"/>
+              </a:spcBef>
+              <a:buFont typeface="Arial" panose="020B0604020202020204" pitchFamily="34" charset="0"/>
+              <a:buChar char="•"/>
+              <a:defRPr sz="1800" kern="1200">
+                <a:solidFill>
+                  <a:schemeClr val="tx1"/>
+                </a:solidFill>
+                <a:latin typeface="+mn-lt"/>
+                <a:ea typeface="+mn-ea"/>
+                <a:cs typeface="+mn-cs"/>
+              </a:defRPr>
+            </a:lvl6pPr>
+            <a:lvl7pPr marL="2971800" indent="-228600" algn="l" defTabSz="914400" rtl="0" eaLnBrk="1" latinLnBrk="0" hangingPunct="1">
+              <a:lnSpc>
+                <a:spcPct val="90000"/>
+              </a:lnSpc>
+              <a:spcBef>
+                <a:spcPts val="500"/>
+              </a:spcBef>
+              <a:buFont typeface="Arial" panose="020B0604020202020204" pitchFamily="34" charset="0"/>
+              <a:buChar char="•"/>
+              <a:defRPr sz="1800" kern="1200">
+                <a:solidFill>
+                  <a:schemeClr val="tx1"/>
+                </a:solidFill>
+                <a:latin typeface="+mn-lt"/>
+                <a:ea typeface="+mn-ea"/>
+                <a:cs typeface="+mn-cs"/>
+              </a:defRPr>
+            </a:lvl7pPr>
+            <a:lvl8pPr marL="3429000" indent="-228600" algn="l" defTabSz="914400" rtl="0" eaLnBrk="1" latinLnBrk="0" hangingPunct="1">
+              <a:lnSpc>
+                <a:spcPct val="90000"/>
+              </a:lnSpc>
+              <a:spcBef>
+                <a:spcPts val="500"/>
+              </a:spcBef>
+              <a:buFont typeface="Arial" panose="020B0604020202020204" pitchFamily="34" charset="0"/>
+              <a:buChar char="•"/>
+              <a:defRPr sz="1800" kern="1200">
+                <a:solidFill>
+                  <a:schemeClr val="tx1"/>
+                </a:solidFill>
+                <a:latin typeface="+mn-lt"/>
+                <a:ea typeface="+mn-ea"/>
+                <a:cs typeface="+mn-cs"/>
+              </a:defRPr>
+            </a:lvl8pPr>
+            <a:lvl9pPr marL="3886200" indent="-228600" algn="l" defTabSz="914400" rtl="0" eaLnBrk="1" latinLnBrk="0" hangingPunct="1">
+              <a:lnSpc>
+                <a:spcPct val="90000"/>
+              </a:lnSpc>
+              <a:spcBef>
+                <a:spcPts val="500"/>
+              </a:spcBef>
+              <a:buFont typeface="Arial" panose="020B0604020202020204" pitchFamily="34" charset="0"/>
+              <a:buChar char="•"/>
+              <a:defRPr sz="1800" kern="1200">
+                <a:solidFill>
+                  <a:schemeClr val="tx1"/>
+                </a:solidFill>
+                <a:latin typeface="+mn-lt"/>
+                <a:ea typeface="+mn-ea"/>
+                <a:cs typeface="+mn-cs"/>
+              </a:defRPr>
+            </a:lvl9pPr>
+          </a:lstStyle>
+          <a:p>
+            <a:pPr marL="0" indent="0">
+              <a:buFont typeface="Arial" panose="020B0604020202020204" pitchFamily="34" charset="0"/>
+              <a:buNone/>
+            </a:pPr>
+            <a:r>
+              <a:rPr lang="en-US" b="1" dirty="0"/>
+              <a:t>Volume Mounts</a:t>
+            </a:r>
+          </a:p>
+          <a:p>
+            <a:pPr marL="457200" lvl="1" indent="0">
+              <a:buNone/>
+            </a:pPr>
+            <a:r>
+              <a:rPr lang="en-US" dirty="0"/>
+              <a:t>Shared between Host OS and container</a:t>
+            </a:r>
+          </a:p>
+          <a:p>
+            <a:pPr marL="457200" lvl="1" indent="0">
+              <a:buNone/>
+            </a:pPr>
+            <a:r>
+              <a:rPr lang="en-US" dirty="0"/>
+              <a:t>Allows for data persistence when containers are dropped</a:t>
+            </a:r>
+          </a:p>
+          <a:p>
+            <a:pPr marL="457200" lvl="1" indent="0">
+              <a:buNone/>
+            </a:pPr>
+            <a:r>
+              <a:rPr lang="en-US" dirty="0"/>
+              <a:t>Watch for AV or Firewall tools that might block this</a:t>
+            </a:r>
+          </a:p>
+          <a:p>
+            <a:pPr marL="0" indent="0">
+              <a:buFont typeface="Arial" panose="020B0604020202020204" pitchFamily="34" charset="0"/>
+              <a:buNone/>
+            </a:pPr>
+            <a:endParaRPr lang="en-US" dirty="0"/>
+          </a:p>
+          <a:p>
+            <a:pPr marL="0" indent="0">
+              <a:buFont typeface="Arial" panose="020B0604020202020204" pitchFamily="34" charset="0"/>
+              <a:buNone/>
+            </a:pPr>
+            <a:endParaRPr lang="en-US" dirty="0"/>
+          </a:p>
+          <a:p>
+            <a:pPr marL="0" indent="0">
+              <a:buFont typeface="Arial" panose="020B0604020202020204" pitchFamily="34" charset="0"/>
+              <a:buNone/>
+            </a:pPr>
+            <a:endParaRPr lang="en-US" dirty="0"/>
+          </a:p>
+        </p:txBody>
+      </p:sp>
+    </p:spTree>
+    <p:extLst>
+      <p:ext uri="{BB962C8B-B14F-4D97-AF65-F5344CB8AC3E}">
+        <p14:creationId xmlns:p14="http://schemas.microsoft.com/office/powerpoint/2010/main" val="4293024045"/>
       </p:ext>
     </p:extLst>
   </p:cSld>
@@ -33477,7 +34713,7 @@
                 <a16:creationId xmlns:a16="http://schemas.microsoft.com/office/drawing/2014/main" id="{37C89E4B-3C9F-44B9-8B86-D9E3D112D8EC}"/>
               </a:ext>
               <a:ext uri="{C183D7F6-B498-43B3-948B-1728B52AA6E4}">
-                <adec:decorative xmlns="" xmlns:adec="http://schemas.microsoft.com/office/drawing/2017/decorative" val="1"/>
+                <adec:decorative xmlns:adec="http://schemas.microsoft.com/office/drawing/2017/decorative" val="1"/>
               </a:ext>
             </a:extLst>
           </p:cNvPr>
@@ -33585,7 +34821,7 @@
                 <a16:creationId xmlns:a16="http://schemas.microsoft.com/office/drawing/2014/main" id="{AA2EAA10-076F-46BD-8F0F-B9A2FB77A85C}"/>
               </a:ext>
               <a:ext uri="{C183D7F6-B498-43B3-948B-1728B52AA6E4}">
-                <adec:decorative xmlns="" xmlns:adec="http://schemas.microsoft.com/office/drawing/2017/decorative" val="1"/>
+                <adec:decorative xmlns:adec="http://schemas.microsoft.com/office/drawing/2017/decorative" val="1"/>
               </a:ext>
             </a:extLst>
           </p:cNvPr>
@@ -33639,7 +34875,7 @@
                 <a16:creationId xmlns:a16="http://schemas.microsoft.com/office/drawing/2014/main" id="{D891E407-403B-4764-86C9-33A56D3BCAA3}"/>
               </a:ext>
               <a:ext uri="{C183D7F6-B498-43B3-948B-1728B52AA6E4}">
-                <adec:decorative xmlns="" xmlns:adec="http://schemas.microsoft.com/office/drawing/2017/decorative" val="1"/>
+                <adec:decorative xmlns:adec="http://schemas.microsoft.com/office/drawing/2017/decorative" val="1"/>
               </a:ext>
             </a:extLst>
           </p:cNvPr>
@@ -33889,7 +35125,7 @@
                 <a16:creationId xmlns:a16="http://schemas.microsoft.com/office/drawing/2014/main" id="{E4A809D5-3600-46D4-A466-67F2349A54FB}"/>
               </a:ext>
               <a:ext uri="{C183D7F6-B498-43B3-948B-1728B52AA6E4}">
-                <adec:decorative xmlns="" xmlns:adec="http://schemas.microsoft.com/office/drawing/2017/decorative" val="1"/>
+                <adec:decorative xmlns:adec="http://schemas.microsoft.com/office/drawing/2017/decorative" val="1"/>
               </a:ext>
             </a:extLst>
           </p:cNvPr>
@@ -33973,7 +35209,7 @@
             </a:pPr>
             <a:r>
               <a:rPr lang="en-US" sz="1800" dirty="0">
-                <a:hlinkClick r:id="rId2"/>
+                <a:hlinkClick r:id="rId3"/>
               </a:rPr>
               <a:t>https://docs.microsoft.com/en-us/windows/wsl/install-win10</a:t>
             </a:r>
@@ -33989,17 +35225,30 @@
             </a:r>
             <a:r>
               <a:rPr lang="en-US" sz="1800" dirty="0">
-                <a:hlinkClick r:id="rId3"/>
+                <a:hlinkClick r:id="rId4"/>
               </a:rPr>
               <a:t>https://docs.docker.com/docker-for-windows/wsl-tech-preview/</a:t>
             </a:r>
             <a:endParaRPr lang="en-US" sz="1800" dirty="0"/>
           </a:p>
           <a:p>
-            <a:pPr marL="457200" lvl="1" indent="0">
-              <a:buNone/>
-            </a:pPr>
             <a:endParaRPr lang="en-US" sz="1800" dirty="0"/>
+          </a:p>
+          <a:p>
+            <a:r>
+              <a:rPr lang="en-US" sz="1800" dirty="0"/>
+              <a:t>Kubernetes.  Swarm.  Nomad. </a:t>
+            </a:r>
+            <a:r>
+              <a:rPr lang="en-US" sz="1800" dirty="0">
+                <a:hlinkClick r:id="rId5"/>
+              </a:rPr>
+              <a:t>https://www.weave.works/blog/comparing-container-orchestration/</a:t>
+            </a:r>
+            <a:r>
+              <a:rPr lang="en-US" sz="1800" dirty="0"/>
+              <a:t> </a:t>
+            </a:r>
           </a:p>
           <a:p>
             <a:pPr marL="457200" lvl="1" indent="0">
@@ -34024,7 +35273,7 @@
           <p:nvPr/>
         </p:nvPicPr>
         <p:blipFill rotWithShape="1">
-          <a:blip r:embed="rId4">
+          <a:blip r:embed="rId6">
             <a:extLst>
               <a:ext uri="{28A0092B-C50C-407E-A947-70E740481C1C}">
                 <a14:useLocalDpi xmlns:a14="http://schemas.microsoft.com/office/drawing/2010/main" val="0"/>
@@ -34194,6 +35443,21 @@
           <a:bodyPr/>
           <a:lstStyle/>
           <a:p>
+            <a:pPr marL="0" indent="0">
+              <a:buNone/>
+            </a:pPr>
+            <a:r>
+              <a:rPr lang="en-US" dirty="0">
+                <a:hlinkClick r:id="rId3"/>
+              </a:rPr>
+              <a:t>https://github.com/chlsmith/sql-on-docker</a:t>
+            </a:r>
+            <a:endParaRPr lang="en-US" dirty="0"/>
+          </a:p>
+          <a:p>
+            <a:pPr marL="0" indent="0">
+              <a:buNone/>
+            </a:pPr>
             <a:endParaRPr lang="en-US" dirty="0"/>
           </a:p>
         </p:txBody>
@@ -34244,7 +35508,7 @@
                 <a16:creationId xmlns:a16="http://schemas.microsoft.com/office/drawing/2014/main" id="{46C2E80F-49A6-4372-B103-219D417A55ED}"/>
               </a:ext>
               <a:ext uri="{C183D7F6-B498-43B3-948B-1728B52AA6E4}">
-                <adec:decorative xmlns="" xmlns:adec="http://schemas.microsoft.com/office/drawing/2017/decorative" val="1"/>
+                <adec:decorative xmlns:adec="http://schemas.microsoft.com/office/drawing/2017/decorative" val="1"/>
               </a:ext>
             </a:extLst>
           </p:cNvPr>
@@ -34772,7 +36036,7 @@
             <p:ph idx="1"/>
             <p:extLst>
               <p:ext uri="{D42A27DB-BD31-4B8C-83A1-F6EECF244321}">
-                <p14:modId xmlns:p14="http://schemas.microsoft.com/office/powerpoint/2010/main" val="1514442855"/>
+                <p14:modId xmlns:p14="http://schemas.microsoft.com/office/powerpoint/2010/main" val="3467923398"/>
               </p:ext>
             </p:extLst>
           </p:nvPr>
@@ -34783,7 +36047,7 @@
         </p:xfrm>
         <a:graphic>
           <a:graphicData uri="http://schemas.openxmlformats.org/drawingml/2006/diagram">
-            <dgm:relIds xmlns:dgm="http://schemas.openxmlformats.org/drawingml/2006/diagram" xmlns:r="http://schemas.openxmlformats.org/officeDocument/2006/relationships" r:dm="rId2" r:lo="rId3" r:qs="rId4" r:cs="rId5"/>
+            <dgm:relIds xmlns:dgm="http://schemas.openxmlformats.org/drawingml/2006/diagram" xmlns:r="http://schemas.openxmlformats.org/officeDocument/2006/relationships" r:dm="rId3" r:lo="rId4" r:qs="rId5" r:cs="rId6"/>
           </a:graphicData>
         </a:graphic>
       </p:graphicFrame>
@@ -34833,7 +36097,7 @@
                 <a16:creationId xmlns:a16="http://schemas.microsoft.com/office/drawing/2014/main" id="{46C2E80F-49A6-4372-B103-219D417A55ED}"/>
               </a:ext>
               <a:ext uri="{C183D7F6-B498-43B3-948B-1728B52AA6E4}">
-                <adec:decorative xmlns="" xmlns:adec="http://schemas.microsoft.com/office/drawing/2017/decorative" val="1"/>
+                <adec:decorative xmlns:adec="http://schemas.microsoft.com/office/drawing/2017/decorative" val="1"/>
               </a:ext>
             </a:extLst>
           </p:cNvPr>
@@ -35372,7 +36636,7 @@
         </p:xfrm>
         <a:graphic>
           <a:graphicData uri="http://schemas.openxmlformats.org/drawingml/2006/diagram">
-            <dgm:relIds xmlns:dgm="http://schemas.openxmlformats.org/drawingml/2006/diagram" xmlns:r="http://schemas.openxmlformats.org/officeDocument/2006/relationships" r:dm="rId2" r:lo="rId3" r:qs="rId4" r:cs="rId5"/>
+            <dgm:relIds xmlns:dgm="http://schemas.openxmlformats.org/drawingml/2006/diagram" xmlns:r="http://schemas.openxmlformats.org/officeDocument/2006/relationships" r:dm="rId3" r:lo="rId4" r:qs="rId5" r:cs="rId6"/>
           </a:graphicData>
         </a:graphic>
       </p:graphicFrame>
@@ -35422,7 +36686,7 @@
                 <a16:creationId xmlns:a16="http://schemas.microsoft.com/office/drawing/2014/main" id="{46C2E80F-49A6-4372-B103-219D417A55ED}"/>
               </a:ext>
               <a:ext uri="{C183D7F6-B498-43B3-948B-1728B52AA6E4}">
-                <adec:decorative xmlns="" xmlns:adec="http://schemas.microsoft.com/office/drawing/2017/decorative" val="1"/>
+                <adec:decorative xmlns:adec="http://schemas.microsoft.com/office/drawing/2017/decorative" val="1"/>
               </a:ext>
             </a:extLst>
           </p:cNvPr>
@@ -36050,7 +37314,7 @@
         </p:xfrm>
         <a:graphic>
           <a:graphicData uri="http://schemas.openxmlformats.org/drawingml/2006/diagram">
-            <dgm:relIds xmlns:dgm="http://schemas.openxmlformats.org/drawingml/2006/diagram" xmlns:r="http://schemas.openxmlformats.org/officeDocument/2006/relationships" r:dm="rId2" r:lo="rId3" r:qs="rId4" r:cs="rId5"/>
+            <dgm:relIds xmlns:dgm="http://schemas.openxmlformats.org/drawingml/2006/diagram" xmlns:r="http://schemas.openxmlformats.org/officeDocument/2006/relationships" r:dm="rId3" r:lo="rId4" r:qs="rId5" r:cs="rId6"/>
           </a:graphicData>
         </a:graphic>
       </p:graphicFrame>
@@ -36139,7 +37403,7 @@
         </p:xfrm>
         <a:graphic>
           <a:graphicData uri="http://schemas.openxmlformats.org/drawingml/2006/diagram">
-            <dgm:relIds xmlns:dgm="http://schemas.openxmlformats.org/drawingml/2006/diagram" xmlns:r="http://schemas.openxmlformats.org/officeDocument/2006/relationships" r:dm="rId2" r:lo="rId3" r:qs="rId4" r:cs="rId5"/>
+            <dgm:relIds xmlns:dgm="http://schemas.openxmlformats.org/drawingml/2006/diagram" xmlns:r="http://schemas.openxmlformats.org/officeDocument/2006/relationships" r:dm="rId3" r:lo="rId4" r:qs="rId5" r:cs="rId6"/>
           </a:graphicData>
         </a:graphic>
       </p:graphicFrame>
@@ -36271,7 +37535,7 @@
         </p:xfrm>
         <a:graphic>
           <a:graphicData uri="http://schemas.openxmlformats.org/drawingml/2006/diagram">
-            <dgm:relIds xmlns:dgm="http://schemas.openxmlformats.org/drawingml/2006/diagram" xmlns:r="http://schemas.openxmlformats.org/officeDocument/2006/relationships" r:dm="rId2" r:lo="rId3" r:qs="rId4" r:cs="rId5"/>
+            <dgm:relIds xmlns:dgm="http://schemas.openxmlformats.org/drawingml/2006/diagram" xmlns:r="http://schemas.openxmlformats.org/officeDocument/2006/relationships" r:dm="rId3" r:lo="rId4" r:qs="rId5" r:cs="rId6"/>
           </a:graphicData>
         </a:graphic>
       </p:graphicFrame>
@@ -36321,7 +37585,7 @@
                 <a16:creationId xmlns:a16="http://schemas.microsoft.com/office/drawing/2014/main" id="{46C2E80F-49A6-4372-B103-219D417A55ED}"/>
               </a:ext>
               <a:ext uri="{C183D7F6-B498-43B3-948B-1728B52AA6E4}">
-                <adec:decorative xmlns="" xmlns:adec="http://schemas.microsoft.com/office/drawing/2017/decorative" val="1"/>
+                <adec:decorative xmlns:adec="http://schemas.microsoft.com/office/drawing/2017/decorative" val="1"/>
               </a:ext>
             </a:extLst>
           </p:cNvPr>
@@ -36860,7 +38124,7 @@
         </p:xfrm>
         <a:graphic>
           <a:graphicData uri="http://schemas.openxmlformats.org/drawingml/2006/diagram">
-            <dgm:relIds xmlns:dgm="http://schemas.openxmlformats.org/drawingml/2006/diagram" xmlns:r="http://schemas.openxmlformats.org/officeDocument/2006/relationships" r:dm="rId2" r:lo="rId3" r:qs="rId4" r:cs="rId5"/>
+            <dgm:relIds xmlns:dgm="http://schemas.openxmlformats.org/drawingml/2006/diagram" xmlns:r="http://schemas.openxmlformats.org/officeDocument/2006/relationships" r:dm="rId3" r:lo="rId4" r:qs="rId5" r:cs="rId6"/>
           </a:graphicData>
         </a:graphic>
       </p:graphicFrame>
@@ -36880,6 +38144,14 @@
 <file path=ppt/slides/slide9.xml><?xml version="1.0" encoding="utf-8"?>
 <p:sld xmlns:a="http://schemas.openxmlformats.org/drawingml/2006/main" xmlns:r="http://schemas.openxmlformats.org/officeDocument/2006/relationships" xmlns:p="http://schemas.openxmlformats.org/presentationml/2006/main">
   <p:cSld>
+    <p:bg>
+      <p:bgPr>
+        <a:solidFill>
+          <a:schemeClr val="bg1"/>
+        </a:solidFill>
+        <a:effectLst/>
+      </p:bgPr>
+    </p:bg>
     <p:spTree>
       <p:nvGrpSpPr>
         <p:cNvPr id="1" name=""/>
@@ -36896,10 +38168,76 @@
       </p:grpSpPr>
       <p:sp>
         <p:nvSpPr>
+          <p:cNvPr id="23" name="Rectangle 22">
+            <a:extLst>
+              <a:ext uri="{FF2B5EF4-FFF2-40B4-BE49-F238E27FC236}">
+                <a16:creationId xmlns:a16="http://schemas.microsoft.com/office/drawing/2014/main" id="{EBF87945-A001-489F-9D9B-7D9435F0B9CA}"/>
+              </a:ext>
+              <a:ext uri="{C183D7F6-B498-43B3-948B-1728B52AA6E4}">
+                <adec:decorative xmlns:adec="http://schemas.microsoft.com/office/drawing/2017/decorative" val="1"/>
+              </a:ext>
+            </a:extLst>
+          </p:cNvPr>
+          <p:cNvSpPr>
+            <a:spLocks noGrp="1" noRot="1" noChangeAspect="1" noMove="1" noResize="1" noEditPoints="1" noAdjustHandles="1" noChangeArrowheads="1" noChangeShapeType="1" noTextEdit="1"/>
+          </p:cNvSpPr>
+          <p:nvPr>
+            <p:extLst>
+              <p:ext uri="{386F3935-93C4-4BCD-93E2-E3B085C9AB24}">
+                <p16:designElem xmlns:p16="http://schemas.microsoft.com/office/powerpoint/2015/main" val="1"/>
+              </p:ext>
+            </p:extLst>
+          </p:nvPr>
+        </p:nvSpPr>
+        <p:spPr>
+          <a:xfrm>
+            <a:off x="548639" y="347471"/>
+            <a:ext cx="11100816" cy="1801368"/>
+          </a:xfrm>
+          <a:prstGeom prst="rect">
+            <a:avLst/>
+          </a:prstGeom>
+          <a:solidFill>
+            <a:schemeClr val="tx1">
+              <a:lumMod val="75000"/>
+              <a:lumOff val="25000"/>
+            </a:schemeClr>
+          </a:solidFill>
+          <a:ln>
+            <a:noFill/>
+          </a:ln>
+        </p:spPr>
+        <p:style>
+          <a:lnRef idx="2">
+            <a:schemeClr val="accent1">
+              <a:shade val="50000"/>
+            </a:schemeClr>
+          </a:lnRef>
+          <a:fillRef idx="1">
+            <a:schemeClr val="accent1"/>
+          </a:fillRef>
+          <a:effectRef idx="0">
+            <a:schemeClr val="accent1"/>
+          </a:effectRef>
+          <a:fontRef idx="minor">
+            <a:schemeClr val="lt1"/>
+          </a:fontRef>
+        </p:style>
+        <p:txBody>
+          <a:bodyPr rtlCol="0" anchor="ctr"/>
+          <a:lstStyle/>
+          <a:p>
+            <a:pPr algn="ctr"/>
+            <a:endParaRPr lang="en-US"/>
+          </a:p>
+        </p:txBody>
+      </p:sp>
+      <p:sp>
+        <p:nvSpPr>
           <p:cNvPr id="2" name="Title 1">
             <a:extLst>
               <a:ext uri="{FF2B5EF4-FFF2-40B4-BE49-F238E27FC236}">
-                <a16:creationId xmlns:a16="http://schemas.microsoft.com/office/drawing/2014/main" id="{36BA94A0-0F46-4D9A-AF1E-A9E6EC8EE0C3}"/>
+                <a16:creationId xmlns:a16="http://schemas.microsoft.com/office/drawing/2014/main" id="{FC9EAFB3-C92A-4C4F-84E4-558BFE73CEA1}"/>
               </a:ext>
             </a:extLst>
           </p:cNvPr>
@@ -36912,365 +38250,91 @@
         </p:nvSpPr>
         <p:spPr>
           <a:xfrm>
-            <a:off x="749424" y="378857"/>
+            <a:off x="838200" y="585216"/>
             <a:ext cx="10515600" cy="1325563"/>
           </a:xfrm>
         </p:spPr>
         <p:txBody>
-          <a:bodyPr/>
+          <a:bodyPr>
+            <a:normAutofit/>
+          </a:bodyPr>
           <a:lstStyle/>
           <a:p>
             <a:r>
-              <a:rPr lang="en-US" dirty="0"/>
-              <a:t>Special Considerations</a:t>
+              <a:rPr lang="en-US">
+                <a:solidFill>
+                  <a:schemeClr val="bg1"/>
+                </a:solidFill>
+              </a:rPr>
+              <a:t>Free Docker Images</a:t>
             </a:r>
           </a:p>
         </p:txBody>
       </p:sp>
-      <p:sp>
-        <p:nvSpPr>
-          <p:cNvPr id="3" name="Content Placeholder 2">
+      <p:pic>
+        <p:nvPicPr>
+          <p:cNvPr id="3" name="Picture 2">
             <a:extLst>
               <a:ext uri="{FF2B5EF4-FFF2-40B4-BE49-F238E27FC236}">
-                <a16:creationId xmlns:a16="http://schemas.microsoft.com/office/drawing/2014/main" id="{1627C23C-988E-4412-A1C7-B2805F9A96D0}"/>
+                <a16:creationId xmlns:a16="http://schemas.microsoft.com/office/drawing/2014/main" id="{56BE8796-530D-488D-8083-5515B68B3990}"/>
               </a:ext>
             </a:extLst>
           </p:cNvPr>
-          <p:cNvSpPr>
-            <a:spLocks noGrp="1"/>
-          </p:cNvSpPr>
-          <p:nvPr>
-            <p:ph idx="1"/>
-          </p:nvPr>
-        </p:nvSpPr>
+          <p:cNvPicPr>
+            <a:picLocks noChangeAspect="1"/>
+          </p:cNvPicPr>
+          <p:nvPr/>
+        </p:nvPicPr>
+        <p:blipFill rotWithShape="1">
+          <a:blip r:embed="rId2"/>
+          <a:srcRect r="13106"/>
+          <a:stretch/>
+        </p:blipFill>
         <p:spPr>
           <a:xfrm>
-            <a:off x="838200" y="1541768"/>
-            <a:ext cx="5589233" cy="455936"/>
+            <a:off x="841248" y="2516777"/>
+            <a:ext cx="6236208" cy="3660185"/>
           </a:xfrm>
+          <a:prstGeom prst="rect">
+            <a:avLst/>
+          </a:prstGeom>
         </p:spPr>
-        <p:txBody>
-          <a:bodyPr>
-            <a:normAutofit lnSpcReduction="10000"/>
-          </a:bodyPr>
-          <a:lstStyle/>
-          <a:p>
-            <a:pPr marL="0" indent="0">
-              <a:buNone/>
-            </a:pPr>
-            <a:r>
-              <a:rPr lang="en-US" b="1" dirty="0"/>
-              <a:t>Networking</a:t>
-            </a:r>
-          </a:p>
-          <a:p>
-            <a:pPr marL="0" indent="0">
-              <a:buNone/>
-            </a:pPr>
-            <a:endParaRPr lang="en-US" dirty="0"/>
-          </a:p>
-          <a:p>
-            <a:pPr marL="0" indent="0">
-              <a:buNone/>
-            </a:pPr>
-            <a:endParaRPr lang="en-US" dirty="0"/>
-          </a:p>
-          <a:p>
-            <a:pPr marL="0" indent="0">
-              <a:buNone/>
-            </a:pPr>
-            <a:endParaRPr lang="en-US" dirty="0"/>
-          </a:p>
-          <a:p>
-            <a:endParaRPr lang="en-US" dirty="0"/>
-          </a:p>
-        </p:txBody>
-      </p:sp>
+      </p:pic>
       <p:graphicFrame>
         <p:nvGraphicFramePr>
-          <p:cNvPr id="4" name="Content Placeholder 3">
+          <p:cNvPr id="13" name="Content Placeholder 2">
             <a:extLst>
               <a:ext uri="{FF2B5EF4-FFF2-40B4-BE49-F238E27FC236}">
-                <a16:creationId xmlns:a16="http://schemas.microsoft.com/office/drawing/2014/main" id="{D9DC4405-A413-4D73-8381-15433E79E15A}"/>
+                <a16:creationId xmlns:a16="http://schemas.microsoft.com/office/drawing/2014/main" id="{DB73FA21-E118-4769-A8BE-3DED656FD0D4}"/>
               </a:ext>
             </a:extLst>
           </p:cNvPr>
           <p:cNvGraphicFramePr>
-            <a:graphicFrameLocks/>
+            <a:graphicFrameLocks noGrp="1"/>
           </p:cNvGraphicFramePr>
           <p:nvPr>
+            <p:ph idx="1"/>
             <p:extLst>
               <p:ext uri="{D42A27DB-BD31-4B8C-83A1-F6EECF244321}">
-                <p14:modId xmlns:p14="http://schemas.microsoft.com/office/powerpoint/2010/main" val="849575358"/>
+                <p14:modId xmlns:p14="http://schemas.microsoft.com/office/powerpoint/2010/main" val="2978587687"/>
               </p:ext>
             </p:extLst>
           </p:nvPr>
         </p:nvGraphicFramePr>
         <p:xfrm>
-          <a:off x="838200" y="1541768"/>
-          <a:ext cx="10515600" cy="2023712"/>
+          <a:off x="7546848" y="2516777"/>
+          <a:ext cx="3803904" cy="3660185"/>
         </p:xfrm>
         <a:graphic>
           <a:graphicData uri="http://schemas.openxmlformats.org/drawingml/2006/diagram">
-            <dgm:relIds xmlns:dgm="http://schemas.openxmlformats.org/drawingml/2006/diagram" xmlns:r="http://schemas.openxmlformats.org/officeDocument/2006/relationships" r:dm="rId2" r:lo="rId3" r:qs="rId4" r:cs="rId5"/>
+            <dgm:relIds xmlns:dgm="http://schemas.openxmlformats.org/drawingml/2006/diagram" xmlns:r="http://schemas.openxmlformats.org/officeDocument/2006/relationships" r:dm="rId3" r:lo="rId4" r:qs="rId5" r:cs="rId6"/>
           </a:graphicData>
         </a:graphic>
       </p:graphicFrame>
-      <p:sp>
-        <p:nvSpPr>
-          <p:cNvPr id="5" name="Content Placeholder 2">
-            <a:extLst>
-              <a:ext uri="{FF2B5EF4-FFF2-40B4-BE49-F238E27FC236}">
-                <a16:creationId xmlns:a16="http://schemas.microsoft.com/office/drawing/2014/main" id="{138B4F7B-ADF4-4B08-B351-37705B4BFA5A}"/>
-              </a:ext>
-            </a:extLst>
-          </p:cNvPr>
-          <p:cNvSpPr txBox="1">
-            <a:spLocks/>
-          </p:cNvSpPr>
-          <p:nvPr/>
-        </p:nvSpPr>
-        <p:spPr>
-          <a:xfrm>
-            <a:off x="838200" y="4097892"/>
-            <a:ext cx="10515600" cy="1459529"/>
-          </a:xfrm>
-          <a:prstGeom prst="rect">
-            <a:avLst/>
-          </a:prstGeom>
-        </p:spPr>
-        <p:txBody>
-          <a:bodyPr vert="horz" lIns="91440" tIns="45720" rIns="91440" bIns="45720" rtlCol="0">
-            <a:normAutofit fontScale="92500" lnSpcReduction="10000"/>
-          </a:bodyPr>
-          <a:lstStyle>
-            <a:lvl1pPr marL="228600" indent="-228600" algn="l" defTabSz="914400" rtl="0" eaLnBrk="1" latinLnBrk="0" hangingPunct="1">
-              <a:lnSpc>
-                <a:spcPct val="90000"/>
-              </a:lnSpc>
-              <a:spcBef>
-                <a:spcPts val="1000"/>
-              </a:spcBef>
-              <a:buFont typeface="Arial" panose="020B0604020202020204" pitchFamily="34" charset="0"/>
-              <a:buChar char="•"/>
-              <a:defRPr sz="2800" kern="1200">
-                <a:solidFill>
-                  <a:schemeClr val="tx1"/>
-                </a:solidFill>
-                <a:latin typeface="+mn-lt"/>
-                <a:ea typeface="+mn-ea"/>
-                <a:cs typeface="+mn-cs"/>
-              </a:defRPr>
-            </a:lvl1pPr>
-            <a:lvl2pPr marL="685800" indent="-228600" algn="l" defTabSz="914400" rtl="0" eaLnBrk="1" latinLnBrk="0" hangingPunct="1">
-              <a:lnSpc>
-                <a:spcPct val="90000"/>
-              </a:lnSpc>
-              <a:spcBef>
-                <a:spcPts val="500"/>
-              </a:spcBef>
-              <a:buFont typeface="Arial" panose="020B0604020202020204" pitchFamily="34" charset="0"/>
-              <a:buChar char="•"/>
-              <a:defRPr sz="2400" kern="1200">
-                <a:solidFill>
-                  <a:schemeClr val="tx1"/>
-                </a:solidFill>
-                <a:latin typeface="+mn-lt"/>
-                <a:ea typeface="+mn-ea"/>
-                <a:cs typeface="+mn-cs"/>
-              </a:defRPr>
-            </a:lvl2pPr>
-            <a:lvl3pPr marL="1143000" indent="-228600" algn="l" defTabSz="914400" rtl="0" eaLnBrk="1" latinLnBrk="0" hangingPunct="1">
-              <a:lnSpc>
-                <a:spcPct val="90000"/>
-              </a:lnSpc>
-              <a:spcBef>
-                <a:spcPts val="500"/>
-              </a:spcBef>
-              <a:buFont typeface="Arial" panose="020B0604020202020204" pitchFamily="34" charset="0"/>
-              <a:buChar char="•"/>
-              <a:defRPr sz="2000" kern="1200">
-                <a:solidFill>
-                  <a:schemeClr val="tx1"/>
-                </a:solidFill>
-                <a:latin typeface="+mn-lt"/>
-                <a:ea typeface="+mn-ea"/>
-                <a:cs typeface="+mn-cs"/>
-              </a:defRPr>
-            </a:lvl3pPr>
-            <a:lvl4pPr marL="1600200" indent="-228600" algn="l" defTabSz="914400" rtl="0" eaLnBrk="1" latinLnBrk="0" hangingPunct="1">
-              <a:lnSpc>
-                <a:spcPct val="90000"/>
-              </a:lnSpc>
-              <a:spcBef>
-                <a:spcPts val="500"/>
-              </a:spcBef>
-              <a:buFont typeface="Arial" panose="020B0604020202020204" pitchFamily="34" charset="0"/>
-              <a:buChar char="•"/>
-              <a:defRPr sz="1800" kern="1200">
-                <a:solidFill>
-                  <a:schemeClr val="tx1"/>
-                </a:solidFill>
-                <a:latin typeface="+mn-lt"/>
-                <a:ea typeface="+mn-ea"/>
-                <a:cs typeface="+mn-cs"/>
-              </a:defRPr>
-            </a:lvl4pPr>
-            <a:lvl5pPr marL="2057400" indent="-228600" algn="l" defTabSz="914400" rtl="0" eaLnBrk="1" latinLnBrk="0" hangingPunct="1">
-              <a:lnSpc>
-                <a:spcPct val="90000"/>
-              </a:lnSpc>
-              <a:spcBef>
-                <a:spcPts val="500"/>
-              </a:spcBef>
-              <a:buFont typeface="Arial" panose="020B0604020202020204" pitchFamily="34" charset="0"/>
-              <a:buChar char="•"/>
-              <a:defRPr sz="1800" kern="1200">
-                <a:solidFill>
-                  <a:schemeClr val="tx1"/>
-                </a:solidFill>
-                <a:latin typeface="+mn-lt"/>
-                <a:ea typeface="+mn-ea"/>
-                <a:cs typeface="+mn-cs"/>
-              </a:defRPr>
-            </a:lvl5pPr>
-            <a:lvl6pPr marL="2514600" indent="-228600" algn="l" defTabSz="914400" rtl="0" eaLnBrk="1" latinLnBrk="0" hangingPunct="1">
-              <a:lnSpc>
-                <a:spcPct val="90000"/>
-              </a:lnSpc>
-              <a:spcBef>
-                <a:spcPts val="500"/>
-              </a:spcBef>
-              <a:buFont typeface="Arial" panose="020B0604020202020204" pitchFamily="34" charset="0"/>
-              <a:buChar char="•"/>
-              <a:defRPr sz="1800" kern="1200">
-                <a:solidFill>
-                  <a:schemeClr val="tx1"/>
-                </a:solidFill>
-                <a:latin typeface="+mn-lt"/>
-                <a:ea typeface="+mn-ea"/>
-                <a:cs typeface="+mn-cs"/>
-              </a:defRPr>
-            </a:lvl6pPr>
-            <a:lvl7pPr marL="2971800" indent="-228600" algn="l" defTabSz="914400" rtl="0" eaLnBrk="1" latinLnBrk="0" hangingPunct="1">
-              <a:lnSpc>
-                <a:spcPct val="90000"/>
-              </a:lnSpc>
-              <a:spcBef>
-                <a:spcPts val="500"/>
-              </a:spcBef>
-              <a:buFont typeface="Arial" panose="020B0604020202020204" pitchFamily="34" charset="0"/>
-              <a:buChar char="•"/>
-              <a:defRPr sz="1800" kern="1200">
-                <a:solidFill>
-                  <a:schemeClr val="tx1"/>
-                </a:solidFill>
-                <a:latin typeface="+mn-lt"/>
-                <a:ea typeface="+mn-ea"/>
-                <a:cs typeface="+mn-cs"/>
-              </a:defRPr>
-            </a:lvl7pPr>
-            <a:lvl8pPr marL="3429000" indent="-228600" algn="l" defTabSz="914400" rtl="0" eaLnBrk="1" latinLnBrk="0" hangingPunct="1">
-              <a:lnSpc>
-                <a:spcPct val="90000"/>
-              </a:lnSpc>
-              <a:spcBef>
-                <a:spcPts val="500"/>
-              </a:spcBef>
-              <a:buFont typeface="Arial" panose="020B0604020202020204" pitchFamily="34" charset="0"/>
-              <a:buChar char="•"/>
-              <a:defRPr sz="1800" kern="1200">
-                <a:solidFill>
-                  <a:schemeClr val="tx1"/>
-                </a:solidFill>
-                <a:latin typeface="+mn-lt"/>
-                <a:ea typeface="+mn-ea"/>
-                <a:cs typeface="+mn-cs"/>
-              </a:defRPr>
-            </a:lvl8pPr>
-            <a:lvl9pPr marL="3886200" indent="-228600" algn="l" defTabSz="914400" rtl="0" eaLnBrk="1" latinLnBrk="0" hangingPunct="1">
-              <a:lnSpc>
-                <a:spcPct val="90000"/>
-              </a:lnSpc>
-              <a:spcBef>
-                <a:spcPts val="500"/>
-              </a:spcBef>
-              <a:buFont typeface="Arial" panose="020B0604020202020204" pitchFamily="34" charset="0"/>
-              <a:buChar char="•"/>
-              <a:defRPr sz="1800" kern="1200">
-                <a:solidFill>
-                  <a:schemeClr val="tx1"/>
-                </a:solidFill>
-                <a:latin typeface="+mn-lt"/>
-                <a:ea typeface="+mn-ea"/>
-                <a:cs typeface="+mn-cs"/>
-              </a:defRPr>
-            </a:lvl9pPr>
-          </a:lstStyle>
-          <a:p>
-            <a:pPr marL="0" indent="0">
-              <a:buFont typeface="Arial" panose="020B0604020202020204" pitchFamily="34" charset="0"/>
-              <a:buNone/>
-            </a:pPr>
-            <a:r>
-              <a:rPr lang="en-US" b="1" dirty="0"/>
-              <a:t>Volume Mounts</a:t>
-            </a:r>
-          </a:p>
-          <a:p>
-            <a:pPr marL="457200" lvl="1" indent="0">
-              <a:buNone/>
-            </a:pPr>
-            <a:r>
-              <a:rPr lang="en-US" dirty="0"/>
-              <a:t>Shared between Host OS and container</a:t>
-            </a:r>
-          </a:p>
-          <a:p>
-            <a:pPr marL="457200" lvl="1" indent="0">
-              <a:buNone/>
-            </a:pPr>
-            <a:r>
-              <a:rPr lang="en-US" dirty="0"/>
-              <a:t>Allows for data persistence when containers are dropped</a:t>
-            </a:r>
-          </a:p>
-          <a:p>
-            <a:pPr marL="457200" lvl="1" indent="0">
-              <a:buNone/>
-            </a:pPr>
-            <a:r>
-              <a:rPr lang="en-US" dirty="0"/>
-              <a:t>Watch for AV or Firewall tools that might block this</a:t>
-            </a:r>
-          </a:p>
-          <a:p>
-            <a:pPr marL="0" indent="0">
-              <a:buFont typeface="Arial" panose="020B0604020202020204" pitchFamily="34" charset="0"/>
-              <a:buNone/>
-            </a:pPr>
-            <a:endParaRPr lang="en-US" dirty="0"/>
-          </a:p>
-          <a:p>
-            <a:pPr marL="0" indent="0">
-              <a:buFont typeface="Arial" panose="020B0604020202020204" pitchFamily="34" charset="0"/>
-              <a:buNone/>
-            </a:pPr>
-            <a:endParaRPr lang="en-US" dirty="0"/>
-          </a:p>
-          <a:p>
-            <a:pPr marL="0" indent="0">
-              <a:buFont typeface="Arial" panose="020B0604020202020204" pitchFamily="34" charset="0"/>
-              <a:buNone/>
-            </a:pPr>
-            <a:endParaRPr lang="en-US" dirty="0"/>
-          </a:p>
-        </p:txBody>
-      </p:sp>
     </p:spTree>
     <p:extLst>
       <p:ext uri="{BB962C8B-B14F-4D97-AF65-F5344CB8AC3E}">
-        <p14:creationId xmlns:p14="http://schemas.microsoft.com/office/powerpoint/2010/main" val="4293024045"/>
+        <p14:creationId xmlns:p14="http://schemas.microsoft.com/office/powerpoint/2010/main" val="223911009"/>
       </p:ext>
     </p:extLst>
   </p:cSld>
